--- a/Presentation.pptx
+++ b/Presentation.pptx
@@ -2,10 +2,12 @@
 <file path=ppt/presentation.xml><?xml version="1.0" encoding="utf-8"?>
 <p:presentation xmlns:a="http://schemas.openxmlformats.org/drawingml/2006/main" xmlns:r="http://schemas.openxmlformats.org/officeDocument/2006/relationships" xmlns:p="http://schemas.openxmlformats.org/presentationml/2006/main" saveSubsetFonts="1">
   <p:sldMasterIdLst>
-    <p:sldMasterId id="2147483648" r:id="rId1"/>
+    <p:sldMasterId id="2147483773" r:id="rId1"/>
   </p:sldMasterIdLst>
   <p:sldIdLst>
     <p:sldId id="256" r:id="rId2"/>
+    <p:sldId id="258" r:id="rId3"/>
+    <p:sldId id="257" r:id="rId4"/>
   </p:sldIdLst>
   <p:sldSz cx="12192000" cy="6858000"/>
   <p:notesSz cx="6858000" cy="9144000"/>
@@ -104,6 +106,11 @@
       </a:defRPr>
     </a:lvl9pPr>
   </p:defaultTextStyle>
+  <p:extLst>
+    <p:ext uri="{EFAFB233-063F-42B5-8137-9DF3F51BA10A}">
+      <p15:sldGuideLst xmlns:p15="http://schemas.microsoft.com/office/powerpoint/2012/main"/>
+    </p:ext>
+  </p:extLst>
 </p:presentation>
 </file>
 
@@ -289,7 +296,7 @@
     </p:spTree>
     <p:extLst>
       <p:ext uri="{BB962C8B-B14F-4D97-AF65-F5344CB8AC3E}">
-        <p14:creationId xmlns:p14="http://schemas.microsoft.com/office/powerpoint/2010/main" val="4248562042"/>
+        <p14:creationId xmlns:p14="http://schemas.microsoft.com/office/powerpoint/2010/main" val="3450717731"/>
       </p:ext>
     </p:extLst>
   </p:cSld>
@@ -459,7 +466,7 @@
     </p:spTree>
     <p:extLst>
       <p:ext uri="{BB962C8B-B14F-4D97-AF65-F5344CB8AC3E}">
-        <p14:creationId xmlns:p14="http://schemas.microsoft.com/office/powerpoint/2010/main" val="3804099487"/>
+        <p14:creationId xmlns:p14="http://schemas.microsoft.com/office/powerpoint/2010/main" val="1117522447"/>
       </p:ext>
     </p:extLst>
   </p:cSld>
@@ -639,7 +646,7 @@
     </p:spTree>
     <p:extLst>
       <p:ext uri="{BB962C8B-B14F-4D97-AF65-F5344CB8AC3E}">
-        <p14:creationId xmlns:p14="http://schemas.microsoft.com/office/powerpoint/2010/main" val="2929231038"/>
+        <p14:creationId xmlns:p14="http://schemas.microsoft.com/office/powerpoint/2010/main" val="2322158656"/>
       </p:ext>
     </p:extLst>
   </p:cSld>
@@ -809,7 +816,7 @@
     </p:spTree>
     <p:extLst>
       <p:ext uri="{BB962C8B-B14F-4D97-AF65-F5344CB8AC3E}">
-        <p14:creationId xmlns:p14="http://schemas.microsoft.com/office/powerpoint/2010/main" val="3082842112"/>
+        <p14:creationId xmlns:p14="http://schemas.microsoft.com/office/powerpoint/2010/main" val="1050259279"/>
       </p:ext>
     </p:extLst>
   </p:cSld>
@@ -1055,7 +1062,7 @@
     </p:spTree>
     <p:extLst>
       <p:ext uri="{BB962C8B-B14F-4D97-AF65-F5344CB8AC3E}">
-        <p14:creationId xmlns:p14="http://schemas.microsoft.com/office/powerpoint/2010/main" val="484783982"/>
+        <p14:creationId xmlns:p14="http://schemas.microsoft.com/office/powerpoint/2010/main" val="1833547830"/>
       </p:ext>
     </p:extLst>
   </p:cSld>
@@ -1287,7 +1294,7 @@
     </p:spTree>
     <p:extLst>
       <p:ext uri="{BB962C8B-B14F-4D97-AF65-F5344CB8AC3E}">
-        <p14:creationId xmlns:p14="http://schemas.microsoft.com/office/powerpoint/2010/main" val="4098694589"/>
+        <p14:creationId xmlns:p14="http://schemas.microsoft.com/office/powerpoint/2010/main" val="1361022149"/>
       </p:ext>
     </p:extLst>
   </p:cSld>
@@ -1654,7 +1661,7 @@
     </p:spTree>
     <p:extLst>
       <p:ext uri="{BB962C8B-B14F-4D97-AF65-F5344CB8AC3E}">
-        <p14:creationId xmlns:p14="http://schemas.microsoft.com/office/powerpoint/2010/main" val="3846724064"/>
+        <p14:creationId xmlns:p14="http://schemas.microsoft.com/office/powerpoint/2010/main" val="933441890"/>
       </p:ext>
     </p:extLst>
   </p:cSld>
@@ -1772,7 +1779,7 @@
     </p:spTree>
     <p:extLst>
       <p:ext uri="{BB962C8B-B14F-4D97-AF65-F5344CB8AC3E}">
-        <p14:creationId xmlns:p14="http://schemas.microsoft.com/office/powerpoint/2010/main" val="264307547"/>
+        <p14:creationId xmlns:p14="http://schemas.microsoft.com/office/powerpoint/2010/main" val="2422884727"/>
       </p:ext>
     </p:extLst>
   </p:cSld>
@@ -1867,7 +1874,7 @@
     </p:spTree>
     <p:extLst>
       <p:ext uri="{BB962C8B-B14F-4D97-AF65-F5344CB8AC3E}">
-        <p14:creationId xmlns:p14="http://schemas.microsoft.com/office/powerpoint/2010/main" val="2554709271"/>
+        <p14:creationId xmlns:p14="http://schemas.microsoft.com/office/powerpoint/2010/main" val="4212714606"/>
       </p:ext>
     </p:extLst>
   </p:cSld>
@@ -2144,7 +2151,7 @@
     </p:spTree>
     <p:extLst>
       <p:ext uri="{BB962C8B-B14F-4D97-AF65-F5344CB8AC3E}">
-        <p14:creationId xmlns:p14="http://schemas.microsoft.com/office/powerpoint/2010/main" val="3677795280"/>
+        <p14:creationId xmlns:p14="http://schemas.microsoft.com/office/powerpoint/2010/main" val="4100523071"/>
       </p:ext>
     </p:extLst>
   </p:cSld>
@@ -2397,7 +2404,7 @@
     </p:spTree>
     <p:extLst>
       <p:ext uri="{BB962C8B-B14F-4D97-AF65-F5344CB8AC3E}">
-        <p14:creationId xmlns:p14="http://schemas.microsoft.com/office/powerpoint/2010/main" val="138053511"/>
+        <p14:creationId xmlns:p14="http://schemas.microsoft.com/office/powerpoint/2010/main" val="2444044585"/>
       </p:ext>
     </p:extLst>
   </p:cSld>
@@ -2646,23 +2653,23 @@
     </p:spTree>
     <p:extLst>
       <p:ext uri="{BB962C8B-B14F-4D97-AF65-F5344CB8AC3E}">
-        <p14:creationId xmlns:p14="http://schemas.microsoft.com/office/powerpoint/2010/main" val="644571213"/>
+        <p14:creationId xmlns:p14="http://schemas.microsoft.com/office/powerpoint/2010/main" val="1872956153"/>
       </p:ext>
     </p:extLst>
   </p:cSld>
   <p:clrMap bg1="lt1" tx1="dk1" bg2="lt2" tx2="dk2" accent1="accent1" accent2="accent2" accent3="accent3" accent4="accent4" accent5="accent5" accent6="accent6" hlink="hlink" folHlink="folHlink"/>
   <p:sldLayoutIdLst>
-    <p:sldLayoutId id="2147483649" r:id="rId1"/>
-    <p:sldLayoutId id="2147483650" r:id="rId2"/>
-    <p:sldLayoutId id="2147483651" r:id="rId3"/>
-    <p:sldLayoutId id="2147483652" r:id="rId4"/>
-    <p:sldLayoutId id="2147483653" r:id="rId5"/>
-    <p:sldLayoutId id="2147483654" r:id="rId6"/>
-    <p:sldLayoutId id="2147483655" r:id="rId7"/>
-    <p:sldLayoutId id="2147483656" r:id="rId8"/>
-    <p:sldLayoutId id="2147483657" r:id="rId9"/>
-    <p:sldLayoutId id="2147483658" r:id="rId10"/>
-    <p:sldLayoutId id="2147483659" r:id="rId11"/>
+    <p:sldLayoutId id="2147483774" r:id="rId1"/>
+    <p:sldLayoutId id="2147483775" r:id="rId2"/>
+    <p:sldLayoutId id="2147483776" r:id="rId3"/>
+    <p:sldLayoutId id="2147483777" r:id="rId4"/>
+    <p:sldLayoutId id="2147483778" r:id="rId5"/>
+    <p:sldLayoutId id="2147483779" r:id="rId6"/>
+    <p:sldLayoutId id="2147483780" r:id="rId7"/>
+    <p:sldLayoutId id="2147483781" r:id="rId8"/>
+    <p:sldLayoutId id="2147483782" r:id="rId9"/>
+    <p:sldLayoutId id="2147483783" r:id="rId10"/>
+    <p:sldLayoutId id="2147483784" r:id="rId11"/>
   </p:sldLayoutIdLst>
   <p:txStyles>
     <p:titleStyle>
@@ -3630,7 +3637,7 @@
           </p:nvSpPr>
           <p:spPr>
             <a:xfrm>
-              <a:off x="0" y="4887394"/>
+              <a:off x="0" y="4993810"/>
               <a:ext cx="12192000" cy="482892"/>
             </a:xfrm>
             <a:prstGeom prst="rect">
@@ -3676,7 +3683,7 @@
           </p:nvSpPr>
           <p:spPr>
             <a:xfrm>
-              <a:off x="0" y="5631250"/>
+              <a:off x="0" y="5805182"/>
               <a:ext cx="12192000" cy="482892"/>
             </a:xfrm>
             <a:prstGeom prst="rect">
@@ -3768,7 +3775,7 @@
           </p:nvSpPr>
           <p:spPr>
             <a:xfrm>
-              <a:off x="7740484" y="4915342"/>
+              <a:off x="7740484" y="5017592"/>
               <a:ext cx="438404" cy="435328"/>
             </a:xfrm>
             <a:prstGeom prst="ellipse">
@@ -3814,7 +3821,7 @@
           </p:nvSpPr>
           <p:spPr>
             <a:xfrm>
-              <a:off x="7740484" y="5655032"/>
+              <a:off x="7740484" y="5828964"/>
               <a:ext cx="438404" cy="435328"/>
             </a:xfrm>
             <a:prstGeom prst="ellipse">
@@ -3853,6 +3860,74 @@
           </p:txBody>
         </p:sp>
       </p:grpSp>
+      <p:sp>
+        <p:nvSpPr>
+          <p:cNvPr id="2" name="TextBox 1"/>
+          <p:cNvSpPr txBox="1"/>
+          <p:nvPr/>
+        </p:nvSpPr>
+        <p:spPr>
+          <a:xfrm>
+            <a:off x="1008557" y="1835186"/>
+            <a:ext cx="3913632" cy="1323439"/>
+          </a:xfrm>
+          <a:prstGeom prst="rect">
+            <a:avLst/>
+          </a:prstGeom>
+          <a:noFill/>
+        </p:spPr>
+        <p:txBody>
+          <a:bodyPr wrap="square" rtlCol="0">
+            <a:spAutoFit/>
+          </a:bodyPr>
+          <a:lstStyle/>
+          <a:p>
+            <a:r>
+              <a:rPr lang="en-US" sz="8000" b="1" dirty="0" smtClean="0">
+                <a:latin typeface="Times New Roman" panose="02020603050405020304" pitchFamily="18" charset="0"/>
+                <a:cs typeface="Times New Roman" panose="02020603050405020304" pitchFamily="18" charset="0"/>
+              </a:rPr>
+              <a:t>Unit 3</a:t>
+            </a:r>
+          </a:p>
+        </p:txBody>
+      </p:sp>
+      <p:sp>
+        <p:nvSpPr>
+          <p:cNvPr id="3" name="TextBox 2"/>
+          <p:cNvSpPr txBox="1"/>
+          <p:nvPr/>
+        </p:nvSpPr>
+        <p:spPr>
+          <a:xfrm>
+            <a:off x="1008557" y="3188684"/>
+            <a:ext cx="5391150" cy="923330"/>
+          </a:xfrm>
+          <a:prstGeom prst="rect">
+            <a:avLst/>
+          </a:prstGeom>
+          <a:noFill/>
+        </p:spPr>
+        <p:txBody>
+          <a:bodyPr wrap="square" rtlCol="0">
+            <a:spAutoFit/>
+          </a:bodyPr>
+          <a:lstStyle/>
+          <a:p>
+            <a:r>
+              <a:rPr lang="en-US" sz="5400" b="1" dirty="0" smtClean="0">
+                <a:latin typeface="Times New Roman" panose="02020603050405020304" pitchFamily="18" charset="0"/>
+                <a:cs typeface="Times New Roman" panose="02020603050405020304" pitchFamily="18" charset="0"/>
+              </a:rPr>
+              <a:t>Logic Modeling</a:t>
+            </a:r>
+            <a:endParaRPr lang="en-US" sz="5400" b="1" dirty="0">
+              <a:latin typeface="Times New Roman" panose="02020603050405020304" pitchFamily="18" charset="0"/>
+              <a:cs typeface="Times New Roman" panose="02020603050405020304" pitchFamily="18" charset="0"/>
+            </a:endParaRPr>
+          </a:p>
+        </p:txBody>
+      </p:sp>
     </p:spTree>
     <p:extLst>
       <p:ext uri="{BB962C8B-B14F-4D97-AF65-F5344CB8AC3E}">
@@ -3863,6 +3938,8863 @@
   <p:clrMapOvr>
     <a:masterClrMapping/>
   </p:clrMapOvr>
+  <p:timing>
+    <p:tnLst>
+      <p:par>
+        <p:cTn id="1" dur="indefinite" restart="never" nodeType="tmRoot"/>
+      </p:par>
+    </p:tnLst>
+  </p:timing>
+</p:sld>
+</file>
+
+<file path=ppt/slides/slide2.xml><?xml version="1.0" encoding="utf-8"?>
+<p:sld xmlns:a="http://schemas.openxmlformats.org/drawingml/2006/main" xmlns:r="http://schemas.openxmlformats.org/officeDocument/2006/relationships" xmlns:p="http://schemas.openxmlformats.org/presentationml/2006/main">
+  <p:cSld>
+    <p:spTree>
+      <p:nvGrpSpPr>
+        <p:cNvPr id="1" name=""/>
+        <p:cNvGrpSpPr/>
+        <p:nvPr/>
+      </p:nvGrpSpPr>
+      <p:grpSpPr>
+        <a:xfrm>
+          <a:off x="0" y="0"/>
+          <a:ext cx="0" cy="0"/>
+          <a:chOff x="0" y="0"/>
+          <a:chExt cx="0" cy="0"/>
+        </a:xfrm>
+      </p:grpSpPr>
+    </p:spTree>
+    <p:extLst>
+      <p:ext uri="{BB962C8B-B14F-4D97-AF65-F5344CB8AC3E}">
+        <p14:creationId xmlns:p14="http://schemas.microsoft.com/office/powerpoint/2010/main" val="1909429655"/>
+      </p:ext>
+    </p:extLst>
+  </p:cSld>
+  <p:clrMapOvr>
+    <a:masterClrMapping/>
+  </p:clrMapOvr>
+  <p:timing>
+    <p:tnLst>
+      <p:par>
+        <p:cTn id="1" dur="indefinite" restart="never" nodeType="tmRoot"/>
+      </p:par>
+    </p:tnLst>
+  </p:timing>
+</p:sld>
+</file>
+
+<file path=ppt/slides/slide3.xml><?xml version="1.0" encoding="utf-8"?>
+<p:sld xmlns:a="http://schemas.openxmlformats.org/drawingml/2006/main" xmlns:r="http://schemas.openxmlformats.org/officeDocument/2006/relationships" xmlns:p="http://schemas.openxmlformats.org/presentationml/2006/main">
+  <p:cSld>
+    <p:bg>
+      <p:bgPr>
+        <a:gradFill flip="none" rotWithShape="1">
+          <a:gsLst>
+            <a:gs pos="38000">
+              <a:schemeClr val="accent5">
+                <a:lumMod val="95000"/>
+                <a:lumOff val="5000"/>
+              </a:schemeClr>
+            </a:gs>
+            <a:gs pos="100000">
+              <a:schemeClr val="accent5">
+                <a:lumMod val="60000"/>
+              </a:schemeClr>
+            </a:gs>
+          </a:gsLst>
+          <a:path path="circle">
+            <a:fillToRect l="50000" t="130000" r="50000" b="-30000"/>
+          </a:path>
+          <a:tileRect/>
+        </a:gradFill>
+        <a:effectLst/>
+      </p:bgPr>
+    </p:bg>
+    <p:spTree>
+      <p:nvGrpSpPr>
+        <p:cNvPr id="1" name=""/>
+        <p:cNvGrpSpPr/>
+        <p:nvPr/>
+      </p:nvGrpSpPr>
+      <p:grpSpPr>
+        <a:xfrm>
+          <a:off x="0" y="0"/>
+          <a:ext cx="0" cy="0"/>
+          <a:chOff x="0" y="0"/>
+          <a:chExt cx="0" cy="0"/>
+        </a:xfrm>
+      </p:grpSpPr>
+      <p:sp>
+        <p:nvSpPr>
+          <p:cNvPr id="4" name="Google Shape;2021;p48"/>
+          <p:cNvSpPr/>
+          <p:nvPr/>
+        </p:nvSpPr>
+        <p:spPr>
+          <a:xfrm rot="669649" flipH="1">
+            <a:off x="880929" y="261341"/>
+            <a:ext cx="1393436" cy="1294906"/>
+          </a:xfrm>
+          <a:custGeom>
+            <a:avLst/>
+            <a:gdLst/>
+            <a:ahLst/>
+            <a:cxnLst/>
+            <a:rect l="l" t="t" r="r" b="b"/>
+            <a:pathLst>
+              <a:path w="518" h="567" extrusionOk="0">
+                <a:moveTo>
+                  <a:pt x="144" y="322"/>
+                </a:moveTo>
+                <a:cubicBezTo>
+                  <a:pt x="151" y="316"/>
+                  <a:pt x="160" y="314"/>
+                  <a:pt x="169" y="316"/>
+                </a:cubicBezTo>
+                <a:cubicBezTo>
+                  <a:pt x="182" y="318"/>
+                  <a:pt x="195" y="327"/>
+                  <a:pt x="205" y="339"/>
+                </a:cubicBezTo>
+                <a:cubicBezTo>
+                  <a:pt x="215" y="352"/>
+                  <a:pt x="221" y="366"/>
+                  <a:pt x="220" y="379"/>
+                </a:cubicBezTo>
+                <a:cubicBezTo>
+                  <a:pt x="220" y="388"/>
+                  <a:pt x="216" y="397"/>
+                  <a:pt x="209" y="402"/>
+                </a:cubicBezTo>
+                <a:cubicBezTo>
+                  <a:pt x="202" y="408"/>
+                  <a:pt x="193" y="410"/>
+                  <a:pt x="184" y="408"/>
+                </a:cubicBezTo>
+                <a:cubicBezTo>
+                  <a:pt x="308" y="562"/>
+                  <a:pt x="308" y="562"/>
+                  <a:pt x="308" y="562"/>
+                </a:cubicBezTo>
+                <a:cubicBezTo>
+                  <a:pt x="312" y="567"/>
+                  <a:pt x="321" y="565"/>
+                  <a:pt x="323" y="559"/>
+                </a:cubicBezTo>
+                <a:cubicBezTo>
+                  <a:pt x="400" y="358"/>
+                  <a:pt x="400" y="358"/>
+                  <a:pt x="400" y="358"/>
+                </a:cubicBezTo>
+                <a:cubicBezTo>
+                  <a:pt x="401" y="356"/>
+                  <a:pt x="403" y="354"/>
+                  <a:pt x="405" y="353"/>
+                </a:cubicBezTo>
+                <a:cubicBezTo>
+                  <a:pt x="406" y="353"/>
+                  <a:pt x="407" y="353"/>
+                  <a:pt x="409" y="353"/>
+                </a:cubicBezTo>
+                <a:cubicBezTo>
+                  <a:pt x="414" y="355"/>
+                  <a:pt x="419" y="357"/>
+                  <a:pt x="421" y="363"/>
+                </a:cubicBezTo>
+                <a:cubicBezTo>
+                  <a:pt x="422" y="367"/>
+                  <a:pt x="422" y="370"/>
+                  <a:pt x="422" y="374"/>
+                </a:cubicBezTo>
+                <a:cubicBezTo>
+                  <a:pt x="425" y="384"/>
+                  <a:pt x="435" y="390"/>
+                  <a:pt x="445" y="384"/>
+                </a:cubicBezTo>
+                <a:cubicBezTo>
+                  <a:pt x="454" y="379"/>
+                  <a:pt x="461" y="369"/>
+                  <a:pt x="465" y="358"/>
+                </a:cubicBezTo>
+                <a:cubicBezTo>
+                  <a:pt x="469" y="348"/>
+                  <a:pt x="471" y="336"/>
+                  <a:pt x="467" y="326"/>
+                </a:cubicBezTo>
+                <a:cubicBezTo>
+                  <a:pt x="464" y="315"/>
+                  <a:pt x="452" y="312"/>
+                  <a:pt x="444" y="319"/>
+                </a:cubicBezTo>
+                <a:cubicBezTo>
+                  <a:pt x="441" y="321"/>
+                  <a:pt x="438" y="323"/>
+                  <a:pt x="435" y="326"/>
+                </a:cubicBezTo>
+                <a:cubicBezTo>
+                  <a:pt x="430" y="329"/>
+                  <a:pt x="425" y="327"/>
+                  <a:pt x="419" y="325"/>
+                </a:cubicBezTo>
+                <a:cubicBezTo>
+                  <a:pt x="418" y="324"/>
+                  <a:pt x="417" y="324"/>
+                  <a:pt x="417" y="322"/>
+                </a:cubicBezTo>
+                <a:cubicBezTo>
+                  <a:pt x="416" y="320"/>
+                  <a:pt x="416" y="318"/>
+                  <a:pt x="416" y="316"/>
+                </a:cubicBezTo>
+                <a:cubicBezTo>
+                  <a:pt x="517" y="54"/>
+                  <a:pt x="517" y="54"/>
+                  <a:pt x="517" y="54"/>
+                </a:cubicBezTo>
+                <a:cubicBezTo>
+                  <a:pt x="518" y="49"/>
+                  <a:pt x="516" y="44"/>
+                  <a:pt x="511" y="43"/>
+                </a:cubicBezTo>
+                <a:cubicBezTo>
+                  <a:pt x="356" y="0"/>
+                  <a:pt x="213" y="22"/>
+                  <a:pt x="130" y="66"/>
+                </a:cubicBezTo>
+                <a:cubicBezTo>
+                  <a:pt x="74" y="95"/>
+                  <a:pt x="33" y="133"/>
+                  <a:pt x="3" y="174"/>
+                </a:cubicBezTo>
+                <a:cubicBezTo>
+                  <a:pt x="0" y="178"/>
+                  <a:pt x="0" y="182"/>
+                  <a:pt x="3" y="185"/>
+                </a:cubicBezTo>
+                <a:cubicBezTo>
+                  <a:pt x="133" y="346"/>
+                  <a:pt x="133" y="346"/>
+                  <a:pt x="133" y="346"/>
+                </a:cubicBezTo>
+                <a:cubicBezTo>
+                  <a:pt x="133" y="336"/>
+                  <a:pt x="137" y="327"/>
+                  <a:pt x="144" y="322"/>
+                </a:cubicBezTo>
+                <a:close/>
+              </a:path>
+            </a:pathLst>
+          </a:custGeom>
+          <a:solidFill>
+            <a:schemeClr val="accent1"/>
+          </a:solidFill>
+          <a:ln>
+            <a:noFill/>
+          </a:ln>
+        </p:spPr>
+        <p:txBody>
+          <a:bodyPr spcFirstLastPara="1" wrap="square" lIns="68575" tIns="34275" rIns="68575" bIns="34275" anchor="t" anchorCtr="0">
+            <a:noAutofit/>
+          </a:bodyPr>
+          <a:lstStyle/>
+          <a:p>
+            <a:pPr marL="0" marR="0" lvl="0" indent="0" algn="l" rtl="0">
+              <a:lnSpc>
+                <a:spcPct val="100000"/>
+              </a:lnSpc>
+              <a:spcBef>
+                <a:spcPts val="0"/>
+              </a:spcBef>
+              <a:spcAft>
+                <a:spcPts val="0"/>
+              </a:spcAft>
+              <a:buClr>
+                <a:schemeClr val="dk1"/>
+              </a:buClr>
+              <a:buSzPts val="1400"/>
+              <a:buFont typeface="Calibri"/>
+              <a:buNone/>
+            </a:pPr>
+            <a:endParaRPr sz="1400" b="0" i="0" u="none" strike="noStrike" cap="none">
+              <a:solidFill>
+                <a:schemeClr val="dk1"/>
+              </a:solidFill>
+              <a:latin typeface="Calibri"/>
+              <a:ea typeface="Calibri"/>
+              <a:cs typeface="Calibri"/>
+              <a:sym typeface="Calibri"/>
+            </a:endParaRPr>
+          </a:p>
+        </p:txBody>
+      </p:sp>
+      <p:sp>
+        <p:nvSpPr>
+          <p:cNvPr id="5" name="Google Shape;2022;p48"/>
+          <p:cNvSpPr/>
+          <p:nvPr/>
+        </p:nvSpPr>
+        <p:spPr>
+          <a:xfrm rot="669649" flipH="1">
+            <a:off x="94222" y="211943"/>
+            <a:ext cx="1270675" cy="1256528"/>
+          </a:xfrm>
+          <a:custGeom>
+            <a:avLst/>
+            <a:gdLst/>
+            <a:ahLst/>
+            <a:cxnLst/>
+            <a:rect l="l" t="t" r="r" b="b"/>
+            <a:pathLst>
+              <a:path w="473" h="550" extrusionOk="0">
+                <a:moveTo>
+                  <a:pt x="128" y="252"/>
+                </a:moveTo>
+                <a:cubicBezTo>
+                  <a:pt x="136" y="255"/>
+                  <a:pt x="142" y="262"/>
+                  <a:pt x="145" y="270"/>
+                </a:cubicBezTo>
+                <a:cubicBezTo>
+                  <a:pt x="149" y="283"/>
+                  <a:pt x="148" y="298"/>
+                  <a:pt x="143" y="313"/>
+                </a:cubicBezTo>
+                <a:cubicBezTo>
+                  <a:pt x="137" y="328"/>
+                  <a:pt x="128" y="340"/>
+                  <a:pt x="116" y="347"/>
+                </a:cubicBezTo>
+                <a:cubicBezTo>
+                  <a:pt x="108" y="351"/>
+                  <a:pt x="99" y="352"/>
+                  <a:pt x="90" y="349"/>
+                </a:cubicBezTo>
+                <a:cubicBezTo>
+                  <a:pt x="82" y="345"/>
+                  <a:pt x="75" y="338"/>
+                  <a:pt x="73" y="329"/>
+                </a:cubicBezTo>
+                <a:cubicBezTo>
+                  <a:pt x="2" y="514"/>
+                  <a:pt x="2" y="514"/>
+                  <a:pt x="2" y="514"/>
+                </a:cubicBezTo>
+                <a:cubicBezTo>
+                  <a:pt x="0" y="520"/>
+                  <a:pt x="5" y="527"/>
+                  <a:pt x="12" y="526"/>
+                </a:cubicBezTo>
+                <a:cubicBezTo>
+                  <a:pt x="224" y="492"/>
+                  <a:pt x="224" y="492"/>
+                  <a:pt x="224" y="492"/>
+                </a:cubicBezTo>
+                <a:cubicBezTo>
+                  <a:pt x="227" y="491"/>
+                  <a:pt x="229" y="492"/>
+                  <a:pt x="231" y="493"/>
+                </a:cubicBezTo>
+                <a:cubicBezTo>
+                  <a:pt x="232" y="494"/>
+                  <a:pt x="233" y="495"/>
+                  <a:pt x="233" y="497"/>
+                </a:cubicBezTo>
+                <a:cubicBezTo>
+                  <a:pt x="234" y="502"/>
+                  <a:pt x="235" y="508"/>
+                  <a:pt x="230" y="512"/>
+                </a:cubicBezTo>
+                <a:cubicBezTo>
+                  <a:pt x="228" y="515"/>
+                  <a:pt x="225" y="516"/>
+                  <a:pt x="222" y="519"/>
+                </a:cubicBezTo>
+                <a:cubicBezTo>
+                  <a:pt x="214" y="526"/>
+                  <a:pt x="214" y="538"/>
+                  <a:pt x="224" y="543"/>
+                </a:cubicBezTo>
+                <a:cubicBezTo>
+                  <a:pt x="233" y="549"/>
+                  <a:pt x="245" y="550"/>
+                  <a:pt x="256" y="548"/>
+                </a:cubicBezTo>
+                <a:cubicBezTo>
+                  <a:pt x="267" y="546"/>
+                  <a:pt x="279" y="542"/>
+                  <a:pt x="286" y="534"/>
+                </a:cubicBezTo>
+                <a:cubicBezTo>
+                  <a:pt x="293" y="525"/>
+                  <a:pt x="290" y="514"/>
+                  <a:pt x="280" y="510"/>
+                </a:cubicBezTo>
+                <a:cubicBezTo>
+                  <a:pt x="277" y="508"/>
+                  <a:pt x="273" y="507"/>
+                  <a:pt x="270" y="506"/>
+                </a:cubicBezTo>
+                <a:cubicBezTo>
+                  <a:pt x="264" y="503"/>
+                  <a:pt x="263" y="498"/>
+                  <a:pt x="263" y="492"/>
+                </a:cubicBezTo>
+                <a:cubicBezTo>
+                  <a:pt x="262" y="490"/>
+                  <a:pt x="263" y="489"/>
+                  <a:pt x="263" y="488"/>
+                </a:cubicBezTo>
+                <a:cubicBezTo>
+                  <a:pt x="265" y="486"/>
+                  <a:pt x="267" y="485"/>
+                  <a:pt x="269" y="485"/>
+                </a:cubicBezTo>
+                <a:cubicBezTo>
+                  <a:pt x="439" y="458"/>
+                  <a:pt x="439" y="458"/>
+                  <a:pt x="439" y="458"/>
+                </a:cubicBezTo>
+                <a:cubicBezTo>
+                  <a:pt x="442" y="457"/>
+                  <a:pt x="445" y="454"/>
+                  <a:pt x="446" y="451"/>
+                </a:cubicBezTo>
+                <a:cubicBezTo>
+                  <a:pt x="473" y="328"/>
+                  <a:pt x="470" y="126"/>
+                  <a:pt x="304" y="42"/>
+                </a:cubicBezTo>
+                <a:cubicBezTo>
+                  <a:pt x="271" y="25"/>
+                  <a:pt x="239" y="12"/>
+                  <a:pt x="207" y="2"/>
+                </a:cubicBezTo>
+                <a:cubicBezTo>
+                  <a:pt x="203" y="0"/>
+                  <a:pt x="198" y="3"/>
+                  <a:pt x="196" y="7"/>
+                </a:cubicBezTo>
+                <a:cubicBezTo>
+                  <a:pt x="101" y="254"/>
+                  <a:pt x="101" y="254"/>
+                  <a:pt x="101" y="254"/>
+                </a:cubicBezTo>
+                <a:cubicBezTo>
+                  <a:pt x="109" y="249"/>
+                  <a:pt x="119" y="248"/>
+                  <a:pt x="128" y="252"/>
+                </a:cubicBezTo>
+                <a:close/>
+              </a:path>
+            </a:pathLst>
+          </a:custGeom>
+          <a:solidFill>
+            <a:schemeClr val="bg1"/>
+          </a:solidFill>
+          <a:ln>
+            <a:noFill/>
+          </a:ln>
+        </p:spPr>
+        <p:txBody>
+          <a:bodyPr spcFirstLastPara="1" wrap="square" lIns="68575" tIns="34275" rIns="68575" bIns="34275" anchor="t" anchorCtr="0">
+            <a:noAutofit/>
+          </a:bodyPr>
+          <a:lstStyle/>
+          <a:p>
+            <a:pPr marL="0" marR="0" lvl="0" indent="0" algn="l" rtl="0">
+              <a:lnSpc>
+                <a:spcPct val="100000"/>
+              </a:lnSpc>
+              <a:spcBef>
+                <a:spcPts val="0"/>
+              </a:spcBef>
+              <a:spcAft>
+                <a:spcPts val="0"/>
+              </a:spcAft>
+              <a:buClr>
+                <a:schemeClr val="dk1"/>
+              </a:buClr>
+              <a:buSzPts val="1400"/>
+              <a:buFont typeface="Calibri"/>
+              <a:buNone/>
+            </a:pPr>
+            <a:endParaRPr sz="1400" b="0" i="0" u="none" strike="noStrike" cap="none">
+              <a:solidFill>
+                <a:schemeClr val="dk1"/>
+              </a:solidFill>
+              <a:latin typeface="Calibri"/>
+              <a:ea typeface="Calibri"/>
+              <a:cs typeface="Calibri"/>
+              <a:sym typeface="Calibri"/>
+            </a:endParaRPr>
+          </a:p>
+        </p:txBody>
+      </p:sp>
+      <p:sp>
+        <p:nvSpPr>
+          <p:cNvPr id="6" name="Google Shape;2023;p48"/>
+          <p:cNvSpPr/>
+          <p:nvPr/>
+        </p:nvSpPr>
+        <p:spPr>
+          <a:xfrm rot="669649" flipH="1">
+            <a:off x="0" y="1286199"/>
+            <a:ext cx="1164066" cy="1020757"/>
+          </a:xfrm>
+          <a:custGeom>
+            <a:avLst/>
+            <a:gdLst/>
+            <a:ahLst/>
+            <a:cxnLst/>
+            <a:rect l="l" t="t" r="r" b="b"/>
+            <a:pathLst>
+              <a:path w="433" h="447" extrusionOk="0">
+                <a:moveTo>
+                  <a:pt x="299" y="45"/>
+                </a:moveTo>
+                <a:cubicBezTo>
+                  <a:pt x="301" y="53"/>
+                  <a:pt x="298" y="62"/>
+                  <a:pt x="292" y="69"/>
+                </a:cubicBezTo>
+                <a:cubicBezTo>
+                  <a:pt x="283" y="79"/>
+                  <a:pt x="270" y="86"/>
+                  <a:pt x="254" y="88"/>
+                </a:cubicBezTo>
+                <a:cubicBezTo>
+                  <a:pt x="238" y="91"/>
+                  <a:pt x="223" y="89"/>
+                  <a:pt x="211" y="82"/>
+                </a:cubicBezTo>
+                <a:cubicBezTo>
+                  <a:pt x="203" y="77"/>
+                  <a:pt x="198" y="70"/>
+                  <a:pt x="197" y="61"/>
+                </a:cubicBezTo>
+                <a:cubicBezTo>
+                  <a:pt x="195" y="52"/>
+                  <a:pt x="198" y="43"/>
+                  <a:pt x="205" y="36"/>
+                </a:cubicBezTo>
+                <a:cubicBezTo>
+                  <a:pt x="10" y="67"/>
+                  <a:pt x="10" y="67"/>
+                  <a:pt x="10" y="67"/>
+                </a:cubicBezTo>
+                <a:cubicBezTo>
+                  <a:pt x="3" y="68"/>
+                  <a:pt x="0" y="76"/>
+                  <a:pt x="4" y="81"/>
+                </a:cubicBezTo>
+                <a:cubicBezTo>
+                  <a:pt x="140" y="249"/>
+                  <a:pt x="140" y="249"/>
+                  <a:pt x="140" y="249"/>
+                </a:cubicBezTo>
+                <a:cubicBezTo>
+                  <a:pt x="141" y="250"/>
+                  <a:pt x="142" y="253"/>
+                  <a:pt x="142" y="255"/>
+                </a:cubicBezTo>
+                <a:cubicBezTo>
+                  <a:pt x="142" y="256"/>
+                  <a:pt x="141" y="258"/>
+                  <a:pt x="140" y="258"/>
+                </a:cubicBezTo>
+                <a:cubicBezTo>
+                  <a:pt x="136" y="262"/>
+                  <a:pt x="131" y="266"/>
+                  <a:pt x="125" y="264"/>
+                </a:cubicBezTo>
+                <a:cubicBezTo>
+                  <a:pt x="122" y="263"/>
+                  <a:pt x="119" y="261"/>
+                  <a:pt x="115" y="260"/>
+                </a:cubicBezTo>
+                <a:cubicBezTo>
+                  <a:pt x="105" y="256"/>
+                  <a:pt x="95" y="263"/>
+                  <a:pt x="95" y="274"/>
+                </a:cubicBezTo>
+                <a:cubicBezTo>
+                  <a:pt x="95" y="285"/>
+                  <a:pt x="100" y="296"/>
+                  <a:pt x="107" y="304"/>
+                </a:cubicBezTo>
+                <a:cubicBezTo>
+                  <a:pt x="114" y="313"/>
+                  <a:pt x="124" y="321"/>
+                  <a:pt x="134" y="323"/>
+                </a:cubicBezTo>
+                <a:cubicBezTo>
+                  <a:pt x="145" y="325"/>
+                  <a:pt x="154" y="317"/>
+                  <a:pt x="152" y="306"/>
+                </a:cubicBezTo>
+                <a:cubicBezTo>
+                  <a:pt x="152" y="302"/>
+                  <a:pt x="151" y="299"/>
+                  <a:pt x="151" y="295"/>
+                </a:cubicBezTo>
+                <a:cubicBezTo>
+                  <a:pt x="150" y="289"/>
+                  <a:pt x="154" y="285"/>
+                  <a:pt x="159" y="282"/>
+                </a:cubicBezTo>
+                <a:cubicBezTo>
+                  <a:pt x="160" y="281"/>
+                  <a:pt x="161" y="281"/>
+                  <a:pt x="162" y="281"/>
+                </a:cubicBezTo>
+                <a:cubicBezTo>
+                  <a:pt x="165" y="281"/>
+                  <a:pt x="167" y="282"/>
+                  <a:pt x="168" y="284"/>
+                </a:cubicBezTo>
+                <a:cubicBezTo>
+                  <a:pt x="295" y="440"/>
+                  <a:pt x="295" y="440"/>
+                  <a:pt x="295" y="440"/>
+                </a:cubicBezTo>
+                <a:cubicBezTo>
+                  <a:pt x="301" y="447"/>
+                  <a:pt x="311" y="443"/>
+                  <a:pt x="311" y="435"/>
+                </a:cubicBezTo>
+                <a:cubicBezTo>
+                  <a:pt x="311" y="399"/>
+                  <a:pt x="312" y="354"/>
+                  <a:pt x="321" y="300"/>
+                </a:cubicBezTo>
+                <a:cubicBezTo>
+                  <a:pt x="335" y="205"/>
+                  <a:pt x="376" y="134"/>
+                  <a:pt x="417" y="51"/>
+                </a:cubicBezTo>
+                <a:cubicBezTo>
+                  <a:pt x="422" y="41"/>
+                  <a:pt x="427" y="28"/>
+                  <a:pt x="431" y="13"/>
+                </a:cubicBezTo>
+                <a:cubicBezTo>
+                  <a:pt x="433" y="7"/>
+                  <a:pt x="428" y="0"/>
+                  <a:pt x="422" y="1"/>
+                </a:cubicBezTo>
+                <a:cubicBezTo>
+                  <a:pt x="284" y="23"/>
+                  <a:pt x="284" y="23"/>
+                  <a:pt x="284" y="23"/>
+                </a:cubicBezTo>
+                <a:cubicBezTo>
+                  <a:pt x="292" y="28"/>
+                  <a:pt x="298" y="36"/>
+                  <a:pt x="299" y="45"/>
+                </a:cubicBezTo>
+                <a:close/>
+              </a:path>
+            </a:pathLst>
+          </a:custGeom>
+          <a:solidFill>
+            <a:srgbClr val="92D050"/>
+          </a:solidFill>
+          <a:ln>
+            <a:noFill/>
+          </a:ln>
+        </p:spPr>
+        <p:txBody>
+          <a:bodyPr spcFirstLastPara="1" wrap="square" lIns="68575" tIns="34275" rIns="68575" bIns="34275" anchor="t" anchorCtr="0">
+            <a:noAutofit/>
+          </a:bodyPr>
+          <a:lstStyle/>
+          <a:p>
+            <a:pPr marL="0" marR="0" lvl="0" indent="0" algn="l" rtl="0">
+              <a:lnSpc>
+                <a:spcPct val="100000"/>
+              </a:lnSpc>
+              <a:spcBef>
+                <a:spcPts val="0"/>
+              </a:spcBef>
+              <a:spcAft>
+                <a:spcPts val="0"/>
+              </a:spcAft>
+              <a:buClr>
+                <a:schemeClr val="dk1"/>
+              </a:buClr>
+              <a:buSzPts val="1400"/>
+              <a:buFont typeface="Calibri"/>
+              <a:buNone/>
+            </a:pPr>
+            <a:endParaRPr sz="1400" b="0" i="0" u="none" strike="noStrike" cap="none">
+              <a:solidFill>
+                <a:schemeClr val="dk1"/>
+              </a:solidFill>
+              <a:latin typeface="Calibri"/>
+              <a:ea typeface="Calibri"/>
+              <a:cs typeface="Calibri"/>
+              <a:sym typeface="Calibri"/>
+            </a:endParaRPr>
+          </a:p>
+        </p:txBody>
+      </p:sp>
+      <p:sp>
+        <p:nvSpPr>
+          <p:cNvPr id="7" name="Google Shape;2024;p48"/>
+          <p:cNvSpPr/>
+          <p:nvPr/>
+        </p:nvSpPr>
+        <p:spPr>
+          <a:xfrm rot="669649" flipH="1">
+            <a:off x="229793" y="1557213"/>
+            <a:ext cx="1362208" cy="1339684"/>
+          </a:xfrm>
+          <a:custGeom>
+            <a:avLst/>
+            <a:gdLst/>
+            <a:ahLst/>
+            <a:cxnLst/>
+            <a:rect l="l" t="t" r="r" b="b"/>
+            <a:pathLst>
+              <a:path w="507" h="587" extrusionOk="0">
+                <a:moveTo>
+                  <a:pt x="344" y="245"/>
+                </a:moveTo>
+                <a:cubicBezTo>
+                  <a:pt x="337" y="251"/>
+                  <a:pt x="328" y="253"/>
+                  <a:pt x="319" y="251"/>
+                </a:cubicBezTo>
+                <a:cubicBezTo>
+                  <a:pt x="306" y="248"/>
+                  <a:pt x="293" y="240"/>
+                  <a:pt x="283" y="227"/>
+                </a:cubicBezTo>
+                <a:cubicBezTo>
+                  <a:pt x="273" y="215"/>
+                  <a:pt x="267" y="201"/>
+                  <a:pt x="267" y="187"/>
+                </a:cubicBezTo>
+                <a:cubicBezTo>
+                  <a:pt x="267" y="178"/>
+                  <a:pt x="271" y="170"/>
+                  <a:pt x="278" y="164"/>
+                </a:cubicBezTo>
+                <a:cubicBezTo>
+                  <a:pt x="285" y="158"/>
+                  <a:pt x="295" y="156"/>
+                  <a:pt x="304" y="158"/>
+                </a:cubicBezTo>
+                <a:cubicBezTo>
+                  <a:pt x="179" y="5"/>
+                  <a:pt x="179" y="5"/>
+                  <a:pt x="179" y="5"/>
+                </a:cubicBezTo>
+                <a:cubicBezTo>
+                  <a:pt x="175" y="0"/>
+                  <a:pt x="167" y="1"/>
+                  <a:pt x="164" y="8"/>
+                </a:cubicBezTo>
+                <a:cubicBezTo>
+                  <a:pt x="87" y="209"/>
+                  <a:pt x="87" y="209"/>
+                  <a:pt x="87" y="209"/>
+                </a:cubicBezTo>
+                <a:cubicBezTo>
+                  <a:pt x="86" y="211"/>
+                  <a:pt x="85" y="213"/>
+                  <a:pt x="83" y="214"/>
+                </a:cubicBezTo>
+                <a:cubicBezTo>
+                  <a:pt x="81" y="214"/>
+                  <a:pt x="80" y="214"/>
+                  <a:pt x="79" y="214"/>
+                </a:cubicBezTo>
+                <a:cubicBezTo>
+                  <a:pt x="73" y="212"/>
+                  <a:pt x="68" y="210"/>
+                  <a:pt x="67" y="204"/>
+                </a:cubicBezTo>
+                <a:cubicBezTo>
+                  <a:pt x="66" y="200"/>
+                  <a:pt x="66" y="196"/>
+                  <a:pt x="65" y="193"/>
+                </a:cubicBezTo>
+                <a:cubicBezTo>
+                  <a:pt x="63" y="182"/>
+                  <a:pt x="52" y="177"/>
+                  <a:pt x="43" y="182"/>
+                </a:cubicBezTo>
+                <a:cubicBezTo>
+                  <a:pt x="33" y="188"/>
+                  <a:pt x="27" y="198"/>
+                  <a:pt x="23" y="208"/>
+                </a:cubicBezTo>
+                <a:cubicBezTo>
+                  <a:pt x="19" y="219"/>
+                  <a:pt x="17" y="231"/>
+                  <a:pt x="20" y="241"/>
+                </a:cubicBezTo>
+                <a:cubicBezTo>
+                  <a:pt x="24" y="251"/>
+                  <a:pt x="35" y="255"/>
+                  <a:pt x="44" y="248"/>
+                </a:cubicBezTo>
+                <a:cubicBezTo>
+                  <a:pt x="47" y="246"/>
+                  <a:pt x="49" y="243"/>
+                  <a:pt x="52" y="241"/>
+                </a:cubicBezTo>
+                <a:cubicBezTo>
+                  <a:pt x="58" y="238"/>
+                  <a:pt x="63" y="239"/>
+                  <a:pt x="68" y="242"/>
+                </a:cubicBezTo>
+                <a:cubicBezTo>
+                  <a:pt x="69" y="242"/>
+                  <a:pt x="70" y="243"/>
+                  <a:pt x="71" y="244"/>
+                </a:cubicBezTo>
+                <a:cubicBezTo>
+                  <a:pt x="72" y="246"/>
+                  <a:pt x="72" y="249"/>
+                  <a:pt x="71" y="251"/>
+                </a:cubicBezTo>
+                <a:cubicBezTo>
+                  <a:pt x="10" y="410"/>
+                  <a:pt x="10" y="410"/>
+                  <a:pt x="10" y="410"/>
+                </a:cubicBezTo>
+                <a:cubicBezTo>
+                  <a:pt x="10" y="412"/>
+                  <a:pt x="9" y="414"/>
+                  <a:pt x="10" y="415"/>
+                </a:cubicBezTo>
+                <a:cubicBezTo>
+                  <a:pt x="16" y="445"/>
+                  <a:pt x="0" y="490"/>
+                  <a:pt x="10" y="508"/>
+                </a:cubicBezTo>
+                <a:cubicBezTo>
+                  <a:pt x="30" y="542"/>
+                  <a:pt x="339" y="587"/>
+                  <a:pt x="491" y="480"/>
+                </a:cubicBezTo>
+                <a:cubicBezTo>
+                  <a:pt x="507" y="469"/>
+                  <a:pt x="504" y="446"/>
+                  <a:pt x="501" y="402"/>
+                </a:cubicBezTo>
+                <a:cubicBezTo>
+                  <a:pt x="355" y="221"/>
+                  <a:pt x="355" y="221"/>
+                  <a:pt x="355" y="221"/>
+                </a:cubicBezTo>
+                <a:cubicBezTo>
+                  <a:pt x="355" y="230"/>
+                  <a:pt x="351" y="239"/>
+                  <a:pt x="344" y="245"/>
+                </a:cubicBezTo>
+                <a:close/>
+              </a:path>
+            </a:pathLst>
+          </a:custGeom>
+          <a:solidFill>
+            <a:schemeClr val="accent4"/>
+          </a:solidFill>
+          <a:ln>
+            <a:noFill/>
+          </a:ln>
+        </p:spPr>
+        <p:txBody>
+          <a:bodyPr spcFirstLastPara="1" wrap="square" lIns="68575" tIns="34275" rIns="68575" bIns="34275" anchor="t" anchorCtr="0">
+            <a:noAutofit/>
+          </a:bodyPr>
+          <a:lstStyle/>
+          <a:p>
+            <a:pPr marL="0" marR="0" lvl="0" indent="0" algn="l" rtl="0">
+              <a:lnSpc>
+                <a:spcPct val="100000"/>
+              </a:lnSpc>
+              <a:spcBef>
+                <a:spcPts val="0"/>
+              </a:spcBef>
+              <a:spcAft>
+                <a:spcPts val="0"/>
+              </a:spcAft>
+              <a:buClr>
+                <a:schemeClr val="dk1"/>
+              </a:buClr>
+              <a:buSzPts val="1400"/>
+              <a:buFont typeface="Calibri"/>
+              <a:buNone/>
+            </a:pPr>
+            <a:endParaRPr sz="1400" b="0" i="0" u="none" strike="noStrike" cap="none">
+              <a:solidFill>
+                <a:schemeClr val="dk1"/>
+              </a:solidFill>
+              <a:latin typeface="Calibri"/>
+              <a:ea typeface="Calibri"/>
+              <a:cs typeface="Calibri"/>
+              <a:sym typeface="Calibri"/>
+            </a:endParaRPr>
+          </a:p>
+        </p:txBody>
+      </p:sp>
+      <p:sp>
+        <p:nvSpPr>
+          <p:cNvPr id="8" name="Google Shape;2025;p48"/>
+          <p:cNvSpPr/>
+          <p:nvPr/>
+        </p:nvSpPr>
+        <p:spPr>
+          <a:xfrm rot="669649" flipH="1">
+            <a:off x="1208282" y="1662047"/>
+            <a:ext cx="1295449" cy="1084729"/>
+          </a:xfrm>
+          <a:custGeom>
+            <a:avLst/>
+            <a:gdLst/>
+            <a:ahLst/>
+            <a:cxnLst/>
+            <a:rect l="l" t="t" r="r" b="b"/>
+            <a:pathLst>
+              <a:path w="482" h="475" extrusionOk="0">
+                <a:moveTo>
+                  <a:pt x="354" y="298"/>
+                </a:moveTo>
+                <a:cubicBezTo>
+                  <a:pt x="346" y="295"/>
+                  <a:pt x="339" y="288"/>
+                  <a:pt x="336" y="279"/>
+                </a:cubicBezTo>
+                <a:cubicBezTo>
+                  <a:pt x="332" y="267"/>
+                  <a:pt x="333" y="252"/>
+                  <a:pt x="339" y="237"/>
+                </a:cubicBezTo>
+                <a:cubicBezTo>
+                  <a:pt x="345" y="222"/>
+                  <a:pt x="354" y="210"/>
+                  <a:pt x="366" y="203"/>
+                </a:cubicBezTo>
+                <a:cubicBezTo>
+                  <a:pt x="374" y="199"/>
+                  <a:pt x="383" y="198"/>
+                  <a:pt x="391" y="201"/>
+                </a:cubicBezTo>
+                <a:cubicBezTo>
+                  <a:pt x="400" y="204"/>
+                  <a:pt x="406" y="211"/>
+                  <a:pt x="409" y="220"/>
+                </a:cubicBezTo>
+                <a:cubicBezTo>
+                  <a:pt x="480" y="36"/>
+                  <a:pt x="480" y="36"/>
+                  <a:pt x="480" y="36"/>
+                </a:cubicBezTo>
+                <a:cubicBezTo>
+                  <a:pt x="482" y="30"/>
+                  <a:pt x="477" y="23"/>
+                  <a:pt x="470" y="24"/>
+                </a:cubicBezTo>
+                <a:cubicBezTo>
+                  <a:pt x="257" y="58"/>
+                  <a:pt x="257" y="58"/>
+                  <a:pt x="257" y="58"/>
+                </a:cubicBezTo>
+                <a:cubicBezTo>
+                  <a:pt x="255" y="58"/>
+                  <a:pt x="252" y="58"/>
+                  <a:pt x="251" y="56"/>
+                </a:cubicBezTo>
+                <a:cubicBezTo>
+                  <a:pt x="250" y="56"/>
+                  <a:pt x="249" y="54"/>
+                  <a:pt x="249" y="53"/>
+                </a:cubicBezTo>
+                <a:cubicBezTo>
+                  <a:pt x="248" y="47"/>
+                  <a:pt x="247" y="42"/>
+                  <a:pt x="251" y="38"/>
+                </a:cubicBezTo>
+                <a:cubicBezTo>
+                  <a:pt x="254" y="35"/>
+                  <a:pt x="257" y="33"/>
+                  <a:pt x="260" y="31"/>
+                </a:cubicBezTo>
+                <a:cubicBezTo>
+                  <a:pt x="268" y="24"/>
+                  <a:pt x="267" y="12"/>
+                  <a:pt x="258" y="6"/>
+                </a:cubicBezTo>
+                <a:cubicBezTo>
+                  <a:pt x="248" y="1"/>
+                  <a:pt x="236" y="0"/>
+                  <a:pt x="225" y="2"/>
+                </a:cubicBezTo>
+                <a:cubicBezTo>
+                  <a:pt x="214" y="3"/>
+                  <a:pt x="203" y="8"/>
+                  <a:pt x="196" y="16"/>
+                </a:cubicBezTo>
+                <a:cubicBezTo>
+                  <a:pt x="189" y="24"/>
+                  <a:pt x="192" y="36"/>
+                  <a:pt x="202" y="40"/>
+                </a:cubicBezTo>
+                <a:cubicBezTo>
+                  <a:pt x="205" y="42"/>
+                  <a:pt x="208" y="42"/>
+                  <a:pt x="212" y="44"/>
+                </a:cubicBezTo>
+                <a:cubicBezTo>
+                  <a:pt x="217" y="47"/>
+                  <a:pt x="218" y="52"/>
+                  <a:pt x="219" y="58"/>
+                </a:cubicBezTo>
+                <a:cubicBezTo>
+                  <a:pt x="219" y="59"/>
+                  <a:pt x="219" y="60"/>
+                  <a:pt x="218" y="61"/>
+                </a:cubicBezTo>
+                <a:cubicBezTo>
+                  <a:pt x="217" y="64"/>
+                  <a:pt x="215" y="65"/>
+                  <a:pt x="212" y="65"/>
+                </a:cubicBezTo>
+                <a:cubicBezTo>
+                  <a:pt x="9" y="98"/>
+                  <a:pt x="9" y="98"/>
+                  <a:pt x="9" y="98"/>
+                </a:cubicBezTo>
+                <a:cubicBezTo>
+                  <a:pt x="3" y="98"/>
+                  <a:pt x="0" y="104"/>
+                  <a:pt x="2" y="109"/>
+                </a:cubicBezTo>
+                <a:cubicBezTo>
+                  <a:pt x="14" y="138"/>
+                  <a:pt x="74" y="153"/>
+                  <a:pt x="86" y="175"/>
+                </a:cubicBezTo>
+                <a:cubicBezTo>
+                  <a:pt x="92" y="186"/>
+                  <a:pt x="75" y="210"/>
+                  <a:pt x="77" y="226"/>
+                </a:cubicBezTo>
+                <a:cubicBezTo>
+                  <a:pt x="78" y="239"/>
+                  <a:pt x="115" y="253"/>
+                  <a:pt x="115" y="253"/>
+                </a:cubicBezTo>
+                <a:cubicBezTo>
+                  <a:pt x="115" y="253"/>
+                  <a:pt x="89" y="277"/>
+                  <a:pt x="88" y="289"/>
+                </a:cubicBezTo>
+                <a:cubicBezTo>
+                  <a:pt x="86" y="302"/>
+                  <a:pt x="111" y="323"/>
+                  <a:pt x="112" y="337"/>
+                </a:cubicBezTo>
+                <a:cubicBezTo>
+                  <a:pt x="112" y="350"/>
+                  <a:pt x="90" y="385"/>
+                  <a:pt x="101" y="421"/>
+                </a:cubicBezTo>
+                <a:cubicBezTo>
+                  <a:pt x="116" y="475"/>
+                  <a:pt x="280" y="428"/>
+                  <a:pt x="323" y="429"/>
+                </a:cubicBezTo>
+                <a:cubicBezTo>
+                  <a:pt x="326" y="429"/>
+                  <a:pt x="330" y="427"/>
+                  <a:pt x="331" y="423"/>
+                </a:cubicBezTo>
+                <a:cubicBezTo>
+                  <a:pt x="380" y="296"/>
+                  <a:pt x="380" y="296"/>
+                  <a:pt x="380" y="296"/>
+                </a:cubicBezTo>
+                <a:cubicBezTo>
+                  <a:pt x="372" y="300"/>
+                  <a:pt x="363" y="301"/>
+                  <a:pt x="354" y="298"/>
+                </a:cubicBezTo>
+                <a:close/>
+              </a:path>
+            </a:pathLst>
+          </a:custGeom>
+          <a:solidFill>
+            <a:srgbClr val="FF0000"/>
+          </a:solidFill>
+          <a:ln>
+            <a:noFill/>
+          </a:ln>
+        </p:spPr>
+        <p:txBody>
+          <a:bodyPr spcFirstLastPara="1" wrap="square" lIns="68575" tIns="34275" rIns="68575" bIns="34275" anchor="t" anchorCtr="0">
+            <a:noAutofit/>
+          </a:bodyPr>
+          <a:lstStyle/>
+          <a:p>
+            <a:pPr marL="0" marR="0" lvl="0" indent="0" algn="l" rtl="0">
+              <a:lnSpc>
+                <a:spcPct val="100000"/>
+              </a:lnSpc>
+              <a:spcBef>
+                <a:spcPts val="0"/>
+              </a:spcBef>
+              <a:spcAft>
+                <a:spcPts val="0"/>
+              </a:spcAft>
+              <a:buClr>
+                <a:schemeClr val="dk1"/>
+              </a:buClr>
+              <a:buSzPts val="1400"/>
+              <a:buFont typeface="Calibri"/>
+              <a:buNone/>
+            </a:pPr>
+            <a:endParaRPr sz="1400" b="0" i="0" u="none" strike="noStrike" cap="none">
+              <a:solidFill>
+                <a:schemeClr val="dk1"/>
+              </a:solidFill>
+              <a:latin typeface="Calibri"/>
+              <a:ea typeface="Calibri"/>
+              <a:cs typeface="Calibri"/>
+              <a:sym typeface="Calibri"/>
+            </a:endParaRPr>
+          </a:p>
+        </p:txBody>
+      </p:sp>
+      <p:sp>
+        <p:nvSpPr>
+          <p:cNvPr id="9" name="Google Shape;2026;p48"/>
+          <p:cNvSpPr/>
+          <p:nvPr/>
+        </p:nvSpPr>
+        <p:spPr>
+          <a:xfrm rot="669649" flipH="1">
+            <a:off x="1393642" y="810221"/>
+            <a:ext cx="1263140" cy="1050913"/>
+          </a:xfrm>
+          <a:custGeom>
+            <a:avLst/>
+            <a:gdLst/>
+            <a:ahLst/>
+            <a:cxnLst/>
+            <a:rect l="l" t="t" r="r" b="b"/>
+            <a:pathLst>
+              <a:path w="470" h="460" extrusionOk="0">
+                <a:moveTo>
+                  <a:pt x="170" y="410"/>
+                </a:moveTo>
+                <a:cubicBezTo>
+                  <a:pt x="169" y="401"/>
+                  <a:pt x="171" y="392"/>
+                  <a:pt x="178" y="385"/>
+                </a:cubicBezTo>
+                <a:cubicBezTo>
+                  <a:pt x="186" y="375"/>
+                  <a:pt x="200" y="369"/>
+                  <a:pt x="216" y="366"/>
+                </a:cubicBezTo>
+                <a:cubicBezTo>
+                  <a:pt x="232" y="364"/>
+                  <a:pt x="247" y="366"/>
+                  <a:pt x="258" y="373"/>
+                </a:cubicBezTo>
+                <a:cubicBezTo>
+                  <a:pt x="266" y="377"/>
+                  <a:pt x="271" y="385"/>
+                  <a:pt x="273" y="394"/>
+                </a:cubicBezTo>
+                <a:cubicBezTo>
+                  <a:pt x="274" y="403"/>
+                  <a:pt x="271" y="412"/>
+                  <a:pt x="265" y="419"/>
+                </a:cubicBezTo>
+                <a:cubicBezTo>
+                  <a:pt x="460" y="388"/>
+                  <a:pt x="460" y="388"/>
+                  <a:pt x="460" y="388"/>
+                </a:cubicBezTo>
+                <a:cubicBezTo>
+                  <a:pt x="467" y="387"/>
+                  <a:pt x="470" y="379"/>
+                  <a:pt x="465" y="373"/>
+                </a:cubicBezTo>
+                <a:cubicBezTo>
+                  <a:pt x="330" y="206"/>
+                  <a:pt x="330" y="206"/>
+                  <a:pt x="330" y="206"/>
+                </a:cubicBezTo>
+                <a:cubicBezTo>
+                  <a:pt x="328" y="204"/>
+                  <a:pt x="327" y="202"/>
+                  <a:pt x="328" y="200"/>
+                </a:cubicBezTo>
+                <a:cubicBezTo>
+                  <a:pt x="328" y="198"/>
+                  <a:pt x="329" y="197"/>
+                  <a:pt x="330" y="196"/>
+                </a:cubicBezTo>
+                <a:cubicBezTo>
+                  <a:pt x="334" y="192"/>
+                  <a:pt x="338" y="189"/>
+                  <a:pt x="344" y="191"/>
+                </a:cubicBezTo>
+                <a:cubicBezTo>
+                  <a:pt x="348" y="192"/>
+                  <a:pt x="351" y="194"/>
+                  <a:pt x="354" y="195"/>
+                </a:cubicBezTo>
+                <a:cubicBezTo>
+                  <a:pt x="365" y="198"/>
+                  <a:pt x="375" y="192"/>
+                  <a:pt x="375" y="181"/>
+                </a:cubicBezTo>
+                <a:cubicBezTo>
+                  <a:pt x="375" y="170"/>
+                  <a:pt x="369" y="159"/>
+                  <a:pt x="362" y="150"/>
+                </a:cubicBezTo>
+                <a:cubicBezTo>
+                  <a:pt x="355" y="142"/>
+                  <a:pt x="346" y="134"/>
+                  <a:pt x="335" y="132"/>
+                </a:cubicBezTo>
+                <a:cubicBezTo>
+                  <a:pt x="325" y="130"/>
+                  <a:pt x="316" y="138"/>
+                  <a:pt x="317" y="149"/>
+                </a:cubicBezTo>
+                <a:cubicBezTo>
+                  <a:pt x="318" y="153"/>
+                  <a:pt x="319" y="156"/>
+                  <a:pt x="319" y="160"/>
+                </a:cubicBezTo>
+                <a:cubicBezTo>
+                  <a:pt x="320" y="166"/>
+                  <a:pt x="315" y="169"/>
+                  <a:pt x="311" y="173"/>
+                </a:cubicBezTo>
+                <a:cubicBezTo>
+                  <a:pt x="310" y="174"/>
+                  <a:pt x="308" y="174"/>
+                  <a:pt x="307" y="174"/>
+                </a:cubicBezTo>
+                <a:cubicBezTo>
+                  <a:pt x="305" y="174"/>
+                  <a:pt x="303" y="173"/>
+                  <a:pt x="301" y="171"/>
+                </a:cubicBezTo>
+                <a:cubicBezTo>
+                  <a:pt x="167" y="5"/>
+                  <a:pt x="167" y="5"/>
+                  <a:pt x="167" y="5"/>
+                </a:cubicBezTo>
+                <a:cubicBezTo>
+                  <a:pt x="163" y="0"/>
+                  <a:pt x="155" y="1"/>
+                  <a:pt x="152" y="6"/>
+                </a:cubicBezTo>
+                <a:cubicBezTo>
+                  <a:pt x="113" y="70"/>
+                  <a:pt x="97" y="139"/>
+                  <a:pt x="91" y="193"/>
+                </a:cubicBezTo>
+                <a:cubicBezTo>
+                  <a:pt x="86" y="237"/>
+                  <a:pt x="114" y="268"/>
+                  <a:pt x="111" y="294"/>
+                </a:cubicBezTo>
+                <a:cubicBezTo>
+                  <a:pt x="106" y="335"/>
+                  <a:pt x="32" y="395"/>
+                  <a:pt x="4" y="446"/>
+                </a:cubicBezTo>
+                <a:cubicBezTo>
+                  <a:pt x="0" y="452"/>
+                  <a:pt x="5" y="460"/>
+                  <a:pt x="13" y="459"/>
+                </a:cubicBezTo>
+                <a:cubicBezTo>
+                  <a:pt x="185" y="431"/>
+                  <a:pt x="185" y="431"/>
+                  <a:pt x="185" y="431"/>
+                </a:cubicBezTo>
+                <a:cubicBezTo>
+                  <a:pt x="177" y="427"/>
+                  <a:pt x="172" y="419"/>
+                  <a:pt x="170" y="410"/>
+                </a:cubicBezTo>
+                <a:close/>
+              </a:path>
+            </a:pathLst>
+          </a:custGeom>
+          <a:solidFill>
+            <a:srgbClr val="FFFF00"/>
+          </a:solidFill>
+          <a:ln>
+            <a:noFill/>
+          </a:ln>
+        </p:spPr>
+        <p:txBody>
+          <a:bodyPr spcFirstLastPara="1" wrap="square" lIns="68575" tIns="34275" rIns="68575" bIns="34275" anchor="t" anchorCtr="0">
+            <a:noAutofit/>
+          </a:bodyPr>
+          <a:lstStyle/>
+          <a:p>
+            <a:pPr marL="0" marR="0" lvl="0" indent="0" algn="l" rtl="0">
+              <a:lnSpc>
+                <a:spcPct val="100000"/>
+              </a:lnSpc>
+              <a:spcBef>
+                <a:spcPts val="0"/>
+              </a:spcBef>
+              <a:spcAft>
+                <a:spcPts val="0"/>
+              </a:spcAft>
+              <a:buClr>
+                <a:schemeClr val="dk1"/>
+              </a:buClr>
+              <a:buSzPts val="1400"/>
+              <a:buFont typeface="Calibri"/>
+              <a:buNone/>
+            </a:pPr>
+            <a:endParaRPr sz="1400" b="0" i="0" u="none" strike="noStrike" cap="none">
+              <a:solidFill>
+                <a:schemeClr val="dk1"/>
+              </a:solidFill>
+              <a:latin typeface="Calibri"/>
+              <a:ea typeface="Calibri"/>
+              <a:cs typeface="Calibri"/>
+              <a:sym typeface="Calibri"/>
+            </a:endParaRPr>
+          </a:p>
+        </p:txBody>
+      </p:sp>
+      <p:sp>
+        <p:nvSpPr>
+          <p:cNvPr id="10" name="Google Shape;1629;p47"/>
+          <p:cNvSpPr/>
+          <p:nvPr/>
+        </p:nvSpPr>
+        <p:spPr>
+          <a:xfrm rot="836017">
+            <a:off x="82881" y="3780612"/>
+            <a:ext cx="968640" cy="930594"/>
+          </a:xfrm>
+          <a:custGeom>
+            <a:avLst/>
+            <a:gdLst/>
+            <a:ahLst/>
+            <a:cxnLst/>
+            <a:rect l="l" t="t" r="r" b="b"/>
+            <a:pathLst>
+              <a:path w="16952" h="16952" fill="none" extrusionOk="0">
+                <a:moveTo>
+                  <a:pt x="16173" y="7015"/>
+                </a:moveTo>
+                <a:lnTo>
+                  <a:pt x="14419" y="6820"/>
+                </a:lnTo>
+                <a:lnTo>
+                  <a:pt x="14419" y="6820"/>
+                </a:lnTo>
+                <a:lnTo>
+                  <a:pt x="14322" y="6479"/>
+                </a:lnTo>
+                <a:lnTo>
+                  <a:pt x="14175" y="6114"/>
+                </a:lnTo>
+                <a:lnTo>
+                  <a:pt x="14029" y="5773"/>
+                </a:lnTo>
+                <a:lnTo>
+                  <a:pt x="13859" y="5432"/>
+                </a:lnTo>
+                <a:lnTo>
+                  <a:pt x="14955" y="4068"/>
+                </a:lnTo>
+                <a:lnTo>
+                  <a:pt x="14955" y="4068"/>
+                </a:lnTo>
+                <a:lnTo>
+                  <a:pt x="15028" y="3922"/>
+                </a:lnTo>
+                <a:lnTo>
+                  <a:pt x="15077" y="3776"/>
+                </a:lnTo>
+                <a:lnTo>
+                  <a:pt x="15125" y="3630"/>
+                </a:lnTo>
+                <a:lnTo>
+                  <a:pt x="15125" y="3484"/>
+                </a:lnTo>
+                <a:lnTo>
+                  <a:pt x="15101" y="3313"/>
+                </a:lnTo>
+                <a:lnTo>
+                  <a:pt x="15052" y="3167"/>
+                </a:lnTo>
+                <a:lnTo>
+                  <a:pt x="14979" y="3021"/>
+                </a:lnTo>
+                <a:lnTo>
+                  <a:pt x="14882" y="2899"/>
+                </a:lnTo>
+                <a:lnTo>
+                  <a:pt x="14054" y="2071"/>
+                </a:lnTo>
+                <a:lnTo>
+                  <a:pt x="14054" y="2071"/>
+                </a:lnTo>
+                <a:lnTo>
+                  <a:pt x="13932" y="1974"/>
+                </a:lnTo>
+                <a:lnTo>
+                  <a:pt x="13786" y="1901"/>
+                </a:lnTo>
+                <a:lnTo>
+                  <a:pt x="13640" y="1852"/>
+                </a:lnTo>
+                <a:lnTo>
+                  <a:pt x="13469" y="1827"/>
+                </a:lnTo>
+                <a:lnTo>
+                  <a:pt x="13323" y="1827"/>
+                </a:lnTo>
+                <a:lnTo>
+                  <a:pt x="13177" y="1876"/>
+                </a:lnTo>
+                <a:lnTo>
+                  <a:pt x="13031" y="1925"/>
+                </a:lnTo>
+                <a:lnTo>
+                  <a:pt x="12885" y="2022"/>
+                </a:lnTo>
+                <a:lnTo>
+                  <a:pt x="11521" y="3094"/>
+                </a:lnTo>
+                <a:lnTo>
+                  <a:pt x="11521" y="3094"/>
+                </a:lnTo>
+                <a:lnTo>
+                  <a:pt x="11180" y="2923"/>
+                </a:lnTo>
+                <a:lnTo>
+                  <a:pt x="10839" y="2777"/>
+                </a:lnTo>
+                <a:lnTo>
+                  <a:pt x="10473" y="2631"/>
+                </a:lnTo>
+                <a:lnTo>
+                  <a:pt x="10133" y="2534"/>
+                </a:lnTo>
+                <a:lnTo>
+                  <a:pt x="9938" y="780"/>
+                </a:lnTo>
+                <a:lnTo>
+                  <a:pt x="9938" y="780"/>
+                </a:lnTo>
+                <a:lnTo>
+                  <a:pt x="9889" y="634"/>
+                </a:lnTo>
+                <a:lnTo>
+                  <a:pt x="9840" y="488"/>
+                </a:lnTo>
+                <a:lnTo>
+                  <a:pt x="9743" y="342"/>
+                </a:lnTo>
+                <a:lnTo>
+                  <a:pt x="9645" y="244"/>
+                </a:lnTo>
+                <a:lnTo>
+                  <a:pt x="9499" y="147"/>
+                </a:lnTo>
+                <a:lnTo>
+                  <a:pt x="9378" y="74"/>
+                </a:lnTo>
+                <a:lnTo>
+                  <a:pt x="9231" y="25"/>
+                </a:lnTo>
+                <a:lnTo>
+                  <a:pt x="9061" y="1"/>
+                </a:lnTo>
+                <a:lnTo>
+                  <a:pt x="7892" y="1"/>
+                </a:lnTo>
+                <a:lnTo>
+                  <a:pt x="7892" y="1"/>
+                </a:lnTo>
+                <a:lnTo>
+                  <a:pt x="7721" y="25"/>
+                </a:lnTo>
+                <a:lnTo>
+                  <a:pt x="7575" y="74"/>
+                </a:lnTo>
+                <a:lnTo>
+                  <a:pt x="7453" y="147"/>
+                </a:lnTo>
+                <a:lnTo>
+                  <a:pt x="7307" y="244"/>
+                </a:lnTo>
+                <a:lnTo>
+                  <a:pt x="7210" y="342"/>
+                </a:lnTo>
+                <a:lnTo>
+                  <a:pt x="7112" y="488"/>
+                </a:lnTo>
+                <a:lnTo>
+                  <a:pt x="7064" y="634"/>
+                </a:lnTo>
+                <a:lnTo>
+                  <a:pt x="7015" y="780"/>
+                </a:lnTo>
+                <a:lnTo>
+                  <a:pt x="6820" y="2534"/>
+                </a:lnTo>
+                <a:lnTo>
+                  <a:pt x="6820" y="2534"/>
+                </a:lnTo>
+                <a:lnTo>
+                  <a:pt x="6479" y="2631"/>
+                </a:lnTo>
+                <a:lnTo>
+                  <a:pt x="6114" y="2777"/>
+                </a:lnTo>
+                <a:lnTo>
+                  <a:pt x="5773" y="2923"/>
+                </a:lnTo>
+                <a:lnTo>
+                  <a:pt x="5432" y="3094"/>
+                </a:lnTo>
+                <a:lnTo>
+                  <a:pt x="4068" y="2022"/>
+                </a:lnTo>
+                <a:lnTo>
+                  <a:pt x="4068" y="2022"/>
+                </a:lnTo>
+                <a:lnTo>
+                  <a:pt x="3922" y="1925"/>
+                </a:lnTo>
+                <a:lnTo>
+                  <a:pt x="3776" y="1876"/>
+                </a:lnTo>
+                <a:lnTo>
+                  <a:pt x="3630" y="1827"/>
+                </a:lnTo>
+                <a:lnTo>
+                  <a:pt x="3484" y="1827"/>
+                </a:lnTo>
+                <a:lnTo>
+                  <a:pt x="3313" y="1852"/>
+                </a:lnTo>
+                <a:lnTo>
+                  <a:pt x="3167" y="1901"/>
+                </a:lnTo>
+                <a:lnTo>
+                  <a:pt x="3021" y="1974"/>
+                </a:lnTo>
+                <a:lnTo>
+                  <a:pt x="2899" y="2071"/>
+                </a:lnTo>
+                <a:lnTo>
+                  <a:pt x="2071" y="2899"/>
+                </a:lnTo>
+                <a:lnTo>
+                  <a:pt x="2071" y="2899"/>
+                </a:lnTo>
+                <a:lnTo>
+                  <a:pt x="1974" y="3021"/>
+                </a:lnTo>
+                <a:lnTo>
+                  <a:pt x="1901" y="3167"/>
+                </a:lnTo>
+                <a:lnTo>
+                  <a:pt x="1852" y="3313"/>
+                </a:lnTo>
+                <a:lnTo>
+                  <a:pt x="1827" y="3484"/>
+                </a:lnTo>
+                <a:lnTo>
+                  <a:pt x="1827" y="3630"/>
+                </a:lnTo>
+                <a:lnTo>
+                  <a:pt x="1876" y="3776"/>
+                </a:lnTo>
+                <a:lnTo>
+                  <a:pt x="1925" y="3922"/>
+                </a:lnTo>
+                <a:lnTo>
+                  <a:pt x="2022" y="4068"/>
+                </a:lnTo>
+                <a:lnTo>
+                  <a:pt x="3094" y="5432"/>
+                </a:lnTo>
+                <a:lnTo>
+                  <a:pt x="3094" y="5432"/>
+                </a:lnTo>
+                <a:lnTo>
+                  <a:pt x="2923" y="5773"/>
+                </a:lnTo>
+                <a:lnTo>
+                  <a:pt x="2777" y="6114"/>
+                </a:lnTo>
+                <a:lnTo>
+                  <a:pt x="2631" y="6479"/>
+                </a:lnTo>
+                <a:lnTo>
+                  <a:pt x="2534" y="6820"/>
+                </a:lnTo>
+                <a:lnTo>
+                  <a:pt x="780" y="7015"/>
+                </a:lnTo>
+                <a:lnTo>
+                  <a:pt x="780" y="7015"/>
+                </a:lnTo>
+                <a:lnTo>
+                  <a:pt x="634" y="7064"/>
+                </a:lnTo>
+                <a:lnTo>
+                  <a:pt x="488" y="7112"/>
+                </a:lnTo>
+                <a:lnTo>
+                  <a:pt x="342" y="7210"/>
+                </a:lnTo>
+                <a:lnTo>
+                  <a:pt x="244" y="7307"/>
+                </a:lnTo>
+                <a:lnTo>
+                  <a:pt x="147" y="7453"/>
+                </a:lnTo>
+                <a:lnTo>
+                  <a:pt x="74" y="7575"/>
+                </a:lnTo>
+                <a:lnTo>
+                  <a:pt x="25" y="7721"/>
+                </a:lnTo>
+                <a:lnTo>
+                  <a:pt x="1" y="7892"/>
+                </a:lnTo>
+                <a:lnTo>
+                  <a:pt x="1" y="9061"/>
+                </a:lnTo>
+                <a:lnTo>
+                  <a:pt x="1" y="9061"/>
+                </a:lnTo>
+                <a:lnTo>
+                  <a:pt x="25" y="9231"/>
+                </a:lnTo>
+                <a:lnTo>
+                  <a:pt x="74" y="9377"/>
+                </a:lnTo>
+                <a:lnTo>
+                  <a:pt x="147" y="9499"/>
+                </a:lnTo>
+                <a:lnTo>
+                  <a:pt x="244" y="9645"/>
+                </a:lnTo>
+                <a:lnTo>
+                  <a:pt x="342" y="9743"/>
+                </a:lnTo>
+                <a:lnTo>
+                  <a:pt x="488" y="9840"/>
+                </a:lnTo>
+                <a:lnTo>
+                  <a:pt x="634" y="9889"/>
+                </a:lnTo>
+                <a:lnTo>
+                  <a:pt x="780" y="9938"/>
+                </a:lnTo>
+                <a:lnTo>
+                  <a:pt x="2534" y="10132"/>
+                </a:lnTo>
+                <a:lnTo>
+                  <a:pt x="2534" y="10132"/>
+                </a:lnTo>
+                <a:lnTo>
+                  <a:pt x="2631" y="10473"/>
+                </a:lnTo>
+                <a:lnTo>
+                  <a:pt x="2777" y="10839"/>
+                </a:lnTo>
+                <a:lnTo>
+                  <a:pt x="2923" y="11180"/>
+                </a:lnTo>
+                <a:lnTo>
+                  <a:pt x="3094" y="11521"/>
+                </a:lnTo>
+                <a:lnTo>
+                  <a:pt x="2022" y="12885"/>
+                </a:lnTo>
+                <a:lnTo>
+                  <a:pt x="2022" y="12885"/>
+                </a:lnTo>
+                <a:lnTo>
+                  <a:pt x="1925" y="13031"/>
+                </a:lnTo>
+                <a:lnTo>
+                  <a:pt x="1876" y="13177"/>
+                </a:lnTo>
+                <a:lnTo>
+                  <a:pt x="1827" y="13323"/>
+                </a:lnTo>
+                <a:lnTo>
+                  <a:pt x="1827" y="13469"/>
+                </a:lnTo>
+                <a:lnTo>
+                  <a:pt x="1852" y="13640"/>
+                </a:lnTo>
+                <a:lnTo>
+                  <a:pt x="1901" y="13786"/>
+                </a:lnTo>
+                <a:lnTo>
+                  <a:pt x="1974" y="13932"/>
+                </a:lnTo>
+                <a:lnTo>
+                  <a:pt x="2071" y="14054"/>
+                </a:lnTo>
+                <a:lnTo>
+                  <a:pt x="2899" y="14882"/>
+                </a:lnTo>
+                <a:lnTo>
+                  <a:pt x="2899" y="14882"/>
+                </a:lnTo>
+                <a:lnTo>
+                  <a:pt x="3021" y="14979"/>
+                </a:lnTo>
+                <a:lnTo>
+                  <a:pt x="3167" y="15052"/>
+                </a:lnTo>
+                <a:lnTo>
+                  <a:pt x="3313" y="15101"/>
+                </a:lnTo>
+                <a:lnTo>
+                  <a:pt x="3484" y="15125"/>
+                </a:lnTo>
+                <a:lnTo>
+                  <a:pt x="3630" y="15125"/>
+                </a:lnTo>
+                <a:lnTo>
+                  <a:pt x="3776" y="15077"/>
+                </a:lnTo>
+                <a:lnTo>
+                  <a:pt x="3922" y="15028"/>
+                </a:lnTo>
+                <a:lnTo>
+                  <a:pt x="4068" y="14955"/>
+                </a:lnTo>
+                <a:lnTo>
+                  <a:pt x="5432" y="13859"/>
+                </a:lnTo>
+                <a:lnTo>
+                  <a:pt x="5432" y="13859"/>
+                </a:lnTo>
+                <a:lnTo>
+                  <a:pt x="5773" y="14029"/>
+                </a:lnTo>
+                <a:lnTo>
+                  <a:pt x="6114" y="14175"/>
+                </a:lnTo>
+                <a:lnTo>
+                  <a:pt x="6479" y="14322"/>
+                </a:lnTo>
+                <a:lnTo>
+                  <a:pt x="6820" y="14419"/>
+                </a:lnTo>
+                <a:lnTo>
+                  <a:pt x="7015" y="16173"/>
+                </a:lnTo>
+                <a:lnTo>
+                  <a:pt x="7015" y="16173"/>
+                </a:lnTo>
+                <a:lnTo>
+                  <a:pt x="7064" y="16319"/>
+                </a:lnTo>
+                <a:lnTo>
+                  <a:pt x="7112" y="16465"/>
+                </a:lnTo>
+                <a:lnTo>
+                  <a:pt x="7210" y="16611"/>
+                </a:lnTo>
+                <a:lnTo>
+                  <a:pt x="7307" y="16708"/>
+                </a:lnTo>
+                <a:lnTo>
+                  <a:pt x="7453" y="16806"/>
+                </a:lnTo>
+                <a:lnTo>
+                  <a:pt x="7575" y="16879"/>
+                </a:lnTo>
+                <a:lnTo>
+                  <a:pt x="7721" y="16928"/>
+                </a:lnTo>
+                <a:lnTo>
+                  <a:pt x="7892" y="16952"/>
+                </a:lnTo>
+                <a:lnTo>
+                  <a:pt x="9061" y="16952"/>
+                </a:lnTo>
+                <a:lnTo>
+                  <a:pt x="9061" y="16952"/>
+                </a:lnTo>
+                <a:lnTo>
+                  <a:pt x="9231" y="16928"/>
+                </a:lnTo>
+                <a:lnTo>
+                  <a:pt x="9378" y="16879"/>
+                </a:lnTo>
+                <a:lnTo>
+                  <a:pt x="9499" y="16806"/>
+                </a:lnTo>
+                <a:lnTo>
+                  <a:pt x="9645" y="16708"/>
+                </a:lnTo>
+                <a:lnTo>
+                  <a:pt x="9743" y="16611"/>
+                </a:lnTo>
+                <a:lnTo>
+                  <a:pt x="9840" y="16465"/>
+                </a:lnTo>
+                <a:lnTo>
+                  <a:pt x="9889" y="16319"/>
+                </a:lnTo>
+                <a:lnTo>
+                  <a:pt x="9938" y="16173"/>
+                </a:lnTo>
+                <a:lnTo>
+                  <a:pt x="10133" y="14419"/>
+                </a:lnTo>
+                <a:lnTo>
+                  <a:pt x="10133" y="14419"/>
+                </a:lnTo>
+                <a:lnTo>
+                  <a:pt x="10473" y="14322"/>
+                </a:lnTo>
+                <a:lnTo>
+                  <a:pt x="10839" y="14175"/>
+                </a:lnTo>
+                <a:lnTo>
+                  <a:pt x="11180" y="14029"/>
+                </a:lnTo>
+                <a:lnTo>
+                  <a:pt x="11521" y="13859"/>
+                </a:lnTo>
+                <a:lnTo>
+                  <a:pt x="12885" y="14955"/>
+                </a:lnTo>
+                <a:lnTo>
+                  <a:pt x="12885" y="14955"/>
+                </a:lnTo>
+                <a:lnTo>
+                  <a:pt x="13031" y="15028"/>
+                </a:lnTo>
+                <a:lnTo>
+                  <a:pt x="13177" y="15077"/>
+                </a:lnTo>
+                <a:lnTo>
+                  <a:pt x="13323" y="15125"/>
+                </a:lnTo>
+                <a:lnTo>
+                  <a:pt x="13469" y="15125"/>
+                </a:lnTo>
+                <a:lnTo>
+                  <a:pt x="13640" y="15101"/>
+                </a:lnTo>
+                <a:lnTo>
+                  <a:pt x="13786" y="15052"/>
+                </a:lnTo>
+                <a:lnTo>
+                  <a:pt x="13932" y="14979"/>
+                </a:lnTo>
+                <a:lnTo>
+                  <a:pt x="14054" y="14882"/>
+                </a:lnTo>
+                <a:lnTo>
+                  <a:pt x="14882" y="14054"/>
+                </a:lnTo>
+                <a:lnTo>
+                  <a:pt x="14882" y="14054"/>
+                </a:lnTo>
+                <a:lnTo>
+                  <a:pt x="14979" y="13932"/>
+                </a:lnTo>
+                <a:lnTo>
+                  <a:pt x="15052" y="13786"/>
+                </a:lnTo>
+                <a:lnTo>
+                  <a:pt x="15101" y="13640"/>
+                </a:lnTo>
+                <a:lnTo>
+                  <a:pt x="15125" y="13469"/>
+                </a:lnTo>
+                <a:lnTo>
+                  <a:pt x="15125" y="13323"/>
+                </a:lnTo>
+                <a:lnTo>
+                  <a:pt x="15077" y="13177"/>
+                </a:lnTo>
+                <a:lnTo>
+                  <a:pt x="15028" y="13031"/>
+                </a:lnTo>
+                <a:lnTo>
+                  <a:pt x="14955" y="12885"/>
+                </a:lnTo>
+                <a:lnTo>
+                  <a:pt x="13859" y="11521"/>
+                </a:lnTo>
+                <a:lnTo>
+                  <a:pt x="13859" y="11521"/>
+                </a:lnTo>
+                <a:lnTo>
+                  <a:pt x="14029" y="11180"/>
+                </a:lnTo>
+                <a:lnTo>
+                  <a:pt x="14175" y="10839"/>
+                </a:lnTo>
+                <a:lnTo>
+                  <a:pt x="14322" y="10473"/>
+                </a:lnTo>
+                <a:lnTo>
+                  <a:pt x="14419" y="10132"/>
+                </a:lnTo>
+                <a:lnTo>
+                  <a:pt x="16173" y="9938"/>
+                </a:lnTo>
+                <a:lnTo>
+                  <a:pt x="16173" y="9938"/>
+                </a:lnTo>
+                <a:lnTo>
+                  <a:pt x="16319" y="9889"/>
+                </a:lnTo>
+                <a:lnTo>
+                  <a:pt x="16465" y="9840"/>
+                </a:lnTo>
+                <a:lnTo>
+                  <a:pt x="16611" y="9743"/>
+                </a:lnTo>
+                <a:lnTo>
+                  <a:pt x="16708" y="9645"/>
+                </a:lnTo>
+                <a:lnTo>
+                  <a:pt x="16806" y="9499"/>
+                </a:lnTo>
+                <a:lnTo>
+                  <a:pt x="16879" y="9377"/>
+                </a:lnTo>
+                <a:lnTo>
+                  <a:pt x="16928" y="9231"/>
+                </a:lnTo>
+                <a:lnTo>
+                  <a:pt x="16952" y="9061"/>
+                </a:lnTo>
+                <a:lnTo>
+                  <a:pt x="16952" y="7892"/>
+                </a:lnTo>
+                <a:lnTo>
+                  <a:pt x="16952" y="7892"/>
+                </a:lnTo>
+                <a:lnTo>
+                  <a:pt x="16928" y="7721"/>
+                </a:lnTo>
+                <a:lnTo>
+                  <a:pt x="16879" y="7575"/>
+                </a:lnTo>
+                <a:lnTo>
+                  <a:pt x="16806" y="7453"/>
+                </a:lnTo>
+                <a:lnTo>
+                  <a:pt x="16708" y="7307"/>
+                </a:lnTo>
+                <a:lnTo>
+                  <a:pt x="16611" y="7210"/>
+                </a:lnTo>
+                <a:lnTo>
+                  <a:pt x="16465" y="7112"/>
+                </a:lnTo>
+                <a:lnTo>
+                  <a:pt x="16319" y="7064"/>
+                </a:lnTo>
+                <a:lnTo>
+                  <a:pt x="16173" y="7015"/>
+                </a:lnTo>
+                <a:lnTo>
+                  <a:pt x="16173" y="7015"/>
+                </a:lnTo>
+                <a:close/>
+                <a:moveTo>
+                  <a:pt x="10425" y="10425"/>
+                </a:moveTo>
+                <a:lnTo>
+                  <a:pt x="10425" y="10425"/>
+                </a:lnTo>
+                <a:lnTo>
+                  <a:pt x="10206" y="10620"/>
+                </a:lnTo>
+                <a:lnTo>
+                  <a:pt x="9986" y="10766"/>
+                </a:lnTo>
+                <a:lnTo>
+                  <a:pt x="9767" y="10912"/>
+                </a:lnTo>
+                <a:lnTo>
+                  <a:pt x="9524" y="11034"/>
+                </a:lnTo>
+                <a:lnTo>
+                  <a:pt x="9256" y="11107"/>
+                </a:lnTo>
+                <a:lnTo>
+                  <a:pt x="9012" y="11180"/>
+                </a:lnTo>
+                <a:lnTo>
+                  <a:pt x="8744" y="11228"/>
+                </a:lnTo>
+                <a:lnTo>
+                  <a:pt x="8476" y="11228"/>
+                </a:lnTo>
+                <a:lnTo>
+                  <a:pt x="8208" y="11228"/>
+                </a:lnTo>
+                <a:lnTo>
+                  <a:pt x="7941" y="11180"/>
+                </a:lnTo>
+                <a:lnTo>
+                  <a:pt x="7697" y="11107"/>
+                </a:lnTo>
+                <a:lnTo>
+                  <a:pt x="7429" y="11034"/>
+                </a:lnTo>
+                <a:lnTo>
+                  <a:pt x="7186" y="10912"/>
+                </a:lnTo>
+                <a:lnTo>
+                  <a:pt x="6966" y="10766"/>
+                </a:lnTo>
+                <a:lnTo>
+                  <a:pt x="6747" y="10620"/>
+                </a:lnTo>
+                <a:lnTo>
+                  <a:pt x="6528" y="10425"/>
+                </a:lnTo>
+                <a:lnTo>
+                  <a:pt x="6528" y="10425"/>
+                </a:lnTo>
+                <a:lnTo>
+                  <a:pt x="6333" y="10206"/>
+                </a:lnTo>
+                <a:lnTo>
+                  <a:pt x="6187" y="9986"/>
+                </a:lnTo>
+                <a:lnTo>
+                  <a:pt x="6041" y="9767"/>
+                </a:lnTo>
+                <a:lnTo>
+                  <a:pt x="5919" y="9524"/>
+                </a:lnTo>
+                <a:lnTo>
+                  <a:pt x="5846" y="9256"/>
+                </a:lnTo>
+                <a:lnTo>
+                  <a:pt x="5773" y="9012"/>
+                </a:lnTo>
+                <a:lnTo>
+                  <a:pt x="5724" y="8744"/>
+                </a:lnTo>
+                <a:lnTo>
+                  <a:pt x="5724" y="8476"/>
+                </a:lnTo>
+                <a:lnTo>
+                  <a:pt x="5724" y="8208"/>
+                </a:lnTo>
+                <a:lnTo>
+                  <a:pt x="5773" y="7941"/>
+                </a:lnTo>
+                <a:lnTo>
+                  <a:pt x="5846" y="7697"/>
+                </a:lnTo>
+                <a:lnTo>
+                  <a:pt x="5919" y="7429"/>
+                </a:lnTo>
+                <a:lnTo>
+                  <a:pt x="6041" y="7186"/>
+                </a:lnTo>
+                <a:lnTo>
+                  <a:pt x="6187" y="6966"/>
+                </a:lnTo>
+                <a:lnTo>
+                  <a:pt x="6333" y="6747"/>
+                </a:lnTo>
+                <a:lnTo>
+                  <a:pt x="6528" y="6528"/>
+                </a:lnTo>
+                <a:lnTo>
+                  <a:pt x="6528" y="6528"/>
+                </a:lnTo>
+                <a:lnTo>
+                  <a:pt x="6747" y="6333"/>
+                </a:lnTo>
+                <a:lnTo>
+                  <a:pt x="6966" y="6187"/>
+                </a:lnTo>
+                <a:lnTo>
+                  <a:pt x="7186" y="6041"/>
+                </a:lnTo>
+                <a:lnTo>
+                  <a:pt x="7429" y="5919"/>
+                </a:lnTo>
+                <a:lnTo>
+                  <a:pt x="7697" y="5846"/>
+                </a:lnTo>
+                <a:lnTo>
+                  <a:pt x="7941" y="5773"/>
+                </a:lnTo>
+                <a:lnTo>
+                  <a:pt x="8208" y="5724"/>
+                </a:lnTo>
+                <a:lnTo>
+                  <a:pt x="8476" y="5724"/>
+                </a:lnTo>
+                <a:lnTo>
+                  <a:pt x="8744" y="5724"/>
+                </a:lnTo>
+                <a:lnTo>
+                  <a:pt x="9012" y="5773"/>
+                </a:lnTo>
+                <a:lnTo>
+                  <a:pt x="9256" y="5846"/>
+                </a:lnTo>
+                <a:lnTo>
+                  <a:pt x="9524" y="5919"/>
+                </a:lnTo>
+                <a:lnTo>
+                  <a:pt x="9767" y="6041"/>
+                </a:lnTo>
+                <a:lnTo>
+                  <a:pt x="9986" y="6187"/>
+                </a:lnTo>
+                <a:lnTo>
+                  <a:pt x="10206" y="6333"/>
+                </a:lnTo>
+                <a:lnTo>
+                  <a:pt x="10425" y="6528"/>
+                </a:lnTo>
+                <a:lnTo>
+                  <a:pt x="10425" y="6528"/>
+                </a:lnTo>
+                <a:lnTo>
+                  <a:pt x="10620" y="6747"/>
+                </a:lnTo>
+                <a:lnTo>
+                  <a:pt x="10766" y="6966"/>
+                </a:lnTo>
+                <a:lnTo>
+                  <a:pt x="10912" y="7186"/>
+                </a:lnTo>
+                <a:lnTo>
+                  <a:pt x="11034" y="7429"/>
+                </a:lnTo>
+                <a:lnTo>
+                  <a:pt x="11107" y="7697"/>
+                </a:lnTo>
+                <a:lnTo>
+                  <a:pt x="11180" y="7941"/>
+                </a:lnTo>
+                <a:lnTo>
+                  <a:pt x="11228" y="8208"/>
+                </a:lnTo>
+                <a:lnTo>
+                  <a:pt x="11228" y="8476"/>
+                </a:lnTo>
+                <a:lnTo>
+                  <a:pt x="11228" y="8744"/>
+                </a:lnTo>
+                <a:lnTo>
+                  <a:pt x="11180" y="9012"/>
+                </a:lnTo>
+                <a:lnTo>
+                  <a:pt x="11107" y="9256"/>
+                </a:lnTo>
+                <a:lnTo>
+                  <a:pt x="11034" y="9524"/>
+                </a:lnTo>
+                <a:lnTo>
+                  <a:pt x="10912" y="9767"/>
+                </a:lnTo>
+                <a:lnTo>
+                  <a:pt x="10766" y="9986"/>
+                </a:lnTo>
+                <a:lnTo>
+                  <a:pt x="10620" y="10206"/>
+                </a:lnTo>
+                <a:lnTo>
+                  <a:pt x="10425" y="10425"/>
+                </a:lnTo>
+                <a:lnTo>
+                  <a:pt x="10425" y="10425"/>
+                </a:lnTo>
+                <a:close/>
+              </a:path>
+            </a:pathLst>
+          </a:custGeom>
+          <a:noFill/>
+          <a:ln w="38100" cap="rnd" cmpd="sng">
+            <a:solidFill>
+              <a:schemeClr val="bg1"/>
+            </a:solidFill>
+            <a:prstDash val="solid"/>
+            <a:round/>
+            <a:headEnd type="none" w="sm" len="sm"/>
+            <a:tailEnd type="none" w="sm" len="sm"/>
+          </a:ln>
+        </p:spPr>
+        <p:txBody>
+          <a:bodyPr spcFirstLastPara="1" wrap="square" lIns="91425" tIns="91425" rIns="91425" bIns="91425" anchor="ctr" anchorCtr="0">
+            <a:noAutofit/>
+          </a:bodyPr>
+          <a:lstStyle/>
+          <a:p>
+            <a:pPr marL="0" lvl="0" indent="0" algn="l" rtl="0">
+              <a:spcBef>
+                <a:spcPts val="0"/>
+              </a:spcBef>
+              <a:spcAft>
+                <a:spcPts val="0"/>
+              </a:spcAft>
+              <a:buNone/>
+            </a:pPr>
+            <a:endParaRPr/>
+          </a:p>
+        </p:txBody>
+      </p:sp>
+      <p:sp>
+        <p:nvSpPr>
+          <p:cNvPr id="12" name="Google Shape;1631;p47"/>
+          <p:cNvSpPr/>
+          <p:nvPr/>
+        </p:nvSpPr>
+        <p:spPr>
+          <a:xfrm rot="18063834">
+            <a:off x="868190" y="4633074"/>
+            <a:ext cx="1346489" cy="1318646"/>
+          </a:xfrm>
+          <a:custGeom>
+            <a:avLst/>
+            <a:gdLst/>
+            <a:ahLst/>
+            <a:cxnLst/>
+            <a:rect l="l" t="t" r="r" b="b"/>
+            <a:pathLst>
+              <a:path w="13956" h="13956" fill="none" extrusionOk="0">
+                <a:moveTo>
+                  <a:pt x="13323" y="5772"/>
+                </a:moveTo>
+                <a:lnTo>
+                  <a:pt x="11861" y="5626"/>
+                </a:lnTo>
+                <a:lnTo>
+                  <a:pt x="11861" y="5626"/>
+                </a:lnTo>
+                <a:lnTo>
+                  <a:pt x="11788" y="5334"/>
+                </a:lnTo>
+                <a:lnTo>
+                  <a:pt x="11667" y="5042"/>
+                </a:lnTo>
+                <a:lnTo>
+                  <a:pt x="11545" y="4750"/>
+                </a:lnTo>
+                <a:lnTo>
+                  <a:pt x="11399" y="4482"/>
+                </a:lnTo>
+                <a:lnTo>
+                  <a:pt x="12300" y="3337"/>
+                </a:lnTo>
+                <a:lnTo>
+                  <a:pt x="12300" y="3337"/>
+                </a:lnTo>
+                <a:lnTo>
+                  <a:pt x="12373" y="3240"/>
+                </a:lnTo>
+                <a:lnTo>
+                  <a:pt x="12422" y="3118"/>
+                </a:lnTo>
+                <a:lnTo>
+                  <a:pt x="12446" y="2996"/>
+                </a:lnTo>
+                <a:lnTo>
+                  <a:pt x="12446" y="2850"/>
+                </a:lnTo>
+                <a:lnTo>
+                  <a:pt x="12422" y="2728"/>
+                </a:lnTo>
+                <a:lnTo>
+                  <a:pt x="12397" y="2606"/>
+                </a:lnTo>
+                <a:lnTo>
+                  <a:pt x="12324" y="2485"/>
+                </a:lnTo>
+                <a:lnTo>
+                  <a:pt x="12251" y="2387"/>
+                </a:lnTo>
+                <a:lnTo>
+                  <a:pt x="11569" y="1705"/>
+                </a:lnTo>
+                <a:lnTo>
+                  <a:pt x="11569" y="1705"/>
+                </a:lnTo>
+                <a:lnTo>
+                  <a:pt x="11472" y="1632"/>
+                </a:lnTo>
+                <a:lnTo>
+                  <a:pt x="11350" y="1559"/>
+                </a:lnTo>
+                <a:lnTo>
+                  <a:pt x="11228" y="1510"/>
+                </a:lnTo>
+                <a:lnTo>
+                  <a:pt x="11106" y="1510"/>
+                </a:lnTo>
+                <a:lnTo>
+                  <a:pt x="10960" y="1510"/>
+                </a:lnTo>
+                <a:lnTo>
+                  <a:pt x="10838" y="1535"/>
+                </a:lnTo>
+                <a:lnTo>
+                  <a:pt x="10717" y="1583"/>
+                </a:lnTo>
+                <a:lnTo>
+                  <a:pt x="10619" y="1656"/>
+                </a:lnTo>
+                <a:lnTo>
+                  <a:pt x="9475" y="2558"/>
+                </a:lnTo>
+                <a:lnTo>
+                  <a:pt x="9475" y="2558"/>
+                </a:lnTo>
+                <a:lnTo>
+                  <a:pt x="9207" y="2411"/>
+                </a:lnTo>
+                <a:lnTo>
+                  <a:pt x="8914" y="2290"/>
+                </a:lnTo>
+                <a:lnTo>
+                  <a:pt x="8622" y="2168"/>
+                </a:lnTo>
+                <a:lnTo>
+                  <a:pt x="8330" y="2070"/>
+                </a:lnTo>
+                <a:lnTo>
+                  <a:pt x="8159" y="634"/>
+                </a:lnTo>
+                <a:lnTo>
+                  <a:pt x="8159" y="634"/>
+                </a:lnTo>
+                <a:lnTo>
+                  <a:pt x="8135" y="512"/>
+                </a:lnTo>
+                <a:lnTo>
+                  <a:pt x="8086" y="390"/>
+                </a:lnTo>
+                <a:lnTo>
+                  <a:pt x="8013" y="293"/>
+                </a:lnTo>
+                <a:lnTo>
+                  <a:pt x="7940" y="195"/>
+                </a:lnTo>
+                <a:lnTo>
+                  <a:pt x="7818" y="122"/>
+                </a:lnTo>
+                <a:lnTo>
+                  <a:pt x="7721" y="49"/>
+                </a:lnTo>
+                <a:lnTo>
+                  <a:pt x="7575" y="25"/>
+                </a:lnTo>
+                <a:lnTo>
+                  <a:pt x="7453" y="0"/>
+                </a:lnTo>
+                <a:lnTo>
+                  <a:pt x="6479" y="0"/>
+                </a:lnTo>
+                <a:lnTo>
+                  <a:pt x="6479" y="0"/>
+                </a:lnTo>
+                <a:lnTo>
+                  <a:pt x="6357" y="25"/>
+                </a:lnTo>
+                <a:lnTo>
+                  <a:pt x="6235" y="49"/>
+                </a:lnTo>
+                <a:lnTo>
+                  <a:pt x="6114" y="122"/>
+                </a:lnTo>
+                <a:lnTo>
+                  <a:pt x="6016" y="195"/>
+                </a:lnTo>
+                <a:lnTo>
+                  <a:pt x="5919" y="293"/>
+                </a:lnTo>
+                <a:lnTo>
+                  <a:pt x="5846" y="390"/>
+                </a:lnTo>
+                <a:lnTo>
+                  <a:pt x="5797" y="512"/>
+                </a:lnTo>
+                <a:lnTo>
+                  <a:pt x="5773" y="634"/>
+                </a:lnTo>
+                <a:lnTo>
+                  <a:pt x="5602" y="2070"/>
+                </a:lnTo>
+                <a:lnTo>
+                  <a:pt x="5602" y="2070"/>
+                </a:lnTo>
+                <a:lnTo>
+                  <a:pt x="5310" y="2168"/>
+                </a:lnTo>
+                <a:lnTo>
+                  <a:pt x="5018" y="2290"/>
+                </a:lnTo>
+                <a:lnTo>
+                  <a:pt x="4750" y="2411"/>
+                </a:lnTo>
+                <a:lnTo>
+                  <a:pt x="4482" y="2558"/>
+                </a:lnTo>
+                <a:lnTo>
+                  <a:pt x="3337" y="1656"/>
+                </a:lnTo>
+                <a:lnTo>
+                  <a:pt x="3337" y="1656"/>
+                </a:lnTo>
+                <a:lnTo>
+                  <a:pt x="3215" y="1583"/>
+                </a:lnTo>
+                <a:lnTo>
+                  <a:pt x="3094" y="1535"/>
+                </a:lnTo>
+                <a:lnTo>
+                  <a:pt x="2972" y="1510"/>
+                </a:lnTo>
+                <a:lnTo>
+                  <a:pt x="2850" y="1510"/>
+                </a:lnTo>
+                <a:lnTo>
+                  <a:pt x="2728" y="1510"/>
+                </a:lnTo>
+                <a:lnTo>
+                  <a:pt x="2582" y="1559"/>
+                </a:lnTo>
+                <a:lnTo>
+                  <a:pt x="2485" y="1632"/>
+                </a:lnTo>
+                <a:lnTo>
+                  <a:pt x="2387" y="1705"/>
+                </a:lnTo>
+                <a:lnTo>
+                  <a:pt x="1705" y="2387"/>
+                </a:lnTo>
+                <a:lnTo>
+                  <a:pt x="1705" y="2387"/>
+                </a:lnTo>
+                <a:lnTo>
+                  <a:pt x="1608" y="2485"/>
+                </a:lnTo>
+                <a:lnTo>
+                  <a:pt x="1559" y="2606"/>
+                </a:lnTo>
+                <a:lnTo>
+                  <a:pt x="1511" y="2728"/>
+                </a:lnTo>
+                <a:lnTo>
+                  <a:pt x="1486" y="2850"/>
+                </a:lnTo>
+                <a:lnTo>
+                  <a:pt x="1486" y="2996"/>
+                </a:lnTo>
+                <a:lnTo>
+                  <a:pt x="1511" y="3118"/>
+                </a:lnTo>
+                <a:lnTo>
+                  <a:pt x="1559" y="3240"/>
+                </a:lnTo>
+                <a:lnTo>
+                  <a:pt x="1632" y="3337"/>
+                </a:lnTo>
+                <a:lnTo>
+                  <a:pt x="2533" y="4482"/>
+                </a:lnTo>
+                <a:lnTo>
+                  <a:pt x="2533" y="4482"/>
+                </a:lnTo>
+                <a:lnTo>
+                  <a:pt x="2387" y="4750"/>
+                </a:lnTo>
+                <a:lnTo>
+                  <a:pt x="2266" y="5042"/>
+                </a:lnTo>
+                <a:lnTo>
+                  <a:pt x="2168" y="5334"/>
+                </a:lnTo>
+                <a:lnTo>
+                  <a:pt x="2071" y="5626"/>
+                </a:lnTo>
+                <a:lnTo>
+                  <a:pt x="634" y="5772"/>
+                </a:lnTo>
+                <a:lnTo>
+                  <a:pt x="634" y="5772"/>
+                </a:lnTo>
+                <a:lnTo>
+                  <a:pt x="512" y="5821"/>
+                </a:lnTo>
+                <a:lnTo>
+                  <a:pt x="390" y="5870"/>
+                </a:lnTo>
+                <a:lnTo>
+                  <a:pt x="268" y="5943"/>
+                </a:lnTo>
+                <a:lnTo>
+                  <a:pt x="171" y="6016"/>
+                </a:lnTo>
+                <a:lnTo>
+                  <a:pt x="98" y="6138"/>
+                </a:lnTo>
+                <a:lnTo>
+                  <a:pt x="49" y="6235"/>
+                </a:lnTo>
+                <a:lnTo>
+                  <a:pt x="1" y="6381"/>
+                </a:lnTo>
+                <a:lnTo>
+                  <a:pt x="1" y="6503"/>
+                </a:lnTo>
+                <a:lnTo>
+                  <a:pt x="1" y="7453"/>
+                </a:lnTo>
+                <a:lnTo>
+                  <a:pt x="1" y="7453"/>
+                </a:lnTo>
+                <a:lnTo>
+                  <a:pt x="1" y="7599"/>
+                </a:lnTo>
+                <a:lnTo>
+                  <a:pt x="49" y="7721"/>
+                </a:lnTo>
+                <a:lnTo>
+                  <a:pt x="98" y="7843"/>
+                </a:lnTo>
+                <a:lnTo>
+                  <a:pt x="171" y="7940"/>
+                </a:lnTo>
+                <a:lnTo>
+                  <a:pt x="268" y="8037"/>
+                </a:lnTo>
+                <a:lnTo>
+                  <a:pt x="390" y="8111"/>
+                </a:lnTo>
+                <a:lnTo>
+                  <a:pt x="512" y="8159"/>
+                </a:lnTo>
+                <a:lnTo>
+                  <a:pt x="634" y="8184"/>
+                </a:lnTo>
+                <a:lnTo>
+                  <a:pt x="2071" y="8354"/>
+                </a:lnTo>
+                <a:lnTo>
+                  <a:pt x="2071" y="8354"/>
+                </a:lnTo>
+                <a:lnTo>
+                  <a:pt x="2168" y="8646"/>
+                </a:lnTo>
+                <a:lnTo>
+                  <a:pt x="2266" y="8914"/>
+                </a:lnTo>
+                <a:lnTo>
+                  <a:pt x="2387" y="9206"/>
+                </a:lnTo>
+                <a:lnTo>
+                  <a:pt x="2533" y="9474"/>
+                </a:lnTo>
+                <a:lnTo>
+                  <a:pt x="1632" y="10619"/>
+                </a:lnTo>
+                <a:lnTo>
+                  <a:pt x="1632" y="10619"/>
+                </a:lnTo>
+                <a:lnTo>
+                  <a:pt x="1559" y="10741"/>
+                </a:lnTo>
+                <a:lnTo>
+                  <a:pt x="1511" y="10863"/>
+                </a:lnTo>
+                <a:lnTo>
+                  <a:pt x="1486" y="10984"/>
+                </a:lnTo>
+                <a:lnTo>
+                  <a:pt x="1486" y="11106"/>
+                </a:lnTo>
+                <a:lnTo>
+                  <a:pt x="1511" y="11228"/>
+                </a:lnTo>
+                <a:lnTo>
+                  <a:pt x="1559" y="11350"/>
+                </a:lnTo>
+                <a:lnTo>
+                  <a:pt x="1608" y="11472"/>
+                </a:lnTo>
+                <a:lnTo>
+                  <a:pt x="1705" y="11569"/>
+                </a:lnTo>
+                <a:lnTo>
+                  <a:pt x="2387" y="12251"/>
+                </a:lnTo>
+                <a:lnTo>
+                  <a:pt x="2387" y="12251"/>
+                </a:lnTo>
+                <a:lnTo>
+                  <a:pt x="2485" y="12348"/>
+                </a:lnTo>
+                <a:lnTo>
+                  <a:pt x="2582" y="12397"/>
+                </a:lnTo>
+                <a:lnTo>
+                  <a:pt x="2728" y="12446"/>
+                </a:lnTo>
+                <a:lnTo>
+                  <a:pt x="2850" y="12470"/>
+                </a:lnTo>
+                <a:lnTo>
+                  <a:pt x="2972" y="12470"/>
+                </a:lnTo>
+                <a:lnTo>
+                  <a:pt x="3094" y="12421"/>
+                </a:lnTo>
+                <a:lnTo>
+                  <a:pt x="3215" y="12373"/>
+                </a:lnTo>
+                <a:lnTo>
+                  <a:pt x="3337" y="12324"/>
+                </a:lnTo>
+                <a:lnTo>
+                  <a:pt x="4482" y="11423"/>
+                </a:lnTo>
+                <a:lnTo>
+                  <a:pt x="4482" y="11423"/>
+                </a:lnTo>
+                <a:lnTo>
+                  <a:pt x="4750" y="11545"/>
+                </a:lnTo>
+                <a:lnTo>
+                  <a:pt x="5018" y="11691"/>
+                </a:lnTo>
+                <a:lnTo>
+                  <a:pt x="5310" y="11788"/>
+                </a:lnTo>
+                <a:lnTo>
+                  <a:pt x="5602" y="11886"/>
+                </a:lnTo>
+                <a:lnTo>
+                  <a:pt x="5773" y="13322"/>
+                </a:lnTo>
+                <a:lnTo>
+                  <a:pt x="5773" y="13322"/>
+                </a:lnTo>
+                <a:lnTo>
+                  <a:pt x="5797" y="13444"/>
+                </a:lnTo>
+                <a:lnTo>
+                  <a:pt x="5846" y="13566"/>
+                </a:lnTo>
+                <a:lnTo>
+                  <a:pt x="5919" y="13688"/>
+                </a:lnTo>
+                <a:lnTo>
+                  <a:pt x="6016" y="13785"/>
+                </a:lnTo>
+                <a:lnTo>
+                  <a:pt x="6114" y="13858"/>
+                </a:lnTo>
+                <a:lnTo>
+                  <a:pt x="6235" y="13907"/>
+                </a:lnTo>
+                <a:lnTo>
+                  <a:pt x="6357" y="13956"/>
+                </a:lnTo>
+                <a:lnTo>
+                  <a:pt x="6479" y="13956"/>
+                </a:lnTo>
+                <a:lnTo>
+                  <a:pt x="7453" y="13956"/>
+                </a:lnTo>
+                <a:lnTo>
+                  <a:pt x="7453" y="13956"/>
+                </a:lnTo>
+                <a:lnTo>
+                  <a:pt x="7575" y="13956"/>
+                </a:lnTo>
+                <a:lnTo>
+                  <a:pt x="7721" y="13907"/>
+                </a:lnTo>
+                <a:lnTo>
+                  <a:pt x="7818" y="13858"/>
+                </a:lnTo>
+                <a:lnTo>
+                  <a:pt x="7940" y="13785"/>
+                </a:lnTo>
+                <a:lnTo>
+                  <a:pt x="8013" y="13688"/>
+                </a:lnTo>
+                <a:lnTo>
+                  <a:pt x="8086" y="13566"/>
+                </a:lnTo>
+                <a:lnTo>
+                  <a:pt x="8135" y="13444"/>
+                </a:lnTo>
+                <a:lnTo>
+                  <a:pt x="8159" y="13322"/>
+                </a:lnTo>
+                <a:lnTo>
+                  <a:pt x="8330" y="11886"/>
+                </a:lnTo>
+                <a:lnTo>
+                  <a:pt x="8330" y="11886"/>
+                </a:lnTo>
+                <a:lnTo>
+                  <a:pt x="8622" y="11788"/>
+                </a:lnTo>
+                <a:lnTo>
+                  <a:pt x="8914" y="11691"/>
+                </a:lnTo>
+                <a:lnTo>
+                  <a:pt x="9207" y="11545"/>
+                </a:lnTo>
+                <a:lnTo>
+                  <a:pt x="9475" y="11423"/>
+                </a:lnTo>
+                <a:lnTo>
+                  <a:pt x="10619" y="12324"/>
+                </a:lnTo>
+                <a:lnTo>
+                  <a:pt x="10619" y="12324"/>
+                </a:lnTo>
+                <a:lnTo>
+                  <a:pt x="10717" y="12373"/>
+                </a:lnTo>
+                <a:lnTo>
+                  <a:pt x="10838" y="12421"/>
+                </a:lnTo>
+                <a:lnTo>
+                  <a:pt x="10960" y="12470"/>
+                </a:lnTo>
+                <a:lnTo>
+                  <a:pt x="11106" y="12470"/>
+                </a:lnTo>
+                <a:lnTo>
+                  <a:pt x="11228" y="12446"/>
+                </a:lnTo>
+                <a:lnTo>
+                  <a:pt x="11350" y="12397"/>
+                </a:lnTo>
+                <a:lnTo>
+                  <a:pt x="11472" y="12348"/>
+                </a:lnTo>
+                <a:lnTo>
+                  <a:pt x="11569" y="12251"/>
+                </a:lnTo>
+                <a:lnTo>
+                  <a:pt x="12251" y="11569"/>
+                </a:lnTo>
+                <a:lnTo>
+                  <a:pt x="12251" y="11569"/>
+                </a:lnTo>
+                <a:lnTo>
+                  <a:pt x="12324" y="11472"/>
+                </a:lnTo>
+                <a:lnTo>
+                  <a:pt x="12397" y="11350"/>
+                </a:lnTo>
+                <a:lnTo>
+                  <a:pt x="12422" y="11228"/>
+                </a:lnTo>
+                <a:lnTo>
+                  <a:pt x="12446" y="11106"/>
+                </a:lnTo>
+                <a:lnTo>
+                  <a:pt x="12446" y="10984"/>
+                </a:lnTo>
+                <a:lnTo>
+                  <a:pt x="12422" y="10863"/>
+                </a:lnTo>
+                <a:lnTo>
+                  <a:pt x="12373" y="10741"/>
+                </a:lnTo>
+                <a:lnTo>
+                  <a:pt x="12300" y="10619"/>
+                </a:lnTo>
+                <a:lnTo>
+                  <a:pt x="11399" y="9474"/>
+                </a:lnTo>
+                <a:lnTo>
+                  <a:pt x="11399" y="9474"/>
+                </a:lnTo>
+                <a:lnTo>
+                  <a:pt x="11545" y="9206"/>
+                </a:lnTo>
+                <a:lnTo>
+                  <a:pt x="11667" y="8914"/>
+                </a:lnTo>
+                <a:lnTo>
+                  <a:pt x="11788" y="8646"/>
+                </a:lnTo>
+                <a:lnTo>
+                  <a:pt x="11861" y="8354"/>
+                </a:lnTo>
+                <a:lnTo>
+                  <a:pt x="13323" y="8184"/>
+                </a:lnTo>
+                <a:lnTo>
+                  <a:pt x="13323" y="8184"/>
+                </a:lnTo>
+                <a:lnTo>
+                  <a:pt x="13444" y="8159"/>
+                </a:lnTo>
+                <a:lnTo>
+                  <a:pt x="13566" y="8111"/>
+                </a:lnTo>
+                <a:lnTo>
+                  <a:pt x="13664" y="8037"/>
+                </a:lnTo>
+                <a:lnTo>
+                  <a:pt x="13761" y="7940"/>
+                </a:lnTo>
+                <a:lnTo>
+                  <a:pt x="13834" y="7843"/>
+                </a:lnTo>
+                <a:lnTo>
+                  <a:pt x="13907" y="7721"/>
+                </a:lnTo>
+                <a:lnTo>
+                  <a:pt x="13932" y="7599"/>
+                </a:lnTo>
+                <a:lnTo>
+                  <a:pt x="13956" y="7453"/>
+                </a:lnTo>
+                <a:lnTo>
+                  <a:pt x="13956" y="6503"/>
+                </a:lnTo>
+                <a:lnTo>
+                  <a:pt x="13956" y="6503"/>
+                </a:lnTo>
+                <a:lnTo>
+                  <a:pt x="13932" y="6381"/>
+                </a:lnTo>
+                <a:lnTo>
+                  <a:pt x="13907" y="6235"/>
+                </a:lnTo>
+                <a:lnTo>
+                  <a:pt x="13834" y="6138"/>
+                </a:lnTo>
+                <a:lnTo>
+                  <a:pt x="13761" y="6016"/>
+                </a:lnTo>
+                <a:lnTo>
+                  <a:pt x="13664" y="5943"/>
+                </a:lnTo>
+                <a:lnTo>
+                  <a:pt x="13566" y="5870"/>
+                </a:lnTo>
+                <a:lnTo>
+                  <a:pt x="13444" y="5821"/>
+                </a:lnTo>
+                <a:lnTo>
+                  <a:pt x="13323" y="5772"/>
+                </a:lnTo>
+                <a:lnTo>
+                  <a:pt x="13323" y="5772"/>
+                </a:lnTo>
+                <a:close/>
+                <a:moveTo>
+                  <a:pt x="8573" y="8598"/>
+                </a:moveTo>
+                <a:lnTo>
+                  <a:pt x="8573" y="8598"/>
+                </a:lnTo>
+                <a:lnTo>
+                  <a:pt x="8403" y="8744"/>
+                </a:lnTo>
+                <a:lnTo>
+                  <a:pt x="8232" y="8890"/>
+                </a:lnTo>
+                <a:lnTo>
+                  <a:pt x="8038" y="8987"/>
+                </a:lnTo>
+                <a:lnTo>
+                  <a:pt x="7818" y="9085"/>
+                </a:lnTo>
+                <a:lnTo>
+                  <a:pt x="7624" y="9158"/>
+                </a:lnTo>
+                <a:lnTo>
+                  <a:pt x="7404" y="9206"/>
+                </a:lnTo>
+                <a:lnTo>
+                  <a:pt x="7185" y="9231"/>
+                </a:lnTo>
+                <a:lnTo>
+                  <a:pt x="6966" y="9255"/>
+                </a:lnTo>
+                <a:lnTo>
+                  <a:pt x="6747" y="9231"/>
+                </a:lnTo>
+                <a:lnTo>
+                  <a:pt x="6528" y="9206"/>
+                </a:lnTo>
+                <a:lnTo>
+                  <a:pt x="6333" y="9158"/>
+                </a:lnTo>
+                <a:lnTo>
+                  <a:pt x="6114" y="9085"/>
+                </a:lnTo>
+                <a:lnTo>
+                  <a:pt x="5919" y="8987"/>
+                </a:lnTo>
+                <a:lnTo>
+                  <a:pt x="5724" y="8890"/>
+                </a:lnTo>
+                <a:lnTo>
+                  <a:pt x="5529" y="8744"/>
+                </a:lnTo>
+                <a:lnTo>
+                  <a:pt x="5359" y="8598"/>
+                </a:lnTo>
+                <a:lnTo>
+                  <a:pt x="5359" y="8598"/>
+                </a:lnTo>
+                <a:lnTo>
+                  <a:pt x="5212" y="8427"/>
+                </a:lnTo>
+                <a:lnTo>
+                  <a:pt x="5066" y="8232"/>
+                </a:lnTo>
+                <a:lnTo>
+                  <a:pt x="4969" y="8037"/>
+                </a:lnTo>
+                <a:lnTo>
+                  <a:pt x="4871" y="7843"/>
+                </a:lnTo>
+                <a:lnTo>
+                  <a:pt x="4798" y="7623"/>
+                </a:lnTo>
+                <a:lnTo>
+                  <a:pt x="4750" y="7404"/>
+                </a:lnTo>
+                <a:lnTo>
+                  <a:pt x="4701" y="7209"/>
+                </a:lnTo>
+                <a:lnTo>
+                  <a:pt x="4701" y="6990"/>
+                </a:lnTo>
+                <a:lnTo>
+                  <a:pt x="4701" y="6771"/>
+                </a:lnTo>
+                <a:lnTo>
+                  <a:pt x="4750" y="6552"/>
+                </a:lnTo>
+                <a:lnTo>
+                  <a:pt x="4798" y="6333"/>
+                </a:lnTo>
+                <a:lnTo>
+                  <a:pt x="4871" y="6138"/>
+                </a:lnTo>
+                <a:lnTo>
+                  <a:pt x="4969" y="5919"/>
+                </a:lnTo>
+                <a:lnTo>
+                  <a:pt x="5066" y="5724"/>
+                </a:lnTo>
+                <a:lnTo>
+                  <a:pt x="5212" y="5553"/>
+                </a:lnTo>
+                <a:lnTo>
+                  <a:pt x="5359" y="5383"/>
+                </a:lnTo>
+                <a:lnTo>
+                  <a:pt x="5359" y="5383"/>
+                </a:lnTo>
+                <a:lnTo>
+                  <a:pt x="5529" y="5212"/>
+                </a:lnTo>
+                <a:lnTo>
+                  <a:pt x="5724" y="5091"/>
+                </a:lnTo>
+                <a:lnTo>
+                  <a:pt x="5919" y="4969"/>
+                </a:lnTo>
+                <a:lnTo>
+                  <a:pt x="6114" y="4871"/>
+                </a:lnTo>
+                <a:lnTo>
+                  <a:pt x="6333" y="4798"/>
+                </a:lnTo>
+                <a:lnTo>
+                  <a:pt x="6528" y="4750"/>
+                </a:lnTo>
+                <a:lnTo>
+                  <a:pt x="6747" y="4725"/>
+                </a:lnTo>
+                <a:lnTo>
+                  <a:pt x="6966" y="4701"/>
+                </a:lnTo>
+                <a:lnTo>
+                  <a:pt x="7185" y="4725"/>
+                </a:lnTo>
+                <a:lnTo>
+                  <a:pt x="7404" y="4750"/>
+                </a:lnTo>
+                <a:lnTo>
+                  <a:pt x="7624" y="4798"/>
+                </a:lnTo>
+                <a:lnTo>
+                  <a:pt x="7818" y="4871"/>
+                </a:lnTo>
+                <a:lnTo>
+                  <a:pt x="8038" y="4969"/>
+                </a:lnTo>
+                <a:lnTo>
+                  <a:pt x="8232" y="5091"/>
+                </a:lnTo>
+                <a:lnTo>
+                  <a:pt x="8403" y="5212"/>
+                </a:lnTo>
+                <a:lnTo>
+                  <a:pt x="8573" y="5383"/>
+                </a:lnTo>
+                <a:lnTo>
+                  <a:pt x="8573" y="5383"/>
+                </a:lnTo>
+                <a:lnTo>
+                  <a:pt x="8744" y="5553"/>
+                </a:lnTo>
+                <a:lnTo>
+                  <a:pt x="8866" y="5724"/>
+                </a:lnTo>
+                <a:lnTo>
+                  <a:pt x="8987" y="5919"/>
+                </a:lnTo>
+                <a:lnTo>
+                  <a:pt x="9085" y="6138"/>
+                </a:lnTo>
+                <a:lnTo>
+                  <a:pt x="9158" y="6333"/>
+                </a:lnTo>
+                <a:lnTo>
+                  <a:pt x="9207" y="6552"/>
+                </a:lnTo>
+                <a:lnTo>
+                  <a:pt x="9231" y="6771"/>
+                </a:lnTo>
+                <a:lnTo>
+                  <a:pt x="9231" y="6990"/>
+                </a:lnTo>
+                <a:lnTo>
+                  <a:pt x="9231" y="7209"/>
+                </a:lnTo>
+                <a:lnTo>
+                  <a:pt x="9207" y="7404"/>
+                </a:lnTo>
+                <a:lnTo>
+                  <a:pt x="9158" y="7623"/>
+                </a:lnTo>
+                <a:lnTo>
+                  <a:pt x="9085" y="7843"/>
+                </a:lnTo>
+                <a:lnTo>
+                  <a:pt x="8987" y="8037"/>
+                </a:lnTo>
+                <a:lnTo>
+                  <a:pt x="8866" y="8232"/>
+                </a:lnTo>
+                <a:lnTo>
+                  <a:pt x="8744" y="8427"/>
+                </a:lnTo>
+                <a:lnTo>
+                  <a:pt x="8573" y="8598"/>
+                </a:lnTo>
+                <a:lnTo>
+                  <a:pt x="8573" y="8598"/>
+                </a:lnTo>
+                <a:close/>
+              </a:path>
+            </a:pathLst>
+          </a:custGeom>
+          <a:solidFill>
+            <a:schemeClr val="tx1">
+              <a:lumMod val="95000"/>
+              <a:lumOff val="5000"/>
+            </a:schemeClr>
+          </a:solidFill>
+          <a:ln w="38100" cap="rnd" cmpd="sng">
+            <a:solidFill>
+              <a:schemeClr val="bg1"/>
+            </a:solidFill>
+            <a:prstDash val="solid"/>
+            <a:round/>
+            <a:headEnd type="none" w="sm" len="sm"/>
+            <a:tailEnd type="none" w="sm" len="sm"/>
+          </a:ln>
+        </p:spPr>
+        <p:txBody>
+          <a:bodyPr spcFirstLastPara="1" wrap="square" lIns="91425" tIns="91425" rIns="91425" bIns="91425" anchor="ctr" anchorCtr="0">
+            <a:noAutofit/>
+          </a:bodyPr>
+          <a:lstStyle/>
+          <a:p>
+            <a:pPr marL="0" marR="0" lvl="0" indent="0" defTabSz="914400" eaLnBrk="1" fontAlgn="auto" latinLnBrk="0" hangingPunct="1">
+              <a:lnSpc>
+                <a:spcPct val="100000"/>
+              </a:lnSpc>
+              <a:spcBef>
+                <a:spcPts val="0"/>
+              </a:spcBef>
+              <a:spcAft>
+                <a:spcPts val="0"/>
+              </a:spcAft>
+              <a:buClr>
+                <a:srgbClr val="000000"/>
+              </a:buClr>
+              <a:buSzTx/>
+              <a:buFont typeface="Arial"/>
+              <a:buNone/>
+              <a:tabLst/>
+              <a:defRPr/>
+            </a:pPr>
+            <a:endParaRPr kumimoji="0" sz="1400" b="0" i="0" u="none" strike="noStrike" kern="0" cap="none" spc="0" normalizeH="0" baseline="0" noProof="0" smtClean="0">
+              <a:ln>
+                <a:noFill/>
+              </a:ln>
+              <a:solidFill>
+                <a:srgbClr val="000000"/>
+              </a:solidFill>
+              <a:effectLst/>
+              <a:uLnTx/>
+              <a:uFillTx/>
+              <a:latin typeface="Arial"/>
+              <a:cs typeface="Arial"/>
+              <a:sym typeface="Arial"/>
+            </a:endParaRPr>
+          </a:p>
+        </p:txBody>
+      </p:sp>
+      <p:sp>
+        <p:nvSpPr>
+          <p:cNvPr id="13" name="Google Shape;1632;p47"/>
+          <p:cNvSpPr/>
+          <p:nvPr/>
+        </p:nvSpPr>
+        <p:spPr>
+          <a:xfrm rot="18063834">
+            <a:off x="2139921" y="5491111"/>
+            <a:ext cx="766156" cy="750313"/>
+          </a:xfrm>
+          <a:custGeom>
+            <a:avLst/>
+            <a:gdLst/>
+            <a:ahLst/>
+            <a:cxnLst/>
+            <a:rect l="l" t="t" r="r" b="b"/>
+            <a:pathLst>
+              <a:path w="7941" h="7941" fill="none" extrusionOk="0">
+                <a:moveTo>
+                  <a:pt x="7258" y="2144"/>
+                </a:moveTo>
+                <a:lnTo>
+                  <a:pt x="6138" y="2388"/>
+                </a:lnTo>
+                <a:lnTo>
+                  <a:pt x="6138" y="2388"/>
+                </a:lnTo>
+                <a:lnTo>
+                  <a:pt x="6016" y="2217"/>
+                </a:lnTo>
+                <a:lnTo>
+                  <a:pt x="5870" y="2071"/>
+                </a:lnTo>
+                <a:lnTo>
+                  <a:pt x="6260" y="975"/>
+                </a:lnTo>
+                <a:lnTo>
+                  <a:pt x="6260" y="975"/>
+                </a:lnTo>
+                <a:lnTo>
+                  <a:pt x="6284" y="902"/>
+                </a:lnTo>
+                <a:lnTo>
+                  <a:pt x="6284" y="829"/>
+                </a:lnTo>
+                <a:lnTo>
+                  <a:pt x="6260" y="683"/>
+                </a:lnTo>
+                <a:lnTo>
+                  <a:pt x="6162" y="561"/>
+                </a:lnTo>
+                <a:lnTo>
+                  <a:pt x="6114" y="488"/>
+                </a:lnTo>
+                <a:lnTo>
+                  <a:pt x="6065" y="464"/>
+                </a:lnTo>
+                <a:lnTo>
+                  <a:pt x="5553" y="196"/>
+                </a:lnTo>
+                <a:lnTo>
+                  <a:pt x="5553" y="196"/>
+                </a:lnTo>
+                <a:lnTo>
+                  <a:pt x="5480" y="171"/>
+                </a:lnTo>
+                <a:lnTo>
+                  <a:pt x="5407" y="171"/>
+                </a:lnTo>
+                <a:lnTo>
+                  <a:pt x="5261" y="171"/>
+                </a:lnTo>
+                <a:lnTo>
+                  <a:pt x="5115" y="244"/>
+                </a:lnTo>
+                <a:lnTo>
+                  <a:pt x="5066" y="293"/>
+                </a:lnTo>
+                <a:lnTo>
+                  <a:pt x="5018" y="342"/>
+                </a:lnTo>
+                <a:lnTo>
+                  <a:pt x="4384" y="1316"/>
+                </a:lnTo>
+                <a:lnTo>
+                  <a:pt x="4384" y="1316"/>
+                </a:lnTo>
+                <a:lnTo>
+                  <a:pt x="4165" y="1292"/>
+                </a:lnTo>
+                <a:lnTo>
+                  <a:pt x="3970" y="1292"/>
+                </a:lnTo>
+                <a:lnTo>
+                  <a:pt x="3483" y="244"/>
+                </a:lnTo>
+                <a:lnTo>
+                  <a:pt x="3483" y="244"/>
+                </a:lnTo>
+                <a:lnTo>
+                  <a:pt x="3435" y="171"/>
+                </a:lnTo>
+                <a:lnTo>
+                  <a:pt x="3386" y="123"/>
+                </a:lnTo>
+                <a:lnTo>
+                  <a:pt x="3264" y="50"/>
+                </a:lnTo>
+                <a:lnTo>
+                  <a:pt x="3118" y="1"/>
+                </a:lnTo>
+                <a:lnTo>
+                  <a:pt x="3045" y="1"/>
+                </a:lnTo>
+                <a:lnTo>
+                  <a:pt x="2972" y="25"/>
+                </a:lnTo>
+                <a:lnTo>
+                  <a:pt x="2436" y="196"/>
+                </a:lnTo>
+                <a:lnTo>
+                  <a:pt x="2436" y="196"/>
+                </a:lnTo>
+                <a:lnTo>
+                  <a:pt x="2363" y="220"/>
+                </a:lnTo>
+                <a:lnTo>
+                  <a:pt x="2290" y="269"/>
+                </a:lnTo>
+                <a:lnTo>
+                  <a:pt x="2192" y="391"/>
+                </a:lnTo>
+                <a:lnTo>
+                  <a:pt x="2144" y="537"/>
+                </a:lnTo>
+                <a:lnTo>
+                  <a:pt x="2144" y="610"/>
+                </a:lnTo>
+                <a:lnTo>
+                  <a:pt x="2144" y="683"/>
+                </a:lnTo>
+                <a:lnTo>
+                  <a:pt x="2387" y="1828"/>
+                </a:lnTo>
+                <a:lnTo>
+                  <a:pt x="2387" y="1828"/>
+                </a:lnTo>
+                <a:lnTo>
+                  <a:pt x="2217" y="1949"/>
+                </a:lnTo>
+                <a:lnTo>
+                  <a:pt x="2071" y="2095"/>
+                </a:lnTo>
+                <a:lnTo>
+                  <a:pt x="999" y="1681"/>
+                </a:lnTo>
+                <a:lnTo>
+                  <a:pt x="999" y="1681"/>
+                </a:lnTo>
+                <a:lnTo>
+                  <a:pt x="926" y="1681"/>
+                </a:lnTo>
+                <a:lnTo>
+                  <a:pt x="829" y="1657"/>
+                </a:lnTo>
+                <a:lnTo>
+                  <a:pt x="682" y="1706"/>
+                </a:lnTo>
+                <a:lnTo>
+                  <a:pt x="561" y="1779"/>
+                </a:lnTo>
+                <a:lnTo>
+                  <a:pt x="512" y="1828"/>
+                </a:lnTo>
+                <a:lnTo>
+                  <a:pt x="463" y="1901"/>
+                </a:lnTo>
+                <a:lnTo>
+                  <a:pt x="220" y="2388"/>
+                </a:lnTo>
+                <a:lnTo>
+                  <a:pt x="220" y="2388"/>
+                </a:lnTo>
+                <a:lnTo>
+                  <a:pt x="195" y="2461"/>
+                </a:lnTo>
+                <a:lnTo>
+                  <a:pt x="171" y="2534"/>
+                </a:lnTo>
+                <a:lnTo>
+                  <a:pt x="195" y="2704"/>
+                </a:lnTo>
+                <a:lnTo>
+                  <a:pt x="244" y="2826"/>
+                </a:lnTo>
+                <a:lnTo>
+                  <a:pt x="293" y="2899"/>
+                </a:lnTo>
+                <a:lnTo>
+                  <a:pt x="366" y="2948"/>
+                </a:lnTo>
+                <a:lnTo>
+                  <a:pt x="1340" y="3581"/>
+                </a:lnTo>
+                <a:lnTo>
+                  <a:pt x="1340" y="3581"/>
+                </a:lnTo>
+                <a:lnTo>
+                  <a:pt x="1316" y="3776"/>
+                </a:lnTo>
+                <a:lnTo>
+                  <a:pt x="1291" y="3995"/>
+                </a:lnTo>
+                <a:lnTo>
+                  <a:pt x="244" y="4482"/>
+                </a:lnTo>
+                <a:lnTo>
+                  <a:pt x="244" y="4482"/>
+                </a:lnTo>
+                <a:lnTo>
+                  <a:pt x="195" y="4507"/>
+                </a:lnTo>
+                <a:lnTo>
+                  <a:pt x="122" y="4555"/>
+                </a:lnTo>
+                <a:lnTo>
+                  <a:pt x="49" y="4701"/>
+                </a:lnTo>
+                <a:lnTo>
+                  <a:pt x="0" y="4848"/>
+                </a:lnTo>
+                <a:lnTo>
+                  <a:pt x="25" y="4921"/>
+                </a:lnTo>
+                <a:lnTo>
+                  <a:pt x="25" y="4994"/>
+                </a:lnTo>
+                <a:lnTo>
+                  <a:pt x="220" y="5530"/>
+                </a:lnTo>
+                <a:lnTo>
+                  <a:pt x="220" y="5530"/>
+                </a:lnTo>
+                <a:lnTo>
+                  <a:pt x="244" y="5578"/>
+                </a:lnTo>
+                <a:lnTo>
+                  <a:pt x="293" y="5651"/>
+                </a:lnTo>
+                <a:lnTo>
+                  <a:pt x="390" y="5749"/>
+                </a:lnTo>
+                <a:lnTo>
+                  <a:pt x="536" y="5797"/>
+                </a:lnTo>
+                <a:lnTo>
+                  <a:pt x="609" y="5797"/>
+                </a:lnTo>
+                <a:lnTo>
+                  <a:pt x="682" y="5797"/>
+                </a:lnTo>
+                <a:lnTo>
+                  <a:pt x="1827" y="5554"/>
+                </a:lnTo>
+                <a:lnTo>
+                  <a:pt x="1827" y="5554"/>
+                </a:lnTo>
+                <a:lnTo>
+                  <a:pt x="1949" y="5724"/>
+                </a:lnTo>
+                <a:lnTo>
+                  <a:pt x="2095" y="5870"/>
+                </a:lnTo>
+                <a:lnTo>
+                  <a:pt x="1705" y="6966"/>
+                </a:lnTo>
+                <a:lnTo>
+                  <a:pt x="1705" y="6966"/>
+                </a:lnTo>
+                <a:lnTo>
+                  <a:pt x="1681" y="7040"/>
+                </a:lnTo>
+                <a:lnTo>
+                  <a:pt x="1681" y="7113"/>
+                </a:lnTo>
+                <a:lnTo>
+                  <a:pt x="1705" y="7259"/>
+                </a:lnTo>
+                <a:lnTo>
+                  <a:pt x="1778" y="7380"/>
+                </a:lnTo>
+                <a:lnTo>
+                  <a:pt x="1851" y="7429"/>
+                </a:lnTo>
+                <a:lnTo>
+                  <a:pt x="1900" y="7478"/>
+                </a:lnTo>
+                <a:lnTo>
+                  <a:pt x="2412" y="7721"/>
+                </a:lnTo>
+                <a:lnTo>
+                  <a:pt x="2412" y="7721"/>
+                </a:lnTo>
+                <a:lnTo>
+                  <a:pt x="2485" y="7770"/>
+                </a:lnTo>
+                <a:lnTo>
+                  <a:pt x="2558" y="7770"/>
+                </a:lnTo>
+                <a:lnTo>
+                  <a:pt x="2704" y="7770"/>
+                </a:lnTo>
+                <a:lnTo>
+                  <a:pt x="2850" y="7697"/>
+                </a:lnTo>
+                <a:lnTo>
+                  <a:pt x="2899" y="7648"/>
+                </a:lnTo>
+                <a:lnTo>
+                  <a:pt x="2947" y="7600"/>
+                </a:lnTo>
+                <a:lnTo>
+                  <a:pt x="3581" y="6625"/>
+                </a:lnTo>
+                <a:lnTo>
+                  <a:pt x="3581" y="6625"/>
+                </a:lnTo>
+                <a:lnTo>
+                  <a:pt x="3800" y="6650"/>
+                </a:lnTo>
+                <a:lnTo>
+                  <a:pt x="3995" y="6650"/>
+                </a:lnTo>
+                <a:lnTo>
+                  <a:pt x="4482" y="7697"/>
+                </a:lnTo>
+                <a:lnTo>
+                  <a:pt x="4482" y="7697"/>
+                </a:lnTo>
+                <a:lnTo>
+                  <a:pt x="4531" y="7770"/>
+                </a:lnTo>
+                <a:lnTo>
+                  <a:pt x="4579" y="7819"/>
+                </a:lnTo>
+                <a:lnTo>
+                  <a:pt x="4701" y="7892"/>
+                </a:lnTo>
+                <a:lnTo>
+                  <a:pt x="4847" y="7941"/>
+                </a:lnTo>
+                <a:lnTo>
+                  <a:pt x="4920" y="7941"/>
+                </a:lnTo>
+                <a:lnTo>
+                  <a:pt x="4993" y="7916"/>
+                </a:lnTo>
+                <a:lnTo>
+                  <a:pt x="5529" y="7746"/>
+                </a:lnTo>
+                <a:lnTo>
+                  <a:pt x="5529" y="7746"/>
+                </a:lnTo>
+                <a:lnTo>
+                  <a:pt x="5602" y="7721"/>
+                </a:lnTo>
+                <a:lnTo>
+                  <a:pt x="5651" y="7673"/>
+                </a:lnTo>
+                <a:lnTo>
+                  <a:pt x="5748" y="7551"/>
+                </a:lnTo>
+                <a:lnTo>
+                  <a:pt x="5821" y="7405"/>
+                </a:lnTo>
+                <a:lnTo>
+                  <a:pt x="5821" y="7332"/>
+                </a:lnTo>
+                <a:lnTo>
+                  <a:pt x="5821" y="7259"/>
+                </a:lnTo>
+                <a:lnTo>
+                  <a:pt x="5578" y="6114"/>
+                </a:lnTo>
+                <a:lnTo>
+                  <a:pt x="5578" y="6114"/>
+                </a:lnTo>
+                <a:lnTo>
+                  <a:pt x="5724" y="5992"/>
+                </a:lnTo>
+                <a:lnTo>
+                  <a:pt x="5894" y="5846"/>
+                </a:lnTo>
+                <a:lnTo>
+                  <a:pt x="6966" y="6260"/>
+                </a:lnTo>
+                <a:lnTo>
+                  <a:pt x="6966" y="6260"/>
+                </a:lnTo>
+                <a:lnTo>
+                  <a:pt x="7039" y="6260"/>
+                </a:lnTo>
+                <a:lnTo>
+                  <a:pt x="7112" y="6285"/>
+                </a:lnTo>
+                <a:lnTo>
+                  <a:pt x="7258" y="6236"/>
+                </a:lnTo>
+                <a:lnTo>
+                  <a:pt x="7404" y="6163"/>
+                </a:lnTo>
+                <a:lnTo>
+                  <a:pt x="7453" y="6114"/>
+                </a:lnTo>
+                <a:lnTo>
+                  <a:pt x="7502" y="6041"/>
+                </a:lnTo>
+                <a:lnTo>
+                  <a:pt x="7745" y="5530"/>
+                </a:lnTo>
+                <a:lnTo>
+                  <a:pt x="7745" y="5530"/>
+                </a:lnTo>
+                <a:lnTo>
+                  <a:pt x="7770" y="5481"/>
+                </a:lnTo>
+                <a:lnTo>
+                  <a:pt x="7794" y="5383"/>
+                </a:lnTo>
+                <a:lnTo>
+                  <a:pt x="7770" y="5237"/>
+                </a:lnTo>
+                <a:lnTo>
+                  <a:pt x="7697" y="5115"/>
+                </a:lnTo>
+                <a:lnTo>
+                  <a:pt x="7648" y="5042"/>
+                </a:lnTo>
+                <a:lnTo>
+                  <a:pt x="7599" y="4994"/>
+                </a:lnTo>
+                <a:lnTo>
+                  <a:pt x="6625" y="4360"/>
+                </a:lnTo>
+                <a:lnTo>
+                  <a:pt x="6625" y="4360"/>
+                </a:lnTo>
+                <a:lnTo>
+                  <a:pt x="6649" y="4166"/>
+                </a:lnTo>
+                <a:lnTo>
+                  <a:pt x="6649" y="3946"/>
+                </a:lnTo>
+                <a:lnTo>
+                  <a:pt x="7697" y="3459"/>
+                </a:lnTo>
+                <a:lnTo>
+                  <a:pt x="7697" y="3459"/>
+                </a:lnTo>
+                <a:lnTo>
+                  <a:pt x="7770" y="3435"/>
+                </a:lnTo>
+                <a:lnTo>
+                  <a:pt x="7843" y="3386"/>
+                </a:lnTo>
+                <a:lnTo>
+                  <a:pt x="7916" y="3240"/>
+                </a:lnTo>
+                <a:lnTo>
+                  <a:pt x="7940" y="3094"/>
+                </a:lnTo>
+                <a:lnTo>
+                  <a:pt x="7940" y="3021"/>
+                </a:lnTo>
+                <a:lnTo>
+                  <a:pt x="7940" y="2948"/>
+                </a:lnTo>
+                <a:lnTo>
+                  <a:pt x="7745" y="2412"/>
+                </a:lnTo>
+                <a:lnTo>
+                  <a:pt x="7745" y="2412"/>
+                </a:lnTo>
+                <a:lnTo>
+                  <a:pt x="7721" y="2339"/>
+                </a:lnTo>
+                <a:lnTo>
+                  <a:pt x="7672" y="2290"/>
+                </a:lnTo>
+                <a:lnTo>
+                  <a:pt x="7551" y="2193"/>
+                </a:lnTo>
+                <a:lnTo>
+                  <a:pt x="7429" y="2144"/>
+                </a:lnTo>
+                <a:lnTo>
+                  <a:pt x="7356" y="2144"/>
+                </a:lnTo>
+                <a:lnTo>
+                  <a:pt x="7258" y="2144"/>
+                </a:lnTo>
+                <a:lnTo>
+                  <a:pt x="7258" y="2144"/>
+                </a:lnTo>
+                <a:close/>
+                <a:moveTo>
+                  <a:pt x="5480" y="4726"/>
+                </a:moveTo>
+                <a:lnTo>
+                  <a:pt x="5480" y="4726"/>
+                </a:lnTo>
+                <a:lnTo>
+                  <a:pt x="5383" y="4872"/>
+                </a:lnTo>
+                <a:lnTo>
+                  <a:pt x="5286" y="4994"/>
+                </a:lnTo>
+                <a:lnTo>
+                  <a:pt x="5188" y="5140"/>
+                </a:lnTo>
+                <a:lnTo>
+                  <a:pt x="5066" y="5237"/>
+                </a:lnTo>
+                <a:lnTo>
+                  <a:pt x="4945" y="5335"/>
+                </a:lnTo>
+                <a:lnTo>
+                  <a:pt x="4798" y="5432"/>
+                </a:lnTo>
+                <a:lnTo>
+                  <a:pt x="4652" y="5505"/>
+                </a:lnTo>
+                <a:lnTo>
+                  <a:pt x="4506" y="5554"/>
+                </a:lnTo>
+                <a:lnTo>
+                  <a:pt x="4360" y="5603"/>
+                </a:lnTo>
+                <a:lnTo>
+                  <a:pt x="4190" y="5627"/>
+                </a:lnTo>
+                <a:lnTo>
+                  <a:pt x="4043" y="5651"/>
+                </a:lnTo>
+                <a:lnTo>
+                  <a:pt x="3873" y="5627"/>
+                </a:lnTo>
+                <a:lnTo>
+                  <a:pt x="3702" y="5627"/>
+                </a:lnTo>
+                <a:lnTo>
+                  <a:pt x="3556" y="5578"/>
+                </a:lnTo>
+                <a:lnTo>
+                  <a:pt x="3386" y="5530"/>
+                </a:lnTo>
+                <a:lnTo>
+                  <a:pt x="3240" y="5456"/>
+                </a:lnTo>
+                <a:lnTo>
+                  <a:pt x="3240" y="5456"/>
+                </a:lnTo>
+                <a:lnTo>
+                  <a:pt x="3094" y="5383"/>
+                </a:lnTo>
+                <a:lnTo>
+                  <a:pt x="2947" y="5286"/>
+                </a:lnTo>
+                <a:lnTo>
+                  <a:pt x="2826" y="5164"/>
+                </a:lnTo>
+                <a:lnTo>
+                  <a:pt x="2704" y="5067"/>
+                </a:lnTo>
+                <a:lnTo>
+                  <a:pt x="2606" y="4921"/>
+                </a:lnTo>
+                <a:lnTo>
+                  <a:pt x="2533" y="4799"/>
+                </a:lnTo>
+                <a:lnTo>
+                  <a:pt x="2460" y="4653"/>
+                </a:lnTo>
+                <a:lnTo>
+                  <a:pt x="2387" y="4507"/>
+                </a:lnTo>
+                <a:lnTo>
+                  <a:pt x="2363" y="4336"/>
+                </a:lnTo>
+                <a:lnTo>
+                  <a:pt x="2314" y="4190"/>
+                </a:lnTo>
+                <a:lnTo>
+                  <a:pt x="2314" y="4020"/>
+                </a:lnTo>
+                <a:lnTo>
+                  <a:pt x="2314" y="3873"/>
+                </a:lnTo>
+                <a:lnTo>
+                  <a:pt x="2339" y="3703"/>
+                </a:lnTo>
+                <a:lnTo>
+                  <a:pt x="2363" y="3532"/>
+                </a:lnTo>
+                <a:lnTo>
+                  <a:pt x="2412" y="3386"/>
+                </a:lnTo>
+                <a:lnTo>
+                  <a:pt x="2485" y="3216"/>
+                </a:lnTo>
+                <a:lnTo>
+                  <a:pt x="2485" y="3216"/>
+                </a:lnTo>
+                <a:lnTo>
+                  <a:pt x="2582" y="3070"/>
+                </a:lnTo>
+                <a:lnTo>
+                  <a:pt x="2680" y="2948"/>
+                </a:lnTo>
+                <a:lnTo>
+                  <a:pt x="2777" y="2802"/>
+                </a:lnTo>
+                <a:lnTo>
+                  <a:pt x="2899" y="2704"/>
+                </a:lnTo>
+                <a:lnTo>
+                  <a:pt x="3020" y="2607"/>
+                </a:lnTo>
+                <a:lnTo>
+                  <a:pt x="3167" y="2509"/>
+                </a:lnTo>
+                <a:lnTo>
+                  <a:pt x="3313" y="2436"/>
+                </a:lnTo>
+                <a:lnTo>
+                  <a:pt x="3459" y="2388"/>
+                </a:lnTo>
+                <a:lnTo>
+                  <a:pt x="3605" y="2339"/>
+                </a:lnTo>
+                <a:lnTo>
+                  <a:pt x="3775" y="2315"/>
+                </a:lnTo>
+                <a:lnTo>
+                  <a:pt x="3922" y="2290"/>
+                </a:lnTo>
+                <a:lnTo>
+                  <a:pt x="4092" y="2315"/>
+                </a:lnTo>
+                <a:lnTo>
+                  <a:pt x="4263" y="2315"/>
+                </a:lnTo>
+                <a:lnTo>
+                  <a:pt x="4409" y="2363"/>
+                </a:lnTo>
+                <a:lnTo>
+                  <a:pt x="4579" y="2412"/>
+                </a:lnTo>
+                <a:lnTo>
+                  <a:pt x="4725" y="2485"/>
+                </a:lnTo>
+                <a:lnTo>
+                  <a:pt x="4725" y="2485"/>
+                </a:lnTo>
+                <a:lnTo>
+                  <a:pt x="4871" y="2558"/>
+                </a:lnTo>
+                <a:lnTo>
+                  <a:pt x="5018" y="2656"/>
+                </a:lnTo>
+                <a:lnTo>
+                  <a:pt x="5139" y="2777"/>
+                </a:lnTo>
+                <a:lnTo>
+                  <a:pt x="5261" y="2875"/>
+                </a:lnTo>
+                <a:lnTo>
+                  <a:pt x="5359" y="3021"/>
+                </a:lnTo>
+                <a:lnTo>
+                  <a:pt x="5432" y="3143"/>
+                </a:lnTo>
+                <a:lnTo>
+                  <a:pt x="5505" y="3289"/>
+                </a:lnTo>
+                <a:lnTo>
+                  <a:pt x="5578" y="3435"/>
+                </a:lnTo>
+                <a:lnTo>
+                  <a:pt x="5602" y="3605"/>
+                </a:lnTo>
+                <a:lnTo>
+                  <a:pt x="5626" y="3752"/>
+                </a:lnTo>
+                <a:lnTo>
+                  <a:pt x="5651" y="3922"/>
+                </a:lnTo>
+                <a:lnTo>
+                  <a:pt x="5651" y="4068"/>
+                </a:lnTo>
+                <a:lnTo>
+                  <a:pt x="5626" y="4239"/>
+                </a:lnTo>
+                <a:lnTo>
+                  <a:pt x="5602" y="4409"/>
+                </a:lnTo>
+                <a:lnTo>
+                  <a:pt x="5553" y="4555"/>
+                </a:lnTo>
+                <a:lnTo>
+                  <a:pt x="5480" y="4726"/>
+                </a:lnTo>
+                <a:lnTo>
+                  <a:pt x="5480" y="4726"/>
+                </a:lnTo>
+                <a:close/>
+              </a:path>
+            </a:pathLst>
+          </a:custGeom>
+          <a:solidFill>
+            <a:schemeClr val="tx1">
+              <a:lumMod val="95000"/>
+              <a:lumOff val="5000"/>
+            </a:schemeClr>
+          </a:solidFill>
+          <a:ln w="38100" cap="rnd" cmpd="sng">
+            <a:solidFill>
+              <a:schemeClr val="bg1"/>
+            </a:solidFill>
+            <a:prstDash val="solid"/>
+            <a:round/>
+            <a:headEnd type="none" w="sm" len="sm"/>
+            <a:tailEnd type="none" w="sm" len="sm"/>
+          </a:ln>
+        </p:spPr>
+        <p:txBody>
+          <a:bodyPr spcFirstLastPara="1" wrap="square" lIns="91425" tIns="91425" rIns="91425" bIns="91425" anchor="ctr" anchorCtr="0">
+            <a:noAutofit/>
+          </a:bodyPr>
+          <a:lstStyle/>
+          <a:p>
+            <a:pPr marL="0" marR="0" lvl="0" indent="0" defTabSz="914400" eaLnBrk="1" fontAlgn="auto" latinLnBrk="0" hangingPunct="1">
+              <a:lnSpc>
+                <a:spcPct val="100000"/>
+              </a:lnSpc>
+              <a:spcBef>
+                <a:spcPts val="0"/>
+              </a:spcBef>
+              <a:spcAft>
+                <a:spcPts val="0"/>
+              </a:spcAft>
+              <a:buClr>
+                <a:srgbClr val="000000"/>
+              </a:buClr>
+              <a:buSzTx/>
+              <a:buFont typeface="Arial"/>
+              <a:buNone/>
+              <a:tabLst/>
+              <a:defRPr/>
+            </a:pPr>
+            <a:endParaRPr kumimoji="0" sz="1400" b="0" i="0" u="none" strike="noStrike" kern="0" cap="none" spc="0" normalizeH="0" baseline="0" noProof="0" smtClean="0">
+              <a:ln>
+                <a:noFill/>
+              </a:ln>
+              <a:solidFill>
+                <a:srgbClr val="000000"/>
+              </a:solidFill>
+              <a:effectLst/>
+              <a:uLnTx/>
+              <a:uFillTx/>
+              <a:latin typeface="Arial"/>
+              <a:cs typeface="Arial"/>
+              <a:sym typeface="Arial"/>
+            </a:endParaRPr>
+          </a:p>
+        </p:txBody>
+      </p:sp>
+      <p:sp>
+        <p:nvSpPr>
+          <p:cNvPr id="15" name="Google Shape;1629;p47"/>
+          <p:cNvSpPr/>
+          <p:nvPr/>
+        </p:nvSpPr>
+        <p:spPr>
+          <a:xfrm rot="836017">
+            <a:off x="175698" y="5868437"/>
+            <a:ext cx="794135" cy="762943"/>
+          </a:xfrm>
+          <a:custGeom>
+            <a:avLst/>
+            <a:gdLst/>
+            <a:ahLst/>
+            <a:cxnLst/>
+            <a:rect l="l" t="t" r="r" b="b"/>
+            <a:pathLst>
+              <a:path w="16952" h="16952" fill="none" extrusionOk="0">
+                <a:moveTo>
+                  <a:pt x="16173" y="7015"/>
+                </a:moveTo>
+                <a:lnTo>
+                  <a:pt x="14419" y="6820"/>
+                </a:lnTo>
+                <a:lnTo>
+                  <a:pt x="14419" y="6820"/>
+                </a:lnTo>
+                <a:lnTo>
+                  <a:pt x="14322" y="6479"/>
+                </a:lnTo>
+                <a:lnTo>
+                  <a:pt x="14175" y="6114"/>
+                </a:lnTo>
+                <a:lnTo>
+                  <a:pt x="14029" y="5773"/>
+                </a:lnTo>
+                <a:lnTo>
+                  <a:pt x="13859" y="5432"/>
+                </a:lnTo>
+                <a:lnTo>
+                  <a:pt x="14955" y="4068"/>
+                </a:lnTo>
+                <a:lnTo>
+                  <a:pt x="14955" y="4068"/>
+                </a:lnTo>
+                <a:lnTo>
+                  <a:pt x="15028" y="3922"/>
+                </a:lnTo>
+                <a:lnTo>
+                  <a:pt x="15077" y="3776"/>
+                </a:lnTo>
+                <a:lnTo>
+                  <a:pt x="15125" y="3630"/>
+                </a:lnTo>
+                <a:lnTo>
+                  <a:pt x="15125" y="3484"/>
+                </a:lnTo>
+                <a:lnTo>
+                  <a:pt x="15101" y="3313"/>
+                </a:lnTo>
+                <a:lnTo>
+                  <a:pt x="15052" y="3167"/>
+                </a:lnTo>
+                <a:lnTo>
+                  <a:pt x="14979" y="3021"/>
+                </a:lnTo>
+                <a:lnTo>
+                  <a:pt x="14882" y="2899"/>
+                </a:lnTo>
+                <a:lnTo>
+                  <a:pt x="14054" y="2071"/>
+                </a:lnTo>
+                <a:lnTo>
+                  <a:pt x="14054" y="2071"/>
+                </a:lnTo>
+                <a:lnTo>
+                  <a:pt x="13932" y="1974"/>
+                </a:lnTo>
+                <a:lnTo>
+                  <a:pt x="13786" y="1901"/>
+                </a:lnTo>
+                <a:lnTo>
+                  <a:pt x="13640" y="1852"/>
+                </a:lnTo>
+                <a:lnTo>
+                  <a:pt x="13469" y="1827"/>
+                </a:lnTo>
+                <a:lnTo>
+                  <a:pt x="13323" y="1827"/>
+                </a:lnTo>
+                <a:lnTo>
+                  <a:pt x="13177" y="1876"/>
+                </a:lnTo>
+                <a:lnTo>
+                  <a:pt x="13031" y="1925"/>
+                </a:lnTo>
+                <a:lnTo>
+                  <a:pt x="12885" y="2022"/>
+                </a:lnTo>
+                <a:lnTo>
+                  <a:pt x="11521" y="3094"/>
+                </a:lnTo>
+                <a:lnTo>
+                  <a:pt x="11521" y="3094"/>
+                </a:lnTo>
+                <a:lnTo>
+                  <a:pt x="11180" y="2923"/>
+                </a:lnTo>
+                <a:lnTo>
+                  <a:pt x="10839" y="2777"/>
+                </a:lnTo>
+                <a:lnTo>
+                  <a:pt x="10473" y="2631"/>
+                </a:lnTo>
+                <a:lnTo>
+                  <a:pt x="10133" y="2534"/>
+                </a:lnTo>
+                <a:lnTo>
+                  <a:pt x="9938" y="780"/>
+                </a:lnTo>
+                <a:lnTo>
+                  <a:pt x="9938" y="780"/>
+                </a:lnTo>
+                <a:lnTo>
+                  <a:pt x="9889" y="634"/>
+                </a:lnTo>
+                <a:lnTo>
+                  <a:pt x="9840" y="488"/>
+                </a:lnTo>
+                <a:lnTo>
+                  <a:pt x="9743" y="342"/>
+                </a:lnTo>
+                <a:lnTo>
+                  <a:pt x="9645" y="244"/>
+                </a:lnTo>
+                <a:lnTo>
+                  <a:pt x="9499" y="147"/>
+                </a:lnTo>
+                <a:lnTo>
+                  <a:pt x="9378" y="74"/>
+                </a:lnTo>
+                <a:lnTo>
+                  <a:pt x="9231" y="25"/>
+                </a:lnTo>
+                <a:lnTo>
+                  <a:pt x="9061" y="1"/>
+                </a:lnTo>
+                <a:lnTo>
+                  <a:pt x="7892" y="1"/>
+                </a:lnTo>
+                <a:lnTo>
+                  <a:pt x="7892" y="1"/>
+                </a:lnTo>
+                <a:lnTo>
+                  <a:pt x="7721" y="25"/>
+                </a:lnTo>
+                <a:lnTo>
+                  <a:pt x="7575" y="74"/>
+                </a:lnTo>
+                <a:lnTo>
+                  <a:pt x="7453" y="147"/>
+                </a:lnTo>
+                <a:lnTo>
+                  <a:pt x="7307" y="244"/>
+                </a:lnTo>
+                <a:lnTo>
+                  <a:pt x="7210" y="342"/>
+                </a:lnTo>
+                <a:lnTo>
+                  <a:pt x="7112" y="488"/>
+                </a:lnTo>
+                <a:lnTo>
+                  <a:pt x="7064" y="634"/>
+                </a:lnTo>
+                <a:lnTo>
+                  <a:pt x="7015" y="780"/>
+                </a:lnTo>
+                <a:lnTo>
+                  <a:pt x="6820" y="2534"/>
+                </a:lnTo>
+                <a:lnTo>
+                  <a:pt x="6820" y="2534"/>
+                </a:lnTo>
+                <a:lnTo>
+                  <a:pt x="6479" y="2631"/>
+                </a:lnTo>
+                <a:lnTo>
+                  <a:pt x="6114" y="2777"/>
+                </a:lnTo>
+                <a:lnTo>
+                  <a:pt x="5773" y="2923"/>
+                </a:lnTo>
+                <a:lnTo>
+                  <a:pt x="5432" y="3094"/>
+                </a:lnTo>
+                <a:lnTo>
+                  <a:pt x="4068" y="2022"/>
+                </a:lnTo>
+                <a:lnTo>
+                  <a:pt x="4068" y="2022"/>
+                </a:lnTo>
+                <a:lnTo>
+                  <a:pt x="3922" y="1925"/>
+                </a:lnTo>
+                <a:lnTo>
+                  <a:pt x="3776" y="1876"/>
+                </a:lnTo>
+                <a:lnTo>
+                  <a:pt x="3630" y="1827"/>
+                </a:lnTo>
+                <a:lnTo>
+                  <a:pt x="3484" y="1827"/>
+                </a:lnTo>
+                <a:lnTo>
+                  <a:pt x="3313" y="1852"/>
+                </a:lnTo>
+                <a:lnTo>
+                  <a:pt x="3167" y="1901"/>
+                </a:lnTo>
+                <a:lnTo>
+                  <a:pt x="3021" y="1974"/>
+                </a:lnTo>
+                <a:lnTo>
+                  <a:pt x="2899" y="2071"/>
+                </a:lnTo>
+                <a:lnTo>
+                  <a:pt x="2071" y="2899"/>
+                </a:lnTo>
+                <a:lnTo>
+                  <a:pt x="2071" y="2899"/>
+                </a:lnTo>
+                <a:lnTo>
+                  <a:pt x="1974" y="3021"/>
+                </a:lnTo>
+                <a:lnTo>
+                  <a:pt x="1901" y="3167"/>
+                </a:lnTo>
+                <a:lnTo>
+                  <a:pt x="1852" y="3313"/>
+                </a:lnTo>
+                <a:lnTo>
+                  <a:pt x="1827" y="3484"/>
+                </a:lnTo>
+                <a:lnTo>
+                  <a:pt x="1827" y="3630"/>
+                </a:lnTo>
+                <a:lnTo>
+                  <a:pt x="1876" y="3776"/>
+                </a:lnTo>
+                <a:lnTo>
+                  <a:pt x="1925" y="3922"/>
+                </a:lnTo>
+                <a:lnTo>
+                  <a:pt x="2022" y="4068"/>
+                </a:lnTo>
+                <a:lnTo>
+                  <a:pt x="3094" y="5432"/>
+                </a:lnTo>
+                <a:lnTo>
+                  <a:pt x="3094" y="5432"/>
+                </a:lnTo>
+                <a:lnTo>
+                  <a:pt x="2923" y="5773"/>
+                </a:lnTo>
+                <a:lnTo>
+                  <a:pt x="2777" y="6114"/>
+                </a:lnTo>
+                <a:lnTo>
+                  <a:pt x="2631" y="6479"/>
+                </a:lnTo>
+                <a:lnTo>
+                  <a:pt x="2534" y="6820"/>
+                </a:lnTo>
+                <a:lnTo>
+                  <a:pt x="780" y="7015"/>
+                </a:lnTo>
+                <a:lnTo>
+                  <a:pt x="780" y="7015"/>
+                </a:lnTo>
+                <a:lnTo>
+                  <a:pt x="634" y="7064"/>
+                </a:lnTo>
+                <a:lnTo>
+                  <a:pt x="488" y="7112"/>
+                </a:lnTo>
+                <a:lnTo>
+                  <a:pt x="342" y="7210"/>
+                </a:lnTo>
+                <a:lnTo>
+                  <a:pt x="244" y="7307"/>
+                </a:lnTo>
+                <a:lnTo>
+                  <a:pt x="147" y="7453"/>
+                </a:lnTo>
+                <a:lnTo>
+                  <a:pt x="74" y="7575"/>
+                </a:lnTo>
+                <a:lnTo>
+                  <a:pt x="25" y="7721"/>
+                </a:lnTo>
+                <a:lnTo>
+                  <a:pt x="1" y="7892"/>
+                </a:lnTo>
+                <a:lnTo>
+                  <a:pt x="1" y="9061"/>
+                </a:lnTo>
+                <a:lnTo>
+                  <a:pt x="1" y="9061"/>
+                </a:lnTo>
+                <a:lnTo>
+                  <a:pt x="25" y="9231"/>
+                </a:lnTo>
+                <a:lnTo>
+                  <a:pt x="74" y="9377"/>
+                </a:lnTo>
+                <a:lnTo>
+                  <a:pt x="147" y="9499"/>
+                </a:lnTo>
+                <a:lnTo>
+                  <a:pt x="244" y="9645"/>
+                </a:lnTo>
+                <a:lnTo>
+                  <a:pt x="342" y="9743"/>
+                </a:lnTo>
+                <a:lnTo>
+                  <a:pt x="488" y="9840"/>
+                </a:lnTo>
+                <a:lnTo>
+                  <a:pt x="634" y="9889"/>
+                </a:lnTo>
+                <a:lnTo>
+                  <a:pt x="780" y="9938"/>
+                </a:lnTo>
+                <a:lnTo>
+                  <a:pt x="2534" y="10132"/>
+                </a:lnTo>
+                <a:lnTo>
+                  <a:pt x="2534" y="10132"/>
+                </a:lnTo>
+                <a:lnTo>
+                  <a:pt x="2631" y="10473"/>
+                </a:lnTo>
+                <a:lnTo>
+                  <a:pt x="2777" y="10839"/>
+                </a:lnTo>
+                <a:lnTo>
+                  <a:pt x="2923" y="11180"/>
+                </a:lnTo>
+                <a:lnTo>
+                  <a:pt x="3094" y="11521"/>
+                </a:lnTo>
+                <a:lnTo>
+                  <a:pt x="2022" y="12885"/>
+                </a:lnTo>
+                <a:lnTo>
+                  <a:pt x="2022" y="12885"/>
+                </a:lnTo>
+                <a:lnTo>
+                  <a:pt x="1925" y="13031"/>
+                </a:lnTo>
+                <a:lnTo>
+                  <a:pt x="1876" y="13177"/>
+                </a:lnTo>
+                <a:lnTo>
+                  <a:pt x="1827" y="13323"/>
+                </a:lnTo>
+                <a:lnTo>
+                  <a:pt x="1827" y="13469"/>
+                </a:lnTo>
+                <a:lnTo>
+                  <a:pt x="1852" y="13640"/>
+                </a:lnTo>
+                <a:lnTo>
+                  <a:pt x="1901" y="13786"/>
+                </a:lnTo>
+                <a:lnTo>
+                  <a:pt x="1974" y="13932"/>
+                </a:lnTo>
+                <a:lnTo>
+                  <a:pt x="2071" y="14054"/>
+                </a:lnTo>
+                <a:lnTo>
+                  <a:pt x="2899" y="14882"/>
+                </a:lnTo>
+                <a:lnTo>
+                  <a:pt x="2899" y="14882"/>
+                </a:lnTo>
+                <a:lnTo>
+                  <a:pt x="3021" y="14979"/>
+                </a:lnTo>
+                <a:lnTo>
+                  <a:pt x="3167" y="15052"/>
+                </a:lnTo>
+                <a:lnTo>
+                  <a:pt x="3313" y="15101"/>
+                </a:lnTo>
+                <a:lnTo>
+                  <a:pt x="3484" y="15125"/>
+                </a:lnTo>
+                <a:lnTo>
+                  <a:pt x="3630" y="15125"/>
+                </a:lnTo>
+                <a:lnTo>
+                  <a:pt x="3776" y="15077"/>
+                </a:lnTo>
+                <a:lnTo>
+                  <a:pt x="3922" y="15028"/>
+                </a:lnTo>
+                <a:lnTo>
+                  <a:pt x="4068" y="14955"/>
+                </a:lnTo>
+                <a:lnTo>
+                  <a:pt x="5432" y="13859"/>
+                </a:lnTo>
+                <a:lnTo>
+                  <a:pt x="5432" y="13859"/>
+                </a:lnTo>
+                <a:lnTo>
+                  <a:pt x="5773" y="14029"/>
+                </a:lnTo>
+                <a:lnTo>
+                  <a:pt x="6114" y="14175"/>
+                </a:lnTo>
+                <a:lnTo>
+                  <a:pt x="6479" y="14322"/>
+                </a:lnTo>
+                <a:lnTo>
+                  <a:pt x="6820" y="14419"/>
+                </a:lnTo>
+                <a:lnTo>
+                  <a:pt x="7015" y="16173"/>
+                </a:lnTo>
+                <a:lnTo>
+                  <a:pt x="7015" y="16173"/>
+                </a:lnTo>
+                <a:lnTo>
+                  <a:pt x="7064" y="16319"/>
+                </a:lnTo>
+                <a:lnTo>
+                  <a:pt x="7112" y="16465"/>
+                </a:lnTo>
+                <a:lnTo>
+                  <a:pt x="7210" y="16611"/>
+                </a:lnTo>
+                <a:lnTo>
+                  <a:pt x="7307" y="16708"/>
+                </a:lnTo>
+                <a:lnTo>
+                  <a:pt x="7453" y="16806"/>
+                </a:lnTo>
+                <a:lnTo>
+                  <a:pt x="7575" y="16879"/>
+                </a:lnTo>
+                <a:lnTo>
+                  <a:pt x="7721" y="16928"/>
+                </a:lnTo>
+                <a:lnTo>
+                  <a:pt x="7892" y="16952"/>
+                </a:lnTo>
+                <a:lnTo>
+                  <a:pt x="9061" y="16952"/>
+                </a:lnTo>
+                <a:lnTo>
+                  <a:pt x="9061" y="16952"/>
+                </a:lnTo>
+                <a:lnTo>
+                  <a:pt x="9231" y="16928"/>
+                </a:lnTo>
+                <a:lnTo>
+                  <a:pt x="9378" y="16879"/>
+                </a:lnTo>
+                <a:lnTo>
+                  <a:pt x="9499" y="16806"/>
+                </a:lnTo>
+                <a:lnTo>
+                  <a:pt x="9645" y="16708"/>
+                </a:lnTo>
+                <a:lnTo>
+                  <a:pt x="9743" y="16611"/>
+                </a:lnTo>
+                <a:lnTo>
+                  <a:pt x="9840" y="16465"/>
+                </a:lnTo>
+                <a:lnTo>
+                  <a:pt x="9889" y="16319"/>
+                </a:lnTo>
+                <a:lnTo>
+                  <a:pt x="9938" y="16173"/>
+                </a:lnTo>
+                <a:lnTo>
+                  <a:pt x="10133" y="14419"/>
+                </a:lnTo>
+                <a:lnTo>
+                  <a:pt x="10133" y="14419"/>
+                </a:lnTo>
+                <a:lnTo>
+                  <a:pt x="10473" y="14322"/>
+                </a:lnTo>
+                <a:lnTo>
+                  <a:pt x="10839" y="14175"/>
+                </a:lnTo>
+                <a:lnTo>
+                  <a:pt x="11180" y="14029"/>
+                </a:lnTo>
+                <a:lnTo>
+                  <a:pt x="11521" y="13859"/>
+                </a:lnTo>
+                <a:lnTo>
+                  <a:pt x="12885" y="14955"/>
+                </a:lnTo>
+                <a:lnTo>
+                  <a:pt x="12885" y="14955"/>
+                </a:lnTo>
+                <a:lnTo>
+                  <a:pt x="13031" y="15028"/>
+                </a:lnTo>
+                <a:lnTo>
+                  <a:pt x="13177" y="15077"/>
+                </a:lnTo>
+                <a:lnTo>
+                  <a:pt x="13323" y="15125"/>
+                </a:lnTo>
+                <a:lnTo>
+                  <a:pt x="13469" y="15125"/>
+                </a:lnTo>
+                <a:lnTo>
+                  <a:pt x="13640" y="15101"/>
+                </a:lnTo>
+                <a:lnTo>
+                  <a:pt x="13786" y="15052"/>
+                </a:lnTo>
+                <a:lnTo>
+                  <a:pt x="13932" y="14979"/>
+                </a:lnTo>
+                <a:lnTo>
+                  <a:pt x="14054" y="14882"/>
+                </a:lnTo>
+                <a:lnTo>
+                  <a:pt x="14882" y="14054"/>
+                </a:lnTo>
+                <a:lnTo>
+                  <a:pt x="14882" y="14054"/>
+                </a:lnTo>
+                <a:lnTo>
+                  <a:pt x="14979" y="13932"/>
+                </a:lnTo>
+                <a:lnTo>
+                  <a:pt x="15052" y="13786"/>
+                </a:lnTo>
+                <a:lnTo>
+                  <a:pt x="15101" y="13640"/>
+                </a:lnTo>
+                <a:lnTo>
+                  <a:pt x="15125" y="13469"/>
+                </a:lnTo>
+                <a:lnTo>
+                  <a:pt x="15125" y="13323"/>
+                </a:lnTo>
+                <a:lnTo>
+                  <a:pt x="15077" y="13177"/>
+                </a:lnTo>
+                <a:lnTo>
+                  <a:pt x="15028" y="13031"/>
+                </a:lnTo>
+                <a:lnTo>
+                  <a:pt x="14955" y="12885"/>
+                </a:lnTo>
+                <a:lnTo>
+                  <a:pt x="13859" y="11521"/>
+                </a:lnTo>
+                <a:lnTo>
+                  <a:pt x="13859" y="11521"/>
+                </a:lnTo>
+                <a:lnTo>
+                  <a:pt x="14029" y="11180"/>
+                </a:lnTo>
+                <a:lnTo>
+                  <a:pt x="14175" y="10839"/>
+                </a:lnTo>
+                <a:lnTo>
+                  <a:pt x="14322" y="10473"/>
+                </a:lnTo>
+                <a:lnTo>
+                  <a:pt x="14419" y="10132"/>
+                </a:lnTo>
+                <a:lnTo>
+                  <a:pt x="16173" y="9938"/>
+                </a:lnTo>
+                <a:lnTo>
+                  <a:pt x="16173" y="9938"/>
+                </a:lnTo>
+                <a:lnTo>
+                  <a:pt x="16319" y="9889"/>
+                </a:lnTo>
+                <a:lnTo>
+                  <a:pt x="16465" y="9840"/>
+                </a:lnTo>
+                <a:lnTo>
+                  <a:pt x="16611" y="9743"/>
+                </a:lnTo>
+                <a:lnTo>
+                  <a:pt x="16708" y="9645"/>
+                </a:lnTo>
+                <a:lnTo>
+                  <a:pt x="16806" y="9499"/>
+                </a:lnTo>
+                <a:lnTo>
+                  <a:pt x="16879" y="9377"/>
+                </a:lnTo>
+                <a:lnTo>
+                  <a:pt x="16928" y="9231"/>
+                </a:lnTo>
+                <a:lnTo>
+                  <a:pt x="16952" y="9061"/>
+                </a:lnTo>
+                <a:lnTo>
+                  <a:pt x="16952" y="7892"/>
+                </a:lnTo>
+                <a:lnTo>
+                  <a:pt x="16952" y="7892"/>
+                </a:lnTo>
+                <a:lnTo>
+                  <a:pt x="16928" y="7721"/>
+                </a:lnTo>
+                <a:lnTo>
+                  <a:pt x="16879" y="7575"/>
+                </a:lnTo>
+                <a:lnTo>
+                  <a:pt x="16806" y="7453"/>
+                </a:lnTo>
+                <a:lnTo>
+                  <a:pt x="16708" y="7307"/>
+                </a:lnTo>
+                <a:lnTo>
+                  <a:pt x="16611" y="7210"/>
+                </a:lnTo>
+                <a:lnTo>
+                  <a:pt x="16465" y="7112"/>
+                </a:lnTo>
+                <a:lnTo>
+                  <a:pt x="16319" y="7064"/>
+                </a:lnTo>
+                <a:lnTo>
+                  <a:pt x="16173" y="7015"/>
+                </a:lnTo>
+                <a:lnTo>
+                  <a:pt x="16173" y="7015"/>
+                </a:lnTo>
+                <a:close/>
+                <a:moveTo>
+                  <a:pt x="10425" y="10425"/>
+                </a:moveTo>
+                <a:lnTo>
+                  <a:pt x="10425" y="10425"/>
+                </a:lnTo>
+                <a:lnTo>
+                  <a:pt x="10206" y="10620"/>
+                </a:lnTo>
+                <a:lnTo>
+                  <a:pt x="9986" y="10766"/>
+                </a:lnTo>
+                <a:lnTo>
+                  <a:pt x="9767" y="10912"/>
+                </a:lnTo>
+                <a:lnTo>
+                  <a:pt x="9524" y="11034"/>
+                </a:lnTo>
+                <a:lnTo>
+                  <a:pt x="9256" y="11107"/>
+                </a:lnTo>
+                <a:lnTo>
+                  <a:pt x="9012" y="11180"/>
+                </a:lnTo>
+                <a:lnTo>
+                  <a:pt x="8744" y="11228"/>
+                </a:lnTo>
+                <a:lnTo>
+                  <a:pt x="8476" y="11228"/>
+                </a:lnTo>
+                <a:lnTo>
+                  <a:pt x="8208" y="11228"/>
+                </a:lnTo>
+                <a:lnTo>
+                  <a:pt x="7941" y="11180"/>
+                </a:lnTo>
+                <a:lnTo>
+                  <a:pt x="7697" y="11107"/>
+                </a:lnTo>
+                <a:lnTo>
+                  <a:pt x="7429" y="11034"/>
+                </a:lnTo>
+                <a:lnTo>
+                  <a:pt x="7186" y="10912"/>
+                </a:lnTo>
+                <a:lnTo>
+                  <a:pt x="6966" y="10766"/>
+                </a:lnTo>
+                <a:lnTo>
+                  <a:pt x="6747" y="10620"/>
+                </a:lnTo>
+                <a:lnTo>
+                  <a:pt x="6528" y="10425"/>
+                </a:lnTo>
+                <a:lnTo>
+                  <a:pt x="6528" y="10425"/>
+                </a:lnTo>
+                <a:lnTo>
+                  <a:pt x="6333" y="10206"/>
+                </a:lnTo>
+                <a:lnTo>
+                  <a:pt x="6187" y="9986"/>
+                </a:lnTo>
+                <a:lnTo>
+                  <a:pt x="6041" y="9767"/>
+                </a:lnTo>
+                <a:lnTo>
+                  <a:pt x="5919" y="9524"/>
+                </a:lnTo>
+                <a:lnTo>
+                  <a:pt x="5846" y="9256"/>
+                </a:lnTo>
+                <a:lnTo>
+                  <a:pt x="5773" y="9012"/>
+                </a:lnTo>
+                <a:lnTo>
+                  <a:pt x="5724" y="8744"/>
+                </a:lnTo>
+                <a:lnTo>
+                  <a:pt x="5724" y="8476"/>
+                </a:lnTo>
+                <a:lnTo>
+                  <a:pt x="5724" y="8208"/>
+                </a:lnTo>
+                <a:lnTo>
+                  <a:pt x="5773" y="7941"/>
+                </a:lnTo>
+                <a:lnTo>
+                  <a:pt x="5846" y="7697"/>
+                </a:lnTo>
+                <a:lnTo>
+                  <a:pt x="5919" y="7429"/>
+                </a:lnTo>
+                <a:lnTo>
+                  <a:pt x="6041" y="7186"/>
+                </a:lnTo>
+                <a:lnTo>
+                  <a:pt x="6187" y="6966"/>
+                </a:lnTo>
+                <a:lnTo>
+                  <a:pt x="6333" y="6747"/>
+                </a:lnTo>
+                <a:lnTo>
+                  <a:pt x="6528" y="6528"/>
+                </a:lnTo>
+                <a:lnTo>
+                  <a:pt x="6528" y="6528"/>
+                </a:lnTo>
+                <a:lnTo>
+                  <a:pt x="6747" y="6333"/>
+                </a:lnTo>
+                <a:lnTo>
+                  <a:pt x="6966" y="6187"/>
+                </a:lnTo>
+                <a:lnTo>
+                  <a:pt x="7186" y="6041"/>
+                </a:lnTo>
+                <a:lnTo>
+                  <a:pt x="7429" y="5919"/>
+                </a:lnTo>
+                <a:lnTo>
+                  <a:pt x="7697" y="5846"/>
+                </a:lnTo>
+                <a:lnTo>
+                  <a:pt x="7941" y="5773"/>
+                </a:lnTo>
+                <a:lnTo>
+                  <a:pt x="8208" y="5724"/>
+                </a:lnTo>
+                <a:lnTo>
+                  <a:pt x="8476" y="5724"/>
+                </a:lnTo>
+                <a:lnTo>
+                  <a:pt x="8744" y="5724"/>
+                </a:lnTo>
+                <a:lnTo>
+                  <a:pt x="9012" y="5773"/>
+                </a:lnTo>
+                <a:lnTo>
+                  <a:pt x="9256" y="5846"/>
+                </a:lnTo>
+                <a:lnTo>
+                  <a:pt x="9524" y="5919"/>
+                </a:lnTo>
+                <a:lnTo>
+                  <a:pt x="9767" y="6041"/>
+                </a:lnTo>
+                <a:lnTo>
+                  <a:pt x="9986" y="6187"/>
+                </a:lnTo>
+                <a:lnTo>
+                  <a:pt x="10206" y="6333"/>
+                </a:lnTo>
+                <a:lnTo>
+                  <a:pt x="10425" y="6528"/>
+                </a:lnTo>
+                <a:lnTo>
+                  <a:pt x="10425" y="6528"/>
+                </a:lnTo>
+                <a:lnTo>
+                  <a:pt x="10620" y="6747"/>
+                </a:lnTo>
+                <a:lnTo>
+                  <a:pt x="10766" y="6966"/>
+                </a:lnTo>
+                <a:lnTo>
+                  <a:pt x="10912" y="7186"/>
+                </a:lnTo>
+                <a:lnTo>
+                  <a:pt x="11034" y="7429"/>
+                </a:lnTo>
+                <a:lnTo>
+                  <a:pt x="11107" y="7697"/>
+                </a:lnTo>
+                <a:lnTo>
+                  <a:pt x="11180" y="7941"/>
+                </a:lnTo>
+                <a:lnTo>
+                  <a:pt x="11228" y="8208"/>
+                </a:lnTo>
+                <a:lnTo>
+                  <a:pt x="11228" y="8476"/>
+                </a:lnTo>
+                <a:lnTo>
+                  <a:pt x="11228" y="8744"/>
+                </a:lnTo>
+                <a:lnTo>
+                  <a:pt x="11180" y="9012"/>
+                </a:lnTo>
+                <a:lnTo>
+                  <a:pt x="11107" y="9256"/>
+                </a:lnTo>
+                <a:lnTo>
+                  <a:pt x="11034" y="9524"/>
+                </a:lnTo>
+                <a:lnTo>
+                  <a:pt x="10912" y="9767"/>
+                </a:lnTo>
+                <a:lnTo>
+                  <a:pt x="10766" y="9986"/>
+                </a:lnTo>
+                <a:lnTo>
+                  <a:pt x="10620" y="10206"/>
+                </a:lnTo>
+                <a:lnTo>
+                  <a:pt x="10425" y="10425"/>
+                </a:lnTo>
+                <a:lnTo>
+                  <a:pt x="10425" y="10425"/>
+                </a:lnTo>
+                <a:close/>
+              </a:path>
+            </a:pathLst>
+          </a:custGeom>
+          <a:noFill/>
+          <a:ln w="38100" cap="rnd" cmpd="sng">
+            <a:solidFill>
+              <a:schemeClr val="bg1"/>
+            </a:solidFill>
+            <a:prstDash val="solid"/>
+            <a:round/>
+            <a:headEnd type="none" w="sm" len="sm"/>
+            <a:tailEnd type="none" w="sm" len="sm"/>
+          </a:ln>
+        </p:spPr>
+        <p:txBody>
+          <a:bodyPr spcFirstLastPara="1" wrap="square" lIns="91425" tIns="91425" rIns="91425" bIns="91425" anchor="ctr" anchorCtr="0">
+            <a:noAutofit/>
+          </a:bodyPr>
+          <a:lstStyle/>
+          <a:p>
+            <a:pPr marL="0" lvl="0" indent="0" algn="l" rtl="0">
+              <a:spcBef>
+                <a:spcPts val="0"/>
+              </a:spcBef>
+              <a:spcAft>
+                <a:spcPts val="0"/>
+              </a:spcAft>
+              <a:buNone/>
+            </a:pPr>
+            <a:endParaRPr/>
+          </a:p>
+        </p:txBody>
+      </p:sp>
+      <p:sp>
+        <p:nvSpPr>
+          <p:cNvPr id="17" name="Google Shape;1631;p47"/>
+          <p:cNvSpPr/>
+          <p:nvPr/>
+        </p:nvSpPr>
+        <p:spPr>
+          <a:xfrm rot="19214250">
+            <a:off x="1305502" y="6037131"/>
+            <a:ext cx="705852" cy="691256"/>
+          </a:xfrm>
+          <a:custGeom>
+            <a:avLst/>
+            <a:gdLst/>
+            <a:ahLst/>
+            <a:cxnLst/>
+            <a:rect l="l" t="t" r="r" b="b"/>
+            <a:pathLst>
+              <a:path w="13956" h="13956" fill="none" extrusionOk="0">
+                <a:moveTo>
+                  <a:pt x="13323" y="5772"/>
+                </a:moveTo>
+                <a:lnTo>
+                  <a:pt x="11861" y="5626"/>
+                </a:lnTo>
+                <a:lnTo>
+                  <a:pt x="11861" y="5626"/>
+                </a:lnTo>
+                <a:lnTo>
+                  <a:pt x="11788" y="5334"/>
+                </a:lnTo>
+                <a:lnTo>
+                  <a:pt x="11667" y="5042"/>
+                </a:lnTo>
+                <a:lnTo>
+                  <a:pt x="11545" y="4750"/>
+                </a:lnTo>
+                <a:lnTo>
+                  <a:pt x="11399" y="4482"/>
+                </a:lnTo>
+                <a:lnTo>
+                  <a:pt x="12300" y="3337"/>
+                </a:lnTo>
+                <a:lnTo>
+                  <a:pt x="12300" y="3337"/>
+                </a:lnTo>
+                <a:lnTo>
+                  <a:pt x="12373" y="3240"/>
+                </a:lnTo>
+                <a:lnTo>
+                  <a:pt x="12422" y="3118"/>
+                </a:lnTo>
+                <a:lnTo>
+                  <a:pt x="12446" y="2996"/>
+                </a:lnTo>
+                <a:lnTo>
+                  <a:pt x="12446" y="2850"/>
+                </a:lnTo>
+                <a:lnTo>
+                  <a:pt x="12422" y="2728"/>
+                </a:lnTo>
+                <a:lnTo>
+                  <a:pt x="12397" y="2606"/>
+                </a:lnTo>
+                <a:lnTo>
+                  <a:pt x="12324" y="2485"/>
+                </a:lnTo>
+                <a:lnTo>
+                  <a:pt x="12251" y="2387"/>
+                </a:lnTo>
+                <a:lnTo>
+                  <a:pt x="11569" y="1705"/>
+                </a:lnTo>
+                <a:lnTo>
+                  <a:pt x="11569" y="1705"/>
+                </a:lnTo>
+                <a:lnTo>
+                  <a:pt x="11472" y="1632"/>
+                </a:lnTo>
+                <a:lnTo>
+                  <a:pt x="11350" y="1559"/>
+                </a:lnTo>
+                <a:lnTo>
+                  <a:pt x="11228" y="1510"/>
+                </a:lnTo>
+                <a:lnTo>
+                  <a:pt x="11106" y="1510"/>
+                </a:lnTo>
+                <a:lnTo>
+                  <a:pt x="10960" y="1510"/>
+                </a:lnTo>
+                <a:lnTo>
+                  <a:pt x="10838" y="1535"/>
+                </a:lnTo>
+                <a:lnTo>
+                  <a:pt x="10717" y="1583"/>
+                </a:lnTo>
+                <a:lnTo>
+                  <a:pt x="10619" y="1656"/>
+                </a:lnTo>
+                <a:lnTo>
+                  <a:pt x="9475" y="2558"/>
+                </a:lnTo>
+                <a:lnTo>
+                  <a:pt x="9475" y="2558"/>
+                </a:lnTo>
+                <a:lnTo>
+                  <a:pt x="9207" y="2411"/>
+                </a:lnTo>
+                <a:lnTo>
+                  <a:pt x="8914" y="2290"/>
+                </a:lnTo>
+                <a:lnTo>
+                  <a:pt x="8622" y="2168"/>
+                </a:lnTo>
+                <a:lnTo>
+                  <a:pt x="8330" y="2070"/>
+                </a:lnTo>
+                <a:lnTo>
+                  <a:pt x="8159" y="634"/>
+                </a:lnTo>
+                <a:lnTo>
+                  <a:pt x="8159" y="634"/>
+                </a:lnTo>
+                <a:lnTo>
+                  <a:pt x="8135" y="512"/>
+                </a:lnTo>
+                <a:lnTo>
+                  <a:pt x="8086" y="390"/>
+                </a:lnTo>
+                <a:lnTo>
+                  <a:pt x="8013" y="293"/>
+                </a:lnTo>
+                <a:lnTo>
+                  <a:pt x="7940" y="195"/>
+                </a:lnTo>
+                <a:lnTo>
+                  <a:pt x="7818" y="122"/>
+                </a:lnTo>
+                <a:lnTo>
+                  <a:pt x="7721" y="49"/>
+                </a:lnTo>
+                <a:lnTo>
+                  <a:pt x="7575" y="25"/>
+                </a:lnTo>
+                <a:lnTo>
+                  <a:pt x="7453" y="0"/>
+                </a:lnTo>
+                <a:lnTo>
+                  <a:pt x="6479" y="0"/>
+                </a:lnTo>
+                <a:lnTo>
+                  <a:pt x="6479" y="0"/>
+                </a:lnTo>
+                <a:lnTo>
+                  <a:pt x="6357" y="25"/>
+                </a:lnTo>
+                <a:lnTo>
+                  <a:pt x="6235" y="49"/>
+                </a:lnTo>
+                <a:lnTo>
+                  <a:pt x="6114" y="122"/>
+                </a:lnTo>
+                <a:lnTo>
+                  <a:pt x="6016" y="195"/>
+                </a:lnTo>
+                <a:lnTo>
+                  <a:pt x="5919" y="293"/>
+                </a:lnTo>
+                <a:lnTo>
+                  <a:pt x="5846" y="390"/>
+                </a:lnTo>
+                <a:lnTo>
+                  <a:pt x="5797" y="512"/>
+                </a:lnTo>
+                <a:lnTo>
+                  <a:pt x="5773" y="634"/>
+                </a:lnTo>
+                <a:lnTo>
+                  <a:pt x="5602" y="2070"/>
+                </a:lnTo>
+                <a:lnTo>
+                  <a:pt x="5602" y="2070"/>
+                </a:lnTo>
+                <a:lnTo>
+                  <a:pt x="5310" y="2168"/>
+                </a:lnTo>
+                <a:lnTo>
+                  <a:pt x="5018" y="2290"/>
+                </a:lnTo>
+                <a:lnTo>
+                  <a:pt x="4750" y="2411"/>
+                </a:lnTo>
+                <a:lnTo>
+                  <a:pt x="4482" y="2558"/>
+                </a:lnTo>
+                <a:lnTo>
+                  <a:pt x="3337" y="1656"/>
+                </a:lnTo>
+                <a:lnTo>
+                  <a:pt x="3337" y="1656"/>
+                </a:lnTo>
+                <a:lnTo>
+                  <a:pt x="3215" y="1583"/>
+                </a:lnTo>
+                <a:lnTo>
+                  <a:pt x="3094" y="1535"/>
+                </a:lnTo>
+                <a:lnTo>
+                  <a:pt x="2972" y="1510"/>
+                </a:lnTo>
+                <a:lnTo>
+                  <a:pt x="2850" y="1510"/>
+                </a:lnTo>
+                <a:lnTo>
+                  <a:pt x="2728" y="1510"/>
+                </a:lnTo>
+                <a:lnTo>
+                  <a:pt x="2582" y="1559"/>
+                </a:lnTo>
+                <a:lnTo>
+                  <a:pt x="2485" y="1632"/>
+                </a:lnTo>
+                <a:lnTo>
+                  <a:pt x="2387" y="1705"/>
+                </a:lnTo>
+                <a:lnTo>
+                  <a:pt x="1705" y="2387"/>
+                </a:lnTo>
+                <a:lnTo>
+                  <a:pt x="1705" y="2387"/>
+                </a:lnTo>
+                <a:lnTo>
+                  <a:pt x="1608" y="2485"/>
+                </a:lnTo>
+                <a:lnTo>
+                  <a:pt x="1559" y="2606"/>
+                </a:lnTo>
+                <a:lnTo>
+                  <a:pt x="1511" y="2728"/>
+                </a:lnTo>
+                <a:lnTo>
+                  <a:pt x="1486" y="2850"/>
+                </a:lnTo>
+                <a:lnTo>
+                  <a:pt x="1486" y="2996"/>
+                </a:lnTo>
+                <a:lnTo>
+                  <a:pt x="1511" y="3118"/>
+                </a:lnTo>
+                <a:lnTo>
+                  <a:pt x="1559" y="3240"/>
+                </a:lnTo>
+                <a:lnTo>
+                  <a:pt x="1632" y="3337"/>
+                </a:lnTo>
+                <a:lnTo>
+                  <a:pt x="2533" y="4482"/>
+                </a:lnTo>
+                <a:lnTo>
+                  <a:pt x="2533" y="4482"/>
+                </a:lnTo>
+                <a:lnTo>
+                  <a:pt x="2387" y="4750"/>
+                </a:lnTo>
+                <a:lnTo>
+                  <a:pt x="2266" y="5042"/>
+                </a:lnTo>
+                <a:lnTo>
+                  <a:pt x="2168" y="5334"/>
+                </a:lnTo>
+                <a:lnTo>
+                  <a:pt x="2071" y="5626"/>
+                </a:lnTo>
+                <a:lnTo>
+                  <a:pt x="634" y="5772"/>
+                </a:lnTo>
+                <a:lnTo>
+                  <a:pt x="634" y="5772"/>
+                </a:lnTo>
+                <a:lnTo>
+                  <a:pt x="512" y="5821"/>
+                </a:lnTo>
+                <a:lnTo>
+                  <a:pt x="390" y="5870"/>
+                </a:lnTo>
+                <a:lnTo>
+                  <a:pt x="268" y="5943"/>
+                </a:lnTo>
+                <a:lnTo>
+                  <a:pt x="171" y="6016"/>
+                </a:lnTo>
+                <a:lnTo>
+                  <a:pt x="98" y="6138"/>
+                </a:lnTo>
+                <a:lnTo>
+                  <a:pt x="49" y="6235"/>
+                </a:lnTo>
+                <a:lnTo>
+                  <a:pt x="1" y="6381"/>
+                </a:lnTo>
+                <a:lnTo>
+                  <a:pt x="1" y="6503"/>
+                </a:lnTo>
+                <a:lnTo>
+                  <a:pt x="1" y="7453"/>
+                </a:lnTo>
+                <a:lnTo>
+                  <a:pt x="1" y="7453"/>
+                </a:lnTo>
+                <a:lnTo>
+                  <a:pt x="1" y="7599"/>
+                </a:lnTo>
+                <a:lnTo>
+                  <a:pt x="49" y="7721"/>
+                </a:lnTo>
+                <a:lnTo>
+                  <a:pt x="98" y="7843"/>
+                </a:lnTo>
+                <a:lnTo>
+                  <a:pt x="171" y="7940"/>
+                </a:lnTo>
+                <a:lnTo>
+                  <a:pt x="268" y="8037"/>
+                </a:lnTo>
+                <a:lnTo>
+                  <a:pt x="390" y="8111"/>
+                </a:lnTo>
+                <a:lnTo>
+                  <a:pt x="512" y="8159"/>
+                </a:lnTo>
+                <a:lnTo>
+                  <a:pt x="634" y="8184"/>
+                </a:lnTo>
+                <a:lnTo>
+                  <a:pt x="2071" y="8354"/>
+                </a:lnTo>
+                <a:lnTo>
+                  <a:pt x="2071" y="8354"/>
+                </a:lnTo>
+                <a:lnTo>
+                  <a:pt x="2168" y="8646"/>
+                </a:lnTo>
+                <a:lnTo>
+                  <a:pt x="2266" y="8914"/>
+                </a:lnTo>
+                <a:lnTo>
+                  <a:pt x="2387" y="9206"/>
+                </a:lnTo>
+                <a:lnTo>
+                  <a:pt x="2533" y="9474"/>
+                </a:lnTo>
+                <a:lnTo>
+                  <a:pt x="1632" y="10619"/>
+                </a:lnTo>
+                <a:lnTo>
+                  <a:pt x="1632" y="10619"/>
+                </a:lnTo>
+                <a:lnTo>
+                  <a:pt x="1559" y="10741"/>
+                </a:lnTo>
+                <a:lnTo>
+                  <a:pt x="1511" y="10863"/>
+                </a:lnTo>
+                <a:lnTo>
+                  <a:pt x="1486" y="10984"/>
+                </a:lnTo>
+                <a:lnTo>
+                  <a:pt x="1486" y="11106"/>
+                </a:lnTo>
+                <a:lnTo>
+                  <a:pt x="1511" y="11228"/>
+                </a:lnTo>
+                <a:lnTo>
+                  <a:pt x="1559" y="11350"/>
+                </a:lnTo>
+                <a:lnTo>
+                  <a:pt x="1608" y="11472"/>
+                </a:lnTo>
+                <a:lnTo>
+                  <a:pt x="1705" y="11569"/>
+                </a:lnTo>
+                <a:lnTo>
+                  <a:pt x="2387" y="12251"/>
+                </a:lnTo>
+                <a:lnTo>
+                  <a:pt x="2387" y="12251"/>
+                </a:lnTo>
+                <a:lnTo>
+                  <a:pt x="2485" y="12348"/>
+                </a:lnTo>
+                <a:lnTo>
+                  <a:pt x="2582" y="12397"/>
+                </a:lnTo>
+                <a:lnTo>
+                  <a:pt x="2728" y="12446"/>
+                </a:lnTo>
+                <a:lnTo>
+                  <a:pt x="2850" y="12470"/>
+                </a:lnTo>
+                <a:lnTo>
+                  <a:pt x="2972" y="12470"/>
+                </a:lnTo>
+                <a:lnTo>
+                  <a:pt x="3094" y="12421"/>
+                </a:lnTo>
+                <a:lnTo>
+                  <a:pt x="3215" y="12373"/>
+                </a:lnTo>
+                <a:lnTo>
+                  <a:pt x="3337" y="12324"/>
+                </a:lnTo>
+                <a:lnTo>
+                  <a:pt x="4482" y="11423"/>
+                </a:lnTo>
+                <a:lnTo>
+                  <a:pt x="4482" y="11423"/>
+                </a:lnTo>
+                <a:lnTo>
+                  <a:pt x="4750" y="11545"/>
+                </a:lnTo>
+                <a:lnTo>
+                  <a:pt x="5018" y="11691"/>
+                </a:lnTo>
+                <a:lnTo>
+                  <a:pt x="5310" y="11788"/>
+                </a:lnTo>
+                <a:lnTo>
+                  <a:pt x="5602" y="11886"/>
+                </a:lnTo>
+                <a:lnTo>
+                  <a:pt x="5773" y="13322"/>
+                </a:lnTo>
+                <a:lnTo>
+                  <a:pt x="5773" y="13322"/>
+                </a:lnTo>
+                <a:lnTo>
+                  <a:pt x="5797" y="13444"/>
+                </a:lnTo>
+                <a:lnTo>
+                  <a:pt x="5846" y="13566"/>
+                </a:lnTo>
+                <a:lnTo>
+                  <a:pt x="5919" y="13688"/>
+                </a:lnTo>
+                <a:lnTo>
+                  <a:pt x="6016" y="13785"/>
+                </a:lnTo>
+                <a:lnTo>
+                  <a:pt x="6114" y="13858"/>
+                </a:lnTo>
+                <a:lnTo>
+                  <a:pt x="6235" y="13907"/>
+                </a:lnTo>
+                <a:lnTo>
+                  <a:pt x="6357" y="13956"/>
+                </a:lnTo>
+                <a:lnTo>
+                  <a:pt x="6479" y="13956"/>
+                </a:lnTo>
+                <a:lnTo>
+                  <a:pt x="7453" y="13956"/>
+                </a:lnTo>
+                <a:lnTo>
+                  <a:pt x="7453" y="13956"/>
+                </a:lnTo>
+                <a:lnTo>
+                  <a:pt x="7575" y="13956"/>
+                </a:lnTo>
+                <a:lnTo>
+                  <a:pt x="7721" y="13907"/>
+                </a:lnTo>
+                <a:lnTo>
+                  <a:pt x="7818" y="13858"/>
+                </a:lnTo>
+                <a:lnTo>
+                  <a:pt x="7940" y="13785"/>
+                </a:lnTo>
+                <a:lnTo>
+                  <a:pt x="8013" y="13688"/>
+                </a:lnTo>
+                <a:lnTo>
+                  <a:pt x="8086" y="13566"/>
+                </a:lnTo>
+                <a:lnTo>
+                  <a:pt x="8135" y="13444"/>
+                </a:lnTo>
+                <a:lnTo>
+                  <a:pt x="8159" y="13322"/>
+                </a:lnTo>
+                <a:lnTo>
+                  <a:pt x="8330" y="11886"/>
+                </a:lnTo>
+                <a:lnTo>
+                  <a:pt x="8330" y="11886"/>
+                </a:lnTo>
+                <a:lnTo>
+                  <a:pt x="8622" y="11788"/>
+                </a:lnTo>
+                <a:lnTo>
+                  <a:pt x="8914" y="11691"/>
+                </a:lnTo>
+                <a:lnTo>
+                  <a:pt x="9207" y="11545"/>
+                </a:lnTo>
+                <a:lnTo>
+                  <a:pt x="9475" y="11423"/>
+                </a:lnTo>
+                <a:lnTo>
+                  <a:pt x="10619" y="12324"/>
+                </a:lnTo>
+                <a:lnTo>
+                  <a:pt x="10619" y="12324"/>
+                </a:lnTo>
+                <a:lnTo>
+                  <a:pt x="10717" y="12373"/>
+                </a:lnTo>
+                <a:lnTo>
+                  <a:pt x="10838" y="12421"/>
+                </a:lnTo>
+                <a:lnTo>
+                  <a:pt x="10960" y="12470"/>
+                </a:lnTo>
+                <a:lnTo>
+                  <a:pt x="11106" y="12470"/>
+                </a:lnTo>
+                <a:lnTo>
+                  <a:pt x="11228" y="12446"/>
+                </a:lnTo>
+                <a:lnTo>
+                  <a:pt x="11350" y="12397"/>
+                </a:lnTo>
+                <a:lnTo>
+                  <a:pt x="11472" y="12348"/>
+                </a:lnTo>
+                <a:lnTo>
+                  <a:pt x="11569" y="12251"/>
+                </a:lnTo>
+                <a:lnTo>
+                  <a:pt x="12251" y="11569"/>
+                </a:lnTo>
+                <a:lnTo>
+                  <a:pt x="12251" y="11569"/>
+                </a:lnTo>
+                <a:lnTo>
+                  <a:pt x="12324" y="11472"/>
+                </a:lnTo>
+                <a:lnTo>
+                  <a:pt x="12397" y="11350"/>
+                </a:lnTo>
+                <a:lnTo>
+                  <a:pt x="12422" y="11228"/>
+                </a:lnTo>
+                <a:lnTo>
+                  <a:pt x="12446" y="11106"/>
+                </a:lnTo>
+                <a:lnTo>
+                  <a:pt x="12446" y="10984"/>
+                </a:lnTo>
+                <a:lnTo>
+                  <a:pt x="12422" y="10863"/>
+                </a:lnTo>
+                <a:lnTo>
+                  <a:pt x="12373" y="10741"/>
+                </a:lnTo>
+                <a:lnTo>
+                  <a:pt x="12300" y="10619"/>
+                </a:lnTo>
+                <a:lnTo>
+                  <a:pt x="11399" y="9474"/>
+                </a:lnTo>
+                <a:lnTo>
+                  <a:pt x="11399" y="9474"/>
+                </a:lnTo>
+                <a:lnTo>
+                  <a:pt x="11545" y="9206"/>
+                </a:lnTo>
+                <a:lnTo>
+                  <a:pt x="11667" y="8914"/>
+                </a:lnTo>
+                <a:lnTo>
+                  <a:pt x="11788" y="8646"/>
+                </a:lnTo>
+                <a:lnTo>
+                  <a:pt x="11861" y="8354"/>
+                </a:lnTo>
+                <a:lnTo>
+                  <a:pt x="13323" y="8184"/>
+                </a:lnTo>
+                <a:lnTo>
+                  <a:pt x="13323" y="8184"/>
+                </a:lnTo>
+                <a:lnTo>
+                  <a:pt x="13444" y="8159"/>
+                </a:lnTo>
+                <a:lnTo>
+                  <a:pt x="13566" y="8111"/>
+                </a:lnTo>
+                <a:lnTo>
+                  <a:pt x="13664" y="8037"/>
+                </a:lnTo>
+                <a:lnTo>
+                  <a:pt x="13761" y="7940"/>
+                </a:lnTo>
+                <a:lnTo>
+                  <a:pt x="13834" y="7843"/>
+                </a:lnTo>
+                <a:lnTo>
+                  <a:pt x="13907" y="7721"/>
+                </a:lnTo>
+                <a:lnTo>
+                  <a:pt x="13932" y="7599"/>
+                </a:lnTo>
+                <a:lnTo>
+                  <a:pt x="13956" y="7453"/>
+                </a:lnTo>
+                <a:lnTo>
+                  <a:pt x="13956" y="6503"/>
+                </a:lnTo>
+                <a:lnTo>
+                  <a:pt x="13956" y="6503"/>
+                </a:lnTo>
+                <a:lnTo>
+                  <a:pt x="13932" y="6381"/>
+                </a:lnTo>
+                <a:lnTo>
+                  <a:pt x="13907" y="6235"/>
+                </a:lnTo>
+                <a:lnTo>
+                  <a:pt x="13834" y="6138"/>
+                </a:lnTo>
+                <a:lnTo>
+                  <a:pt x="13761" y="6016"/>
+                </a:lnTo>
+                <a:lnTo>
+                  <a:pt x="13664" y="5943"/>
+                </a:lnTo>
+                <a:lnTo>
+                  <a:pt x="13566" y="5870"/>
+                </a:lnTo>
+                <a:lnTo>
+                  <a:pt x="13444" y="5821"/>
+                </a:lnTo>
+                <a:lnTo>
+                  <a:pt x="13323" y="5772"/>
+                </a:lnTo>
+                <a:lnTo>
+                  <a:pt x="13323" y="5772"/>
+                </a:lnTo>
+                <a:close/>
+                <a:moveTo>
+                  <a:pt x="8573" y="8598"/>
+                </a:moveTo>
+                <a:lnTo>
+                  <a:pt x="8573" y="8598"/>
+                </a:lnTo>
+                <a:lnTo>
+                  <a:pt x="8403" y="8744"/>
+                </a:lnTo>
+                <a:lnTo>
+                  <a:pt x="8232" y="8890"/>
+                </a:lnTo>
+                <a:lnTo>
+                  <a:pt x="8038" y="8987"/>
+                </a:lnTo>
+                <a:lnTo>
+                  <a:pt x="7818" y="9085"/>
+                </a:lnTo>
+                <a:lnTo>
+                  <a:pt x="7624" y="9158"/>
+                </a:lnTo>
+                <a:lnTo>
+                  <a:pt x="7404" y="9206"/>
+                </a:lnTo>
+                <a:lnTo>
+                  <a:pt x="7185" y="9231"/>
+                </a:lnTo>
+                <a:lnTo>
+                  <a:pt x="6966" y="9255"/>
+                </a:lnTo>
+                <a:lnTo>
+                  <a:pt x="6747" y="9231"/>
+                </a:lnTo>
+                <a:lnTo>
+                  <a:pt x="6528" y="9206"/>
+                </a:lnTo>
+                <a:lnTo>
+                  <a:pt x="6333" y="9158"/>
+                </a:lnTo>
+                <a:lnTo>
+                  <a:pt x="6114" y="9085"/>
+                </a:lnTo>
+                <a:lnTo>
+                  <a:pt x="5919" y="8987"/>
+                </a:lnTo>
+                <a:lnTo>
+                  <a:pt x="5724" y="8890"/>
+                </a:lnTo>
+                <a:lnTo>
+                  <a:pt x="5529" y="8744"/>
+                </a:lnTo>
+                <a:lnTo>
+                  <a:pt x="5359" y="8598"/>
+                </a:lnTo>
+                <a:lnTo>
+                  <a:pt x="5359" y="8598"/>
+                </a:lnTo>
+                <a:lnTo>
+                  <a:pt x="5212" y="8427"/>
+                </a:lnTo>
+                <a:lnTo>
+                  <a:pt x="5066" y="8232"/>
+                </a:lnTo>
+                <a:lnTo>
+                  <a:pt x="4969" y="8037"/>
+                </a:lnTo>
+                <a:lnTo>
+                  <a:pt x="4871" y="7843"/>
+                </a:lnTo>
+                <a:lnTo>
+                  <a:pt x="4798" y="7623"/>
+                </a:lnTo>
+                <a:lnTo>
+                  <a:pt x="4750" y="7404"/>
+                </a:lnTo>
+                <a:lnTo>
+                  <a:pt x="4701" y="7209"/>
+                </a:lnTo>
+                <a:lnTo>
+                  <a:pt x="4701" y="6990"/>
+                </a:lnTo>
+                <a:lnTo>
+                  <a:pt x="4701" y="6771"/>
+                </a:lnTo>
+                <a:lnTo>
+                  <a:pt x="4750" y="6552"/>
+                </a:lnTo>
+                <a:lnTo>
+                  <a:pt x="4798" y="6333"/>
+                </a:lnTo>
+                <a:lnTo>
+                  <a:pt x="4871" y="6138"/>
+                </a:lnTo>
+                <a:lnTo>
+                  <a:pt x="4969" y="5919"/>
+                </a:lnTo>
+                <a:lnTo>
+                  <a:pt x="5066" y="5724"/>
+                </a:lnTo>
+                <a:lnTo>
+                  <a:pt x="5212" y="5553"/>
+                </a:lnTo>
+                <a:lnTo>
+                  <a:pt x="5359" y="5383"/>
+                </a:lnTo>
+                <a:lnTo>
+                  <a:pt x="5359" y="5383"/>
+                </a:lnTo>
+                <a:lnTo>
+                  <a:pt x="5529" y="5212"/>
+                </a:lnTo>
+                <a:lnTo>
+                  <a:pt x="5724" y="5091"/>
+                </a:lnTo>
+                <a:lnTo>
+                  <a:pt x="5919" y="4969"/>
+                </a:lnTo>
+                <a:lnTo>
+                  <a:pt x="6114" y="4871"/>
+                </a:lnTo>
+                <a:lnTo>
+                  <a:pt x="6333" y="4798"/>
+                </a:lnTo>
+                <a:lnTo>
+                  <a:pt x="6528" y="4750"/>
+                </a:lnTo>
+                <a:lnTo>
+                  <a:pt x="6747" y="4725"/>
+                </a:lnTo>
+                <a:lnTo>
+                  <a:pt x="6966" y="4701"/>
+                </a:lnTo>
+                <a:lnTo>
+                  <a:pt x="7185" y="4725"/>
+                </a:lnTo>
+                <a:lnTo>
+                  <a:pt x="7404" y="4750"/>
+                </a:lnTo>
+                <a:lnTo>
+                  <a:pt x="7624" y="4798"/>
+                </a:lnTo>
+                <a:lnTo>
+                  <a:pt x="7818" y="4871"/>
+                </a:lnTo>
+                <a:lnTo>
+                  <a:pt x="8038" y="4969"/>
+                </a:lnTo>
+                <a:lnTo>
+                  <a:pt x="8232" y="5091"/>
+                </a:lnTo>
+                <a:lnTo>
+                  <a:pt x="8403" y="5212"/>
+                </a:lnTo>
+                <a:lnTo>
+                  <a:pt x="8573" y="5383"/>
+                </a:lnTo>
+                <a:lnTo>
+                  <a:pt x="8573" y="5383"/>
+                </a:lnTo>
+                <a:lnTo>
+                  <a:pt x="8744" y="5553"/>
+                </a:lnTo>
+                <a:lnTo>
+                  <a:pt x="8866" y="5724"/>
+                </a:lnTo>
+                <a:lnTo>
+                  <a:pt x="8987" y="5919"/>
+                </a:lnTo>
+                <a:lnTo>
+                  <a:pt x="9085" y="6138"/>
+                </a:lnTo>
+                <a:lnTo>
+                  <a:pt x="9158" y="6333"/>
+                </a:lnTo>
+                <a:lnTo>
+                  <a:pt x="9207" y="6552"/>
+                </a:lnTo>
+                <a:lnTo>
+                  <a:pt x="9231" y="6771"/>
+                </a:lnTo>
+                <a:lnTo>
+                  <a:pt x="9231" y="6990"/>
+                </a:lnTo>
+                <a:lnTo>
+                  <a:pt x="9231" y="7209"/>
+                </a:lnTo>
+                <a:lnTo>
+                  <a:pt x="9207" y="7404"/>
+                </a:lnTo>
+                <a:lnTo>
+                  <a:pt x="9158" y="7623"/>
+                </a:lnTo>
+                <a:lnTo>
+                  <a:pt x="9085" y="7843"/>
+                </a:lnTo>
+                <a:lnTo>
+                  <a:pt x="8987" y="8037"/>
+                </a:lnTo>
+                <a:lnTo>
+                  <a:pt x="8866" y="8232"/>
+                </a:lnTo>
+                <a:lnTo>
+                  <a:pt x="8744" y="8427"/>
+                </a:lnTo>
+                <a:lnTo>
+                  <a:pt x="8573" y="8598"/>
+                </a:lnTo>
+                <a:lnTo>
+                  <a:pt x="8573" y="8598"/>
+                </a:lnTo>
+                <a:close/>
+              </a:path>
+            </a:pathLst>
+          </a:custGeom>
+          <a:solidFill>
+            <a:schemeClr val="tx1">
+              <a:lumMod val="95000"/>
+              <a:lumOff val="5000"/>
+            </a:schemeClr>
+          </a:solidFill>
+          <a:ln w="38100" cap="rnd" cmpd="sng">
+            <a:solidFill>
+              <a:schemeClr val="bg1"/>
+            </a:solidFill>
+            <a:prstDash val="solid"/>
+            <a:round/>
+            <a:headEnd type="none" w="sm" len="sm"/>
+            <a:tailEnd type="none" w="sm" len="sm"/>
+          </a:ln>
+        </p:spPr>
+        <p:txBody>
+          <a:bodyPr spcFirstLastPara="1" wrap="square" lIns="91425" tIns="91425" rIns="91425" bIns="91425" anchor="ctr" anchorCtr="0">
+            <a:noAutofit/>
+          </a:bodyPr>
+          <a:lstStyle/>
+          <a:p>
+            <a:pPr marL="0" marR="0" lvl="0" indent="0" defTabSz="914400" eaLnBrk="1" fontAlgn="auto" latinLnBrk="0" hangingPunct="1">
+              <a:lnSpc>
+                <a:spcPct val="100000"/>
+              </a:lnSpc>
+              <a:spcBef>
+                <a:spcPts val="0"/>
+              </a:spcBef>
+              <a:spcAft>
+                <a:spcPts val="0"/>
+              </a:spcAft>
+              <a:buClr>
+                <a:srgbClr val="000000"/>
+              </a:buClr>
+              <a:buSzTx/>
+              <a:buFont typeface="Arial"/>
+              <a:buNone/>
+              <a:tabLst/>
+              <a:defRPr/>
+            </a:pPr>
+            <a:endParaRPr kumimoji="0" sz="1400" b="0" i="0" u="none" strike="noStrike" kern="0" cap="none" spc="0" normalizeH="0" baseline="0" noProof="0" smtClean="0">
+              <a:ln>
+                <a:noFill/>
+              </a:ln>
+              <a:solidFill>
+                <a:srgbClr val="000000"/>
+              </a:solidFill>
+              <a:effectLst/>
+              <a:uLnTx/>
+              <a:uFillTx/>
+              <a:latin typeface="Arial"/>
+              <a:cs typeface="Arial"/>
+              <a:sym typeface="Arial"/>
+            </a:endParaRPr>
+          </a:p>
+        </p:txBody>
+      </p:sp>
+      <p:sp>
+        <p:nvSpPr>
+          <p:cNvPr id="18" name="Google Shape;1632;p47"/>
+          <p:cNvSpPr/>
+          <p:nvPr/>
+        </p:nvSpPr>
+        <p:spPr>
+          <a:xfrm rot="19214250">
+            <a:off x="1193458" y="3705521"/>
+            <a:ext cx="695951" cy="681560"/>
+          </a:xfrm>
+          <a:custGeom>
+            <a:avLst/>
+            <a:gdLst/>
+            <a:ahLst/>
+            <a:cxnLst/>
+            <a:rect l="l" t="t" r="r" b="b"/>
+            <a:pathLst>
+              <a:path w="7941" h="7941" fill="none" extrusionOk="0">
+                <a:moveTo>
+                  <a:pt x="7258" y="2144"/>
+                </a:moveTo>
+                <a:lnTo>
+                  <a:pt x="6138" y="2388"/>
+                </a:lnTo>
+                <a:lnTo>
+                  <a:pt x="6138" y="2388"/>
+                </a:lnTo>
+                <a:lnTo>
+                  <a:pt x="6016" y="2217"/>
+                </a:lnTo>
+                <a:lnTo>
+                  <a:pt x="5870" y="2071"/>
+                </a:lnTo>
+                <a:lnTo>
+                  <a:pt x="6260" y="975"/>
+                </a:lnTo>
+                <a:lnTo>
+                  <a:pt x="6260" y="975"/>
+                </a:lnTo>
+                <a:lnTo>
+                  <a:pt x="6284" y="902"/>
+                </a:lnTo>
+                <a:lnTo>
+                  <a:pt x="6284" y="829"/>
+                </a:lnTo>
+                <a:lnTo>
+                  <a:pt x="6260" y="683"/>
+                </a:lnTo>
+                <a:lnTo>
+                  <a:pt x="6162" y="561"/>
+                </a:lnTo>
+                <a:lnTo>
+                  <a:pt x="6114" y="488"/>
+                </a:lnTo>
+                <a:lnTo>
+                  <a:pt x="6065" y="464"/>
+                </a:lnTo>
+                <a:lnTo>
+                  <a:pt x="5553" y="196"/>
+                </a:lnTo>
+                <a:lnTo>
+                  <a:pt x="5553" y="196"/>
+                </a:lnTo>
+                <a:lnTo>
+                  <a:pt x="5480" y="171"/>
+                </a:lnTo>
+                <a:lnTo>
+                  <a:pt x="5407" y="171"/>
+                </a:lnTo>
+                <a:lnTo>
+                  <a:pt x="5261" y="171"/>
+                </a:lnTo>
+                <a:lnTo>
+                  <a:pt x="5115" y="244"/>
+                </a:lnTo>
+                <a:lnTo>
+                  <a:pt x="5066" y="293"/>
+                </a:lnTo>
+                <a:lnTo>
+                  <a:pt x="5018" y="342"/>
+                </a:lnTo>
+                <a:lnTo>
+                  <a:pt x="4384" y="1316"/>
+                </a:lnTo>
+                <a:lnTo>
+                  <a:pt x="4384" y="1316"/>
+                </a:lnTo>
+                <a:lnTo>
+                  <a:pt x="4165" y="1292"/>
+                </a:lnTo>
+                <a:lnTo>
+                  <a:pt x="3970" y="1292"/>
+                </a:lnTo>
+                <a:lnTo>
+                  <a:pt x="3483" y="244"/>
+                </a:lnTo>
+                <a:lnTo>
+                  <a:pt x="3483" y="244"/>
+                </a:lnTo>
+                <a:lnTo>
+                  <a:pt x="3435" y="171"/>
+                </a:lnTo>
+                <a:lnTo>
+                  <a:pt x="3386" y="123"/>
+                </a:lnTo>
+                <a:lnTo>
+                  <a:pt x="3264" y="50"/>
+                </a:lnTo>
+                <a:lnTo>
+                  <a:pt x="3118" y="1"/>
+                </a:lnTo>
+                <a:lnTo>
+                  <a:pt x="3045" y="1"/>
+                </a:lnTo>
+                <a:lnTo>
+                  <a:pt x="2972" y="25"/>
+                </a:lnTo>
+                <a:lnTo>
+                  <a:pt x="2436" y="196"/>
+                </a:lnTo>
+                <a:lnTo>
+                  <a:pt x="2436" y="196"/>
+                </a:lnTo>
+                <a:lnTo>
+                  <a:pt x="2363" y="220"/>
+                </a:lnTo>
+                <a:lnTo>
+                  <a:pt x="2290" y="269"/>
+                </a:lnTo>
+                <a:lnTo>
+                  <a:pt x="2192" y="391"/>
+                </a:lnTo>
+                <a:lnTo>
+                  <a:pt x="2144" y="537"/>
+                </a:lnTo>
+                <a:lnTo>
+                  <a:pt x="2144" y="610"/>
+                </a:lnTo>
+                <a:lnTo>
+                  <a:pt x="2144" y="683"/>
+                </a:lnTo>
+                <a:lnTo>
+                  <a:pt x="2387" y="1828"/>
+                </a:lnTo>
+                <a:lnTo>
+                  <a:pt x="2387" y="1828"/>
+                </a:lnTo>
+                <a:lnTo>
+                  <a:pt x="2217" y="1949"/>
+                </a:lnTo>
+                <a:lnTo>
+                  <a:pt x="2071" y="2095"/>
+                </a:lnTo>
+                <a:lnTo>
+                  <a:pt x="999" y="1681"/>
+                </a:lnTo>
+                <a:lnTo>
+                  <a:pt x="999" y="1681"/>
+                </a:lnTo>
+                <a:lnTo>
+                  <a:pt x="926" y="1681"/>
+                </a:lnTo>
+                <a:lnTo>
+                  <a:pt x="829" y="1657"/>
+                </a:lnTo>
+                <a:lnTo>
+                  <a:pt x="682" y="1706"/>
+                </a:lnTo>
+                <a:lnTo>
+                  <a:pt x="561" y="1779"/>
+                </a:lnTo>
+                <a:lnTo>
+                  <a:pt x="512" y="1828"/>
+                </a:lnTo>
+                <a:lnTo>
+                  <a:pt x="463" y="1901"/>
+                </a:lnTo>
+                <a:lnTo>
+                  <a:pt x="220" y="2388"/>
+                </a:lnTo>
+                <a:lnTo>
+                  <a:pt x="220" y="2388"/>
+                </a:lnTo>
+                <a:lnTo>
+                  <a:pt x="195" y="2461"/>
+                </a:lnTo>
+                <a:lnTo>
+                  <a:pt x="171" y="2534"/>
+                </a:lnTo>
+                <a:lnTo>
+                  <a:pt x="195" y="2704"/>
+                </a:lnTo>
+                <a:lnTo>
+                  <a:pt x="244" y="2826"/>
+                </a:lnTo>
+                <a:lnTo>
+                  <a:pt x="293" y="2899"/>
+                </a:lnTo>
+                <a:lnTo>
+                  <a:pt x="366" y="2948"/>
+                </a:lnTo>
+                <a:lnTo>
+                  <a:pt x="1340" y="3581"/>
+                </a:lnTo>
+                <a:lnTo>
+                  <a:pt x="1340" y="3581"/>
+                </a:lnTo>
+                <a:lnTo>
+                  <a:pt x="1316" y="3776"/>
+                </a:lnTo>
+                <a:lnTo>
+                  <a:pt x="1291" y="3995"/>
+                </a:lnTo>
+                <a:lnTo>
+                  <a:pt x="244" y="4482"/>
+                </a:lnTo>
+                <a:lnTo>
+                  <a:pt x="244" y="4482"/>
+                </a:lnTo>
+                <a:lnTo>
+                  <a:pt x="195" y="4507"/>
+                </a:lnTo>
+                <a:lnTo>
+                  <a:pt x="122" y="4555"/>
+                </a:lnTo>
+                <a:lnTo>
+                  <a:pt x="49" y="4701"/>
+                </a:lnTo>
+                <a:lnTo>
+                  <a:pt x="0" y="4848"/>
+                </a:lnTo>
+                <a:lnTo>
+                  <a:pt x="25" y="4921"/>
+                </a:lnTo>
+                <a:lnTo>
+                  <a:pt x="25" y="4994"/>
+                </a:lnTo>
+                <a:lnTo>
+                  <a:pt x="220" y="5530"/>
+                </a:lnTo>
+                <a:lnTo>
+                  <a:pt x="220" y="5530"/>
+                </a:lnTo>
+                <a:lnTo>
+                  <a:pt x="244" y="5578"/>
+                </a:lnTo>
+                <a:lnTo>
+                  <a:pt x="293" y="5651"/>
+                </a:lnTo>
+                <a:lnTo>
+                  <a:pt x="390" y="5749"/>
+                </a:lnTo>
+                <a:lnTo>
+                  <a:pt x="536" y="5797"/>
+                </a:lnTo>
+                <a:lnTo>
+                  <a:pt x="609" y="5797"/>
+                </a:lnTo>
+                <a:lnTo>
+                  <a:pt x="682" y="5797"/>
+                </a:lnTo>
+                <a:lnTo>
+                  <a:pt x="1827" y="5554"/>
+                </a:lnTo>
+                <a:lnTo>
+                  <a:pt x="1827" y="5554"/>
+                </a:lnTo>
+                <a:lnTo>
+                  <a:pt x="1949" y="5724"/>
+                </a:lnTo>
+                <a:lnTo>
+                  <a:pt x="2095" y="5870"/>
+                </a:lnTo>
+                <a:lnTo>
+                  <a:pt x="1705" y="6966"/>
+                </a:lnTo>
+                <a:lnTo>
+                  <a:pt x="1705" y="6966"/>
+                </a:lnTo>
+                <a:lnTo>
+                  <a:pt x="1681" y="7040"/>
+                </a:lnTo>
+                <a:lnTo>
+                  <a:pt x="1681" y="7113"/>
+                </a:lnTo>
+                <a:lnTo>
+                  <a:pt x="1705" y="7259"/>
+                </a:lnTo>
+                <a:lnTo>
+                  <a:pt x="1778" y="7380"/>
+                </a:lnTo>
+                <a:lnTo>
+                  <a:pt x="1851" y="7429"/>
+                </a:lnTo>
+                <a:lnTo>
+                  <a:pt x="1900" y="7478"/>
+                </a:lnTo>
+                <a:lnTo>
+                  <a:pt x="2412" y="7721"/>
+                </a:lnTo>
+                <a:lnTo>
+                  <a:pt x="2412" y="7721"/>
+                </a:lnTo>
+                <a:lnTo>
+                  <a:pt x="2485" y="7770"/>
+                </a:lnTo>
+                <a:lnTo>
+                  <a:pt x="2558" y="7770"/>
+                </a:lnTo>
+                <a:lnTo>
+                  <a:pt x="2704" y="7770"/>
+                </a:lnTo>
+                <a:lnTo>
+                  <a:pt x="2850" y="7697"/>
+                </a:lnTo>
+                <a:lnTo>
+                  <a:pt x="2899" y="7648"/>
+                </a:lnTo>
+                <a:lnTo>
+                  <a:pt x="2947" y="7600"/>
+                </a:lnTo>
+                <a:lnTo>
+                  <a:pt x="3581" y="6625"/>
+                </a:lnTo>
+                <a:lnTo>
+                  <a:pt x="3581" y="6625"/>
+                </a:lnTo>
+                <a:lnTo>
+                  <a:pt x="3800" y="6650"/>
+                </a:lnTo>
+                <a:lnTo>
+                  <a:pt x="3995" y="6650"/>
+                </a:lnTo>
+                <a:lnTo>
+                  <a:pt x="4482" y="7697"/>
+                </a:lnTo>
+                <a:lnTo>
+                  <a:pt x="4482" y="7697"/>
+                </a:lnTo>
+                <a:lnTo>
+                  <a:pt x="4531" y="7770"/>
+                </a:lnTo>
+                <a:lnTo>
+                  <a:pt x="4579" y="7819"/>
+                </a:lnTo>
+                <a:lnTo>
+                  <a:pt x="4701" y="7892"/>
+                </a:lnTo>
+                <a:lnTo>
+                  <a:pt x="4847" y="7941"/>
+                </a:lnTo>
+                <a:lnTo>
+                  <a:pt x="4920" y="7941"/>
+                </a:lnTo>
+                <a:lnTo>
+                  <a:pt x="4993" y="7916"/>
+                </a:lnTo>
+                <a:lnTo>
+                  <a:pt x="5529" y="7746"/>
+                </a:lnTo>
+                <a:lnTo>
+                  <a:pt x="5529" y="7746"/>
+                </a:lnTo>
+                <a:lnTo>
+                  <a:pt x="5602" y="7721"/>
+                </a:lnTo>
+                <a:lnTo>
+                  <a:pt x="5651" y="7673"/>
+                </a:lnTo>
+                <a:lnTo>
+                  <a:pt x="5748" y="7551"/>
+                </a:lnTo>
+                <a:lnTo>
+                  <a:pt x="5821" y="7405"/>
+                </a:lnTo>
+                <a:lnTo>
+                  <a:pt x="5821" y="7332"/>
+                </a:lnTo>
+                <a:lnTo>
+                  <a:pt x="5821" y="7259"/>
+                </a:lnTo>
+                <a:lnTo>
+                  <a:pt x="5578" y="6114"/>
+                </a:lnTo>
+                <a:lnTo>
+                  <a:pt x="5578" y="6114"/>
+                </a:lnTo>
+                <a:lnTo>
+                  <a:pt x="5724" y="5992"/>
+                </a:lnTo>
+                <a:lnTo>
+                  <a:pt x="5894" y="5846"/>
+                </a:lnTo>
+                <a:lnTo>
+                  <a:pt x="6966" y="6260"/>
+                </a:lnTo>
+                <a:lnTo>
+                  <a:pt x="6966" y="6260"/>
+                </a:lnTo>
+                <a:lnTo>
+                  <a:pt x="7039" y="6260"/>
+                </a:lnTo>
+                <a:lnTo>
+                  <a:pt x="7112" y="6285"/>
+                </a:lnTo>
+                <a:lnTo>
+                  <a:pt x="7258" y="6236"/>
+                </a:lnTo>
+                <a:lnTo>
+                  <a:pt x="7404" y="6163"/>
+                </a:lnTo>
+                <a:lnTo>
+                  <a:pt x="7453" y="6114"/>
+                </a:lnTo>
+                <a:lnTo>
+                  <a:pt x="7502" y="6041"/>
+                </a:lnTo>
+                <a:lnTo>
+                  <a:pt x="7745" y="5530"/>
+                </a:lnTo>
+                <a:lnTo>
+                  <a:pt x="7745" y="5530"/>
+                </a:lnTo>
+                <a:lnTo>
+                  <a:pt x="7770" y="5481"/>
+                </a:lnTo>
+                <a:lnTo>
+                  <a:pt x="7794" y="5383"/>
+                </a:lnTo>
+                <a:lnTo>
+                  <a:pt x="7770" y="5237"/>
+                </a:lnTo>
+                <a:lnTo>
+                  <a:pt x="7697" y="5115"/>
+                </a:lnTo>
+                <a:lnTo>
+                  <a:pt x="7648" y="5042"/>
+                </a:lnTo>
+                <a:lnTo>
+                  <a:pt x="7599" y="4994"/>
+                </a:lnTo>
+                <a:lnTo>
+                  <a:pt x="6625" y="4360"/>
+                </a:lnTo>
+                <a:lnTo>
+                  <a:pt x="6625" y="4360"/>
+                </a:lnTo>
+                <a:lnTo>
+                  <a:pt x="6649" y="4166"/>
+                </a:lnTo>
+                <a:lnTo>
+                  <a:pt x="6649" y="3946"/>
+                </a:lnTo>
+                <a:lnTo>
+                  <a:pt x="7697" y="3459"/>
+                </a:lnTo>
+                <a:lnTo>
+                  <a:pt x="7697" y="3459"/>
+                </a:lnTo>
+                <a:lnTo>
+                  <a:pt x="7770" y="3435"/>
+                </a:lnTo>
+                <a:lnTo>
+                  <a:pt x="7843" y="3386"/>
+                </a:lnTo>
+                <a:lnTo>
+                  <a:pt x="7916" y="3240"/>
+                </a:lnTo>
+                <a:lnTo>
+                  <a:pt x="7940" y="3094"/>
+                </a:lnTo>
+                <a:lnTo>
+                  <a:pt x="7940" y="3021"/>
+                </a:lnTo>
+                <a:lnTo>
+                  <a:pt x="7940" y="2948"/>
+                </a:lnTo>
+                <a:lnTo>
+                  <a:pt x="7745" y="2412"/>
+                </a:lnTo>
+                <a:lnTo>
+                  <a:pt x="7745" y="2412"/>
+                </a:lnTo>
+                <a:lnTo>
+                  <a:pt x="7721" y="2339"/>
+                </a:lnTo>
+                <a:lnTo>
+                  <a:pt x="7672" y="2290"/>
+                </a:lnTo>
+                <a:lnTo>
+                  <a:pt x="7551" y="2193"/>
+                </a:lnTo>
+                <a:lnTo>
+                  <a:pt x="7429" y="2144"/>
+                </a:lnTo>
+                <a:lnTo>
+                  <a:pt x="7356" y="2144"/>
+                </a:lnTo>
+                <a:lnTo>
+                  <a:pt x="7258" y="2144"/>
+                </a:lnTo>
+                <a:lnTo>
+                  <a:pt x="7258" y="2144"/>
+                </a:lnTo>
+                <a:close/>
+                <a:moveTo>
+                  <a:pt x="5480" y="4726"/>
+                </a:moveTo>
+                <a:lnTo>
+                  <a:pt x="5480" y="4726"/>
+                </a:lnTo>
+                <a:lnTo>
+                  <a:pt x="5383" y="4872"/>
+                </a:lnTo>
+                <a:lnTo>
+                  <a:pt x="5286" y="4994"/>
+                </a:lnTo>
+                <a:lnTo>
+                  <a:pt x="5188" y="5140"/>
+                </a:lnTo>
+                <a:lnTo>
+                  <a:pt x="5066" y="5237"/>
+                </a:lnTo>
+                <a:lnTo>
+                  <a:pt x="4945" y="5335"/>
+                </a:lnTo>
+                <a:lnTo>
+                  <a:pt x="4798" y="5432"/>
+                </a:lnTo>
+                <a:lnTo>
+                  <a:pt x="4652" y="5505"/>
+                </a:lnTo>
+                <a:lnTo>
+                  <a:pt x="4506" y="5554"/>
+                </a:lnTo>
+                <a:lnTo>
+                  <a:pt x="4360" y="5603"/>
+                </a:lnTo>
+                <a:lnTo>
+                  <a:pt x="4190" y="5627"/>
+                </a:lnTo>
+                <a:lnTo>
+                  <a:pt x="4043" y="5651"/>
+                </a:lnTo>
+                <a:lnTo>
+                  <a:pt x="3873" y="5627"/>
+                </a:lnTo>
+                <a:lnTo>
+                  <a:pt x="3702" y="5627"/>
+                </a:lnTo>
+                <a:lnTo>
+                  <a:pt x="3556" y="5578"/>
+                </a:lnTo>
+                <a:lnTo>
+                  <a:pt x="3386" y="5530"/>
+                </a:lnTo>
+                <a:lnTo>
+                  <a:pt x="3240" y="5456"/>
+                </a:lnTo>
+                <a:lnTo>
+                  <a:pt x="3240" y="5456"/>
+                </a:lnTo>
+                <a:lnTo>
+                  <a:pt x="3094" y="5383"/>
+                </a:lnTo>
+                <a:lnTo>
+                  <a:pt x="2947" y="5286"/>
+                </a:lnTo>
+                <a:lnTo>
+                  <a:pt x="2826" y="5164"/>
+                </a:lnTo>
+                <a:lnTo>
+                  <a:pt x="2704" y="5067"/>
+                </a:lnTo>
+                <a:lnTo>
+                  <a:pt x="2606" y="4921"/>
+                </a:lnTo>
+                <a:lnTo>
+                  <a:pt x="2533" y="4799"/>
+                </a:lnTo>
+                <a:lnTo>
+                  <a:pt x="2460" y="4653"/>
+                </a:lnTo>
+                <a:lnTo>
+                  <a:pt x="2387" y="4507"/>
+                </a:lnTo>
+                <a:lnTo>
+                  <a:pt x="2363" y="4336"/>
+                </a:lnTo>
+                <a:lnTo>
+                  <a:pt x="2314" y="4190"/>
+                </a:lnTo>
+                <a:lnTo>
+                  <a:pt x="2314" y="4020"/>
+                </a:lnTo>
+                <a:lnTo>
+                  <a:pt x="2314" y="3873"/>
+                </a:lnTo>
+                <a:lnTo>
+                  <a:pt x="2339" y="3703"/>
+                </a:lnTo>
+                <a:lnTo>
+                  <a:pt x="2363" y="3532"/>
+                </a:lnTo>
+                <a:lnTo>
+                  <a:pt x="2412" y="3386"/>
+                </a:lnTo>
+                <a:lnTo>
+                  <a:pt x="2485" y="3216"/>
+                </a:lnTo>
+                <a:lnTo>
+                  <a:pt x="2485" y="3216"/>
+                </a:lnTo>
+                <a:lnTo>
+                  <a:pt x="2582" y="3070"/>
+                </a:lnTo>
+                <a:lnTo>
+                  <a:pt x="2680" y="2948"/>
+                </a:lnTo>
+                <a:lnTo>
+                  <a:pt x="2777" y="2802"/>
+                </a:lnTo>
+                <a:lnTo>
+                  <a:pt x="2899" y="2704"/>
+                </a:lnTo>
+                <a:lnTo>
+                  <a:pt x="3020" y="2607"/>
+                </a:lnTo>
+                <a:lnTo>
+                  <a:pt x="3167" y="2509"/>
+                </a:lnTo>
+                <a:lnTo>
+                  <a:pt x="3313" y="2436"/>
+                </a:lnTo>
+                <a:lnTo>
+                  <a:pt x="3459" y="2388"/>
+                </a:lnTo>
+                <a:lnTo>
+                  <a:pt x="3605" y="2339"/>
+                </a:lnTo>
+                <a:lnTo>
+                  <a:pt x="3775" y="2315"/>
+                </a:lnTo>
+                <a:lnTo>
+                  <a:pt x="3922" y="2290"/>
+                </a:lnTo>
+                <a:lnTo>
+                  <a:pt x="4092" y="2315"/>
+                </a:lnTo>
+                <a:lnTo>
+                  <a:pt x="4263" y="2315"/>
+                </a:lnTo>
+                <a:lnTo>
+                  <a:pt x="4409" y="2363"/>
+                </a:lnTo>
+                <a:lnTo>
+                  <a:pt x="4579" y="2412"/>
+                </a:lnTo>
+                <a:lnTo>
+                  <a:pt x="4725" y="2485"/>
+                </a:lnTo>
+                <a:lnTo>
+                  <a:pt x="4725" y="2485"/>
+                </a:lnTo>
+                <a:lnTo>
+                  <a:pt x="4871" y="2558"/>
+                </a:lnTo>
+                <a:lnTo>
+                  <a:pt x="5018" y="2656"/>
+                </a:lnTo>
+                <a:lnTo>
+                  <a:pt x="5139" y="2777"/>
+                </a:lnTo>
+                <a:lnTo>
+                  <a:pt x="5261" y="2875"/>
+                </a:lnTo>
+                <a:lnTo>
+                  <a:pt x="5359" y="3021"/>
+                </a:lnTo>
+                <a:lnTo>
+                  <a:pt x="5432" y="3143"/>
+                </a:lnTo>
+                <a:lnTo>
+                  <a:pt x="5505" y="3289"/>
+                </a:lnTo>
+                <a:lnTo>
+                  <a:pt x="5578" y="3435"/>
+                </a:lnTo>
+                <a:lnTo>
+                  <a:pt x="5602" y="3605"/>
+                </a:lnTo>
+                <a:lnTo>
+                  <a:pt x="5626" y="3752"/>
+                </a:lnTo>
+                <a:lnTo>
+                  <a:pt x="5651" y="3922"/>
+                </a:lnTo>
+                <a:lnTo>
+                  <a:pt x="5651" y="4068"/>
+                </a:lnTo>
+                <a:lnTo>
+                  <a:pt x="5626" y="4239"/>
+                </a:lnTo>
+                <a:lnTo>
+                  <a:pt x="5602" y="4409"/>
+                </a:lnTo>
+                <a:lnTo>
+                  <a:pt x="5553" y="4555"/>
+                </a:lnTo>
+                <a:lnTo>
+                  <a:pt x="5480" y="4726"/>
+                </a:lnTo>
+                <a:lnTo>
+                  <a:pt x="5480" y="4726"/>
+                </a:lnTo>
+                <a:close/>
+              </a:path>
+            </a:pathLst>
+          </a:custGeom>
+          <a:solidFill>
+            <a:schemeClr val="tx1">
+              <a:lumMod val="95000"/>
+              <a:lumOff val="5000"/>
+            </a:schemeClr>
+          </a:solidFill>
+          <a:ln w="38100" cap="rnd" cmpd="sng">
+            <a:solidFill>
+              <a:schemeClr val="bg1"/>
+            </a:solidFill>
+            <a:prstDash val="solid"/>
+            <a:round/>
+            <a:headEnd type="none" w="sm" len="sm"/>
+            <a:tailEnd type="none" w="sm" len="sm"/>
+          </a:ln>
+        </p:spPr>
+        <p:txBody>
+          <a:bodyPr spcFirstLastPara="1" wrap="square" lIns="91425" tIns="91425" rIns="91425" bIns="91425" anchor="ctr" anchorCtr="0">
+            <a:noAutofit/>
+          </a:bodyPr>
+          <a:lstStyle/>
+          <a:p>
+            <a:pPr marL="0" marR="0" lvl="0" indent="0" defTabSz="914400" eaLnBrk="1" fontAlgn="auto" latinLnBrk="0" hangingPunct="1">
+              <a:lnSpc>
+                <a:spcPct val="100000"/>
+              </a:lnSpc>
+              <a:spcBef>
+                <a:spcPts val="0"/>
+              </a:spcBef>
+              <a:spcAft>
+                <a:spcPts val="0"/>
+              </a:spcAft>
+              <a:buClr>
+                <a:srgbClr val="000000"/>
+              </a:buClr>
+              <a:buSzTx/>
+              <a:buFont typeface="Arial"/>
+              <a:buNone/>
+              <a:tabLst/>
+              <a:defRPr/>
+            </a:pPr>
+            <a:endParaRPr kumimoji="0" sz="1400" b="0" i="0" u="none" strike="noStrike" kern="0" cap="none" spc="0" normalizeH="0" baseline="0" noProof="0" smtClean="0">
+              <a:ln>
+                <a:noFill/>
+              </a:ln>
+              <a:solidFill>
+                <a:srgbClr val="000000"/>
+              </a:solidFill>
+              <a:effectLst/>
+              <a:uLnTx/>
+              <a:uFillTx/>
+              <a:latin typeface="Arial"/>
+              <a:cs typeface="Arial"/>
+              <a:sym typeface="Arial"/>
+            </a:endParaRPr>
+          </a:p>
+        </p:txBody>
+      </p:sp>
+      <p:sp>
+        <p:nvSpPr>
+          <p:cNvPr id="22" name="Google Shape;1632;p47"/>
+          <p:cNvSpPr/>
+          <p:nvPr/>
+        </p:nvSpPr>
+        <p:spPr>
+          <a:xfrm rot="19214250">
+            <a:off x="53497" y="5024179"/>
+            <a:ext cx="695951" cy="681560"/>
+          </a:xfrm>
+          <a:custGeom>
+            <a:avLst/>
+            <a:gdLst/>
+            <a:ahLst/>
+            <a:cxnLst/>
+            <a:rect l="l" t="t" r="r" b="b"/>
+            <a:pathLst>
+              <a:path w="7941" h="7941" fill="none" extrusionOk="0">
+                <a:moveTo>
+                  <a:pt x="7258" y="2144"/>
+                </a:moveTo>
+                <a:lnTo>
+                  <a:pt x="6138" y="2388"/>
+                </a:lnTo>
+                <a:lnTo>
+                  <a:pt x="6138" y="2388"/>
+                </a:lnTo>
+                <a:lnTo>
+                  <a:pt x="6016" y="2217"/>
+                </a:lnTo>
+                <a:lnTo>
+                  <a:pt x="5870" y="2071"/>
+                </a:lnTo>
+                <a:lnTo>
+                  <a:pt x="6260" y="975"/>
+                </a:lnTo>
+                <a:lnTo>
+                  <a:pt x="6260" y="975"/>
+                </a:lnTo>
+                <a:lnTo>
+                  <a:pt x="6284" y="902"/>
+                </a:lnTo>
+                <a:lnTo>
+                  <a:pt x="6284" y="829"/>
+                </a:lnTo>
+                <a:lnTo>
+                  <a:pt x="6260" y="683"/>
+                </a:lnTo>
+                <a:lnTo>
+                  <a:pt x="6162" y="561"/>
+                </a:lnTo>
+                <a:lnTo>
+                  <a:pt x="6114" y="488"/>
+                </a:lnTo>
+                <a:lnTo>
+                  <a:pt x="6065" y="464"/>
+                </a:lnTo>
+                <a:lnTo>
+                  <a:pt x="5553" y="196"/>
+                </a:lnTo>
+                <a:lnTo>
+                  <a:pt x="5553" y="196"/>
+                </a:lnTo>
+                <a:lnTo>
+                  <a:pt x="5480" y="171"/>
+                </a:lnTo>
+                <a:lnTo>
+                  <a:pt x="5407" y="171"/>
+                </a:lnTo>
+                <a:lnTo>
+                  <a:pt x="5261" y="171"/>
+                </a:lnTo>
+                <a:lnTo>
+                  <a:pt x="5115" y="244"/>
+                </a:lnTo>
+                <a:lnTo>
+                  <a:pt x="5066" y="293"/>
+                </a:lnTo>
+                <a:lnTo>
+                  <a:pt x="5018" y="342"/>
+                </a:lnTo>
+                <a:lnTo>
+                  <a:pt x="4384" y="1316"/>
+                </a:lnTo>
+                <a:lnTo>
+                  <a:pt x="4384" y="1316"/>
+                </a:lnTo>
+                <a:lnTo>
+                  <a:pt x="4165" y="1292"/>
+                </a:lnTo>
+                <a:lnTo>
+                  <a:pt x="3970" y="1292"/>
+                </a:lnTo>
+                <a:lnTo>
+                  <a:pt x="3483" y="244"/>
+                </a:lnTo>
+                <a:lnTo>
+                  <a:pt x="3483" y="244"/>
+                </a:lnTo>
+                <a:lnTo>
+                  <a:pt x="3435" y="171"/>
+                </a:lnTo>
+                <a:lnTo>
+                  <a:pt x="3386" y="123"/>
+                </a:lnTo>
+                <a:lnTo>
+                  <a:pt x="3264" y="50"/>
+                </a:lnTo>
+                <a:lnTo>
+                  <a:pt x="3118" y="1"/>
+                </a:lnTo>
+                <a:lnTo>
+                  <a:pt x="3045" y="1"/>
+                </a:lnTo>
+                <a:lnTo>
+                  <a:pt x="2972" y="25"/>
+                </a:lnTo>
+                <a:lnTo>
+                  <a:pt x="2436" y="196"/>
+                </a:lnTo>
+                <a:lnTo>
+                  <a:pt x="2436" y="196"/>
+                </a:lnTo>
+                <a:lnTo>
+                  <a:pt x="2363" y="220"/>
+                </a:lnTo>
+                <a:lnTo>
+                  <a:pt x="2290" y="269"/>
+                </a:lnTo>
+                <a:lnTo>
+                  <a:pt x="2192" y="391"/>
+                </a:lnTo>
+                <a:lnTo>
+                  <a:pt x="2144" y="537"/>
+                </a:lnTo>
+                <a:lnTo>
+                  <a:pt x="2144" y="610"/>
+                </a:lnTo>
+                <a:lnTo>
+                  <a:pt x="2144" y="683"/>
+                </a:lnTo>
+                <a:lnTo>
+                  <a:pt x="2387" y="1828"/>
+                </a:lnTo>
+                <a:lnTo>
+                  <a:pt x="2387" y="1828"/>
+                </a:lnTo>
+                <a:lnTo>
+                  <a:pt x="2217" y="1949"/>
+                </a:lnTo>
+                <a:lnTo>
+                  <a:pt x="2071" y="2095"/>
+                </a:lnTo>
+                <a:lnTo>
+                  <a:pt x="999" y="1681"/>
+                </a:lnTo>
+                <a:lnTo>
+                  <a:pt x="999" y="1681"/>
+                </a:lnTo>
+                <a:lnTo>
+                  <a:pt x="926" y="1681"/>
+                </a:lnTo>
+                <a:lnTo>
+                  <a:pt x="829" y="1657"/>
+                </a:lnTo>
+                <a:lnTo>
+                  <a:pt x="682" y="1706"/>
+                </a:lnTo>
+                <a:lnTo>
+                  <a:pt x="561" y="1779"/>
+                </a:lnTo>
+                <a:lnTo>
+                  <a:pt x="512" y="1828"/>
+                </a:lnTo>
+                <a:lnTo>
+                  <a:pt x="463" y="1901"/>
+                </a:lnTo>
+                <a:lnTo>
+                  <a:pt x="220" y="2388"/>
+                </a:lnTo>
+                <a:lnTo>
+                  <a:pt x="220" y="2388"/>
+                </a:lnTo>
+                <a:lnTo>
+                  <a:pt x="195" y="2461"/>
+                </a:lnTo>
+                <a:lnTo>
+                  <a:pt x="171" y="2534"/>
+                </a:lnTo>
+                <a:lnTo>
+                  <a:pt x="195" y="2704"/>
+                </a:lnTo>
+                <a:lnTo>
+                  <a:pt x="244" y="2826"/>
+                </a:lnTo>
+                <a:lnTo>
+                  <a:pt x="293" y="2899"/>
+                </a:lnTo>
+                <a:lnTo>
+                  <a:pt x="366" y="2948"/>
+                </a:lnTo>
+                <a:lnTo>
+                  <a:pt x="1340" y="3581"/>
+                </a:lnTo>
+                <a:lnTo>
+                  <a:pt x="1340" y="3581"/>
+                </a:lnTo>
+                <a:lnTo>
+                  <a:pt x="1316" y="3776"/>
+                </a:lnTo>
+                <a:lnTo>
+                  <a:pt x="1291" y="3995"/>
+                </a:lnTo>
+                <a:lnTo>
+                  <a:pt x="244" y="4482"/>
+                </a:lnTo>
+                <a:lnTo>
+                  <a:pt x="244" y="4482"/>
+                </a:lnTo>
+                <a:lnTo>
+                  <a:pt x="195" y="4507"/>
+                </a:lnTo>
+                <a:lnTo>
+                  <a:pt x="122" y="4555"/>
+                </a:lnTo>
+                <a:lnTo>
+                  <a:pt x="49" y="4701"/>
+                </a:lnTo>
+                <a:lnTo>
+                  <a:pt x="0" y="4848"/>
+                </a:lnTo>
+                <a:lnTo>
+                  <a:pt x="25" y="4921"/>
+                </a:lnTo>
+                <a:lnTo>
+                  <a:pt x="25" y="4994"/>
+                </a:lnTo>
+                <a:lnTo>
+                  <a:pt x="220" y="5530"/>
+                </a:lnTo>
+                <a:lnTo>
+                  <a:pt x="220" y="5530"/>
+                </a:lnTo>
+                <a:lnTo>
+                  <a:pt x="244" y="5578"/>
+                </a:lnTo>
+                <a:lnTo>
+                  <a:pt x="293" y="5651"/>
+                </a:lnTo>
+                <a:lnTo>
+                  <a:pt x="390" y="5749"/>
+                </a:lnTo>
+                <a:lnTo>
+                  <a:pt x="536" y="5797"/>
+                </a:lnTo>
+                <a:lnTo>
+                  <a:pt x="609" y="5797"/>
+                </a:lnTo>
+                <a:lnTo>
+                  <a:pt x="682" y="5797"/>
+                </a:lnTo>
+                <a:lnTo>
+                  <a:pt x="1827" y="5554"/>
+                </a:lnTo>
+                <a:lnTo>
+                  <a:pt x="1827" y="5554"/>
+                </a:lnTo>
+                <a:lnTo>
+                  <a:pt x="1949" y="5724"/>
+                </a:lnTo>
+                <a:lnTo>
+                  <a:pt x="2095" y="5870"/>
+                </a:lnTo>
+                <a:lnTo>
+                  <a:pt x="1705" y="6966"/>
+                </a:lnTo>
+                <a:lnTo>
+                  <a:pt x="1705" y="6966"/>
+                </a:lnTo>
+                <a:lnTo>
+                  <a:pt x="1681" y="7040"/>
+                </a:lnTo>
+                <a:lnTo>
+                  <a:pt x="1681" y="7113"/>
+                </a:lnTo>
+                <a:lnTo>
+                  <a:pt x="1705" y="7259"/>
+                </a:lnTo>
+                <a:lnTo>
+                  <a:pt x="1778" y="7380"/>
+                </a:lnTo>
+                <a:lnTo>
+                  <a:pt x="1851" y="7429"/>
+                </a:lnTo>
+                <a:lnTo>
+                  <a:pt x="1900" y="7478"/>
+                </a:lnTo>
+                <a:lnTo>
+                  <a:pt x="2412" y="7721"/>
+                </a:lnTo>
+                <a:lnTo>
+                  <a:pt x="2412" y="7721"/>
+                </a:lnTo>
+                <a:lnTo>
+                  <a:pt x="2485" y="7770"/>
+                </a:lnTo>
+                <a:lnTo>
+                  <a:pt x="2558" y="7770"/>
+                </a:lnTo>
+                <a:lnTo>
+                  <a:pt x="2704" y="7770"/>
+                </a:lnTo>
+                <a:lnTo>
+                  <a:pt x="2850" y="7697"/>
+                </a:lnTo>
+                <a:lnTo>
+                  <a:pt x="2899" y="7648"/>
+                </a:lnTo>
+                <a:lnTo>
+                  <a:pt x="2947" y="7600"/>
+                </a:lnTo>
+                <a:lnTo>
+                  <a:pt x="3581" y="6625"/>
+                </a:lnTo>
+                <a:lnTo>
+                  <a:pt x="3581" y="6625"/>
+                </a:lnTo>
+                <a:lnTo>
+                  <a:pt x="3800" y="6650"/>
+                </a:lnTo>
+                <a:lnTo>
+                  <a:pt x="3995" y="6650"/>
+                </a:lnTo>
+                <a:lnTo>
+                  <a:pt x="4482" y="7697"/>
+                </a:lnTo>
+                <a:lnTo>
+                  <a:pt x="4482" y="7697"/>
+                </a:lnTo>
+                <a:lnTo>
+                  <a:pt x="4531" y="7770"/>
+                </a:lnTo>
+                <a:lnTo>
+                  <a:pt x="4579" y="7819"/>
+                </a:lnTo>
+                <a:lnTo>
+                  <a:pt x="4701" y="7892"/>
+                </a:lnTo>
+                <a:lnTo>
+                  <a:pt x="4847" y="7941"/>
+                </a:lnTo>
+                <a:lnTo>
+                  <a:pt x="4920" y="7941"/>
+                </a:lnTo>
+                <a:lnTo>
+                  <a:pt x="4993" y="7916"/>
+                </a:lnTo>
+                <a:lnTo>
+                  <a:pt x="5529" y="7746"/>
+                </a:lnTo>
+                <a:lnTo>
+                  <a:pt x="5529" y="7746"/>
+                </a:lnTo>
+                <a:lnTo>
+                  <a:pt x="5602" y="7721"/>
+                </a:lnTo>
+                <a:lnTo>
+                  <a:pt x="5651" y="7673"/>
+                </a:lnTo>
+                <a:lnTo>
+                  <a:pt x="5748" y="7551"/>
+                </a:lnTo>
+                <a:lnTo>
+                  <a:pt x="5821" y="7405"/>
+                </a:lnTo>
+                <a:lnTo>
+                  <a:pt x="5821" y="7332"/>
+                </a:lnTo>
+                <a:lnTo>
+                  <a:pt x="5821" y="7259"/>
+                </a:lnTo>
+                <a:lnTo>
+                  <a:pt x="5578" y="6114"/>
+                </a:lnTo>
+                <a:lnTo>
+                  <a:pt x="5578" y="6114"/>
+                </a:lnTo>
+                <a:lnTo>
+                  <a:pt x="5724" y="5992"/>
+                </a:lnTo>
+                <a:lnTo>
+                  <a:pt x="5894" y="5846"/>
+                </a:lnTo>
+                <a:lnTo>
+                  <a:pt x="6966" y="6260"/>
+                </a:lnTo>
+                <a:lnTo>
+                  <a:pt x="6966" y="6260"/>
+                </a:lnTo>
+                <a:lnTo>
+                  <a:pt x="7039" y="6260"/>
+                </a:lnTo>
+                <a:lnTo>
+                  <a:pt x="7112" y="6285"/>
+                </a:lnTo>
+                <a:lnTo>
+                  <a:pt x="7258" y="6236"/>
+                </a:lnTo>
+                <a:lnTo>
+                  <a:pt x="7404" y="6163"/>
+                </a:lnTo>
+                <a:lnTo>
+                  <a:pt x="7453" y="6114"/>
+                </a:lnTo>
+                <a:lnTo>
+                  <a:pt x="7502" y="6041"/>
+                </a:lnTo>
+                <a:lnTo>
+                  <a:pt x="7745" y="5530"/>
+                </a:lnTo>
+                <a:lnTo>
+                  <a:pt x="7745" y="5530"/>
+                </a:lnTo>
+                <a:lnTo>
+                  <a:pt x="7770" y="5481"/>
+                </a:lnTo>
+                <a:lnTo>
+                  <a:pt x="7794" y="5383"/>
+                </a:lnTo>
+                <a:lnTo>
+                  <a:pt x="7770" y="5237"/>
+                </a:lnTo>
+                <a:lnTo>
+                  <a:pt x="7697" y="5115"/>
+                </a:lnTo>
+                <a:lnTo>
+                  <a:pt x="7648" y="5042"/>
+                </a:lnTo>
+                <a:lnTo>
+                  <a:pt x="7599" y="4994"/>
+                </a:lnTo>
+                <a:lnTo>
+                  <a:pt x="6625" y="4360"/>
+                </a:lnTo>
+                <a:lnTo>
+                  <a:pt x="6625" y="4360"/>
+                </a:lnTo>
+                <a:lnTo>
+                  <a:pt x="6649" y="4166"/>
+                </a:lnTo>
+                <a:lnTo>
+                  <a:pt x="6649" y="3946"/>
+                </a:lnTo>
+                <a:lnTo>
+                  <a:pt x="7697" y="3459"/>
+                </a:lnTo>
+                <a:lnTo>
+                  <a:pt x="7697" y="3459"/>
+                </a:lnTo>
+                <a:lnTo>
+                  <a:pt x="7770" y="3435"/>
+                </a:lnTo>
+                <a:lnTo>
+                  <a:pt x="7843" y="3386"/>
+                </a:lnTo>
+                <a:lnTo>
+                  <a:pt x="7916" y="3240"/>
+                </a:lnTo>
+                <a:lnTo>
+                  <a:pt x="7940" y="3094"/>
+                </a:lnTo>
+                <a:lnTo>
+                  <a:pt x="7940" y="3021"/>
+                </a:lnTo>
+                <a:lnTo>
+                  <a:pt x="7940" y="2948"/>
+                </a:lnTo>
+                <a:lnTo>
+                  <a:pt x="7745" y="2412"/>
+                </a:lnTo>
+                <a:lnTo>
+                  <a:pt x="7745" y="2412"/>
+                </a:lnTo>
+                <a:lnTo>
+                  <a:pt x="7721" y="2339"/>
+                </a:lnTo>
+                <a:lnTo>
+                  <a:pt x="7672" y="2290"/>
+                </a:lnTo>
+                <a:lnTo>
+                  <a:pt x="7551" y="2193"/>
+                </a:lnTo>
+                <a:lnTo>
+                  <a:pt x="7429" y="2144"/>
+                </a:lnTo>
+                <a:lnTo>
+                  <a:pt x="7356" y="2144"/>
+                </a:lnTo>
+                <a:lnTo>
+                  <a:pt x="7258" y="2144"/>
+                </a:lnTo>
+                <a:lnTo>
+                  <a:pt x="7258" y="2144"/>
+                </a:lnTo>
+                <a:close/>
+                <a:moveTo>
+                  <a:pt x="5480" y="4726"/>
+                </a:moveTo>
+                <a:lnTo>
+                  <a:pt x="5480" y="4726"/>
+                </a:lnTo>
+                <a:lnTo>
+                  <a:pt x="5383" y="4872"/>
+                </a:lnTo>
+                <a:lnTo>
+                  <a:pt x="5286" y="4994"/>
+                </a:lnTo>
+                <a:lnTo>
+                  <a:pt x="5188" y="5140"/>
+                </a:lnTo>
+                <a:lnTo>
+                  <a:pt x="5066" y="5237"/>
+                </a:lnTo>
+                <a:lnTo>
+                  <a:pt x="4945" y="5335"/>
+                </a:lnTo>
+                <a:lnTo>
+                  <a:pt x="4798" y="5432"/>
+                </a:lnTo>
+                <a:lnTo>
+                  <a:pt x="4652" y="5505"/>
+                </a:lnTo>
+                <a:lnTo>
+                  <a:pt x="4506" y="5554"/>
+                </a:lnTo>
+                <a:lnTo>
+                  <a:pt x="4360" y="5603"/>
+                </a:lnTo>
+                <a:lnTo>
+                  <a:pt x="4190" y="5627"/>
+                </a:lnTo>
+                <a:lnTo>
+                  <a:pt x="4043" y="5651"/>
+                </a:lnTo>
+                <a:lnTo>
+                  <a:pt x="3873" y="5627"/>
+                </a:lnTo>
+                <a:lnTo>
+                  <a:pt x="3702" y="5627"/>
+                </a:lnTo>
+                <a:lnTo>
+                  <a:pt x="3556" y="5578"/>
+                </a:lnTo>
+                <a:lnTo>
+                  <a:pt x="3386" y="5530"/>
+                </a:lnTo>
+                <a:lnTo>
+                  <a:pt x="3240" y="5456"/>
+                </a:lnTo>
+                <a:lnTo>
+                  <a:pt x="3240" y="5456"/>
+                </a:lnTo>
+                <a:lnTo>
+                  <a:pt x="3094" y="5383"/>
+                </a:lnTo>
+                <a:lnTo>
+                  <a:pt x="2947" y="5286"/>
+                </a:lnTo>
+                <a:lnTo>
+                  <a:pt x="2826" y="5164"/>
+                </a:lnTo>
+                <a:lnTo>
+                  <a:pt x="2704" y="5067"/>
+                </a:lnTo>
+                <a:lnTo>
+                  <a:pt x="2606" y="4921"/>
+                </a:lnTo>
+                <a:lnTo>
+                  <a:pt x="2533" y="4799"/>
+                </a:lnTo>
+                <a:lnTo>
+                  <a:pt x="2460" y="4653"/>
+                </a:lnTo>
+                <a:lnTo>
+                  <a:pt x="2387" y="4507"/>
+                </a:lnTo>
+                <a:lnTo>
+                  <a:pt x="2363" y="4336"/>
+                </a:lnTo>
+                <a:lnTo>
+                  <a:pt x="2314" y="4190"/>
+                </a:lnTo>
+                <a:lnTo>
+                  <a:pt x="2314" y="4020"/>
+                </a:lnTo>
+                <a:lnTo>
+                  <a:pt x="2314" y="3873"/>
+                </a:lnTo>
+                <a:lnTo>
+                  <a:pt x="2339" y="3703"/>
+                </a:lnTo>
+                <a:lnTo>
+                  <a:pt x="2363" y="3532"/>
+                </a:lnTo>
+                <a:lnTo>
+                  <a:pt x="2412" y="3386"/>
+                </a:lnTo>
+                <a:lnTo>
+                  <a:pt x="2485" y="3216"/>
+                </a:lnTo>
+                <a:lnTo>
+                  <a:pt x="2485" y="3216"/>
+                </a:lnTo>
+                <a:lnTo>
+                  <a:pt x="2582" y="3070"/>
+                </a:lnTo>
+                <a:lnTo>
+                  <a:pt x="2680" y="2948"/>
+                </a:lnTo>
+                <a:lnTo>
+                  <a:pt x="2777" y="2802"/>
+                </a:lnTo>
+                <a:lnTo>
+                  <a:pt x="2899" y="2704"/>
+                </a:lnTo>
+                <a:lnTo>
+                  <a:pt x="3020" y="2607"/>
+                </a:lnTo>
+                <a:lnTo>
+                  <a:pt x="3167" y="2509"/>
+                </a:lnTo>
+                <a:lnTo>
+                  <a:pt x="3313" y="2436"/>
+                </a:lnTo>
+                <a:lnTo>
+                  <a:pt x="3459" y="2388"/>
+                </a:lnTo>
+                <a:lnTo>
+                  <a:pt x="3605" y="2339"/>
+                </a:lnTo>
+                <a:lnTo>
+                  <a:pt x="3775" y="2315"/>
+                </a:lnTo>
+                <a:lnTo>
+                  <a:pt x="3922" y="2290"/>
+                </a:lnTo>
+                <a:lnTo>
+                  <a:pt x="4092" y="2315"/>
+                </a:lnTo>
+                <a:lnTo>
+                  <a:pt x="4263" y="2315"/>
+                </a:lnTo>
+                <a:lnTo>
+                  <a:pt x="4409" y="2363"/>
+                </a:lnTo>
+                <a:lnTo>
+                  <a:pt x="4579" y="2412"/>
+                </a:lnTo>
+                <a:lnTo>
+                  <a:pt x="4725" y="2485"/>
+                </a:lnTo>
+                <a:lnTo>
+                  <a:pt x="4725" y="2485"/>
+                </a:lnTo>
+                <a:lnTo>
+                  <a:pt x="4871" y="2558"/>
+                </a:lnTo>
+                <a:lnTo>
+                  <a:pt x="5018" y="2656"/>
+                </a:lnTo>
+                <a:lnTo>
+                  <a:pt x="5139" y="2777"/>
+                </a:lnTo>
+                <a:lnTo>
+                  <a:pt x="5261" y="2875"/>
+                </a:lnTo>
+                <a:lnTo>
+                  <a:pt x="5359" y="3021"/>
+                </a:lnTo>
+                <a:lnTo>
+                  <a:pt x="5432" y="3143"/>
+                </a:lnTo>
+                <a:lnTo>
+                  <a:pt x="5505" y="3289"/>
+                </a:lnTo>
+                <a:lnTo>
+                  <a:pt x="5578" y="3435"/>
+                </a:lnTo>
+                <a:lnTo>
+                  <a:pt x="5602" y="3605"/>
+                </a:lnTo>
+                <a:lnTo>
+                  <a:pt x="5626" y="3752"/>
+                </a:lnTo>
+                <a:lnTo>
+                  <a:pt x="5651" y="3922"/>
+                </a:lnTo>
+                <a:lnTo>
+                  <a:pt x="5651" y="4068"/>
+                </a:lnTo>
+                <a:lnTo>
+                  <a:pt x="5626" y="4239"/>
+                </a:lnTo>
+                <a:lnTo>
+                  <a:pt x="5602" y="4409"/>
+                </a:lnTo>
+                <a:lnTo>
+                  <a:pt x="5553" y="4555"/>
+                </a:lnTo>
+                <a:lnTo>
+                  <a:pt x="5480" y="4726"/>
+                </a:lnTo>
+                <a:lnTo>
+                  <a:pt x="5480" y="4726"/>
+                </a:lnTo>
+                <a:close/>
+              </a:path>
+            </a:pathLst>
+          </a:custGeom>
+          <a:solidFill>
+            <a:schemeClr val="tx1">
+              <a:lumMod val="95000"/>
+              <a:lumOff val="5000"/>
+            </a:schemeClr>
+          </a:solidFill>
+          <a:ln w="38100" cap="rnd" cmpd="sng">
+            <a:solidFill>
+              <a:schemeClr val="bg1"/>
+            </a:solidFill>
+            <a:prstDash val="solid"/>
+            <a:round/>
+            <a:headEnd type="none" w="sm" len="sm"/>
+            <a:tailEnd type="none" w="sm" len="sm"/>
+          </a:ln>
+        </p:spPr>
+        <p:txBody>
+          <a:bodyPr spcFirstLastPara="1" wrap="square" lIns="91425" tIns="91425" rIns="91425" bIns="91425" anchor="ctr" anchorCtr="0">
+            <a:noAutofit/>
+          </a:bodyPr>
+          <a:lstStyle/>
+          <a:p>
+            <a:pPr marL="0" marR="0" lvl="0" indent="0" defTabSz="914400" eaLnBrk="1" fontAlgn="auto" latinLnBrk="0" hangingPunct="1">
+              <a:lnSpc>
+                <a:spcPct val="100000"/>
+              </a:lnSpc>
+              <a:spcBef>
+                <a:spcPts val="0"/>
+              </a:spcBef>
+              <a:spcAft>
+                <a:spcPts val="0"/>
+              </a:spcAft>
+              <a:buClr>
+                <a:srgbClr val="000000"/>
+              </a:buClr>
+              <a:buSzTx/>
+              <a:buFont typeface="Arial"/>
+              <a:buNone/>
+              <a:tabLst/>
+              <a:defRPr/>
+            </a:pPr>
+            <a:endParaRPr kumimoji="0" sz="1400" b="0" i="0" u="none" strike="noStrike" kern="0" cap="none" spc="0" normalizeH="0" baseline="0" noProof="0" smtClean="0">
+              <a:ln>
+                <a:noFill/>
+              </a:ln>
+              <a:solidFill>
+                <a:srgbClr val="000000"/>
+              </a:solidFill>
+              <a:effectLst/>
+              <a:uLnTx/>
+              <a:uFillTx/>
+              <a:latin typeface="Arial"/>
+              <a:cs typeface="Arial"/>
+              <a:sym typeface="Arial"/>
+            </a:endParaRPr>
+          </a:p>
+        </p:txBody>
+      </p:sp>
+      <p:sp>
+        <p:nvSpPr>
+          <p:cNvPr id="23" name="Rectangle 22"/>
+          <p:cNvSpPr/>
+          <p:nvPr/>
+        </p:nvSpPr>
+        <p:spPr>
+          <a:xfrm>
+            <a:off x="10947400" y="-15830"/>
+            <a:ext cx="546100" cy="6874178"/>
+          </a:xfrm>
+          <a:prstGeom prst="rect">
+            <a:avLst/>
+          </a:prstGeom>
+          <a:solidFill>
+            <a:schemeClr val="accent4">
+              <a:lumMod val="20000"/>
+              <a:lumOff val="80000"/>
+            </a:schemeClr>
+          </a:solidFill>
+          <a:ln>
+            <a:solidFill>
+              <a:schemeClr val="bg1"/>
+            </a:solidFill>
+          </a:ln>
+        </p:spPr>
+        <p:style>
+          <a:lnRef idx="2">
+            <a:schemeClr val="accent1">
+              <a:shade val="50000"/>
+            </a:schemeClr>
+          </a:lnRef>
+          <a:fillRef idx="1">
+            <a:schemeClr val="accent1"/>
+          </a:fillRef>
+          <a:effectRef idx="0">
+            <a:schemeClr val="accent1"/>
+          </a:effectRef>
+          <a:fontRef idx="minor">
+            <a:schemeClr val="lt1"/>
+          </a:fontRef>
+        </p:style>
+        <p:txBody>
+          <a:bodyPr rtlCol="0" anchor="ctr"/>
+          <a:lstStyle/>
+          <a:p>
+            <a:pPr algn="ctr"/>
+            <a:endParaRPr lang="en-US"/>
+          </a:p>
+        </p:txBody>
+      </p:sp>
+      <p:sp>
+        <p:nvSpPr>
+          <p:cNvPr id="25" name="Rectangle 24"/>
+          <p:cNvSpPr/>
+          <p:nvPr/>
+        </p:nvSpPr>
+        <p:spPr>
+          <a:xfrm>
+            <a:off x="10109508" y="-16178"/>
+            <a:ext cx="546100" cy="6874178"/>
+          </a:xfrm>
+          <a:prstGeom prst="rect">
+            <a:avLst/>
+          </a:prstGeom>
+          <a:solidFill>
+            <a:schemeClr val="accent4">
+              <a:lumMod val="20000"/>
+              <a:lumOff val="80000"/>
+            </a:schemeClr>
+          </a:solidFill>
+          <a:ln>
+            <a:solidFill>
+              <a:schemeClr val="bg1"/>
+            </a:solidFill>
+          </a:ln>
+        </p:spPr>
+        <p:style>
+          <a:lnRef idx="2">
+            <a:schemeClr val="accent1">
+              <a:shade val="50000"/>
+            </a:schemeClr>
+          </a:lnRef>
+          <a:fillRef idx="1">
+            <a:schemeClr val="accent1"/>
+          </a:fillRef>
+          <a:effectRef idx="0">
+            <a:schemeClr val="accent1"/>
+          </a:effectRef>
+          <a:fontRef idx="minor">
+            <a:schemeClr val="lt1"/>
+          </a:fontRef>
+        </p:style>
+        <p:txBody>
+          <a:bodyPr rtlCol="0" anchor="ctr"/>
+          <a:lstStyle/>
+          <a:p>
+            <a:pPr algn="ctr"/>
+            <a:endParaRPr lang="en-US"/>
+          </a:p>
+        </p:txBody>
+      </p:sp>
+      <p:sp>
+        <p:nvSpPr>
+          <p:cNvPr id="28" name="TextBox 27"/>
+          <p:cNvSpPr txBox="1"/>
+          <p:nvPr/>
+        </p:nvSpPr>
+        <p:spPr>
+          <a:xfrm>
+            <a:off x="3615830" y="1002265"/>
+            <a:ext cx="3958467" cy="923330"/>
+          </a:xfrm>
+          <a:prstGeom prst="rect">
+            <a:avLst/>
+          </a:prstGeom>
+          <a:noFill/>
+        </p:spPr>
+        <p:txBody>
+          <a:bodyPr wrap="square" rtlCol="0">
+            <a:spAutoFit/>
+          </a:bodyPr>
+          <a:lstStyle/>
+          <a:p>
+            <a:r>
+              <a:rPr lang="en-US" sz="5400" dirty="0" smtClean="0">
+                <a:solidFill>
+                  <a:schemeClr val="bg1"/>
+                </a:solidFill>
+                <a:latin typeface="Times New Roman" panose="02020603050405020304" pitchFamily="18" charset="0"/>
+                <a:cs typeface="Times New Roman" panose="02020603050405020304" pitchFamily="18" charset="0"/>
+              </a:rPr>
+              <a:t>Components</a:t>
+            </a:r>
+            <a:endParaRPr lang="en-US" sz="5400" dirty="0">
+              <a:solidFill>
+                <a:schemeClr val="bg1"/>
+              </a:solidFill>
+              <a:latin typeface="Times New Roman" panose="02020603050405020304" pitchFamily="18" charset="0"/>
+              <a:cs typeface="Times New Roman" panose="02020603050405020304" pitchFamily="18" charset="0"/>
+            </a:endParaRPr>
+          </a:p>
+        </p:txBody>
+      </p:sp>
+      <p:sp>
+        <p:nvSpPr>
+          <p:cNvPr id="29" name="TextBox 28"/>
+          <p:cNvSpPr txBox="1"/>
+          <p:nvPr/>
+        </p:nvSpPr>
+        <p:spPr>
+          <a:xfrm>
+            <a:off x="3797300" y="2403189"/>
+            <a:ext cx="4561844" cy="3046988"/>
+          </a:xfrm>
+          <a:prstGeom prst="rect">
+            <a:avLst/>
+          </a:prstGeom>
+          <a:noFill/>
+        </p:spPr>
+        <p:txBody>
+          <a:bodyPr wrap="square" rtlCol="0">
+            <a:spAutoFit/>
+          </a:bodyPr>
+          <a:lstStyle/>
+          <a:p>
+            <a:pPr marL="285750" indent="-285750">
+              <a:buFont typeface="Arial" panose="020B0604020202020204" pitchFamily="34" charset="0"/>
+              <a:buChar char="•"/>
+            </a:pPr>
+            <a:r>
+              <a:rPr lang="en-US" sz="4800" dirty="0" smtClean="0">
+                <a:solidFill>
+                  <a:schemeClr val="bg1"/>
+                </a:solidFill>
+                <a:latin typeface="Times New Roman" panose="02020603050405020304" pitchFamily="18" charset="0"/>
+                <a:cs typeface="Times New Roman" panose="02020603050405020304" pitchFamily="18" charset="0"/>
+              </a:rPr>
+              <a:t>Needs</a:t>
+            </a:r>
+          </a:p>
+          <a:p>
+            <a:pPr marL="285750" indent="-285750">
+              <a:buFont typeface="Arial" panose="020B0604020202020204" pitchFamily="34" charset="0"/>
+              <a:buChar char="•"/>
+            </a:pPr>
+            <a:r>
+              <a:rPr lang="en-US" sz="4800" dirty="0" smtClean="0">
+                <a:solidFill>
+                  <a:schemeClr val="bg1"/>
+                </a:solidFill>
+                <a:latin typeface="Times New Roman" panose="02020603050405020304" pitchFamily="18" charset="0"/>
+                <a:cs typeface="Times New Roman" panose="02020603050405020304" pitchFamily="18" charset="0"/>
+              </a:rPr>
+              <a:t>Inputs</a:t>
+            </a:r>
+          </a:p>
+          <a:p>
+            <a:pPr marL="285750" indent="-285750">
+              <a:buFont typeface="Arial" panose="020B0604020202020204" pitchFamily="34" charset="0"/>
+              <a:buChar char="•"/>
+            </a:pPr>
+            <a:r>
+              <a:rPr lang="en-US" sz="4800" dirty="0" smtClean="0">
+                <a:solidFill>
+                  <a:schemeClr val="bg1"/>
+                </a:solidFill>
+                <a:latin typeface="Times New Roman" panose="02020603050405020304" pitchFamily="18" charset="0"/>
+                <a:cs typeface="Times New Roman" panose="02020603050405020304" pitchFamily="18" charset="0"/>
+              </a:rPr>
+              <a:t>Activities</a:t>
+            </a:r>
+          </a:p>
+          <a:p>
+            <a:pPr marL="285750" indent="-285750">
+              <a:buFont typeface="Arial" panose="020B0604020202020204" pitchFamily="34" charset="0"/>
+              <a:buChar char="•"/>
+            </a:pPr>
+            <a:r>
+              <a:rPr lang="en-US" sz="4800" dirty="0" smtClean="0">
+                <a:solidFill>
+                  <a:schemeClr val="bg1"/>
+                </a:solidFill>
+                <a:latin typeface="Times New Roman" panose="02020603050405020304" pitchFamily="18" charset="0"/>
+                <a:cs typeface="Times New Roman" panose="02020603050405020304" pitchFamily="18" charset="0"/>
+              </a:rPr>
+              <a:t>Outcomes</a:t>
+            </a:r>
+            <a:endParaRPr lang="en-US" sz="4800" dirty="0">
+              <a:solidFill>
+                <a:schemeClr val="bg1"/>
+              </a:solidFill>
+              <a:latin typeface="Times New Roman" panose="02020603050405020304" pitchFamily="18" charset="0"/>
+              <a:cs typeface="Times New Roman" panose="02020603050405020304" pitchFamily="18" charset="0"/>
+            </a:endParaRPr>
+          </a:p>
+        </p:txBody>
+      </p:sp>
+    </p:spTree>
+    <p:extLst>
+      <p:ext uri="{BB962C8B-B14F-4D97-AF65-F5344CB8AC3E}">
+        <p14:creationId xmlns:p14="http://schemas.microsoft.com/office/powerpoint/2010/main" val="491412452"/>
+      </p:ext>
+    </p:extLst>
+  </p:cSld>
+  <p:clrMapOvr>
+    <a:masterClrMapping/>
+  </p:clrMapOvr>
+  <p:timing>
+    <p:tnLst>
+      <p:par>
+        <p:cTn id="1" dur="indefinite" restart="never" nodeType="tmRoot">
+          <p:childTnLst>
+            <p:seq concurrent="1" nextAc="seek">
+              <p:cTn id="2" dur="indefinite" nodeType="mainSeq">
+                <p:childTnLst>
+                  <p:par>
+                    <p:cTn id="3" fill="hold">
+                      <p:stCondLst>
+                        <p:cond delay="indefinite"/>
+                        <p:cond evt="onBegin" delay="0">
+                          <p:tn val="2"/>
+                        </p:cond>
+                      </p:stCondLst>
+                      <p:childTnLst>
+                        <p:par>
+                          <p:cTn id="4" fill="hold">
+                            <p:stCondLst>
+                              <p:cond delay="0"/>
+                            </p:stCondLst>
+                            <p:childTnLst>
+                              <p:par>
+                                <p:cTn id="5" presetID="10" presetClass="entr" presetSubtype="0" fill="hold" grpId="0" nodeType="afterEffect">
+                                  <p:stCondLst>
+                                    <p:cond delay="0"/>
+                                  </p:stCondLst>
+                                  <p:childTnLst>
+                                    <p:set>
+                                      <p:cBhvr>
+                                        <p:cTn id="6" dur="1" fill="hold">
+                                          <p:stCondLst>
+                                            <p:cond delay="0"/>
+                                          </p:stCondLst>
+                                        </p:cTn>
+                                        <p:tgtEl>
+                                          <p:spTgt spid="5"/>
+                                        </p:tgtEl>
+                                        <p:attrNameLst>
+                                          <p:attrName>style.visibility</p:attrName>
+                                        </p:attrNameLst>
+                                      </p:cBhvr>
+                                      <p:to>
+                                        <p:strVal val="visible"/>
+                                      </p:to>
+                                    </p:set>
+                                    <p:animEffect transition="in" filter="fade">
+                                      <p:cBhvr>
+                                        <p:cTn id="7" dur="250"/>
+                                        <p:tgtEl>
+                                          <p:spTgt spid="5"/>
+                                        </p:tgtEl>
+                                      </p:cBhvr>
+                                    </p:animEffect>
+                                  </p:childTnLst>
+                                </p:cTn>
+                              </p:par>
+                            </p:childTnLst>
+                          </p:cTn>
+                        </p:par>
+                        <p:par>
+                          <p:cTn id="8" fill="hold">
+                            <p:stCondLst>
+                              <p:cond delay="250"/>
+                            </p:stCondLst>
+                            <p:childTnLst>
+                              <p:par>
+                                <p:cTn id="9" presetID="10" presetClass="entr" presetSubtype="0" fill="hold" grpId="0" nodeType="afterEffect">
+                                  <p:stCondLst>
+                                    <p:cond delay="0"/>
+                                  </p:stCondLst>
+                                  <p:childTnLst>
+                                    <p:set>
+                                      <p:cBhvr>
+                                        <p:cTn id="10" dur="1" fill="hold">
+                                          <p:stCondLst>
+                                            <p:cond delay="0"/>
+                                          </p:stCondLst>
+                                        </p:cTn>
+                                        <p:tgtEl>
+                                          <p:spTgt spid="4"/>
+                                        </p:tgtEl>
+                                        <p:attrNameLst>
+                                          <p:attrName>style.visibility</p:attrName>
+                                        </p:attrNameLst>
+                                      </p:cBhvr>
+                                      <p:to>
+                                        <p:strVal val="visible"/>
+                                      </p:to>
+                                    </p:set>
+                                    <p:animEffect transition="in" filter="fade">
+                                      <p:cBhvr>
+                                        <p:cTn id="11" dur="250"/>
+                                        <p:tgtEl>
+                                          <p:spTgt spid="4"/>
+                                        </p:tgtEl>
+                                      </p:cBhvr>
+                                    </p:animEffect>
+                                  </p:childTnLst>
+                                </p:cTn>
+                              </p:par>
+                            </p:childTnLst>
+                          </p:cTn>
+                        </p:par>
+                        <p:par>
+                          <p:cTn id="12" fill="hold">
+                            <p:stCondLst>
+                              <p:cond delay="500"/>
+                            </p:stCondLst>
+                            <p:childTnLst>
+                              <p:par>
+                                <p:cTn id="13" presetID="10" presetClass="entr" presetSubtype="0" fill="hold" grpId="0" nodeType="afterEffect">
+                                  <p:stCondLst>
+                                    <p:cond delay="0"/>
+                                  </p:stCondLst>
+                                  <p:childTnLst>
+                                    <p:set>
+                                      <p:cBhvr>
+                                        <p:cTn id="14" dur="1" fill="hold">
+                                          <p:stCondLst>
+                                            <p:cond delay="0"/>
+                                          </p:stCondLst>
+                                        </p:cTn>
+                                        <p:tgtEl>
+                                          <p:spTgt spid="9"/>
+                                        </p:tgtEl>
+                                        <p:attrNameLst>
+                                          <p:attrName>style.visibility</p:attrName>
+                                        </p:attrNameLst>
+                                      </p:cBhvr>
+                                      <p:to>
+                                        <p:strVal val="visible"/>
+                                      </p:to>
+                                    </p:set>
+                                    <p:animEffect transition="in" filter="fade">
+                                      <p:cBhvr>
+                                        <p:cTn id="15" dur="250"/>
+                                        <p:tgtEl>
+                                          <p:spTgt spid="9"/>
+                                        </p:tgtEl>
+                                      </p:cBhvr>
+                                    </p:animEffect>
+                                  </p:childTnLst>
+                                </p:cTn>
+                              </p:par>
+                            </p:childTnLst>
+                          </p:cTn>
+                        </p:par>
+                        <p:par>
+                          <p:cTn id="16" fill="hold">
+                            <p:stCondLst>
+                              <p:cond delay="750"/>
+                            </p:stCondLst>
+                            <p:childTnLst>
+                              <p:par>
+                                <p:cTn id="17" presetID="10" presetClass="entr" presetSubtype="0" fill="hold" grpId="0" nodeType="afterEffect">
+                                  <p:stCondLst>
+                                    <p:cond delay="0"/>
+                                  </p:stCondLst>
+                                  <p:childTnLst>
+                                    <p:set>
+                                      <p:cBhvr>
+                                        <p:cTn id="18" dur="1" fill="hold">
+                                          <p:stCondLst>
+                                            <p:cond delay="0"/>
+                                          </p:stCondLst>
+                                        </p:cTn>
+                                        <p:tgtEl>
+                                          <p:spTgt spid="8"/>
+                                        </p:tgtEl>
+                                        <p:attrNameLst>
+                                          <p:attrName>style.visibility</p:attrName>
+                                        </p:attrNameLst>
+                                      </p:cBhvr>
+                                      <p:to>
+                                        <p:strVal val="visible"/>
+                                      </p:to>
+                                    </p:set>
+                                    <p:animEffect transition="in" filter="fade">
+                                      <p:cBhvr>
+                                        <p:cTn id="19" dur="250"/>
+                                        <p:tgtEl>
+                                          <p:spTgt spid="8"/>
+                                        </p:tgtEl>
+                                      </p:cBhvr>
+                                    </p:animEffect>
+                                  </p:childTnLst>
+                                </p:cTn>
+                              </p:par>
+                            </p:childTnLst>
+                          </p:cTn>
+                        </p:par>
+                        <p:par>
+                          <p:cTn id="20" fill="hold">
+                            <p:stCondLst>
+                              <p:cond delay="1000"/>
+                            </p:stCondLst>
+                            <p:childTnLst>
+                              <p:par>
+                                <p:cTn id="21" presetID="10" presetClass="entr" presetSubtype="0" fill="hold" grpId="0" nodeType="afterEffect">
+                                  <p:stCondLst>
+                                    <p:cond delay="0"/>
+                                  </p:stCondLst>
+                                  <p:childTnLst>
+                                    <p:set>
+                                      <p:cBhvr>
+                                        <p:cTn id="22" dur="1" fill="hold">
+                                          <p:stCondLst>
+                                            <p:cond delay="0"/>
+                                          </p:stCondLst>
+                                        </p:cTn>
+                                        <p:tgtEl>
+                                          <p:spTgt spid="7"/>
+                                        </p:tgtEl>
+                                        <p:attrNameLst>
+                                          <p:attrName>style.visibility</p:attrName>
+                                        </p:attrNameLst>
+                                      </p:cBhvr>
+                                      <p:to>
+                                        <p:strVal val="visible"/>
+                                      </p:to>
+                                    </p:set>
+                                    <p:animEffect transition="in" filter="fade">
+                                      <p:cBhvr>
+                                        <p:cTn id="23" dur="250"/>
+                                        <p:tgtEl>
+                                          <p:spTgt spid="7"/>
+                                        </p:tgtEl>
+                                      </p:cBhvr>
+                                    </p:animEffect>
+                                  </p:childTnLst>
+                                </p:cTn>
+                              </p:par>
+                            </p:childTnLst>
+                          </p:cTn>
+                        </p:par>
+                        <p:par>
+                          <p:cTn id="24" fill="hold">
+                            <p:stCondLst>
+                              <p:cond delay="1250"/>
+                            </p:stCondLst>
+                            <p:childTnLst>
+                              <p:par>
+                                <p:cTn id="25" presetID="10" presetClass="entr" presetSubtype="0" fill="hold" grpId="0" nodeType="afterEffect">
+                                  <p:stCondLst>
+                                    <p:cond delay="0"/>
+                                  </p:stCondLst>
+                                  <p:childTnLst>
+                                    <p:set>
+                                      <p:cBhvr>
+                                        <p:cTn id="26" dur="1" fill="hold">
+                                          <p:stCondLst>
+                                            <p:cond delay="0"/>
+                                          </p:stCondLst>
+                                        </p:cTn>
+                                        <p:tgtEl>
+                                          <p:spTgt spid="6"/>
+                                        </p:tgtEl>
+                                        <p:attrNameLst>
+                                          <p:attrName>style.visibility</p:attrName>
+                                        </p:attrNameLst>
+                                      </p:cBhvr>
+                                      <p:to>
+                                        <p:strVal val="visible"/>
+                                      </p:to>
+                                    </p:set>
+                                    <p:animEffect transition="in" filter="fade">
+                                      <p:cBhvr>
+                                        <p:cTn id="27" dur="250"/>
+                                        <p:tgtEl>
+                                          <p:spTgt spid="6"/>
+                                        </p:tgtEl>
+                                      </p:cBhvr>
+                                    </p:animEffect>
+                                  </p:childTnLst>
+                                </p:cTn>
+                              </p:par>
+                              <p:par>
+                                <p:cTn id="28" presetID="31" presetClass="entr" presetSubtype="0" fill="hold" grpId="0" nodeType="withEffect">
+                                  <p:stCondLst>
+                                    <p:cond delay="1500"/>
+                                  </p:stCondLst>
+                                  <p:childTnLst>
+                                    <p:set>
+                                      <p:cBhvr>
+                                        <p:cTn id="29" dur="1" fill="hold">
+                                          <p:stCondLst>
+                                            <p:cond delay="0"/>
+                                          </p:stCondLst>
+                                        </p:cTn>
+                                        <p:tgtEl>
+                                          <p:spTgt spid="18"/>
+                                        </p:tgtEl>
+                                        <p:attrNameLst>
+                                          <p:attrName>style.visibility</p:attrName>
+                                        </p:attrNameLst>
+                                      </p:cBhvr>
+                                      <p:to>
+                                        <p:strVal val="visible"/>
+                                      </p:to>
+                                    </p:set>
+                                    <p:anim calcmode="lin" valueType="num">
+                                      <p:cBhvr>
+                                        <p:cTn id="30" dur="1000" fill="hold"/>
+                                        <p:tgtEl>
+                                          <p:spTgt spid="18"/>
+                                        </p:tgtEl>
+                                        <p:attrNameLst>
+                                          <p:attrName>ppt_w</p:attrName>
+                                        </p:attrNameLst>
+                                      </p:cBhvr>
+                                      <p:tavLst>
+                                        <p:tav tm="0">
+                                          <p:val>
+                                            <p:fltVal val="0"/>
+                                          </p:val>
+                                        </p:tav>
+                                        <p:tav tm="100000">
+                                          <p:val>
+                                            <p:strVal val="#ppt_w"/>
+                                          </p:val>
+                                        </p:tav>
+                                      </p:tavLst>
+                                    </p:anim>
+                                    <p:anim calcmode="lin" valueType="num">
+                                      <p:cBhvr>
+                                        <p:cTn id="31" dur="1000" fill="hold"/>
+                                        <p:tgtEl>
+                                          <p:spTgt spid="18"/>
+                                        </p:tgtEl>
+                                        <p:attrNameLst>
+                                          <p:attrName>ppt_h</p:attrName>
+                                        </p:attrNameLst>
+                                      </p:cBhvr>
+                                      <p:tavLst>
+                                        <p:tav tm="0">
+                                          <p:val>
+                                            <p:fltVal val="0"/>
+                                          </p:val>
+                                        </p:tav>
+                                        <p:tav tm="100000">
+                                          <p:val>
+                                            <p:strVal val="#ppt_h"/>
+                                          </p:val>
+                                        </p:tav>
+                                      </p:tavLst>
+                                    </p:anim>
+                                    <p:anim calcmode="lin" valueType="num">
+                                      <p:cBhvr>
+                                        <p:cTn id="32" dur="1000" fill="hold"/>
+                                        <p:tgtEl>
+                                          <p:spTgt spid="18"/>
+                                        </p:tgtEl>
+                                        <p:attrNameLst>
+                                          <p:attrName>style.rotation</p:attrName>
+                                        </p:attrNameLst>
+                                      </p:cBhvr>
+                                      <p:tavLst>
+                                        <p:tav tm="0">
+                                          <p:val>
+                                            <p:fltVal val="90"/>
+                                          </p:val>
+                                        </p:tav>
+                                        <p:tav tm="100000">
+                                          <p:val>
+                                            <p:fltVal val="0"/>
+                                          </p:val>
+                                        </p:tav>
+                                      </p:tavLst>
+                                    </p:anim>
+                                    <p:animEffect transition="in" filter="fade">
+                                      <p:cBhvr>
+                                        <p:cTn id="33" dur="1000"/>
+                                        <p:tgtEl>
+                                          <p:spTgt spid="18"/>
+                                        </p:tgtEl>
+                                      </p:cBhvr>
+                                    </p:animEffect>
+                                  </p:childTnLst>
+                                </p:cTn>
+                              </p:par>
+                              <p:par>
+                                <p:cTn id="34" presetID="31" presetClass="entr" presetSubtype="0" fill="hold" grpId="0" nodeType="withEffect">
+                                  <p:stCondLst>
+                                    <p:cond delay="1500"/>
+                                  </p:stCondLst>
+                                  <p:childTnLst>
+                                    <p:set>
+                                      <p:cBhvr>
+                                        <p:cTn id="35" dur="1" fill="hold">
+                                          <p:stCondLst>
+                                            <p:cond delay="0"/>
+                                          </p:stCondLst>
+                                        </p:cTn>
+                                        <p:tgtEl>
+                                          <p:spTgt spid="10"/>
+                                        </p:tgtEl>
+                                        <p:attrNameLst>
+                                          <p:attrName>style.visibility</p:attrName>
+                                        </p:attrNameLst>
+                                      </p:cBhvr>
+                                      <p:to>
+                                        <p:strVal val="visible"/>
+                                      </p:to>
+                                    </p:set>
+                                    <p:anim calcmode="lin" valueType="num">
+                                      <p:cBhvr>
+                                        <p:cTn id="36" dur="1000" fill="hold"/>
+                                        <p:tgtEl>
+                                          <p:spTgt spid="10"/>
+                                        </p:tgtEl>
+                                        <p:attrNameLst>
+                                          <p:attrName>ppt_w</p:attrName>
+                                        </p:attrNameLst>
+                                      </p:cBhvr>
+                                      <p:tavLst>
+                                        <p:tav tm="0">
+                                          <p:val>
+                                            <p:fltVal val="0"/>
+                                          </p:val>
+                                        </p:tav>
+                                        <p:tav tm="100000">
+                                          <p:val>
+                                            <p:strVal val="#ppt_w"/>
+                                          </p:val>
+                                        </p:tav>
+                                      </p:tavLst>
+                                    </p:anim>
+                                    <p:anim calcmode="lin" valueType="num">
+                                      <p:cBhvr>
+                                        <p:cTn id="37" dur="1000" fill="hold"/>
+                                        <p:tgtEl>
+                                          <p:spTgt spid="10"/>
+                                        </p:tgtEl>
+                                        <p:attrNameLst>
+                                          <p:attrName>ppt_h</p:attrName>
+                                        </p:attrNameLst>
+                                      </p:cBhvr>
+                                      <p:tavLst>
+                                        <p:tav tm="0">
+                                          <p:val>
+                                            <p:fltVal val="0"/>
+                                          </p:val>
+                                        </p:tav>
+                                        <p:tav tm="100000">
+                                          <p:val>
+                                            <p:strVal val="#ppt_h"/>
+                                          </p:val>
+                                        </p:tav>
+                                      </p:tavLst>
+                                    </p:anim>
+                                    <p:anim calcmode="lin" valueType="num">
+                                      <p:cBhvr>
+                                        <p:cTn id="38" dur="1000" fill="hold"/>
+                                        <p:tgtEl>
+                                          <p:spTgt spid="10"/>
+                                        </p:tgtEl>
+                                        <p:attrNameLst>
+                                          <p:attrName>style.rotation</p:attrName>
+                                        </p:attrNameLst>
+                                      </p:cBhvr>
+                                      <p:tavLst>
+                                        <p:tav tm="0">
+                                          <p:val>
+                                            <p:fltVal val="90"/>
+                                          </p:val>
+                                        </p:tav>
+                                        <p:tav tm="100000">
+                                          <p:val>
+                                            <p:fltVal val="0"/>
+                                          </p:val>
+                                        </p:tav>
+                                      </p:tavLst>
+                                    </p:anim>
+                                    <p:animEffect transition="in" filter="fade">
+                                      <p:cBhvr>
+                                        <p:cTn id="39" dur="1000"/>
+                                        <p:tgtEl>
+                                          <p:spTgt spid="10"/>
+                                        </p:tgtEl>
+                                      </p:cBhvr>
+                                    </p:animEffect>
+                                  </p:childTnLst>
+                                </p:cTn>
+                              </p:par>
+                              <p:par>
+                                <p:cTn id="40" presetID="31" presetClass="entr" presetSubtype="0" fill="hold" grpId="0" nodeType="withEffect">
+                                  <p:stCondLst>
+                                    <p:cond delay="1500"/>
+                                  </p:stCondLst>
+                                  <p:childTnLst>
+                                    <p:set>
+                                      <p:cBhvr>
+                                        <p:cTn id="41" dur="1" fill="hold">
+                                          <p:stCondLst>
+                                            <p:cond delay="0"/>
+                                          </p:stCondLst>
+                                        </p:cTn>
+                                        <p:tgtEl>
+                                          <p:spTgt spid="12"/>
+                                        </p:tgtEl>
+                                        <p:attrNameLst>
+                                          <p:attrName>style.visibility</p:attrName>
+                                        </p:attrNameLst>
+                                      </p:cBhvr>
+                                      <p:to>
+                                        <p:strVal val="visible"/>
+                                      </p:to>
+                                    </p:set>
+                                    <p:anim calcmode="lin" valueType="num">
+                                      <p:cBhvr>
+                                        <p:cTn id="42" dur="1000" fill="hold"/>
+                                        <p:tgtEl>
+                                          <p:spTgt spid="12"/>
+                                        </p:tgtEl>
+                                        <p:attrNameLst>
+                                          <p:attrName>ppt_w</p:attrName>
+                                        </p:attrNameLst>
+                                      </p:cBhvr>
+                                      <p:tavLst>
+                                        <p:tav tm="0">
+                                          <p:val>
+                                            <p:fltVal val="0"/>
+                                          </p:val>
+                                        </p:tav>
+                                        <p:tav tm="100000">
+                                          <p:val>
+                                            <p:strVal val="#ppt_w"/>
+                                          </p:val>
+                                        </p:tav>
+                                      </p:tavLst>
+                                    </p:anim>
+                                    <p:anim calcmode="lin" valueType="num">
+                                      <p:cBhvr>
+                                        <p:cTn id="43" dur="1000" fill="hold"/>
+                                        <p:tgtEl>
+                                          <p:spTgt spid="12"/>
+                                        </p:tgtEl>
+                                        <p:attrNameLst>
+                                          <p:attrName>ppt_h</p:attrName>
+                                        </p:attrNameLst>
+                                      </p:cBhvr>
+                                      <p:tavLst>
+                                        <p:tav tm="0">
+                                          <p:val>
+                                            <p:fltVal val="0"/>
+                                          </p:val>
+                                        </p:tav>
+                                        <p:tav tm="100000">
+                                          <p:val>
+                                            <p:strVal val="#ppt_h"/>
+                                          </p:val>
+                                        </p:tav>
+                                      </p:tavLst>
+                                    </p:anim>
+                                    <p:anim calcmode="lin" valueType="num">
+                                      <p:cBhvr>
+                                        <p:cTn id="44" dur="1000" fill="hold"/>
+                                        <p:tgtEl>
+                                          <p:spTgt spid="12"/>
+                                        </p:tgtEl>
+                                        <p:attrNameLst>
+                                          <p:attrName>style.rotation</p:attrName>
+                                        </p:attrNameLst>
+                                      </p:cBhvr>
+                                      <p:tavLst>
+                                        <p:tav tm="0">
+                                          <p:val>
+                                            <p:fltVal val="90"/>
+                                          </p:val>
+                                        </p:tav>
+                                        <p:tav tm="100000">
+                                          <p:val>
+                                            <p:fltVal val="0"/>
+                                          </p:val>
+                                        </p:tav>
+                                      </p:tavLst>
+                                    </p:anim>
+                                    <p:animEffect transition="in" filter="fade">
+                                      <p:cBhvr>
+                                        <p:cTn id="45" dur="1000"/>
+                                        <p:tgtEl>
+                                          <p:spTgt spid="12"/>
+                                        </p:tgtEl>
+                                      </p:cBhvr>
+                                    </p:animEffect>
+                                  </p:childTnLst>
+                                </p:cTn>
+                              </p:par>
+                              <p:par>
+                                <p:cTn id="46" presetID="31" presetClass="entr" presetSubtype="0" fill="hold" grpId="0" nodeType="withEffect">
+                                  <p:stCondLst>
+                                    <p:cond delay="1500"/>
+                                  </p:stCondLst>
+                                  <p:childTnLst>
+                                    <p:set>
+                                      <p:cBhvr>
+                                        <p:cTn id="47" dur="1" fill="hold">
+                                          <p:stCondLst>
+                                            <p:cond delay="0"/>
+                                          </p:stCondLst>
+                                        </p:cTn>
+                                        <p:tgtEl>
+                                          <p:spTgt spid="13"/>
+                                        </p:tgtEl>
+                                        <p:attrNameLst>
+                                          <p:attrName>style.visibility</p:attrName>
+                                        </p:attrNameLst>
+                                      </p:cBhvr>
+                                      <p:to>
+                                        <p:strVal val="visible"/>
+                                      </p:to>
+                                    </p:set>
+                                    <p:anim calcmode="lin" valueType="num">
+                                      <p:cBhvr>
+                                        <p:cTn id="48" dur="1000" fill="hold"/>
+                                        <p:tgtEl>
+                                          <p:spTgt spid="13"/>
+                                        </p:tgtEl>
+                                        <p:attrNameLst>
+                                          <p:attrName>ppt_w</p:attrName>
+                                        </p:attrNameLst>
+                                      </p:cBhvr>
+                                      <p:tavLst>
+                                        <p:tav tm="0">
+                                          <p:val>
+                                            <p:fltVal val="0"/>
+                                          </p:val>
+                                        </p:tav>
+                                        <p:tav tm="100000">
+                                          <p:val>
+                                            <p:strVal val="#ppt_w"/>
+                                          </p:val>
+                                        </p:tav>
+                                      </p:tavLst>
+                                    </p:anim>
+                                    <p:anim calcmode="lin" valueType="num">
+                                      <p:cBhvr>
+                                        <p:cTn id="49" dur="1000" fill="hold"/>
+                                        <p:tgtEl>
+                                          <p:spTgt spid="13"/>
+                                        </p:tgtEl>
+                                        <p:attrNameLst>
+                                          <p:attrName>ppt_h</p:attrName>
+                                        </p:attrNameLst>
+                                      </p:cBhvr>
+                                      <p:tavLst>
+                                        <p:tav tm="0">
+                                          <p:val>
+                                            <p:fltVal val="0"/>
+                                          </p:val>
+                                        </p:tav>
+                                        <p:tav tm="100000">
+                                          <p:val>
+                                            <p:strVal val="#ppt_h"/>
+                                          </p:val>
+                                        </p:tav>
+                                      </p:tavLst>
+                                    </p:anim>
+                                    <p:anim calcmode="lin" valueType="num">
+                                      <p:cBhvr>
+                                        <p:cTn id="50" dur="1000" fill="hold"/>
+                                        <p:tgtEl>
+                                          <p:spTgt spid="13"/>
+                                        </p:tgtEl>
+                                        <p:attrNameLst>
+                                          <p:attrName>style.rotation</p:attrName>
+                                        </p:attrNameLst>
+                                      </p:cBhvr>
+                                      <p:tavLst>
+                                        <p:tav tm="0">
+                                          <p:val>
+                                            <p:fltVal val="90"/>
+                                          </p:val>
+                                        </p:tav>
+                                        <p:tav tm="100000">
+                                          <p:val>
+                                            <p:fltVal val="0"/>
+                                          </p:val>
+                                        </p:tav>
+                                      </p:tavLst>
+                                    </p:anim>
+                                    <p:animEffect transition="in" filter="fade">
+                                      <p:cBhvr>
+                                        <p:cTn id="51" dur="1000"/>
+                                        <p:tgtEl>
+                                          <p:spTgt spid="13"/>
+                                        </p:tgtEl>
+                                      </p:cBhvr>
+                                    </p:animEffect>
+                                  </p:childTnLst>
+                                </p:cTn>
+                              </p:par>
+                              <p:par>
+                                <p:cTn id="52" presetID="31" presetClass="entr" presetSubtype="0" fill="hold" grpId="0" nodeType="withEffect">
+                                  <p:stCondLst>
+                                    <p:cond delay="1500"/>
+                                  </p:stCondLst>
+                                  <p:childTnLst>
+                                    <p:set>
+                                      <p:cBhvr>
+                                        <p:cTn id="53" dur="1" fill="hold">
+                                          <p:stCondLst>
+                                            <p:cond delay="0"/>
+                                          </p:stCondLst>
+                                        </p:cTn>
+                                        <p:tgtEl>
+                                          <p:spTgt spid="22"/>
+                                        </p:tgtEl>
+                                        <p:attrNameLst>
+                                          <p:attrName>style.visibility</p:attrName>
+                                        </p:attrNameLst>
+                                      </p:cBhvr>
+                                      <p:to>
+                                        <p:strVal val="visible"/>
+                                      </p:to>
+                                    </p:set>
+                                    <p:anim calcmode="lin" valueType="num">
+                                      <p:cBhvr>
+                                        <p:cTn id="54" dur="1000" fill="hold"/>
+                                        <p:tgtEl>
+                                          <p:spTgt spid="22"/>
+                                        </p:tgtEl>
+                                        <p:attrNameLst>
+                                          <p:attrName>ppt_w</p:attrName>
+                                        </p:attrNameLst>
+                                      </p:cBhvr>
+                                      <p:tavLst>
+                                        <p:tav tm="0">
+                                          <p:val>
+                                            <p:fltVal val="0"/>
+                                          </p:val>
+                                        </p:tav>
+                                        <p:tav tm="100000">
+                                          <p:val>
+                                            <p:strVal val="#ppt_w"/>
+                                          </p:val>
+                                        </p:tav>
+                                      </p:tavLst>
+                                    </p:anim>
+                                    <p:anim calcmode="lin" valueType="num">
+                                      <p:cBhvr>
+                                        <p:cTn id="55" dur="1000" fill="hold"/>
+                                        <p:tgtEl>
+                                          <p:spTgt spid="22"/>
+                                        </p:tgtEl>
+                                        <p:attrNameLst>
+                                          <p:attrName>ppt_h</p:attrName>
+                                        </p:attrNameLst>
+                                      </p:cBhvr>
+                                      <p:tavLst>
+                                        <p:tav tm="0">
+                                          <p:val>
+                                            <p:fltVal val="0"/>
+                                          </p:val>
+                                        </p:tav>
+                                        <p:tav tm="100000">
+                                          <p:val>
+                                            <p:strVal val="#ppt_h"/>
+                                          </p:val>
+                                        </p:tav>
+                                      </p:tavLst>
+                                    </p:anim>
+                                    <p:anim calcmode="lin" valueType="num">
+                                      <p:cBhvr>
+                                        <p:cTn id="56" dur="1000" fill="hold"/>
+                                        <p:tgtEl>
+                                          <p:spTgt spid="22"/>
+                                        </p:tgtEl>
+                                        <p:attrNameLst>
+                                          <p:attrName>style.rotation</p:attrName>
+                                        </p:attrNameLst>
+                                      </p:cBhvr>
+                                      <p:tavLst>
+                                        <p:tav tm="0">
+                                          <p:val>
+                                            <p:fltVal val="90"/>
+                                          </p:val>
+                                        </p:tav>
+                                        <p:tav tm="100000">
+                                          <p:val>
+                                            <p:fltVal val="0"/>
+                                          </p:val>
+                                        </p:tav>
+                                      </p:tavLst>
+                                    </p:anim>
+                                    <p:animEffect transition="in" filter="fade">
+                                      <p:cBhvr>
+                                        <p:cTn id="57" dur="1000"/>
+                                        <p:tgtEl>
+                                          <p:spTgt spid="22"/>
+                                        </p:tgtEl>
+                                      </p:cBhvr>
+                                    </p:animEffect>
+                                  </p:childTnLst>
+                                </p:cTn>
+                              </p:par>
+                              <p:par>
+                                <p:cTn id="58" presetID="31" presetClass="entr" presetSubtype="0" fill="hold" grpId="0" nodeType="withEffect">
+                                  <p:stCondLst>
+                                    <p:cond delay="1500"/>
+                                  </p:stCondLst>
+                                  <p:childTnLst>
+                                    <p:set>
+                                      <p:cBhvr>
+                                        <p:cTn id="59" dur="1" fill="hold">
+                                          <p:stCondLst>
+                                            <p:cond delay="0"/>
+                                          </p:stCondLst>
+                                        </p:cTn>
+                                        <p:tgtEl>
+                                          <p:spTgt spid="15"/>
+                                        </p:tgtEl>
+                                        <p:attrNameLst>
+                                          <p:attrName>style.visibility</p:attrName>
+                                        </p:attrNameLst>
+                                      </p:cBhvr>
+                                      <p:to>
+                                        <p:strVal val="visible"/>
+                                      </p:to>
+                                    </p:set>
+                                    <p:anim calcmode="lin" valueType="num">
+                                      <p:cBhvr>
+                                        <p:cTn id="60" dur="1000" fill="hold"/>
+                                        <p:tgtEl>
+                                          <p:spTgt spid="15"/>
+                                        </p:tgtEl>
+                                        <p:attrNameLst>
+                                          <p:attrName>ppt_w</p:attrName>
+                                        </p:attrNameLst>
+                                      </p:cBhvr>
+                                      <p:tavLst>
+                                        <p:tav tm="0">
+                                          <p:val>
+                                            <p:fltVal val="0"/>
+                                          </p:val>
+                                        </p:tav>
+                                        <p:tav tm="100000">
+                                          <p:val>
+                                            <p:strVal val="#ppt_w"/>
+                                          </p:val>
+                                        </p:tav>
+                                      </p:tavLst>
+                                    </p:anim>
+                                    <p:anim calcmode="lin" valueType="num">
+                                      <p:cBhvr>
+                                        <p:cTn id="61" dur="1000" fill="hold"/>
+                                        <p:tgtEl>
+                                          <p:spTgt spid="15"/>
+                                        </p:tgtEl>
+                                        <p:attrNameLst>
+                                          <p:attrName>ppt_h</p:attrName>
+                                        </p:attrNameLst>
+                                      </p:cBhvr>
+                                      <p:tavLst>
+                                        <p:tav tm="0">
+                                          <p:val>
+                                            <p:fltVal val="0"/>
+                                          </p:val>
+                                        </p:tav>
+                                        <p:tav tm="100000">
+                                          <p:val>
+                                            <p:strVal val="#ppt_h"/>
+                                          </p:val>
+                                        </p:tav>
+                                      </p:tavLst>
+                                    </p:anim>
+                                    <p:anim calcmode="lin" valueType="num">
+                                      <p:cBhvr>
+                                        <p:cTn id="62" dur="1000" fill="hold"/>
+                                        <p:tgtEl>
+                                          <p:spTgt spid="15"/>
+                                        </p:tgtEl>
+                                        <p:attrNameLst>
+                                          <p:attrName>style.rotation</p:attrName>
+                                        </p:attrNameLst>
+                                      </p:cBhvr>
+                                      <p:tavLst>
+                                        <p:tav tm="0">
+                                          <p:val>
+                                            <p:fltVal val="90"/>
+                                          </p:val>
+                                        </p:tav>
+                                        <p:tav tm="100000">
+                                          <p:val>
+                                            <p:fltVal val="0"/>
+                                          </p:val>
+                                        </p:tav>
+                                      </p:tavLst>
+                                    </p:anim>
+                                    <p:animEffect transition="in" filter="fade">
+                                      <p:cBhvr>
+                                        <p:cTn id="63" dur="1000"/>
+                                        <p:tgtEl>
+                                          <p:spTgt spid="15"/>
+                                        </p:tgtEl>
+                                      </p:cBhvr>
+                                    </p:animEffect>
+                                  </p:childTnLst>
+                                </p:cTn>
+                              </p:par>
+                              <p:par>
+                                <p:cTn id="64" presetID="31" presetClass="entr" presetSubtype="0" fill="hold" grpId="0" nodeType="withEffect">
+                                  <p:stCondLst>
+                                    <p:cond delay="1500"/>
+                                  </p:stCondLst>
+                                  <p:childTnLst>
+                                    <p:set>
+                                      <p:cBhvr>
+                                        <p:cTn id="65" dur="1" fill="hold">
+                                          <p:stCondLst>
+                                            <p:cond delay="0"/>
+                                          </p:stCondLst>
+                                        </p:cTn>
+                                        <p:tgtEl>
+                                          <p:spTgt spid="17"/>
+                                        </p:tgtEl>
+                                        <p:attrNameLst>
+                                          <p:attrName>style.visibility</p:attrName>
+                                        </p:attrNameLst>
+                                      </p:cBhvr>
+                                      <p:to>
+                                        <p:strVal val="visible"/>
+                                      </p:to>
+                                    </p:set>
+                                    <p:anim calcmode="lin" valueType="num">
+                                      <p:cBhvr>
+                                        <p:cTn id="66" dur="1000" fill="hold"/>
+                                        <p:tgtEl>
+                                          <p:spTgt spid="17"/>
+                                        </p:tgtEl>
+                                        <p:attrNameLst>
+                                          <p:attrName>ppt_w</p:attrName>
+                                        </p:attrNameLst>
+                                      </p:cBhvr>
+                                      <p:tavLst>
+                                        <p:tav tm="0">
+                                          <p:val>
+                                            <p:fltVal val="0"/>
+                                          </p:val>
+                                        </p:tav>
+                                        <p:tav tm="100000">
+                                          <p:val>
+                                            <p:strVal val="#ppt_w"/>
+                                          </p:val>
+                                        </p:tav>
+                                      </p:tavLst>
+                                    </p:anim>
+                                    <p:anim calcmode="lin" valueType="num">
+                                      <p:cBhvr>
+                                        <p:cTn id="67" dur="1000" fill="hold"/>
+                                        <p:tgtEl>
+                                          <p:spTgt spid="17"/>
+                                        </p:tgtEl>
+                                        <p:attrNameLst>
+                                          <p:attrName>ppt_h</p:attrName>
+                                        </p:attrNameLst>
+                                      </p:cBhvr>
+                                      <p:tavLst>
+                                        <p:tav tm="0">
+                                          <p:val>
+                                            <p:fltVal val="0"/>
+                                          </p:val>
+                                        </p:tav>
+                                        <p:tav tm="100000">
+                                          <p:val>
+                                            <p:strVal val="#ppt_h"/>
+                                          </p:val>
+                                        </p:tav>
+                                      </p:tavLst>
+                                    </p:anim>
+                                    <p:anim calcmode="lin" valueType="num">
+                                      <p:cBhvr>
+                                        <p:cTn id="68" dur="1000" fill="hold"/>
+                                        <p:tgtEl>
+                                          <p:spTgt spid="17"/>
+                                        </p:tgtEl>
+                                        <p:attrNameLst>
+                                          <p:attrName>style.rotation</p:attrName>
+                                        </p:attrNameLst>
+                                      </p:cBhvr>
+                                      <p:tavLst>
+                                        <p:tav tm="0">
+                                          <p:val>
+                                            <p:fltVal val="90"/>
+                                          </p:val>
+                                        </p:tav>
+                                        <p:tav tm="100000">
+                                          <p:val>
+                                            <p:fltVal val="0"/>
+                                          </p:val>
+                                        </p:tav>
+                                      </p:tavLst>
+                                    </p:anim>
+                                    <p:animEffect transition="in" filter="fade">
+                                      <p:cBhvr>
+                                        <p:cTn id="69" dur="1000"/>
+                                        <p:tgtEl>
+                                          <p:spTgt spid="17"/>
+                                        </p:tgtEl>
+                                      </p:cBhvr>
+                                    </p:animEffect>
+                                  </p:childTnLst>
+                                </p:cTn>
+                              </p:par>
+                            </p:childTnLst>
+                          </p:cTn>
+                        </p:par>
+                        <p:par>
+                          <p:cTn id="70" fill="hold">
+                            <p:stCondLst>
+                              <p:cond delay="3750"/>
+                            </p:stCondLst>
+                            <p:childTnLst>
+                              <p:par>
+                                <p:cTn id="71" presetID="10" presetClass="entr" presetSubtype="0" fill="hold" grpId="0" nodeType="afterEffect">
+                                  <p:stCondLst>
+                                    <p:cond delay="0"/>
+                                  </p:stCondLst>
+                                  <p:childTnLst>
+                                    <p:set>
+                                      <p:cBhvr>
+                                        <p:cTn id="72" dur="1" fill="hold">
+                                          <p:stCondLst>
+                                            <p:cond delay="0"/>
+                                          </p:stCondLst>
+                                        </p:cTn>
+                                        <p:tgtEl>
+                                          <p:spTgt spid="28"/>
+                                        </p:tgtEl>
+                                        <p:attrNameLst>
+                                          <p:attrName>style.visibility</p:attrName>
+                                        </p:attrNameLst>
+                                      </p:cBhvr>
+                                      <p:to>
+                                        <p:strVal val="visible"/>
+                                      </p:to>
+                                    </p:set>
+                                    <p:animEffect transition="in" filter="fade">
+                                      <p:cBhvr>
+                                        <p:cTn id="73" dur="750"/>
+                                        <p:tgtEl>
+                                          <p:spTgt spid="28"/>
+                                        </p:tgtEl>
+                                      </p:cBhvr>
+                                    </p:animEffect>
+                                  </p:childTnLst>
+                                </p:cTn>
+                              </p:par>
+                            </p:childTnLst>
+                          </p:cTn>
+                        </p:par>
+                        <p:par>
+                          <p:cTn id="74" fill="hold">
+                            <p:stCondLst>
+                              <p:cond delay="4500"/>
+                            </p:stCondLst>
+                            <p:childTnLst>
+                              <p:par>
+                                <p:cTn id="75" presetID="10" presetClass="entr" presetSubtype="0" fill="hold" nodeType="afterEffect">
+                                  <p:stCondLst>
+                                    <p:cond delay="0"/>
+                                  </p:stCondLst>
+                                  <p:childTnLst>
+                                    <p:set>
+                                      <p:cBhvr>
+                                        <p:cTn id="76" dur="1" fill="hold">
+                                          <p:stCondLst>
+                                            <p:cond delay="0"/>
+                                          </p:stCondLst>
+                                        </p:cTn>
+                                        <p:tgtEl>
+                                          <p:spTgt spid="29">
+                                            <p:txEl>
+                                              <p:pRg st="0" end="0"/>
+                                            </p:txEl>
+                                          </p:spTgt>
+                                        </p:tgtEl>
+                                        <p:attrNameLst>
+                                          <p:attrName>style.visibility</p:attrName>
+                                        </p:attrNameLst>
+                                      </p:cBhvr>
+                                      <p:to>
+                                        <p:strVal val="visible"/>
+                                      </p:to>
+                                    </p:set>
+                                    <p:animEffect transition="in" filter="fade">
+                                      <p:cBhvr>
+                                        <p:cTn id="77" dur="1000"/>
+                                        <p:tgtEl>
+                                          <p:spTgt spid="29">
+                                            <p:txEl>
+                                              <p:pRg st="0" end="0"/>
+                                            </p:txEl>
+                                          </p:spTgt>
+                                        </p:tgtEl>
+                                      </p:cBhvr>
+                                    </p:animEffect>
+                                  </p:childTnLst>
+                                </p:cTn>
+                              </p:par>
+                            </p:childTnLst>
+                          </p:cTn>
+                        </p:par>
+                        <p:par>
+                          <p:cTn id="78" fill="hold">
+                            <p:stCondLst>
+                              <p:cond delay="5500"/>
+                            </p:stCondLst>
+                            <p:childTnLst>
+                              <p:par>
+                                <p:cTn id="79" presetID="10" presetClass="entr" presetSubtype="0" fill="hold" nodeType="afterEffect">
+                                  <p:stCondLst>
+                                    <p:cond delay="0"/>
+                                  </p:stCondLst>
+                                  <p:childTnLst>
+                                    <p:set>
+                                      <p:cBhvr>
+                                        <p:cTn id="80" dur="1" fill="hold">
+                                          <p:stCondLst>
+                                            <p:cond delay="0"/>
+                                          </p:stCondLst>
+                                        </p:cTn>
+                                        <p:tgtEl>
+                                          <p:spTgt spid="29">
+                                            <p:txEl>
+                                              <p:pRg st="1" end="1"/>
+                                            </p:txEl>
+                                          </p:spTgt>
+                                        </p:tgtEl>
+                                        <p:attrNameLst>
+                                          <p:attrName>style.visibility</p:attrName>
+                                        </p:attrNameLst>
+                                      </p:cBhvr>
+                                      <p:to>
+                                        <p:strVal val="visible"/>
+                                      </p:to>
+                                    </p:set>
+                                    <p:animEffect transition="in" filter="fade">
+                                      <p:cBhvr>
+                                        <p:cTn id="81" dur="1000"/>
+                                        <p:tgtEl>
+                                          <p:spTgt spid="29">
+                                            <p:txEl>
+                                              <p:pRg st="1" end="1"/>
+                                            </p:txEl>
+                                          </p:spTgt>
+                                        </p:tgtEl>
+                                      </p:cBhvr>
+                                    </p:animEffect>
+                                  </p:childTnLst>
+                                </p:cTn>
+                              </p:par>
+                            </p:childTnLst>
+                          </p:cTn>
+                        </p:par>
+                        <p:par>
+                          <p:cTn id="82" fill="hold">
+                            <p:stCondLst>
+                              <p:cond delay="6500"/>
+                            </p:stCondLst>
+                            <p:childTnLst>
+                              <p:par>
+                                <p:cTn id="83" presetID="10" presetClass="entr" presetSubtype="0" fill="hold" nodeType="afterEffect">
+                                  <p:stCondLst>
+                                    <p:cond delay="0"/>
+                                  </p:stCondLst>
+                                  <p:childTnLst>
+                                    <p:set>
+                                      <p:cBhvr>
+                                        <p:cTn id="84" dur="1" fill="hold">
+                                          <p:stCondLst>
+                                            <p:cond delay="0"/>
+                                          </p:stCondLst>
+                                        </p:cTn>
+                                        <p:tgtEl>
+                                          <p:spTgt spid="29">
+                                            <p:txEl>
+                                              <p:pRg st="2" end="2"/>
+                                            </p:txEl>
+                                          </p:spTgt>
+                                        </p:tgtEl>
+                                        <p:attrNameLst>
+                                          <p:attrName>style.visibility</p:attrName>
+                                        </p:attrNameLst>
+                                      </p:cBhvr>
+                                      <p:to>
+                                        <p:strVal val="visible"/>
+                                      </p:to>
+                                    </p:set>
+                                    <p:animEffect transition="in" filter="fade">
+                                      <p:cBhvr>
+                                        <p:cTn id="85" dur="1000"/>
+                                        <p:tgtEl>
+                                          <p:spTgt spid="29">
+                                            <p:txEl>
+                                              <p:pRg st="2" end="2"/>
+                                            </p:txEl>
+                                          </p:spTgt>
+                                        </p:tgtEl>
+                                      </p:cBhvr>
+                                    </p:animEffect>
+                                  </p:childTnLst>
+                                </p:cTn>
+                              </p:par>
+                            </p:childTnLst>
+                          </p:cTn>
+                        </p:par>
+                        <p:par>
+                          <p:cTn id="86" fill="hold">
+                            <p:stCondLst>
+                              <p:cond delay="7500"/>
+                            </p:stCondLst>
+                            <p:childTnLst>
+                              <p:par>
+                                <p:cTn id="87" presetID="10" presetClass="entr" presetSubtype="0" fill="hold" nodeType="afterEffect">
+                                  <p:stCondLst>
+                                    <p:cond delay="0"/>
+                                  </p:stCondLst>
+                                  <p:childTnLst>
+                                    <p:set>
+                                      <p:cBhvr>
+                                        <p:cTn id="88" dur="1" fill="hold">
+                                          <p:stCondLst>
+                                            <p:cond delay="0"/>
+                                          </p:stCondLst>
+                                        </p:cTn>
+                                        <p:tgtEl>
+                                          <p:spTgt spid="29">
+                                            <p:txEl>
+                                              <p:pRg st="3" end="3"/>
+                                            </p:txEl>
+                                          </p:spTgt>
+                                        </p:tgtEl>
+                                        <p:attrNameLst>
+                                          <p:attrName>style.visibility</p:attrName>
+                                        </p:attrNameLst>
+                                      </p:cBhvr>
+                                      <p:to>
+                                        <p:strVal val="visible"/>
+                                      </p:to>
+                                    </p:set>
+                                    <p:animEffect transition="in" filter="fade">
+                                      <p:cBhvr>
+                                        <p:cTn id="89" dur="1000"/>
+                                        <p:tgtEl>
+                                          <p:spTgt spid="29">
+                                            <p:txEl>
+                                              <p:pRg st="3" end="3"/>
+                                            </p:txEl>
+                                          </p:spTgt>
+                                        </p:tgtEl>
+                                      </p:cBhvr>
+                                    </p:animEffect>
+                                  </p:childTnLst>
+                                </p:cTn>
+                              </p:par>
+                            </p:childTnLst>
+                          </p:cTn>
+                        </p:par>
+                      </p:childTnLst>
+                    </p:cTn>
+                  </p:par>
+                </p:childTnLst>
+              </p:cTn>
+              <p:prevCondLst>
+                <p:cond evt="onPrev" delay="0">
+                  <p:tgtEl>
+                    <p:sldTgt/>
+                  </p:tgtEl>
+                </p:cond>
+              </p:prevCondLst>
+              <p:nextCondLst>
+                <p:cond evt="onNext" delay="0">
+                  <p:tgtEl>
+                    <p:sldTgt/>
+                  </p:tgtEl>
+                </p:cond>
+              </p:nextCondLst>
+            </p:seq>
+          </p:childTnLst>
+        </p:cTn>
+      </p:par>
+    </p:tnLst>
+    <p:bldLst>
+      <p:bldP spid="4" grpId="0" animBg="1"/>
+      <p:bldP spid="5" grpId="0" animBg="1"/>
+      <p:bldP spid="6" grpId="0" animBg="1"/>
+      <p:bldP spid="7" grpId="0" animBg="1"/>
+      <p:bldP spid="8" grpId="0" animBg="1"/>
+      <p:bldP spid="9" grpId="0" animBg="1"/>
+      <p:bldP spid="10" grpId="0" animBg="1"/>
+      <p:bldP spid="12" grpId="0" animBg="1"/>
+      <p:bldP spid="13" grpId="0" animBg="1"/>
+      <p:bldP spid="15" grpId="0" animBg="1"/>
+      <p:bldP spid="17" grpId="0" animBg="1"/>
+      <p:bldP spid="18" grpId="0" animBg="1"/>
+      <p:bldP spid="22" grpId="0" animBg="1"/>
+      <p:bldP spid="28" grpId="0"/>
+    </p:bldLst>
+  </p:timing>
 </p:sld>
 </file>
 

--- a/Presentation.pptx
+++ b/Presentation.pptx
@@ -4,10 +4,13 @@
   <p:sldMasterIdLst>
     <p:sldMasterId id="2147483773" r:id="rId1"/>
   </p:sldMasterIdLst>
+  <p:notesMasterIdLst>
+    <p:notesMasterId r:id="rId5"/>
+  </p:notesMasterIdLst>
   <p:sldIdLst>
     <p:sldId id="256" r:id="rId2"/>
-    <p:sldId id="258" r:id="rId3"/>
-    <p:sldId id="257" r:id="rId4"/>
+    <p:sldId id="257" r:id="rId3"/>
+    <p:sldId id="259" r:id="rId4"/>
   </p:sldIdLst>
   <p:sldSz cx="12192000" cy="6858000"/>
   <p:notesSz cx="6858000" cy="9144000"/>
@@ -112,6 +115,465 @@
     </p:ext>
   </p:extLst>
 </p:presentation>
+</file>
+
+<file path=ppt/notesMasters/notesMaster1.xml><?xml version="1.0" encoding="utf-8"?>
+<p:notesMaster xmlns:a="http://schemas.openxmlformats.org/drawingml/2006/main" xmlns:r="http://schemas.openxmlformats.org/officeDocument/2006/relationships" xmlns:p="http://schemas.openxmlformats.org/presentationml/2006/main">
+  <p:cSld>
+    <p:bg>
+      <p:bgRef idx="1001">
+        <a:schemeClr val="bg1"/>
+      </p:bgRef>
+    </p:bg>
+    <p:spTree>
+      <p:nvGrpSpPr>
+        <p:cNvPr id="1" name=""/>
+        <p:cNvGrpSpPr/>
+        <p:nvPr/>
+      </p:nvGrpSpPr>
+      <p:grpSpPr>
+        <a:xfrm>
+          <a:off x="0" y="0"/>
+          <a:ext cx="0" cy="0"/>
+          <a:chOff x="0" y="0"/>
+          <a:chExt cx="0" cy="0"/>
+        </a:xfrm>
+      </p:grpSpPr>
+      <p:sp>
+        <p:nvSpPr>
+          <p:cNvPr id="2" name="Header Placeholder 1"/>
+          <p:cNvSpPr>
+            <a:spLocks noGrp="1"/>
+          </p:cNvSpPr>
+          <p:nvPr>
+            <p:ph type="hdr" sz="quarter"/>
+          </p:nvPr>
+        </p:nvSpPr>
+        <p:spPr>
+          <a:xfrm>
+            <a:off x="0" y="0"/>
+            <a:ext cx="2971800" cy="458788"/>
+          </a:xfrm>
+          <a:prstGeom prst="rect">
+            <a:avLst/>
+          </a:prstGeom>
+        </p:spPr>
+        <p:txBody>
+          <a:bodyPr vert="horz" lIns="91440" tIns="45720" rIns="91440" bIns="45720" rtlCol="0"/>
+          <a:lstStyle>
+            <a:lvl1pPr algn="l">
+              <a:defRPr sz="1200"/>
+            </a:lvl1pPr>
+          </a:lstStyle>
+          <a:p>
+            <a:endParaRPr lang="en-US"/>
+          </a:p>
+        </p:txBody>
+      </p:sp>
+      <p:sp>
+        <p:nvSpPr>
+          <p:cNvPr id="3" name="Date Placeholder 2"/>
+          <p:cNvSpPr>
+            <a:spLocks noGrp="1"/>
+          </p:cNvSpPr>
+          <p:nvPr>
+            <p:ph type="dt" idx="1"/>
+          </p:nvPr>
+        </p:nvSpPr>
+        <p:spPr>
+          <a:xfrm>
+            <a:off x="3884613" y="0"/>
+            <a:ext cx="2971800" cy="458788"/>
+          </a:xfrm>
+          <a:prstGeom prst="rect">
+            <a:avLst/>
+          </a:prstGeom>
+        </p:spPr>
+        <p:txBody>
+          <a:bodyPr vert="horz" lIns="91440" tIns="45720" rIns="91440" bIns="45720" rtlCol="0"/>
+          <a:lstStyle>
+            <a:lvl1pPr algn="r">
+              <a:defRPr sz="1200"/>
+            </a:lvl1pPr>
+          </a:lstStyle>
+          <a:p>
+            <a:fld id="{876F37FD-6C8A-4581-8F5F-5385E6CAD45D}" type="datetimeFigureOut">
+              <a:rPr lang="en-US" smtClean="0"/>
+              <a:t>11/15/2022</a:t>
+            </a:fld>
+            <a:endParaRPr lang="en-US"/>
+          </a:p>
+        </p:txBody>
+      </p:sp>
+      <p:sp>
+        <p:nvSpPr>
+          <p:cNvPr id="4" name="Slide Image Placeholder 3"/>
+          <p:cNvSpPr>
+            <a:spLocks noGrp="1" noRot="1" noChangeAspect="1"/>
+          </p:cNvSpPr>
+          <p:nvPr>
+            <p:ph type="sldImg" idx="2"/>
+          </p:nvPr>
+        </p:nvSpPr>
+        <p:spPr>
+          <a:xfrm>
+            <a:off x="685800" y="1143000"/>
+            <a:ext cx="5486400" cy="3086100"/>
+          </a:xfrm>
+          <a:prstGeom prst="rect">
+            <a:avLst/>
+          </a:prstGeom>
+          <a:noFill/>
+          <a:ln w="12700">
+            <a:solidFill>
+              <a:prstClr val="black"/>
+            </a:solidFill>
+          </a:ln>
+        </p:spPr>
+        <p:txBody>
+          <a:bodyPr vert="horz" lIns="91440" tIns="45720" rIns="91440" bIns="45720" rtlCol="0" anchor="ctr"/>
+          <a:lstStyle/>
+          <a:p>
+            <a:endParaRPr lang="en-US"/>
+          </a:p>
+        </p:txBody>
+      </p:sp>
+      <p:sp>
+        <p:nvSpPr>
+          <p:cNvPr id="5" name="Notes Placeholder 4"/>
+          <p:cNvSpPr>
+            <a:spLocks noGrp="1"/>
+          </p:cNvSpPr>
+          <p:nvPr>
+            <p:ph type="body" sz="quarter" idx="3"/>
+          </p:nvPr>
+        </p:nvSpPr>
+        <p:spPr>
+          <a:xfrm>
+            <a:off x="685800" y="4400550"/>
+            <a:ext cx="5486400" cy="3600450"/>
+          </a:xfrm>
+          <a:prstGeom prst="rect">
+            <a:avLst/>
+          </a:prstGeom>
+        </p:spPr>
+        <p:txBody>
+          <a:bodyPr vert="horz" lIns="91440" tIns="45720" rIns="91440" bIns="45720" rtlCol="0"/>
+          <a:lstStyle/>
+          <a:p>
+            <a:pPr lvl="0"/>
+            <a:r>
+              <a:rPr lang="en-US" smtClean="0"/>
+              <a:t>Edit Master text styles</a:t>
+            </a:r>
+          </a:p>
+          <a:p>
+            <a:pPr lvl="1"/>
+            <a:r>
+              <a:rPr lang="en-US" smtClean="0"/>
+              <a:t>Second level</a:t>
+            </a:r>
+          </a:p>
+          <a:p>
+            <a:pPr lvl="2"/>
+            <a:r>
+              <a:rPr lang="en-US" smtClean="0"/>
+              <a:t>Third level</a:t>
+            </a:r>
+          </a:p>
+          <a:p>
+            <a:pPr lvl="3"/>
+            <a:r>
+              <a:rPr lang="en-US" smtClean="0"/>
+              <a:t>Fourth level</a:t>
+            </a:r>
+          </a:p>
+          <a:p>
+            <a:pPr lvl="4"/>
+            <a:r>
+              <a:rPr lang="en-US" smtClean="0"/>
+              <a:t>Fifth level</a:t>
+            </a:r>
+            <a:endParaRPr lang="en-US"/>
+          </a:p>
+        </p:txBody>
+      </p:sp>
+      <p:sp>
+        <p:nvSpPr>
+          <p:cNvPr id="6" name="Footer Placeholder 5"/>
+          <p:cNvSpPr>
+            <a:spLocks noGrp="1"/>
+          </p:cNvSpPr>
+          <p:nvPr>
+            <p:ph type="ftr" sz="quarter" idx="4"/>
+          </p:nvPr>
+        </p:nvSpPr>
+        <p:spPr>
+          <a:xfrm>
+            <a:off x="0" y="8685213"/>
+            <a:ext cx="2971800" cy="458787"/>
+          </a:xfrm>
+          <a:prstGeom prst="rect">
+            <a:avLst/>
+          </a:prstGeom>
+        </p:spPr>
+        <p:txBody>
+          <a:bodyPr vert="horz" lIns="91440" tIns="45720" rIns="91440" bIns="45720" rtlCol="0" anchor="b"/>
+          <a:lstStyle>
+            <a:lvl1pPr algn="l">
+              <a:defRPr sz="1200"/>
+            </a:lvl1pPr>
+          </a:lstStyle>
+          <a:p>
+            <a:endParaRPr lang="en-US"/>
+          </a:p>
+        </p:txBody>
+      </p:sp>
+      <p:sp>
+        <p:nvSpPr>
+          <p:cNvPr id="7" name="Slide Number Placeholder 6"/>
+          <p:cNvSpPr>
+            <a:spLocks noGrp="1"/>
+          </p:cNvSpPr>
+          <p:nvPr>
+            <p:ph type="sldNum" sz="quarter" idx="5"/>
+          </p:nvPr>
+        </p:nvSpPr>
+        <p:spPr>
+          <a:xfrm>
+            <a:off x="3884613" y="8685213"/>
+            <a:ext cx="2971800" cy="458787"/>
+          </a:xfrm>
+          <a:prstGeom prst="rect">
+            <a:avLst/>
+          </a:prstGeom>
+        </p:spPr>
+        <p:txBody>
+          <a:bodyPr vert="horz" lIns="91440" tIns="45720" rIns="91440" bIns="45720" rtlCol="0" anchor="b"/>
+          <a:lstStyle>
+            <a:lvl1pPr algn="r">
+              <a:defRPr sz="1200"/>
+            </a:lvl1pPr>
+          </a:lstStyle>
+          <a:p>
+            <a:fld id="{2A068F38-3D12-4267-A922-7CF488A99259}" type="slidenum">
+              <a:rPr lang="en-US" smtClean="0"/>
+              <a:t>‹#›</a:t>
+            </a:fld>
+            <a:endParaRPr lang="en-US"/>
+          </a:p>
+        </p:txBody>
+      </p:sp>
+    </p:spTree>
+    <p:extLst>
+      <p:ext uri="{BB962C8B-B14F-4D97-AF65-F5344CB8AC3E}">
+        <p14:creationId xmlns:p14="http://schemas.microsoft.com/office/powerpoint/2010/main" val="3968837075"/>
+      </p:ext>
+    </p:extLst>
+  </p:cSld>
+  <p:clrMap bg1="lt1" tx1="dk1" bg2="lt2" tx2="dk2" accent1="accent1" accent2="accent2" accent3="accent3" accent4="accent4" accent5="accent5" accent6="accent6" hlink="hlink" folHlink="folHlink"/>
+  <p:notesStyle>
+    <a:lvl1pPr marL="0" algn="l" defTabSz="914400" rtl="0" eaLnBrk="1" latinLnBrk="0" hangingPunct="1">
+      <a:defRPr sz="1200" kern="1200">
+        <a:solidFill>
+          <a:schemeClr val="tx1"/>
+        </a:solidFill>
+        <a:latin typeface="+mn-lt"/>
+        <a:ea typeface="+mn-ea"/>
+        <a:cs typeface="+mn-cs"/>
+      </a:defRPr>
+    </a:lvl1pPr>
+    <a:lvl2pPr marL="457200" algn="l" defTabSz="914400" rtl="0" eaLnBrk="1" latinLnBrk="0" hangingPunct="1">
+      <a:defRPr sz="1200" kern="1200">
+        <a:solidFill>
+          <a:schemeClr val="tx1"/>
+        </a:solidFill>
+        <a:latin typeface="+mn-lt"/>
+        <a:ea typeface="+mn-ea"/>
+        <a:cs typeface="+mn-cs"/>
+      </a:defRPr>
+    </a:lvl2pPr>
+    <a:lvl3pPr marL="914400" algn="l" defTabSz="914400" rtl="0" eaLnBrk="1" latinLnBrk="0" hangingPunct="1">
+      <a:defRPr sz="1200" kern="1200">
+        <a:solidFill>
+          <a:schemeClr val="tx1"/>
+        </a:solidFill>
+        <a:latin typeface="+mn-lt"/>
+        <a:ea typeface="+mn-ea"/>
+        <a:cs typeface="+mn-cs"/>
+      </a:defRPr>
+    </a:lvl3pPr>
+    <a:lvl4pPr marL="1371600" algn="l" defTabSz="914400" rtl="0" eaLnBrk="1" latinLnBrk="0" hangingPunct="1">
+      <a:defRPr sz="1200" kern="1200">
+        <a:solidFill>
+          <a:schemeClr val="tx1"/>
+        </a:solidFill>
+        <a:latin typeface="+mn-lt"/>
+        <a:ea typeface="+mn-ea"/>
+        <a:cs typeface="+mn-cs"/>
+      </a:defRPr>
+    </a:lvl4pPr>
+    <a:lvl5pPr marL="1828800" algn="l" defTabSz="914400" rtl="0" eaLnBrk="1" latinLnBrk="0" hangingPunct="1">
+      <a:defRPr sz="1200" kern="1200">
+        <a:solidFill>
+          <a:schemeClr val="tx1"/>
+        </a:solidFill>
+        <a:latin typeface="+mn-lt"/>
+        <a:ea typeface="+mn-ea"/>
+        <a:cs typeface="+mn-cs"/>
+      </a:defRPr>
+    </a:lvl5pPr>
+    <a:lvl6pPr marL="2286000" algn="l" defTabSz="914400" rtl="0" eaLnBrk="1" latinLnBrk="0" hangingPunct="1">
+      <a:defRPr sz="1200" kern="1200">
+        <a:solidFill>
+          <a:schemeClr val="tx1"/>
+        </a:solidFill>
+        <a:latin typeface="+mn-lt"/>
+        <a:ea typeface="+mn-ea"/>
+        <a:cs typeface="+mn-cs"/>
+      </a:defRPr>
+    </a:lvl6pPr>
+    <a:lvl7pPr marL="2743200" algn="l" defTabSz="914400" rtl="0" eaLnBrk="1" latinLnBrk="0" hangingPunct="1">
+      <a:defRPr sz="1200" kern="1200">
+        <a:solidFill>
+          <a:schemeClr val="tx1"/>
+        </a:solidFill>
+        <a:latin typeface="+mn-lt"/>
+        <a:ea typeface="+mn-ea"/>
+        <a:cs typeface="+mn-cs"/>
+      </a:defRPr>
+    </a:lvl7pPr>
+    <a:lvl8pPr marL="3200400" algn="l" defTabSz="914400" rtl="0" eaLnBrk="1" latinLnBrk="0" hangingPunct="1">
+      <a:defRPr sz="1200" kern="1200">
+        <a:solidFill>
+          <a:schemeClr val="tx1"/>
+        </a:solidFill>
+        <a:latin typeface="+mn-lt"/>
+        <a:ea typeface="+mn-ea"/>
+        <a:cs typeface="+mn-cs"/>
+      </a:defRPr>
+    </a:lvl8pPr>
+    <a:lvl9pPr marL="3657600" algn="l" defTabSz="914400" rtl="0" eaLnBrk="1" latinLnBrk="0" hangingPunct="1">
+      <a:defRPr sz="1200" kern="1200">
+        <a:solidFill>
+          <a:schemeClr val="tx1"/>
+        </a:solidFill>
+        <a:latin typeface="+mn-lt"/>
+        <a:ea typeface="+mn-ea"/>
+        <a:cs typeface="+mn-cs"/>
+      </a:defRPr>
+    </a:lvl9pPr>
+  </p:notesStyle>
+</p:notesMaster>
+</file>
+
+<file path=ppt/notesSlides/notesSlide1.xml><?xml version="1.0" encoding="utf-8"?>
+<p:notes xmlns:a="http://schemas.openxmlformats.org/drawingml/2006/main" xmlns:r="http://schemas.openxmlformats.org/officeDocument/2006/relationships" xmlns:p="http://schemas.openxmlformats.org/presentationml/2006/main" showMasterSp="0" showMasterPhAnim="0">
+  <p:cSld>
+    <p:spTree>
+      <p:nvGrpSpPr>
+        <p:cNvPr id="1" name="Shape 1222"/>
+        <p:cNvGrpSpPr/>
+        <p:nvPr/>
+      </p:nvGrpSpPr>
+      <p:grpSpPr>
+        <a:xfrm>
+          <a:off x="0" y="0"/>
+          <a:ext cx="0" cy="0"/>
+          <a:chOff x="0" y="0"/>
+          <a:chExt cx="0" cy="0"/>
+        </a:xfrm>
+      </p:grpSpPr>
+      <p:sp>
+        <p:nvSpPr>
+          <p:cNvPr id="1223" name="Google Shape;1223;gc897f1b335_0_83:notes"/>
+          <p:cNvSpPr>
+            <a:spLocks noGrp="1" noRot="1" noChangeAspect="1"/>
+          </p:cNvSpPr>
+          <p:nvPr>
+            <p:ph type="sldImg" idx="2"/>
+          </p:nvPr>
+        </p:nvSpPr>
+        <p:spPr>
+          <a:xfrm>
+            <a:off x="381000" y="685800"/>
+            <a:ext cx="6096000" cy="3429000"/>
+          </a:xfrm>
+          <a:custGeom>
+            <a:avLst/>
+            <a:gdLst/>
+            <a:ahLst/>
+            <a:cxnLst/>
+            <a:rect l="l" t="t" r="r" b="b"/>
+            <a:pathLst>
+              <a:path w="120000" h="120000" extrusionOk="0">
+                <a:moveTo>
+                  <a:pt x="0" y="0"/>
+                </a:moveTo>
+                <a:lnTo>
+                  <a:pt x="120000" y="0"/>
+                </a:lnTo>
+                <a:lnTo>
+                  <a:pt x="120000" y="120000"/>
+                </a:lnTo>
+                <a:lnTo>
+                  <a:pt x="0" y="120000"/>
+                </a:lnTo>
+                <a:close/>
+              </a:path>
+            </a:pathLst>
+          </a:custGeom>
+        </p:spPr>
+      </p:sp>
+      <p:sp>
+        <p:nvSpPr>
+          <p:cNvPr id="1224" name="Google Shape;1224;gc897f1b335_0_83:notes"/>
+          <p:cNvSpPr txBox="1">
+            <a:spLocks noGrp="1"/>
+          </p:cNvSpPr>
+          <p:nvPr>
+            <p:ph type="body" idx="1"/>
+          </p:nvPr>
+        </p:nvSpPr>
+        <p:spPr>
+          <a:xfrm>
+            <a:off x="685800" y="4343400"/>
+            <a:ext cx="5486400" cy="4114800"/>
+          </a:xfrm>
+          <a:prstGeom prst="rect">
+            <a:avLst/>
+          </a:prstGeom>
+        </p:spPr>
+        <p:txBody>
+          <a:bodyPr spcFirstLastPara="1" wrap="square" lIns="91425" tIns="91425" rIns="91425" bIns="91425" anchor="t" anchorCtr="0">
+            <a:noAutofit/>
+          </a:bodyPr>
+          <a:lstStyle/>
+          <a:p>
+            <a:pPr marL="0" lvl="0" indent="0" algn="l" rtl="0">
+              <a:spcBef>
+                <a:spcPts val="0"/>
+              </a:spcBef>
+              <a:spcAft>
+                <a:spcPts val="0"/>
+              </a:spcAft>
+              <a:buNone/>
+            </a:pPr>
+            <a:endParaRPr/>
+          </a:p>
+        </p:txBody>
+      </p:sp>
+    </p:spTree>
+    <p:extLst>
+      <p:ext uri="{BB962C8B-B14F-4D97-AF65-F5344CB8AC3E}">
+        <p14:creationId xmlns:p14="http://schemas.microsoft.com/office/powerpoint/2010/main" val="8964909"/>
+      </p:ext>
+    </p:extLst>
+  </p:cSld>
+  <p:clrMapOvr>
+    <a:masterClrMapping/>
+  </p:clrMapOvr>
+</p:notes>
 </file>
 
 <file path=ppt/slideLayouts/slideLayout1.xml><?xml version="1.0" encoding="utf-8"?>
@@ -3951,46 +4413,9 @@
 <file path=ppt/slides/slide2.xml><?xml version="1.0" encoding="utf-8"?>
 <p:sld xmlns:a="http://schemas.openxmlformats.org/drawingml/2006/main" xmlns:r="http://schemas.openxmlformats.org/officeDocument/2006/relationships" xmlns:p="http://schemas.openxmlformats.org/presentationml/2006/main">
   <p:cSld>
-    <p:spTree>
-      <p:nvGrpSpPr>
-        <p:cNvPr id="1" name=""/>
-        <p:cNvGrpSpPr/>
-        <p:nvPr/>
-      </p:nvGrpSpPr>
-      <p:grpSpPr>
-        <a:xfrm>
-          <a:off x="0" y="0"/>
-          <a:ext cx="0" cy="0"/>
-          <a:chOff x="0" y="0"/>
-          <a:chExt cx="0" cy="0"/>
-        </a:xfrm>
-      </p:grpSpPr>
-    </p:spTree>
-    <p:extLst>
-      <p:ext uri="{BB962C8B-B14F-4D97-AF65-F5344CB8AC3E}">
-        <p14:creationId xmlns:p14="http://schemas.microsoft.com/office/powerpoint/2010/main" val="1909429655"/>
-      </p:ext>
-    </p:extLst>
-  </p:cSld>
-  <p:clrMapOvr>
-    <a:masterClrMapping/>
-  </p:clrMapOvr>
-  <p:timing>
-    <p:tnLst>
-      <p:par>
-        <p:cTn id="1" dur="indefinite" restart="never" nodeType="tmRoot"/>
-      </p:par>
-    </p:tnLst>
-  </p:timing>
-</p:sld>
-</file>
-
-<file path=ppt/slides/slide3.xml><?xml version="1.0" encoding="utf-8"?>
-<p:sld xmlns:a="http://schemas.openxmlformats.org/drawingml/2006/main" xmlns:r="http://schemas.openxmlformats.org/officeDocument/2006/relationships" xmlns:p="http://schemas.openxmlformats.org/presentationml/2006/main">
-  <p:cSld>
     <p:bg>
       <p:bgPr>
-        <a:gradFill flip="none" rotWithShape="1">
+        <a:gradFill>
           <a:gsLst>
             <a:gs pos="38000">
               <a:schemeClr val="accent5">
@@ -4007,7 +4432,6 @@
           <a:path path="circle">
             <a:fillToRect l="50000" t="130000" r="50000" b="-30000"/>
           </a:path>
-          <a:tileRect/>
         </a:gradFill>
         <a:effectLst/>
       </p:bgPr>
@@ -6181,8 +6605,8 @@
         </p:nvSpPr>
         <p:spPr>
           <a:xfrm rot="18063834">
-            <a:off x="868190" y="4633074"/>
-            <a:ext cx="1346489" cy="1318646"/>
+            <a:off x="897020" y="4616784"/>
+            <a:ext cx="1254852" cy="1223780"/>
           </a:xfrm>
           <a:custGeom>
             <a:avLst/>
@@ -12798,6 +13222,1924 @@
 </p:sld>
 </file>
 
+<file path=ppt/slides/slide3.xml><?xml version="1.0" encoding="utf-8"?>
+<p:sld xmlns:a="http://schemas.openxmlformats.org/drawingml/2006/main" xmlns:r="http://schemas.openxmlformats.org/officeDocument/2006/relationships" xmlns:p="http://schemas.openxmlformats.org/presentationml/2006/main">
+  <p:cSld>
+    <p:bg>
+      <p:bgPr>
+        <a:solidFill>
+          <a:schemeClr val="accent5">
+            <a:lumMod val="60000"/>
+            <a:lumOff val="40000"/>
+          </a:schemeClr>
+        </a:solidFill>
+        <a:effectLst/>
+      </p:bgPr>
+    </p:bg>
+    <p:spTree>
+      <p:nvGrpSpPr>
+        <p:cNvPr id="1" name="Shape 1225"/>
+        <p:cNvGrpSpPr/>
+        <p:nvPr/>
+      </p:nvGrpSpPr>
+      <p:grpSpPr>
+        <a:xfrm>
+          <a:off x="0" y="0"/>
+          <a:ext cx="0" cy="0"/>
+          <a:chOff x="0" y="0"/>
+          <a:chExt cx="0" cy="0"/>
+        </a:xfrm>
+      </p:grpSpPr>
+      <p:sp>
+        <p:nvSpPr>
+          <p:cNvPr id="1226" name="Google Shape;1226;p39"/>
+          <p:cNvSpPr txBox="1">
+            <a:spLocks noGrp="1"/>
+          </p:cNvSpPr>
+          <p:nvPr>
+            <p:ph type="title"/>
+          </p:nvPr>
+        </p:nvSpPr>
+        <p:spPr>
+          <a:xfrm>
+            <a:off x="82813" y="294735"/>
+            <a:ext cx="8880400" cy="528400"/>
+          </a:xfrm>
+          <a:prstGeom prst="rect">
+            <a:avLst/>
+          </a:prstGeom>
+        </p:spPr>
+        <p:txBody>
+          <a:bodyPr spcFirstLastPara="1" vert="horz" wrap="square" lIns="0" tIns="0" rIns="0" bIns="0" rtlCol="0" anchor="b" anchorCtr="0">
+            <a:noAutofit/>
+          </a:bodyPr>
+          <a:lstStyle/>
+          <a:p>
+            <a:pPr algn="ctr">
+              <a:spcBef>
+                <a:spcPts val="0"/>
+              </a:spcBef>
+            </a:pPr>
+            <a:r>
+              <a:rPr lang="en-US" dirty="0" smtClean="0">
+                <a:latin typeface="Times New Roman" panose="02020603050405020304" pitchFamily="18" charset="0"/>
+                <a:cs typeface="Times New Roman" panose="02020603050405020304" pitchFamily="18" charset="0"/>
+              </a:rPr>
+              <a:t>Developing a logic model helps us to</a:t>
+            </a:r>
+            <a:endParaRPr dirty="0">
+              <a:latin typeface="Times New Roman" panose="02020603050405020304" pitchFamily="18" charset="0"/>
+              <a:cs typeface="Times New Roman" panose="02020603050405020304" pitchFamily="18" charset="0"/>
+            </a:endParaRPr>
+          </a:p>
+        </p:txBody>
+      </p:sp>
+      <p:sp>
+        <p:nvSpPr>
+          <p:cNvPr id="1227" name="Google Shape;1227;p39"/>
+          <p:cNvSpPr txBox="1">
+            <a:spLocks noGrp="1"/>
+          </p:cNvSpPr>
+          <p:nvPr>
+            <p:ph type="sldNum" idx="12"/>
+          </p:nvPr>
+        </p:nvSpPr>
+        <p:spPr>
+          <a:xfrm>
+            <a:off x="5730200" y="5885065"/>
+            <a:ext cx="731600" cy="972800"/>
+          </a:xfrm>
+          <a:prstGeom prst="rect">
+            <a:avLst/>
+          </a:prstGeom>
+        </p:spPr>
+        <p:txBody>
+          <a:bodyPr spcFirstLastPara="1" vert="horz" wrap="square" lIns="0" tIns="0" rIns="0" bIns="0" rtlCol="0" anchor="ctr" anchorCtr="0">
+            <a:noAutofit/>
+          </a:bodyPr>
+          <a:lstStyle/>
+          <a:p>
+            <a:pPr algn="ctr"/>
+            <a:fld id="{00000000-1234-1234-1234-123412341234}" type="slidenum">
+              <a:rPr lang="en"/>
+              <a:pPr algn="ctr"/>
+              <a:t>3</a:t>
+            </a:fld>
+            <a:endParaRPr/>
+          </a:p>
+        </p:txBody>
+      </p:sp>
+      <p:grpSp>
+        <p:nvGrpSpPr>
+          <p:cNvPr id="11" name="Group 10"/>
+          <p:cNvGrpSpPr/>
+          <p:nvPr/>
+        </p:nvGrpSpPr>
+        <p:grpSpPr>
+          <a:xfrm>
+            <a:off x="0" y="3318556"/>
+            <a:ext cx="12192000" cy="1359143"/>
+            <a:chOff x="0" y="3318556"/>
+            <a:chExt cx="12192000" cy="1359143"/>
+          </a:xfrm>
+        </p:grpSpPr>
+        <p:sp>
+          <p:nvSpPr>
+            <p:cNvPr id="1228" name="Google Shape;1228;p39"/>
+            <p:cNvSpPr/>
+            <p:nvPr/>
+          </p:nvSpPr>
+          <p:spPr>
+            <a:xfrm>
+              <a:off x="0" y="3329642"/>
+              <a:ext cx="12192000" cy="1348057"/>
+            </a:xfrm>
+            <a:custGeom>
+              <a:avLst/>
+              <a:gdLst/>
+              <a:ahLst/>
+              <a:cxnLst/>
+              <a:rect l="l" t="t" r="r" b="b"/>
+              <a:pathLst>
+                <a:path w="12192000" h="1348058" extrusionOk="0">
+                  <a:moveTo>
+                    <a:pt x="12192000" y="0"/>
+                  </a:moveTo>
+                  <a:lnTo>
+                    <a:pt x="10837333" y="0"/>
+                  </a:lnTo>
+                  <a:cubicBezTo>
+                    <a:pt x="10463295" y="0"/>
+                    <a:pt x="10160000" y="301773"/>
+                    <a:pt x="10160000" y="674029"/>
+                  </a:cubicBezTo>
+                  <a:lnTo>
+                    <a:pt x="10160000" y="674029"/>
+                  </a:lnTo>
+                  <a:cubicBezTo>
+                    <a:pt x="10160000" y="1046281"/>
+                    <a:pt x="9856705" y="1348059"/>
+                    <a:pt x="9482667" y="1348059"/>
+                  </a:cubicBezTo>
+                  <a:lnTo>
+                    <a:pt x="9482667" y="1348059"/>
+                  </a:lnTo>
+                  <a:cubicBezTo>
+                    <a:pt x="9108581" y="1348059"/>
+                    <a:pt x="8805333" y="1046281"/>
+                    <a:pt x="8805333" y="674029"/>
+                  </a:cubicBezTo>
+                  <a:lnTo>
+                    <a:pt x="8805333" y="674029"/>
+                  </a:lnTo>
+                  <a:cubicBezTo>
+                    <a:pt x="8805333" y="301773"/>
+                    <a:pt x="8502086" y="0"/>
+                    <a:pt x="8128000" y="0"/>
+                  </a:cubicBezTo>
+                  <a:lnTo>
+                    <a:pt x="8128000" y="0"/>
+                  </a:lnTo>
+                  <a:cubicBezTo>
+                    <a:pt x="7753915" y="0"/>
+                    <a:pt x="7450667" y="301773"/>
+                    <a:pt x="7450667" y="674029"/>
+                  </a:cubicBezTo>
+                  <a:lnTo>
+                    <a:pt x="7450667" y="674029"/>
+                  </a:lnTo>
+                  <a:cubicBezTo>
+                    <a:pt x="7450667" y="1046281"/>
+                    <a:pt x="7147419" y="1348059"/>
+                    <a:pt x="6773334" y="1348059"/>
+                  </a:cubicBezTo>
+                  <a:lnTo>
+                    <a:pt x="6773334" y="1348059"/>
+                  </a:lnTo>
+                  <a:cubicBezTo>
+                    <a:pt x="6399248" y="1348059"/>
+                    <a:pt x="6096000" y="1046281"/>
+                    <a:pt x="6096000" y="674029"/>
+                  </a:cubicBezTo>
+                  <a:lnTo>
+                    <a:pt x="6096000" y="674029"/>
+                  </a:lnTo>
+                  <a:cubicBezTo>
+                    <a:pt x="6096000" y="301773"/>
+                    <a:pt x="5792753" y="0"/>
+                    <a:pt x="5418667" y="0"/>
+                  </a:cubicBezTo>
+                  <a:lnTo>
+                    <a:pt x="5418667" y="0"/>
+                  </a:lnTo>
+                  <a:cubicBezTo>
+                    <a:pt x="5044581" y="0"/>
+                    <a:pt x="4741334" y="301773"/>
+                    <a:pt x="4741334" y="674029"/>
+                  </a:cubicBezTo>
+                  <a:lnTo>
+                    <a:pt x="4741334" y="674029"/>
+                  </a:lnTo>
+                  <a:cubicBezTo>
+                    <a:pt x="4741334" y="1046281"/>
+                    <a:pt x="4438076" y="1348059"/>
+                    <a:pt x="4064000" y="1348059"/>
+                  </a:cubicBezTo>
+                  <a:lnTo>
+                    <a:pt x="4064000" y="1348059"/>
+                  </a:lnTo>
+                  <a:cubicBezTo>
+                    <a:pt x="3689924" y="1348059"/>
+                    <a:pt x="3386667" y="1046281"/>
+                    <a:pt x="3386667" y="674029"/>
+                  </a:cubicBezTo>
+                  <a:lnTo>
+                    <a:pt x="3386667" y="674029"/>
+                  </a:lnTo>
+                  <a:cubicBezTo>
+                    <a:pt x="3386667" y="301773"/>
+                    <a:pt x="3083410" y="0"/>
+                    <a:pt x="2709333" y="0"/>
+                  </a:cubicBezTo>
+                  <a:lnTo>
+                    <a:pt x="2709333" y="0"/>
+                  </a:lnTo>
+                  <a:cubicBezTo>
+                    <a:pt x="2335257" y="0"/>
+                    <a:pt x="2032000" y="301773"/>
+                    <a:pt x="2032000" y="674029"/>
+                  </a:cubicBezTo>
+                  <a:lnTo>
+                    <a:pt x="2032000" y="674029"/>
+                  </a:lnTo>
+                  <a:cubicBezTo>
+                    <a:pt x="2032000" y="1046281"/>
+                    <a:pt x="1728743" y="1348059"/>
+                    <a:pt x="1354667" y="1348059"/>
+                  </a:cubicBezTo>
+                  <a:lnTo>
+                    <a:pt x="0" y="1348059"/>
+                  </a:lnTo>
+                </a:path>
+              </a:pathLst>
+            </a:custGeom>
+            <a:noFill/>
+            <a:ln w="228600" cap="flat" cmpd="sng">
+              <a:solidFill>
+                <a:schemeClr val="lt2"/>
+              </a:solidFill>
+              <a:prstDash val="solid"/>
+              <a:miter lim="8000"/>
+              <a:headEnd type="none" w="sm" len="sm"/>
+              <a:tailEnd type="none" w="sm" len="sm"/>
+            </a:ln>
+          </p:spPr>
+          <p:txBody>
+            <a:bodyPr spcFirstLastPara="1" wrap="square" lIns="121900" tIns="60933" rIns="121900" bIns="60933" anchor="ctr" anchorCtr="0">
+              <a:noAutofit/>
+            </a:bodyPr>
+            <a:lstStyle/>
+            <a:p>
+              <a:endParaRPr sz="2400">
+                <a:solidFill>
+                  <a:srgbClr val="000000"/>
+                </a:solidFill>
+                <a:latin typeface="Calibri"/>
+                <a:ea typeface="Calibri"/>
+                <a:cs typeface="Calibri"/>
+                <a:sym typeface="Calibri"/>
+              </a:endParaRPr>
+            </a:p>
+          </p:txBody>
+        </p:sp>
+        <p:sp>
+          <p:nvSpPr>
+            <p:cNvPr id="1229" name="Google Shape;1229;p39"/>
+            <p:cNvSpPr/>
+            <p:nvPr/>
+          </p:nvSpPr>
+          <p:spPr>
+            <a:xfrm>
+              <a:off x="0" y="3318556"/>
+              <a:ext cx="12192000" cy="1348057"/>
+            </a:xfrm>
+            <a:custGeom>
+              <a:avLst/>
+              <a:gdLst/>
+              <a:ahLst/>
+              <a:cxnLst/>
+              <a:rect l="l" t="t" r="r" b="b"/>
+              <a:pathLst>
+                <a:path w="12192000" h="1348058" extrusionOk="0">
+                  <a:moveTo>
+                    <a:pt x="12192000" y="0"/>
+                  </a:moveTo>
+                  <a:lnTo>
+                    <a:pt x="10837333" y="0"/>
+                  </a:lnTo>
+                  <a:cubicBezTo>
+                    <a:pt x="10463295" y="0"/>
+                    <a:pt x="10160000" y="301773"/>
+                    <a:pt x="10160000" y="674029"/>
+                  </a:cubicBezTo>
+                  <a:lnTo>
+                    <a:pt x="10160000" y="674029"/>
+                  </a:lnTo>
+                  <a:cubicBezTo>
+                    <a:pt x="10160000" y="1046281"/>
+                    <a:pt x="9856705" y="1348059"/>
+                    <a:pt x="9482667" y="1348059"/>
+                  </a:cubicBezTo>
+                  <a:lnTo>
+                    <a:pt x="9482667" y="1348059"/>
+                  </a:lnTo>
+                  <a:cubicBezTo>
+                    <a:pt x="9108581" y="1348059"/>
+                    <a:pt x="8805333" y="1046281"/>
+                    <a:pt x="8805333" y="674029"/>
+                  </a:cubicBezTo>
+                  <a:lnTo>
+                    <a:pt x="8805333" y="674029"/>
+                  </a:lnTo>
+                  <a:cubicBezTo>
+                    <a:pt x="8805333" y="301773"/>
+                    <a:pt x="8502086" y="0"/>
+                    <a:pt x="8128000" y="0"/>
+                  </a:cubicBezTo>
+                  <a:lnTo>
+                    <a:pt x="8128000" y="0"/>
+                  </a:lnTo>
+                  <a:cubicBezTo>
+                    <a:pt x="7753915" y="0"/>
+                    <a:pt x="7450667" y="301773"/>
+                    <a:pt x="7450667" y="674029"/>
+                  </a:cubicBezTo>
+                  <a:lnTo>
+                    <a:pt x="7450667" y="674029"/>
+                  </a:lnTo>
+                  <a:cubicBezTo>
+                    <a:pt x="7450667" y="1046281"/>
+                    <a:pt x="7147419" y="1348059"/>
+                    <a:pt x="6773334" y="1348059"/>
+                  </a:cubicBezTo>
+                  <a:lnTo>
+                    <a:pt x="6773334" y="1348059"/>
+                  </a:lnTo>
+                  <a:cubicBezTo>
+                    <a:pt x="6399248" y="1348059"/>
+                    <a:pt x="6096000" y="1046281"/>
+                    <a:pt x="6096000" y="674029"/>
+                  </a:cubicBezTo>
+                  <a:lnTo>
+                    <a:pt x="6096000" y="674029"/>
+                  </a:lnTo>
+                  <a:cubicBezTo>
+                    <a:pt x="6096000" y="301773"/>
+                    <a:pt x="5792753" y="0"/>
+                    <a:pt x="5418667" y="0"/>
+                  </a:cubicBezTo>
+                  <a:lnTo>
+                    <a:pt x="5418667" y="0"/>
+                  </a:lnTo>
+                  <a:cubicBezTo>
+                    <a:pt x="5044581" y="0"/>
+                    <a:pt x="4741334" y="301773"/>
+                    <a:pt x="4741334" y="674029"/>
+                  </a:cubicBezTo>
+                  <a:lnTo>
+                    <a:pt x="4741334" y="674029"/>
+                  </a:lnTo>
+                  <a:cubicBezTo>
+                    <a:pt x="4741334" y="1046281"/>
+                    <a:pt x="4438076" y="1348059"/>
+                    <a:pt x="4064000" y="1348059"/>
+                  </a:cubicBezTo>
+                  <a:lnTo>
+                    <a:pt x="4064000" y="1348059"/>
+                  </a:lnTo>
+                  <a:cubicBezTo>
+                    <a:pt x="3689924" y="1348059"/>
+                    <a:pt x="3386667" y="1046281"/>
+                    <a:pt x="3386667" y="674029"/>
+                  </a:cubicBezTo>
+                  <a:lnTo>
+                    <a:pt x="3386667" y="674029"/>
+                  </a:lnTo>
+                  <a:cubicBezTo>
+                    <a:pt x="3386667" y="301773"/>
+                    <a:pt x="3083410" y="0"/>
+                    <a:pt x="2709333" y="0"/>
+                  </a:cubicBezTo>
+                  <a:lnTo>
+                    <a:pt x="2709333" y="0"/>
+                  </a:lnTo>
+                  <a:cubicBezTo>
+                    <a:pt x="2335257" y="0"/>
+                    <a:pt x="2032000" y="301773"/>
+                    <a:pt x="2032000" y="674029"/>
+                  </a:cubicBezTo>
+                  <a:lnTo>
+                    <a:pt x="2032000" y="674029"/>
+                  </a:lnTo>
+                  <a:cubicBezTo>
+                    <a:pt x="2032000" y="1046281"/>
+                    <a:pt x="1728743" y="1348059"/>
+                    <a:pt x="1354667" y="1348059"/>
+                  </a:cubicBezTo>
+                  <a:lnTo>
+                    <a:pt x="0" y="1348059"/>
+                  </a:lnTo>
+                </a:path>
+              </a:pathLst>
+            </a:custGeom>
+            <a:noFill/>
+            <a:ln w="19050" cap="flat" cmpd="sng">
+              <a:solidFill>
+                <a:schemeClr val="dk1"/>
+              </a:solidFill>
+              <a:prstDash val="dash"/>
+              <a:miter lim="8000"/>
+              <a:headEnd type="none" w="sm" len="sm"/>
+              <a:tailEnd type="none" w="sm" len="sm"/>
+            </a:ln>
+          </p:spPr>
+          <p:txBody>
+            <a:bodyPr spcFirstLastPara="1" wrap="square" lIns="121900" tIns="60933" rIns="121900" bIns="60933" anchor="ctr" anchorCtr="0">
+              <a:noAutofit/>
+            </a:bodyPr>
+            <a:lstStyle/>
+            <a:p>
+              <a:endParaRPr sz="2400">
+                <a:solidFill>
+                  <a:schemeClr val="lt1"/>
+                </a:solidFill>
+                <a:latin typeface="Calibri"/>
+                <a:ea typeface="Calibri"/>
+                <a:cs typeface="Calibri"/>
+                <a:sym typeface="Calibri"/>
+              </a:endParaRPr>
+            </a:p>
+          </p:txBody>
+        </p:sp>
+      </p:grpSp>
+      <p:sp>
+        <p:nvSpPr>
+          <p:cNvPr id="1248" name="Google Shape;1248;p39"/>
+          <p:cNvSpPr txBox="1"/>
+          <p:nvPr/>
+        </p:nvSpPr>
+        <p:spPr>
+          <a:xfrm>
+            <a:off x="1385500" y="1339862"/>
+            <a:ext cx="2362697" cy="711200"/>
+          </a:xfrm>
+          <a:prstGeom prst="rect">
+            <a:avLst/>
+          </a:prstGeom>
+          <a:noFill/>
+          <a:ln>
+            <a:noFill/>
+          </a:ln>
+        </p:spPr>
+        <p:txBody>
+          <a:bodyPr spcFirstLastPara="1" wrap="square" lIns="0" tIns="0" rIns="0" bIns="0" anchor="b" anchorCtr="0">
+            <a:noAutofit/>
+          </a:bodyPr>
+          <a:lstStyle/>
+          <a:p>
+            <a:pPr algn="ctr"/>
+            <a:r>
+              <a:rPr lang="en" sz="2400" dirty="0" smtClean="0">
+                <a:latin typeface="Times New Roman" panose="02020603050405020304" pitchFamily="18" charset="0"/>
+                <a:ea typeface="Catamaran"/>
+                <a:cs typeface="Times New Roman" panose="02020603050405020304" pitchFamily="18" charset="0"/>
+                <a:sym typeface="Catamaran"/>
+              </a:rPr>
+              <a:t>Design programs and initiatives</a:t>
+            </a:r>
+            <a:endParaRPr sz="2400" dirty="0">
+              <a:latin typeface="Times New Roman" panose="02020603050405020304" pitchFamily="18" charset="0"/>
+              <a:ea typeface="Catamaran"/>
+              <a:cs typeface="Times New Roman" panose="02020603050405020304" pitchFamily="18" charset="0"/>
+              <a:sym typeface="Catamaran"/>
+            </a:endParaRPr>
+          </a:p>
+        </p:txBody>
+      </p:sp>
+      <p:sp>
+        <p:nvSpPr>
+          <p:cNvPr id="1249" name="Google Shape;1249;p39"/>
+          <p:cNvSpPr txBox="1"/>
+          <p:nvPr/>
+        </p:nvSpPr>
+        <p:spPr>
+          <a:xfrm>
+            <a:off x="4286604" y="1410619"/>
+            <a:ext cx="2011965" cy="711200"/>
+          </a:xfrm>
+          <a:prstGeom prst="rect">
+            <a:avLst/>
+          </a:prstGeom>
+          <a:noFill/>
+          <a:ln>
+            <a:noFill/>
+          </a:ln>
+        </p:spPr>
+        <p:txBody>
+          <a:bodyPr spcFirstLastPara="1" wrap="square" lIns="0" tIns="0" rIns="0" bIns="0" anchor="b" anchorCtr="0">
+            <a:noAutofit/>
+          </a:bodyPr>
+          <a:lstStyle/>
+          <a:p>
+            <a:pPr algn="ctr"/>
+            <a:r>
+              <a:rPr lang="en" sz="2400" dirty="0" smtClean="0">
+                <a:latin typeface="Times New Roman" panose="02020603050405020304" pitchFamily="18" charset="0"/>
+                <a:ea typeface="Catamaran"/>
+                <a:cs typeface="Times New Roman" panose="02020603050405020304" pitchFamily="18" charset="0"/>
+                <a:sym typeface="Catamaran"/>
+              </a:rPr>
+              <a:t>Identify external factors</a:t>
+            </a:r>
+            <a:endParaRPr sz="2400" dirty="0">
+              <a:latin typeface="Times New Roman" panose="02020603050405020304" pitchFamily="18" charset="0"/>
+              <a:ea typeface="Catamaran"/>
+              <a:cs typeface="Times New Roman" panose="02020603050405020304" pitchFamily="18" charset="0"/>
+              <a:sym typeface="Catamaran"/>
+            </a:endParaRPr>
+          </a:p>
+        </p:txBody>
+      </p:sp>
+      <p:sp>
+        <p:nvSpPr>
+          <p:cNvPr id="1250" name="Google Shape;1250;p39"/>
+          <p:cNvSpPr txBox="1"/>
+          <p:nvPr/>
+        </p:nvSpPr>
+        <p:spPr>
+          <a:xfrm>
+            <a:off x="7375383" y="1447099"/>
+            <a:ext cx="1715200" cy="711200"/>
+          </a:xfrm>
+          <a:prstGeom prst="rect">
+            <a:avLst/>
+          </a:prstGeom>
+          <a:noFill/>
+          <a:ln>
+            <a:noFill/>
+          </a:ln>
+        </p:spPr>
+        <p:txBody>
+          <a:bodyPr spcFirstLastPara="1" wrap="square" lIns="0" tIns="0" rIns="0" bIns="0" anchor="b" anchorCtr="0">
+            <a:noAutofit/>
+          </a:bodyPr>
+          <a:lstStyle/>
+          <a:p>
+            <a:pPr algn="ctr"/>
+            <a:r>
+              <a:rPr lang="en" sz="2400" dirty="0" smtClean="0">
+                <a:latin typeface="Times New Roman" panose="02020603050405020304" pitchFamily="18" charset="0"/>
+                <a:ea typeface="Catamaran"/>
+                <a:cs typeface="Times New Roman" panose="02020603050405020304" pitchFamily="18" charset="0"/>
+                <a:sym typeface="Catamaran"/>
+              </a:rPr>
+              <a:t>Identify key process</a:t>
+            </a:r>
+            <a:endParaRPr sz="2400" dirty="0">
+              <a:latin typeface="Times New Roman" panose="02020603050405020304" pitchFamily="18" charset="0"/>
+              <a:ea typeface="Catamaran"/>
+              <a:cs typeface="Times New Roman" panose="02020603050405020304" pitchFamily="18" charset="0"/>
+              <a:sym typeface="Catamaran"/>
+            </a:endParaRPr>
+          </a:p>
+        </p:txBody>
+      </p:sp>
+      <p:sp>
+        <p:nvSpPr>
+          <p:cNvPr id="1251" name="Google Shape;1251;p39"/>
+          <p:cNvSpPr txBox="1"/>
+          <p:nvPr/>
+        </p:nvSpPr>
+        <p:spPr>
+          <a:xfrm>
+            <a:off x="2669144" y="5757211"/>
+            <a:ext cx="2636661" cy="711200"/>
+          </a:xfrm>
+          <a:prstGeom prst="rect">
+            <a:avLst/>
+          </a:prstGeom>
+          <a:noFill/>
+          <a:ln>
+            <a:noFill/>
+          </a:ln>
+        </p:spPr>
+        <p:txBody>
+          <a:bodyPr spcFirstLastPara="1" wrap="square" lIns="0" tIns="0" rIns="0" bIns="0" anchor="t" anchorCtr="0">
+            <a:noAutofit/>
+          </a:bodyPr>
+          <a:lstStyle/>
+          <a:p>
+            <a:pPr algn="ctr"/>
+            <a:r>
+              <a:rPr lang="en" sz="2400" dirty="0" smtClean="0">
+                <a:latin typeface="Times New Roman" panose="02020603050405020304" pitchFamily="18" charset="0"/>
+                <a:ea typeface="Catamaran"/>
+                <a:cs typeface="Times New Roman" panose="02020603050405020304" pitchFamily="18" charset="0"/>
+                <a:sym typeface="Catamaran"/>
+              </a:rPr>
+              <a:t>Identify and express assumptions</a:t>
+            </a:r>
+            <a:endParaRPr sz="2400" dirty="0">
+              <a:latin typeface="Times New Roman" panose="02020603050405020304" pitchFamily="18" charset="0"/>
+              <a:ea typeface="Catamaran"/>
+              <a:cs typeface="Times New Roman" panose="02020603050405020304" pitchFamily="18" charset="0"/>
+              <a:sym typeface="Catamaran"/>
+            </a:endParaRPr>
+          </a:p>
+        </p:txBody>
+      </p:sp>
+      <p:sp>
+        <p:nvSpPr>
+          <p:cNvPr id="1252" name="Google Shape;1252;p39"/>
+          <p:cNvSpPr txBox="1"/>
+          <p:nvPr/>
+        </p:nvSpPr>
+        <p:spPr>
+          <a:xfrm>
+            <a:off x="5976222" y="5826870"/>
+            <a:ext cx="1715200" cy="711200"/>
+          </a:xfrm>
+          <a:prstGeom prst="rect">
+            <a:avLst/>
+          </a:prstGeom>
+          <a:noFill/>
+          <a:ln>
+            <a:noFill/>
+          </a:ln>
+        </p:spPr>
+        <p:txBody>
+          <a:bodyPr spcFirstLastPara="1" wrap="square" lIns="0" tIns="0" rIns="0" bIns="0" anchor="t" anchorCtr="0">
+            <a:noAutofit/>
+          </a:bodyPr>
+          <a:lstStyle/>
+          <a:p>
+            <a:pPr algn="ctr"/>
+            <a:r>
+              <a:rPr lang="en" sz="2400" dirty="0" smtClean="0">
+                <a:latin typeface="Times New Roman" panose="02020603050405020304" pitchFamily="18" charset="0"/>
+                <a:ea typeface="Catamaran"/>
+                <a:cs typeface="Times New Roman" panose="02020603050405020304" pitchFamily="18" charset="0"/>
+                <a:sym typeface="Catamaran"/>
+              </a:rPr>
+              <a:t>Identify possible ways</a:t>
+            </a:r>
+            <a:endParaRPr sz="2400" dirty="0">
+              <a:latin typeface="Times New Roman" panose="02020603050405020304" pitchFamily="18" charset="0"/>
+              <a:ea typeface="Catamaran"/>
+              <a:cs typeface="Times New Roman" panose="02020603050405020304" pitchFamily="18" charset="0"/>
+              <a:sym typeface="Catamaran"/>
+            </a:endParaRPr>
+          </a:p>
+        </p:txBody>
+      </p:sp>
+      <p:sp>
+        <p:nvSpPr>
+          <p:cNvPr id="1253" name="Google Shape;1253;p39"/>
+          <p:cNvSpPr txBox="1"/>
+          <p:nvPr/>
+        </p:nvSpPr>
+        <p:spPr>
+          <a:xfrm>
+            <a:off x="8498495" y="5757211"/>
+            <a:ext cx="2169666" cy="776924"/>
+          </a:xfrm>
+          <a:prstGeom prst="rect">
+            <a:avLst/>
+          </a:prstGeom>
+          <a:noFill/>
+          <a:ln>
+            <a:noFill/>
+          </a:ln>
+        </p:spPr>
+        <p:txBody>
+          <a:bodyPr spcFirstLastPara="1" wrap="square" lIns="0" tIns="0" rIns="0" bIns="0" anchor="t" anchorCtr="0">
+            <a:noAutofit/>
+          </a:bodyPr>
+          <a:lstStyle/>
+          <a:p>
+            <a:pPr algn="ctr"/>
+            <a:r>
+              <a:rPr lang="en" sz="2400" dirty="0" smtClean="0">
+                <a:latin typeface="Times New Roman" panose="02020603050405020304" pitchFamily="18" charset="0"/>
+                <a:ea typeface="Catamaran"/>
+                <a:cs typeface="Times New Roman" panose="02020603050405020304" pitchFamily="18" charset="0"/>
+                <a:sym typeface="Catamaran"/>
+              </a:rPr>
+              <a:t>Identify key results</a:t>
+            </a:r>
+            <a:endParaRPr sz="2400" dirty="0">
+              <a:latin typeface="Times New Roman" panose="02020603050405020304" pitchFamily="18" charset="0"/>
+              <a:ea typeface="Catamaran"/>
+              <a:cs typeface="Times New Roman" panose="02020603050405020304" pitchFamily="18" charset="0"/>
+              <a:sym typeface="Catamaran"/>
+            </a:endParaRPr>
+          </a:p>
+        </p:txBody>
+      </p:sp>
+      <p:cxnSp>
+        <p:nvCxnSpPr>
+          <p:cNvPr id="3" name="Straight Connector 2"/>
+          <p:cNvCxnSpPr/>
+          <p:nvPr/>
+        </p:nvCxnSpPr>
+        <p:spPr>
+          <a:xfrm>
+            <a:off x="0" y="1035316"/>
+            <a:ext cx="12192000" cy="0"/>
+          </a:xfrm>
+          <a:prstGeom prst="line">
+            <a:avLst/>
+          </a:prstGeom>
+          <a:ln w="38100">
+            <a:solidFill>
+              <a:schemeClr val="bg1"/>
+            </a:solidFill>
+          </a:ln>
+        </p:spPr>
+        <p:style>
+          <a:lnRef idx="1">
+            <a:schemeClr val="accent1"/>
+          </a:lnRef>
+          <a:fillRef idx="0">
+            <a:schemeClr val="accent1"/>
+          </a:fillRef>
+          <a:effectRef idx="0">
+            <a:schemeClr val="accent1"/>
+          </a:effectRef>
+          <a:fontRef idx="minor">
+            <a:schemeClr val="tx1"/>
+          </a:fontRef>
+        </p:style>
+      </p:cxnSp>
+      <p:grpSp>
+        <p:nvGrpSpPr>
+          <p:cNvPr id="5" name="Group 4"/>
+          <p:cNvGrpSpPr/>
+          <p:nvPr/>
+        </p:nvGrpSpPr>
+        <p:grpSpPr>
+          <a:xfrm>
+            <a:off x="2307503" y="2325195"/>
+            <a:ext cx="696847" cy="696847"/>
+            <a:chOff x="2307503" y="2325195"/>
+            <a:chExt cx="696847" cy="696847"/>
+          </a:xfrm>
+        </p:grpSpPr>
+        <p:sp>
+          <p:nvSpPr>
+            <p:cNvPr id="1231" name="Google Shape;1231;p39"/>
+            <p:cNvSpPr/>
+            <p:nvPr/>
+          </p:nvSpPr>
+          <p:spPr>
+            <a:xfrm rot="8100000">
+              <a:off x="2307503" y="2325195"/>
+              <a:ext cx="696847" cy="696847"/>
+            </a:xfrm>
+            <a:prstGeom prst="teardrop">
+              <a:avLst>
+                <a:gd name="adj" fmla="val 100000"/>
+              </a:avLst>
+            </a:prstGeom>
+            <a:solidFill>
+              <a:schemeClr val="bg1"/>
+            </a:solidFill>
+            <a:ln>
+              <a:noFill/>
+            </a:ln>
+          </p:spPr>
+          <p:txBody>
+            <a:bodyPr spcFirstLastPara="1" wrap="square" lIns="121900" tIns="121900" rIns="121900" bIns="121900" anchor="ctr" anchorCtr="0">
+              <a:noAutofit/>
+            </a:bodyPr>
+            <a:lstStyle/>
+            <a:p>
+              <a:endParaRPr sz="2400" dirty="0">
+                <a:latin typeface="Catamaran"/>
+                <a:ea typeface="Catamaran"/>
+                <a:cs typeface="Catamaran"/>
+                <a:sym typeface="Catamaran"/>
+              </a:endParaRPr>
+            </a:p>
+          </p:txBody>
+        </p:sp>
+        <p:sp>
+          <p:nvSpPr>
+            <p:cNvPr id="4" name="TextBox 3"/>
+            <p:cNvSpPr txBox="1"/>
+            <p:nvPr/>
+          </p:nvSpPr>
+          <p:spPr>
+            <a:xfrm>
+              <a:off x="2465426" y="2423199"/>
+              <a:ext cx="342900" cy="523220"/>
+            </a:xfrm>
+            <a:prstGeom prst="rect">
+              <a:avLst/>
+            </a:prstGeom>
+            <a:noFill/>
+          </p:spPr>
+          <p:txBody>
+            <a:bodyPr wrap="square" rtlCol="0">
+              <a:spAutoFit/>
+            </a:bodyPr>
+            <a:lstStyle/>
+            <a:p>
+              <a:r>
+                <a:rPr lang="en-US" sz="2800" dirty="0" smtClean="0">
+                  <a:latin typeface="Times New Roman" panose="02020603050405020304" pitchFamily="18" charset="0"/>
+                  <a:cs typeface="Times New Roman" panose="02020603050405020304" pitchFamily="18" charset="0"/>
+                </a:rPr>
+                <a:t>1</a:t>
+              </a:r>
+              <a:endParaRPr lang="en-US" sz="2800" dirty="0">
+                <a:latin typeface="Times New Roman" panose="02020603050405020304" pitchFamily="18" charset="0"/>
+                <a:cs typeface="Times New Roman" panose="02020603050405020304" pitchFamily="18" charset="0"/>
+              </a:endParaRPr>
+            </a:p>
+          </p:txBody>
+        </p:sp>
+      </p:grpSp>
+      <p:grpSp>
+        <p:nvGrpSpPr>
+          <p:cNvPr id="9" name="Group 8"/>
+          <p:cNvGrpSpPr/>
+          <p:nvPr/>
+        </p:nvGrpSpPr>
+        <p:grpSpPr>
+          <a:xfrm>
+            <a:off x="6424045" y="5042489"/>
+            <a:ext cx="696847" cy="696847"/>
+            <a:chOff x="6424045" y="5042489"/>
+            <a:chExt cx="696847" cy="696847"/>
+          </a:xfrm>
+        </p:grpSpPr>
+        <p:sp>
+          <p:nvSpPr>
+            <p:cNvPr id="35" name="Google Shape;1231;p39"/>
+            <p:cNvSpPr/>
+            <p:nvPr/>
+          </p:nvSpPr>
+          <p:spPr>
+            <a:xfrm rot="18900000">
+              <a:off x="6424045" y="5042489"/>
+              <a:ext cx="696847" cy="696847"/>
+            </a:xfrm>
+            <a:prstGeom prst="teardrop">
+              <a:avLst>
+                <a:gd name="adj" fmla="val 100000"/>
+              </a:avLst>
+            </a:prstGeom>
+            <a:solidFill>
+              <a:schemeClr val="accent6"/>
+            </a:solidFill>
+            <a:ln>
+              <a:noFill/>
+            </a:ln>
+          </p:spPr>
+          <p:txBody>
+            <a:bodyPr spcFirstLastPara="1" wrap="square" lIns="121900" tIns="121900" rIns="121900" bIns="121900" anchor="ctr" anchorCtr="0">
+              <a:noAutofit/>
+            </a:bodyPr>
+            <a:lstStyle/>
+            <a:p>
+              <a:endParaRPr sz="2400">
+                <a:latin typeface="Catamaran"/>
+                <a:ea typeface="Catamaran"/>
+                <a:cs typeface="Catamaran"/>
+                <a:sym typeface="Catamaran"/>
+              </a:endParaRPr>
+            </a:p>
+          </p:txBody>
+        </p:sp>
+        <p:sp>
+          <p:nvSpPr>
+            <p:cNvPr id="41" name="TextBox 40"/>
+            <p:cNvSpPr txBox="1"/>
+            <p:nvPr/>
+          </p:nvSpPr>
+          <p:spPr>
+            <a:xfrm>
+              <a:off x="6591021" y="5105728"/>
+              <a:ext cx="262879" cy="519089"/>
+            </a:xfrm>
+            <a:prstGeom prst="rect">
+              <a:avLst/>
+            </a:prstGeom>
+            <a:noFill/>
+          </p:spPr>
+          <p:txBody>
+            <a:bodyPr wrap="square" rtlCol="0">
+              <a:spAutoFit/>
+            </a:bodyPr>
+            <a:lstStyle/>
+            <a:p>
+              <a:r>
+                <a:rPr lang="en-US" sz="2800" dirty="0" smtClean="0">
+                  <a:latin typeface="Times New Roman" panose="02020603050405020304" pitchFamily="18" charset="0"/>
+                  <a:cs typeface="Times New Roman" panose="02020603050405020304" pitchFamily="18" charset="0"/>
+                </a:rPr>
+                <a:t>5</a:t>
+              </a:r>
+              <a:endParaRPr lang="en-US" sz="2800" dirty="0">
+                <a:latin typeface="Times New Roman" panose="02020603050405020304" pitchFamily="18" charset="0"/>
+                <a:cs typeface="Times New Roman" panose="02020603050405020304" pitchFamily="18" charset="0"/>
+              </a:endParaRPr>
+            </a:p>
+          </p:txBody>
+        </p:sp>
+      </p:grpSp>
+      <p:grpSp>
+        <p:nvGrpSpPr>
+          <p:cNvPr id="6" name="Group 5"/>
+          <p:cNvGrpSpPr/>
+          <p:nvPr/>
+        </p:nvGrpSpPr>
+        <p:grpSpPr>
+          <a:xfrm>
+            <a:off x="5017635" y="2334438"/>
+            <a:ext cx="696847" cy="696847"/>
+            <a:chOff x="5017635" y="2334438"/>
+            <a:chExt cx="696847" cy="696847"/>
+          </a:xfrm>
+        </p:grpSpPr>
+        <p:sp>
+          <p:nvSpPr>
+            <p:cNvPr id="32" name="Google Shape;1231;p39"/>
+            <p:cNvSpPr/>
+            <p:nvPr/>
+          </p:nvSpPr>
+          <p:spPr>
+            <a:xfrm rot="8100000">
+              <a:off x="5017635" y="2334438"/>
+              <a:ext cx="696847" cy="696847"/>
+            </a:xfrm>
+            <a:prstGeom prst="teardrop">
+              <a:avLst>
+                <a:gd name="adj" fmla="val 100000"/>
+              </a:avLst>
+            </a:prstGeom>
+            <a:solidFill>
+              <a:srgbClr val="FFFF00"/>
+            </a:solidFill>
+            <a:ln>
+              <a:noFill/>
+            </a:ln>
+          </p:spPr>
+          <p:txBody>
+            <a:bodyPr spcFirstLastPara="1" wrap="square" lIns="121900" tIns="121900" rIns="121900" bIns="121900" anchor="ctr" anchorCtr="0">
+              <a:noAutofit/>
+            </a:bodyPr>
+            <a:lstStyle/>
+            <a:p>
+              <a:endParaRPr sz="2400">
+                <a:latin typeface="Catamaran"/>
+                <a:ea typeface="Catamaran"/>
+                <a:cs typeface="Catamaran"/>
+                <a:sym typeface="Catamaran"/>
+              </a:endParaRPr>
+            </a:p>
+          </p:txBody>
+        </p:sp>
+        <p:sp>
+          <p:nvSpPr>
+            <p:cNvPr id="42" name="TextBox 41"/>
+            <p:cNvSpPr txBox="1"/>
+            <p:nvPr/>
+          </p:nvSpPr>
+          <p:spPr>
+            <a:xfrm>
+              <a:off x="5194608" y="2453679"/>
+              <a:ext cx="342900" cy="523220"/>
+            </a:xfrm>
+            <a:prstGeom prst="rect">
+              <a:avLst/>
+            </a:prstGeom>
+            <a:noFill/>
+          </p:spPr>
+          <p:txBody>
+            <a:bodyPr wrap="square" rtlCol="0">
+              <a:spAutoFit/>
+            </a:bodyPr>
+            <a:lstStyle/>
+            <a:p>
+              <a:r>
+                <a:rPr lang="en-US" sz="2800" dirty="0" smtClean="0">
+                  <a:latin typeface="Times New Roman" panose="02020603050405020304" pitchFamily="18" charset="0"/>
+                  <a:cs typeface="Times New Roman" panose="02020603050405020304" pitchFamily="18" charset="0"/>
+                </a:rPr>
+                <a:t>2</a:t>
+              </a:r>
+              <a:endParaRPr lang="en-US" sz="2800" dirty="0">
+                <a:latin typeface="Times New Roman" panose="02020603050405020304" pitchFamily="18" charset="0"/>
+                <a:cs typeface="Times New Roman" panose="02020603050405020304" pitchFamily="18" charset="0"/>
+              </a:endParaRPr>
+            </a:p>
+          </p:txBody>
+        </p:sp>
+      </p:grpSp>
+      <p:grpSp>
+        <p:nvGrpSpPr>
+          <p:cNvPr id="7" name="Group 6"/>
+          <p:cNvGrpSpPr/>
+          <p:nvPr/>
+        </p:nvGrpSpPr>
+        <p:grpSpPr>
+          <a:xfrm>
+            <a:off x="7727766" y="2334438"/>
+            <a:ext cx="696847" cy="696847"/>
+            <a:chOff x="7727766" y="2334438"/>
+            <a:chExt cx="696847" cy="696847"/>
+          </a:xfrm>
+        </p:grpSpPr>
+        <p:sp>
+          <p:nvSpPr>
+            <p:cNvPr id="33" name="Google Shape;1231;p39"/>
+            <p:cNvSpPr/>
+            <p:nvPr/>
+          </p:nvSpPr>
+          <p:spPr>
+            <a:xfrm rot="8100000">
+              <a:off x="7727766" y="2334438"/>
+              <a:ext cx="696847" cy="696847"/>
+            </a:xfrm>
+            <a:prstGeom prst="teardrop">
+              <a:avLst>
+                <a:gd name="adj" fmla="val 100000"/>
+              </a:avLst>
+            </a:prstGeom>
+            <a:solidFill>
+              <a:schemeClr val="accent2"/>
+            </a:solidFill>
+            <a:ln>
+              <a:noFill/>
+            </a:ln>
+          </p:spPr>
+          <p:txBody>
+            <a:bodyPr spcFirstLastPara="1" wrap="square" lIns="121900" tIns="121900" rIns="121900" bIns="121900" anchor="ctr" anchorCtr="0">
+              <a:noAutofit/>
+            </a:bodyPr>
+            <a:lstStyle/>
+            <a:p>
+              <a:endParaRPr sz="2400">
+                <a:latin typeface="Catamaran"/>
+                <a:ea typeface="Catamaran"/>
+                <a:cs typeface="Catamaran"/>
+                <a:sym typeface="Catamaran"/>
+              </a:endParaRPr>
+            </a:p>
+          </p:txBody>
+        </p:sp>
+        <p:sp>
+          <p:nvSpPr>
+            <p:cNvPr id="43" name="TextBox 42"/>
+            <p:cNvSpPr txBox="1"/>
+            <p:nvPr/>
+          </p:nvSpPr>
+          <p:spPr>
+            <a:xfrm>
+              <a:off x="7890083" y="2434269"/>
+              <a:ext cx="342900" cy="523220"/>
+            </a:xfrm>
+            <a:prstGeom prst="rect">
+              <a:avLst/>
+            </a:prstGeom>
+            <a:noFill/>
+          </p:spPr>
+          <p:txBody>
+            <a:bodyPr wrap="square" rtlCol="0">
+              <a:spAutoFit/>
+            </a:bodyPr>
+            <a:lstStyle/>
+            <a:p>
+              <a:r>
+                <a:rPr lang="en-US" sz="2800" dirty="0" smtClean="0">
+                  <a:latin typeface="Times New Roman" panose="02020603050405020304" pitchFamily="18" charset="0"/>
+                  <a:cs typeface="Times New Roman" panose="02020603050405020304" pitchFamily="18" charset="0"/>
+                </a:rPr>
+                <a:t>3</a:t>
+              </a:r>
+              <a:endParaRPr lang="en-US" sz="2800" dirty="0">
+                <a:latin typeface="Times New Roman" panose="02020603050405020304" pitchFamily="18" charset="0"/>
+                <a:cs typeface="Times New Roman" panose="02020603050405020304" pitchFamily="18" charset="0"/>
+              </a:endParaRPr>
+            </a:p>
+          </p:txBody>
+        </p:sp>
+      </p:grpSp>
+      <p:grpSp>
+        <p:nvGrpSpPr>
+          <p:cNvPr id="10" name="Group 9"/>
+          <p:cNvGrpSpPr/>
+          <p:nvPr/>
+        </p:nvGrpSpPr>
+        <p:grpSpPr>
+          <a:xfrm>
+            <a:off x="9234905" y="5022181"/>
+            <a:ext cx="696847" cy="696847"/>
+            <a:chOff x="9234905" y="5022181"/>
+            <a:chExt cx="696847" cy="696847"/>
+          </a:xfrm>
+        </p:grpSpPr>
+        <p:sp>
+          <p:nvSpPr>
+            <p:cNvPr id="34" name="Google Shape;1231;p39"/>
+            <p:cNvSpPr/>
+            <p:nvPr/>
+          </p:nvSpPr>
+          <p:spPr>
+            <a:xfrm rot="18900000">
+              <a:off x="9234905" y="5022181"/>
+              <a:ext cx="696847" cy="696847"/>
+            </a:xfrm>
+            <a:prstGeom prst="teardrop">
+              <a:avLst>
+                <a:gd name="adj" fmla="val 100000"/>
+              </a:avLst>
+            </a:prstGeom>
+            <a:solidFill>
+              <a:srgbClr val="FF0000"/>
+            </a:solidFill>
+            <a:ln>
+              <a:noFill/>
+            </a:ln>
+          </p:spPr>
+          <p:txBody>
+            <a:bodyPr spcFirstLastPara="1" wrap="square" lIns="121900" tIns="121900" rIns="121900" bIns="121900" anchor="ctr" anchorCtr="0">
+              <a:noAutofit/>
+            </a:bodyPr>
+            <a:lstStyle/>
+            <a:p>
+              <a:endParaRPr sz="2400">
+                <a:latin typeface="Catamaran"/>
+                <a:ea typeface="Catamaran"/>
+                <a:cs typeface="Catamaran"/>
+                <a:sym typeface="Catamaran"/>
+              </a:endParaRPr>
+            </a:p>
+          </p:txBody>
+        </p:sp>
+        <p:sp>
+          <p:nvSpPr>
+            <p:cNvPr id="44" name="TextBox 43"/>
+            <p:cNvSpPr txBox="1"/>
+            <p:nvPr/>
+          </p:nvSpPr>
+          <p:spPr>
+            <a:xfrm>
+              <a:off x="9401882" y="5095840"/>
+              <a:ext cx="262879" cy="519089"/>
+            </a:xfrm>
+            <a:prstGeom prst="rect">
+              <a:avLst/>
+            </a:prstGeom>
+            <a:noFill/>
+          </p:spPr>
+          <p:txBody>
+            <a:bodyPr wrap="square" rtlCol="0">
+              <a:spAutoFit/>
+            </a:bodyPr>
+            <a:lstStyle/>
+            <a:p>
+              <a:r>
+                <a:rPr lang="en-US" sz="2800" dirty="0" smtClean="0">
+                  <a:latin typeface="Times New Roman" panose="02020603050405020304" pitchFamily="18" charset="0"/>
+                  <a:cs typeface="Times New Roman" panose="02020603050405020304" pitchFamily="18" charset="0"/>
+                </a:rPr>
+                <a:t>6</a:t>
+              </a:r>
+              <a:endParaRPr lang="en-US" sz="2800" dirty="0">
+                <a:latin typeface="Times New Roman" panose="02020603050405020304" pitchFamily="18" charset="0"/>
+                <a:cs typeface="Times New Roman" panose="02020603050405020304" pitchFamily="18" charset="0"/>
+              </a:endParaRPr>
+            </a:p>
+          </p:txBody>
+        </p:sp>
+      </p:grpSp>
+      <p:grpSp>
+        <p:nvGrpSpPr>
+          <p:cNvPr id="8" name="Group 7"/>
+          <p:cNvGrpSpPr/>
+          <p:nvPr/>
+        </p:nvGrpSpPr>
+        <p:grpSpPr>
+          <a:xfrm>
+            <a:off x="3735893" y="5022182"/>
+            <a:ext cx="696847" cy="696847"/>
+            <a:chOff x="3735893" y="5022182"/>
+            <a:chExt cx="696847" cy="696847"/>
+          </a:xfrm>
+        </p:grpSpPr>
+        <p:sp>
+          <p:nvSpPr>
+            <p:cNvPr id="38" name="Google Shape;1231;p39"/>
+            <p:cNvSpPr/>
+            <p:nvPr/>
+          </p:nvSpPr>
+          <p:spPr>
+            <a:xfrm rot="18900000">
+              <a:off x="3735893" y="5022182"/>
+              <a:ext cx="696847" cy="696847"/>
+            </a:xfrm>
+            <a:prstGeom prst="teardrop">
+              <a:avLst>
+                <a:gd name="adj" fmla="val 100000"/>
+              </a:avLst>
+            </a:prstGeom>
+            <a:solidFill>
+              <a:schemeClr val="tx2"/>
+            </a:solidFill>
+            <a:ln>
+              <a:noFill/>
+            </a:ln>
+          </p:spPr>
+          <p:txBody>
+            <a:bodyPr spcFirstLastPara="1" wrap="square" lIns="121900" tIns="121900" rIns="121900" bIns="121900" anchor="ctr" anchorCtr="0">
+              <a:noAutofit/>
+            </a:bodyPr>
+            <a:lstStyle/>
+            <a:p>
+              <a:endParaRPr sz="2400">
+                <a:latin typeface="Catamaran"/>
+                <a:ea typeface="Catamaran"/>
+                <a:cs typeface="Catamaran"/>
+                <a:sym typeface="Catamaran"/>
+              </a:endParaRPr>
+            </a:p>
+          </p:txBody>
+        </p:sp>
+        <p:sp>
+          <p:nvSpPr>
+            <p:cNvPr id="45" name="TextBox 44"/>
+            <p:cNvSpPr txBox="1"/>
+            <p:nvPr/>
+          </p:nvSpPr>
+          <p:spPr>
+            <a:xfrm>
+              <a:off x="3891523" y="5083718"/>
+              <a:ext cx="262879" cy="519089"/>
+            </a:xfrm>
+            <a:prstGeom prst="rect">
+              <a:avLst/>
+            </a:prstGeom>
+            <a:noFill/>
+          </p:spPr>
+          <p:txBody>
+            <a:bodyPr wrap="square" rtlCol="0">
+              <a:spAutoFit/>
+            </a:bodyPr>
+            <a:lstStyle/>
+            <a:p>
+              <a:r>
+                <a:rPr lang="en-US" sz="2800" dirty="0" smtClean="0">
+                  <a:latin typeface="Times New Roman" panose="02020603050405020304" pitchFamily="18" charset="0"/>
+                  <a:cs typeface="Times New Roman" panose="02020603050405020304" pitchFamily="18" charset="0"/>
+                </a:rPr>
+                <a:t>4</a:t>
+              </a:r>
+              <a:endParaRPr lang="en-US" sz="2800" dirty="0">
+                <a:latin typeface="Times New Roman" panose="02020603050405020304" pitchFamily="18" charset="0"/>
+                <a:cs typeface="Times New Roman" panose="02020603050405020304" pitchFamily="18" charset="0"/>
+              </a:endParaRPr>
+            </a:p>
+          </p:txBody>
+        </p:sp>
+      </p:grpSp>
+    </p:spTree>
+    <p:extLst>
+      <p:ext uri="{BB962C8B-B14F-4D97-AF65-F5344CB8AC3E}">
+        <p14:creationId xmlns:p14="http://schemas.microsoft.com/office/powerpoint/2010/main" val="2368829074"/>
+      </p:ext>
+    </p:extLst>
+  </p:cSld>
+  <p:clrMapOvr>
+    <a:masterClrMapping/>
+  </p:clrMapOvr>
+  <p:timing>
+    <p:tnLst>
+      <p:par>
+        <p:cTn id="1" dur="indefinite" restart="never" nodeType="tmRoot">
+          <p:childTnLst>
+            <p:seq concurrent="1" nextAc="seek">
+              <p:cTn id="2" dur="indefinite" nodeType="mainSeq">
+                <p:childTnLst>
+                  <p:par>
+                    <p:cTn id="3" fill="hold">
+                      <p:stCondLst>
+                        <p:cond delay="indefinite"/>
+                        <p:cond evt="onBegin" delay="0">
+                          <p:tn val="2"/>
+                        </p:cond>
+                      </p:stCondLst>
+                      <p:childTnLst>
+                        <p:par>
+                          <p:cTn id="4" fill="hold">
+                            <p:stCondLst>
+                              <p:cond delay="0"/>
+                            </p:stCondLst>
+                            <p:childTnLst>
+                              <p:par>
+                                <p:cTn id="5" presetID="10" presetClass="entr" presetSubtype="0" fill="hold" grpId="0" nodeType="withEffect">
+                                  <p:stCondLst>
+                                    <p:cond delay="0"/>
+                                  </p:stCondLst>
+                                  <p:childTnLst>
+                                    <p:set>
+                                      <p:cBhvr>
+                                        <p:cTn id="6" dur="1" fill="hold">
+                                          <p:stCondLst>
+                                            <p:cond delay="0"/>
+                                          </p:stCondLst>
+                                        </p:cTn>
+                                        <p:tgtEl>
+                                          <p:spTgt spid="1226"/>
+                                        </p:tgtEl>
+                                        <p:attrNameLst>
+                                          <p:attrName>style.visibility</p:attrName>
+                                        </p:attrNameLst>
+                                      </p:cBhvr>
+                                      <p:to>
+                                        <p:strVal val="visible"/>
+                                      </p:to>
+                                    </p:set>
+                                    <p:animEffect transition="in" filter="fade">
+                                      <p:cBhvr>
+                                        <p:cTn id="7" dur="1250"/>
+                                        <p:tgtEl>
+                                          <p:spTgt spid="1226"/>
+                                        </p:tgtEl>
+                                      </p:cBhvr>
+                                    </p:animEffect>
+                                  </p:childTnLst>
+                                </p:cTn>
+                              </p:par>
+                              <p:par>
+                                <p:cTn id="8" presetID="22" presetClass="entr" presetSubtype="8" fill="hold" nodeType="withEffect">
+                                  <p:stCondLst>
+                                    <p:cond delay="0"/>
+                                  </p:stCondLst>
+                                  <p:childTnLst>
+                                    <p:set>
+                                      <p:cBhvr>
+                                        <p:cTn id="9" dur="1" fill="hold">
+                                          <p:stCondLst>
+                                            <p:cond delay="0"/>
+                                          </p:stCondLst>
+                                        </p:cTn>
+                                        <p:tgtEl>
+                                          <p:spTgt spid="3"/>
+                                        </p:tgtEl>
+                                        <p:attrNameLst>
+                                          <p:attrName>style.visibility</p:attrName>
+                                        </p:attrNameLst>
+                                      </p:cBhvr>
+                                      <p:to>
+                                        <p:strVal val="visible"/>
+                                      </p:to>
+                                    </p:set>
+                                    <p:animEffect transition="in" filter="wipe(left)">
+                                      <p:cBhvr>
+                                        <p:cTn id="10" dur="1000"/>
+                                        <p:tgtEl>
+                                          <p:spTgt spid="3"/>
+                                        </p:tgtEl>
+                                      </p:cBhvr>
+                                    </p:animEffect>
+                                  </p:childTnLst>
+                                </p:cTn>
+                              </p:par>
+                            </p:childTnLst>
+                          </p:cTn>
+                        </p:par>
+                      </p:childTnLst>
+                    </p:cTn>
+                  </p:par>
+                  <p:par>
+                    <p:cTn id="11" fill="hold">
+                      <p:stCondLst>
+                        <p:cond delay="indefinite"/>
+                      </p:stCondLst>
+                      <p:childTnLst>
+                        <p:par>
+                          <p:cTn id="12" fill="hold">
+                            <p:stCondLst>
+                              <p:cond delay="0"/>
+                            </p:stCondLst>
+                            <p:childTnLst>
+                              <p:par>
+                                <p:cTn id="13" presetID="10" presetClass="entr" presetSubtype="0" fill="hold" nodeType="clickEffect">
+                                  <p:stCondLst>
+                                    <p:cond delay="0"/>
+                                  </p:stCondLst>
+                                  <p:childTnLst>
+                                    <p:set>
+                                      <p:cBhvr>
+                                        <p:cTn id="14" dur="1" fill="hold">
+                                          <p:stCondLst>
+                                            <p:cond delay="0"/>
+                                          </p:stCondLst>
+                                        </p:cTn>
+                                        <p:tgtEl>
+                                          <p:spTgt spid="5"/>
+                                        </p:tgtEl>
+                                        <p:attrNameLst>
+                                          <p:attrName>style.visibility</p:attrName>
+                                        </p:attrNameLst>
+                                      </p:cBhvr>
+                                      <p:to>
+                                        <p:strVal val="visible"/>
+                                      </p:to>
+                                    </p:set>
+                                    <p:animEffect transition="in" filter="fade">
+                                      <p:cBhvr>
+                                        <p:cTn id="15" dur="1000"/>
+                                        <p:tgtEl>
+                                          <p:spTgt spid="5"/>
+                                        </p:tgtEl>
+                                      </p:cBhvr>
+                                    </p:animEffect>
+                                  </p:childTnLst>
+                                </p:cTn>
+                              </p:par>
+                              <p:par>
+                                <p:cTn id="16" presetID="10" presetClass="entr" presetSubtype="0" fill="hold" grpId="0" nodeType="withEffect">
+                                  <p:stCondLst>
+                                    <p:cond delay="0"/>
+                                  </p:stCondLst>
+                                  <p:childTnLst>
+                                    <p:set>
+                                      <p:cBhvr>
+                                        <p:cTn id="17" dur="1" fill="hold">
+                                          <p:stCondLst>
+                                            <p:cond delay="0"/>
+                                          </p:stCondLst>
+                                        </p:cTn>
+                                        <p:tgtEl>
+                                          <p:spTgt spid="1248"/>
+                                        </p:tgtEl>
+                                        <p:attrNameLst>
+                                          <p:attrName>style.visibility</p:attrName>
+                                        </p:attrNameLst>
+                                      </p:cBhvr>
+                                      <p:to>
+                                        <p:strVal val="visible"/>
+                                      </p:to>
+                                    </p:set>
+                                    <p:animEffect transition="in" filter="fade">
+                                      <p:cBhvr>
+                                        <p:cTn id="18" dur="1000"/>
+                                        <p:tgtEl>
+                                          <p:spTgt spid="1248"/>
+                                        </p:tgtEl>
+                                      </p:cBhvr>
+                                    </p:animEffect>
+                                  </p:childTnLst>
+                                </p:cTn>
+                              </p:par>
+                              <p:par>
+                                <p:cTn id="19" presetID="10" presetClass="entr" presetSubtype="0" fill="hold" grpId="0" nodeType="withEffect">
+                                  <p:stCondLst>
+                                    <p:cond delay="0"/>
+                                  </p:stCondLst>
+                                  <p:childTnLst>
+                                    <p:set>
+                                      <p:cBhvr>
+                                        <p:cTn id="20" dur="1" fill="hold">
+                                          <p:stCondLst>
+                                            <p:cond delay="0"/>
+                                          </p:stCondLst>
+                                        </p:cTn>
+                                        <p:tgtEl>
+                                          <p:spTgt spid="1249"/>
+                                        </p:tgtEl>
+                                        <p:attrNameLst>
+                                          <p:attrName>style.visibility</p:attrName>
+                                        </p:attrNameLst>
+                                      </p:cBhvr>
+                                      <p:to>
+                                        <p:strVal val="visible"/>
+                                      </p:to>
+                                    </p:set>
+                                    <p:animEffect transition="in" filter="fade">
+                                      <p:cBhvr>
+                                        <p:cTn id="21" dur="1000"/>
+                                        <p:tgtEl>
+                                          <p:spTgt spid="1249"/>
+                                        </p:tgtEl>
+                                      </p:cBhvr>
+                                    </p:animEffect>
+                                  </p:childTnLst>
+                                </p:cTn>
+                              </p:par>
+                              <p:par>
+                                <p:cTn id="22" presetID="10" presetClass="entr" presetSubtype="0" fill="hold" nodeType="withEffect">
+                                  <p:stCondLst>
+                                    <p:cond delay="0"/>
+                                  </p:stCondLst>
+                                  <p:childTnLst>
+                                    <p:set>
+                                      <p:cBhvr>
+                                        <p:cTn id="23" dur="1" fill="hold">
+                                          <p:stCondLst>
+                                            <p:cond delay="0"/>
+                                          </p:stCondLst>
+                                        </p:cTn>
+                                        <p:tgtEl>
+                                          <p:spTgt spid="6"/>
+                                        </p:tgtEl>
+                                        <p:attrNameLst>
+                                          <p:attrName>style.visibility</p:attrName>
+                                        </p:attrNameLst>
+                                      </p:cBhvr>
+                                      <p:to>
+                                        <p:strVal val="visible"/>
+                                      </p:to>
+                                    </p:set>
+                                    <p:animEffect transition="in" filter="fade">
+                                      <p:cBhvr>
+                                        <p:cTn id="24" dur="1000"/>
+                                        <p:tgtEl>
+                                          <p:spTgt spid="6"/>
+                                        </p:tgtEl>
+                                      </p:cBhvr>
+                                    </p:animEffect>
+                                  </p:childTnLst>
+                                </p:cTn>
+                              </p:par>
+                              <p:par>
+                                <p:cTn id="25" presetID="10" presetClass="entr" presetSubtype="0" fill="hold" grpId="0" nodeType="withEffect">
+                                  <p:stCondLst>
+                                    <p:cond delay="0"/>
+                                  </p:stCondLst>
+                                  <p:childTnLst>
+                                    <p:set>
+                                      <p:cBhvr>
+                                        <p:cTn id="26" dur="1" fill="hold">
+                                          <p:stCondLst>
+                                            <p:cond delay="0"/>
+                                          </p:stCondLst>
+                                        </p:cTn>
+                                        <p:tgtEl>
+                                          <p:spTgt spid="1250"/>
+                                        </p:tgtEl>
+                                        <p:attrNameLst>
+                                          <p:attrName>style.visibility</p:attrName>
+                                        </p:attrNameLst>
+                                      </p:cBhvr>
+                                      <p:to>
+                                        <p:strVal val="visible"/>
+                                      </p:to>
+                                    </p:set>
+                                    <p:animEffect transition="in" filter="fade">
+                                      <p:cBhvr>
+                                        <p:cTn id="27" dur="1000"/>
+                                        <p:tgtEl>
+                                          <p:spTgt spid="1250"/>
+                                        </p:tgtEl>
+                                      </p:cBhvr>
+                                    </p:animEffect>
+                                  </p:childTnLst>
+                                </p:cTn>
+                              </p:par>
+                              <p:par>
+                                <p:cTn id="28" presetID="10" presetClass="entr" presetSubtype="0" fill="hold" nodeType="withEffect">
+                                  <p:stCondLst>
+                                    <p:cond delay="0"/>
+                                  </p:stCondLst>
+                                  <p:childTnLst>
+                                    <p:set>
+                                      <p:cBhvr>
+                                        <p:cTn id="29" dur="1" fill="hold">
+                                          <p:stCondLst>
+                                            <p:cond delay="0"/>
+                                          </p:stCondLst>
+                                        </p:cTn>
+                                        <p:tgtEl>
+                                          <p:spTgt spid="7"/>
+                                        </p:tgtEl>
+                                        <p:attrNameLst>
+                                          <p:attrName>style.visibility</p:attrName>
+                                        </p:attrNameLst>
+                                      </p:cBhvr>
+                                      <p:to>
+                                        <p:strVal val="visible"/>
+                                      </p:to>
+                                    </p:set>
+                                    <p:animEffect transition="in" filter="fade">
+                                      <p:cBhvr>
+                                        <p:cTn id="30" dur="1000"/>
+                                        <p:tgtEl>
+                                          <p:spTgt spid="7"/>
+                                        </p:tgtEl>
+                                      </p:cBhvr>
+                                    </p:animEffect>
+                                  </p:childTnLst>
+                                </p:cTn>
+                              </p:par>
+                              <p:par>
+                                <p:cTn id="31" presetID="10" presetClass="entr" presetSubtype="0" fill="hold" nodeType="withEffect">
+                                  <p:stCondLst>
+                                    <p:cond delay="0"/>
+                                  </p:stCondLst>
+                                  <p:childTnLst>
+                                    <p:set>
+                                      <p:cBhvr>
+                                        <p:cTn id="32" dur="1" fill="hold">
+                                          <p:stCondLst>
+                                            <p:cond delay="0"/>
+                                          </p:stCondLst>
+                                        </p:cTn>
+                                        <p:tgtEl>
+                                          <p:spTgt spid="8"/>
+                                        </p:tgtEl>
+                                        <p:attrNameLst>
+                                          <p:attrName>style.visibility</p:attrName>
+                                        </p:attrNameLst>
+                                      </p:cBhvr>
+                                      <p:to>
+                                        <p:strVal val="visible"/>
+                                      </p:to>
+                                    </p:set>
+                                    <p:animEffect transition="in" filter="fade">
+                                      <p:cBhvr>
+                                        <p:cTn id="33" dur="1000"/>
+                                        <p:tgtEl>
+                                          <p:spTgt spid="8"/>
+                                        </p:tgtEl>
+                                      </p:cBhvr>
+                                    </p:animEffect>
+                                  </p:childTnLst>
+                                </p:cTn>
+                              </p:par>
+                              <p:par>
+                                <p:cTn id="34" presetID="10" presetClass="entr" presetSubtype="0" fill="hold" nodeType="withEffect">
+                                  <p:stCondLst>
+                                    <p:cond delay="0"/>
+                                  </p:stCondLst>
+                                  <p:childTnLst>
+                                    <p:set>
+                                      <p:cBhvr>
+                                        <p:cTn id="35" dur="1" fill="hold">
+                                          <p:stCondLst>
+                                            <p:cond delay="0"/>
+                                          </p:stCondLst>
+                                        </p:cTn>
+                                        <p:tgtEl>
+                                          <p:spTgt spid="9"/>
+                                        </p:tgtEl>
+                                        <p:attrNameLst>
+                                          <p:attrName>style.visibility</p:attrName>
+                                        </p:attrNameLst>
+                                      </p:cBhvr>
+                                      <p:to>
+                                        <p:strVal val="visible"/>
+                                      </p:to>
+                                    </p:set>
+                                    <p:animEffect transition="in" filter="fade">
+                                      <p:cBhvr>
+                                        <p:cTn id="36" dur="1000"/>
+                                        <p:tgtEl>
+                                          <p:spTgt spid="9"/>
+                                        </p:tgtEl>
+                                      </p:cBhvr>
+                                    </p:animEffect>
+                                  </p:childTnLst>
+                                </p:cTn>
+                              </p:par>
+                              <p:par>
+                                <p:cTn id="37" presetID="10" presetClass="entr" presetSubtype="0" fill="hold" nodeType="withEffect">
+                                  <p:stCondLst>
+                                    <p:cond delay="0"/>
+                                  </p:stCondLst>
+                                  <p:childTnLst>
+                                    <p:set>
+                                      <p:cBhvr>
+                                        <p:cTn id="38" dur="1" fill="hold">
+                                          <p:stCondLst>
+                                            <p:cond delay="0"/>
+                                          </p:stCondLst>
+                                        </p:cTn>
+                                        <p:tgtEl>
+                                          <p:spTgt spid="10"/>
+                                        </p:tgtEl>
+                                        <p:attrNameLst>
+                                          <p:attrName>style.visibility</p:attrName>
+                                        </p:attrNameLst>
+                                      </p:cBhvr>
+                                      <p:to>
+                                        <p:strVal val="visible"/>
+                                      </p:to>
+                                    </p:set>
+                                    <p:animEffect transition="in" filter="fade">
+                                      <p:cBhvr>
+                                        <p:cTn id="39" dur="1000"/>
+                                        <p:tgtEl>
+                                          <p:spTgt spid="10"/>
+                                        </p:tgtEl>
+                                      </p:cBhvr>
+                                    </p:animEffect>
+                                  </p:childTnLst>
+                                </p:cTn>
+                              </p:par>
+                              <p:par>
+                                <p:cTn id="40" presetID="10" presetClass="entr" presetSubtype="0" fill="hold" grpId="0" nodeType="withEffect">
+                                  <p:stCondLst>
+                                    <p:cond delay="0"/>
+                                  </p:stCondLst>
+                                  <p:childTnLst>
+                                    <p:set>
+                                      <p:cBhvr>
+                                        <p:cTn id="41" dur="1" fill="hold">
+                                          <p:stCondLst>
+                                            <p:cond delay="0"/>
+                                          </p:stCondLst>
+                                        </p:cTn>
+                                        <p:tgtEl>
+                                          <p:spTgt spid="1253"/>
+                                        </p:tgtEl>
+                                        <p:attrNameLst>
+                                          <p:attrName>style.visibility</p:attrName>
+                                        </p:attrNameLst>
+                                      </p:cBhvr>
+                                      <p:to>
+                                        <p:strVal val="visible"/>
+                                      </p:to>
+                                    </p:set>
+                                    <p:animEffect transition="in" filter="fade">
+                                      <p:cBhvr>
+                                        <p:cTn id="42" dur="1000"/>
+                                        <p:tgtEl>
+                                          <p:spTgt spid="1253"/>
+                                        </p:tgtEl>
+                                      </p:cBhvr>
+                                    </p:animEffect>
+                                  </p:childTnLst>
+                                </p:cTn>
+                              </p:par>
+                              <p:par>
+                                <p:cTn id="43" presetID="10" presetClass="entr" presetSubtype="0" fill="hold" grpId="0" nodeType="withEffect">
+                                  <p:stCondLst>
+                                    <p:cond delay="0"/>
+                                  </p:stCondLst>
+                                  <p:childTnLst>
+                                    <p:set>
+                                      <p:cBhvr>
+                                        <p:cTn id="44" dur="1" fill="hold">
+                                          <p:stCondLst>
+                                            <p:cond delay="0"/>
+                                          </p:stCondLst>
+                                        </p:cTn>
+                                        <p:tgtEl>
+                                          <p:spTgt spid="1252"/>
+                                        </p:tgtEl>
+                                        <p:attrNameLst>
+                                          <p:attrName>style.visibility</p:attrName>
+                                        </p:attrNameLst>
+                                      </p:cBhvr>
+                                      <p:to>
+                                        <p:strVal val="visible"/>
+                                      </p:to>
+                                    </p:set>
+                                    <p:animEffect transition="in" filter="fade">
+                                      <p:cBhvr>
+                                        <p:cTn id="45" dur="1000"/>
+                                        <p:tgtEl>
+                                          <p:spTgt spid="1252"/>
+                                        </p:tgtEl>
+                                      </p:cBhvr>
+                                    </p:animEffect>
+                                  </p:childTnLst>
+                                </p:cTn>
+                              </p:par>
+                              <p:par>
+                                <p:cTn id="46" presetID="10" presetClass="entr" presetSubtype="0" fill="hold" grpId="0" nodeType="withEffect">
+                                  <p:stCondLst>
+                                    <p:cond delay="0"/>
+                                  </p:stCondLst>
+                                  <p:childTnLst>
+                                    <p:set>
+                                      <p:cBhvr>
+                                        <p:cTn id="47" dur="1" fill="hold">
+                                          <p:stCondLst>
+                                            <p:cond delay="0"/>
+                                          </p:stCondLst>
+                                        </p:cTn>
+                                        <p:tgtEl>
+                                          <p:spTgt spid="1251"/>
+                                        </p:tgtEl>
+                                        <p:attrNameLst>
+                                          <p:attrName>style.visibility</p:attrName>
+                                        </p:attrNameLst>
+                                      </p:cBhvr>
+                                      <p:to>
+                                        <p:strVal val="visible"/>
+                                      </p:to>
+                                    </p:set>
+                                    <p:animEffect transition="in" filter="fade">
+                                      <p:cBhvr>
+                                        <p:cTn id="48" dur="1000"/>
+                                        <p:tgtEl>
+                                          <p:spTgt spid="1251"/>
+                                        </p:tgtEl>
+                                      </p:cBhvr>
+                                    </p:animEffect>
+                                  </p:childTnLst>
+                                </p:cTn>
+                              </p:par>
+                            </p:childTnLst>
+                          </p:cTn>
+                        </p:par>
+                        <p:par>
+                          <p:cTn id="49" fill="hold">
+                            <p:stCondLst>
+                              <p:cond delay="1000"/>
+                            </p:stCondLst>
+                            <p:childTnLst>
+                              <p:par>
+                                <p:cTn id="50" presetID="22" presetClass="entr" presetSubtype="8" fill="hold" nodeType="afterEffect">
+                                  <p:stCondLst>
+                                    <p:cond delay="0"/>
+                                  </p:stCondLst>
+                                  <p:childTnLst>
+                                    <p:set>
+                                      <p:cBhvr>
+                                        <p:cTn id="51" dur="1" fill="hold">
+                                          <p:stCondLst>
+                                            <p:cond delay="0"/>
+                                          </p:stCondLst>
+                                        </p:cTn>
+                                        <p:tgtEl>
+                                          <p:spTgt spid="11"/>
+                                        </p:tgtEl>
+                                        <p:attrNameLst>
+                                          <p:attrName>style.visibility</p:attrName>
+                                        </p:attrNameLst>
+                                      </p:cBhvr>
+                                      <p:to>
+                                        <p:strVal val="visible"/>
+                                      </p:to>
+                                    </p:set>
+                                    <p:animEffect transition="in" filter="wipe(left)">
+                                      <p:cBhvr>
+                                        <p:cTn id="52" dur="1000"/>
+                                        <p:tgtEl>
+                                          <p:spTgt spid="11"/>
+                                        </p:tgtEl>
+                                      </p:cBhvr>
+                                    </p:animEffect>
+                                  </p:childTnLst>
+                                </p:cTn>
+                              </p:par>
+                            </p:childTnLst>
+                          </p:cTn>
+                        </p:par>
+                      </p:childTnLst>
+                    </p:cTn>
+                  </p:par>
+                </p:childTnLst>
+              </p:cTn>
+              <p:prevCondLst>
+                <p:cond evt="onPrev" delay="0">
+                  <p:tgtEl>
+                    <p:sldTgt/>
+                  </p:tgtEl>
+                </p:cond>
+              </p:prevCondLst>
+              <p:nextCondLst>
+                <p:cond evt="onNext" delay="0">
+                  <p:tgtEl>
+                    <p:sldTgt/>
+                  </p:tgtEl>
+                </p:cond>
+              </p:nextCondLst>
+            </p:seq>
+          </p:childTnLst>
+        </p:cTn>
+      </p:par>
+    </p:tnLst>
+    <p:bldLst>
+      <p:bldP spid="1226" grpId="0"/>
+      <p:bldP spid="1248" grpId="0"/>
+      <p:bldP spid="1249" grpId="0"/>
+      <p:bldP spid="1250" grpId="0"/>
+      <p:bldP spid="1251" grpId="0"/>
+      <p:bldP spid="1252" grpId="0"/>
+      <p:bldP spid="1253" grpId="0"/>
+    </p:bldLst>
+  </p:timing>
+</p:sld>
+</file>
+
 <file path=ppt/theme/theme1.xml><?xml version="1.0" encoding="utf-8"?>
 <a:theme xmlns:a="http://schemas.openxmlformats.org/drawingml/2006/main" name="Office Theme">
   <a:themeElements>
@@ -13057,4 +15399,265 @@
     </a:ext>
   </a:extLst>
 </a:theme>
+</file>
+
+<file path=ppt/theme/theme2.xml><?xml version="1.0" encoding="utf-8"?>
+<a:theme xmlns:a="http://schemas.openxmlformats.org/drawingml/2006/main" name="Office Theme">
+  <a:themeElements>
+    <a:clrScheme name="Office">
+      <a:dk1>
+        <a:sysClr val="windowText" lastClr="000000"/>
+      </a:dk1>
+      <a:lt1>
+        <a:sysClr val="window" lastClr="FFFFFF"/>
+      </a:lt1>
+      <a:dk2>
+        <a:srgbClr val="44546A"/>
+      </a:dk2>
+      <a:lt2>
+        <a:srgbClr val="E7E6E6"/>
+      </a:lt2>
+      <a:accent1>
+        <a:srgbClr val="5B9BD5"/>
+      </a:accent1>
+      <a:accent2>
+        <a:srgbClr val="ED7D31"/>
+      </a:accent2>
+      <a:accent3>
+        <a:srgbClr val="A5A5A5"/>
+      </a:accent3>
+      <a:accent4>
+        <a:srgbClr val="FFC000"/>
+      </a:accent4>
+      <a:accent5>
+        <a:srgbClr val="4472C4"/>
+      </a:accent5>
+      <a:accent6>
+        <a:srgbClr val="70AD47"/>
+      </a:accent6>
+      <a:hlink>
+        <a:srgbClr val="0563C1"/>
+      </a:hlink>
+      <a:folHlink>
+        <a:srgbClr val="954F72"/>
+      </a:folHlink>
+    </a:clrScheme>
+    <a:fontScheme name="Office">
+      <a:majorFont>
+        <a:latin typeface="Calibri Light" panose="020F0302020204030204"/>
+        <a:ea typeface=""/>
+        <a:cs typeface=""/>
+        <a:font script="Jpan" typeface="游ゴシック Light"/>
+        <a:font script="Hang" typeface="맑은 고딕"/>
+        <a:font script="Hans" typeface="等线 Light"/>
+        <a:font script="Hant" typeface="新細明體"/>
+        <a:font script="Arab" typeface="Times New Roman"/>
+        <a:font script="Hebr" typeface="Times New Roman"/>
+        <a:font script="Thai" typeface="Angsana New"/>
+        <a:font script="Ethi" typeface="Nyala"/>
+        <a:font script="Beng" typeface="Vrinda"/>
+        <a:font script="Gujr" typeface="Shruti"/>
+        <a:font script="Khmr" typeface="MoolBoran"/>
+        <a:font script="Knda" typeface="Tunga"/>
+        <a:font script="Guru" typeface="Raavi"/>
+        <a:font script="Cans" typeface="Euphemia"/>
+        <a:font script="Cher" typeface="Plantagenet Cherokee"/>
+        <a:font script="Yiii" typeface="Microsoft Yi Baiti"/>
+        <a:font script="Tibt" typeface="Microsoft Himalaya"/>
+        <a:font script="Thaa" typeface="MV Boli"/>
+        <a:font script="Deva" typeface="Mangal"/>
+        <a:font script="Telu" typeface="Gautami"/>
+        <a:font script="Taml" typeface="Latha"/>
+        <a:font script="Syrc" typeface="Estrangelo Edessa"/>
+        <a:font script="Orya" typeface="Kalinga"/>
+        <a:font script="Mlym" typeface="Kartika"/>
+        <a:font script="Laoo" typeface="DokChampa"/>
+        <a:font script="Sinh" typeface="Iskoola Pota"/>
+        <a:font script="Mong" typeface="Mongolian Baiti"/>
+        <a:font script="Viet" typeface="Times New Roman"/>
+        <a:font script="Uigh" typeface="Microsoft Uighur"/>
+        <a:font script="Geor" typeface="Sylfaen"/>
+      </a:majorFont>
+      <a:minorFont>
+        <a:latin typeface="Calibri" panose="020F0502020204030204"/>
+        <a:ea typeface=""/>
+        <a:cs typeface=""/>
+        <a:font script="Jpan" typeface="游ゴシック"/>
+        <a:font script="Hang" typeface="맑은 고딕"/>
+        <a:font script="Hans" typeface="等线"/>
+        <a:font script="Hant" typeface="新細明體"/>
+        <a:font script="Arab" typeface="Arial"/>
+        <a:font script="Hebr" typeface="Arial"/>
+        <a:font script="Thai" typeface="Cordia New"/>
+        <a:font script="Ethi" typeface="Nyala"/>
+        <a:font script="Beng" typeface="Vrinda"/>
+        <a:font script="Gujr" typeface="Shruti"/>
+        <a:font script="Khmr" typeface="DaunPenh"/>
+        <a:font script="Knda" typeface="Tunga"/>
+        <a:font script="Guru" typeface="Raavi"/>
+        <a:font script="Cans" typeface="Euphemia"/>
+        <a:font script="Cher" typeface="Plantagenet Cherokee"/>
+        <a:font script="Yiii" typeface="Microsoft Yi Baiti"/>
+        <a:font script="Tibt" typeface="Microsoft Himalaya"/>
+        <a:font script="Thaa" typeface="MV Boli"/>
+        <a:font script="Deva" typeface="Mangal"/>
+        <a:font script="Telu" typeface="Gautami"/>
+        <a:font script="Taml" typeface="Latha"/>
+        <a:font script="Syrc" typeface="Estrangelo Edessa"/>
+        <a:font script="Orya" typeface="Kalinga"/>
+        <a:font script="Mlym" typeface="Kartika"/>
+        <a:font script="Laoo" typeface="DokChampa"/>
+        <a:font script="Sinh" typeface="Iskoola Pota"/>
+        <a:font script="Mong" typeface="Mongolian Baiti"/>
+        <a:font script="Viet" typeface="Arial"/>
+        <a:font script="Uigh" typeface="Microsoft Uighur"/>
+        <a:font script="Geor" typeface="Sylfaen"/>
+      </a:minorFont>
+    </a:fontScheme>
+    <a:fmtScheme name="Office">
+      <a:fillStyleLst>
+        <a:solidFill>
+          <a:schemeClr val="phClr"/>
+        </a:solidFill>
+        <a:gradFill rotWithShape="1">
+          <a:gsLst>
+            <a:gs pos="0">
+              <a:schemeClr val="phClr">
+                <a:lumMod val="110000"/>
+                <a:satMod val="105000"/>
+                <a:tint val="67000"/>
+              </a:schemeClr>
+            </a:gs>
+            <a:gs pos="50000">
+              <a:schemeClr val="phClr">
+                <a:lumMod val="105000"/>
+                <a:satMod val="103000"/>
+                <a:tint val="73000"/>
+              </a:schemeClr>
+            </a:gs>
+            <a:gs pos="100000">
+              <a:schemeClr val="phClr">
+                <a:lumMod val="105000"/>
+                <a:satMod val="109000"/>
+                <a:tint val="81000"/>
+              </a:schemeClr>
+            </a:gs>
+          </a:gsLst>
+          <a:lin ang="5400000" scaled="0"/>
+        </a:gradFill>
+        <a:gradFill rotWithShape="1">
+          <a:gsLst>
+            <a:gs pos="0">
+              <a:schemeClr val="phClr">
+                <a:satMod val="103000"/>
+                <a:lumMod val="102000"/>
+                <a:tint val="94000"/>
+              </a:schemeClr>
+            </a:gs>
+            <a:gs pos="50000">
+              <a:schemeClr val="phClr">
+                <a:satMod val="110000"/>
+                <a:lumMod val="100000"/>
+                <a:shade val="100000"/>
+              </a:schemeClr>
+            </a:gs>
+            <a:gs pos="100000">
+              <a:schemeClr val="phClr">
+                <a:lumMod val="99000"/>
+                <a:satMod val="120000"/>
+                <a:shade val="78000"/>
+              </a:schemeClr>
+            </a:gs>
+          </a:gsLst>
+          <a:lin ang="5400000" scaled="0"/>
+        </a:gradFill>
+      </a:fillStyleLst>
+      <a:lnStyleLst>
+        <a:ln w="6350" cap="flat" cmpd="sng" algn="ctr">
+          <a:solidFill>
+            <a:schemeClr val="phClr"/>
+          </a:solidFill>
+          <a:prstDash val="solid"/>
+          <a:miter lim="800000"/>
+        </a:ln>
+        <a:ln w="12700" cap="flat" cmpd="sng" algn="ctr">
+          <a:solidFill>
+            <a:schemeClr val="phClr"/>
+          </a:solidFill>
+          <a:prstDash val="solid"/>
+          <a:miter lim="800000"/>
+        </a:ln>
+        <a:ln w="19050" cap="flat" cmpd="sng" algn="ctr">
+          <a:solidFill>
+            <a:schemeClr val="phClr"/>
+          </a:solidFill>
+          <a:prstDash val="solid"/>
+          <a:miter lim="800000"/>
+        </a:ln>
+      </a:lnStyleLst>
+      <a:effectStyleLst>
+        <a:effectStyle>
+          <a:effectLst/>
+        </a:effectStyle>
+        <a:effectStyle>
+          <a:effectLst/>
+        </a:effectStyle>
+        <a:effectStyle>
+          <a:effectLst>
+            <a:outerShdw blurRad="57150" dist="19050" dir="5400000" algn="ctr" rotWithShape="0">
+              <a:srgbClr val="000000">
+                <a:alpha val="63000"/>
+              </a:srgbClr>
+            </a:outerShdw>
+          </a:effectLst>
+        </a:effectStyle>
+      </a:effectStyleLst>
+      <a:bgFillStyleLst>
+        <a:solidFill>
+          <a:schemeClr val="phClr"/>
+        </a:solidFill>
+        <a:solidFill>
+          <a:schemeClr val="phClr">
+            <a:tint val="95000"/>
+            <a:satMod val="170000"/>
+          </a:schemeClr>
+        </a:solidFill>
+        <a:gradFill rotWithShape="1">
+          <a:gsLst>
+            <a:gs pos="0">
+              <a:schemeClr val="phClr">
+                <a:tint val="93000"/>
+                <a:satMod val="150000"/>
+                <a:shade val="98000"/>
+                <a:lumMod val="102000"/>
+              </a:schemeClr>
+            </a:gs>
+            <a:gs pos="50000">
+              <a:schemeClr val="phClr">
+                <a:tint val="98000"/>
+                <a:satMod val="130000"/>
+                <a:shade val="90000"/>
+                <a:lumMod val="103000"/>
+              </a:schemeClr>
+            </a:gs>
+            <a:gs pos="100000">
+              <a:schemeClr val="phClr">
+                <a:shade val="63000"/>
+                <a:satMod val="120000"/>
+              </a:schemeClr>
+            </a:gs>
+          </a:gsLst>
+          <a:lin ang="5400000" scaled="0"/>
+        </a:gradFill>
+      </a:bgFillStyleLst>
+    </a:fmtScheme>
+  </a:themeElements>
+  <a:objectDefaults/>
+  <a:extraClrSchemeLst/>
+  <a:extLst>
+    <a:ext uri="{05A4C25C-085E-4340-85A3-A5531E510DB2}">
+      <thm15:themeFamily xmlns:thm15="http://schemas.microsoft.com/office/thememl/2012/main" name="Office Theme" id="{62F939B6-93AF-4DB8-9C6B-D6C7DFDC589F}" vid="{4A3C46E8-61CC-4603-A589-7422A47A8E4A}"/>
+    </a:ext>
+  </a:extLst>
+</a:theme>
 </file>
--- a/Presentation.pptx
+++ b/Presentation.pptx
@@ -201,7 +201,7 @@
           <a:p>
             <a:fld id="{876F37FD-6C8A-4581-8F5F-5385E6CAD45D}" type="datetimeFigureOut">
               <a:rPr lang="en-US" smtClean="0"/>
-              <a:t>11/15/2022</a:t>
+              <a:t>11/17/2022</a:t>
             </a:fld>
             <a:endParaRPr lang="en-US"/>
           </a:p>
@@ -818,7 +818,7 @@
           <a:p>
             <a:fld id="{B1B646A1-FE57-416D-BAA1-2205E91F186B}" type="datetimeFigureOut">
               <a:rPr lang="en-US" smtClean="0"/>
-              <a:t>11/15/2022</a:t>
+              <a:t>11/17/2022</a:t>
             </a:fld>
             <a:endParaRPr lang="en-US"/>
           </a:p>
@@ -988,7 +988,7 @@
           <a:p>
             <a:fld id="{B1B646A1-FE57-416D-BAA1-2205E91F186B}" type="datetimeFigureOut">
               <a:rPr lang="en-US" smtClean="0"/>
-              <a:t>11/15/2022</a:t>
+              <a:t>11/17/2022</a:t>
             </a:fld>
             <a:endParaRPr lang="en-US"/>
           </a:p>
@@ -1168,7 +1168,7 @@
           <a:p>
             <a:fld id="{B1B646A1-FE57-416D-BAA1-2205E91F186B}" type="datetimeFigureOut">
               <a:rPr lang="en-US" smtClean="0"/>
-              <a:t>11/15/2022</a:t>
+              <a:t>11/17/2022</a:t>
             </a:fld>
             <a:endParaRPr lang="en-US"/>
           </a:p>
@@ -4564,7 +4564,7 @@
           <a:p>
             <a:fld id="{B1B646A1-FE57-416D-BAA1-2205E91F186B}" type="datetimeFigureOut">
               <a:rPr lang="en-US" smtClean="0"/>
-              <a:t>11/15/2022</a:t>
+              <a:t>11/17/2022</a:t>
             </a:fld>
             <a:endParaRPr lang="en-US"/>
           </a:p>
@@ -4810,7 +4810,7 @@
           <a:p>
             <a:fld id="{B1B646A1-FE57-416D-BAA1-2205E91F186B}" type="datetimeFigureOut">
               <a:rPr lang="en-US" smtClean="0"/>
-              <a:t>11/15/2022</a:t>
+              <a:t>11/17/2022</a:t>
             </a:fld>
             <a:endParaRPr lang="en-US"/>
           </a:p>
@@ -5042,7 +5042,7 @@
           <a:p>
             <a:fld id="{B1B646A1-FE57-416D-BAA1-2205E91F186B}" type="datetimeFigureOut">
               <a:rPr lang="en-US" smtClean="0"/>
-              <a:t>11/15/2022</a:t>
+              <a:t>11/17/2022</a:t>
             </a:fld>
             <a:endParaRPr lang="en-US"/>
           </a:p>
@@ -5409,7 +5409,7 @@
           <a:p>
             <a:fld id="{B1B646A1-FE57-416D-BAA1-2205E91F186B}" type="datetimeFigureOut">
               <a:rPr lang="en-US" smtClean="0"/>
-              <a:t>11/15/2022</a:t>
+              <a:t>11/17/2022</a:t>
             </a:fld>
             <a:endParaRPr lang="en-US"/>
           </a:p>
@@ -5527,7 +5527,7 @@
           <a:p>
             <a:fld id="{B1B646A1-FE57-416D-BAA1-2205E91F186B}" type="datetimeFigureOut">
               <a:rPr lang="en-US" smtClean="0"/>
-              <a:t>11/15/2022</a:t>
+              <a:t>11/17/2022</a:t>
             </a:fld>
             <a:endParaRPr lang="en-US"/>
           </a:p>
@@ -5622,7 +5622,7 @@
           <a:p>
             <a:fld id="{B1B646A1-FE57-416D-BAA1-2205E91F186B}" type="datetimeFigureOut">
               <a:rPr lang="en-US" smtClean="0"/>
-              <a:t>11/15/2022</a:t>
+              <a:t>11/17/2022</a:t>
             </a:fld>
             <a:endParaRPr lang="en-US"/>
           </a:p>
@@ -5899,7 +5899,7 @@
           <a:p>
             <a:fld id="{B1B646A1-FE57-416D-BAA1-2205E91F186B}" type="datetimeFigureOut">
               <a:rPr lang="en-US" smtClean="0"/>
-              <a:t>11/15/2022</a:t>
+              <a:t>11/17/2022</a:t>
             </a:fld>
             <a:endParaRPr lang="en-US"/>
           </a:p>
@@ -6152,7 +6152,7 @@
           <a:p>
             <a:fld id="{B1B646A1-FE57-416D-BAA1-2205E91F186B}" type="datetimeFigureOut">
               <a:rPr lang="en-US" smtClean="0"/>
-              <a:t>11/15/2022</a:t>
+              <a:t>11/17/2022</a:t>
             </a:fld>
             <a:endParaRPr lang="en-US"/>
           </a:p>
@@ -6365,7 +6365,7 @@
           <a:p>
             <a:fld id="{B1B646A1-FE57-416D-BAA1-2205E91F186B}" type="datetimeFigureOut">
               <a:rPr lang="en-US" smtClean="0"/>
-              <a:t>11/15/2022</a:t>
+              <a:t>11/17/2022</a:t>
             </a:fld>
             <a:endParaRPr lang="en-US"/>
           </a:p>
@@ -9049,8 +9049,8 @@
         </p:nvSpPr>
         <p:spPr>
           <a:xfrm rot="836017">
-            <a:off x="82881" y="3780612"/>
-            <a:ext cx="968640" cy="930594"/>
+            <a:off x="38338" y="4134269"/>
+            <a:ext cx="621662" cy="597245"/>
           </a:xfrm>
           <a:custGeom>
             <a:avLst/>
@@ -9943,8 +9943,8 @@
         </p:nvSpPr>
         <p:spPr>
           <a:xfrm rot="18063834">
-            <a:off x="897020" y="4616784"/>
-            <a:ext cx="1254852" cy="1223780"/>
+            <a:off x="632066" y="4649735"/>
+            <a:ext cx="884520" cy="862618"/>
           </a:xfrm>
           <a:custGeom>
             <a:avLst/>
@@ -10864,9 +10864,9 @@
           <p:nvPr/>
         </p:nvSpPr>
         <p:spPr>
-          <a:xfrm rot="18063834">
-            <a:off x="2139921" y="5491111"/>
-            <a:ext cx="766156" cy="750313"/>
+          <a:xfrm rot="21270745">
+            <a:off x="1260695" y="5453310"/>
+            <a:ext cx="609898" cy="597286"/>
           </a:xfrm>
           <a:custGeom>
             <a:avLst/>
@@ -11643,8 +11643,8 @@
         </p:nvSpPr>
         <p:spPr>
           <a:xfrm rot="836017">
-            <a:off x="175698" y="5868437"/>
-            <a:ext cx="794135" cy="762943"/>
+            <a:off x="58616" y="5551622"/>
+            <a:ext cx="620565" cy="596190"/>
           </a:xfrm>
           <a:custGeom>
             <a:avLst/>
@@ -12536,9 +12536,9 @@
           <p:nvPr/>
         </p:nvSpPr>
         <p:spPr>
-          <a:xfrm rot="19214250">
-            <a:off x="1305502" y="6037131"/>
-            <a:ext cx="705852" cy="691256"/>
+          <a:xfrm rot="18744128">
+            <a:off x="235050" y="6253199"/>
+            <a:ext cx="413796" cy="405239"/>
           </a:xfrm>
           <a:custGeom>
             <a:avLst/>
@@ -13459,8 +13459,8 @@
         </p:nvSpPr>
         <p:spPr>
           <a:xfrm rot="19214250">
-            <a:off x="1193458" y="3705521"/>
-            <a:ext cx="695951" cy="681560"/>
+            <a:off x="688889" y="3941774"/>
+            <a:ext cx="528327" cy="517402"/>
           </a:xfrm>
           <a:custGeom>
             <a:avLst/>
@@ -14237,8 +14237,8 @@
         </p:nvSpPr>
         <p:spPr>
           <a:xfrm rot="19214250">
-            <a:off x="53497" y="5024179"/>
-            <a:ext cx="695951" cy="681560"/>
+            <a:off x="113890" y="4967330"/>
+            <a:ext cx="465748" cy="456117"/>
           </a:xfrm>
           <a:custGeom>
             <a:avLst/>
@@ -15173,9 +15173,9 @@
           </a:bodyPr>
           <a:lstStyle/>
           <a:p>
-            <a:pPr marL="285750" indent="-285750">
-              <a:buFont typeface="Arial" panose="020B0604020202020204" pitchFamily="34" charset="0"/>
-              <a:buChar char="•"/>
+            <a:pPr marL="685800" indent="-685800">
+              <a:buFont typeface="Wingdings" panose="05000000000000000000" pitchFamily="2" charset="2"/>
+              <a:buChar char="v"/>
             </a:pPr>
             <a:r>
               <a:rPr lang="en-US" sz="4800" dirty="0" smtClean="0">
@@ -15189,9 +15189,9 @@
             </a:r>
           </a:p>
           <a:p>
-            <a:pPr marL="285750" indent="-285750">
-              <a:buFont typeface="Arial" panose="020B0604020202020204" pitchFamily="34" charset="0"/>
-              <a:buChar char="•"/>
+            <a:pPr marL="685800" indent="-685800">
+              <a:buFont typeface="Wingdings" panose="05000000000000000000" pitchFamily="2" charset="2"/>
+              <a:buChar char="v"/>
             </a:pPr>
             <a:r>
               <a:rPr lang="en-US" sz="4800" dirty="0" smtClean="0">
@@ -15205,9 +15205,9 @@
             </a:r>
           </a:p>
           <a:p>
-            <a:pPr marL="285750" indent="-285750">
-              <a:buFont typeface="Arial" panose="020B0604020202020204" pitchFamily="34" charset="0"/>
-              <a:buChar char="•"/>
+            <a:pPr marL="685800" indent="-685800">
+              <a:buFont typeface="Wingdings" panose="05000000000000000000" pitchFamily="2" charset="2"/>
+              <a:buChar char="v"/>
             </a:pPr>
             <a:r>
               <a:rPr lang="en-US" sz="4800" dirty="0" smtClean="0">
@@ -15221,9 +15221,9 @@
             </a:r>
           </a:p>
           <a:p>
-            <a:pPr marL="285750" indent="-285750">
-              <a:buFont typeface="Arial" panose="020B0604020202020204" pitchFamily="34" charset="0"/>
-              <a:buChar char="•"/>
+            <a:pPr marL="685800" indent="-685800">
+              <a:buFont typeface="Wingdings" panose="05000000000000000000" pitchFamily="2" charset="2"/>
+              <a:buChar char="v"/>
             </a:pPr>
             <a:r>
               <a:rPr lang="en-US" sz="4800" dirty="0" smtClean="0">
@@ -15241,6 +15241,4962 @@
               </a:solidFill>
               <a:latin typeface="Times New Roman" panose="02020603050405020304" pitchFamily="18" charset="0"/>
               <a:cs typeface="Times New Roman" panose="02020603050405020304" pitchFamily="18" charset="0"/>
+            </a:endParaRPr>
+          </a:p>
+        </p:txBody>
+      </p:sp>
+      <p:sp>
+        <p:nvSpPr>
+          <p:cNvPr id="19" name="Google Shape;1632;p47"/>
+          <p:cNvSpPr/>
+          <p:nvPr/>
+        </p:nvSpPr>
+        <p:spPr>
+          <a:xfrm rot="1366726">
+            <a:off x="1367551" y="4271384"/>
+            <a:ext cx="383250" cy="375325"/>
+          </a:xfrm>
+          <a:custGeom>
+            <a:avLst/>
+            <a:gdLst/>
+            <a:ahLst/>
+            <a:cxnLst/>
+            <a:rect l="l" t="t" r="r" b="b"/>
+            <a:pathLst>
+              <a:path w="7941" h="7941" fill="none" extrusionOk="0">
+                <a:moveTo>
+                  <a:pt x="7258" y="2144"/>
+                </a:moveTo>
+                <a:lnTo>
+                  <a:pt x="6138" y="2388"/>
+                </a:lnTo>
+                <a:lnTo>
+                  <a:pt x="6138" y="2388"/>
+                </a:lnTo>
+                <a:lnTo>
+                  <a:pt x="6016" y="2217"/>
+                </a:lnTo>
+                <a:lnTo>
+                  <a:pt x="5870" y="2071"/>
+                </a:lnTo>
+                <a:lnTo>
+                  <a:pt x="6260" y="975"/>
+                </a:lnTo>
+                <a:lnTo>
+                  <a:pt x="6260" y="975"/>
+                </a:lnTo>
+                <a:lnTo>
+                  <a:pt x="6284" y="902"/>
+                </a:lnTo>
+                <a:lnTo>
+                  <a:pt x="6284" y="829"/>
+                </a:lnTo>
+                <a:lnTo>
+                  <a:pt x="6260" y="683"/>
+                </a:lnTo>
+                <a:lnTo>
+                  <a:pt x="6162" y="561"/>
+                </a:lnTo>
+                <a:lnTo>
+                  <a:pt x="6114" y="488"/>
+                </a:lnTo>
+                <a:lnTo>
+                  <a:pt x="6065" y="464"/>
+                </a:lnTo>
+                <a:lnTo>
+                  <a:pt x="5553" y="196"/>
+                </a:lnTo>
+                <a:lnTo>
+                  <a:pt x="5553" y="196"/>
+                </a:lnTo>
+                <a:lnTo>
+                  <a:pt x="5480" y="171"/>
+                </a:lnTo>
+                <a:lnTo>
+                  <a:pt x="5407" y="171"/>
+                </a:lnTo>
+                <a:lnTo>
+                  <a:pt x="5261" y="171"/>
+                </a:lnTo>
+                <a:lnTo>
+                  <a:pt x="5115" y="244"/>
+                </a:lnTo>
+                <a:lnTo>
+                  <a:pt x="5066" y="293"/>
+                </a:lnTo>
+                <a:lnTo>
+                  <a:pt x="5018" y="342"/>
+                </a:lnTo>
+                <a:lnTo>
+                  <a:pt x="4384" y="1316"/>
+                </a:lnTo>
+                <a:lnTo>
+                  <a:pt x="4384" y="1316"/>
+                </a:lnTo>
+                <a:lnTo>
+                  <a:pt x="4165" y="1292"/>
+                </a:lnTo>
+                <a:lnTo>
+                  <a:pt x="3970" y="1292"/>
+                </a:lnTo>
+                <a:lnTo>
+                  <a:pt x="3483" y="244"/>
+                </a:lnTo>
+                <a:lnTo>
+                  <a:pt x="3483" y="244"/>
+                </a:lnTo>
+                <a:lnTo>
+                  <a:pt x="3435" y="171"/>
+                </a:lnTo>
+                <a:lnTo>
+                  <a:pt x="3386" y="123"/>
+                </a:lnTo>
+                <a:lnTo>
+                  <a:pt x="3264" y="50"/>
+                </a:lnTo>
+                <a:lnTo>
+                  <a:pt x="3118" y="1"/>
+                </a:lnTo>
+                <a:lnTo>
+                  <a:pt x="3045" y="1"/>
+                </a:lnTo>
+                <a:lnTo>
+                  <a:pt x="2972" y="25"/>
+                </a:lnTo>
+                <a:lnTo>
+                  <a:pt x="2436" y="196"/>
+                </a:lnTo>
+                <a:lnTo>
+                  <a:pt x="2436" y="196"/>
+                </a:lnTo>
+                <a:lnTo>
+                  <a:pt x="2363" y="220"/>
+                </a:lnTo>
+                <a:lnTo>
+                  <a:pt x="2290" y="269"/>
+                </a:lnTo>
+                <a:lnTo>
+                  <a:pt x="2192" y="391"/>
+                </a:lnTo>
+                <a:lnTo>
+                  <a:pt x="2144" y="537"/>
+                </a:lnTo>
+                <a:lnTo>
+                  <a:pt x="2144" y="610"/>
+                </a:lnTo>
+                <a:lnTo>
+                  <a:pt x="2144" y="683"/>
+                </a:lnTo>
+                <a:lnTo>
+                  <a:pt x="2387" y="1828"/>
+                </a:lnTo>
+                <a:lnTo>
+                  <a:pt x="2387" y="1828"/>
+                </a:lnTo>
+                <a:lnTo>
+                  <a:pt x="2217" y="1949"/>
+                </a:lnTo>
+                <a:lnTo>
+                  <a:pt x="2071" y="2095"/>
+                </a:lnTo>
+                <a:lnTo>
+                  <a:pt x="999" y="1681"/>
+                </a:lnTo>
+                <a:lnTo>
+                  <a:pt x="999" y="1681"/>
+                </a:lnTo>
+                <a:lnTo>
+                  <a:pt x="926" y="1681"/>
+                </a:lnTo>
+                <a:lnTo>
+                  <a:pt x="829" y="1657"/>
+                </a:lnTo>
+                <a:lnTo>
+                  <a:pt x="682" y="1706"/>
+                </a:lnTo>
+                <a:lnTo>
+                  <a:pt x="561" y="1779"/>
+                </a:lnTo>
+                <a:lnTo>
+                  <a:pt x="512" y="1828"/>
+                </a:lnTo>
+                <a:lnTo>
+                  <a:pt x="463" y="1901"/>
+                </a:lnTo>
+                <a:lnTo>
+                  <a:pt x="220" y="2388"/>
+                </a:lnTo>
+                <a:lnTo>
+                  <a:pt x="220" y="2388"/>
+                </a:lnTo>
+                <a:lnTo>
+                  <a:pt x="195" y="2461"/>
+                </a:lnTo>
+                <a:lnTo>
+                  <a:pt x="171" y="2534"/>
+                </a:lnTo>
+                <a:lnTo>
+                  <a:pt x="195" y="2704"/>
+                </a:lnTo>
+                <a:lnTo>
+                  <a:pt x="244" y="2826"/>
+                </a:lnTo>
+                <a:lnTo>
+                  <a:pt x="293" y="2899"/>
+                </a:lnTo>
+                <a:lnTo>
+                  <a:pt x="366" y="2948"/>
+                </a:lnTo>
+                <a:lnTo>
+                  <a:pt x="1340" y="3581"/>
+                </a:lnTo>
+                <a:lnTo>
+                  <a:pt x="1340" y="3581"/>
+                </a:lnTo>
+                <a:lnTo>
+                  <a:pt x="1316" y="3776"/>
+                </a:lnTo>
+                <a:lnTo>
+                  <a:pt x="1291" y="3995"/>
+                </a:lnTo>
+                <a:lnTo>
+                  <a:pt x="244" y="4482"/>
+                </a:lnTo>
+                <a:lnTo>
+                  <a:pt x="244" y="4482"/>
+                </a:lnTo>
+                <a:lnTo>
+                  <a:pt x="195" y="4507"/>
+                </a:lnTo>
+                <a:lnTo>
+                  <a:pt x="122" y="4555"/>
+                </a:lnTo>
+                <a:lnTo>
+                  <a:pt x="49" y="4701"/>
+                </a:lnTo>
+                <a:lnTo>
+                  <a:pt x="0" y="4848"/>
+                </a:lnTo>
+                <a:lnTo>
+                  <a:pt x="25" y="4921"/>
+                </a:lnTo>
+                <a:lnTo>
+                  <a:pt x="25" y="4994"/>
+                </a:lnTo>
+                <a:lnTo>
+                  <a:pt x="220" y="5530"/>
+                </a:lnTo>
+                <a:lnTo>
+                  <a:pt x="220" y="5530"/>
+                </a:lnTo>
+                <a:lnTo>
+                  <a:pt x="244" y="5578"/>
+                </a:lnTo>
+                <a:lnTo>
+                  <a:pt x="293" y="5651"/>
+                </a:lnTo>
+                <a:lnTo>
+                  <a:pt x="390" y="5749"/>
+                </a:lnTo>
+                <a:lnTo>
+                  <a:pt x="536" y="5797"/>
+                </a:lnTo>
+                <a:lnTo>
+                  <a:pt x="609" y="5797"/>
+                </a:lnTo>
+                <a:lnTo>
+                  <a:pt x="682" y="5797"/>
+                </a:lnTo>
+                <a:lnTo>
+                  <a:pt x="1827" y="5554"/>
+                </a:lnTo>
+                <a:lnTo>
+                  <a:pt x="1827" y="5554"/>
+                </a:lnTo>
+                <a:lnTo>
+                  <a:pt x="1949" y="5724"/>
+                </a:lnTo>
+                <a:lnTo>
+                  <a:pt x="2095" y="5870"/>
+                </a:lnTo>
+                <a:lnTo>
+                  <a:pt x="1705" y="6966"/>
+                </a:lnTo>
+                <a:lnTo>
+                  <a:pt x="1705" y="6966"/>
+                </a:lnTo>
+                <a:lnTo>
+                  <a:pt x="1681" y="7040"/>
+                </a:lnTo>
+                <a:lnTo>
+                  <a:pt x="1681" y="7113"/>
+                </a:lnTo>
+                <a:lnTo>
+                  <a:pt x="1705" y="7259"/>
+                </a:lnTo>
+                <a:lnTo>
+                  <a:pt x="1778" y="7380"/>
+                </a:lnTo>
+                <a:lnTo>
+                  <a:pt x="1851" y="7429"/>
+                </a:lnTo>
+                <a:lnTo>
+                  <a:pt x="1900" y="7478"/>
+                </a:lnTo>
+                <a:lnTo>
+                  <a:pt x="2412" y="7721"/>
+                </a:lnTo>
+                <a:lnTo>
+                  <a:pt x="2412" y="7721"/>
+                </a:lnTo>
+                <a:lnTo>
+                  <a:pt x="2485" y="7770"/>
+                </a:lnTo>
+                <a:lnTo>
+                  <a:pt x="2558" y="7770"/>
+                </a:lnTo>
+                <a:lnTo>
+                  <a:pt x="2704" y="7770"/>
+                </a:lnTo>
+                <a:lnTo>
+                  <a:pt x="2850" y="7697"/>
+                </a:lnTo>
+                <a:lnTo>
+                  <a:pt x="2899" y="7648"/>
+                </a:lnTo>
+                <a:lnTo>
+                  <a:pt x="2947" y="7600"/>
+                </a:lnTo>
+                <a:lnTo>
+                  <a:pt x="3581" y="6625"/>
+                </a:lnTo>
+                <a:lnTo>
+                  <a:pt x="3581" y="6625"/>
+                </a:lnTo>
+                <a:lnTo>
+                  <a:pt x="3800" y="6650"/>
+                </a:lnTo>
+                <a:lnTo>
+                  <a:pt x="3995" y="6650"/>
+                </a:lnTo>
+                <a:lnTo>
+                  <a:pt x="4482" y="7697"/>
+                </a:lnTo>
+                <a:lnTo>
+                  <a:pt x="4482" y="7697"/>
+                </a:lnTo>
+                <a:lnTo>
+                  <a:pt x="4531" y="7770"/>
+                </a:lnTo>
+                <a:lnTo>
+                  <a:pt x="4579" y="7819"/>
+                </a:lnTo>
+                <a:lnTo>
+                  <a:pt x="4701" y="7892"/>
+                </a:lnTo>
+                <a:lnTo>
+                  <a:pt x="4847" y="7941"/>
+                </a:lnTo>
+                <a:lnTo>
+                  <a:pt x="4920" y="7941"/>
+                </a:lnTo>
+                <a:lnTo>
+                  <a:pt x="4993" y="7916"/>
+                </a:lnTo>
+                <a:lnTo>
+                  <a:pt x="5529" y="7746"/>
+                </a:lnTo>
+                <a:lnTo>
+                  <a:pt x="5529" y="7746"/>
+                </a:lnTo>
+                <a:lnTo>
+                  <a:pt x="5602" y="7721"/>
+                </a:lnTo>
+                <a:lnTo>
+                  <a:pt x="5651" y="7673"/>
+                </a:lnTo>
+                <a:lnTo>
+                  <a:pt x="5748" y="7551"/>
+                </a:lnTo>
+                <a:lnTo>
+                  <a:pt x="5821" y="7405"/>
+                </a:lnTo>
+                <a:lnTo>
+                  <a:pt x="5821" y="7332"/>
+                </a:lnTo>
+                <a:lnTo>
+                  <a:pt x="5821" y="7259"/>
+                </a:lnTo>
+                <a:lnTo>
+                  <a:pt x="5578" y="6114"/>
+                </a:lnTo>
+                <a:lnTo>
+                  <a:pt x="5578" y="6114"/>
+                </a:lnTo>
+                <a:lnTo>
+                  <a:pt x="5724" y="5992"/>
+                </a:lnTo>
+                <a:lnTo>
+                  <a:pt x="5894" y="5846"/>
+                </a:lnTo>
+                <a:lnTo>
+                  <a:pt x="6966" y="6260"/>
+                </a:lnTo>
+                <a:lnTo>
+                  <a:pt x="6966" y="6260"/>
+                </a:lnTo>
+                <a:lnTo>
+                  <a:pt x="7039" y="6260"/>
+                </a:lnTo>
+                <a:lnTo>
+                  <a:pt x="7112" y="6285"/>
+                </a:lnTo>
+                <a:lnTo>
+                  <a:pt x="7258" y="6236"/>
+                </a:lnTo>
+                <a:lnTo>
+                  <a:pt x="7404" y="6163"/>
+                </a:lnTo>
+                <a:lnTo>
+                  <a:pt x="7453" y="6114"/>
+                </a:lnTo>
+                <a:lnTo>
+                  <a:pt x="7502" y="6041"/>
+                </a:lnTo>
+                <a:lnTo>
+                  <a:pt x="7745" y="5530"/>
+                </a:lnTo>
+                <a:lnTo>
+                  <a:pt x="7745" y="5530"/>
+                </a:lnTo>
+                <a:lnTo>
+                  <a:pt x="7770" y="5481"/>
+                </a:lnTo>
+                <a:lnTo>
+                  <a:pt x="7794" y="5383"/>
+                </a:lnTo>
+                <a:lnTo>
+                  <a:pt x="7770" y="5237"/>
+                </a:lnTo>
+                <a:lnTo>
+                  <a:pt x="7697" y="5115"/>
+                </a:lnTo>
+                <a:lnTo>
+                  <a:pt x="7648" y="5042"/>
+                </a:lnTo>
+                <a:lnTo>
+                  <a:pt x="7599" y="4994"/>
+                </a:lnTo>
+                <a:lnTo>
+                  <a:pt x="6625" y="4360"/>
+                </a:lnTo>
+                <a:lnTo>
+                  <a:pt x="6625" y="4360"/>
+                </a:lnTo>
+                <a:lnTo>
+                  <a:pt x="6649" y="4166"/>
+                </a:lnTo>
+                <a:lnTo>
+                  <a:pt x="6649" y="3946"/>
+                </a:lnTo>
+                <a:lnTo>
+                  <a:pt x="7697" y="3459"/>
+                </a:lnTo>
+                <a:lnTo>
+                  <a:pt x="7697" y="3459"/>
+                </a:lnTo>
+                <a:lnTo>
+                  <a:pt x="7770" y="3435"/>
+                </a:lnTo>
+                <a:lnTo>
+                  <a:pt x="7843" y="3386"/>
+                </a:lnTo>
+                <a:lnTo>
+                  <a:pt x="7916" y="3240"/>
+                </a:lnTo>
+                <a:lnTo>
+                  <a:pt x="7940" y="3094"/>
+                </a:lnTo>
+                <a:lnTo>
+                  <a:pt x="7940" y="3021"/>
+                </a:lnTo>
+                <a:lnTo>
+                  <a:pt x="7940" y="2948"/>
+                </a:lnTo>
+                <a:lnTo>
+                  <a:pt x="7745" y="2412"/>
+                </a:lnTo>
+                <a:lnTo>
+                  <a:pt x="7745" y="2412"/>
+                </a:lnTo>
+                <a:lnTo>
+                  <a:pt x="7721" y="2339"/>
+                </a:lnTo>
+                <a:lnTo>
+                  <a:pt x="7672" y="2290"/>
+                </a:lnTo>
+                <a:lnTo>
+                  <a:pt x="7551" y="2193"/>
+                </a:lnTo>
+                <a:lnTo>
+                  <a:pt x="7429" y="2144"/>
+                </a:lnTo>
+                <a:lnTo>
+                  <a:pt x="7356" y="2144"/>
+                </a:lnTo>
+                <a:lnTo>
+                  <a:pt x="7258" y="2144"/>
+                </a:lnTo>
+                <a:lnTo>
+                  <a:pt x="7258" y="2144"/>
+                </a:lnTo>
+                <a:close/>
+                <a:moveTo>
+                  <a:pt x="5480" y="4726"/>
+                </a:moveTo>
+                <a:lnTo>
+                  <a:pt x="5480" y="4726"/>
+                </a:lnTo>
+                <a:lnTo>
+                  <a:pt x="5383" y="4872"/>
+                </a:lnTo>
+                <a:lnTo>
+                  <a:pt x="5286" y="4994"/>
+                </a:lnTo>
+                <a:lnTo>
+                  <a:pt x="5188" y="5140"/>
+                </a:lnTo>
+                <a:lnTo>
+                  <a:pt x="5066" y="5237"/>
+                </a:lnTo>
+                <a:lnTo>
+                  <a:pt x="4945" y="5335"/>
+                </a:lnTo>
+                <a:lnTo>
+                  <a:pt x="4798" y="5432"/>
+                </a:lnTo>
+                <a:lnTo>
+                  <a:pt x="4652" y="5505"/>
+                </a:lnTo>
+                <a:lnTo>
+                  <a:pt x="4506" y="5554"/>
+                </a:lnTo>
+                <a:lnTo>
+                  <a:pt x="4360" y="5603"/>
+                </a:lnTo>
+                <a:lnTo>
+                  <a:pt x="4190" y="5627"/>
+                </a:lnTo>
+                <a:lnTo>
+                  <a:pt x="4043" y="5651"/>
+                </a:lnTo>
+                <a:lnTo>
+                  <a:pt x="3873" y="5627"/>
+                </a:lnTo>
+                <a:lnTo>
+                  <a:pt x="3702" y="5627"/>
+                </a:lnTo>
+                <a:lnTo>
+                  <a:pt x="3556" y="5578"/>
+                </a:lnTo>
+                <a:lnTo>
+                  <a:pt x="3386" y="5530"/>
+                </a:lnTo>
+                <a:lnTo>
+                  <a:pt x="3240" y="5456"/>
+                </a:lnTo>
+                <a:lnTo>
+                  <a:pt x="3240" y="5456"/>
+                </a:lnTo>
+                <a:lnTo>
+                  <a:pt x="3094" y="5383"/>
+                </a:lnTo>
+                <a:lnTo>
+                  <a:pt x="2947" y="5286"/>
+                </a:lnTo>
+                <a:lnTo>
+                  <a:pt x="2826" y="5164"/>
+                </a:lnTo>
+                <a:lnTo>
+                  <a:pt x="2704" y="5067"/>
+                </a:lnTo>
+                <a:lnTo>
+                  <a:pt x="2606" y="4921"/>
+                </a:lnTo>
+                <a:lnTo>
+                  <a:pt x="2533" y="4799"/>
+                </a:lnTo>
+                <a:lnTo>
+                  <a:pt x="2460" y="4653"/>
+                </a:lnTo>
+                <a:lnTo>
+                  <a:pt x="2387" y="4507"/>
+                </a:lnTo>
+                <a:lnTo>
+                  <a:pt x="2363" y="4336"/>
+                </a:lnTo>
+                <a:lnTo>
+                  <a:pt x="2314" y="4190"/>
+                </a:lnTo>
+                <a:lnTo>
+                  <a:pt x="2314" y="4020"/>
+                </a:lnTo>
+                <a:lnTo>
+                  <a:pt x="2314" y="3873"/>
+                </a:lnTo>
+                <a:lnTo>
+                  <a:pt x="2339" y="3703"/>
+                </a:lnTo>
+                <a:lnTo>
+                  <a:pt x="2363" y="3532"/>
+                </a:lnTo>
+                <a:lnTo>
+                  <a:pt x="2412" y="3386"/>
+                </a:lnTo>
+                <a:lnTo>
+                  <a:pt x="2485" y="3216"/>
+                </a:lnTo>
+                <a:lnTo>
+                  <a:pt x="2485" y="3216"/>
+                </a:lnTo>
+                <a:lnTo>
+                  <a:pt x="2582" y="3070"/>
+                </a:lnTo>
+                <a:lnTo>
+                  <a:pt x="2680" y="2948"/>
+                </a:lnTo>
+                <a:lnTo>
+                  <a:pt x="2777" y="2802"/>
+                </a:lnTo>
+                <a:lnTo>
+                  <a:pt x="2899" y="2704"/>
+                </a:lnTo>
+                <a:lnTo>
+                  <a:pt x="3020" y="2607"/>
+                </a:lnTo>
+                <a:lnTo>
+                  <a:pt x="3167" y="2509"/>
+                </a:lnTo>
+                <a:lnTo>
+                  <a:pt x="3313" y="2436"/>
+                </a:lnTo>
+                <a:lnTo>
+                  <a:pt x="3459" y="2388"/>
+                </a:lnTo>
+                <a:lnTo>
+                  <a:pt x="3605" y="2339"/>
+                </a:lnTo>
+                <a:lnTo>
+                  <a:pt x="3775" y="2315"/>
+                </a:lnTo>
+                <a:lnTo>
+                  <a:pt x="3922" y="2290"/>
+                </a:lnTo>
+                <a:lnTo>
+                  <a:pt x="4092" y="2315"/>
+                </a:lnTo>
+                <a:lnTo>
+                  <a:pt x="4263" y="2315"/>
+                </a:lnTo>
+                <a:lnTo>
+                  <a:pt x="4409" y="2363"/>
+                </a:lnTo>
+                <a:lnTo>
+                  <a:pt x="4579" y="2412"/>
+                </a:lnTo>
+                <a:lnTo>
+                  <a:pt x="4725" y="2485"/>
+                </a:lnTo>
+                <a:lnTo>
+                  <a:pt x="4725" y="2485"/>
+                </a:lnTo>
+                <a:lnTo>
+                  <a:pt x="4871" y="2558"/>
+                </a:lnTo>
+                <a:lnTo>
+                  <a:pt x="5018" y="2656"/>
+                </a:lnTo>
+                <a:lnTo>
+                  <a:pt x="5139" y="2777"/>
+                </a:lnTo>
+                <a:lnTo>
+                  <a:pt x="5261" y="2875"/>
+                </a:lnTo>
+                <a:lnTo>
+                  <a:pt x="5359" y="3021"/>
+                </a:lnTo>
+                <a:lnTo>
+                  <a:pt x="5432" y="3143"/>
+                </a:lnTo>
+                <a:lnTo>
+                  <a:pt x="5505" y="3289"/>
+                </a:lnTo>
+                <a:lnTo>
+                  <a:pt x="5578" y="3435"/>
+                </a:lnTo>
+                <a:lnTo>
+                  <a:pt x="5602" y="3605"/>
+                </a:lnTo>
+                <a:lnTo>
+                  <a:pt x="5626" y="3752"/>
+                </a:lnTo>
+                <a:lnTo>
+                  <a:pt x="5651" y="3922"/>
+                </a:lnTo>
+                <a:lnTo>
+                  <a:pt x="5651" y="4068"/>
+                </a:lnTo>
+                <a:lnTo>
+                  <a:pt x="5626" y="4239"/>
+                </a:lnTo>
+                <a:lnTo>
+                  <a:pt x="5602" y="4409"/>
+                </a:lnTo>
+                <a:lnTo>
+                  <a:pt x="5553" y="4555"/>
+                </a:lnTo>
+                <a:lnTo>
+                  <a:pt x="5480" y="4726"/>
+                </a:lnTo>
+                <a:lnTo>
+                  <a:pt x="5480" y="4726"/>
+                </a:lnTo>
+                <a:close/>
+              </a:path>
+            </a:pathLst>
+          </a:custGeom>
+          <a:solidFill>
+            <a:schemeClr val="tx1">
+              <a:lumMod val="95000"/>
+              <a:lumOff val="5000"/>
+            </a:schemeClr>
+          </a:solidFill>
+          <a:ln w="38100" cap="rnd" cmpd="sng">
+            <a:solidFill>
+              <a:schemeClr val="bg1"/>
+            </a:solidFill>
+            <a:prstDash val="solid"/>
+            <a:round/>
+            <a:headEnd type="none" w="sm" len="sm"/>
+            <a:tailEnd type="none" w="sm" len="sm"/>
+          </a:ln>
+        </p:spPr>
+        <p:txBody>
+          <a:bodyPr spcFirstLastPara="1" wrap="square" lIns="91425" tIns="91425" rIns="91425" bIns="91425" anchor="ctr" anchorCtr="0">
+            <a:noAutofit/>
+          </a:bodyPr>
+          <a:lstStyle/>
+          <a:p>
+            <a:pPr marL="0" marR="0" lvl="0" indent="0" defTabSz="914400" eaLnBrk="1" fontAlgn="auto" latinLnBrk="0" hangingPunct="1">
+              <a:lnSpc>
+                <a:spcPct val="100000"/>
+              </a:lnSpc>
+              <a:spcBef>
+                <a:spcPts val="0"/>
+              </a:spcBef>
+              <a:spcAft>
+                <a:spcPts val="0"/>
+              </a:spcAft>
+              <a:buClr>
+                <a:srgbClr val="000000"/>
+              </a:buClr>
+              <a:buSzTx/>
+              <a:buFont typeface="Arial"/>
+              <a:buNone/>
+              <a:tabLst/>
+              <a:defRPr/>
+            </a:pPr>
+            <a:endParaRPr kumimoji="0" sz="1400" b="0" i="0" u="none" strike="noStrike" kern="0" cap="none" spc="0" normalizeH="0" baseline="0" noProof="0" smtClean="0">
+              <a:ln>
+                <a:noFill/>
+              </a:ln>
+              <a:solidFill>
+                <a:srgbClr val="000000"/>
+              </a:solidFill>
+              <a:effectLst/>
+              <a:uLnTx/>
+              <a:uFillTx/>
+              <a:latin typeface="Arial"/>
+              <a:cs typeface="Arial"/>
+              <a:sym typeface="Arial"/>
+            </a:endParaRPr>
+          </a:p>
+        </p:txBody>
+      </p:sp>
+      <p:sp>
+        <p:nvSpPr>
+          <p:cNvPr id="20" name="Google Shape;1631;p47"/>
+          <p:cNvSpPr/>
+          <p:nvPr/>
+        </p:nvSpPr>
+        <p:spPr>
+          <a:xfrm rot="1528483">
+            <a:off x="753754" y="5696583"/>
+            <a:ext cx="430938" cy="420267"/>
+          </a:xfrm>
+          <a:custGeom>
+            <a:avLst/>
+            <a:gdLst/>
+            <a:ahLst/>
+            <a:cxnLst/>
+            <a:rect l="l" t="t" r="r" b="b"/>
+            <a:pathLst>
+              <a:path w="13956" h="13956" fill="none" extrusionOk="0">
+                <a:moveTo>
+                  <a:pt x="13323" y="5772"/>
+                </a:moveTo>
+                <a:lnTo>
+                  <a:pt x="11861" y="5626"/>
+                </a:lnTo>
+                <a:lnTo>
+                  <a:pt x="11861" y="5626"/>
+                </a:lnTo>
+                <a:lnTo>
+                  <a:pt x="11788" y="5334"/>
+                </a:lnTo>
+                <a:lnTo>
+                  <a:pt x="11667" y="5042"/>
+                </a:lnTo>
+                <a:lnTo>
+                  <a:pt x="11545" y="4750"/>
+                </a:lnTo>
+                <a:lnTo>
+                  <a:pt x="11399" y="4482"/>
+                </a:lnTo>
+                <a:lnTo>
+                  <a:pt x="12300" y="3337"/>
+                </a:lnTo>
+                <a:lnTo>
+                  <a:pt x="12300" y="3337"/>
+                </a:lnTo>
+                <a:lnTo>
+                  <a:pt x="12373" y="3240"/>
+                </a:lnTo>
+                <a:lnTo>
+                  <a:pt x="12422" y="3118"/>
+                </a:lnTo>
+                <a:lnTo>
+                  <a:pt x="12446" y="2996"/>
+                </a:lnTo>
+                <a:lnTo>
+                  <a:pt x="12446" y="2850"/>
+                </a:lnTo>
+                <a:lnTo>
+                  <a:pt x="12422" y="2728"/>
+                </a:lnTo>
+                <a:lnTo>
+                  <a:pt x="12397" y="2606"/>
+                </a:lnTo>
+                <a:lnTo>
+                  <a:pt x="12324" y="2485"/>
+                </a:lnTo>
+                <a:lnTo>
+                  <a:pt x="12251" y="2387"/>
+                </a:lnTo>
+                <a:lnTo>
+                  <a:pt x="11569" y="1705"/>
+                </a:lnTo>
+                <a:lnTo>
+                  <a:pt x="11569" y="1705"/>
+                </a:lnTo>
+                <a:lnTo>
+                  <a:pt x="11472" y="1632"/>
+                </a:lnTo>
+                <a:lnTo>
+                  <a:pt x="11350" y="1559"/>
+                </a:lnTo>
+                <a:lnTo>
+                  <a:pt x="11228" y="1510"/>
+                </a:lnTo>
+                <a:lnTo>
+                  <a:pt x="11106" y="1510"/>
+                </a:lnTo>
+                <a:lnTo>
+                  <a:pt x="10960" y="1510"/>
+                </a:lnTo>
+                <a:lnTo>
+                  <a:pt x="10838" y="1535"/>
+                </a:lnTo>
+                <a:lnTo>
+                  <a:pt x="10717" y="1583"/>
+                </a:lnTo>
+                <a:lnTo>
+                  <a:pt x="10619" y="1656"/>
+                </a:lnTo>
+                <a:lnTo>
+                  <a:pt x="9475" y="2558"/>
+                </a:lnTo>
+                <a:lnTo>
+                  <a:pt x="9475" y="2558"/>
+                </a:lnTo>
+                <a:lnTo>
+                  <a:pt x="9207" y="2411"/>
+                </a:lnTo>
+                <a:lnTo>
+                  <a:pt x="8914" y="2290"/>
+                </a:lnTo>
+                <a:lnTo>
+                  <a:pt x="8622" y="2168"/>
+                </a:lnTo>
+                <a:lnTo>
+                  <a:pt x="8330" y="2070"/>
+                </a:lnTo>
+                <a:lnTo>
+                  <a:pt x="8159" y="634"/>
+                </a:lnTo>
+                <a:lnTo>
+                  <a:pt x="8159" y="634"/>
+                </a:lnTo>
+                <a:lnTo>
+                  <a:pt x="8135" y="512"/>
+                </a:lnTo>
+                <a:lnTo>
+                  <a:pt x="8086" y="390"/>
+                </a:lnTo>
+                <a:lnTo>
+                  <a:pt x="8013" y="293"/>
+                </a:lnTo>
+                <a:lnTo>
+                  <a:pt x="7940" y="195"/>
+                </a:lnTo>
+                <a:lnTo>
+                  <a:pt x="7818" y="122"/>
+                </a:lnTo>
+                <a:lnTo>
+                  <a:pt x="7721" y="49"/>
+                </a:lnTo>
+                <a:lnTo>
+                  <a:pt x="7575" y="25"/>
+                </a:lnTo>
+                <a:lnTo>
+                  <a:pt x="7453" y="0"/>
+                </a:lnTo>
+                <a:lnTo>
+                  <a:pt x="6479" y="0"/>
+                </a:lnTo>
+                <a:lnTo>
+                  <a:pt x="6479" y="0"/>
+                </a:lnTo>
+                <a:lnTo>
+                  <a:pt x="6357" y="25"/>
+                </a:lnTo>
+                <a:lnTo>
+                  <a:pt x="6235" y="49"/>
+                </a:lnTo>
+                <a:lnTo>
+                  <a:pt x="6114" y="122"/>
+                </a:lnTo>
+                <a:lnTo>
+                  <a:pt x="6016" y="195"/>
+                </a:lnTo>
+                <a:lnTo>
+                  <a:pt x="5919" y="293"/>
+                </a:lnTo>
+                <a:lnTo>
+                  <a:pt x="5846" y="390"/>
+                </a:lnTo>
+                <a:lnTo>
+                  <a:pt x="5797" y="512"/>
+                </a:lnTo>
+                <a:lnTo>
+                  <a:pt x="5773" y="634"/>
+                </a:lnTo>
+                <a:lnTo>
+                  <a:pt x="5602" y="2070"/>
+                </a:lnTo>
+                <a:lnTo>
+                  <a:pt x="5602" y="2070"/>
+                </a:lnTo>
+                <a:lnTo>
+                  <a:pt x="5310" y="2168"/>
+                </a:lnTo>
+                <a:lnTo>
+                  <a:pt x="5018" y="2290"/>
+                </a:lnTo>
+                <a:lnTo>
+                  <a:pt x="4750" y="2411"/>
+                </a:lnTo>
+                <a:lnTo>
+                  <a:pt x="4482" y="2558"/>
+                </a:lnTo>
+                <a:lnTo>
+                  <a:pt x="3337" y="1656"/>
+                </a:lnTo>
+                <a:lnTo>
+                  <a:pt x="3337" y="1656"/>
+                </a:lnTo>
+                <a:lnTo>
+                  <a:pt x="3215" y="1583"/>
+                </a:lnTo>
+                <a:lnTo>
+                  <a:pt x="3094" y="1535"/>
+                </a:lnTo>
+                <a:lnTo>
+                  <a:pt x="2972" y="1510"/>
+                </a:lnTo>
+                <a:lnTo>
+                  <a:pt x="2850" y="1510"/>
+                </a:lnTo>
+                <a:lnTo>
+                  <a:pt x="2728" y="1510"/>
+                </a:lnTo>
+                <a:lnTo>
+                  <a:pt x="2582" y="1559"/>
+                </a:lnTo>
+                <a:lnTo>
+                  <a:pt x="2485" y="1632"/>
+                </a:lnTo>
+                <a:lnTo>
+                  <a:pt x="2387" y="1705"/>
+                </a:lnTo>
+                <a:lnTo>
+                  <a:pt x="1705" y="2387"/>
+                </a:lnTo>
+                <a:lnTo>
+                  <a:pt x="1705" y="2387"/>
+                </a:lnTo>
+                <a:lnTo>
+                  <a:pt x="1608" y="2485"/>
+                </a:lnTo>
+                <a:lnTo>
+                  <a:pt x="1559" y="2606"/>
+                </a:lnTo>
+                <a:lnTo>
+                  <a:pt x="1511" y="2728"/>
+                </a:lnTo>
+                <a:lnTo>
+                  <a:pt x="1486" y="2850"/>
+                </a:lnTo>
+                <a:lnTo>
+                  <a:pt x="1486" y="2996"/>
+                </a:lnTo>
+                <a:lnTo>
+                  <a:pt x="1511" y="3118"/>
+                </a:lnTo>
+                <a:lnTo>
+                  <a:pt x="1559" y="3240"/>
+                </a:lnTo>
+                <a:lnTo>
+                  <a:pt x="1632" y="3337"/>
+                </a:lnTo>
+                <a:lnTo>
+                  <a:pt x="2533" y="4482"/>
+                </a:lnTo>
+                <a:lnTo>
+                  <a:pt x="2533" y="4482"/>
+                </a:lnTo>
+                <a:lnTo>
+                  <a:pt x="2387" y="4750"/>
+                </a:lnTo>
+                <a:lnTo>
+                  <a:pt x="2266" y="5042"/>
+                </a:lnTo>
+                <a:lnTo>
+                  <a:pt x="2168" y="5334"/>
+                </a:lnTo>
+                <a:lnTo>
+                  <a:pt x="2071" y="5626"/>
+                </a:lnTo>
+                <a:lnTo>
+                  <a:pt x="634" y="5772"/>
+                </a:lnTo>
+                <a:lnTo>
+                  <a:pt x="634" y="5772"/>
+                </a:lnTo>
+                <a:lnTo>
+                  <a:pt x="512" y="5821"/>
+                </a:lnTo>
+                <a:lnTo>
+                  <a:pt x="390" y="5870"/>
+                </a:lnTo>
+                <a:lnTo>
+                  <a:pt x="268" y="5943"/>
+                </a:lnTo>
+                <a:lnTo>
+                  <a:pt x="171" y="6016"/>
+                </a:lnTo>
+                <a:lnTo>
+                  <a:pt x="98" y="6138"/>
+                </a:lnTo>
+                <a:lnTo>
+                  <a:pt x="49" y="6235"/>
+                </a:lnTo>
+                <a:lnTo>
+                  <a:pt x="1" y="6381"/>
+                </a:lnTo>
+                <a:lnTo>
+                  <a:pt x="1" y="6503"/>
+                </a:lnTo>
+                <a:lnTo>
+                  <a:pt x="1" y="7453"/>
+                </a:lnTo>
+                <a:lnTo>
+                  <a:pt x="1" y="7453"/>
+                </a:lnTo>
+                <a:lnTo>
+                  <a:pt x="1" y="7599"/>
+                </a:lnTo>
+                <a:lnTo>
+                  <a:pt x="49" y="7721"/>
+                </a:lnTo>
+                <a:lnTo>
+                  <a:pt x="98" y="7843"/>
+                </a:lnTo>
+                <a:lnTo>
+                  <a:pt x="171" y="7940"/>
+                </a:lnTo>
+                <a:lnTo>
+                  <a:pt x="268" y="8037"/>
+                </a:lnTo>
+                <a:lnTo>
+                  <a:pt x="390" y="8111"/>
+                </a:lnTo>
+                <a:lnTo>
+                  <a:pt x="512" y="8159"/>
+                </a:lnTo>
+                <a:lnTo>
+                  <a:pt x="634" y="8184"/>
+                </a:lnTo>
+                <a:lnTo>
+                  <a:pt x="2071" y="8354"/>
+                </a:lnTo>
+                <a:lnTo>
+                  <a:pt x="2071" y="8354"/>
+                </a:lnTo>
+                <a:lnTo>
+                  <a:pt x="2168" y="8646"/>
+                </a:lnTo>
+                <a:lnTo>
+                  <a:pt x="2266" y="8914"/>
+                </a:lnTo>
+                <a:lnTo>
+                  <a:pt x="2387" y="9206"/>
+                </a:lnTo>
+                <a:lnTo>
+                  <a:pt x="2533" y="9474"/>
+                </a:lnTo>
+                <a:lnTo>
+                  <a:pt x="1632" y="10619"/>
+                </a:lnTo>
+                <a:lnTo>
+                  <a:pt x="1632" y="10619"/>
+                </a:lnTo>
+                <a:lnTo>
+                  <a:pt x="1559" y="10741"/>
+                </a:lnTo>
+                <a:lnTo>
+                  <a:pt x="1511" y="10863"/>
+                </a:lnTo>
+                <a:lnTo>
+                  <a:pt x="1486" y="10984"/>
+                </a:lnTo>
+                <a:lnTo>
+                  <a:pt x="1486" y="11106"/>
+                </a:lnTo>
+                <a:lnTo>
+                  <a:pt x="1511" y="11228"/>
+                </a:lnTo>
+                <a:lnTo>
+                  <a:pt x="1559" y="11350"/>
+                </a:lnTo>
+                <a:lnTo>
+                  <a:pt x="1608" y="11472"/>
+                </a:lnTo>
+                <a:lnTo>
+                  <a:pt x="1705" y="11569"/>
+                </a:lnTo>
+                <a:lnTo>
+                  <a:pt x="2387" y="12251"/>
+                </a:lnTo>
+                <a:lnTo>
+                  <a:pt x="2387" y="12251"/>
+                </a:lnTo>
+                <a:lnTo>
+                  <a:pt x="2485" y="12348"/>
+                </a:lnTo>
+                <a:lnTo>
+                  <a:pt x="2582" y="12397"/>
+                </a:lnTo>
+                <a:lnTo>
+                  <a:pt x="2728" y="12446"/>
+                </a:lnTo>
+                <a:lnTo>
+                  <a:pt x="2850" y="12470"/>
+                </a:lnTo>
+                <a:lnTo>
+                  <a:pt x="2972" y="12470"/>
+                </a:lnTo>
+                <a:lnTo>
+                  <a:pt x="3094" y="12421"/>
+                </a:lnTo>
+                <a:lnTo>
+                  <a:pt x="3215" y="12373"/>
+                </a:lnTo>
+                <a:lnTo>
+                  <a:pt x="3337" y="12324"/>
+                </a:lnTo>
+                <a:lnTo>
+                  <a:pt x="4482" y="11423"/>
+                </a:lnTo>
+                <a:lnTo>
+                  <a:pt x="4482" y="11423"/>
+                </a:lnTo>
+                <a:lnTo>
+                  <a:pt x="4750" y="11545"/>
+                </a:lnTo>
+                <a:lnTo>
+                  <a:pt x="5018" y="11691"/>
+                </a:lnTo>
+                <a:lnTo>
+                  <a:pt x="5310" y="11788"/>
+                </a:lnTo>
+                <a:lnTo>
+                  <a:pt x="5602" y="11886"/>
+                </a:lnTo>
+                <a:lnTo>
+                  <a:pt x="5773" y="13322"/>
+                </a:lnTo>
+                <a:lnTo>
+                  <a:pt x="5773" y="13322"/>
+                </a:lnTo>
+                <a:lnTo>
+                  <a:pt x="5797" y="13444"/>
+                </a:lnTo>
+                <a:lnTo>
+                  <a:pt x="5846" y="13566"/>
+                </a:lnTo>
+                <a:lnTo>
+                  <a:pt x="5919" y="13688"/>
+                </a:lnTo>
+                <a:lnTo>
+                  <a:pt x="6016" y="13785"/>
+                </a:lnTo>
+                <a:lnTo>
+                  <a:pt x="6114" y="13858"/>
+                </a:lnTo>
+                <a:lnTo>
+                  <a:pt x="6235" y="13907"/>
+                </a:lnTo>
+                <a:lnTo>
+                  <a:pt x="6357" y="13956"/>
+                </a:lnTo>
+                <a:lnTo>
+                  <a:pt x="6479" y="13956"/>
+                </a:lnTo>
+                <a:lnTo>
+                  <a:pt x="7453" y="13956"/>
+                </a:lnTo>
+                <a:lnTo>
+                  <a:pt x="7453" y="13956"/>
+                </a:lnTo>
+                <a:lnTo>
+                  <a:pt x="7575" y="13956"/>
+                </a:lnTo>
+                <a:lnTo>
+                  <a:pt x="7721" y="13907"/>
+                </a:lnTo>
+                <a:lnTo>
+                  <a:pt x="7818" y="13858"/>
+                </a:lnTo>
+                <a:lnTo>
+                  <a:pt x="7940" y="13785"/>
+                </a:lnTo>
+                <a:lnTo>
+                  <a:pt x="8013" y="13688"/>
+                </a:lnTo>
+                <a:lnTo>
+                  <a:pt x="8086" y="13566"/>
+                </a:lnTo>
+                <a:lnTo>
+                  <a:pt x="8135" y="13444"/>
+                </a:lnTo>
+                <a:lnTo>
+                  <a:pt x="8159" y="13322"/>
+                </a:lnTo>
+                <a:lnTo>
+                  <a:pt x="8330" y="11886"/>
+                </a:lnTo>
+                <a:lnTo>
+                  <a:pt x="8330" y="11886"/>
+                </a:lnTo>
+                <a:lnTo>
+                  <a:pt x="8622" y="11788"/>
+                </a:lnTo>
+                <a:lnTo>
+                  <a:pt x="8914" y="11691"/>
+                </a:lnTo>
+                <a:lnTo>
+                  <a:pt x="9207" y="11545"/>
+                </a:lnTo>
+                <a:lnTo>
+                  <a:pt x="9475" y="11423"/>
+                </a:lnTo>
+                <a:lnTo>
+                  <a:pt x="10619" y="12324"/>
+                </a:lnTo>
+                <a:lnTo>
+                  <a:pt x="10619" y="12324"/>
+                </a:lnTo>
+                <a:lnTo>
+                  <a:pt x="10717" y="12373"/>
+                </a:lnTo>
+                <a:lnTo>
+                  <a:pt x="10838" y="12421"/>
+                </a:lnTo>
+                <a:lnTo>
+                  <a:pt x="10960" y="12470"/>
+                </a:lnTo>
+                <a:lnTo>
+                  <a:pt x="11106" y="12470"/>
+                </a:lnTo>
+                <a:lnTo>
+                  <a:pt x="11228" y="12446"/>
+                </a:lnTo>
+                <a:lnTo>
+                  <a:pt x="11350" y="12397"/>
+                </a:lnTo>
+                <a:lnTo>
+                  <a:pt x="11472" y="12348"/>
+                </a:lnTo>
+                <a:lnTo>
+                  <a:pt x="11569" y="12251"/>
+                </a:lnTo>
+                <a:lnTo>
+                  <a:pt x="12251" y="11569"/>
+                </a:lnTo>
+                <a:lnTo>
+                  <a:pt x="12251" y="11569"/>
+                </a:lnTo>
+                <a:lnTo>
+                  <a:pt x="12324" y="11472"/>
+                </a:lnTo>
+                <a:lnTo>
+                  <a:pt x="12397" y="11350"/>
+                </a:lnTo>
+                <a:lnTo>
+                  <a:pt x="12422" y="11228"/>
+                </a:lnTo>
+                <a:lnTo>
+                  <a:pt x="12446" y="11106"/>
+                </a:lnTo>
+                <a:lnTo>
+                  <a:pt x="12446" y="10984"/>
+                </a:lnTo>
+                <a:lnTo>
+                  <a:pt x="12422" y="10863"/>
+                </a:lnTo>
+                <a:lnTo>
+                  <a:pt x="12373" y="10741"/>
+                </a:lnTo>
+                <a:lnTo>
+                  <a:pt x="12300" y="10619"/>
+                </a:lnTo>
+                <a:lnTo>
+                  <a:pt x="11399" y="9474"/>
+                </a:lnTo>
+                <a:lnTo>
+                  <a:pt x="11399" y="9474"/>
+                </a:lnTo>
+                <a:lnTo>
+                  <a:pt x="11545" y="9206"/>
+                </a:lnTo>
+                <a:lnTo>
+                  <a:pt x="11667" y="8914"/>
+                </a:lnTo>
+                <a:lnTo>
+                  <a:pt x="11788" y="8646"/>
+                </a:lnTo>
+                <a:lnTo>
+                  <a:pt x="11861" y="8354"/>
+                </a:lnTo>
+                <a:lnTo>
+                  <a:pt x="13323" y="8184"/>
+                </a:lnTo>
+                <a:lnTo>
+                  <a:pt x="13323" y="8184"/>
+                </a:lnTo>
+                <a:lnTo>
+                  <a:pt x="13444" y="8159"/>
+                </a:lnTo>
+                <a:lnTo>
+                  <a:pt x="13566" y="8111"/>
+                </a:lnTo>
+                <a:lnTo>
+                  <a:pt x="13664" y="8037"/>
+                </a:lnTo>
+                <a:lnTo>
+                  <a:pt x="13761" y="7940"/>
+                </a:lnTo>
+                <a:lnTo>
+                  <a:pt x="13834" y="7843"/>
+                </a:lnTo>
+                <a:lnTo>
+                  <a:pt x="13907" y="7721"/>
+                </a:lnTo>
+                <a:lnTo>
+                  <a:pt x="13932" y="7599"/>
+                </a:lnTo>
+                <a:lnTo>
+                  <a:pt x="13956" y="7453"/>
+                </a:lnTo>
+                <a:lnTo>
+                  <a:pt x="13956" y="6503"/>
+                </a:lnTo>
+                <a:lnTo>
+                  <a:pt x="13956" y="6503"/>
+                </a:lnTo>
+                <a:lnTo>
+                  <a:pt x="13932" y="6381"/>
+                </a:lnTo>
+                <a:lnTo>
+                  <a:pt x="13907" y="6235"/>
+                </a:lnTo>
+                <a:lnTo>
+                  <a:pt x="13834" y="6138"/>
+                </a:lnTo>
+                <a:lnTo>
+                  <a:pt x="13761" y="6016"/>
+                </a:lnTo>
+                <a:lnTo>
+                  <a:pt x="13664" y="5943"/>
+                </a:lnTo>
+                <a:lnTo>
+                  <a:pt x="13566" y="5870"/>
+                </a:lnTo>
+                <a:lnTo>
+                  <a:pt x="13444" y="5821"/>
+                </a:lnTo>
+                <a:lnTo>
+                  <a:pt x="13323" y="5772"/>
+                </a:lnTo>
+                <a:lnTo>
+                  <a:pt x="13323" y="5772"/>
+                </a:lnTo>
+                <a:close/>
+                <a:moveTo>
+                  <a:pt x="8573" y="8598"/>
+                </a:moveTo>
+                <a:lnTo>
+                  <a:pt x="8573" y="8598"/>
+                </a:lnTo>
+                <a:lnTo>
+                  <a:pt x="8403" y="8744"/>
+                </a:lnTo>
+                <a:lnTo>
+                  <a:pt x="8232" y="8890"/>
+                </a:lnTo>
+                <a:lnTo>
+                  <a:pt x="8038" y="8987"/>
+                </a:lnTo>
+                <a:lnTo>
+                  <a:pt x="7818" y="9085"/>
+                </a:lnTo>
+                <a:lnTo>
+                  <a:pt x="7624" y="9158"/>
+                </a:lnTo>
+                <a:lnTo>
+                  <a:pt x="7404" y="9206"/>
+                </a:lnTo>
+                <a:lnTo>
+                  <a:pt x="7185" y="9231"/>
+                </a:lnTo>
+                <a:lnTo>
+                  <a:pt x="6966" y="9255"/>
+                </a:lnTo>
+                <a:lnTo>
+                  <a:pt x="6747" y="9231"/>
+                </a:lnTo>
+                <a:lnTo>
+                  <a:pt x="6528" y="9206"/>
+                </a:lnTo>
+                <a:lnTo>
+                  <a:pt x="6333" y="9158"/>
+                </a:lnTo>
+                <a:lnTo>
+                  <a:pt x="6114" y="9085"/>
+                </a:lnTo>
+                <a:lnTo>
+                  <a:pt x="5919" y="8987"/>
+                </a:lnTo>
+                <a:lnTo>
+                  <a:pt x="5724" y="8890"/>
+                </a:lnTo>
+                <a:lnTo>
+                  <a:pt x="5529" y="8744"/>
+                </a:lnTo>
+                <a:lnTo>
+                  <a:pt x="5359" y="8598"/>
+                </a:lnTo>
+                <a:lnTo>
+                  <a:pt x="5359" y="8598"/>
+                </a:lnTo>
+                <a:lnTo>
+                  <a:pt x="5212" y="8427"/>
+                </a:lnTo>
+                <a:lnTo>
+                  <a:pt x="5066" y="8232"/>
+                </a:lnTo>
+                <a:lnTo>
+                  <a:pt x="4969" y="8037"/>
+                </a:lnTo>
+                <a:lnTo>
+                  <a:pt x="4871" y="7843"/>
+                </a:lnTo>
+                <a:lnTo>
+                  <a:pt x="4798" y="7623"/>
+                </a:lnTo>
+                <a:lnTo>
+                  <a:pt x="4750" y="7404"/>
+                </a:lnTo>
+                <a:lnTo>
+                  <a:pt x="4701" y="7209"/>
+                </a:lnTo>
+                <a:lnTo>
+                  <a:pt x="4701" y="6990"/>
+                </a:lnTo>
+                <a:lnTo>
+                  <a:pt x="4701" y="6771"/>
+                </a:lnTo>
+                <a:lnTo>
+                  <a:pt x="4750" y="6552"/>
+                </a:lnTo>
+                <a:lnTo>
+                  <a:pt x="4798" y="6333"/>
+                </a:lnTo>
+                <a:lnTo>
+                  <a:pt x="4871" y="6138"/>
+                </a:lnTo>
+                <a:lnTo>
+                  <a:pt x="4969" y="5919"/>
+                </a:lnTo>
+                <a:lnTo>
+                  <a:pt x="5066" y="5724"/>
+                </a:lnTo>
+                <a:lnTo>
+                  <a:pt x="5212" y="5553"/>
+                </a:lnTo>
+                <a:lnTo>
+                  <a:pt x="5359" y="5383"/>
+                </a:lnTo>
+                <a:lnTo>
+                  <a:pt x="5359" y="5383"/>
+                </a:lnTo>
+                <a:lnTo>
+                  <a:pt x="5529" y="5212"/>
+                </a:lnTo>
+                <a:lnTo>
+                  <a:pt x="5724" y="5091"/>
+                </a:lnTo>
+                <a:lnTo>
+                  <a:pt x="5919" y="4969"/>
+                </a:lnTo>
+                <a:lnTo>
+                  <a:pt x="6114" y="4871"/>
+                </a:lnTo>
+                <a:lnTo>
+                  <a:pt x="6333" y="4798"/>
+                </a:lnTo>
+                <a:lnTo>
+                  <a:pt x="6528" y="4750"/>
+                </a:lnTo>
+                <a:lnTo>
+                  <a:pt x="6747" y="4725"/>
+                </a:lnTo>
+                <a:lnTo>
+                  <a:pt x="6966" y="4701"/>
+                </a:lnTo>
+                <a:lnTo>
+                  <a:pt x="7185" y="4725"/>
+                </a:lnTo>
+                <a:lnTo>
+                  <a:pt x="7404" y="4750"/>
+                </a:lnTo>
+                <a:lnTo>
+                  <a:pt x="7624" y="4798"/>
+                </a:lnTo>
+                <a:lnTo>
+                  <a:pt x="7818" y="4871"/>
+                </a:lnTo>
+                <a:lnTo>
+                  <a:pt x="8038" y="4969"/>
+                </a:lnTo>
+                <a:lnTo>
+                  <a:pt x="8232" y="5091"/>
+                </a:lnTo>
+                <a:lnTo>
+                  <a:pt x="8403" y="5212"/>
+                </a:lnTo>
+                <a:lnTo>
+                  <a:pt x="8573" y="5383"/>
+                </a:lnTo>
+                <a:lnTo>
+                  <a:pt x="8573" y="5383"/>
+                </a:lnTo>
+                <a:lnTo>
+                  <a:pt x="8744" y="5553"/>
+                </a:lnTo>
+                <a:lnTo>
+                  <a:pt x="8866" y="5724"/>
+                </a:lnTo>
+                <a:lnTo>
+                  <a:pt x="8987" y="5919"/>
+                </a:lnTo>
+                <a:lnTo>
+                  <a:pt x="9085" y="6138"/>
+                </a:lnTo>
+                <a:lnTo>
+                  <a:pt x="9158" y="6333"/>
+                </a:lnTo>
+                <a:lnTo>
+                  <a:pt x="9207" y="6552"/>
+                </a:lnTo>
+                <a:lnTo>
+                  <a:pt x="9231" y="6771"/>
+                </a:lnTo>
+                <a:lnTo>
+                  <a:pt x="9231" y="6990"/>
+                </a:lnTo>
+                <a:lnTo>
+                  <a:pt x="9231" y="7209"/>
+                </a:lnTo>
+                <a:lnTo>
+                  <a:pt x="9207" y="7404"/>
+                </a:lnTo>
+                <a:lnTo>
+                  <a:pt x="9158" y="7623"/>
+                </a:lnTo>
+                <a:lnTo>
+                  <a:pt x="9085" y="7843"/>
+                </a:lnTo>
+                <a:lnTo>
+                  <a:pt x="8987" y="8037"/>
+                </a:lnTo>
+                <a:lnTo>
+                  <a:pt x="8866" y="8232"/>
+                </a:lnTo>
+                <a:lnTo>
+                  <a:pt x="8744" y="8427"/>
+                </a:lnTo>
+                <a:lnTo>
+                  <a:pt x="8573" y="8598"/>
+                </a:lnTo>
+                <a:lnTo>
+                  <a:pt x="8573" y="8598"/>
+                </a:lnTo>
+                <a:close/>
+              </a:path>
+            </a:pathLst>
+          </a:custGeom>
+          <a:solidFill>
+            <a:schemeClr val="tx1">
+              <a:lumMod val="95000"/>
+              <a:lumOff val="5000"/>
+            </a:schemeClr>
+          </a:solidFill>
+          <a:ln w="38100" cap="rnd" cmpd="sng">
+            <a:solidFill>
+              <a:schemeClr val="bg1"/>
+            </a:solidFill>
+            <a:prstDash val="solid"/>
+            <a:round/>
+            <a:headEnd type="none" w="sm" len="sm"/>
+            <a:tailEnd type="none" w="sm" len="sm"/>
+          </a:ln>
+        </p:spPr>
+        <p:txBody>
+          <a:bodyPr spcFirstLastPara="1" wrap="square" lIns="91425" tIns="91425" rIns="91425" bIns="91425" anchor="ctr" anchorCtr="0">
+            <a:noAutofit/>
+          </a:bodyPr>
+          <a:lstStyle/>
+          <a:p>
+            <a:pPr marL="0" marR="0" lvl="0" indent="0" defTabSz="914400" eaLnBrk="1" fontAlgn="auto" latinLnBrk="0" hangingPunct="1">
+              <a:lnSpc>
+                <a:spcPct val="100000"/>
+              </a:lnSpc>
+              <a:spcBef>
+                <a:spcPts val="0"/>
+              </a:spcBef>
+              <a:spcAft>
+                <a:spcPts val="0"/>
+              </a:spcAft>
+              <a:buClr>
+                <a:srgbClr val="000000"/>
+              </a:buClr>
+              <a:buSzTx/>
+              <a:buFont typeface="Arial"/>
+              <a:buNone/>
+              <a:tabLst/>
+              <a:defRPr/>
+            </a:pPr>
+            <a:endParaRPr kumimoji="0" sz="1400" b="0" i="0" u="none" strike="noStrike" kern="0" cap="none" spc="0" normalizeH="0" baseline="0" noProof="0" smtClean="0">
+              <a:ln>
+                <a:noFill/>
+              </a:ln>
+              <a:solidFill>
+                <a:srgbClr val="000000"/>
+              </a:solidFill>
+              <a:effectLst/>
+              <a:uLnTx/>
+              <a:uFillTx/>
+              <a:latin typeface="Arial"/>
+              <a:cs typeface="Arial"/>
+              <a:sym typeface="Arial"/>
+            </a:endParaRPr>
+          </a:p>
+        </p:txBody>
+      </p:sp>
+      <p:sp>
+        <p:nvSpPr>
+          <p:cNvPr id="21" name="Google Shape;1632;p47"/>
+          <p:cNvSpPr/>
+          <p:nvPr/>
+        </p:nvSpPr>
+        <p:spPr>
+          <a:xfrm rot="20965006">
+            <a:off x="1499704" y="6181741"/>
+            <a:ext cx="465748" cy="456117"/>
+          </a:xfrm>
+          <a:custGeom>
+            <a:avLst/>
+            <a:gdLst/>
+            <a:ahLst/>
+            <a:cxnLst/>
+            <a:rect l="l" t="t" r="r" b="b"/>
+            <a:pathLst>
+              <a:path w="7941" h="7941" fill="none" extrusionOk="0">
+                <a:moveTo>
+                  <a:pt x="7258" y="2144"/>
+                </a:moveTo>
+                <a:lnTo>
+                  <a:pt x="6138" y="2388"/>
+                </a:lnTo>
+                <a:lnTo>
+                  <a:pt x="6138" y="2388"/>
+                </a:lnTo>
+                <a:lnTo>
+                  <a:pt x="6016" y="2217"/>
+                </a:lnTo>
+                <a:lnTo>
+                  <a:pt x="5870" y="2071"/>
+                </a:lnTo>
+                <a:lnTo>
+                  <a:pt x="6260" y="975"/>
+                </a:lnTo>
+                <a:lnTo>
+                  <a:pt x="6260" y="975"/>
+                </a:lnTo>
+                <a:lnTo>
+                  <a:pt x="6284" y="902"/>
+                </a:lnTo>
+                <a:lnTo>
+                  <a:pt x="6284" y="829"/>
+                </a:lnTo>
+                <a:lnTo>
+                  <a:pt x="6260" y="683"/>
+                </a:lnTo>
+                <a:lnTo>
+                  <a:pt x="6162" y="561"/>
+                </a:lnTo>
+                <a:lnTo>
+                  <a:pt x="6114" y="488"/>
+                </a:lnTo>
+                <a:lnTo>
+                  <a:pt x="6065" y="464"/>
+                </a:lnTo>
+                <a:lnTo>
+                  <a:pt x="5553" y="196"/>
+                </a:lnTo>
+                <a:lnTo>
+                  <a:pt x="5553" y="196"/>
+                </a:lnTo>
+                <a:lnTo>
+                  <a:pt x="5480" y="171"/>
+                </a:lnTo>
+                <a:lnTo>
+                  <a:pt x="5407" y="171"/>
+                </a:lnTo>
+                <a:lnTo>
+                  <a:pt x="5261" y="171"/>
+                </a:lnTo>
+                <a:lnTo>
+                  <a:pt x="5115" y="244"/>
+                </a:lnTo>
+                <a:lnTo>
+                  <a:pt x="5066" y="293"/>
+                </a:lnTo>
+                <a:lnTo>
+                  <a:pt x="5018" y="342"/>
+                </a:lnTo>
+                <a:lnTo>
+                  <a:pt x="4384" y="1316"/>
+                </a:lnTo>
+                <a:lnTo>
+                  <a:pt x="4384" y="1316"/>
+                </a:lnTo>
+                <a:lnTo>
+                  <a:pt x="4165" y="1292"/>
+                </a:lnTo>
+                <a:lnTo>
+                  <a:pt x="3970" y="1292"/>
+                </a:lnTo>
+                <a:lnTo>
+                  <a:pt x="3483" y="244"/>
+                </a:lnTo>
+                <a:lnTo>
+                  <a:pt x="3483" y="244"/>
+                </a:lnTo>
+                <a:lnTo>
+                  <a:pt x="3435" y="171"/>
+                </a:lnTo>
+                <a:lnTo>
+                  <a:pt x="3386" y="123"/>
+                </a:lnTo>
+                <a:lnTo>
+                  <a:pt x="3264" y="50"/>
+                </a:lnTo>
+                <a:lnTo>
+                  <a:pt x="3118" y="1"/>
+                </a:lnTo>
+                <a:lnTo>
+                  <a:pt x="3045" y="1"/>
+                </a:lnTo>
+                <a:lnTo>
+                  <a:pt x="2972" y="25"/>
+                </a:lnTo>
+                <a:lnTo>
+                  <a:pt x="2436" y="196"/>
+                </a:lnTo>
+                <a:lnTo>
+                  <a:pt x="2436" y="196"/>
+                </a:lnTo>
+                <a:lnTo>
+                  <a:pt x="2363" y="220"/>
+                </a:lnTo>
+                <a:lnTo>
+                  <a:pt x="2290" y="269"/>
+                </a:lnTo>
+                <a:lnTo>
+                  <a:pt x="2192" y="391"/>
+                </a:lnTo>
+                <a:lnTo>
+                  <a:pt x="2144" y="537"/>
+                </a:lnTo>
+                <a:lnTo>
+                  <a:pt x="2144" y="610"/>
+                </a:lnTo>
+                <a:lnTo>
+                  <a:pt x="2144" y="683"/>
+                </a:lnTo>
+                <a:lnTo>
+                  <a:pt x="2387" y="1828"/>
+                </a:lnTo>
+                <a:lnTo>
+                  <a:pt x="2387" y="1828"/>
+                </a:lnTo>
+                <a:lnTo>
+                  <a:pt x="2217" y="1949"/>
+                </a:lnTo>
+                <a:lnTo>
+                  <a:pt x="2071" y="2095"/>
+                </a:lnTo>
+                <a:lnTo>
+                  <a:pt x="999" y="1681"/>
+                </a:lnTo>
+                <a:lnTo>
+                  <a:pt x="999" y="1681"/>
+                </a:lnTo>
+                <a:lnTo>
+                  <a:pt x="926" y="1681"/>
+                </a:lnTo>
+                <a:lnTo>
+                  <a:pt x="829" y="1657"/>
+                </a:lnTo>
+                <a:lnTo>
+                  <a:pt x="682" y="1706"/>
+                </a:lnTo>
+                <a:lnTo>
+                  <a:pt x="561" y="1779"/>
+                </a:lnTo>
+                <a:lnTo>
+                  <a:pt x="512" y="1828"/>
+                </a:lnTo>
+                <a:lnTo>
+                  <a:pt x="463" y="1901"/>
+                </a:lnTo>
+                <a:lnTo>
+                  <a:pt x="220" y="2388"/>
+                </a:lnTo>
+                <a:lnTo>
+                  <a:pt x="220" y="2388"/>
+                </a:lnTo>
+                <a:lnTo>
+                  <a:pt x="195" y="2461"/>
+                </a:lnTo>
+                <a:lnTo>
+                  <a:pt x="171" y="2534"/>
+                </a:lnTo>
+                <a:lnTo>
+                  <a:pt x="195" y="2704"/>
+                </a:lnTo>
+                <a:lnTo>
+                  <a:pt x="244" y="2826"/>
+                </a:lnTo>
+                <a:lnTo>
+                  <a:pt x="293" y="2899"/>
+                </a:lnTo>
+                <a:lnTo>
+                  <a:pt x="366" y="2948"/>
+                </a:lnTo>
+                <a:lnTo>
+                  <a:pt x="1340" y="3581"/>
+                </a:lnTo>
+                <a:lnTo>
+                  <a:pt x="1340" y="3581"/>
+                </a:lnTo>
+                <a:lnTo>
+                  <a:pt x="1316" y="3776"/>
+                </a:lnTo>
+                <a:lnTo>
+                  <a:pt x="1291" y="3995"/>
+                </a:lnTo>
+                <a:lnTo>
+                  <a:pt x="244" y="4482"/>
+                </a:lnTo>
+                <a:lnTo>
+                  <a:pt x="244" y="4482"/>
+                </a:lnTo>
+                <a:lnTo>
+                  <a:pt x="195" y="4507"/>
+                </a:lnTo>
+                <a:lnTo>
+                  <a:pt x="122" y="4555"/>
+                </a:lnTo>
+                <a:lnTo>
+                  <a:pt x="49" y="4701"/>
+                </a:lnTo>
+                <a:lnTo>
+                  <a:pt x="0" y="4848"/>
+                </a:lnTo>
+                <a:lnTo>
+                  <a:pt x="25" y="4921"/>
+                </a:lnTo>
+                <a:lnTo>
+                  <a:pt x="25" y="4994"/>
+                </a:lnTo>
+                <a:lnTo>
+                  <a:pt x="220" y="5530"/>
+                </a:lnTo>
+                <a:lnTo>
+                  <a:pt x="220" y="5530"/>
+                </a:lnTo>
+                <a:lnTo>
+                  <a:pt x="244" y="5578"/>
+                </a:lnTo>
+                <a:lnTo>
+                  <a:pt x="293" y="5651"/>
+                </a:lnTo>
+                <a:lnTo>
+                  <a:pt x="390" y="5749"/>
+                </a:lnTo>
+                <a:lnTo>
+                  <a:pt x="536" y="5797"/>
+                </a:lnTo>
+                <a:lnTo>
+                  <a:pt x="609" y="5797"/>
+                </a:lnTo>
+                <a:lnTo>
+                  <a:pt x="682" y="5797"/>
+                </a:lnTo>
+                <a:lnTo>
+                  <a:pt x="1827" y="5554"/>
+                </a:lnTo>
+                <a:lnTo>
+                  <a:pt x="1827" y="5554"/>
+                </a:lnTo>
+                <a:lnTo>
+                  <a:pt x="1949" y="5724"/>
+                </a:lnTo>
+                <a:lnTo>
+                  <a:pt x="2095" y="5870"/>
+                </a:lnTo>
+                <a:lnTo>
+                  <a:pt x="1705" y="6966"/>
+                </a:lnTo>
+                <a:lnTo>
+                  <a:pt x="1705" y="6966"/>
+                </a:lnTo>
+                <a:lnTo>
+                  <a:pt x="1681" y="7040"/>
+                </a:lnTo>
+                <a:lnTo>
+                  <a:pt x="1681" y="7113"/>
+                </a:lnTo>
+                <a:lnTo>
+                  <a:pt x="1705" y="7259"/>
+                </a:lnTo>
+                <a:lnTo>
+                  <a:pt x="1778" y="7380"/>
+                </a:lnTo>
+                <a:lnTo>
+                  <a:pt x="1851" y="7429"/>
+                </a:lnTo>
+                <a:lnTo>
+                  <a:pt x="1900" y="7478"/>
+                </a:lnTo>
+                <a:lnTo>
+                  <a:pt x="2412" y="7721"/>
+                </a:lnTo>
+                <a:lnTo>
+                  <a:pt x="2412" y="7721"/>
+                </a:lnTo>
+                <a:lnTo>
+                  <a:pt x="2485" y="7770"/>
+                </a:lnTo>
+                <a:lnTo>
+                  <a:pt x="2558" y="7770"/>
+                </a:lnTo>
+                <a:lnTo>
+                  <a:pt x="2704" y="7770"/>
+                </a:lnTo>
+                <a:lnTo>
+                  <a:pt x="2850" y="7697"/>
+                </a:lnTo>
+                <a:lnTo>
+                  <a:pt x="2899" y="7648"/>
+                </a:lnTo>
+                <a:lnTo>
+                  <a:pt x="2947" y="7600"/>
+                </a:lnTo>
+                <a:lnTo>
+                  <a:pt x="3581" y="6625"/>
+                </a:lnTo>
+                <a:lnTo>
+                  <a:pt x="3581" y="6625"/>
+                </a:lnTo>
+                <a:lnTo>
+                  <a:pt x="3800" y="6650"/>
+                </a:lnTo>
+                <a:lnTo>
+                  <a:pt x="3995" y="6650"/>
+                </a:lnTo>
+                <a:lnTo>
+                  <a:pt x="4482" y="7697"/>
+                </a:lnTo>
+                <a:lnTo>
+                  <a:pt x="4482" y="7697"/>
+                </a:lnTo>
+                <a:lnTo>
+                  <a:pt x="4531" y="7770"/>
+                </a:lnTo>
+                <a:lnTo>
+                  <a:pt x="4579" y="7819"/>
+                </a:lnTo>
+                <a:lnTo>
+                  <a:pt x="4701" y="7892"/>
+                </a:lnTo>
+                <a:lnTo>
+                  <a:pt x="4847" y="7941"/>
+                </a:lnTo>
+                <a:lnTo>
+                  <a:pt x="4920" y="7941"/>
+                </a:lnTo>
+                <a:lnTo>
+                  <a:pt x="4993" y="7916"/>
+                </a:lnTo>
+                <a:lnTo>
+                  <a:pt x="5529" y="7746"/>
+                </a:lnTo>
+                <a:lnTo>
+                  <a:pt x="5529" y="7746"/>
+                </a:lnTo>
+                <a:lnTo>
+                  <a:pt x="5602" y="7721"/>
+                </a:lnTo>
+                <a:lnTo>
+                  <a:pt x="5651" y="7673"/>
+                </a:lnTo>
+                <a:lnTo>
+                  <a:pt x="5748" y="7551"/>
+                </a:lnTo>
+                <a:lnTo>
+                  <a:pt x="5821" y="7405"/>
+                </a:lnTo>
+                <a:lnTo>
+                  <a:pt x="5821" y="7332"/>
+                </a:lnTo>
+                <a:lnTo>
+                  <a:pt x="5821" y="7259"/>
+                </a:lnTo>
+                <a:lnTo>
+                  <a:pt x="5578" y="6114"/>
+                </a:lnTo>
+                <a:lnTo>
+                  <a:pt x="5578" y="6114"/>
+                </a:lnTo>
+                <a:lnTo>
+                  <a:pt x="5724" y="5992"/>
+                </a:lnTo>
+                <a:lnTo>
+                  <a:pt x="5894" y="5846"/>
+                </a:lnTo>
+                <a:lnTo>
+                  <a:pt x="6966" y="6260"/>
+                </a:lnTo>
+                <a:lnTo>
+                  <a:pt x="6966" y="6260"/>
+                </a:lnTo>
+                <a:lnTo>
+                  <a:pt x="7039" y="6260"/>
+                </a:lnTo>
+                <a:lnTo>
+                  <a:pt x="7112" y="6285"/>
+                </a:lnTo>
+                <a:lnTo>
+                  <a:pt x="7258" y="6236"/>
+                </a:lnTo>
+                <a:lnTo>
+                  <a:pt x="7404" y="6163"/>
+                </a:lnTo>
+                <a:lnTo>
+                  <a:pt x="7453" y="6114"/>
+                </a:lnTo>
+                <a:lnTo>
+                  <a:pt x="7502" y="6041"/>
+                </a:lnTo>
+                <a:lnTo>
+                  <a:pt x="7745" y="5530"/>
+                </a:lnTo>
+                <a:lnTo>
+                  <a:pt x="7745" y="5530"/>
+                </a:lnTo>
+                <a:lnTo>
+                  <a:pt x="7770" y="5481"/>
+                </a:lnTo>
+                <a:lnTo>
+                  <a:pt x="7794" y="5383"/>
+                </a:lnTo>
+                <a:lnTo>
+                  <a:pt x="7770" y="5237"/>
+                </a:lnTo>
+                <a:lnTo>
+                  <a:pt x="7697" y="5115"/>
+                </a:lnTo>
+                <a:lnTo>
+                  <a:pt x="7648" y="5042"/>
+                </a:lnTo>
+                <a:lnTo>
+                  <a:pt x="7599" y="4994"/>
+                </a:lnTo>
+                <a:lnTo>
+                  <a:pt x="6625" y="4360"/>
+                </a:lnTo>
+                <a:lnTo>
+                  <a:pt x="6625" y="4360"/>
+                </a:lnTo>
+                <a:lnTo>
+                  <a:pt x="6649" y="4166"/>
+                </a:lnTo>
+                <a:lnTo>
+                  <a:pt x="6649" y="3946"/>
+                </a:lnTo>
+                <a:lnTo>
+                  <a:pt x="7697" y="3459"/>
+                </a:lnTo>
+                <a:lnTo>
+                  <a:pt x="7697" y="3459"/>
+                </a:lnTo>
+                <a:lnTo>
+                  <a:pt x="7770" y="3435"/>
+                </a:lnTo>
+                <a:lnTo>
+                  <a:pt x="7843" y="3386"/>
+                </a:lnTo>
+                <a:lnTo>
+                  <a:pt x="7916" y="3240"/>
+                </a:lnTo>
+                <a:lnTo>
+                  <a:pt x="7940" y="3094"/>
+                </a:lnTo>
+                <a:lnTo>
+                  <a:pt x="7940" y="3021"/>
+                </a:lnTo>
+                <a:lnTo>
+                  <a:pt x="7940" y="2948"/>
+                </a:lnTo>
+                <a:lnTo>
+                  <a:pt x="7745" y="2412"/>
+                </a:lnTo>
+                <a:lnTo>
+                  <a:pt x="7745" y="2412"/>
+                </a:lnTo>
+                <a:lnTo>
+                  <a:pt x="7721" y="2339"/>
+                </a:lnTo>
+                <a:lnTo>
+                  <a:pt x="7672" y="2290"/>
+                </a:lnTo>
+                <a:lnTo>
+                  <a:pt x="7551" y="2193"/>
+                </a:lnTo>
+                <a:lnTo>
+                  <a:pt x="7429" y="2144"/>
+                </a:lnTo>
+                <a:lnTo>
+                  <a:pt x="7356" y="2144"/>
+                </a:lnTo>
+                <a:lnTo>
+                  <a:pt x="7258" y="2144"/>
+                </a:lnTo>
+                <a:lnTo>
+                  <a:pt x="7258" y="2144"/>
+                </a:lnTo>
+                <a:close/>
+                <a:moveTo>
+                  <a:pt x="5480" y="4726"/>
+                </a:moveTo>
+                <a:lnTo>
+                  <a:pt x="5480" y="4726"/>
+                </a:lnTo>
+                <a:lnTo>
+                  <a:pt x="5383" y="4872"/>
+                </a:lnTo>
+                <a:lnTo>
+                  <a:pt x="5286" y="4994"/>
+                </a:lnTo>
+                <a:lnTo>
+                  <a:pt x="5188" y="5140"/>
+                </a:lnTo>
+                <a:lnTo>
+                  <a:pt x="5066" y="5237"/>
+                </a:lnTo>
+                <a:lnTo>
+                  <a:pt x="4945" y="5335"/>
+                </a:lnTo>
+                <a:lnTo>
+                  <a:pt x="4798" y="5432"/>
+                </a:lnTo>
+                <a:lnTo>
+                  <a:pt x="4652" y="5505"/>
+                </a:lnTo>
+                <a:lnTo>
+                  <a:pt x="4506" y="5554"/>
+                </a:lnTo>
+                <a:lnTo>
+                  <a:pt x="4360" y="5603"/>
+                </a:lnTo>
+                <a:lnTo>
+                  <a:pt x="4190" y="5627"/>
+                </a:lnTo>
+                <a:lnTo>
+                  <a:pt x="4043" y="5651"/>
+                </a:lnTo>
+                <a:lnTo>
+                  <a:pt x="3873" y="5627"/>
+                </a:lnTo>
+                <a:lnTo>
+                  <a:pt x="3702" y="5627"/>
+                </a:lnTo>
+                <a:lnTo>
+                  <a:pt x="3556" y="5578"/>
+                </a:lnTo>
+                <a:lnTo>
+                  <a:pt x="3386" y="5530"/>
+                </a:lnTo>
+                <a:lnTo>
+                  <a:pt x="3240" y="5456"/>
+                </a:lnTo>
+                <a:lnTo>
+                  <a:pt x="3240" y="5456"/>
+                </a:lnTo>
+                <a:lnTo>
+                  <a:pt x="3094" y="5383"/>
+                </a:lnTo>
+                <a:lnTo>
+                  <a:pt x="2947" y="5286"/>
+                </a:lnTo>
+                <a:lnTo>
+                  <a:pt x="2826" y="5164"/>
+                </a:lnTo>
+                <a:lnTo>
+                  <a:pt x="2704" y="5067"/>
+                </a:lnTo>
+                <a:lnTo>
+                  <a:pt x="2606" y="4921"/>
+                </a:lnTo>
+                <a:lnTo>
+                  <a:pt x="2533" y="4799"/>
+                </a:lnTo>
+                <a:lnTo>
+                  <a:pt x="2460" y="4653"/>
+                </a:lnTo>
+                <a:lnTo>
+                  <a:pt x="2387" y="4507"/>
+                </a:lnTo>
+                <a:lnTo>
+                  <a:pt x="2363" y="4336"/>
+                </a:lnTo>
+                <a:lnTo>
+                  <a:pt x="2314" y="4190"/>
+                </a:lnTo>
+                <a:lnTo>
+                  <a:pt x="2314" y="4020"/>
+                </a:lnTo>
+                <a:lnTo>
+                  <a:pt x="2314" y="3873"/>
+                </a:lnTo>
+                <a:lnTo>
+                  <a:pt x="2339" y="3703"/>
+                </a:lnTo>
+                <a:lnTo>
+                  <a:pt x="2363" y="3532"/>
+                </a:lnTo>
+                <a:lnTo>
+                  <a:pt x="2412" y="3386"/>
+                </a:lnTo>
+                <a:lnTo>
+                  <a:pt x="2485" y="3216"/>
+                </a:lnTo>
+                <a:lnTo>
+                  <a:pt x="2485" y="3216"/>
+                </a:lnTo>
+                <a:lnTo>
+                  <a:pt x="2582" y="3070"/>
+                </a:lnTo>
+                <a:lnTo>
+                  <a:pt x="2680" y="2948"/>
+                </a:lnTo>
+                <a:lnTo>
+                  <a:pt x="2777" y="2802"/>
+                </a:lnTo>
+                <a:lnTo>
+                  <a:pt x="2899" y="2704"/>
+                </a:lnTo>
+                <a:lnTo>
+                  <a:pt x="3020" y="2607"/>
+                </a:lnTo>
+                <a:lnTo>
+                  <a:pt x="3167" y="2509"/>
+                </a:lnTo>
+                <a:lnTo>
+                  <a:pt x="3313" y="2436"/>
+                </a:lnTo>
+                <a:lnTo>
+                  <a:pt x="3459" y="2388"/>
+                </a:lnTo>
+                <a:lnTo>
+                  <a:pt x="3605" y="2339"/>
+                </a:lnTo>
+                <a:lnTo>
+                  <a:pt x="3775" y="2315"/>
+                </a:lnTo>
+                <a:lnTo>
+                  <a:pt x="3922" y="2290"/>
+                </a:lnTo>
+                <a:lnTo>
+                  <a:pt x="4092" y="2315"/>
+                </a:lnTo>
+                <a:lnTo>
+                  <a:pt x="4263" y="2315"/>
+                </a:lnTo>
+                <a:lnTo>
+                  <a:pt x="4409" y="2363"/>
+                </a:lnTo>
+                <a:lnTo>
+                  <a:pt x="4579" y="2412"/>
+                </a:lnTo>
+                <a:lnTo>
+                  <a:pt x="4725" y="2485"/>
+                </a:lnTo>
+                <a:lnTo>
+                  <a:pt x="4725" y="2485"/>
+                </a:lnTo>
+                <a:lnTo>
+                  <a:pt x="4871" y="2558"/>
+                </a:lnTo>
+                <a:lnTo>
+                  <a:pt x="5018" y="2656"/>
+                </a:lnTo>
+                <a:lnTo>
+                  <a:pt x="5139" y="2777"/>
+                </a:lnTo>
+                <a:lnTo>
+                  <a:pt x="5261" y="2875"/>
+                </a:lnTo>
+                <a:lnTo>
+                  <a:pt x="5359" y="3021"/>
+                </a:lnTo>
+                <a:lnTo>
+                  <a:pt x="5432" y="3143"/>
+                </a:lnTo>
+                <a:lnTo>
+                  <a:pt x="5505" y="3289"/>
+                </a:lnTo>
+                <a:lnTo>
+                  <a:pt x="5578" y="3435"/>
+                </a:lnTo>
+                <a:lnTo>
+                  <a:pt x="5602" y="3605"/>
+                </a:lnTo>
+                <a:lnTo>
+                  <a:pt x="5626" y="3752"/>
+                </a:lnTo>
+                <a:lnTo>
+                  <a:pt x="5651" y="3922"/>
+                </a:lnTo>
+                <a:lnTo>
+                  <a:pt x="5651" y="4068"/>
+                </a:lnTo>
+                <a:lnTo>
+                  <a:pt x="5626" y="4239"/>
+                </a:lnTo>
+                <a:lnTo>
+                  <a:pt x="5602" y="4409"/>
+                </a:lnTo>
+                <a:lnTo>
+                  <a:pt x="5553" y="4555"/>
+                </a:lnTo>
+                <a:lnTo>
+                  <a:pt x="5480" y="4726"/>
+                </a:lnTo>
+                <a:lnTo>
+                  <a:pt x="5480" y="4726"/>
+                </a:lnTo>
+                <a:close/>
+              </a:path>
+            </a:pathLst>
+          </a:custGeom>
+          <a:solidFill>
+            <a:schemeClr val="tx1">
+              <a:lumMod val="95000"/>
+              <a:lumOff val="5000"/>
+            </a:schemeClr>
+          </a:solidFill>
+          <a:ln w="38100" cap="rnd" cmpd="sng">
+            <a:solidFill>
+              <a:schemeClr val="bg1"/>
+            </a:solidFill>
+            <a:prstDash val="solid"/>
+            <a:round/>
+            <a:headEnd type="none" w="sm" len="sm"/>
+            <a:tailEnd type="none" w="sm" len="sm"/>
+          </a:ln>
+        </p:spPr>
+        <p:txBody>
+          <a:bodyPr spcFirstLastPara="1" wrap="square" lIns="91425" tIns="91425" rIns="91425" bIns="91425" anchor="ctr" anchorCtr="0">
+            <a:noAutofit/>
+          </a:bodyPr>
+          <a:lstStyle/>
+          <a:p>
+            <a:pPr marL="0" marR="0" lvl="0" indent="0" defTabSz="914400" eaLnBrk="1" fontAlgn="auto" latinLnBrk="0" hangingPunct="1">
+              <a:lnSpc>
+                <a:spcPct val="100000"/>
+              </a:lnSpc>
+              <a:spcBef>
+                <a:spcPts val="0"/>
+              </a:spcBef>
+              <a:spcAft>
+                <a:spcPts val="0"/>
+              </a:spcAft>
+              <a:buClr>
+                <a:srgbClr val="000000"/>
+              </a:buClr>
+              <a:buSzTx/>
+              <a:buFont typeface="Arial"/>
+              <a:buNone/>
+              <a:tabLst/>
+              <a:defRPr/>
+            </a:pPr>
+            <a:endParaRPr kumimoji="0" sz="1400" b="0" i="0" u="none" strike="noStrike" kern="0" cap="none" spc="0" normalizeH="0" baseline="0" noProof="0" smtClean="0">
+              <a:ln>
+                <a:noFill/>
+              </a:ln>
+              <a:solidFill>
+                <a:srgbClr val="000000"/>
+              </a:solidFill>
+              <a:effectLst/>
+              <a:uLnTx/>
+              <a:uFillTx/>
+              <a:latin typeface="Arial"/>
+              <a:cs typeface="Arial"/>
+              <a:sym typeface="Arial"/>
+            </a:endParaRPr>
+          </a:p>
+        </p:txBody>
+      </p:sp>
+      <p:sp>
+        <p:nvSpPr>
+          <p:cNvPr id="24" name="Google Shape;1631;p47"/>
+          <p:cNvSpPr/>
+          <p:nvPr/>
+        </p:nvSpPr>
+        <p:spPr>
+          <a:xfrm rot="20380264">
+            <a:off x="1606743" y="4741573"/>
+            <a:ext cx="693028" cy="675868"/>
+          </a:xfrm>
+          <a:custGeom>
+            <a:avLst/>
+            <a:gdLst/>
+            <a:ahLst/>
+            <a:cxnLst/>
+            <a:rect l="l" t="t" r="r" b="b"/>
+            <a:pathLst>
+              <a:path w="13956" h="13956" fill="none" extrusionOk="0">
+                <a:moveTo>
+                  <a:pt x="13323" y="5772"/>
+                </a:moveTo>
+                <a:lnTo>
+                  <a:pt x="11861" y="5626"/>
+                </a:lnTo>
+                <a:lnTo>
+                  <a:pt x="11861" y="5626"/>
+                </a:lnTo>
+                <a:lnTo>
+                  <a:pt x="11788" y="5334"/>
+                </a:lnTo>
+                <a:lnTo>
+                  <a:pt x="11667" y="5042"/>
+                </a:lnTo>
+                <a:lnTo>
+                  <a:pt x="11545" y="4750"/>
+                </a:lnTo>
+                <a:lnTo>
+                  <a:pt x="11399" y="4482"/>
+                </a:lnTo>
+                <a:lnTo>
+                  <a:pt x="12300" y="3337"/>
+                </a:lnTo>
+                <a:lnTo>
+                  <a:pt x="12300" y="3337"/>
+                </a:lnTo>
+                <a:lnTo>
+                  <a:pt x="12373" y="3240"/>
+                </a:lnTo>
+                <a:lnTo>
+                  <a:pt x="12422" y="3118"/>
+                </a:lnTo>
+                <a:lnTo>
+                  <a:pt x="12446" y="2996"/>
+                </a:lnTo>
+                <a:lnTo>
+                  <a:pt x="12446" y="2850"/>
+                </a:lnTo>
+                <a:lnTo>
+                  <a:pt x="12422" y="2728"/>
+                </a:lnTo>
+                <a:lnTo>
+                  <a:pt x="12397" y="2606"/>
+                </a:lnTo>
+                <a:lnTo>
+                  <a:pt x="12324" y="2485"/>
+                </a:lnTo>
+                <a:lnTo>
+                  <a:pt x="12251" y="2387"/>
+                </a:lnTo>
+                <a:lnTo>
+                  <a:pt x="11569" y="1705"/>
+                </a:lnTo>
+                <a:lnTo>
+                  <a:pt x="11569" y="1705"/>
+                </a:lnTo>
+                <a:lnTo>
+                  <a:pt x="11472" y="1632"/>
+                </a:lnTo>
+                <a:lnTo>
+                  <a:pt x="11350" y="1559"/>
+                </a:lnTo>
+                <a:lnTo>
+                  <a:pt x="11228" y="1510"/>
+                </a:lnTo>
+                <a:lnTo>
+                  <a:pt x="11106" y="1510"/>
+                </a:lnTo>
+                <a:lnTo>
+                  <a:pt x="10960" y="1510"/>
+                </a:lnTo>
+                <a:lnTo>
+                  <a:pt x="10838" y="1535"/>
+                </a:lnTo>
+                <a:lnTo>
+                  <a:pt x="10717" y="1583"/>
+                </a:lnTo>
+                <a:lnTo>
+                  <a:pt x="10619" y="1656"/>
+                </a:lnTo>
+                <a:lnTo>
+                  <a:pt x="9475" y="2558"/>
+                </a:lnTo>
+                <a:lnTo>
+                  <a:pt x="9475" y="2558"/>
+                </a:lnTo>
+                <a:lnTo>
+                  <a:pt x="9207" y="2411"/>
+                </a:lnTo>
+                <a:lnTo>
+                  <a:pt x="8914" y="2290"/>
+                </a:lnTo>
+                <a:lnTo>
+                  <a:pt x="8622" y="2168"/>
+                </a:lnTo>
+                <a:lnTo>
+                  <a:pt x="8330" y="2070"/>
+                </a:lnTo>
+                <a:lnTo>
+                  <a:pt x="8159" y="634"/>
+                </a:lnTo>
+                <a:lnTo>
+                  <a:pt x="8159" y="634"/>
+                </a:lnTo>
+                <a:lnTo>
+                  <a:pt x="8135" y="512"/>
+                </a:lnTo>
+                <a:lnTo>
+                  <a:pt x="8086" y="390"/>
+                </a:lnTo>
+                <a:lnTo>
+                  <a:pt x="8013" y="293"/>
+                </a:lnTo>
+                <a:lnTo>
+                  <a:pt x="7940" y="195"/>
+                </a:lnTo>
+                <a:lnTo>
+                  <a:pt x="7818" y="122"/>
+                </a:lnTo>
+                <a:lnTo>
+                  <a:pt x="7721" y="49"/>
+                </a:lnTo>
+                <a:lnTo>
+                  <a:pt x="7575" y="25"/>
+                </a:lnTo>
+                <a:lnTo>
+                  <a:pt x="7453" y="0"/>
+                </a:lnTo>
+                <a:lnTo>
+                  <a:pt x="6479" y="0"/>
+                </a:lnTo>
+                <a:lnTo>
+                  <a:pt x="6479" y="0"/>
+                </a:lnTo>
+                <a:lnTo>
+                  <a:pt x="6357" y="25"/>
+                </a:lnTo>
+                <a:lnTo>
+                  <a:pt x="6235" y="49"/>
+                </a:lnTo>
+                <a:lnTo>
+                  <a:pt x="6114" y="122"/>
+                </a:lnTo>
+                <a:lnTo>
+                  <a:pt x="6016" y="195"/>
+                </a:lnTo>
+                <a:lnTo>
+                  <a:pt x="5919" y="293"/>
+                </a:lnTo>
+                <a:lnTo>
+                  <a:pt x="5846" y="390"/>
+                </a:lnTo>
+                <a:lnTo>
+                  <a:pt x="5797" y="512"/>
+                </a:lnTo>
+                <a:lnTo>
+                  <a:pt x="5773" y="634"/>
+                </a:lnTo>
+                <a:lnTo>
+                  <a:pt x="5602" y="2070"/>
+                </a:lnTo>
+                <a:lnTo>
+                  <a:pt x="5602" y="2070"/>
+                </a:lnTo>
+                <a:lnTo>
+                  <a:pt x="5310" y="2168"/>
+                </a:lnTo>
+                <a:lnTo>
+                  <a:pt x="5018" y="2290"/>
+                </a:lnTo>
+                <a:lnTo>
+                  <a:pt x="4750" y="2411"/>
+                </a:lnTo>
+                <a:lnTo>
+                  <a:pt x="4482" y="2558"/>
+                </a:lnTo>
+                <a:lnTo>
+                  <a:pt x="3337" y="1656"/>
+                </a:lnTo>
+                <a:lnTo>
+                  <a:pt x="3337" y="1656"/>
+                </a:lnTo>
+                <a:lnTo>
+                  <a:pt x="3215" y="1583"/>
+                </a:lnTo>
+                <a:lnTo>
+                  <a:pt x="3094" y="1535"/>
+                </a:lnTo>
+                <a:lnTo>
+                  <a:pt x="2972" y="1510"/>
+                </a:lnTo>
+                <a:lnTo>
+                  <a:pt x="2850" y="1510"/>
+                </a:lnTo>
+                <a:lnTo>
+                  <a:pt x="2728" y="1510"/>
+                </a:lnTo>
+                <a:lnTo>
+                  <a:pt x="2582" y="1559"/>
+                </a:lnTo>
+                <a:lnTo>
+                  <a:pt x="2485" y="1632"/>
+                </a:lnTo>
+                <a:lnTo>
+                  <a:pt x="2387" y="1705"/>
+                </a:lnTo>
+                <a:lnTo>
+                  <a:pt x="1705" y="2387"/>
+                </a:lnTo>
+                <a:lnTo>
+                  <a:pt x="1705" y="2387"/>
+                </a:lnTo>
+                <a:lnTo>
+                  <a:pt x="1608" y="2485"/>
+                </a:lnTo>
+                <a:lnTo>
+                  <a:pt x="1559" y="2606"/>
+                </a:lnTo>
+                <a:lnTo>
+                  <a:pt x="1511" y="2728"/>
+                </a:lnTo>
+                <a:lnTo>
+                  <a:pt x="1486" y="2850"/>
+                </a:lnTo>
+                <a:lnTo>
+                  <a:pt x="1486" y="2996"/>
+                </a:lnTo>
+                <a:lnTo>
+                  <a:pt x="1511" y="3118"/>
+                </a:lnTo>
+                <a:lnTo>
+                  <a:pt x="1559" y="3240"/>
+                </a:lnTo>
+                <a:lnTo>
+                  <a:pt x="1632" y="3337"/>
+                </a:lnTo>
+                <a:lnTo>
+                  <a:pt x="2533" y="4482"/>
+                </a:lnTo>
+                <a:lnTo>
+                  <a:pt x="2533" y="4482"/>
+                </a:lnTo>
+                <a:lnTo>
+                  <a:pt x="2387" y="4750"/>
+                </a:lnTo>
+                <a:lnTo>
+                  <a:pt x="2266" y="5042"/>
+                </a:lnTo>
+                <a:lnTo>
+                  <a:pt x="2168" y="5334"/>
+                </a:lnTo>
+                <a:lnTo>
+                  <a:pt x="2071" y="5626"/>
+                </a:lnTo>
+                <a:lnTo>
+                  <a:pt x="634" y="5772"/>
+                </a:lnTo>
+                <a:lnTo>
+                  <a:pt x="634" y="5772"/>
+                </a:lnTo>
+                <a:lnTo>
+                  <a:pt x="512" y="5821"/>
+                </a:lnTo>
+                <a:lnTo>
+                  <a:pt x="390" y="5870"/>
+                </a:lnTo>
+                <a:lnTo>
+                  <a:pt x="268" y="5943"/>
+                </a:lnTo>
+                <a:lnTo>
+                  <a:pt x="171" y="6016"/>
+                </a:lnTo>
+                <a:lnTo>
+                  <a:pt x="98" y="6138"/>
+                </a:lnTo>
+                <a:lnTo>
+                  <a:pt x="49" y="6235"/>
+                </a:lnTo>
+                <a:lnTo>
+                  <a:pt x="1" y="6381"/>
+                </a:lnTo>
+                <a:lnTo>
+                  <a:pt x="1" y="6503"/>
+                </a:lnTo>
+                <a:lnTo>
+                  <a:pt x="1" y="7453"/>
+                </a:lnTo>
+                <a:lnTo>
+                  <a:pt x="1" y="7453"/>
+                </a:lnTo>
+                <a:lnTo>
+                  <a:pt x="1" y="7599"/>
+                </a:lnTo>
+                <a:lnTo>
+                  <a:pt x="49" y="7721"/>
+                </a:lnTo>
+                <a:lnTo>
+                  <a:pt x="98" y="7843"/>
+                </a:lnTo>
+                <a:lnTo>
+                  <a:pt x="171" y="7940"/>
+                </a:lnTo>
+                <a:lnTo>
+                  <a:pt x="268" y="8037"/>
+                </a:lnTo>
+                <a:lnTo>
+                  <a:pt x="390" y="8111"/>
+                </a:lnTo>
+                <a:lnTo>
+                  <a:pt x="512" y="8159"/>
+                </a:lnTo>
+                <a:lnTo>
+                  <a:pt x="634" y="8184"/>
+                </a:lnTo>
+                <a:lnTo>
+                  <a:pt x="2071" y="8354"/>
+                </a:lnTo>
+                <a:lnTo>
+                  <a:pt x="2071" y="8354"/>
+                </a:lnTo>
+                <a:lnTo>
+                  <a:pt x="2168" y="8646"/>
+                </a:lnTo>
+                <a:lnTo>
+                  <a:pt x="2266" y="8914"/>
+                </a:lnTo>
+                <a:lnTo>
+                  <a:pt x="2387" y="9206"/>
+                </a:lnTo>
+                <a:lnTo>
+                  <a:pt x="2533" y="9474"/>
+                </a:lnTo>
+                <a:lnTo>
+                  <a:pt x="1632" y="10619"/>
+                </a:lnTo>
+                <a:lnTo>
+                  <a:pt x="1632" y="10619"/>
+                </a:lnTo>
+                <a:lnTo>
+                  <a:pt x="1559" y="10741"/>
+                </a:lnTo>
+                <a:lnTo>
+                  <a:pt x="1511" y="10863"/>
+                </a:lnTo>
+                <a:lnTo>
+                  <a:pt x="1486" y="10984"/>
+                </a:lnTo>
+                <a:lnTo>
+                  <a:pt x="1486" y="11106"/>
+                </a:lnTo>
+                <a:lnTo>
+                  <a:pt x="1511" y="11228"/>
+                </a:lnTo>
+                <a:lnTo>
+                  <a:pt x="1559" y="11350"/>
+                </a:lnTo>
+                <a:lnTo>
+                  <a:pt x="1608" y="11472"/>
+                </a:lnTo>
+                <a:lnTo>
+                  <a:pt x="1705" y="11569"/>
+                </a:lnTo>
+                <a:lnTo>
+                  <a:pt x="2387" y="12251"/>
+                </a:lnTo>
+                <a:lnTo>
+                  <a:pt x="2387" y="12251"/>
+                </a:lnTo>
+                <a:lnTo>
+                  <a:pt x="2485" y="12348"/>
+                </a:lnTo>
+                <a:lnTo>
+                  <a:pt x="2582" y="12397"/>
+                </a:lnTo>
+                <a:lnTo>
+                  <a:pt x="2728" y="12446"/>
+                </a:lnTo>
+                <a:lnTo>
+                  <a:pt x="2850" y="12470"/>
+                </a:lnTo>
+                <a:lnTo>
+                  <a:pt x="2972" y="12470"/>
+                </a:lnTo>
+                <a:lnTo>
+                  <a:pt x="3094" y="12421"/>
+                </a:lnTo>
+                <a:lnTo>
+                  <a:pt x="3215" y="12373"/>
+                </a:lnTo>
+                <a:lnTo>
+                  <a:pt x="3337" y="12324"/>
+                </a:lnTo>
+                <a:lnTo>
+                  <a:pt x="4482" y="11423"/>
+                </a:lnTo>
+                <a:lnTo>
+                  <a:pt x="4482" y="11423"/>
+                </a:lnTo>
+                <a:lnTo>
+                  <a:pt x="4750" y="11545"/>
+                </a:lnTo>
+                <a:lnTo>
+                  <a:pt x="5018" y="11691"/>
+                </a:lnTo>
+                <a:lnTo>
+                  <a:pt x="5310" y="11788"/>
+                </a:lnTo>
+                <a:lnTo>
+                  <a:pt x="5602" y="11886"/>
+                </a:lnTo>
+                <a:lnTo>
+                  <a:pt x="5773" y="13322"/>
+                </a:lnTo>
+                <a:lnTo>
+                  <a:pt x="5773" y="13322"/>
+                </a:lnTo>
+                <a:lnTo>
+                  <a:pt x="5797" y="13444"/>
+                </a:lnTo>
+                <a:lnTo>
+                  <a:pt x="5846" y="13566"/>
+                </a:lnTo>
+                <a:lnTo>
+                  <a:pt x="5919" y="13688"/>
+                </a:lnTo>
+                <a:lnTo>
+                  <a:pt x="6016" y="13785"/>
+                </a:lnTo>
+                <a:lnTo>
+                  <a:pt x="6114" y="13858"/>
+                </a:lnTo>
+                <a:lnTo>
+                  <a:pt x="6235" y="13907"/>
+                </a:lnTo>
+                <a:lnTo>
+                  <a:pt x="6357" y="13956"/>
+                </a:lnTo>
+                <a:lnTo>
+                  <a:pt x="6479" y="13956"/>
+                </a:lnTo>
+                <a:lnTo>
+                  <a:pt x="7453" y="13956"/>
+                </a:lnTo>
+                <a:lnTo>
+                  <a:pt x="7453" y="13956"/>
+                </a:lnTo>
+                <a:lnTo>
+                  <a:pt x="7575" y="13956"/>
+                </a:lnTo>
+                <a:lnTo>
+                  <a:pt x="7721" y="13907"/>
+                </a:lnTo>
+                <a:lnTo>
+                  <a:pt x="7818" y="13858"/>
+                </a:lnTo>
+                <a:lnTo>
+                  <a:pt x="7940" y="13785"/>
+                </a:lnTo>
+                <a:lnTo>
+                  <a:pt x="8013" y="13688"/>
+                </a:lnTo>
+                <a:lnTo>
+                  <a:pt x="8086" y="13566"/>
+                </a:lnTo>
+                <a:lnTo>
+                  <a:pt x="8135" y="13444"/>
+                </a:lnTo>
+                <a:lnTo>
+                  <a:pt x="8159" y="13322"/>
+                </a:lnTo>
+                <a:lnTo>
+                  <a:pt x="8330" y="11886"/>
+                </a:lnTo>
+                <a:lnTo>
+                  <a:pt x="8330" y="11886"/>
+                </a:lnTo>
+                <a:lnTo>
+                  <a:pt x="8622" y="11788"/>
+                </a:lnTo>
+                <a:lnTo>
+                  <a:pt x="8914" y="11691"/>
+                </a:lnTo>
+                <a:lnTo>
+                  <a:pt x="9207" y="11545"/>
+                </a:lnTo>
+                <a:lnTo>
+                  <a:pt x="9475" y="11423"/>
+                </a:lnTo>
+                <a:lnTo>
+                  <a:pt x="10619" y="12324"/>
+                </a:lnTo>
+                <a:lnTo>
+                  <a:pt x="10619" y="12324"/>
+                </a:lnTo>
+                <a:lnTo>
+                  <a:pt x="10717" y="12373"/>
+                </a:lnTo>
+                <a:lnTo>
+                  <a:pt x="10838" y="12421"/>
+                </a:lnTo>
+                <a:lnTo>
+                  <a:pt x="10960" y="12470"/>
+                </a:lnTo>
+                <a:lnTo>
+                  <a:pt x="11106" y="12470"/>
+                </a:lnTo>
+                <a:lnTo>
+                  <a:pt x="11228" y="12446"/>
+                </a:lnTo>
+                <a:lnTo>
+                  <a:pt x="11350" y="12397"/>
+                </a:lnTo>
+                <a:lnTo>
+                  <a:pt x="11472" y="12348"/>
+                </a:lnTo>
+                <a:lnTo>
+                  <a:pt x="11569" y="12251"/>
+                </a:lnTo>
+                <a:lnTo>
+                  <a:pt x="12251" y="11569"/>
+                </a:lnTo>
+                <a:lnTo>
+                  <a:pt x="12251" y="11569"/>
+                </a:lnTo>
+                <a:lnTo>
+                  <a:pt x="12324" y="11472"/>
+                </a:lnTo>
+                <a:lnTo>
+                  <a:pt x="12397" y="11350"/>
+                </a:lnTo>
+                <a:lnTo>
+                  <a:pt x="12422" y="11228"/>
+                </a:lnTo>
+                <a:lnTo>
+                  <a:pt x="12446" y="11106"/>
+                </a:lnTo>
+                <a:lnTo>
+                  <a:pt x="12446" y="10984"/>
+                </a:lnTo>
+                <a:lnTo>
+                  <a:pt x="12422" y="10863"/>
+                </a:lnTo>
+                <a:lnTo>
+                  <a:pt x="12373" y="10741"/>
+                </a:lnTo>
+                <a:lnTo>
+                  <a:pt x="12300" y="10619"/>
+                </a:lnTo>
+                <a:lnTo>
+                  <a:pt x="11399" y="9474"/>
+                </a:lnTo>
+                <a:lnTo>
+                  <a:pt x="11399" y="9474"/>
+                </a:lnTo>
+                <a:lnTo>
+                  <a:pt x="11545" y="9206"/>
+                </a:lnTo>
+                <a:lnTo>
+                  <a:pt x="11667" y="8914"/>
+                </a:lnTo>
+                <a:lnTo>
+                  <a:pt x="11788" y="8646"/>
+                </a:lnTo>
+                <a:lnTo>
+                  <a:pt x="11861" y="8354"/>
+                </a:lnTo>
+                <a:lnTo>
+                  <a:pt x="13323" y="8184"/>
+                </a:lnTo>
+                <a:lnTo>
+                  <a:pt x="13323" y="8184"/>
+                </a:lnTo>
+                <a:lnTo>
+                  <a:pt x="13444" y="8159"/>
+                </a:lnTo>
+                <a:lnTo>
+                  <a:pt x="13566" y="8111"/>
+                </a:lnTo>
+                <a:lnTo>
+                  <a:pt x="13664" y="8037"/>
+                </a:lnTo>
+                <a:lnTo>
+                  <a:pt x="13761" y="7940"/>
+                </a:lnTo>
+                <a:lnTo>
+                  <a:pt x="13834" y="7843"/>
+                </a:lnTo>
+                <a:lnTo>
+                  <a:pt x="13907" y="7721"/>
+                </a:lnTo>
+                <a:lnTo>
+                  <a:pt x="13932" y="7599"/>
+                </a:lnTo>
+                <a:lnTo>
+                  <a:pt x="13956" y="7453"/>
+                </a:lnTo>
+                <a:lnTo>
+                  <a:pt x="13956" y="6503"/>
+                </a:lnTo>
+                <a:lnTo>
+                  <a:pt x="13956" y="6503"/>
+                </a:lnTo>
+                <a:lnTo>
+                  <a:pt x="13932" y="6381"/>
+                </a:lnTo>
+                <a:lnTo>
+                  <a:pt x="13907" y="6235"/>
+                </a:lnTo>
+                <a:lnTo>
+                  <a:pt x="13834" y="6138"/>
+                </a:lnTo>
+                <a:lnTo>
+                  <a:pt x="13761" y="6016"/>
+                </a:lnTo>
+                <a:lnTo>
+                  <a:pt x="13664" y="5943"/>
+                </a:lnTo>
+                <a:lnTo>
+                  <a:pt x="13566" y="5870"/>
+                </a:lnTo>
+                <a:lnTo>
+                  <a:pt x="13444" y="5821"/>
+                </a:lnTo>
+                <a:lnTo>
+                  <a:pt x="13323" y="5772"/>
+                </a:lnTo>
+                <a:lnTo>
+                  <a:pt x="13323" y="5772"/>
+                </a:lnTo>
+                <a:close/>
+                <a:moveTo>
+                  <a:pt x="8573" y="8598"/>
+                </a:moveTo>
+                <a:lnTo>
+                  <a:pt x="8573" y="8598"/>
+                </a:lnTo>
+                <a:lnTo>
+                  <a:pt x="8403" y="8744"/>
+                </a:lnTo>
+                <a:lnTo>
+                  <a:pt x="8232" y="8890"/>
+                </a:lnTo>
+                <a:lnTo>
+                  <a:pt x="8038" y="8987"/>
+                </a:lnTo>
+                <a:lnTo>
+                  <a:pt x="7818" y="9085"/>
+                </a:lnTo>
+                <a:lnTo>
+                  <a:pt x="7624" y="9158"/>
+                </a:lnTo>
+                <a:lnTo>
+                  <a:pt x="7404" y="9206"/>
+                </a:lnTo>
+                <a:lnTo>
+                  <a:pt x="7185" y="9231"/>
+                </a:lnTo>
+                <a:lnTo>
+                  <a:pt x="6966" y="9255"/>
+                </a:lnTo>
+                <a:lnTo>
+                  <a:pt x="6747" y="9231"/>
+                </a:lnTo>
+                <a:lnTo>
+                  <a:pt x="6528" y="9206"/>
+                </a:lnTo>
+                <a:lnTo>
+                  <a:pt x="6333" y="9158"/>
+                </a:lnTo>
+                <a:lnTo>
+                  <a:pt x="6114" y="9085"/>
+                </a:lnTo>
+                <a:lnTo>
+                  <a:pt x="5919" y="8987"/>
+                </a:lnTo>
+                <a:lnTo>
+                  <a:pt x="5724" y="8890"/>
+                </a:lnTo>
+                <a:lnTo>
+                  <a:pt x="5529" y="8744"/>
+                </a:lnTo>
+                <a:lnTo>
+                  <a:pt x="5359" y="8598"/>
+                </a:lnTo>
+                <a:lnTo>
+                  <a:pt x="5359" y="8598"/>
+                </a:lnTo>
+                <a:lnTo>
+                  <a:pt x="5212" y="8427"/>
+                </a:lnTo>
+                <a:lnTo>
+                  <a:pt x="5066" y="8232"/>
+                </a:lnTo>
+                <a:lnTo>
+                  <a:pt x="4969" y="8037"/>
+                </a:lnTo>
+                <a:lnTo>
+                  <a:pt x="4871" y="7843"/>
+                </a:lnTo>
+                <a:lnTo>
+                  <a:pt x="4798" y="7623"/>
+                </a:lnTo>
+                <a:lnTo>
+                  <a:pt x="4750" y="7404"/>
+                </a:lnTo>
+                <a:lnTo>
+                  <a:pt x="4701" y="7209"/>
+                </a:lnTo>
+                <a:lnTo>
+                  <a:pt x="4701" y="6990"/>
+                </a:lnTo>
+                <a:lnTo>
+                  <a:pt x="4701" y="6771"/>
+                </a:lnTo>
+                <a:lnTo>
+                  <a:pt x="4750" y="6552"/>
+                </a:lnTo>
+                <a:lnTo>
+                  <a:pt x="4798" y="6333"/>
+                </a:lnTo>
+                <a:lnTo>
+                  <a:pt x="4871" y="6138"/>
+                </a:lnTo>
+                <a:lnTo>
+                  <a:pt x="4969" y="5919"/>
+                </a:lnTo>
+                <a:lnTo>
+                  <a:pt x="5066" y="5724"/>
+                </a:lnTo>
+                <a:lnTo>
+                  <a:pt x="5212" y="5553"/>
+                </a:lnTo>
+                <a:lnTo>
+                  <a:pt x="5359" y="5383"/>
+                </a:lnTo>
+                <a:lnTo>
+                  <a:pt x="5359" y="5383"/>
+                </a:lnTo>
+                <a:lnTo>
+                  <a:pt x="5529" y="5212"/>
+                </a:lnTo>
+                <a:lnTo>
+                  <a:pt x="5724" y="5091"/>
+                </a:lnTo>
+                <a:lnTo>
+                  <a:pt x="5919" y="4969"/>
+                </a:lnTo>
+                <a:lnTo>
+                  <a:pt x="6114" y="4871"/>
+                </a:lnTo>
+                <a:lnTo>
+                  <a:pt x="6333" y="4798"/>
+                </a:lnTo>
+                <a:lnTo>
+                  <a:pt x="6528" y="4750"/>
+                </a:lnTo>
+                <a:lnTo>
+                  <a:pt x="6747" y="4725"/>
+                </a:lnTo>
+                <a:lnTo>
+                  <a:pt x="6966" y="4701"/>
+                </a:lnTo>
+                <a:lnTo>
+                  <a:pt x="7185" y="4725"/>
+                </a:lnTo>
+                <a:lnTo>
+                  <a:pt x="7404" y="4750"/>
+                </a:lnTo>
+                <a:lnTo>
+                  <a:pt x="7624" y="4798"/>
+                </a:lnTo>
+                <a:lnTo>
+                  <a:pt x="7818" y="4871"/>
+                </a:lnTo>
+                <a:lnTo>
+                  <a:pt x="8038" y="4969"/>
+                </a:lnTo>
+                <a:lnTo>
+                  <a:pt x="8232" y="5091"/>
+                </a:lnTo>
+                <a:lnTo>
+                  <a:pt x="8403" y="5212"/>
+                </a:lnTo>
+                <a:lnTo>
+                  <a:pt x="8573" y="5383"/>
+                </a:lnTo>
+                <a:lnTo>
+                  <a:pt x="8573" y="5383"/>
+                </a:lnTo>
+                <a:lnTo>
+                  <a:pt x="8744" y="5553"/>
+                </a:lnTo>
+                <a:lnTo>
+                  <a:pt x="8866" y="5724"/>
+                </a:lnTo>
+                <a:lnTo>
+                  <a:pt x="8987" y="5919"/>
+                </a:lnTo>
+                <a:lnTo>
+                  <a:pt x="9085" y="6138"/>
+                </a:lnTo>
+                <a:lnTo>
+                  <a:pt x="9158" y="6333"/>
+                </a:lnTo>
+                <a:lnTo>
+                  <a:pt x="9207" y="6552"/>
+                </a:lnTo>
+                <a:lnTo>
+                  <a:pt x="9231" y="6771"/>
+                </a:lnTo>
+                <a:lnTo>
+                  <a:pt x="9231" y="6990"/>
+                </a:lnTo>
+                <a:lnTo>
+                  <a:pt x="9231" y="7209"/>
+                </a:lnTo>
+                <a:lnTo>
+                  <a:pt x="9207" y="7404"/>
+                </a:lnTo>
+                <a:lnTo>
+                  <a:pt x="9158" y="7623"/>
+                </a:lnTo>
+                <a:lnTo>
+                  <a:pt x="9085" y="7843"/>
+                </a:lnTo>
+                <a:lnTo>
+                  <a:pt x="8987" y="8037"/>
+                </a:lnTo>
+                <a:lnTo>
+                  <a:pt x="8866" y="8232"/>
+                </a:lnTo>
+                <a:lnTo>
+                  <a:pt x="8744" y="8427"/>
+                </a:lnTo>
+                <a:lnTo>
+                  <a:pt x="8573" y="8598"/>
+                </a:lnTo>
+                <a:lnTo>
+                  <a:pt x="8573" y="8598"/>
+                </a:lnTo>
+                <a:close/>
+              </a:path>
+            </a:pathLst>
+          </a:custGeom>
+          <a:solidFill>
+            <a:schemeClr val="tx1">
+              <a:lumMod val="95000"/>
+              <a:lumOff val="5000"/>
+            </a:schemeClr>
+          </a:solidFill>
+          <a:ln w="38100" cap="rnd" cmpd="sng">
+            <a:solidFill>
+              <a:schemeClr val="bg1"/>
+            </a:solidFill>
+            <a:prstDash val="solid"/>
+            <a:round/>
+            <a:headEnd type="none" w="sm" len="sm"/>
+            <a:tailEnd type="none" w="sm" len="sm"/>
+          </a:ln>
+        </p:spPr>
+        <p:txBody>
+          <a:bodyPr spcFirstLastPara="1" wrap="square" lIns="91425" tIns="91425" rIns="91425" bIns="91425" anchor="ctr" anchorCtr="0">
+            <a:noAutofit/>
+          </a:bodyPr>
+          <a:lstStyle/>
+          <a:p>
+            <a:pPr marL="0" marR="0" lvl="0" indent="0" defTabSz="914400" eaLnBrk="1" fontAlgn="auto" latinLnBrk="0" hangingPunct="1">
+              <a:lnSpc>
+                <a:spcPct val="100000"/>
+              </a:lnSpc>
+              <a:spcBef>
+                <a:spcPts val="0"/>
+              </a:spcBef>
+              <a:spcAft>
+                <a:spcPts val="0"/>
+              </a:spcAft>
+              <a:buClr>
+                <a:srgbClr val="000000"/>
+              </a:buClr>
+              <a:buSzTx/>
+              <a:buFont typeface="Arial"/>
+              <a:buNone/>
+              <a:tabLst/>
+              <a:defRPr/>
+            </a:pPr>
+            <a:endParaRPr kumimoji="0" sz="1400" b="0" i="0" u="none" strike="noStrike" kern="0" cap="none" spc="0" normalizeH="0" baseline="0" noProof="0" smtClean="0">
+              <a:ln>
+                <a:noFill/>
+              </a:ln>
+              <a:solidFill>
+                <a:srgbClr val="000000"/>
+              </a:solidFill>
+              <a:effectLst/>
+              <a:uLnTx/>
+              <a:uFillTx/>
+              <a:latin typeface="Arial"/>
+              <a:cs typeface="Arial"/>
+              <a:sym typeface="Arial"/>
+            </a:endParaRPr>
+          </a:p>
+        </p:txBody>
+      </p:sp>
+      <p:sp>
+        <p:nvSpPr>
+          <p:cNvPr id="26" name="Google Shape;1632;p47"/>
+          <p:cNvSpPr/>
+          <p:nvPr/>
+        </p:nvSpPr>
+        <p:spPr>
+          <a:xfrm rot="16200000">
+            <a:off x="1905059" y="5661511"/>
+            <a:ext cx="551060" cy="539665"/>
+          </a:xfrm>
+          <a:custGeom>
+            <a:avLst/>
+            <a:gdLst/>
+            <a:ahLst/>
+            <a:cxnLst/>
+            <a:rect l="l" t="t" r="r" b="b"/>
+            <a:pathLst>
+              <a:path w="7941" h="7941" fill="none" extrusionOk="0">
+                <a:moveTo>
+                  <a:pt x="7258" y="2144"/>
+                </a:moveTo>
+                <a:lnTo>
+                  <a:pt x="6138" y="2388"/>
+                </a:lnTo>
+                <a:lnTo>
+                  <a:pt x="6138" y="2388"/>
+                </a:lnTo>
+                <a:lnTo>
+                  <a:pt x="6016" y="2217"/>
+                </a:lnTo>
+                <a:lnTo>
+                  <a:pt x="5870" y="2071"/>
+                </a:lnTo>
+                <a:lnTo>
+                  <a:pt x="6260" y="975"/>
+                </a:lnTo>
+                <a:lnTo>
+                  <a:pt x="6260" y="975"/>
+                </a:lnTo>
+                <a:lnTo>
+                  <a:pt x="6284" y="902"/>
+                </a:lnTo>
+                <a:lnTo>
+                  <a:pt x="6284" y="829"/>
+                </a:lnTo>
+                <a:lnTo>
+                  <a:pt x="6260" y="683"/>
+                </a:lnTo>
+                <a:lnTo>
+                  <a:pt x="6162" y="561"/>
+                </a:lnTo>
+                <a:lnTo>
+                  <a:pt x="6114" y="488"/>
+                </a:lnTo>
+                <a:lnTo>
+                  <a:pt x="6065" y="464"/>
+                </a:lnTo>
+                <a:lnTo>
+                  <a:pt x="5553" y="196"/>
+                </a:lnTo>
+                <a:lnTo>
+                  <a:pt x="5553" y="196"/>
+                </a:lnTo>
+                <a:lnTo>
+                  <a:pt x="5480" y="171"/>
+                </a:lnTo>
+                <a:lnTo>
+                  <a:pt x="5407" y="171"/>
+                </a:lnTo>
+                <a:lnTo>
+                  <a:pt x="5261" y="171"/>
+                </a:lnTo>
+                <a:lnTo>
+                  <a:pt x="5115" y="244"/>
+                </a:lnTo>
+                <a:lnTo>
+                  <a:pt x="5066" y="293"/>
+                </a:lnTo>
+                <a:lnTo>
+                  <a:pt x="5018" y="342"/>
+                </a:lnTo>
+                <a:lnTo>
+                  <a:pt x="4384" y="1316"/>
+                </a:lnTo>
+                <a:lnTo>
+                  <a:pt x="4384" y="1316"/>
+                </a:lnTo>
+                <a:lnTo>
+                  <a:pt x="4165" y="1292"/>
+                </a:lnTo>
+                <a:lnTo>
+                  <a:pt x="3970" y="1292"/>
+                </a:lnTo>
+                <a:lnTo>
+                  <a:pt x="3483" y="244"/>
+                </a:lnTo>
+                <a:lnTo>
+                  <a:pt x="3483" y="244"/>
+                </a:lnTo>
+                <a:lnTo>
+                  <a:pt x="3435" y="171"/>
+                </a:lnTo>
+                <a:lnTo>
+                  <a:pt x="3386" y="123"/>
+                </a:lnTo>
+                <a:lnTo>
+                  <a:pt x="3264" y="50"/>
+                </a:lnTo>
+                <a:lnTo>
+                  <a:pt x="3118" y="1"/>
+                </a:lnTo>
+                <a:lnTo>
+                  <a:pt x="3045" y="1"/>
+                </a:lnTo>
+                <a:lnTo>
+                  <a:pt x="2972" y="25"/>
+                </a:lnTo>
+                <a:lnTo>
+                  <a:pt x="2436" y="196"/>
+                </a:lnTo>
+                <a:lnTo>
+                  <a:pt x="2436" y="196"/>
+                </a:lnTo>
+                <a:lnTo>
+                  <a:pt x="2363" y="220"/>
+                </a:lnTo>
+                <a:lnTo>
+                  <a:pt x="2290" y="269"/>
+                </a:lnTo>
+                <a:lnTo>
+                  <a:pt x="2192" y="391"/>
+                </a:lnTo>
+                <a:lnTo>
+                  <a:pt x="2144" y="537"/>
+                </a:lnTo>
+                <a:lnTo>
+                  <a:pt x="2144" y="610"/>
+                </a:lnTo>
+                <a:lnTo>
+                  <a:pt x="2144" y="683"/>
+                </a:lnTo>
+                <a:lnTo>
+                  <a:pt x="2387" y="1828"/>
+                </a:lnTo>
+                <a:lnTo>
+                  <a:pt x="2387" y="1828"/>
+                </a:lnTo>
+                <a:lnTo>
+                  <a:pt x="2217" y="1949"/>
+                </a:lnTo>
+                <a:lnTo>
+                  <a:pt x="2071" y="2095"/>
+                </a:lnTo>
+                <a:lnTo>
+                  <a:pt x="999" y="1681"/>
+                </a:lnTo>
+                <a:lnTo>
+                  <a:pt x="999" y="1681"/>
+                </a:lnTo>
+                <a:lnTo>
+                  <a:pt x="926" y="1681"/>
+                </a:lnTo>
+                <a:lnTo>
+                  <a:pt x="829" y="1657"/>
+                </a:lnTo>
+                <a:lnTo>
+                  <a:pt x="682" y="1706"/>
+                </a:lnTo>
+                <a:lnTo>
+                  <a:pt x="561" y="1779"/>
+                </a:lnTo>
+                <a:lnTo>
+                  <a:pt x="512" y="1828"/>
+                </a:lnTo>
+                <a:lnTo>
+                  <a:pt x="463" y="1901"/>
+                </a:lnTo>
+                <a:lnTo>
+                  <a:pt x="220" y="2388"/>
+                </a:lnTo>
+                <a:lnTo>
+                  <a:pt x="220" y="2388"/>
+                </a:lnTo>
+                <a:lnTo>
+                  <a:pt x="195" y="2461"/>
+                </a:lnTo>
+                <a:lnTo>
+                  <a:pt x="171" y="2534"/>
+                </a:lnTo>
+                <a:lnTo>
+                  <a:pt x="195" y="2704"/>
+                </a:lnTo>
+                <a:lnTo>
+                  <a:pt x="244" y="2826"/>
+                </a:lnTo>
+                <a:lnTo>
+                  <a:pt x="293" y="2899"/>
+                </a:lnTo>
+                <a:lnTo>
+                  <a:pt x="366" y="2948"/>
+                </a:lnTo>
+                <a:lnTo>
+                  <a:pt x="1340" y="3581"/>
+                </a:lnTo>
+                <a:lnTo>
+                  <a:pt x="1340" y="3581"/>
+                </a:lnTo>
+                <a:lnTo>
+                  <a:pt x="1316" y="3776"/>
+                </a:lnTo>
+                <a:lnTo>
+                  <a:pt x="1291" y="3995"/>
+                </a:lnTo>
+                <a:lnTo>
+                  <a:pt x="244" y="4482"/>
+                </a:lnTo>
+                <a:lnTo>
+                  <a:pt x="244" y="4482"/>
+                </a:lnTo>
+                <a:lnTo>
+                  <a:pt x="195" y="4507"/>
+                </a:lnTo>
+                <a:lnTo>
+                  <a:pt x="122" y="4555"/>
+                </a:lnTo>
+                <a:lnTo>
+                  <a:pt x="49" y="4701"/>
+                </a:lnTo>
+                <a:lnTo>
+                  <a:pt x="0" y="4848"/>
+                </a:lnTo>
+                <a:lnTo>
+                  <a:pt x="25" y="4921"/>
+                </a:lnTo>
+                <a:lnTo>
+                  <a:pt x="25" y="4994"/>
+                </a:lnTo>
+                <a:lnTo>
+                  <a:pt x="220" y="5530"/>
+                </a:lnTo>
+                <a:lnTo>
+                  <a:pt x="220" y="5530"/>
+                </a:lnTo>
+                <a:lnTo>
+                  <a:pt x="244" y="5578"/>
+                </a:lnTo>
+                <a:lnTo>
+                  <a:pt x="293" y="5651"/>
+                </a:lnTo>
+                <a:lnTo>
+                  <a:pt x="390" y="5749"/>
+                </a:lnTo>
+                <a:lnTo>
+                  <a:pt x="536" y="5797"/>
+                </a:lnTo>
+                <a:lnTo>
+                  <a:pt x="609" y="5797"/>
+                </a:lnTo>
+                <a:lnTo>
+                  <a:pt x="682" y="5797"/>
+                </a:lnTo>
+                <a:lnTo>
+                  <a:pt x="1827" y="5554"/>
+                </a:lnTo>
+                <a:lnTo>
+                  <a:pt x="1827" y="5554"/>
+                </a:lnTo>
+                <a:lnTo>
+                  <a:pt x="1949" y="5724"/>
+                </a:lnTo>
+                <a:lnTo>
+                  <a:pt x="2095" y="5870"/>
+                </a:lnTo>
+                <a:lnTo>
+                  <a:pt x="1705" y="6966"/>
+                </a:lnTo>
+                <a:lnTo>
+                  <a:pt x="1705" y="6966"/>
+                </a:lnTo>
+                <a:lnTo>
+                  <a:pt x="1681" y="7040"/>
+                </a:lnTo>
+                <a:lnTo>
+                  <a:pt x="1681" y="7113"/>
+                </a:lnTo>
+                <a:lnTo>
+                  <a:pt x="1705" y="7259"/>
+                </a:lnTo>
+                <a:lnTo>
+                  <a:pt x="1778" y="7380"/>
+                </a:lnTo>
+                <a:lnTo>
+                  <a:pt x="1851" y="7429"/>
+                </a:lnTo>
+                <a:lnTo>
+                  <a:pt x="1900" y="7478"/>
+                </a:lnTo>
+                <a:lnTo>
+                  <a:pt x="2412" y="7721"/>
+                </a:lnTo>
+                <a:lnTo>
+                  <a:pt x="2412" y="7721"/>
+                </a:lnTo>
+                <a:lnTo>
+                  <a:pt x="2485" y="7770"/>
+                </a:lnTo>
+                <a:lnTo>
+                  <a:pt x="2558" y="7770"/>
+                </a:lnTo>
+                <a:lnTo>
+                  <a:pt x="2704" y="7770"/>
+                </a:lnTo>
+                <a:lnTo>
+                  <a:pt x="2850" y="7697"/>
+                </a:lnTo>
+                <a:lnTo>
+                  <a:pt x="2899" y="7648"/>
+                </a:lnTo>
+                <a:lnTo>
+                  <a:pt x="2947" y="7600"/>
+                </a:lnTo>
+                <a:lnTo>
+                  <a:pt x="3581" y="6625"/>
+                </a:lnTo>
+                <a:lnTo>
+                  <a:pt x="3581" y="6625"/>
+                </a:lnTo>
+                <a:lnTo>
+                  <a:pt x="3800" y="6650"/>
+                </a:lnTo>
+                <a:lnTo>
+                  <a:pt x="3995" y="6650"/>
+                </a:lnTo>
+                <a:lnTo>
+                  <a:pt x="4482" y="7697"/>
+                </a:lnTo>
+                <a:lnTo>
+                  <a:pt x="4482" y="7697"/>
+                </a:lnTo>
+                <a:lnTo>
+                  <a:pt x="4531" y="7770"/>
+                </a:lnTo>
+                <a:lnTo>
+                  <a:pt x="4579" y="7819"/>
+                </a:lnTo>
+                <a:lnTo>
+                  <a:pt x="4701" y="7892"/>
+                </a:lnTo>
+                <a:lnTo>
+                  <a:pt x="4847" y="7941"/>
+                </a:lnTo>
+                <a:lnTo>
+                  <a:pt x="4920" y="7941"/>
+                </a:lnTo>
+                <a:lnTo>
+                  <a:pt x="4993" y="7916"/>
+                </a:lnTo>
+                <a:lnTo>
+                  <a:pt x="5529" y="7746"/>
+                </a:lnTo>
+                <a:lnTo>
+                  <a:pt x="5529" y="7746"/>
+                </a:lnTo>
+                <a:lnTo>
+                  <a:pt x="5602" y="7721"/>
+                </a:lnTo>
+                <a:lnTo>
+                  <a:pt x="5651" y="7673"/>
+                </a:lnTo>
+                <a:lnTo>
+                  <a:pt x="5748" y="7551"/>
+                </a:lnTo>
+                <a:lnTo>
+                  <a:pt x="5821" y="7405"/>
+                </a:lnTo>
+                <a:lnTo>
+                  <a:pt x="5821" y="7332"/>
+                </a:lnTo>
+                <a:lnTo>
+                  <a:pt x="5821" y="7259"/>
+                </a:lnTo>
+                <a:lnTo>
+                  <a:pt x="5578" y="6114"/>
+                </a:lnTo>
+                <a:lnTo>
+                  <a:pt x="5578" y="6114"/>
+                </a:lnTo>
+                <a:lnTo>
+                  <a:pt x="5724" y="5992"/>
+                </a:lnTo>
+                <a:lnTo>
+                  <a:pt x="5894" y="5846"/>
+                </a:lnTo>
+                <a:lnTo>
+                  <a:pt x="6966" y="6260"/>
+                </a:lnTo>
+                <a:lnTo>
+                  <a:pt x="6966" y="6260"/>
+                </a:lnTo>
+                <a:lnTo>
+                  <a:pt x="7039" y="6260"/>
+                </a:lnTo>
+                <a:lnTo>
+                  <a:pt x="7112" y="6285"/>
+                </a:lnTo>
+                <a:lnTo>
+                  <a:pt x="7258" y="6236"/>
+                </a:lnTo>
+                <a:lnTo>
+                  <a:pt x="7404" y="6163"/>
+                </a:lnTo>
+                <a:lnTo>
+                  <a:pt x="7453" y="6114"/>
+                </a:lnTo>
+                <a:lnTo>
+                  <a:pt x="7502" y="6041"/>
+                </a:lnTo>
+                <a:lnTo>
+                  <a:pt x="7745" y="5530"/>
+                </a:lnTo>
+                <a:lnTo>
+                  <a:pt x="7745" y="5530"/>
+                </a:lnTo>
+                <a:lnTo>
+                  <a:pt x="7770" y="5481"/>
+                </a:lnTo>
+                <a:lnTo>
+                  <a:pt x="7794" y="5383"/>
+                </a:lnTo>
+                <a:lnTo>
+                  <a:pt x="7770" y="5237"/>
+                </a:lnTo>
+                <a:lnTo>
+                  <a:pt x="7697" y="5115"/>
+                </a:lnTo>
+                <a:lnTo>
+                  <a:pt x="7648" y="5042"/>
+                </a:lnTo>
+                <a:lnTo>
+                  <a:pt x="7599" y="4994"/>
+                </a:lnTo>
+                <a:lnTo>
+                  <a:pt x="6625" y="4360"/>
+                </a:lnTo>
+                <a:lnTo>
+                  <a:pt x="6625" y="4360"/>
+                </a:lnTo>
+                <a:lnTo>
+                  <a:pt x="6649" y="4166"/>
+                </a:lnTo>
+                <a:lnTo>
+                  <a:pt x="6649" y="3946"/>
+                </a:lnTo>
+                <a:lnTo>
+                  <a:pt x="7697" y="3459"/>
+                </a:lnTo>
+                <a:lnTo>
+                  <a:pt x="7697" y="3459"/>
+                </a:lnTo>
+                <a:lnTo>
+                  <a:pt x="7770" y="3435"/>
+                </a:lnTo>
+                <a:lnTo>
+                  <a:pt x="7843" y="3386"/>
+                </a:lnTo>
+                <a:lnTo>
+                  <a:pt x="7916" y="3240"/>
+                </a:lnTo>
+                <a:lnTo>
+                  <a:pt x="7940" y="3094"/>
+                </a:lnTo>
+                <a:lnTo>
+                  <a:pt x="7940" y="3021"/>
+                </a:lnTo>
+                <a:lnTo>
+                  <a:pt x="7940" y="2948"/>
+                </a:lnTo>
+                <a:lnTo>
+                  <a:pt x="7745" y="2412"/>
+                </a:lnTo>
+                <a:lnTo>
+                  <a:pt x="7745" y="2412"/>
+                </a:lnTo>
+                <a:lnTo>
+                  <a:pt x="7721" y="2339"/>
+                </a:lnTo>
+                <a:lnTo>
+                  <a:pt x="7672" y="2290"/>
+                </a:lnTo>
+                <a:lnTo>
+                  <a:pt x="7551" y="2193"/>
+                </a:lnTo>
+                <a:lnTo>
+                  <a:pt x="7429" y="2144"/>
+                </a:lnTo>
+                <a:lnTo>
+                  <a:pt x="7356" y="2144"/>
+                </a:lnTo>
+                <a:lnTo>
+                  <a:pt x="7258" y="2144"/>
+                </a:lnTo>
+                <a:lnTo>
+                  <a:pt x="7258" y="2144"/>
+                </a:lnTo>
+                <a:close/>
+                <a:moveTo>
+                  <a:pt x="5480" y="4726"/>
+                </a:moveTo>
+                <a:lnTo>
+                  <a:pt x="5480" y="4726"/>
+                </a:lnTo>
+                <a:lnTo>
+                  <a:pt x="5383" y="4872"/>
+                </a:lnTo>
+                <a:lnTo>
+                  <a:pt x="5286" y="4994"/>
+                </a:lnTo>
+                <a:lnTo>
+                  <a:pt x="5188" y="5140"/>
+                </a:lnTo>
+                <a:lnTo>
+                  <a:pt x="5066" y="5237"/>
+                </a:lnTo>
+                <a:lnTo>
+                  <a:pt x="4945" y="5335"/>
+                </a:lnTo>
+                <a:lnTo>
+                  <a:pt x="4798" y="5432"/>
+                </a:lnTo>
+                <a:lnTo>
+                  <a:pt x="4652" y="5505"/>
+                </a:lnTo>
+                <a:lnTo>
+                  <a:pt x="4506" y="5554"/>
+                </a:lnTo>
+                <a:lnTo>
+                  <a:pt x="4360" y="5603"/>
+                </a:lnTo>
+                <a:lnTo>
+                  <a:pt x="4190" y="5627"/>
+                </a:lnTo>
+                <a:lnTo>
+                  <a:pt x="4043" y="5651"/>
+                </a:lnTo>
+                <a:lnTo>
+                  <a:pt x="3873" y="5627"/>
+                </a:lnTo>
+                <a:lnTo>
+                  <a:pt x="3702" y="5627"/>
+                </a:lnTo>
+                <a:lnTo>
+                  <a:pt x="3556" y="5578"/>
+                </a:lnTo>
+                <a:lnTo>
+                  <a:pt x="3386" y="5530"/>
+                </a:lnTo>
+                <a:lnTo>
+                  <a:pt x="3240" y="5456"/>
+                </a:lnTo>
+                <a:lnTo>
+                  <a:pt x="3240" y="5456"/>
+                </a:lnTo>
+                <a:lnTo>
+                  <a:pt x="3094" y="5383"/>
+                </a:lnTo>
+                <a:lnTo>
+                  <a:pt x="2947" y="5286"/>
+                </a:lnTo>
+                <a:lnTo>
+                  <a:pt x="2826" y="5164"/>
+                </a:lnTo>
+                <a:lnTo>
+                  <a:pt x="2704" y="5067"/>
+                </a:lnTo>
+                <a:lnTo>
+                  <a:pt x="2606" y="4921"/>
+                </a:lnTo>
+                <a:lnTo>
+                  <a:pt x="2533" y="4799"/>
+                </a:lnTo>
+                <a:lnTo>
+                  <a:pt x="2460" y="4653"/>
+                </a:lnTo>
+                <a:lnTo>
+                  <a:pt x="2387" y="4507"/>
+                </a:lnTo>
+                <a:lnTo>
+                  <a:pt x="2363" y="4336"/>
+                </a:lnTo>
+                <a:lnTo>
+                  <a:pt x="2314" y="4190"/>
+                </a:lnTo>
+                <a:lnTo>
+                  <a:pt x="2314" y="4020"/>
+                </a:lnTo>
+                <a:lnTo>
+                  <a:pt x="2314" y="3873"/>
+                </a:lnTo>
+                <a:lnTo>
+                  <a:pt x="2339" y="3703"/>
+                </a:lnTo>
+                <a:lnTo>
+                  <a:pt x="2363" y="3532"/>
+                </a:lnTo>
+                <a:lnTo>
+                  <a:pt x="2412" y="3386"/>
+                </a:lnTo>
+                <a:lnTo>
+                  <a:pt x="2485" y="3216"/>
+                </a:lnTo>
+                <a:lnTo>
+                  <a:pt x="2485" y="3216"/>
+                </a:lnTo>
+                <a:lnTo>
+                  <a:pt x="2582" y="3070"/>
+                </a:lnTo>
+                <a:lnTo>
+                  <a:pt x="2680" y="2948"/>
+                </a:lnTo>
+                <a:lnTo>
+                  <a:pt x="2777" y="2802"/>
+                </a:lnTo>
+                <a:lnTo>
+                  <a:pt x="2899" y="2704"/>
+                </a:lnTo>
+                <a:lnTo>
+                  <a:pt x="3020" y="2607"/>
+                </a:lnTo>
+                <a:lnTo>
+                  <a:pt x="3167" y="2509"/>
+                </a:lnTo>
+                <a:lnTo>
+                  <a:pt x="3313" y="2436"/>
+                </a:lnTo>
+                <a:lnTo>
+                  <a:pt x="3459" y="2388"/>
+                </a:lnTo>
+                <a:lnTo>
+                  <a:pt x="3605" y="2339"/>
+                </a:lnTo>
+                <a:lnTo>
+                  <a:pt x="3775" y="2315"/>
+                </a:lnTo>
+                <a:lnTo>
+                  <a:pt x="3922" y="2290"/>
+                </a:lnTo>
+                <a:lnTo>
+                  <a:pt x="4092" y="2315"/>
+                </a:lnTo>
+                <a:lnTo>
+                  <a:pt x="4263" y="2315"/>
+                </a:lnTo>
+                <a:lnTo>
+                  <a:pt x="4409" y="2363"/>
+                </a:lnTo>
+                <a:lnTo>
+                  <a:pt x="4579" y="2412"/>
+                </a:lnTo>
+                <a:lnTo>
+                  <a:pt x="4725" y="2485"/>
+                </a:lnTo>
+                <a:lnTo>
+                  <a:pt x="4725" y="2485"/>
+                </a:lnTo>
+                <a:lnTo>
+                  <a:pt x="4871" y="2558"/>
+                </a:lnTo>
+                <a:lnTo>
+                  <a:pt x="5018" y="2656"/>
+                </a:lnTo>
+                <a:lnTo>
+                  <a:pt x="5139" y="2777"/>
+                </a:lnTo>
+                <a:lnTo>
+                  <a:pt x="5261" y="2875"/>
+                </a:lnTo>
+                <a:lnTo>
+                  <a:pt x="5359" y="3021"/>
+                </a:lnTo>
+                <a:lnTo>
+                  <a:pt x="5432" y="3143"/>
+                </a:lnTo>
+                <a:lnTo>
+                  <a:pt x="5505" y="3289"/>
+                </a:lnTo>
+                <a:lnTo>
+                  <a:pt x="5578" y="3435"/>
+                </a:lnTo>
+                <a:lnTo>
+                  <a:pt x="5602" y="3605"/>
+                </a:lnTo>
+                <a:lnTo>
+                  <a:pt x="5626" y="3752"/>
+                </a:lnTo>
+                <a:lnTo>
+                  <a:pt x="5651" y="3922"/>
+                </a:lnTo>
+                <a:lnTo>
+                  <a:pt x="5651" y="4068"/>
+                </a:lnTo>
+                <a:lnTo>
+                  <a:pt x="5626" y="4239"/>
+                </a:lnTo>
+                <a:lnTo>
+                  <a:pt x="5602" y="4409"/>
+                </a:lnTo>
+                <a:lnTo>
+                  <a:pt x="5553" y="4555"/>
+                </a:lnTo>
+                <a:lnTo>
+                  <a:pt x="5480" y="4726"/>
+                </a:lnTo>
+                <a:lnTo>
+                  <a:pt x="5480" y="4726"/>
+                </a:lnTo>
+                <a:close/>
+              </a:path>
+            </a:pathLst>
+          </a:custGeom>
+          <a:solidFill>
+            <a:schemeClr val="tx1">
+              <a:lumMod val="95000"/>
+              <a:lumOff val="5000"/>
+            </a:schemeClr>
+          </a:solidFill>
+          <a:ln w="38100" cap="rnd" cmpd="sng">
+            <a:solidFill>
+              <a:schemeClr val="bg1"/>
+            </a:solidFill>
+            <a:prstDash val="solid"/>
+            <a:round/>
+            <a:headEnd type="none" w="sm" len="sm"/>
+            <a:tailEnd type="none" w="sm" len="sm"/>
+          </a:ln>
+        </p:spPr>
+        <p:txBody>
+          <a:bodyPr spcFirstLastPara="1" wrap="square" lIns="91425" tIns="91425" rIns="91425" bIns="91425" anchor="ctr" anchorCtr="0">
+            <a:noAutofit/>
+          </a:bodyPr>
+          <a:lstStyle/>
+          <a:p>
+            <a:pPr marL="0" marR="0" lvl="0" indent="0" defTabSz="914400" eaLnBrk="1" fontAlgn="auto" latinLnBrk="0" hangingPunct="1">
+              <a:lnSpc>
+                <a:spcPct val="100000"/>
+              </a:lnSpc>
+              <a:spcBef>
+                <a:spcPts val="0"/>
+              </a:spcBef>
+              <a:spcAft>
+                <a:spcPts val="0"/>
+              </a:spcAft>
+              <a:buClr>
+                <a:srgbClr val="000000"/>
+              </a:buClr>
+              <a:buSzTx/>
+              <a:buFont typeface="Arial"/>
+              <a:buNone/>
+              <a:tabLst/>
+              <a:defRPr/>
+            </a:pPr>
+            <a:endParaRPr kumimoji="0" sz="1400" b="0" i="0" u="none" strike="noStrike" kern="0" cap="none" spc="0" normalizeH="0" baseline="0" noProof="0" smtClean="0">
+              <a:ln>
+                <a:noFill/>
+              </a:ln>
+              <a:solidFill>
+                <a:srgbClr val="000000"/>
+              </a:solidFill>
+              <a:effectLst/>
+              <a:uLnTx/>
+              <a:uFillTx/>
+              <a:latin typeface="Arial"/>
+              <a:cs typeface="Arial"/>
+              <a:sym typeface="Arial"/>
+            </a:endParaRPr>
+          </a:p>
+        </p:txBody>
+      </p:sp>
+      <p:sp>
+        <p:nvSpPr>
+          <p:cNvPr id="27" name="Google Shape;1632;p47"/>
+          <p:cNvSpPr/>
+          <p:nvPr/>
+        </p:nvSpPr>
+        <p:spPr>
+          <a:xfrm rot="3111371">
+            <a:off x="854221" y="6276936"/>
+            <a:ext cx="463175" cy="493224"/>
+          </a:xfrm>
+          <a:custGeom>
+            <a:avLst/>
+            <a:gdLst/>
+            <a:ahLst/>
+            <a:cxnLst/>
+            <a:rect l="l" t="t" r="r" b="b"/>
+            <a:pathLst>
+              <a:path w="7941" h="7941" fill="none" extrusionOk="0">
+                <a:moveTo>
+                  <a:pt x="7258" y="2144"/>
+                </a:moveTo>
+                <a:lnTo>
+                  <a:pt x="6138" y="2388"/>
+                </a:lnTo>
+                <a:lnTo>
+                  <a:pt x="6138" y="2388"/>
+                </a:lnTo>
+                <a:lnTo>
+                  <a:pt x="6016" y="2217"/>
+                </a:lnTo>
+                <a:lnTo>
+                  <a:pt x="5870" y="2071"/>
+                </a:lnTo>
+                <a:lnTo>
+                  <a:pt x="6260" y="975"/>
+                </a:lnTo>
+                <a:lnTo>
+                  <a:pt x="6260" y="975"/>
+                </a:lnTo>
+                <a:lnTo>
+                  <a:pt x="6284" y="902"/>
+                </a:lnTo>
+                <a:lnTo>
+                  <a:pt x="6284" y="829"/>
+                </a:lnTo>
+                <a:lnTo>
+                  <a:pt x="6260" y="683"/>
+                </a:lnTo>
+                <a:lnTo>
+                  <a:pt x="6162" y="561"/>
+                </a:lnTo>
+                <a:lnTo>
+                  <a:pt x="6114" y="488"/>
+                </a:lnTo>
+                <a:lnTo>
+                  <a:pt x="6065" y="464"/>
+                </a:lnTo>
+                <a:lnTo>
+                  <a:pt x="5553" y="196"/>
+                </a:lnTo>
+                <a:lnTo>
+                  <a:pt x="5553" y="196"/>
+                </a:lnTo>
+                <a:lnTo>
+                  <a:pt x="5480" y="171"/>
+                </a:lnTo>
+                <a:lnTo>
+                  <a:pt x="5407" y="171"/>
+                </a:lnTo>
+                <a:lnTo>
+                  <a:pt x="5261" y="171"/>
+                </a:lnTo>
+                <a:lnTo>
+                  <a:pt x="5115" y="244"/>
+                </a:lnTo>
+                <a:lnTo>
+                  <a:pt x="5066" y="293"/>
+                </a:lnTo>
+                <a:lnTo>
+                  <a:pt x="5018" y="342"/>
+                </a:lnTo>
+                <a:lnTo>
+                  <a:pt x="4384" y="1316"/>
+                </a:lnTo>
+                <a:lnTo>
+                  <a:pt x="4384" y="1316"/>
+                </a:lnTo>
+                <a:lnTo>
+                  <a:pt x="4165" y="1292"/>
+                </a:lnTo>
+                <a:lnTo>
+                  <a:pt x="3970" y="1292"/>
+                </a:lnTo>
+                <a:lnTo>
+                  <a:pt x="3483" y="244"/>
+                </a:lnTo>
+                <a:lnTo>
+                  <a:pt x="3483" y="244"/>
+                </a:lnTo>
+                <a:lnTo>
+                  <a:pt x="3435" y="171"/>
+                </a:lnTo>
+                <a:lnTo>
+                  <a:pt x="3386" y="123"/>
+                </a:lnTo>
+                <a:lnTo>
+                  <a:pt x="3264" y="50"/>
+                </a:lnTo>
+                <a:lnTo>
+                  <a:pt x="3118" y="1"/>
+                </a:lnTo>
+                <a:lnTo>
+                  <a:pt x="3045" y="1"/>
+                </a:lnTo>
+                <a:lnTo>
+                  <a:pt x="2972" y="25"/>
+                </a:lnTo>
+                <a:lnTo>
+                  <a:pt x="2436" y="196"/>
+                </a:lnTo>
+                <a:lnTo>
+                  <a:pt x="2436" y="196"/>
+                </a:lnTo>
+                <a:lnTo>
+                  <a:pt x="2363" y="220"/>
+                </a:lnTo>
+                <a:lnTo>
+                  <a:pt x="2290" y="269"/>
+                </a:lnTo>
+                <a:lnTo>
+                  <a:pt x="2192" y="391"/>
+                </a:lnTo>
+                <a:lnTo>
+                  <a:pt x="2144" y="537"/>
+                </a:lnTo>
+                <a:lnTo>
+                  <a:pt x="2144" y="610"/>
+                </a:lnTo>
+                <a:lnTo>
+                  <a:pt x="2144" y="683"/>
+                </a:lnTo>
+                <a:lnTo>
+                  <a:pt x="2387" y="1828"/>
+                </a:lnTo>
+                <a:lnTo>
+                  <a:pt x="2387" y="1828"/>
+                </a:lnTo>
+                <a:lnTo>
+                  <a:pt x="2217" y="1949"/>
+                </a:lnTo>
+                <a:lnTo>
+                  <a:pt x="2071" y="2095"/>
+                </a:lnTo>
+                <a:lnTo>
+                  <a:pt x="999" y="1681"/>
+                </a:lnTo>
+                <a:lnTo>
+                  <a:pt x="999" y="1681"/>
+                </a:lnTo>
+                <a:lnTo>
+                  <a:pt x="926" y="1681"/>
+                </a:lnTo>
+                <a:lnTo>
+                  <a:pt x="829" y="1657"/>
+                </a:lnTo>
+                <a:lnTo>
+                  <a:pt x="682" y="1706"/>
+                </a:lnTo>
+                <a:lnTo>
+                  <a:pt x="561" y="1779"/>
+                </a:lnTo>
+                <a:lnTo>
+                  <a:pt x="512" y="1828"/>
+                </a:lnTo>
+                <a:lnTo>
+                  <a:pt x="463" y="1901"/>
+                </a:lnTo>
+                <a:lnTo>
+                  <a:pt x="220" y="2388"/>
+                </a:lnTo>
+                <a:lnTo>
+                  <a:pt x="220" y="2388"/>
+                </a:lnTo>
+                <a:lnTo>
+                  <a:pt x="195" y="2461"/>
+                </a:lnTo>
+                <a:lnTo>
+                  <a:pt x="171" y="2534"/>
+                </a:lnTo>
+                <a:lnTo>
+                  <a:pt x="195" y="2704"/>
+                </a:lnTo>
+                <a:lnTo>
+                  <a:pt x="244" y="2826"/>
+                </a:lnTo>
+                <a:lnTo>
+                  <a:pt x="293" y="2899"/>
+                </a:lnTo>
+                <a:lnTo>
+                  <a:pt x="366" y="2948"/>
+                </a:lnTo>
+                <a:lnTo>
+                  <a:pt x="1340" y="3581"/>
+                </a:lnTo>
+                <a:lnTo>
+                  <a:pt x="1340" y="3581"/>
+                </a:lnTo>
+                <a:lnTo>
+                  <a:pt x="1316" y="3776"/>
+                </a:lnTo>
+                <a:lnTo>
+                  <a:pt x="1291" y="3995"/>
+                </a:lnTo>
+                <a:lnTo>
+                  <a:pt x="244" y="4482"/>
+                </a:lnTo>
+                <a:lnTo>
+                  <a:pt x="244" y="4482"/>
+                </a:lnTo>
+                <a:lnTo>
+                  <a:pt x="195" y="4507"/>
+                </a:lnTo>
+                <a:lnTo>
+                  <a:pt x="122" y="4555"/>
+                </a:lnTo>
+                <a:lnTo>
+                  <a:pt x="49" y="4701"/>
+                </a:lnTo>
+                <a:lnTo>
+                  <a:pt x="0" y="4848"/>
+                </a:lnTo>
+                <a:lnTo>
+                  <a:pt x="25" y="4921"/>
+                </a:lnTo>
+                <a:lnTo>
+                  <a:pt x="25" y="4994"/>
+                </a:lnTo>
+                <a:lnTo>
+                  <a:pt x="220" y="5530"/>
+                </a:lnTo>
+                <a:lnTo>
+                  <a:pt x="220" y="5530"/>
+                </a:lnTo>
+                <a:lnTo>
+                  <a:pt x="244" y="5578"/>
+                </a:lnTo>
+                <a:lnTo>
+                  <a:pt x="293" y="5651"/>
+                </a:lnTo>
+                <a:lnTo>
+                  <a:pt x="390" y="5749"/>
+                </a:lnTo>
+                <a:lnTo>
+                  <a:pt x="536" y="5797"/>
+                </a:lnTo>
+                <a:lnTo>
+                  <a:pt x="609" y="5797"/>
+                </a:lnTo>
+                <a:lnTo>
+                  <a:pt x="682" y="5797"/>
+                </a:lnTo>
+                <a:lnTo>
+                  <a:pt x="1827" y="5554"/>
+                </a:lnTo>
+                <a:lnTo>
+                  <a:pt x="1827" y="5554"/>
+                </a:lnTo>
+                <a:lnTo>
+                  <a:pt x="1949" y="5724"/>
+                </a:lnTo>
+                <a:lnTo>
+                  <a:pt x="2095" y="5870"/>
+                </a:lnTo>
+                <a:lnTo>
+                  <a:pt x="1705" y="6966"/>
+                </a:lnTo>
+                <a:lnTo>
+                  <a:pt x="1705" y="6966"/>
+                </a:lnTo>
+                <a:lnTo>
+                  <a:pt x="1681" y="7040"/>
+                </a:lnTo>
+                <a:lnTo>
+                  <a:pt x="1681" y="7113"/>
+                </a:lnTo>
+                <a:lnTo>
+                  <a:pt x="1705" y="7259"/>
+                </a:lnTo>
+                <a:lnTo>
+                  <a:pt x="1778" y="7380"/>
+                </a:lnTo>
+                <a:lnTo>
+                  <a:pt x="1851" y="7429"/>
+                </a:lnTo>
+                <a:lnTo>
+                  <a:pt x="1900" y="7478"/>
+                </a:lnTo>
+                <a:lnTo>
+                  <a:pt x="2412" y="7721"/>
+                </a:lnTo>
+                <a:lnTo>
+                  <a:pt x="2412" y="7721"/>
+                </a:lnTo>
+                <a:lnTo>
+                  <a:pt x="2485" y="7770"/>
+                </a:lnTo>
+                <a:lnTo>
+                  <a:pt x="2558" y="7770"/>
+                </a:lnTo>
+                <a:lnTo>
+                  <a:pt x="2704" y="7770"/>
+                </a:lnTo>
+                <a:lnTo>
+                  <a:pt x="2850" y="7697"/>
+                </a:lnTo>
+                <a:lnTo>
+                  <a:pt x="2899" y="7648"/>
+                </a:lnTo>
+                <a:lnTo>
+                  <a:pt x="2947" y="7600"/>
+                </a:lnTo>
+                <a:lnTo>
+                  <a:pt x="3581" y="6625"/>
+                </a:lnTo>
+                <a:lnTo>
+                  <a:pt x="3581" y="6625"/>
+                </a:lnTo>
+                <a:lnTo>
+                  <a:pt x="3800" y="6650"/>
+                </a:lnTo>
+                <a:lnTo>
+                  <a:pt x="3995" y="6650"/>
+                </a:lnTo>
+                <a:lnTo>
+                  <a:pt x="4482" y="7697"/>
+                </a:lnTo>
+                <a:lnTo>
+                  <a:pt x="4482" y="7697"/>
+                </a:lnTo>
+                <a:lnTo>
+                  <a:pt x="4531" y="7770"/>
+                </a:lnTo>
+                <a:lnTo>
+                  <a:pt x="4579" y="7819"/>
+                </a:lnTo>
+                <a:lnTo>
+                  <a:pt x="4701" y="7892"/>
+                </a:lnTo>
+                <a:lnTo>
+                  <a:pt x="4847" y="7941"/>
+                </a:lnTo>
+                <a:lnTo>
+                  <a:pt x="4920" y="7941"/>
+                </a:lnTo>
+                <a:lnTo>
+                  <a:pt x="4993" y="7916"/>
+                </a:lnTo>
+                <a:lnTo>
+                  <a:pt x="5529" y="7746"/>
+                </a:lnTo>
+                <a:lnTo>
+                  <a:pt x="5529" y="7746"/>
+                </a:lnTo>
+                <a:lnTo>
+                  <a:pt x="5602" y="7721"/>
+                </a:lnTo>
+                <a:lnTo>
+                  <a:pt x="5651" y="7673"/>
+                </a:lnTo>
+                <a:lnTo>
+                  <a:pt x="5748" y="7551"/>
+                </a:lnTo>
+                <a:lnTo>
+                  <a:pt x="5821" y="7405"/>
+                </a:lnTo>
+                <a:lnTo>
+                  <a:pt x="5821" y="7332"/>
+                </a:lnTo>
+                <a:lnTo>
+                  <a:pt x="5821" y="7259"/>
+                </a:lnTo>
+                <a:lnTo>
+                  <a:pt x="5578" y="6114"/>
+                </a:lnTo>
+                <a:lnTo>
+                  <a:pt x="5578" y="6114"/>
+                </a:lnTo>
+                <a:lnTo>
+                  <a:pt x="5724" y="5992"/>
+                </a:lnTo>
+                <a:lnTo>
+                  <a:pt x="5894" y="5846"/>
+                </a:lnTo>
+                <a:lnTo>
+                  <a:pt x="6966" y="6260"/>
+                </a:lnTo>
+                <a:lnTo>
+                  <a:pt x="6966" y="6260"/>
+                </a:lnTo>
+                <a:lnTo>
+                  <a:pt x="7039" y="6260"/>
+                </a:lnTo>
+                <a:lnTo>
+                  <a:pt x="7112" y="6285"/>
+                </a:lnTo>
+                <a:lnTo>
+                  <a:pt x="7258" y="6236"/>
+                </a:lnTo>
+                <a:lnTo>
+                  <a:pt x="7404" y="6163"/>
+                </a:lnTo>
+                <a:lnTo>
+                  <a:pt x="7453" y="6114"/>
+                </a:lnTo>
+                <a:lnTo>
+                  <a:pt x="7502" y="6041"/>
+                </a:lnTo>
+                <a:lnTo>
+                  <a:pt x="7745" y="5530"/>
+                </a:lnTo>
+                <a:lnTo>
+                  <a:pt x="7745" y="5530"/>
+                </a:lnTo>
+                <a:lnTo>
+                  <a:pt x="7770" y="5481"/>
+                </a:lnTo>
+                <a:lnTo>
+                  <a:pt x="7794" y="5383"/>
+                </a:lnTo>
+                <a:lnTo>
+                  <a:pt x="7770" y="5237"/>
+                </a:lnTo>
+                <a:lnTo>
+                  <a:pt x="7697" y="5115"/>
+                </a:lnTo>
+                <a:lnTo>
+                  <a:pt x="7648" y="5042"/>
+                </a:lnTo>
+                <a:lnTo>
+                  <a:pt x="7599" y="4994"/>
+                </a:lnTo>
+                <a:lnTo>
+                  <a:pt x="6625" y="4360"/>
+                </a:lnTo>
+                <a:lnTo>
+                  <a:pt x="6625" y="4360"/>
+                </a:lnTo>
+                <a:lnTo>
+                  <a:pt x="6649" y="4166"/>
+                </a:lnTo>
+                <a:lnTo>
+                  <a:pt x="6649" y="3946"/>
+                </a:lnTo>
+                <a:lnTo>
+                  <a:pt x="7697" y="3459"/>
+                </a:lnTo>
+                <a:lnTo>
+                  <a:pt x="7697" y="3459"/>
+                </a:lnTo>
+                <a:lnTo>
+                  <a:pt x="7770" y="3435"/>
+                </a:lnTo>
+                <a:lnTo>
+                  <a:pt x="7843" y="3386"/>
+                </a:lnTo>
+                <a:lnTo>
+                  <a:pt x="7916" y="3240"/>
+                </a:lnTo>
+                <a:lnTo>
+                  <a:pt x="7940" y="3094"/>
+                </a:lnTo>
+                <a:lnTo>
+                  <a:pt x="7940" y="3021"/>
+                </a:lnTo>
+                <a:lnTo>
+                  <a:pt x="7940" y="2948"/>
+                </a:lnTo>
+                <a:lnTo>
+                  <a:pt x="7745" y="2412"/>
+                </a:lnTo>
+                <a:lnTo>
+                  <a:pt x="7745" y="2412"/>
+                </a:lnTo>
+                <a:lnTo>
+                  <a:pt x="7721" y="2339"/>
+                </a:lnTo>
+                <a:lnTo>
+                  <a:pt x="7672" y="2290"/>
+                </a:lnTo>
+                <a:lnTo>
+                  <a:pt x="7551" y="2193"/>
+                </a:lnTo>
+                <a:lnTo>
+                  <a:pt x="7429" y="2144"/>
+                </a:lnTo>
+                <a:lnTo>
+                  <a:pt x="7356" y="2144"/>
+                </a:lnTo>
+                <a:lnTo>
+                  <a:pt x="7258" y="2144"/>
+                </a:lnTo>
+                <a:lnTo>
+                  <a:pt x="7258" y="2144"/>
+                </a:lnTo>
+                <a:close/>
+                <a:moveTo>
+                  <a:pt x="5480" y="4726"/>
+                </a:moveTo>
+                <a:lnTo>
+                  <a:pt x="5480" y="4726"/>
+                </a:lnTo>
+                <a:lnTo>
+                  <a:pt x="5383" y="4872"/>
+                </a:lnTo>
+                <a:lnTo>
+                  <a:pt x="5286" y="4994"/>
+                </a:lnTo>
+                <a:lnTo>
+                  <a:pt x="5188" y="5140"/>
+                </a:lnTo>
+                <a:lnTo>
+                  <a:pt x="5066" y="5237"/>
+                </a:lnTo>
+                <a:lnTo>
+                  <a:pt x="4945" y="5335"/>
+                </a:lnTo>
+                <a:lnTo>
+                  <a:pt x="4798" y="5432"/>
+                </a:lnTo>
+                <a:lnTo>
+                  <a:pt x="4652" y="5505"/>
+                </a:lnTo>
+                <a:lnTo>
+                  <a:pt x="4506" y="5554"/>
+                </a:lnTo>
+                <a:lnTo>
+                  <a:pt x="4360" y="5603"/>
+                </a:lnTo>
+                <a:lnTo>
+                  <a:pt x="4190" y="5627"/>
+                </a:lnTo>
+                <a:lnTo>
+                  <a:pt x="4043" y="5651"/>
+                </a:lnTo>
+                <a:lnTo>
+                  <a:pt x="3873" y="5627"/>
+                </a:lnTo>
+                <a:lnTo>
+                  <a:pt x="3702" y="5627"/>
+                </a:lnTo>
+                <a:lnTo>
+                  <a:pt x="3556" y="5578"/>
+                </a:lnTo>
+                <a:lnTo>
+                  <a:pt x="3386" y="5530"/>
+                </a:lnTo>
+                <a:lnTo>
+                  <a:pt x="3240" y="5456"/>
+                </a:lnTo>
+                <a:lnTo>
+                  <a:pt x="3240" y="5456"/>
+                </a:lnTo>
+                <a:lnTo>
+                  <a:pt x="3094" y="5383"/>
+                </a:lnTo>
+                <a:lnTo>
+                  <a:pt x="2947" y="5286"/>
+                </a:lnTo>
+                <a:lnTo>
+                  <a:pt x="2826" y="5164"/>
+                </a:lnTo>
+                <a:lnTo>
+                  <a:pt x="2704" y="5067"/>
+                </a:lnTo>
+                <a:lnTo>
+                  <a:pt x="2606" y="4921"/>
+                </a:lnTo>
+                <a:lnTo>
+                  <a:pt x="2533" y="4799"/>
+                </a:lnTo>
+                <a:lnTo>
+                  <a:pt x="2460" y="4653"/>
+                </a:lnTo>
+                <a:lnTo>
+                  <a:pt x="2387" y="4507"/>
+                </a:lnTo>
+                <a:lnTo>
+                  <a:pt x="2363" y="4336"/>
+                </a:lnTo>
+                <a:lnTo>
+                  <a:pt x="2314" y="4190"/>
+                </a:lnTo>
+                <a:lnTo>
+                  <a:pt x="2314" y="4020"/>
+                </a:lnTo>
+                <a:lnTo>
+                  <a:pt x="2314" y="3873"/>
+                </a:lnTo>
+                <a:lnTo>
+                  <a:pt x="2339" y="3703"/>
+                </a:lnTo>
+                <a:lnTo>
+                  <a:pt x="2363" y="3532"/>
+                </a:lnTo>
+                <a:lnTo>
+                  <a:pt x="2412" y="3386"/>
+                </a:lnTo>
+                <a:lnTo>
+                  <a:pt x="2485" y="3216"/>
+                </a:lnTo>
+                <a:lnTo>
+                  <a:pt x="2485" y="3216"/>
+                </a:lnTo>
+                <a:lnTo>
+                  <a:pt x="2582" y="3070"/>
+                </a:lnTo>
+                <a:lnTo>
+                  <a:pt x="2680" y="2948"/>
+                </a:lnTo>
+                <a:lnTo>
+                  <a:pt x="2777" y="2802"/>
+                </a:lnTo>
+                <a:lnTo>
+                  <a:pt x="2899" y="2704"/>
+                </a:lnTo>
+                <a:lnTo>
+                  <a:pt x="3020" y="2607"/>
+                </a:lnTo>
+                <a:lnTo>
+                  <a:pt x="3167" y="2509"/>
+                </a:lnTo>
+                <a:lnTo>
+                  <a:pt x="3313" y="2436"/>
+                </a:lnTo>
+                <a:lnTo>
+                  <a:pt x="3459" y="2388"/>
+                </a:lnTo>
+                <a:lnTo>
+                  <a:pt x="3605" y="2339"/>
+                </a:lnTo>
+                <a:lnTo>
+                  <a:pt x="3775" y="2315"/>
+                </a:lnTo>
+                <a:lnTo>
+                  <a:pt x="3922" y="2290"/>
+                </a:lnTo>
+                <a:lnTo>
+                  <a:pt x="4092" y="2315"/>
+                </a:lnTo>
+                <a:lnTo>
+                  <a:pt x="4263" y="2315"/>
+                </a:lnTo>
+                <a:lnTo>
+                  <a:pt x="4409" y="2363"/>
+                </a:lnTo>
+                <a:lnTo>
+                  <a:pt x="4579" y="2412"/>
+                </a:lnTo>
+                <a:lnTo>
+                  <a:pt x="4725" y="2485"/>
+                </a:lnTo>
+                <a:lnTo>
+                  <a:pt x="4725" y="2485"/>
+                </a:lnTo>
+                <a:lnTo>
+                  <a:pt x="4871" y="2558"/>
+                </a:lnTo>
+                <a:lnTo>
+                  <a:pt x="5018" y="2656"/>
+                </a:lnTo>
+                <a:lnTo>
+                  <a:pt x="5139" y="2777"/>
+                </a:lnTo>
+                <a:lnTo>
+                  <a:pt x="5261" y="2875"/>
+                </a:lnTo>
+                <a:lnTo>
+                  <a:pt x="5359" y="3021"/>
+                </a:lnTo>
+                <a:lnTo>
+                  <a:pt x="5432" y="3143"/>
+                </a:lnTo>
+                <a:lnTo>
+                  <a:pt x="5505" y="3289"/>
+                </a:lnTo>
+                <a:lnTo>
+                  <a:pt x="5578" y="3435"/>
+                </a:lnTo>
+                <a:lnTo>
+                  <a:pt x="5602" y="3605"/>
+                </a:lnTo>
+                <a:lnTo>
+                  <a:pt x="5626" y="3752"/>
+                </a:lnTo>
+                <a:lnTo>
+                  <a:pt x="5651" y="3922"/>
+                </a:lnTo>
+                <a:lnTo>
+                  <a:pt x="5651" y="4068"/>
+                </a:lnTo>
+                <a:lnTo>
+                  <a:pt x="5626" y="4239"/>
+                </a:lnTo>
+                <a:lnTo>
+                  <a:pt x="5602" y="4409"/>
+                </a:lnTo>
+                <a:lnTo>
+                  <a:pt x="5553" y="4555"/>
+                </a:lnTo>
+                <a:lnTo>
+                  <a:pt x="5480" y="4726"/>
+                </a:lnTo>
+                <a:lnTo>
+                  <a:pt x="5480" y="4726"/>
+                </a:lnTo>
+                <a:close/>
+              </a:path>
+            </a:pathLst>
+          </a:custGeom>
+          <a:solidFill>
+            <a:schemeClr val="tx1">
+              <a:lumMod val="95000"/>
+              <a:lumOff val="5000"/>
+            </a:schemeClr>
+          </a:solidFill>
+          <a:ln w="38100" cap="rnd" cmpd="sng">
+            <a:solidFill>
+              <a:schemeClr val="bg1"/>
+            </a:solidFill>
+            <a:prstDash val="solid"/>
+            <a:round/>
+            <a:headEnd type="none" w="sm" len="sm"/>
+            <a:tailEnd type="none" w="sm" len="sm"/>
+          </a:ln>
+        </p:spPr>
+        <p:txBody>
+          <a:bodyPr spcFirstLastPara="1" wrap="square" lIns="91425" tIns="91425" rIns="91425" bIns="91425" anchor="ctr" anchorCtr="0">
+            <a:noAutofit/>
+          </a:bodyPr>
+          <a:lstStyle/>
+          <a:p>
+            <a:pPr marL="0" marR="0" lvl="0" indent="0" defTabSz="914400" eaLnBrk="1" fontAlgn="auto" latinLnBrk="0" hangingPunct="1">
+              <a:lnSpc>
+                <a:spcPct val="100000"/>
+              </a:lnSpc>
+              <a:spcBef>
+                <a:spcPts val="0"/>
+              </a:spcBef>
+              <a:spcAft>
+                <a:spcPts val="0"/>
+              </a:spcAft>
+              <a:buClr>
+                <a:srgbClr val="000000"/>
+              </a:buClr>
+              <a:buSzTx/>
+              <a:buFont typeface="Arial"/>
+              <a:buNone/>
+              <a:tabLst/>
+              <a:defRPr/>
+            </a:pPr>
+            <a:endParaRPr kumimoji="0" sz="1400" b="0" i="0" u="none" strike="noStrike" kern="0" cap="none" spc="0" normalizeH="0" baseline="0" noProof="0" smtClean="0">
+              <a:ln>
+                <a:noFill/>
+              </a:ln>
+              <a:solidFill>
+                <a:srgbClr val="000000"/>
+              </a:solidFill>
+              <a:effectLst/>
+              <a:uLnTx/>
+              <a:uFillTx/>
+              <a:latin typeface="Arial"/>
+              <a:cs typeface="Arial"/>
+              <a:sym typeface="Arial"/>
             </a:endParaRPr>
           </a:p>
         </p:txBody>
@@ -16261,24 +21217,648 @@
                                   </p:childTnLst>
                                 </p:cTn>
                               </p:par>
+                              <p:par>
+                                <p:cTn id="70" presetID="31" presetClass="entr" presetSubtype="0" fill="hold" grpId="0" nodeType="withEffect">
+                                  <p:stCondLst>
+                                    <p:cond delay="1500"/>
+                                  </p:stCondLst>
+                                  <p:childTnLst>
+                                    <p:set>
+                                      <p:cBhvr>
+                                        <p:cTn id="71" dur="1" fill="hold">
+                                          <p:stCondLst>
+                                            <p:cond delay="0"/>
+                                          </p:stCondLst>
+                                        </p:cTn>
+                                        <p:tgtEl>
+                                          <p:spTgt spid="19"/>
+                                        </p:tgtEl>
+                                        <p:attrNameLst>
+                                          <p:attrName>style.visibility</p:attrName>
+                                        </p:attrNameLst>
+                                      </p:cBhvr>
+                                      <p:to>
+                                        <p:strVal val="visible"/>
+                                      </p:to>
+                                    </p:set>
+                                    <p:anim calcmode="lin" valueType="num">
+                                      <p:cBhvr>
+                                        <p:cTn id="72" dur="1000" fill="hold"/>
+                                        <p:tgtEl>
+                                          <p:spTgt spid="19"/>
+                                        </p:tgtEl>
+                                        <p:attrNameLst>
+                                          <p:attrName>ppt_w</p:attrName>
+                                        </p:attrNameLst>
+                                      </p:cBhvr>
+                                      <p:tavLst>
+                                        <p:tav tm="0">
+                                          <p:val>
+                                            <p:fltVal val="0"/>
+                                          </p:val>
+                                        </p:tav>
+                                        <p:tav tm="100000">
+                                          <p:val>
+                                            <p:strVal val="#ppt_w"/>
+                                          </p:val>
+                                        </p:tav>
+                                      </p:tavLst>
+                                    </p:anim>
+                                    <p:anim calcmode="lin" valueType="num">
+                                      <p:cBhvr>
+                                        <p:cTn id="73" dur="1000" fill="hold"/>
+                                        <p:tgtEl>
+                                          <p:spTgt spid="19"/>
+                                        </p:tgtEl>
+                                        <p:attrNameLst>
+                                          <p:attrName>ppt_h</p:attrName>
+                                        </p:attrNameLst>
+                                      </p:cBhvr>
+                                      <p:tavLst>
+                                        <p:tav tm="0">
+                                          <p:val>
+                                            <p:fltVal val="0"/>
+                                          </p:val>
+                                        </p:tav>
+                                        <p:tav tm="100000">
+                                          <p:val>
+                                            <p:strVal val="#ppt_h"/>
+                                          </p:val>
+                                        </p:tav>
+                                      </p:tavLst>
+                                    </p:anim>
+                                    <p:anim calcmode="lin" valueType="num">
+                                      <p:cBhvr>
+                                        <p:cTn id="74" dur="1000" fill="hold"/>
+                                        <p:tgtEl>
+                                          <p:spTgt spid="19"/>
+                                        </p:tgtEl>
+                                        <p:attrNameLst>
+                                          <p:attrName>style.rotation</p:attrName>
+                                        </p:attrNameLst>
+                                      </p:cBhvr>
+                                      <p:tavLst>
+                                        <p:tav tm="0">
+                                          <p:val>
+                                            <p:fltVal val="90"/>
+                                          </p:val>
+                                        </p:tav>
+                                        <p:tav tm="100000">
+                                          <p:val>
+                                            <p:fltVal val="0"/>
+                                          </p:val>
+                                        </p:tav>
+                                      </p:tavLst>
+                                    </p:anim>
+                                    <p:animEffect transition="in" filter="fade">
+                                      <p:cBhvr>
+                                        <p:cTn id="75" dur="1000"/>
+                                        <p:tgtEl>
+                                          <p:spTgt spid="19"/>
+                                        </p:tgtEl>
+                                      </p:cBhvr>
+                                    </p:animEffect>
+                                  </p:childTnLst>
+                                </p:cTn>
+                              </p:par>
+                              <p:par>
+                                <p:cTn id="76" presetID="31" presetClass="entr" presetSubtype="0" fill="hold" grpId="0" nodeType="withEffect">
+                                  <p:stCondLst>
+                                    <p:cond delay="1500"/>
+                                  </p:stCondLst>
+                                  <p:childTnLst>
+                                    <p:set>
+                                      <p:cBhvr>
+                                        <p:cTn id="77" dur="1" fill="hold">
+                                          <p:stCondLst>
+                                            <p:cond delay="0"/>
+                                          </p:stCondLst>
+                                        </p:cTn>
+                                        <p:tgtEl>
+                                          <p:spTgt spid="20"/>
+                                        </p:tgtEl>
+                                        <p:attrNameLst>
+                                          <p:attrName>style.visibility</p:attrName>
+                                        </p:attrNameLst>
+                                      </p:cBhvr>
+                                      <p:to>
+                                        <p:strVal val="visible"/>
+                                      </p:to>
+                                    </p:set>
+                                    <p:anim calcmode="lin" valueType="num">
+                                      <p:cBhvr>
+                                        <p:cTn id="78" dur="1000" fill="hold"/>
+                                        <p:tgtEl>
+                                          <p:spTgt spid="20"/>
+                                        </p:tgtEl>
+                                        <p:attrNameLst>
+                                          <p:attrName>ppt_w</p:attrName>
+                                        </p:attrNameLst>
+                                      </p:cBhvr>
+                                      <p:tavLst>
+                                        <p:tav tm="0">
+                                          <p:val>
+                                            <p:fltVal val="0"/>
+                                          </p:val>
+                                        </p:tav>
+                                        <p:tav tm="100000">
+                                          <p:val>
+                                            <p:strVal val="#ppt_w"/>
+                                          </p:val>
+                                        </p:tav>
+                                      </p:tavLst>
+                                    </p:anim>
+                                    <p:anim calcmode="lin" valueType="num">
+                                      <p:cBhvr>
+                                        <p:cTn id="79" dur="1000" fill="hold"/>
+                                        <p:tgtEl>
+                                          <p:spTgt spid="20"/>
+                                        </p:tgtEl>
+                                        <p:attrNameLst>
+                                          <p:attrName>ppt_h</p:attrName>
+                                        </p:attrNameLst>
+                                      </p:cBhvr>
+                                      <p:tavLst>
+                                        <p:tav tm="0">
+                                          <p:val>
+                                            <p:fltVal val="0"/>
+                                          </p:val>
+                                        </p:tav>
+                                        <p:tav tm="100000">
+                                          <p:val>
+                                            <p:strVal val="#ppt_h"/>
+                                          </p:val>
+                                        </p:tav>
+                                      </p:tavLst>
+                                    </p:anim>
+                                    <p:anim calcmode="lin" valueType="num">
+                                      <p:cBhvr>
+                                        <p:cTn id="80" dur="1000" fill="hold"/>
+                                        <p:tgtEl>
+                                          <p:spTgt spid="20"/>
+                                        </p:tgtEl>
+                                        <p:attrNameLst>
+                                          <p:attrName>style.rotation</p:attrName>
+                                        </p:attrNameLst>
+                                      </p:cBhvr>
+                                      <p:tavLst>
+                                        <p:tav tm="0">
+                                          <p:val>
+                                            <p:fltVal val="90"/>
+                                          </p:val>
+                                        </p:tav>
+                                        <p:tav tm="100000">
+                                          <p:val>
+                                            <p:fltVal val="0"/>
+                                          </p:val>
+                                        </p:tav>
+                                      </p:tavLst>
+                                    </p:anim>
+                                    <p:animEffect transition="in" filter="fade">
+                                      <p:cBhvr>
+                                        <p:cTn id="81" dur="1000"/>
+                                        <p:tgtEl>
+                                          <p:spTgt spid="20"/>
+                                        </p:tgtEl>
+                                      </p:cBhvr>
+                                    </p:animEffect>
+                                  </p:childTnLst>
+                                </p:cTn>
+                              </p:par>
+                              <p:par>
+                                <p:cTn id="82" presetID="31" presetClass="entr" presetSubtype="0" fill="hold" grpId="0" nodeType="withEffect">
+                                  <p:stCondLst>
+                                    <p:cond delay="1500"/>
+                                  </p:stCondLst>
+                                  <p:childTnLst>
+                                    <p:set>
+                                      <p:cBhvr>
+                                        <p:cTn id="83" dur="1" fill="hold">
+                                          <p:stCondLst>
+                                            <p:cond delay="0"/>
+                                          </p:stCondLst>
+                                        </p:cTn>
+                                        <p:tgtEl>
+                                          <p:spTgt spid="21"/>
+                                        </p:tgtEl>
+                                        <p:attrNameLst>
+                                          <p:attrName>style.visibility</p:attrName>
+                                        </p:attrNameLst>
+                                      </p:cBhvr>
+                                      <p:to>
+                                        <p:strVal val="visible"/>
+                                      </p:to>
+                                    </p:set>
+                                    <p:anim calcmode="lin" valueType="num">
+                                      <p:cBhvr>
+                                        <p:cTn id="84" dur="1000" fill="hold"/>
+                                        <p:tgtEl>
+                                          <p:spTgt spid="21"/>
+                                        </p:tgtEl>
+                                        <p:attrNameLst>
+                                          <p:attrName>ppt_w</p:attrName>
+                                        </p:attrNameLst>
+                                      </p:cBhvr>
+                                      <p:tavLst>
+                                        <p:tav tm="0">
+                                          <p:val>
+                                            <p:fltVal val="0"/>
+                                          </p:val>
+                                        </p:tav>
+                                        <p:tav tm="100000">
+                                          <p:val>
+                                            <p:strVal val="#ppt_w"/>
+                                          </p:val>
+                                        </p:tav>
+                                      </p:tavLst>
+                                    </p:anim>
+                                    <p:anim calcmode="lin" valueType="num">
+                                      <p:cBhvr>
+                                        <p:cTn id="85" dur="1000" fill="hold"/>
+                                        <p:tgtEl>
+                                          <p:spTgt spid="21"/>
+                                        </p:tgtEl>
+                                        <p:attrNameLst>
+                                          <p:attrName>ppt_h</p:attrName>
+                                        </p:attrNameLst>
+                                      </p:cBhvr>
+                                      <p:tavLst>
+                                        <p:tav tm="0">
+                                          <p:val>
+                                            <p:fltVal val="0"/>
+                                          </p:val>
+                                        </p:tav>
+                                        <p:tav tm="100000">
+                                          <p:val>
+                                            <p:strVal val="#ppt_h"/>
+                                          </p:val>
+                                        </p:tav>
+                                      </p:tavLst>
+                                    </p:anim>
+                                    <p:anim calcmode="lin" valueType="num">
+                                      <p:cBhvr>
+                                        <p:cTn id="86" dur="1000" fill="hold"/>
+                                        <p:tgtEl>
+                                          <p:spTgt spid="21"/>
+                                        </p:tgtEl>
+                                        <p:attrNameLst>
+                                          <p:attrName>style.rotation</p:attrName>
+                                        </p:attrNameLst>
+                                      </p:cBhvr>
+                                      <p:tavLst>
+                                        <p:tav tm="0">
+                                          <p:val>
+                                            <p:fltVal val="90"/>
+                                          </p:val>
+                                        </p:tav>
+                                        <p:tav tm="100000">
+                                          <p:val>
+                                            <p:fltVal val="0"/>
+                                          </p:val>
+                                        </p:tav>
+                                      </p:tavLst>
+                                    </p:anim>
+                                    <p:animEffect transition="in" filter="fade">
+                                      <p:cBhvr>
+                                        <p:cTn id="87" dur="1000"/>
+                                        <p:tgtEl>
+                                          <p:spTgt spid="21"/>
+                                        </p:tgtEl>
+                                      </p:cBhvr>
+                                    </p:animEffect>
+                                  </p:childTnLst>
+                                </p:cTn>
+                              </p:par>
+                              <p:par>
+                                <p:cTn id="88" presetID="31" presetClass="entr" presetSubtype="0" fill="hold" grpId="0" nodeType="withEffect">
+                                  <p:stCondLst>
+                                    <p:cond delay="1500"/>
+                                  </p:stCondLst>
+                                  <p:childTnLst>
+                                    <p:set>
+                                      <p:cBhvr>
+                                        <p:cTn id="89" dur="1" fill="hold">
+                                          <p:stCondLst>
+                                            <p:cond delay="0"/>
+                                          </p:stCondLst>
+                                        </p:cTn>
+                                        <p:tgtEl>
+                                          <p:spTgt spid="24"/>
+                                        </p:tgtEl>
+                                        <p:attrNameLst>
+                                          <p:attrName>style.visibility</p:attrName>
+                                        </p:attrNameLst>
+                                      </p:cBhvr>
+                                      <p:to>
+                                        <p:strVal val="visible"/>
+                                      </p:to>
+                                    </p:set>
+                                    <p:anim calcmode="lin" valueType="num">
+                                      <p:cBhvr>
+                                        <p:cTn id="90" dur="1000" fill="hold"/>
+                                        <p:tgtEl>
+                                          <p:spTgt spid="24"/>
+                                        </p:tgtEl>
+                                        <p:attrNameLst>
+                                          <p:attrName>ppt_w</p:attrName>
+                                        </p:attrNameLst>
+                                      </p:cBhvr>
+                                      <p:tavLst>
+                                        <p:tav tm="0">
+                                          <p:val>
+                                            <p:fltVal val="0"/>
+                                          </p:val>
+                                        </p:tav>
+                                        <p:tav tm="100000">
+                                          <p:val>
+                                            <p:strVal val="#ppt_w"/>
+                                          </p:val>
+                                        </p:tav>
+                                      </p:tavLst>
+                                    </p:anim>
+                                    <p:anim calcmode="lin" valueType="num">
+                                      <p:cBhvr>
+                                        <p:cTn id="91" dur="1000" fill="hold"/>
+                                        <p:tgtEl>
+                                          <p:spTgt spid="24"/>
+                                        </p:tgtEl>
+                                        <p:attrNameLst>
+                                          <p:attrName>ppt_h</p:attrName>
+                                        </p:attrNameLst>
+                                      </p:cBhvr>
+                                      <p:tavLst>
+                                        <p:tav tm="0">
+                                          <p:val>
+                                            <p:fltVal val="0"/>
+                                          </p:val>
+                                        </p:tav>
+                                        <p:tav tm="100000">
+                                          <p:val>
+                                            <p:strVal val="#ppt_h"/>
+                                          </p:val>
+                                        </p:tav>
+                                      </p:tavLst>
+                                    </p:anim>
+                                    <p:anim calcmode="lin" valueType="num">
+                                      <p:cBhvr>
+                                        <p:cTn id="92" dur="1000" fill="hold"/>
+                                        <p:tgtEl>
+                                          <p:spTgt spid="24"/>
+                                        </p:tgtEl>
+                                        <p:attrNameLst>
+                                          <p:attrName>style.rotation</p:attrName>
+                                        </p:attrNameLst>
+                                      </p:cBhvr>
+                                      <p:tavLst>
+                                        <p:tav tm="0">
+                                          <p:val>
+                                            <p:fltVal val="90"/>
+                                          </p:val>
+                                        </p:tav>
+                                        <p:tav tm="100000">
+                                          <p:val>
+                                            <p:fltVal val="0"/>
+                                          </p:val>
+                                        </p:tav>
+                                      </p:tavLst>
+                                    </p:anim>
+                                    <p:animEffect transition="in" filter="fade">
+                                      <p:cBhvr>
+                                        <p:cTn id="93" dur="1000"/>
+                                        <p:tgtEl>
+                                          <p:spTgt spid="24"/>
+                                        </p:tgtEl>
+                                      </p:cBhvr>
+                                    </p:animEffect>
+                                  </p:childTnLst>
+                                </p:cTn>
+                              </p:par>
+                              <p:par>
+                                <p:cTn id="94" presetID="31" presetClass="entr" presetSubtype="0" fill="hold" grpId="0" nodeType="withEffect">
+                                  <p:stCondLst>
+                                    <p:cond delay="1500"/>
+                                  </p:stCondLst>
+                                  <p:childTnLst>
+                                    <p:set>
+                                      <p:cBhvr>
+                                        <p:cTn id="95" dur="1" fill="hold">
+                                          <p:stCondLst>
+                                            <p:cond delay="0"/>
+                                          </p:stCondLst>
+                                        </p:cTn>
+                                        <p:tgtEl>
+                                          <p:spTgt spid="26"/>
+                                        </p:tgtEl>
+                                        <p:attrNameLst>
+                                          <p:attrName>style.visibility</p:attrName>
+                                        </p:attrNameLst>
+                                      </p:cBhvr>
+                                      <p:to>
+                                        <p:strVal val="visible"/>
+                                      </p:to>
+                                    </p:set>
+                                    <p:anim calcmode="lin" valueType="num">
+                                      <p:cBhvr>
+                                        <p:cTn id="96" dur="1000" fill="hold"/>
+                                        <p:tgtEl>
+                                          <p:spTgt spid="26"/>
+                                        </p:tgtEl>
+                                        <p:attrNameLst>
+                                          <p:attrName>ppt_w</p:attrName>
+                                        </p:attrNameLst>
+                                      </p:cBhvr>
+                                      <p:tavLst>
+                                        <p:tav tm="0">
+                                          <p:val>
+                                            <p:fltVal val="0"/>
+                                          </p:val>
+                                        </p:tav>
+                                        <p:tav tm="100000">
+                                          <p:val>
+                                            <p:strVal val="#ppt_w"/>
+                                          </p:val>
+                                        </p:tav>
+                                      </p:tavLst>
+                                    </p:anim>
+                                    <p:anim calcmode="lin" valueType="num">
+                                      <p:cBhvr>
+                                        <p:cTn id="97" dur="1000" fill="hold"/>
+                                        <p:tgtEl>
+                                          <p:spTgt spid="26"/>
+                                        </p:tgtEl>
+                                        <p:attrNameLst>
+                                          <p:attrName>ppt_h</p:attrName>
+                                        </p:attrNameLst>
+                                      </p:cBhvr>
+                                      <p:tavLst>
+                                        <p:tav tm="0">
+                                          <p:val>
+                                            <p:fltVal val="0"/>
+                                          </p:val>
+                                        </p:tav>
+                                        <p:tav tm="100000">
+                                          <p:val>
+                                            <p:strVal val="#ppt_h"/>
+                                          </p:val>
+                                        </p:tav>
+                                      </p:tavLst>
+                                    </p:anim>
+                                    <p:anim calcmode="lin" valueType="num">
+                                      <p:cBhvr>
+                                        <p:cTn id="98" dur="1000" fill="hold"/>
+                                        <p:tgtEl>
+                                          <p:spTgt spid="26"/>
+                                        </p:tgtEl>
+                                        <p:attrNameLst>
+                                          <p:attrName>style.rotation</p:attrName>
+                                        </p:attrNameLst>
+                                      </p:cBhvr>
+                                      <p:tavLst>
+                                        <p:tav tm="0">
+                                          <p:val>
+                                            <p:fltVal val="90"/>
+                                          </p:val>
+                                        </p:tav>
+                                        <p:tav tm="100000">
+                                          <p:val>
+                                            <p:fltVal val="0"/>
+                                          </p:val>
+                                        </p:tav>
+                                      </p:tavLst>
+                                    </p:anim>
+                                    <p:animEffect transition="in" filter="fade">
+                                      <p:cBhvr>
+                                        <p:cTn id="99" dur="1000"/>
+                                        <p:tgtEl>
+                                          <p:spTgt spid="26"/>
+                                        </p:tgtEl>
+                                      </p:cBhvr>
+                                    </p:animEffect>
+                                  </p:childTnLst>
+                                </p:cTn>
+                              </p:par>
+                              <p:par>
+                                <p:cTn id="100" presetID="31" presetClass="entr" presetSubtype="0" fill="hold" grpId="0" nodeType="withEffect">
+                                  <p:stCondLst>
+                                    <p:cond delay="1500"/>
+                                  </p:stCondLst>
+                                  <p:childTnLst>
+                                    <p:set>
+                                      <p:cBhvr>
+                                        <p:cTn id="101" dur="1" fill="hold">
+                                          <p:stCondLst>
+                                            <p:cond delay="0"/>
+                                          </p:stCondLst>
+                                        </p:cTn>
+                                        <p:tgtEl>
+                                          <p:spTgt spid="27"/>
+                                        </p:tgtEl>
+                                        <p:attrNameLst>
+                                          <p:attrName>style.visibility</p:attrName>
+                                        </p:attrNameLst>
+                                      </p:cBhvr>
+                                      <p:to>
+                                        <p:strVal val="visible"/>
+                                      </p:to>
+                                    </p:set>
+                                    <p:anim calcmode="lin" valueType="num">
+                                      <p:cBhvr>
+                                        <p:cTn id="102" dur="1000" fill="hold"/>
+                                        <p:tgtEl>
+                                          <p:spTgt spid="27"/>
+                                        </p:tgtEl>
+                                        <p:attrNameLst>
+                                          <p:attrName>ppt_w</p:attrName>
+                                        </p:attrNameLst>
+                                      </p:cBhvr>
+                                      <p:tavLst>
+                                        <p:tav tm="0">
+                                          <p:val>
+                                            <p:fltVal val="0"/>
+                                          </p:val>
+                                        </p:tav>
+                                        <p:tav tm="100000">
+                                          <p:val>
+                                            <p:strVal val="#ppt_w"/>
+                                          </p:val>
+                                        </p:tav>
+                                      </p:tavLst>
+                                    </p:anim>
+                                    <p:anim calcmode="lin" valueType="num">
+                                      <p:cBhvr>
+                                        <p:cTn id="103" dur="1000" fill="hold"/>
+                                        <p:tgtEl>
+                                          <p:spTgt spid="27"/>
+                                        </p:tgtEl>
+                                        <p:attrNameLst>
+                                          <p:attrName>ppt_h</p:attrName>
+                                        </p:attrNameLst>
+                                      </p:cBhvr>
+                                      <p:tavLst>
+                                        <p:tav tm="0">
+                                          <p:val>
+                                            <p:fltVal val="0"/>
+                                          </p:val>
+                                        </p:tav>
+                                        <p:tav tm="100000">
+                                          <p:val>
+                                            <p:strVal val="#ppt_h"/>
+                                          </p:val>
+                                        </p:tav>
+                                      </p:tavLst>
+                                    </p:anim>
+                                    <p:anim calcmode="lin" valueType="num">
+                                      <p:cBhvr>
+                                        <p:cTn id="104" dur="1000" fill="hold"/>
+                                        <p:tgtEl>
+                                          <p:spTgt spid="27"/>
+                                        </p:tgtEl>
+                                        <p:attrNameLst>
+                                          <p:attrName>style.rotation</p:attrName>
+                                        </p:attrNameLst>
+                                      </p:cBhvr>
+                                      <p:tavLst>
+                                        <p:tav tm="0">
+                                          <p:val>
+                                            <p:fltVal val="90"/>
+                                          </p:val>
+                                        </p:tav>
+                                        <p:tav tm="100000">
+                                          <p:val>
+                                            <p:fltVal val="0"/>
+                                          </p:val>
+                                        </p:tav>
+                                      </p:tavLst>
+                                    </p:anim>
+                                    <p:animEffect transition="in" filter="fade">
+                                      <p:cBhvr>
+                                        <p:cTn id="105" dur="1000"/>
+                                        <p:tgtEl>
+                                          <p:spTgt spid="27"/>
+                                        </p:tgtEl>
+                                      </p:cBhvr>
+                                    </p:animEffect>
+                                  </p:childTnLst>
+                                </p:cTn>
+                              </p:par>
                             </p:childTnLst>
                           </p:cTn>
                         </p:par>
                         <p:par>
-                          <p:cTn id="70" fill="hold">
+                          <p:cTn id="106" fill="hold">
                             <p:stCondLst>
                               <p:cond delay="3750"/>
                             </p:stCondLst>
                             <p:childTnLst>
                               <p:par>
-                                <p:cTn id="71" presetID="10" presetClass="entr" presetSubtype="0" fill="hold" grpId="0" nodeType="afterEffect">
+                                <p:cTn id="107" presetID="10" presetClass="entr" presetSubtype="0" fill="hold" grpId="0" nodeType="afterEffect">
                                   <p:stCondLst>
                                     <p:cond delay="0"/>
                                   </p:stCondLst>
                                   <p:childTnLst>
                                     <p:set>
                                       <p:cBhvr>
-                                        <p:cTn id="72" dur="1" fill="hold">
+                                        <p:cTn id="108" dur="1" fill="hold">
                                           <p:stCondLst>
                                             <p:cond delay="0"/>
                                           </p:stCondLst>
@@ -16296,7 +21876,7 @@
                                     </p:set>
                                     <p:animEffect transition="in" filter="fade">
                                       <p:cBhvr>
-                                        <p:cTn id="73" dur="750"/>
+                                        <p:cTn id="109" dur="750"/>
                                         <p:tgtEl>
                                           <p:spTgt spid="28"/>
                                         </p:tgtEl>
@@ -16309,20 +21889,20 @@
                           </p:cTn>
                         </p:par>
                         <p:par>
-                          <p:cTn id="74" fill="hold">
+                          <p:cTn id="110" fill="hold">
                             <p:stCondLst>
                               <p:cond delay="4500"/>
                             </p:stCondLst>
                             <p:childTnLst>
                               <p:par>
-                                <p:cTn id="75" presetID="10" presetClass="entr" presetSubtype="0" fill="hold" nodeType="afterEffect">
+                                <p:cTn id="111" presetID="10" presetClass="entr" presetSubtype="0" fill="hold" nodeType="afterEffect">
                                   <p:stCondLst>
                                     <p:cond delay="0"/>
                                   </p:stCondLst>
                                   <p:childTnLst>
                                     <p:set>
                                       <p:cBhvr>
-                                        <p:cTn id="76" dur="1" fill="hold">
+                                        <p:cTn id="112" dur="1" fill="hold">
                                           <p:stCondLst>
                                             <p:cond delay="0"/>
                                           </p:stCondLst>
@@ -16344,7 +21924,7 @@
                                     </p:set>
                                     <p:animEffect transition="in" filter="fade">
                                       <p:cBhvr>
-                                        <p:cTn id="77" dur="1000"/>
+                                        <p:cTn id="113" dur="1000"/>
                                         <p:tgtEl>
                                           <p:spTgt spid="29">
                                             <p:txEl>
@@ -16361,20 +21941,20 @@
                           </p:cTn>
                         </p:par>
                         <p:par>
-                          <p:cTn id="78" fill="hold">
+                          <p:cTn id="114" fill="hold">
                             <p:stCondLst>
                               <p:cond delay="5500"/>
                             </p:stCondLst>
                             <p:childTnLst>
                               <p:par>
-                                <p:cTn id="79" presetID="10" presetClass="entr" presetSubtype="0" fill="hold" nodeType="afterEffect">
+                                <p:cTn id="115" presetID="10" presetClass="entr" presetSubtype="0" fill="hold" nodeType="afterEffect">
                                   <p:stCondLst>
                                     <p:cond delay="0"/>
                                   </p:stCondLst>
                                   <p:childTnLst>
                                     <p:set>
                                       <p:cBhvr>
-                                        <p:cTn id="80" dur="1" fill="hold">
+                                        <p:cTn id="116" dur="1" fill="hold">
                                           <p:stCondLst>
                                             <p:cond delay="0"/>
                                           </p:stCondLst>
@@ -16396,7 +21976,7 @@
                                     </p:set>
                                     <p:animEffect transition="in" filter="fade">
                                       <p:cBhvr>
-                                        <p:cTn id="81" dur="1000"/>
+                                        <p:cTn id="117" dur="1000"/>
                                         <p:tgtEl>
                                           <p:spTgt spid="29">
                                             <p:txEl>
@@ -16413,20 +21993,20 @@
                           </p:cTn>
                         </p:par>
                         <p:par>
-                          <p:cTn id="82" fill="hold">
+                          <p:cTn id="118" fill="hold">
                             <p:stCondLst>
                               <p:cond delay="6500"/>
                             </p:stCondLst>
                             <p:childTnLst>
                               <p:par>
-                                <p:cTn id="83" presetID="10" presetClass="entr" presetSubtype="0" fill="hold" nodeType="afterEffect">
+                                <p:cTn id="119" presetID="10" presetClass="entr" presetSubtype="0" fill="hold" nodeType="afterEffect">
                                   <p:stCondLst>
                                     <p:cond delay="0"/>
                                   </p:stCondLst>
                                   <p:childTnLst>
                                     <p:set>
                                       <p:cBhvr>
-                                        <p:cTn id="84" dur="1" fill="hold">
+                                        <p:cTn id="120" dur="1" fill="hold">
                                           <p:stCondLst>
                                             <p:cond delay="0"/>
                                           </p:stCondLst>
@@ -16448,7 +22028,7 @@
                                     </p:set>
                                     <p:animEffect transition="in" filter="fade">
                                       <p:cBhvr>
-                                        <p:cTn id="85" dur="1000"/>
+                                        <p:cTn id="121" dur="1000"/>
                                         <p:tgtEl>
                                           <p:spTgt spid="29">
                                             <p:txEl>
@@ -16465,20 +22045,20 @@
                           </p:cTn>
                         </p:par>
                         <p:par>
-                          <p:cTn id="86" fill="hold">
+                          <p:cTn id="122" fill="hold">
                             <p:stCondLst>
                               <p:cond delay="7500"/>
                             </p:stCondLst>
                             <p:childTnLst>
                               <p:par>
-                                <p:cTn id="87" presetID="10" presetClass="entr" presetSubtype="0" fill="hold" nodeType="afterEffect">
+                                <p:cTn id="123" presetID="10" presetClass="entr" presetSubtype="0" fill="hold" nodeType="afterEffect">
                                   <p:stCondLst>
                                     <p:cond delay="0"/>
                                   </p:stCondLst>
                                   <p:childTnLst>
                                     <p:set>
                                       <p:cBhvr>
-                                        <p:cTn id="88" dur="1" fill="hold">
+                                        <p:cTn id="124" dur="1" fill="hold">
                                           <p:stCondLst>
                                             <p:cond delay="0"/>
                                           </p:stCondLst>
@@ -16500,7 +22080,7 @@
                                     </p:set>
                                     <p:animEffect transition="in" filter="fade">
                                       <p:cBhvr>
-                                        <p:cTn id="89" dur="1000"/>
+                                        <p:cTn id="125" dur="1000"/>
                                         <p:tgtEl>
                                           <p:spTgt spid="29">
                                             <p:txEl>
@@ -16555,6 +22135,12 @@
       <p:bldP spid="18" grpId="0" animBg="1"/>
       <p:bldP spid="22" grpId="0" animBg="1"/>
       <p:bldP spid="28" grpId="0"/>
+      <p:bldP spid="19" grpId="0" animBg="1"/>
+      <p:bldP spid="20" grpId="0" animBg="1"/>
+      <p:bldP spid="21" grpId="0" animBg="1"/>
+      <p:bldP spid="24" grpId="0" animBg="1"/>
+      <p:bldP spid="26" grpId="0" animBg="1"/>
+      <p:bldP spid="27" grpId="0" animBg="1"/>
     </p:bldLst>
   </p:timing>
 </p:sld>
@@ -27121,6 +32707,13 @@
   <p:clrMapOvr>
     <a:masterClrMapping/>
   </p:clrMapOvr>
+  <p:timing>
+    <p:tnLst>
+      <p:par>
+        <p:cTn id="1" dur="indefinite" restart="never" nodeType="tmRoot"/>
+      </p:par>
+    </p:tnLst>
+  </p:timing>
 </p:sld>
 </file>
 
@@ -27151,6 +32744,13 @@
   <p:clrMapOvr>
     <a:masterClrMapping/>
   </p:clrMapOvr>
+  <p:timing>
+    <p:tnLst>
+      <p:par>
+        <p:cTn id="1" dur="indefinite" restart="never" nodeType="tmRoot"/>
+      </p:par>
+    </p:tnLst>
+  </p:timing>
 </p:sld>
 </file>
 

--- a/Presentation.pptx
+++ b/Presentation.pptx
@@ -5,14 +5,16 @@
     <p:sldMasterId id="2147483773" r:id="rId1"/>
   </p:sldMasterIdLst>
   <p:notesMasterIdLst>
-    <p:notesMasterId r:id="rId7"/>
+    <p:notesMasterId r:id="rId9"/>
   </p:notesMasterIdLst>
   <p:sldIdLst>
     <p:sldId id="256" r:id="rId2"/>
     <p:sldId id="257" r:id="rId3"/>
     <p:sldId id="259" r:id="rId4"/>
-    <p:sldId id="261" r:id="rId5"/>
-    <p:sldId id="260" r:id="rId6"/>
+    <p:sldId id="263" r:id="rId5"/>
+    <p:sldId id="261" r:id="rId6"/>
+    <p:sldId id="260" r:id="rId7"/>
+    <p:sldId id="262" r:id="rId8"/>
   </p:sldIdLst>
   <p:sldSz cx="12192000" cy="6858000"/>
   <p:notesSz cx="6858000" cy="9144000"/>
@@ -23542,33 +23544,15 @@
                                   </p:childTnLst>
                                 </p:cTn>
                               </p:par>
-                            </p:childTnLst>
-                          </p:cTn>
-                        </p:par>
-                      </p:childTnLst>
-                    </p:cTn>
-                  </p:par>
-                  <p:par>
-                    <p:cTn id="11" fill="hold">
-                      <p:stCondLst>
-                        <p:cond delay="indefinite"/>
-                      </p:stCondLst>
-                      <p:childTnLst>
-                        <p:par>
-                          <p:cTn id="12" fill="hold">
-                            <p:stCondLst>
-                              <p:cond delay="0"/>
-                            </p:stCondLst>
-                            <p:childTnLst>
                               <p:par>
-                                <p:cTn id="13" presetID="10" presetClass="entr" presetSubtype="0" fill="hold" nodeType="clickEffect">
+                                <p:cTn id="11" presetID="10" presetClass="entr" presetSubtype="0" fill="hold" nodeType="withEffect">
                                   <p:stCondLst>
                                     <p:cond delay="0"/>
                                   </p:stCondLst>
                                   <p:childTnLst>
                                     <p:set>
                                       <p:cBhvr>
-                                        <p:cTn id="14" dur="1" fill="hold">
+                                        <p:cTn id="12" dur="1" fill="hold">
                                           <p:stCondLst>
                                             <p:cond delay="0"/>
                                           </p:stCondLst>
@@ -23586,7 +23570,7 @@
                                     </p:set>
                                     <p:animEffect transition="in" filter="fade">
                                       <p:cBhvr>
-                                        <p:cTn id="15" dur="1000"/>
+                                        <p:cTn id="13" dur="750"/>
                                         <p:tgtEl>
                                           <p:spTgt spid="5"/>
                                         </p:tgtEl>
@@ -23596,14 +23580,14 @@
                                 </p:cTn>
                               </p:par>
                               <p:par>
-                                <p:cTn id="16" presetID="10" presetClass="entr" presetSubtype="0" fill="hold" grpId="0" nodeType="withEffect">
+                                <p:cTn id="14" presetID="10" presetClass="entr" presetSubtype="0" fill="hold" grpId="0" nodeType="withEffect">
                                   <p:stCondLst>
                                     <p:cond delay="0"/>
                                   </p:stCondLst>
                                   <p:childTnLst>
                                     <p:set>
                                       <p:cBhvr>
-                                        <p:cTn id="17" dur="1" fill="hold">
+                                        <p:cTn id="15" dur="1" fill="hold">
                                           <p:stCondLst>
                                             <p:cond delay="0"/>
                                           </p:stCondLst>
@@ -23621,7 +23605,7 @@
                                     </p:set>
                                     <p:animEffect transition="in" filter="fade">
                                       <p:cBhvr>
-                                        <p:cTn id="18" dur="1000"/>
+                                        <p:cTn id="16" dur="750"/>
                                         <p:tgtEl>
                                           <p:spTgt spid="1248"/>
                                         </p:tgtEl>
@@ -23631,14 +23615,14 @@
                                 </p:cTn>
                               </p:par>
                               <p:par>
-                                <p:cTn id="19" presetID="10" presetClass="entr" presetSubtype="0" fill="hold" grpId="0" nodeType="withEffect">
+                                <p:cTn id="17" presetID="10" presetClass="entr" presetSubtype="0" fill="hold" grpId="0" nodeType="withEffect">
                                   <p:stCondLst>
                                     <p:cond delay="0"/>
                                   </p:stCondLst>
                                   <p:childTnLst>
                                     <p:set>
                                       <p:cBhvr>
-                                        <p:cTn id="20" dur="1" fill="hold">
+                                        <p:cTn id="18" dur="1" fill="hold">
                                           <p:stCondLst>
                                             <p:cond delay="0"/>
                                           </p:stCondLst>
@@ -23656,7 +23640,7 @@
                                     </p:set>
                                     <p:animEffect transition="in" filter="fade">
                                       <p:cBhvr>
-                                        <p:cTn id="21" dur="1000"/>
+                                        <p:cTn id="19" dur="750"/>
                                         <p:tgtEl>
                                           <p:spTgt spid="1249"/>
                                         </p:tgtEl>
@@ -23666,14 +23650,14 @@
                                 </p:cTn>
                               </p:par>
                               <p:par>
-                                <p:cTn id="22" presetID="10" presetClass="entr" presetSubtype="0" fill="hold" nodeType="withEffect">
+                                <p:cTn id="20" presetID="10" presetClass="entr" presetSubtype="0" fill="hold" nodeType="withEffect">
                                   <p:stCondLst>
                                     <p:cond delay="0"/>
                                   </p:stCondLst>
                                   <p:childTnLst>
                                     <p:set>
                                       <p:cBhvr>
-                                        <p:cTn id="23" dur="1" fill="hold">
+                                        <p:cTn id="21" dur="1" fill="hold">
                                           <p:stCondLst>
                                             <p:cond delay="0"/>
                                           </p:stCondLst>
@@ -23691,7 +23675,7 @@
                                     </p:set>
                                     <p:animEffect transition="in" filter="fade">
                                       <p:cBhvr>
-                                        <p:cTn id="24" dur="1000"/>
+                                        <p:cTn id="22" dur="750"/>
                                         <p:tgtEl>
                                           <p:spTgt spid="6"/>
                                         </p:tgtEl>
@@ -23701,14 +23685,14 @@
                                 </p:cTn>
                               </p:par>
                               <p:par>
-                                <p:cTn id="25" presetID="10" presetClass="entr" presetSubtype="0" fill="hold" grpId="0" nodeType="withEffect">
+                                <p:cTn id="23" presetID="10" presetClass="entr" presetSubtype="0" fill="hold" grpId="0" nodeType="withEffect">
                                   <p:stCondLst>
                                     <p:cond delay="0"/>
                                   </p:stCondLst>
                                   <p:childTnLst>
                                     <p:set>
                                       <p:cBhvr>
-                                        <p:cTn id="26" dur="1" fill="hold">
+                                        <p:cTn id="24" dur="1" fill="hold">
                                           <p:stCondLst>
                                             <p:cond delay="0"/>
                                           </p:stCondLst>
@@ -23726,7 +23710,7 @@
                                     </p:set>
                                     <p:animEffect transition="in" filter="fade">
                                       <p:cBhvr>
-                                        <p:cTn id="27" dur="1000"/>
+                                        <p:cTn id="25" dur="750"/>
                                         <p:tgtEl>
                                           <p:spTgt spid="1250"/>
                                         </p:tgtEl>
@@ -23736,14 +23720,14 @@
                                 </p:cTn>
                               </p:par>
                               <p:par>
-                                <p:cTn id="28" presetID="10" presetClass="entr" presetSubtype="0" fill="hold" nodeType="withEffect">
+                                <p:cTn id="26" presetID="10" presetClass="entr" presetSubtype="0" fill="hold" nodeType="withEffect">
                                   <p:stCondLst>
                                     <p:cond delay="0"/>
                                   </p:stCondLst>
                                   <p:childTnLst>
                                     <p:set>
                                       <p:cBhvr>
-                                        <p:cTn id="29" dur="1" fill="hold">
+                                        <p:cTn id="27" dur="1" fill="hold">
                                           <p:stCondLst>
                                             <p:cond delay="0"/>
                                           </p:stCondLst>
@@ -23761,7 +23745,7 @@
                                     </p:set>
                                     <p:animEffect transition="in" filter="fade">
                                       <p:cBhvr>
-                                        <p:cTn id="30" dur="1000"/>
+                                        <p:cTn id="28" dur="750"/>
                                         <p:tgtEl>
                                           <p:spTgt spid="7"/>
                                         </p:tgtEl>
@@ -23771,14 +23755,14 @@
                                 </p:cTn>
                               </p:par>
                               <p:par>
-                                <p:cTn id="31" presetID="10" presetClass="entr" presetSubtype="0" fill="hold" nodeType="withEffect">
+                                <p:cTn id="29" presetID="10" presetClass="entr" presetSubtype="0" fill="hold" nodeType="withEffect">
                                   <p:stCondLst>
                                     <p:cond delay="0"/>
                                   </p:stCondLst>
                                   <p:childTnLst>
                                     <p:set>
                                       <p:cBhvr>
-                                        <p:cTn id="32" dur="1" fill="hold">
+                                        <p:cTn id="30" dur="1" fill="hold">
                                           <p:stCondLst>
                                             <p:cond delay="0"/>
                                           </p:stCondLst>
@@ -23796,7 +23780,7 @@
                                     </p:set>
                                     <p:animEffect transition="in" filter="fade">
                                       <p:cBhvr>
-                                        <p:cTn id="33" dur="1000"/>
+                                        <p:cTn id="31" dur="750"/>
                                         <p:tgtEl>
                                           <p:spTgt spid="8"/>
                                         </p:tgtEl>
@@ -23806,14 +23790,14 @@
                                 </p:cTn>
                               </p:par>
                               <p:par>
-                                <p:cTn id="34" presetID="10" presetClass="entr" presetSubtype="0" fill="hold" nodeType="withEffect">
+                                <p:cTn id="32" presetID="10" presetClass="entr" presetSubtype="0" fill="hold" nodeType="withEffect">
                                   <p:stCondLst>
                                     <p:cond delay="0"/>
                                   </p:stCondLst>
                                   <p:childTnLst>
                                     <p:set>
                                       <p:cBhvr>
-                                        <p:cTn id="35" dur="1" fill="hold">
+                                        <p:cTn id="33" dur="1" fill="hold">
                                           <p:stCondLst>
                                             <p:cond delay="0"/>
                                           </p:stCondLst>
@@ -23831,7 +23815,7 @@
                                     </p:set>
                                     <p:animEffect transition="in" filter="fade">
                                       <p:cBhvr>
-                                        <p:cTn id="36" dur="1000"/>
+                                        <p:cTn id="34" dur="750"/>
                                         <p:tgtEl>
                                           <p:spTgt spid="9"/>
                                         </p:tgtEl>
@@ -23841,14 +23825,14 @@
                                 </p:cTn>
                               </p:par>
                               <p:par>
-                                <p:cTn id="37" presetID="10" presetClass="entr" presetSubtype="0" fill="hold" nodeType="withEffect">
+                                <p:cTn id="35" presetID="10" presetClass="entr" presetSubtype="0" fill="hold" nodeType="withEffect">
                                   <p:stCondLst>
                                     <p:cond delay="0"/>
                                   </p:stCondLst>
                                   <p:childTnLst>
                                     <p:set>
                                       <p:cBhvr>
-                                        <p:cTn id="38" dur="1" fill="hold">
+                                        <p:cTn id="36" dur="1" fill="hold">
                                           <p:stCondLst>
                                             <p:cond delay="0"/>
                                           </p:stCondLst>
@@ -23866,7 +23850,7 @@
                                     </p:set>
                                     <p:animEffect transition="in" filter="fade">
                                       <p:cBhvr>
-                                        <p:cTn id="39" dur="1000"/>
+                                        <p:cTn id="37" dur="750"/>
                                         <p:tgtEl>
                                           <p:spTgt spid="10"/>
                                         </p:tgtEl>
@@ -23876,14 +23860,14 @@
                                 </p:cTn>
                               </p:par>
                               <p:par>
-                                <p:cTn id="40" presetID="10" presetClass="entr" presetSubtype="0" fill="hold" grpId="0" nodeType="withEffect">
+                                <p:cTn id="38" presetID="10" presetClass="entr" presetSubtype="0" fill="hold" grpId="0" nodeType="withEffect">
                                   <p:stCondLst>
                                     <p:cond delay="0"/>
                                   </p:stCondLst>
                                   <p:childTnLst>
                                     <p:set>
                                       <p:cBhvr>
-                                        <p:cTn id="41" dur="1" fill="hold">
+                                        <p:cTn id="39" dur="1" fill="hold">
                                           <p:stCondLst>
                                             <p:cond delay="0"/>
                                           </p:stCondLst>
@@ -23901,7 +23885,7 @@
                                     </p:set>
                                     <p:animEffect transition="in" filter="fade">
                                       <p:cBhvr>
-                                        <p:cTn id="42" dur="1000"/>
+                                        <p:cTn id="40" dur="750"/>
                                         <p:tgtEl>
                                           <p:spTgt spid="1253"/>
                                         </p:tgtEl>
@@ -23911,14 +23895,14 @@
                                 </p:cTn>
                               </p:par>
                               <p:par>
-                                <p:cTn id="43" presetID="10" presetClass="entr" presetSubtype="0" fill="hold" grpId="0" nodeType="withEffect">
+                                <p:cTn id="41" presetID="10" presetClass="entr" presetSubtype="0" fill="hold" grpId="0" nodeType="withEffect">
                                   <p:stCondLst>
                                     <p:cond delay="0"/>
                                   </p:stCondLst>
                                   <p:childTnLst>
                                     <p:set>
                                       <p:cBhvr>
-                                        <p:cTn id="44" dur="1" fill="hold">
+                                        <p:cTn id="42" dur="1" fill="hold">
                                           <p:stCondLst>
                                             <p:cond delay="0"/>
                                           </p:stCondLst>
@@ -23936,7 +23920,7 @@
                                     </p:set>
                                     <p:animEffect transition="in" filter="fade">
                                       <p:cBhvr>
-                                        <p:cTn id="45" dur="1000"/>
+                                        <p:cTn id="43" dur="750"/>
                                         <p:tgtEl>
                                           <p:spTgt spid="1252"/>
                                         </p:tgtEl>
@@ -23946,14 +23930,14 @@
                                 </p:cTn>
                               </p:par>
                               <p:par>
-                                <p:cTn id="46" presetID="10" presetClass="entr" presetSubtype="0" fill="hold" grpId="0" nodeType="withEffect">
+                                <p:cTn id="44" presetID="10" presetClass="entr" presetSubtype="0" fill="hold" grpId="0" nodeType="withEffect">
                                   <p:stCondLst>
                                     <p:cond delay="0"/>
                                   </p:stCondLst>
                                   <p:childTnLst>
                                     <p:set>
                                       <p:cBhvr>
-                                        <p:cTn id="47" dur="1" fill="hold">
+                                        <p:cTn id="45" dur="1" fill="hold">
                                           <p:stCondLst>
                                             <p:cond delay="0"/>
                                           </p:stCondLst>
@@ -23971,7 +23955,7 @@
                                     </p:set>
                                     <p:animEffect transition="in" filter="fade">
                                       <p:cBhvr>
-                                        <p:cTn id="48" dur="1000"/>
+                                        <p:cTn id="46" dur="750"/>
                                         <p:tgtEl>
                                           <p:spTgt spid="1251"/>
                                         </p:tgtEl>
@@ -23984,20 +23968,20 @@
                           </p:cTn>
                         </p:par>
                         <p:par>
-                          <p:cTn id="49" fill="hold">
+                          <p:cTn id="47" fill="hold">
                             <p:stCondLst>
-                              <p:cond delay="1000"/>
+                              <p:cond delay="1250"/>
                             </p:stCondLst>
                             <p:childTnLst>
                               <p:par>
-                                <p:cTn id="50" presetID="22" presetClass="entr" presetSubtype="8" fill="hold" nodeType="afterEffect">
+                                <p:cTn id="48" presetID="22" presetClass="entr" presetSubtype="8" fill="hold" nodeType="afterEffect">
                                   <p:stCondLst>
                                     <p:cond delay="0"/>
                                   </p:stCondLst>
                                   <p:childTnLst>
                                     <p:set>
                                       <p:cBhvr>
-                                        <p:cTn id="51" dur="1" fill="hold">
+                                        <p:cTn id="49" dur="1" fill="hold">
                                           <p:stCondLst>
                                             <p:cond delay="0"/>
                                           </p:stCondLst>
@@ -24015,7 +23999,7 @@
                                     </p:set>
                                     <p:animEffect transition="in" filter="wipe(left)">
                                       <p:cBhvr>
-                                        <p:cTn id="52" dur="1000"/>
+                                        <p:cTn id="50" dur="1000"/>
                                         <p:tgtEl>
                                           <p:spTgt spid="11"/>
                                         </p:tgtEl>
@@ -24065,6 +24049,6554 @@
 </file>
 
 <file path=ppt/slides/slide4.xml><?xml version="1.0" encoding="utf-8"?>
+<p:sld xmlns:a="http://schemas.openxmlformats.org/drawingml/2006/main" xmlns:r="http://schemas.openxmlformats.org/officeDocument/2006/relationships" xmlns:p="http://schemas.openxmlformats.org/presentationml/2006/main">
+  <p:cSld>
+    <p:bg>
+      <p:bgPr>
+        <a:solidFill>
+          <a:schemeClr val="bg1"/>
+        </a:solidFill>
+        <a:effectLst/>
+      </p:bgPr>
+    </p:bg>
+    <p:spTree>
+      <p:nvGrpSpPr>
+        <p:cNvPr id="1" name=""/>
+        <p:cNvGrpSpPr/>
+        <p:nvPr/>
+      </p:nvGrpSpPr>
+      <p:grpSpPr>
+        <a:xfrm>
+          <a:off x="0" y="0"/>
+          <a:ext cx="0" cy="0"/>
+          <a:chOff x="0" y="0"/>
+          <a:chExt cx="0" cy="0"/>
+        </a:xfrm>
+      </p:grpSpPr>
+      <p:grpSp>
+        <p:nvGrpSpPr>
+          <p:cNvPr id="31" name="Group 30"/>
+          <p:cNvGrpSpPr/>
+          <p:nvPr/>
+        </p:nvGrpSpPr>
+        <p:grpSpPr>
+          <a:xfrm>
+            <a:off x="7486640" y="-1086721"/>
+            <a:ext cx="8665423" cy="8832289"/>
+            <a:chOff x="7564273" y="-699408"/>
+            <a:chExt cx="8237840" cy="8396472"/>
+          </a:xfrm>
+        </p:grpSpPr>
+        <p:sp>
+          <p:nvSpPr>
+            <p:cNvPr id="5" name="Donut 4"/>
+            <p:cNvSpPr/>
+            <p:nvPr/>
+          </p:nvSpPr>
+          <p:spPr>
+            <a:xfrm>
+              <a:off x="7610695" y="-624752"/>
+              <a:ext cx="8144996" cy="8144996"/>
+            </a:xfrm>
+            <a:prstGeom prst="donut">
+              <a:avLst>
+                <a:gd name="adj" fmla="val 1424"/>
+              </a:avLst>
+            </a:prstGeom>
+            <a:solidFill>
+              <a:schemeClr val="tx1"/>
+            </a:solidFill>
+            <a:ln>
+              <a:noFill/>
+            </a:ln>
+          </p:spPr>
+          <p:style>
+            <a:lnRef idx="2">
+              <a:schemeClr val="accent1">
+                <a:shade val="50000"/>
+              </a:schemeClr>
+            </a:lnRef>
+            <a:fillRef idx="1">
+              <a:schemeClr val="accent1"/>
+            </a:fillRef>
+            <a:effectRef idx="0">
+              <a:schemeClr val="accent1"/>
+            </a:effectRef>
+            <a:fontRef idx="minor">
+              <a:schemeClr val="lt1"/>
+            </a:fontRef>
+          </p:style>
+          <p:txBody>
+            <a:bodyPr rtlCol="0" anchor="ctr"/>
+            <a:lstStyle/>
+            <a:p>
+              <a:pPr algn="ctr"/>
+              <a:endParaRPr lang="en-US">
+                <a:solidFill>
+                  <a:schemeClr val="tx1"/>
+                </a:solidFill>
+              </a:endParaRPr>
+            </a:p>
+          </p:txBody>
+        </p:sp>
+        <p:sp>
+          <p:nvSpPr>
+            <p:cNvPr id="21" name="Oval 20"/>
+            <p:cNvSpPr/>
+            <p:nvPr/>
+          </p:nvSpPr>
+          <p:spPr>
+            <a:xfrm>
+              <a:off x="7564273" y="3206091"/>
+              <a:ext cx="349660" cy="408653"/>
+            </a:xfrm>
+            <a:prstGeom prst="ellipse">
+              <a:avLst/>
+            </a:prstGeom>
+            <a:solidFill>
+              <a:schemeClr val="tx1"/>
+            </a:solidFill>
+            <a:ln>
+              <a:noFill/>
+            </a:ln>
+          </p:spPr>
+          <p:style>
+            <a:lnRef idx="2">
+              <a:schemeClr val="accent1">
+                <a:shade val="50000"/>
+              </a:schemeClr>
+            </a:lnRef>
+            <a:fillRef idx="1">
+              <a:schemeClr val="accent1"/>
+            </a:fillRef>
+            <a:effectRef idx="0">
+              <a:schemeClr val="accent1"/>
+            </a:effectRef>
+            <a:fontRef idx="minor">
+              <a:schemeClr val="lt1"/>
+            </a:fontRef>
+          </p:style>
+          <p:txBody>
+            <a:bodyPr rtlCol="0" anchor="ctr"/>
+            <a:lstStyle/>
+            <a:p>
+              <a:pPr algn="ctr"/>
+              <a:endParaRPr lang="en-US"/>
+            </a:p>
+          </p:txBody>
+        </p:sp>
+        <p:sp>
+          <p:nvSpPr>
+            <p:cNvPr id="22" name="Oval 21"/>
+            <p:cNvSpPr/>
+            <p:nvPr/>
+          </p:nvSpPr>
+          <p:spPr>
+            <a:xfrm>
+              <a:off x="11531984" y="7288411"/>
+              <a:ext cx="349660" cy="408653"/>
+            </a:xfrm>
+            <a:prstGeom prst="ellipse">
+              <a:avLst/>
+            </a:prstGeom>
+            <a:solidFill>
+              <a:schemeClr val="tx1"/>
+            </a:solidFill>
+            <a:ln>
+              <a:noFill/>
+            </a:ln>
+          </p:spPr>
+          <p:style>
+            <a:lnRef idx="2">
+              <a:schemeClr val="accent1">
+                <a:shade val="50000"/>
+              </a:schemeClr>
+            </a:lnRef>
+            <a:fillRef idx="1">
+              <a:schemeClr val="accent1"/>
+            </a:fillRef>
+            <a:effectRef idx="0">
+              <a:schemeClr val="accent1"/>
+            </a:effectRef>
+            <a:fontRef idx="minor">
+              <a:schemeClr val="lt1"/>
+            </a:fontRef>
+          </p:style>
+          <p:txBody>
+            <a:bodyPr rtlCol="0" anchor="ctr"/>
+            <a:lstStyle/>
+            <a:p>
+              <a:pPr algn="ctr"/>
+              <a:endParaRPr lang="en-US"/>
+            </a:p>
+          </p:txBody>
+        </p:sp>
+        <p:sp>
+          <p:nvSpPr>
+            <p:cNvPr id="23" name="Oval 22"/>
+            <p:cNvSpPr/>
+            <p:nvPr/>
+          </p:nvSpPr>
+          <p:spPr>
+            <a:xfrm>
+              <a:off x="11529514" y="-699408"/>
+              <a:ext cx="349660" cy="408653"/>
+            </a:xfrm>
+            <a:prstGeom prst="ellipse">
+              <a:avLst/>
+            </a:prstGeom>
+            <a:solidFill>
+              <a:schemeClr val="tx1"/>
+            </a:solidFill>
+            <a:ln>
+              <a:noFill/>
+            </a:ln>
+          </p:spPr>
+          <p:style>
+            <a:lnRef idx="2">
+              <a:schemeClr val="accent1">
+                <a:shade val="50000"/>
+              </a:schemeClr>
+            </a:lnRef>
+            <a:fillRef idx="1">
+              <a:schemeClr val="accent1"/>
+            </a:fillRef>
+            <a:effectRef idx="0">
+              <a:schemeClr val="accent1"/>
+            </a:effectRef>
+            <a:fontRef idx="minor">
+              <a:schemeClr val="lt1"/>
+            </a:fontRef>
+          </p:style>
+          <p:txBody>
+            <a:bodyPr rtlCol="0" anchor="ctr"/>
+            <a:lstStyle/>
+            <a:p>
+              <a:pPr algn="ctr"/>
+              <a:endParaRPr lang="en-US"/>
+            </a:p>
+          </p:txBody>
+        </p:sp>
+        <p:sp>
+          <p:nvSpPr>
+            <p:cNvPr id="24" name="Oval 23"/>
+            <p:cNvSpPr/>
+            <p:nvPr/>
+          </p:nvSpPr>
+          <p:spPr>
+            <a:xfrm>
+              <a:off x="15452453" y="3211463"/>
+              <a:ext cx="349660" cy="408653"/>
+            </a:xfrm>
+            <a:prstGeom prst="ellipse">
+              <a:avLst/>
+            </a:prstGeom>
+            <a:solidFill>
+              <a:schemeClr val="tx1"/>
+            </a:solidFill>
+            <a:ln>
+              <a:noFill/>
+            </a:ln>
+          </p:spPr>
+          <p:style>
+            <a:lnRef idx="2">
+              <a:schemeClr val="accent1">
+                <a:shade val="50000"/>
+              </a:schemeClr>
+            </a:lnRef>
+            <a:fillRef idx="1">
+              <a:schemeClr val="accent1"/>
+            </a:fillRef>
+            <a:effectRef idx="0">
+              <a:schemeClr val="accent1"/>
+            </a:effectRef>
+            <a:fontRef idx="minor">
+              <a:schemeClr val="lt1"/>
+            </a:fontRef>
+          </p:style>
+          <p:txBody>
+            <a:bodyPr rtlCol="0" anchor="ctr"/>
+            <a:lstStyle/>
+            <a:p>
+              <a:pPr algn="ctr"/>
+              <a:endParaRPr lang="en-US"/>
+            </a:p>
+          </p:txBody>
+        </p:sp>
+      </p:grpSp>
+      <p:grpSp>
+        <p:nvGrpSpPr>
+          <p:cNvPr id="29" name="Group 28"/>
+          <p:cNvGrpSpPr/>
+          <p:nvPr/>
+        </p:nvGrpSpPr>
+        <p:grpSpPr>
+          <a:xfrm>
+            <a:off x="5971479" y="-2438713"/>
+            <a:ext cx="11538182" cy="11636263"/>
+            <a:chOff x="6045269" y="-2188608"/>
+            <a:chExt cx="11274281" cy="11370119"/>
+          </a:xfrm>
+        </p:grpSpPr>
+        <p:sp>
+          <p:nvSpPr>
+            <p:cNvPr id="3" name="Donut 2"/>
+            <p:cNvSpPr/>
+            <p:nvPr/>
+          </p:nvSpPr>
+          <p:spPr>
+            <a:xfrm>
+              <a:off x="6046839" y="-2188608"/>
+              <a:ext cx="11272711" cy="11272711"/>
+            </a:xfrm>
+            <a:prstGeom prst="donut">
+              <a:avLst>
+                <a:gd name="adj" fmla="val 1261"/>
+              </a:avLst>
+            </a:prstGeom>
+            <a:solidFill>
+              <a:schemeClr val="tx1"/>
+            </a:solidFill>
+            <a:ln>
+              <a:noFill/>
+            </a:ln>
+          </p:spPr>
+          <p:style>
+            <a:lnRef idx="2">
+              <a:schemeClr val="accent1">
+                <a:shade val="50000"/>
+              </a:schemeClr>
+            </a:lnRef>
+            <a:fillRef idx="1">
+              <a:schemeClr val="accent1"/>
+            </a:fillRef>
+            <a:effectRef idx="0">
+              <a:schemeClr val="accent1"/>
+            </a:effectRef>
+            <a:fontRef idx="minor">
+              <a:schemeClr val="lt1"/>
+            </a:fontRef>
+          </p:style>
+          <p:txBody>
+            <a:bodyPr rtlCol="0" anchor="ctr"/>
+            <a:lstStyle/>
+            <a:p>
+              <a:pPr algn="ctr"/>
+              <a:endParaRPr lang="en-US">
+                <a:solidFill>
+                  <a:schemeClr val="tx1"/>
+                </a:solidFill>
+              </a:endParaRPr>
+            </a:p>
+          </p:txBody>
+        </p:sp>
+        <p:sp>
+          <p:nvSpPr>
+            <p:cNvPr id="9" name="Oval 8"/>
+            <p:cNvSpPr/>
+            <p:nvPr/>
+          </p:nvSpPr>
+          <p:spPr>
+            <a:xfrm>
+              <a:off x="7291567" y="-265130"/>
+              <a:ext cx="349660" cy="408653"/>
+            </a:xfrm>
+            <a:prstGeom prst="ellipse">
+              <a:avLst/>
+            </a:prstGeom>
+            <a:solidFill>
+              <a:schemeClr val="tx1"/>
+            </a:solidFill>
+            <a:ln>
+              <a:noFill/>
+            </a:ln>
+          </p:spPr>
+          <p:style>
+            <a:lnRef idx="2">
+              <a:schemeClr val="accent1">
+                <a:shade val="50000"/>
+              </a:schemeClr>
+            </a:lnRef>
+            <a:fillRef idx="1">
+              <a:schemeClr val="accent1"/>
+            </a:fillRef>
+            <a:effectRef idx="0">
+              <a:schemeClr val="accent1"/>
+            </a:effectRef>
+            <a:fontRef idx="minor">
+              <a:schemeClr val="lt1"/>
+            </a:fontRef>
+          </p:style>
+          <p:txBody>
+            <a:bodyPr rtlCol="0" anchor="ctr"/>
+            <a:lstStyle/>
+            <a:p>
+              <a:pPr algn="ctr"/>
+              <a:endParaRPr lang="en-US"/>
+            </a:p>
+          </p:txBody>
+        </p:sp>
+        <p:sp>
+          <p:nvSpPr>
+            <p:cNvPr id="10" name="Oval 9"/>
+            <p:cNvSpPr/>
+            <p:nvPr/>
+          </p:nvSpPr>
+          <p:spPr>
+            <a:xfrm>
+              <a:off x="6045269" y="4210667"/>
+              <a:ext cx="349660" cy="408653"/>
+            </a:xfrm>
+            <a:prstGeom prst="ellipse">
+              <a:avLst/>
+            </a:prstGeom>
+            <a:solidFill>
+              <a:schemeClr val="tx1"/>
+            </a:solidFill>
+            <a:ln>
+              <a:noFill/>
+            </a:ln>
+          </p:spPr>
+          <p:style>
+            <a:lnRef idx="2">
+              <a:schemeClr val="accent1">
+                <a:shade val="50000"/>
+              </a:schemeClr>
+            </a:lnRef>
+            <a:fillRef idx="1">
+              <a:schemeClr val="accent1"/>
+            </a:fillRef>
+            <a:effectRef idx="0">
+              <a:schemeClr val="accent1"/>
+            </a:effectRef>
+            <a:fontRef idx="minor">
+              <a:schemeClr val="lt1"/>
+            </a:fontRef>
+          </p:style>
+          <p:txBody>
+            <a:bodyPr rtlCol="0" anchor="ctr"/>
+            <a:lstStyle/>
+            <a:p>
+              <a:pPr algn="ctr"/>
+              <a:endParaRPr lang="en-US"/>
+            </a:p>
+          </p:txBody>
+        </p:sp>
+        <p:sp>
+          <p:nvSpPr>
+            <p:cNvPr id="11" name="Oval 10"/>
+            <p:cNvSpPr/>
+            <p:nvPr/>
+          </p:nvSpPr>
+          <p:spPr>
+            <a:xfrm>
+              <a:off x="7587505" y="7217170"/>
+              <a:ext cx="349660" cy="408653"/>
+            </a:xfrm>
+            <a:prstGeom prst="ellipse">
+              <a:avLst/>
+            </a:prstGeom>
+            <a:solidFill>
+              <a:schemeClr val="tx1"/>
+            </a:solidFill>
+            <a:ln>
+              <a:noFill/>
+            </a:ln>
+          </p:spPr>
+          <p:style>
+            <a:lnRef idx="2">
+              <a:schemeClr val="accent1">
+                <a:shade val="50000"/>
+              </a:schemeClr>
+            </a:lnRef>
+            <a:fillRef idx="1">
+              <a:schemeClr val="accent1"/>
+            </a:fillRef>
+            <a:effectRef idx="0">
+              <a:schemeClr val="accent1"/>
+            </a:effectRef>
+            <a:fontRef idx="minor">
+              <a:schemeClr val="lt1"/>
+            </a:fontRef>
+          </p:style>
+          <p:txBody>
+            <a:bodyPr rtlCol="0" anchor="ctr"/>
+            <a:lstStyle/>
+            <a:p>
+              <a:pPr algn="ctr"/>
+              <a:endParaRPr lang="en-US"/>
+            </a:p>
+          </p:txBody>
+        </p:sp>
+        <p:sp>
+          <p:nvSpPr>
+            <p:cNvPr id="14" name="Oval 13"/>
+            <p:cNvSpPr/>
+            <p:nvPr/>
+          </p:nvSpPr>
+          <p:spPr>
+            <a:xfrm>
+              <a:off x="11069958" y="8772858"/>
+              <a:ext cx="349660" cy="408653"/>
+            </a:xfrm>
+            <a:prstGeom prst="ellipse">
+              <a:avLst/>
+            </a:prstGeom>
+            <a:solidFill>
+              <a:schemeClr val="tx1"/>
+            </a:solidFill>
+            <a:ln>
+              <a:noFill/>
+            </a:ln>
+          </p:spPr>
+          <p:style>
+            <a:lnRef idx="2">
+              <a:schemeClr val="accent1">
+                <a:shade val="50000"/>
+              </a:schemeClr>
+            </a:lnRef>
+            <a:fillRef idx="1">
+              <a:schemeClr val="accent1"/>
+            </a:fillRef>
+            <a:effectRef idx="0">
+              <a:schemeClr val="accent1"/>
+            </a:effectRef>
+            <a:fontRef idx="minor">
+              <a:schemeClr val="lt1"/>
+            </a:fontRef>
+          </p:style>
+          <p:txBody>
+            <a:bodyPr rtlCol="0" anchor="ctr"/>
+            <a:lstStyle/>
+            <a:p>
+              <a:pPr algn="ctr"/>
+              <a:endParaRPr lang="en-US"/>
+            </a:p>
+          </p:txBody>
+        </p:sp>
+        <p:sp>
+          <p:nvSpPr>
+            <p:cNvPr id="15" name="Oval 14"/>
+            <p:cNvSpPr/>
+            <p:nvPr/>
+          </p:nvSpPr>
+          <p:spPr>
+            <a:xfrm>
+              <a:off x="16878608" y="4907127"/>
+              <a:ext cx="349660" cy="408653"/>
+            </a:xfrm>
+            <a:prstGeom prst="ellipse">
+              <a:avLst/>
+            </a:prstGeom>
+            <a:solidFill>
+              <a:schemeClr val="tx1"/>
+            </a:solidFill>
+            <a:ln>
+              <a:noFill/>
+            </a:ln>
+          </p:spPr>
+          <p:style>
+            <a:lnRef idx="2">
+              <a:schemeClr val="accent1">
+                <a:shade val="50000"/>
+              </a:schemeClr>
+            </a:lnRef>
+            <a:fillRef idx="1">
+              <a:schemeClr val="accent1"/>
+            </a:fillRef>
+            <a:effectRef idx="0">
+              <a:schemeClr val="accent1"/>
+            </a:effectRef>
+            <a:fontRef idx="minor">
+              <a:schemeClr val="lt1"/>
+            </a:fontRef>
+          </p:style>
+          <p:txBody>
+            <a:bodyPr rtlCol="0" anchor="ctr"/>
+            <a:lstStyle/>
+            <a:p>
+              <a:pPr algn="ctr"/>
+              <a:endParaRPr lang="en-US"/>
+            </a:p>
+          </p:txBody>
+        </p:sp>
+        <p:sp>
+          <p:nvSpPr>
+            <p:cNvPr id="16" name="Oval 15"/>
+            <p:cNvSpPr/>
+            <p:nvPr/>
+          </p:nvSpPr>
+          <p:spPr>
+            <a:xfrm>
+              <a:off x="14756571" y="7787052"/>
+              <a:ext cx="349660" cy="408653"/>
+            </a:xfrm>
+            <a:prstGeom prst="ellipse">
+              <a:avLst/>
+            </a:prstGeom>
+            <a:solidFill>
+              <a:schemeClr val="tx1"/>
+            </a:solidFill>
+            <a:ln>
+              <a:noFill/>
+            </a:ln>
+          </p:spPr>
+          <p:style>
+            <a:lnRef idx="2">
+              <a:schemeClr val="accent1">
+                <a:shade val="50000"/>
+              </a:schemeClr>
+            </a:lnRef>
+            <a:fillRef idx="1">
+              <a:schemeClr val="accent1"/>
+            </a:fillRef>
+            <a:effectRef idx="0">
+              <a:schemeClr val="accent1"/>
+            </a:effectRef>
+            <a:fontRef idx="minor">
+              <a:schemeClr val="lt1"/>
+            </a:fontRef>
+          </p:style>
+          <p:txBody>
+            <a:bodyPr rtlCol="0" anchor="ctr"/>
+            <a:lstStyle/>
+            <a:p>
+              <a:pPr algn="ctr"/>
+              <a:endParaRPr lang="en-US"/>
+            </a:p>
+          </p:txBody>
+        </p:sp>
+        <p:sp>
+          <p:nvSpPr>
+            <p:cNvPr id="20" name="Oval 19"/>
+            <p:cNvSpPr/>
+            <p:nvPr/>
+          </p:nvSpPr>
+          <p:spPr>
+            <a:xfrm>
+              <a:off x="12720548" y="-2149335"/>
+              <a:ext cx="349660" cy="408653"/>
+            </a:xfrm>
+            <a:prstGeom prst="ellipse">
+              <a:avLst/>
+            </a:prstGeom>
+            <a:solidFill>
+              <a:schemeClr val="tx1"/>
+            </a:solidFill>
+            <a:ln>
+              <a:noFill/>
+            </a:ln>
+          </p:spPr>
+          <p:style>
+            <a:lnRef idx="2">
+              <a:schemeClr val="accent1">
+                <a:shade val="50000"/>
+              </a:schemeClr>
+            </a:lnRef>
+            <a:fillRef idx="1">
+              <a:schemeClr val="accent1"/>
+            </a:fillRef>
+            <a:effectRef idx="0">
+              <a:schemeClr val="accent1"/>
+            </a:effectRef>
+            <a:fontRef idx="minor">
+              <a:schemeClr val="lt1"/>
+            </a:fontRef>
+          </p:style>
+          <p:txBody>
+            <a:bodyPr rtlCol="0" anchor="ctr"/>
+            <a:lstStyle/>
+            <a:p>
+              <a:pPr algn="ctr"/>
+              <a:endParaRPr lang="en-US"/>
+            </a:p>
+          </p:txBody>
+        </p:sp>
+        <p:sp>
+          <p:nvSpPr>
+            <p:cNvPr id="26" name="Oval 25"/>
+            <p:cNvSpPr/>
+            <p:nvPr/>
+          </p:nvSpPr>
+          <p:spPr>
+            <a:xfrm>
+              <a:off x="16396029" y="490693"/>
+              <a:ext cx="349660" cy="408653"/>
+            </a:xfrm>
+            <a:prstGeom prst="ellipse">
+              <a:avLst/>
+            </a:prstGeom>
+            <a:solidFill>
+              <a:schemeClr val="tx1"/>
+            </a:solidFill>
+            <a:ln>
+              <a:noFill/>
+            </a:ln>
+          </p:spPr>
+          <p:style>
+            <a:lnRef idx="2">
+              <a:schemeClr val="accent1">
+                <a:shade val="50000"/>
+              </a:schemeClr>
+            </a:lnRef>
+            <a:fillRef idx="1">
+              <a:schemeClr val="accent1"/>
+            </a:fillRef>
+            <a:effectRef idx="0">
+              <a:schemeClr val="accent1"/>
+            </a:effectRef>
+            <a:fontRef idx="minor">
+              <a:schemeClr val="lt1"/>
+            </a:fontRef>
+          </p:style>
+          <p:txBody>
+            <a:bodyPr rtlCol="0" anchor="ctr"/>
+            <a:lstStyle/>
+            <a:p>
+              <a:pPr algn="ctr"/>
+              <a:endParaRPr lang="en-US"/>
+            </a:p>
+          </p:txBody>
+        </p:sp>
+      </p:grpSp>
+      <p:grpSp>
+        <p:nvGrpSpPr>
+          <p:cNvPr id="30" name="Group 29"/>
+          <p:cNvGrpSpPr/>
+          <p:nvPr/>
+        </p:nvGrpSpPr>
+        <p:grpSpPr>
+          <a:xfrm>
+            <a:off x="6820642" y="-1800292"/>
+            <a:ext cx="10087887" cy="10253165"/>
+            <a:chOff x="6848403" y="-1492623"/>
+            <a:chExt cx="9722456" cy="9881747"/>
+          </a:xfrm>
+        </p:grpSpPr>
+        <p:sp>
+          <p:nvSpPr>
+            <p:cNvPr id="4" name="Donut 3"/>
+            <p:cNvSpPr/>
+            <p:nvPr/>
+          </p:nvSpPr>
+          <p:spPr>
+            <a:xfrm>
+              <a:off x="6848403" y="-1387044"/>
+              <a:ext cx="9669581" cy="9669581"/>
+            </a:xfrm>
+            <a:prstGeom prst="donut">
+              <a:avLst>
+                <a:gd name="adj" fmla="val 1392"/>
+              </a:avLst>
+            </a:prstGeom>
+            <a:solidFill>
+              <a:schemeClr val="tx1"/>
+            </a:solidFill>
+            <a:ln>
+              <a:noFill/>
+            </a:ln>
+          </p:spPr>
+          <p:style>
+            <a:lnRef idx="2">
+              <a:schemeClr val="accent1">
+                <a:shade val="50000"/>
+              </a:schemeClr>
+            </a:lnRef>
+            <a:fillRef idx="1">
+              <a:schemeClr val="accent1"/>
+            </a:fillRef>
+            <a:effectRef idx="0">
+              <a:schemeClr val="accent1"/>
+            </a:effectRef>
+            <a:fontRef idx="minor">
+              <a:schemeClr val="lt1"/>
+            </a:fontRef>
+          </p:style>
+          <p:txBody>
+            <a:bodyPr rtlCol="0" anchor="ctr"/>
+            <a:lstStyle/>
+            <a:p>
+              <a:pPr algn="ctr"/>
+              <a:endParaRPr lang="en-US">
+                <a:solidFill>
+                  <a:schemeClr val="tx1"/>
+                </a:solidFill>
+              </a:endParaRPr>
+            </a:p>
+          </p:txBody>
+        </p:sp>
+        <p:sp>
+          <p:nvSpPr>
+            <p:cNvPr id="6" name="Oval 5"/>
+            <p:cNvSpPr/>
+            <p:nvPr/>
+          </p:nvSpPr>
+          <p:spPr>
+            <a:xfrm>
+              <a:off x="6879889" y="2305972"/>
+              <a:ext cx="349660" cy="408653"/>
+            </a:xfrm>
+            <a:prstGeom prst="ellipse">
+              <a:avLst/>
+            </a:prstGeom>
+            <a:solidFill>
+              <a:schemeClr val="tx1"/>
+            </a:solidFill>
+            <a:ln>
+              <a:noFill/>
+            </a:ln>
+          </p:spPr>
+          <p:style>
+            <a:lnRef idx="2">
+              <a:schemeClr val="accent1">
+                <a:shade val="50000"/>
+              </a:schemeClr>
+            </a:lnRef>
+            <a:fillRef idx="1">
+              <a:schemeClr val="accent1"/>
+            </a:fillRef>
+            <a:effectRef idx="0">
+              <a:schemeClr val="accent1"/>
+            </a:effectRef>
+            <a:fontRef idx="minor">
+              <a:schemeClr val="lt1"/>
+            </a:fontRef>
+          </p:style>
+          <p:txBody>
+            <a:bodyPr rtlCol="0" anchor="ctr"/>
+            <a:lstStyle/>
+            <a:p>
+              <a:pPr algn="ctr"/>
+              <a:endParaRPr lang="en-US"/>
+            </a:p>
+          </p:txBody>
+        </p:sp>
+        <p:sp>
+          <p:nvSpPr>
+            <p:cNvPr id="7" name="Oval 6"/>
+            <p:cNvSpPr/>
+            <p:nvPr/>
+          </p:nvSpPr>
+          <p:spPr>
+            <a:xfrm>
+              <a:off x="7191054" y="5089927"/>
+              <a:ext cx="349660" cy="408653"/>
+            </a:xfrm>
+            <a:prstGeom prst="ellipse">
+              <a:avLst/>
+            </a:prstGeom>
+            <a:solidFill>
+              <a:schemeClr val="tx1"/>
+            </a:solidFill>
+            <a:ln>
+              <a:noFill/>
+            </a:ln>
+          </p:spPr>
+          <p:style>
+            <a:lnRef idx="2">
+              <a:schemeClr val="accent1">
+                <a:shade val="50000"/>
+              </a:schemeClr>
+            </a:lnRef>
+            <a:fillRef idx="1">
+              <a:schemeClr val="accent1"/>
+            </a:fillRef>
+            <a:effectRef idx="0">
+              <a:schemeClr val="accent1"/>
+            </a:effectRef>
+            <a:fontRef idx="minor">
+              <a:schemeClr val="lt1"/>
+            </a:fontRef>
+          </p:style>
+          <p:txBody>
+            <a:bodyPr rtlCol="0" anchor="ctr"/>
+            <a:lstStyle/>
+            <a:p>
+              <a:pPr algn="ctr"/>
+              <a:endParaRPr lang="en-US"/>
+            </a:p>
+          </p:txBody>
+        </p:sp>
+        <p:sp>
+          <p:nvSpPr>
+            <p:cNvPr id="8" name="Oval 7"/>
+            <p:cNvSpPr/>
+            <p:nvPr/>
+          </p:nvSpPr>
+          <p:spPr>
+            <a:xfrm>
+              <a:off x="8372154" y="6856353"/>
+              <a:ext cx="349660" cy="408653"/>
+            </a:xfrm>
+            <a:prstGeom prst="ellipse">
+              <a:avLst/>
+            </a:prstGeom>
+            <a:solidFill>
+              <a:schemeClr val="tx1"/>
+            </a:solidFill>
+            <a:ln>
+              <a:noFill/>
+            </a:ln>
+          </p:spPr>
+          <p:style>
+            <a:lnRef idx="2">
+              <a:schemeClr val="accent1">
+                <a:shade val="50000"/>
+              </a:schemeClr>
+            </a:lnRef>
+            <a:fillRef idx="1">
+              <a:schemeClr val="accent1"/>
+            </a:fillRef>
+            <a:effectRef idx="0">
+              <a:schemeClr val="accent1"/>
+            </a:effectRef>
+            <a:fontRef idx="minor">
+              <a:schemeClr val="lt1"/>
+            </a:fontRef>
+          </p:style>
+          <p:txBody>
+            <a:bodyPr rtlCol="0" anchor="ctr"/>
+            <a:lstStyle/>
+            <a:p>
+              <a:pPr algn="ctr"/>
+              <a:endParaRPr lang="en-US"/>
+            </a:p>
+          </p:txBody>
+        </p:sp>
+        <p:sp>
+          <p:nvSpPr>
+            <p:cNvPr id="12" name="Oval 11"/>
+            <p:cNvSpPr/>
+            <p:nvPr/>
+          </p:nvSpPr>
+          <p:spPr>
+            <a:xfrm>
+              <a:off x="14169713" y="7186247"/>
+              <a:ext cx="349660" cy="408653"/>
+            </a:xfrm>
+            <a:prstGeom prst="ellipse">
+              <a:avLst/>
+            </a:prstGeom>
+            <a:solidFill>
+              <a:schemeClr val="tx1"/>
+            </a:solidFill>
+            <a:ln>
+              <a:noFill/>
+            </a:ln>
+          </p:spPr>
+          <p:style>
+            <a:lnRef idx="2">
+              <a:schemeClr val="accent1">
+                <a:shade val="50000"/>
+              </a:schemeClr>
+            </a:lnRef>
+            <a:fillRef idx="1">
+              <a:schemeClr val="accent1"/>
+            </a:fillRef>
+            <a:effectRef idx="0">
+              <a:schemeClr val="accent1"/>
+            </a:effectRef>
+            <a:fontRef idx="minor">
+              <a:schemeClr val="lt1"/>
+            </a:fontRef>
+          </p:style>
+          <p:txBody>
+            <a:bodyPr rtlCol="0" anchor="ctr"/>
+            <a:lstStyle/>
+            <a:p>
+              <a:pPr algn="ctr"/>
+              <a:endParaRPr lang="en-US"/>
+            </a:p>
+          </p:txBody>
+        </p:sp>
+        <p:sp>
+          <p:nvSpPr>
+            <p:cNvPr id="13" name="Oval 12"/>
+            <p:cNvSpPr/>
+            <p:nvPr/>
+          </p:nvSpPr>
+          <p:spPr>
+            <a:xfrm>
+              <a:off x="11069958" y="7980471"/>
+              <a:ext cx="349660" cy="408653"/>
+            </a:xfrm>
+            <a:prstGeom prst="ellipse">
+              <a:avLst/>
+            </a:prstGeom>
+            <a:solidFill>
+              <a:schemeClr val="tx1"/>
+            </a:solidFill>
+            <a:ln>
+              <a:noFill/>
+            </a:ln>
+          </p:spPr>
+          <p:style>
+            <a:lnRef idx="2">
+              <a:schemeClr val="accent1">
+                <a:shade val="50000"/>
+              </a:schemeClr>
+            </a:lnRef>
+            <a:fillRef idx="1">
+              <a:schemeClr val="accent1"/>
+            </a:fillRef>
+            <a:effectRef idx="0">
+              <a:schemeClr val="accent1"/>
+            </a:effectRef>
+            <a:fontRef idx="minor">
+              <a:schemeClr val="lt1"/>
+            </a:fontRef>
+          </p:style>
+          <p:txBody>
+            <a:bodyPr rtlCol="0" anchor="ctr"/>
+            <a:lstStyle/>
+            <a:p>
+              <a:pPr algn="ctr"/>
+              <a:endParaRPr lang="en-US"/>
+            </a:p>
+          </p:txBody>
+        </p:sp>
+        <p:sp>
+          <p:nvSpPr>
+            <p:cNvPr id="17" name="Oval 16"/>
+            <p:cNvSpPr/>
+            <p:nvPr/>
+          </p:nvSpPr>
+          <p:spPr>
+            <a:xfrm>
+              <a:off x="7831947" y="286367"/>
+              <a:ext cx="349660" cy="408653"/>
+            </a:xfrm>
+            <a:prstGeom prst="ellipse">
+              <a:avLst/>
+            </a:prstGeom>
+            <a:solidFill>
+              <a:schemeClr val="tx1"/>
+            </a:solidFill>
+            <a:ln>
+              <a:noFill/>
+            </a:ln>
+          </p:spPr>
+          <p:style>
+            <a:lnRef idx="2">
+              <a:schemeClr val="accent1">
+                <a:shade val="50000"/>
+              </a:schemeClr>
+            </a:lnRef>
+            <a:fillRef idx="1">
+              <a:schemeClr val="accent1"/>
+            </a:fillRef>
+            <a:effectRef idx="0">
+              <a:schemeClr val="accent1"/>
+            </a:effectRef>
+            <a:fontRef idx="minor">
+              <a:schemeClr val="lt1"/>
+            </a:fontRef>
+          </p:style>
+          <p:txBody>
+            <a:bodyPr rtlCol="0" anchor="ctr"/>
+            <a:lstStyle/>
+            <a:p>
+              <a:pPr algn="ctr"/>
+              <a:endParaRPr lang="en-US"/>
+            </a:p>
+          </p:txBody>
+        </p:sp>
+        <p:sp>
+          <p:nvSpPr>
+            <p:cNvPr id="18" name="Oval 17"/>
+            <p:cNvSpPr/>
+            <p:nvPr/>
+          </p:nvSpPr>
+          <p:spPr>
+            <a:xfrm>
+              <a:off x="9546447" y="-1033404"/>
+              <a:ext cx="349660" cy="408653"/>
+            </a:xfrm>
+            <a:prstGeom prst="ellipse">
+              <a:avLst/>
+            </a:prstGeom>
+            <a:solidFill>
+              <a:schemeClr val="tx1"/>
+            </a:solidFill>
+            <a:ln>
+              <a:noFill/>
+            </a:ln>
+          </p:spPr>
+          <p:style>
+            <a:lnRef idx="2">
+              <a:schemeClr val="accent1">
+                <a:shade val="50000"/>
+              </a:schemeClr>
+            </a:lnRef>
+            <a:fillRef idx="1">
+              <a:schemeClr val="accent1"/>
+            </a:fillRef>
+            <a:effectRef idx="0">
+              <a:schemeClr val="accent1"/>
+            </a:effectRef>
+            <a:fontRef idx="minor">
+              <a:schemeClr val="lt1"/>
+            </a:fontRef>
+          </p:style>
+          <p:txBody>
+            <a:bodyPr rtlCol="0" anchor="ctr"/>
+            <a:lstStyle/>
+            <a:p>
+              <a:pPr algn="ctr"/>
+              <a:endParaRPr lang="en-US"/>
+            </a:p>
+          </p:txBody>
+        </p:sp>
+        <p:sp>
+          <p:nvSpPr>
+            <p:cNvPr id="19" name="Oval 18"/>
+            <p:cNvSpPr/>
+            <p:nvPr/>
+          </p:nvSpPr>
+          <p:spPr>
+            <a:xfrm>
+              <a:off x="12017170" y="-1492623"/>
+              <a:ext cx="349660" cy="408653"/>
+            </a:xfrm>
+            <a:prstGeom prst="ellipse">
+              <a:avLst/>
+            </a:prstGeom>
+            <a:solidFill>
+              <a:schemeClr val="tx1"/>
+            </a:solidFill>
+            <a:ln>
+              <a:noFill/>
+            </a:ln>
+          </p:spPr>
+          <p:style>
+            <a:lnRef idx="2">
+              <a:schemeClr val="accent1">
+                <a:shade val="50000"/>
+              </a:schemeClr>
+            </a:lnRef>
+            <a:fillRef idx="1">
+              <a:schemeClr val="accent1"/>
+            </a:fillRef>
+            <a:effectRef idx="0">
+              <a:schemeClr val="accent1"/>
+            </a:effectRef>
+            <a:fontRef idx="minor">
+              <a:schemeClr val="lt1"/>
+            </a:fontRef>
+          </p:style>
+          <p:txBody>
+            <a:bodyPr rtlCol="0" anchor="ctr"/>
+            <a:lstStyle/>
+            <a:p>
+              <a:pPr algn="ctr"/>
+              <a:endParaRPr lang="en-US"/>
+            </a:p>
+          </p:txBody>
+        </p:sp>
+        <p:sp>
+          <p:nvSpPr>
+            <p:cNvPr id="25" name="Oval 24"/>
+            <p:cNvSpPr/>
+            <p:nvPr/>
+          </p:nvSpPr>
+          <p:spPr>
+            <a:xfrm>
+              <a:off x="16016705" y="5089927"/>
+              <a:ext cx="349660" cy="408653"/>
+            </a:xfrm>
+            <a:prstGeom prst="ellipse">
+              <a:avLst/>
+            </a:prstGeom>
+            <a:solidFill>
+              <a:schemeClr val="tx1"/>
+            </a:solidFill>
+            <a:ln>
+              <a:noFill/>
+            </a:ln>
+          </p:spPr>
+          <p:style>
+            <a:lnRef idx="2">
+              <a:schemeClr val="accent1">
+                <a:shade val="50000"/>
+              </a:schemeClr>
+            </a:lnRef>
+            <a:fillRef idx="1">
+              <a:schemeClr val="accent1"/>
+            </a:fillRef>
+            <a:effectRef idx="0">
+              <a:schemeClr val="accent1"/>
+            </a:effectRef>
+            <a:fontRef idx="minor">
+              <a:schemeClr val="lt1"/>
+            </a:fontRef>
+          </p:style>
+          <p:txBody>
+            <a:bodyPr rtlCol="0" anchor="ctr"/>
+            <a:lstStyle/>
+            <a:p>
+              <a:pPr algn="ctr"/>
+              <a:endParaRPr lang="en-US"/>
+            </a:p>
+          </p:txBody>
+        </p:sp>
+        <p:sp>
+          <p:nvSpPr>
+            <p:cNvPr id="27" name="Oval 26"/>
+            <p:cNvSpPr/>
+            <p:nvPr/>
+          </p:nvSpPr>
+          <p:spPr>
+            <a:xfrm>
+              <a:off x="16221199" y="2145472"/>
+              <a:ext cx="349660" cy="408653"/>
+            </a:xfrm>
+            <a:prstGeom prst="ellipse">
+              <a:avLst/>
+            </a:prstGeom>
+            <a:solidFill>
+              <a:schemeClr val="tx1"/>
+            </a:solidFill>
+            <a:ln>
+              <a:noFill/>
+            </a:ln>
+          </p:spPr>
+          <p:style>
+            <a:lnRef idx="2">
+              <a:schemeClr val="accent1">
+                <a:shade val="50000"/>
+              </a:schemeClr>
+            </a:lnRef>
+            <a:fillRef idx="1">
+              <a:schemeClr val="accent1"/>
+            </a:fillRef>
+            <a:effectRef idx="0">
+              <a:schemeClr val="accent1"/>
+            </a:effectRef>
+            <a:fontRef idx="minor">
+              <a:schemeClr val="lt1"/>
+            </a:fontRef>
+          </p:style>
+          <p:txBody>
+            <a:bodyPr rtlCol="0" anchor="ctr"/>
+            <a:lstStyle/>
+            <a:p>
+              <a:pPr algn="ctr"/>
+              <a:endParaRPr lang="en-US"/>
+            </a:p>
+          </p:txBody>
+        </p:sp>
+        <p:sp>
+          <p:nvSpPr>
+            <p:cNvPr id="28" name="Oval 27"/>
+            <p:cNvSpPr/>
+            <p:nvPr/>
+          </p:nvSpPr>
+          <p:spPr>
+            <a:xfrm>
+              <a:off x="14731338" y="-290756"/>
+              <a:ext cx="349660" cy="408653"/>
+            </a:xfrm>
+            <a:prstGeom prst="ellipse">
+              <a:avLst/>
+            </a:prstGeom>
+            <a:solidFill>
+              <a:schemeClr val="tx1"/>
+            </a:solidFill>
+            <a:ln>
+              <a:noFill/>
+            </a:ln>
+          </p:spPr>
+          <p:style>
+            <a:lnRef idx="2">
+              <a:schemeClr val="accent1">
+                <a:shade val="50000"/>
+              </a:schemeClr>
+            </a:lnRef>
+            <a:fillRef idx="1">
+              <a:schemeClr val="accent1"/>
+            </a:fillRef>
+            <a:effectRef idx="0">
+              <a:schemeClr val="accent1"/>
+            </a:effectRef>
+            <a:fontRef idx="minor">
+              <a:schemeClr val="lt1"/>
+            </a:fontRef>
+          </p:style>
+          <p:txBody>
+            <a:bodyPr rtlCol="0" anchor="ctr"/>
+            <a:lstStyle/>
+            <a:p>
+              <a:pPr algn="ctr"/>
+              <a:endParaRPr lang="en-US"/>
+            </a:p>
+          </p:txBody>
+        </p:sp>
+      </p:grpSp>
+      <p:grpSp>
+        <p:nvGrpSpPr>
+          <p:cNvPr id="152" name="Group 151"/>
+          <p:cNvGrpSpPr/>
+          <p:nvPr/>
+        </p:nvGrpSpPr>
+        <p:grpSpPr>
+          <a:xfrm>
+            <a:off x="8166436" y="-407369"/>
+            <a:ext cx="7387504" cy="7307437"/>
+            <a:chOff x="8166436" y="-407369"/>
+            <a:chExt cx="7387504" cy="7307437"/>
+          </a:xfrm>
+        </p:grpSpPr>
+        <p:sp>
+          <p:nvSpPr>
+            <p:cNvPr id="32" name="Donut 31"/>
+            <p:cNvSpPr/>
+            <p:nvPr/>
+          </p:nvSpPr>
+          <p:spPr>
+            <a:xfrm>
+              <a:off x="8166436" y="-407369"/>
+              <a:ext cx="7387504" cy="7307437"/>
+            </a:xfrm>
+            <a:prstGeom prst="donut">
+              <a:avLst>
+                <a:gd name="adj" fmla="val 1851"/>
+              </a:avLst>
+            </a:prstGeom>
+            <a:solidFill>
+              <a:schemeClr val="bg1"/>
+            </a:solidFill>
+            <a:ln>
+              <a:noFill/>
+            </a:ln>
+          </p:spPr>
+          <p:style>
+            <a:lnRef idx="2">
+              <a:schemeClr val="accent1">
+                <a:shade val="50000"/>
+              </a:schemeClr>
+            </a:lnRef>
+            <a:fillRef idx="1">
+              <a:schemeClr val="accent1"/>
+            </a:fillRef>
+            <a:effectRef idx="0">
+              <a:schemeClr val="accent1"/>
+            </a:effectRef>
+            <a:fontRef idx="minor">
+              <a:schemeClr val="lt1"/>
+            </a:fontRef>
+          </p:style>
+          <p:txBody>
+            <a:bodyPr rtlCol="0" anchor="ctr"/>
+            <a:lstStyle/>
+            <a:p>
+              <a:pPr algn="ctr"/>
+              <a:endParaRPr lang="en-US">
+                <a:solidFill>
+                  <a:schemeClr val="tx1"/>
+                </a:solidFill>
+              </a:endParaRPr>
+            </a:p>
+          </p:txBody>
+        </p:sp>
+        <p:grpSp>
+          <p:nvGrpSpPr>
+            <p:cNvPr id="41" name="Group 40"/>
+            <p:cNvGrpSpPr/>
+            <p:nvPr/>
+          </p:nvGrpSpPr>
+          <p:grpSpPr>
+            <a:xfrm>
+              <a:off x="9552028" y="495293"/>
+              <a:ext cx="772515" cy="790574"/>
+              <a:chOff x="1811479" y="1371601"/>
+              <a:chExt cx="772515" cy="790574"/>
+            </a:xfrm>
+          </p:grpSpPr>
+          <p:sp>
+            <p:nvSpPr>
+              <p:cNvPr id="42" name="Oval 41"/>
+              <p:cNvSpPr/>
+              <p:nvPr/>
+            </p:nvSpPr>
+            <p:spPr>
+              <a:xfrm>
+                <a:off x="2448298" y="2012887"/>
+                <a:ext cx="135696" cy="149288"/>
+              </a:xfrm>
+              <a:prstGeom prst="ellipse">
+                <a:avLst/>
+              </a:prstGeom>
+              <a:solidFill>
+                <a:schemeClr val="tx1"/>
+              </a:solidFill>
+              <a:ln>
+                <a:noFill/>
+              </a:ln>
+            </p:spPr>
+            <p:style>
+              <a:lnRef idx="2">
+                <a:schemeClr val="accent1">
+                  <a:shade val="50000"/>
+                </a:schemeClr>
+              </a:lnRef>
+              <a:fillRef idx="1">
+                <a:schemeClr val="accent1"/>
+              </a:fillRef>
+              <a:effectRef idx="0">
+                <a:schemeClr val="accent1"/>
+              </a:effectRef>
+              <a:fontRef idx="minor">
+                <a:schemeClr val="lt1"/>
+              </a:fontRef>
+            </p:style>
+            <p:txBody>
+              <a:bodyPr rtlCol="0" anchor="ctr"/>
+              <a:lstStyle/>
+              <a:p>
+                <a:pPr algn="ctr"/>
+                <a:endParaRPr lang="en-US"/>
+              </a:p>
+            </p:txBody>
+          </p:sp>
+          <p:sp>
+            <p:nvSpPr>
+              <p:cNvPr id="43" name="Oval 42"/>
+              <p:cNvSpPr/>
+              <p:nvPr/>
+            </p:nvSpPr>
+            <p:spPr>
+              <a:xfrm>
+                <a:off x="1811479" y="1371601"/>
+                <a:ext cx="302389" cy="323849"/>
+              </a:xfrm>
+              <a:prstGeom prst="ellipse">
+                <a:avLst/>
+              </a:prstGeom>
+              <a:solidFill>
+                <a:schemeClr val="tx1"/>
+              </a:solidFill>
+              <a:ln>
+                <a:noFill/>
+              </a:ln>
+            </p:spPr>
+            <p:style>
+              <a:lnRef idx="2">
+                <a:schemeClr val="accent1">
+                  <a:shade val="50000"/>
+                </a:schemeClr>
+              </a:lnRef>
+              <a:fillRef idx="1">
+                <a:schemeClr val="accent1"/>
+              </a:fillRef>
+              <a:effectRef idx="0">
+                <a:schemeClr val="accent1"/>
+              </a:effectRef>
+              <a:fontRef idx="minor">
+                <a:schemeClr val="lt1"/>
+              </a:fontRef>
+            </p:style>
+            <p:txBody>
+              <a:bodyPr rtlCol="0" anchor="ctr"/>
+              <a:lstStyle/>
+              <a:p>
+                <a:pPr algn="ctr"/>
+                <a:endParaRPr lang="en-US"/>
+              </a:p>
+            </p:txBody>
+          </p:sp>
+          <p:sp>
+            <p:nvSpPr>
+              <p:cNvPr id="44" name="Oval 43"/>
+              <p:cNvSpPr/>
+              <p:nvPr/>
+            </p:nvSpPr>
+            <p:spPr>
+              <a:xfrm>
+                <a:off x="2065636" y="1622426"/>
+                <a:ext cx="237909" cy="254793"/>
+              </a:xfrm>
+              <a:prstGeom prst="ellipse">
+                <a:avLst/>
+              </a:prstGeom>
+              <a:solidFill>
+                <a:schemeClr val="tx1"/>
+              </a:solidFill>
+              <a:ln>
+                <a:noFill/>
+              </a:ln>
+            </p:spPr>
+            <p:style>
+              <a:lnRef idx="2">
+                <a:schemeClr val="accent1">
+                  <a:shade val="50000"/>
+                </a:schemeClr>
+              </a:lnRef>
+              <a:fillRef idx="1">
+                <a:schemeClr val="accent1"/>
+              </a:fillRef>
+              <a:effectRef idx="0">
+                <a:schemeClr val="accent1"/>
+              </a:effectRef>
+              <a:fontRef idx="minor">
+                <a:schemeClr val="lt1"/>
+              </a:fontRef>
+            </p:style>
+            <p:txBody>
+              <a:bodyPr rtlCol="0" anchor="ctr"/>
+              <a:lstStyle/>
+              <a:p>
+                <a:pPr algn="ctr"/>
+                <a:endParaRPr lang="en-US"/>
+              </a:p>
+            </p:txBody>
+          </p:sp>
+          <p:sp>
+            <p:nvSpPr>
+              <p:cNvPr id="45" name="Oval 44"/>
+              <p:cNvSpPr/>
+              <p:nvPr/>
+            </p:nvSpPr>
+            <p:spPr>
+              <a:xfrm>
+                <a:off x="2270367" y="1835151"/>
+                <a:ext cx="199340" cy="217487"/>
+              </a:xfrm>
+              <a:prstGeom prst="ellipse">
+                <a:avLst/>
+              </a:prstGeom>
+              <a:solidFill>
+                <a:schemeClr val="tx1"/>
+              </a:solidFill>
+              <a:ln>
+                <a:noFill/>
+              </a:ln>
+            </p:spPr>
+            <p:style>
+              <a:lnRef idx="2">
+                <a:schemeClr val="accent1">
+                  <a:shade val="50000"/>
+                </a:schemeClr>
+              </a:lnRef>
+              <a:fillRef idx="1">
+                <a:schemeClr val="accent1"/>
+              </a:fillRef>
+              <a:effectRef idx="0">
+                <a:schemeClr val="accent1"/>
+              </a:effectRef>
+              <a:fontRef idx="minor">
+                <a:schemeClr val="lt1"/>
+              </a:fontRef>
+            </p:style>
+            <p:txBody>
+              <a:bodyPr rtlCol="0" anchor="ctr"/>
+              <a:lstStyle/>
+              <a:p>
+                <a:pPr algn="ctr"/>
+                <a:endParaRPr lang="en-US"/>
+              </a:p>
+            </p:txBody>
+          </p:sp>
+        </p:grpSp>
+        <p:grpSp>
+          <p:nvGrpSpPr>
+            <p:cNvPr id="46" name="Group 45"/>
+            <p:cNvGrpSpPr/>
+            <p:nvPr/>
+          </p:nvGrpSpPr>
+          <p:grpSpPr>
+            <a:xfrm rot="21029810">
+              <a:off x="8747905" y="1496817"/>
+              <a:ext cx="772515" cy="790574"/>
+              <a:chOff x="1811479" y="1371601"/>
+              <a:chExt cx="772515" cy="790574"/>
+            </a:xfrm>
+          </p:grpSpPr>
+          <p:sp>
+            <p:nvSpPr>
+              <p:cNvPr id="47" name="Oval 46"/>
+              <p:cNvSpPr/>
+              <p:nvPr/>
+            </p:nvSpPr>
+            <p:spPr>
+              <a:xfrm>
+                <a:off x="2448298" y="2012887"/>
+                <a:ext cx="135696" cy="149288"/>
+              </a:xfrm>
+              <a:prstGeom prst="ellipse">
+                <a:avLst/>
+              </a:prstGeom>
+              <a:solidFill>
+                <a:schemeClr val="tx1"/>
+              </a:solidFill>
+              <a:ln>
+                <a:noFill/>
+              </a:ln>
+            </p:spPr>
+            <p:style>
+              <a:lnRef idx="2">
+                <a:schemeClr val="accent1">
+                  <a:shade val="50000"/>
+                </a:schemeClr>
+              </a:lnRef>
+              <a:fillRef idx="1">
+                <a:schemeClr val="accent1"/>
+              </a:fillRef>
+              <a:effectRef idx="0">
+                <a:schemeClr val="accent1"/>
+              </a:effectRef>
+              <a:fontRef idx="minor">
+                <a:schemeClr val="lt1"/>
+              </a:fontRef>
+            </p:style>
+            <p:txBody>
+              <a:bodyPr rtlCol="0" anchor="ctr"/>
+              <a:lstStyle/>
+              <a:p>
+                <a:pPr algn="ctr"/>
+                <a:endParaRPr lang="en-US"/>
+              </a:p>
+            </p:txBody>
+          </p:sp>
+          <p:sp>
+            <p:nvSpPr>
+              <p:cNvPr id="48" name="Oval 47"/>
+              <p:cNvSpPr/>
+              <p:nvPr/>
+            </p:nvSpPr>
+            <p:spPr>
+              <a:xfrm>
+                <a:off x="1811479" y="1371601"/>
+                <a:ext cx="302389" cy="323849"/>
+              </a:xfrm>
+              <a:prstGeom prst="ellipse">
+                <a:avLst/>
+              </a:prstGeom>
+              <a:solidFill>
+                <a:schemeClr val="tx1"/>
+              </a:solidFill>
+              <a:ln>
+                <a:noFill/>
+              </a:ln>
+            </p:spPr>
+            <p:style>
+              <a:lnRef idx="2">
+                <a:schemeClr val="accent1">
+                  <a:shade val="50000"/>
+                </a:schemeClr>
+              </a:lnRef>
+              <a:fillRef idx="1">
+                <a:schemeClr val="accent1"/>
+              </a:fillRef>
+              <a:effectRef idx="0">
+                <a:schemeClr val="accent1"/>
+              </a:effectRef>
+              <a:fontRef idx="minor">
+                <a:schemeClr val="lt1"/>
+              </a:fontRef>
+            </p:style>
+            <p:txBody>
+              <a:bodyPr rtlCol="0" anchor="ctr"/>
+              <a:lstStyle/>
+              <a:p>
+                <a:pPr algn="ctr"/>
+                <a:endParaRPr lang="en-US"/>
+              </a:p>
+            </p:txBody>
+          </p:sp>
+          <p:sp>
+            <p:nvSpPr>
+              <p:cNvPr id="49" name="Oval 48"/>
+              <p:cNvSpPr/>
+              <p:nvPr/>
+            </p:nvSpPr>
+            <p:spPr>
+              <a:xfrm>
+                <a:off x="2065636" y="1622426"/>
+                <a:ext cx="237909" cy="254793"/>
+              </a:xfrm>
+              <a:prstGeom prst="ellipse">
+                <a:avLst/>
+              </a:prstGeom>
+              <a:solidFill>
+                <a:schemeClr val="tx1"/>
+              </a:solidFill>
+              <a:ln>
+                <a:noFill/>
+              </a:ln>
+            </p:spPr>
+            <p:style>
+              <a:lnRef idx="2">
+                <a:schemeClr val="accent1">
+                  <a:shade val="50000"/>
+                </a:schemeClr>
+              </a:lnRef>
+              <a:fillRef idx="1">
+                <a:schemeClr val="accent1"/>
+              </a:fillRef>
+              <a:effectRef idx="0">
+                <a:schemeClr val="accent1"/>
+              </a:effectRef>
+              <a:fontRef idx="minor">
+                <a:schemeClr val="lt1"/>
+              </a:fontRef>
+            </p:style>
+            <p:txBody>
+              <a:bodyPr rtlCol="0" anchor="ctr"/>
+              <a:lstStyle/>
+              <a:p>
+                <a:pPr algn="ctr"/>
+                <a:endParaRPr lang="en-US"/>
+              </a:p>
+            </p:txBody>
+          </p:sp>
+          <p:sp>
+            <p:nvSpPr>
+              <p:cNvPr id="50" name="Oval 49"/>
+              <p:cNvSpPr/>
+              <p:nvPr/>
+            </p:nvSpPr>
+            <p:spPr>
+              <a:xfrm>
+                <a:off x="2270367" y="1835151"/>
+                <a:ext cx="199340" cy="217487"/>
+              </a:xfrm>
+              <a:prstGeom prst="ellipse">
+                <a:avLst/>
+              </a:prstGeom>
+              <a:solidFill>
+                <a:schemeClr val="tx1"/>
+              </a:solidFill>
+              <a:ln>
+                <a:noFill/>
+              </a:ln>
+            </p:spPr>
+            <p:style>
+              <a:lnRef idx="2">
+                <a:schemeClr val="accent1">
+                  <a:shade val="50000"/>
+                </a:schemeClr>
+              </a:lnRef>
+              <a:fillRef idx="1">
+                <a:schemeClr val="accent1"/>
+              </a:fillRef>
+              <a:effectRef idx="0">
+                <a:schemeClr val="accent1"/>
+              </a:effectRef>
+              <a:fontRef idx="minor">
+                <a:schemeClr val="lt1"/>
+              </a:fontRef>
+            </p:style>
+            <p:txBody>
+              <a:bodyPr rtlCol="0" anchor="ctr"/>
+              <a:lstStyle/>
+              <a:p>
+                <a:pPr algn="ctr"/>
+                <a:endParaRPr lang="en-US"/>
+              </a:p>
+            </p:txBody>
+          </p:sp>
+        </p:grpSp>
+        <p:grpSp>
+          <p:nvGrpSpPr>
+            <p:cNvPr id="56" name="Group 55"/>
+            <p:cNvGrpSpPr/>
+            <p:nvPr/>
+          </p:nvGrpSpPr>
+          <p:grpSpPr>
+            <a:xfrm rot="1075442">
+              <a:off x="10518372" y="-57754"/>
+              <a:ext cx="772515" cy="790574"/>
+              <a:chOff x="1811479" y="1371601"/>
+              <a:chExt cx="772515" cy="790574"/>
+            </a:xfrm>
+          </p:grpSpPr>
+          <p:sp>
+            <p:nvSpPr>
+              <p:cNvPr id="57" name="Oval 56"/>
+              <p:cNvSpPr/>
+              <p:nvPr/>
+            </p:nvSpPr>
+            <p:spPr>
+              <a:xfrm>
+                <a:off x="2448298" y="2012887"/>
+                <a:ext cx="135696" cy="149288"/>
+              </a:xfrm>
+              <a:prstGeom prst="ellipse">
+                <a:avLst/>
+              </a:prstGeom>
+              <a:solidFill>
+                <a:schemeClr val="tx1"/>
+              </a:solidFill>
+              <a:ln>
+                <a:noFill/>
+              </a:ln>
+            </p:spPr>
+            <p:style>
+              <a:lnRef idx="2">
+                <a:schemeClr val="accent1">
+                  <a:shade val="50000"/>
+                </a:schemeClr>
+              </a:lnRef>
+              <a:fillRef idx="1">
+                <a:schemeClr val="accent1"/>
+              </a:fillRef>
+              <a:effectRef idx="0">
+                <a:schemeClr val="accent1"/>
+              </a:effectRef>
+              <a:fontRef idx="minor">
+                <a:schemeClr val="lt1"/>
+              </a:fontRef>
+            </p:style>
+            <p:txBody>
+              <a:bodyPr rtlCol="0" anchor="ctr"/>
+              <a:lstStyle/>
+              <a:p>
+                <a:pPr algn="ctr"/>
+                <a:endParaRPr lang="en-US"/>
+              </a:p>
+            </p:txBody>
+          </p:sp>
+          <p:sp>
+            <p:nvSpPr>
+              <p:cNvPr id="58" name="Oval 57"/>
+              <p:cNvSpPr/>
+              <p:nvPr/>
+            </p:nvSpPr>
+            <p:spPr>
+              <a:xfrm>
+                <a:off x="1811479" y="1371601"/>
+                <a:ext cx="302389" cy="323849"/>
+              </a:xfrm>
+              <a:prstGeom prst="ellipse">
+                <a:avLst/>
+              </a:prstGeom>
+              <a:solidFill>
+                <a:schemeClr val="tx1"/>
+              </a:solidFill>
+              <a:ln>
+                <a:noFill/>
+              </a:ln>
+            </p:spPr>
+            <p:style>
+              <a:lnRef idx="2">
+                <a:schemeClr val="accent1">
+                  <a:shade val="50000"/>
+                </a:schemeClr>
+              </a:lnRef>
+              <a:fillRef idx="1">
+                <a:schemeClr val="accent1"/>
+              </a:fillRef>
+              <a:effectRef idx="0">
+                <a:schemeClr val="accent1"/>
+              </a:effectRef>
+              <a:fontRef idx="minor">
+                <a:schemeClr val="lt1"/>
+              </a:fontRef>
+            </p:style>
+            <p:txBody>
+              <a:bodyPr rtlCol="0" anchor="ctr"/>
+              <a:lstStyle/>
+              <a:p>
+                <a:pPr algn="ctr"/>
+                <a:endParaRPr lang="en-US"/>
+              </a:p>
+            </p:txBody>
+          </p:sp>
+          <p:sp>
+            <p:nvSpPr>
+              <p:cNvPr id="59" name="Oval 58"/>
+              <p:cNvSpPr/>
+              <p:nvPr/>
+            </p:nvSpPr>
+            <p:spPr>
+              <a:xfrm>
+                <a:off x="2065636" y="1622426"/>
+                <a:ext cx="237909" cy="254793"/>
+              </a:xfrm>
+              <a:prstGeom prst="ellipse">
+                <a:avLst/>
+              </a:prstGeom>
+              <a:solidFill>
+                <a:schemeClr val="tx1"/>
+              </a:solidFill>
+              <a:ln>
+                <a:noFill/>
+              </a:ln>
+            </p:spPr>
+            <p:style>
+              <a:lnRef idx="2">
+                <a:schemeClr val="accent1">
+                  <a:shade val="50000"/>
+                </a:schemeClr>
+              </a:lnRef>
+              <a:fillRef idx="1">
+                <a:schemeClr val="accent1"/>
+              </a:fillRef>
+              <a:effectRef idx="0">
+                <a:schemeClr val="accent1"/>
+              </a:effectRef>
+              <a:fontRef idx="minor">
+                <a:schemeClr val="lt1"/>
+              </a:fontRef>
+            </p:style>
+            <p:txBody>
+              <a:bodyPr rtlCol="0" anchor="ctr"/>
+              <a:lstStyle/>
+              <a:p>
+                <a:pPr algn="ctr"/>
+                <a:endParaRPr lang="en-US"/>
+              </a:p>
+            </p:txBody>
+          </p:sp>
+          <p:sp>
+            <p:nvSpPr>
+              <p:cNvPr id="60" name="Oval 59"/>
+              <p:cNvSpPr/>
+              <p:nvPr/>
+            </p:nvSpPr>
+            <p:spPr>
+              <a:xfrm>
+                <a:off x="2270367" y="1835151"/>
+                <a:ext cx="199340" cy="217487"/>
+              </a:xfrm>
+              <a:prstGeom prst="ellipse">
+                <a:avLst/>
+              </a:prstGeom>
+              <a:solidFill>
+                <a:schemeClr val="tx1"/>
+              </a:solidFill>
+              <a:ln>
+                <a:noFill/>
+              </a:ln>
+            </p:spPr>
+            <p:style>
+              <a:lnRef idx="2">
+                <a:schemeClr val="accent1">
+                  <a:shade val="50000"/>
+                </a:schemeClr>
+              </a:lnRef>
+              <a:fillRef idx="1">
+                <a:schemeClr val="accent1"/>
+              </a:fillRef>
+              <a:effectRef idx="0">
+                <a:schemeClr val="accent1"/>
+              </a:effectRef>
+              <a:fontRef idx="minor">
+                <a:schemeClr val="lt1"/>
+              </a:fontRef>
+            </p:style>
+            <p:txBody>
+              <a:bodyPr rtlCol="0" anchor="ctr"/>
+              <a:lstStyle/>
+              <a:p>
+                <a:pPr algn="ctr"/>
+                <a:endParaRPr lang="en-US"/>
+              </a:p>
+            </p:txBody>
+          </p:sp>
+        </p:grpSp>
+        <p:grpSp>
+          <p:nvGrpSpPr>
+            <p:cNvPr id="61" name="Group 60"/>
+            <p:cNvGrpSpPr/>
+            <p:nvPr/>
+          </p:nvGrpSpPr>
+          <p:grpSpPr>
+            <a:xfrm rot="15952203">
+              <a:off x="9767857" y="5437075"/>
+              <a:ext cx="772515" cy="790574"/>
+              <a:chOff x="1811479" y="1371601"/>
+              <a:chExt cx="772515" cy="790574"/>
+            </a:xfrm>
+          </p:grpSpPr>
+          <p:sp>
+            <p:nvSpPr>
+              <p:cNvPr id="62" name="Oval 61"/>
+              <p:cNvSpPr/>
+              <p:nvPr/>
+            </p:nvSpPr>
+            <p:spPr>
+              <a:xfrm>
+                <a:off x="2448298" y="2012887"/>
+                <a:ext cx="135696" cy="149288"/>
+              </a:xfrm>
+              <a:prstGeom prst="ellipse">
+                <a:avLst/>
+              </a:prstGeom>
+              <a:solidFill>
+                <a:schemeClr val="tx1"/>
+              </a:solidFill>
+              <a:ln>
+                <a:noFill/>
+              </a:ln>
+            </p:spPr>
+            <p:style>
+              <a:lnRef idx="2">
+                <a:schemeClr val="accent1">
+                  <a:shade val="50000"/>
+                </a:schemeClr>
+              </a:lnRef>
+              <a:fillRef idx="1">
+                <a:schemeClr val="accent1"/>
+              </a:fillRef>
+              <a:effectRef idx="0">
+                <a:schemeClr val="accent1"/>
+              </a:effectRef>
+              <a:fontRef idx="minor">
+                <a:schemeClr val="lt1"/>
+              </a:fontRef>
+            </p:style>
+            <p:txBody>
+              <a:bodyPr rtlCol="0" anchor="ctr"/>
+              <a:lstStyle/>
+              <a:p>
+                <a:pPr algn="ctr"/>
+                <a:endParaRPr lang="en-US"/>
+              </a:p>
+            </p:txBody>
+          </p:sp>
+          <p:sp>
+            <p:nvSpPr>
+              <p:cNvPr id="63" name="Oval 62"/>
+              <p:cNvSpPr/>
+              <p:nvPr/>
+            </p:nvSpPr>
+            <p:spPr>
+              <a:xfrm>
+                <a:off x="1811479" y="1371601"/>
+                <a:ext cx="302389" cy="323849"/>
+              </a:xfrm>
+              <a:prstGeom prst="ellipse">
+                <a:avLst/>
+              </a:prstGeom>
+              <a:solidFill>
+                <a:schemeClr val="tx1"/>
+              </a:solidFill>
+              <a:ln>
+                <a:noFill/>
+              </a:ln>
+            </p:spPr>
+            <p:style>
+              <a:lnRef idx="2">
+                <a:schemeClr val="accent1">
+                  <a:shade val="50000"/>
+                </a:schemeClr>
+              </a:lnRef>
+              <a:fillRef idx="1">
+                <a:schemeClr val="accent1"/>
+              </a:fillRef>
+              <a:effectRef idx="0">
+                <a:schemeClr val="accent1"/>
+              </a:effectRef>
+              <a:fontRef idx="minor">
+                <a:schemeClr val="lt1"/>
+              </a:fontRef>
+            </p:style>
+            <p:txBody>
+              <a:bodyPr rtlCol="0" anchor="ctr"/>
+              <a:lstStyle/>
+              <a:p>
+                <a:pPr algn="ctr"/>
+                <a:endParaRPr lang="en-US"/>
+              </a:p>
+            </p:txBody>
+          </p:sp>
+          <p:sp>
+            <p:nvSpPr>
+              <p:cNvPr id="64" name="Oval 63"/>
+              <p:cNvSpPr/>
+              <p:nvPr/>
+            </p:nvSpPr>
+            <p:spPr>
+              <a:xfrm>
+                <a:off x="2065636" y="1622426"/>
+                <a:ext cx="237909" cy="254793"/>
+              </a:xfrm>
+              <a:prstGeom prst="ellipse">
+                <a:avLst/>
+              </a:prstGeom>
+              <a:solidFill>
+                <a:schemeClr val="tx1"/>
+              </a:solidFill>
+              <a:ln>
+                <a:noFill/>
+              </a:ln>
+            </p:spPr>
+            <p:style>
+              <a:lnRef idx="2">
+                <a:schemeClr val="accent1">
+                  <a:shade val="50000"/>
+                </a:schemeClr>
+              </a:lnRef>
+              <a:fillRef idx="1">
+                <a:schemeClr val="accent1"/>
+              </a:fillRef>
+              <a:effectRef idx="0">
+                <a:schemeClr val="accent1"/>
+              </a:effectRef>
+              <a:fontRef idx="minor">
+                <a:schemeClr val="lt1"/>
+              </a:fontRef>
+            </p:style>
+            <p:txBody>
+              <a:bodyPr rtlCol="0" anchor="ctr"/>
+              <a:lstStyle/>
+              <a:p>
+                <a:pPr algn="ctr"/>
+                <a:endParaRPr lang="en-US"/>
+              </a:p>
+            </p:txBody>
+          </p:sp>
+          <p:sp>
+            <p:nvSpPr>
+              <p:cNvPr id="65" name="Oval 64"/>
+              <p:cNvSpPr/>
+              <p:nvPr/>
+            </p:nvSpPr>
+            <p:spPr>
+              <a:xfrm>
+                <a:off x="2270367" y="1835151"/>
+                <a:ext cx="199340" cy="217487"/>
+              </a:xfrm>
+              <a:prstGeom prst="ellipse">
+                <a:avLst/>
+              </a:prstGeom>
+              <a:solidFill>
+                <a:schemeClr val="tx1"/>
+              </a:solidFill>
+              <a:ln>
+                <a:noFill/>
+              </a:ln>
+            </p:spPr>
+            <p:style>
+              <a:lnRef idx="2">
+                <a:schemeClr val="accent1">
+                  <a:shade val="50000"/>
+                </a:schemeClr>
+              </a:lnRef>
+              <a:fillRef idx="1">
+                <a:schemeClr val="accent1"/>
+              </a:fillRef>
+              <a:effectRef idx="0">
+                <a:schemeClr val="accent1"/>
+              </a:effectRef>
+              <a:fontRef idx="minor">
+                <a:schemeClr val="lt1"/>
+              </a:fontRef>
+            </p:style>
+            <p:txBody>
+              <a:bodyPr rtlCol="0" anchor="ctr"/>
+              <a:lstStyle/>
+              <a:p>
+                <a:pPr algn="ctr"/>
+                <a:endParaRPr lang="en-US"/>
+              </a:p>
+            </p:txBody>
+          </p:sp>
+        </p:grpSp>
+        <p:grpSp>
+          <p:nvGrpSpPr>
+            <p:cNvPr id="66" name="Group 65"/>
+            <p:cNvGrpSpPr/>
+            <p:nvPr/>
+          </p:nvGrpSpPr>
+          <p:grpSpPr>
+            <a:xfrm rot="19709947">
+              <a:off x="8431402" y="2568352"/>
+              <a:ext cx="772515" cy="790574"/>
+              <a:chOff x="1811479" y="1371601"/>
+              <a:chExt cx="772515" cy="790574"/>
+            </a:xfrm>
+          </p:grpSpPr>
+          <p:sp>
+            <p:nvSpPr>
+              <p:cNvPr id="67" name="Oval 66"/>
+              <p:cNvSpPr/>
+              <p:nvPr/>
+            </p:nvSpPr>
+            <p:spPr>
+              <a:xfrm>
+                <a:off x="2448298" y="2012887"/>
+                <a:ext cx="135696" cy="149288"/>
+              </a:xfrm>
+              <a:prstGeom prst="ellipse">
+                <a:avLst/>
+              </a:prstGeom>
+              <a:solidFill>
+                <a:schemeClr val="tx1"/>
+              </a:solidFill>
+              <a:ln>
+                <a:noFill/>
+              </a:ln>
+            </p:spPr>
+            <p:style>
+              <a:lnRef idx="2">
+                <a:schemeClr val="accent1">
+                  <a:shade val="50000"/>
+                </a:schemeClr>
+              </a:lnRef>
+              <a:fillRef idx="1">
+                <a:schemeClr val="accent1"/>
+              </a:fillRef>
+              <a:effectRef idx="0">
+                <a:schemeClr val="accent1"/>
+              </a:effectRef>
+              <a:fontRef idx="minor">
+                <a:schemeClr val="lt1"/>
+              </a:fontRef>
+            </p:style>
+            <p:txBody>
+              <a:bodyPr rtlCol="0" anchor="ctr"/>
+              <a:lstStyle/>
+              <a:p>
+                <a:pPr algn="ctr"/>
+                <a:endParaRPr lang="en-US"/>
+              </a:p>
+            </p:txBody>
+          </p:sp>
+          <p:sp>
+            <p:nvSpPr>
+              <p:cNvPr id="68" name="Oval 67"/>
+              <p:cNvSpPr/>
+              <p:nvPr/>
+            </p:nvSpPr>
+            <p:spPr>
+              <a:xfrm>
+                <a:off x="1811479" y="1371601"/>
+                <a:ext cx="302389" cy="323849"/>
+              </a:xfrm>
+              <a:prstGeom prst="ellipse">
+                <a:avLst/>
+              </a:prstGeom>
+              <a:solidFill>
+                <a:schemeClr val="tx1"/>
+              </a:solidFill>
+              <a:ln>
+                <a:noFill/>
+              </a:ln>
+            </p:spPr>
+            <p:style>
+              <a:lnRef idx="2">
+                <a:schemeClr val="accent1">
+                  <a:shade val="50000"/>
+                </a:schemeClr>
+              </a:lnRef>
+              <a:fillRef idx="1">
+                <a:schemeClr val="accent1"/>
+              </a:fillRef>
+              <a:effectRef idx="0">
+                <a:schemeClr val="accent1"/>
+              </a:effectRef>
+              <a:fontRef idx="minor">
+                <a:schemeClr val="lt1"/>
+              </a:fontRef>
+            </p:style>
+            <p:txBody>
+              <a:bodyPr rtlCol="0" anchor="ctr"/>
+              <a:lstStyle/>
+              <a:p>
+                <a:pPr algn="ctr"/>
+                <a:endParaRPr lang="en-US"/>
+              </a:p>
+            </p:txBody>
+          </p:sp>
+          <p:sp>
+            <p:nvSpPr>
+              <p:cNvPr id="69" name="Oval 68"/>
+              <p:cNvSpPr/>
+              <p:nvPr/>
+            </p:nvSpPr>
+            <p:spPr>
+              <a:xfrm>
+                <a:off x="2065636" y="1622426"/>
+                <a:ext cx="237909" cy="254793"/>
+              </a:xfrm>
+              <a:prstGeom prst="ellipse">
+                <a:avLst/>
+              </a:prstGeom>
+              <a:solidFill>
+                <a:schemeClr val="tx1"/>
+              </a:solidFill>
+              <a:ln>
+                <a:noFill/>
+              </a:ln>
+            </p:spPr>
+            <p:style>
+              <a:lnRef idx="2">
+                <a:schemeClr val="accent1">
+                  <a:shade val="50000"/>
+                </a:schemeClr>
+              </a:lnRef>
+              <a:fillRef idx="1">
+                <a:schemeClr val="accent1"/>
+              </a:fillRef>
+              <a:effectRef idx="0">
+                <a:schemeClr val="accent1"/>
+              </a:effectRef>
+              <a:fontRef idx="minor">
+                <a:schemeClr val="lt1"/>
+              </a:fontRef>
+            </p:style>
+            <p:txBody>
+              <a:bodyPr rtlCol="0" anchor="ctr"/>
+              <a:lstStyle/>
+              <a:p>
+                <a:pPr algn="ctr"/>
+                <a:endParaRPr lang="en-US"/>
+              </a:p>
+            </p:txBody>
+          </p:sp>
+          <p:sp>
+            <p:nvSpPr>
+              <p:cNvPr id="70" name="Oval 69"/>
+              <p:cNvSpPr/>
+              <p:nvPr/>
+            </p:nvSpPr>
+            <p:spPr>
+              <a:xfrm>
+                <a:off x="2270367" y="1835151"/>
+                <a:ext cx="199340" cy="217487"/>
+              </a:xfrm>
+              <a:prstGeom prst="ellipse">
+                <a:avLst/>
+              </a:prstGeom>
+              <a:solidFill>
+                <a:schemeClr val="tx1"/>
+              </a:solidFill>
+              <a:ln>
+                <a:noFill/>
+              </a:ln>
+            </p:spPr>
+            <p:style>
+              <a:lnRef idx="2">
+                <a:schemeClr val="accent1">
+                  <a:shade val="50000"/>
+                </a:schemeClr>
+              </a:lnRef>
+              <a:fillRef idx="1">
+                <a:schemeClr val="accent1"/>
+              </a:fillRef>
+              <a:effectRef idx="0">
+                <a:schemeClr val="accent1"/>
+              </a:effectRef>
+              <a:fontRef idx="minor">
+                <a:schemeClr val="lt1"/>
+              </a:fontRef>
+            </p:style>
+            <p:txBody>
+              <a:bodyPr rtlCol="0" anchor="ctr"/>
+              <a:lstStyle/>
+              <a:p>
+                <a:pPr algn="ctr"/>
+                <a:endParaRPr lang="en-US"/>
+              </a:p>
+            </p:txBody>
+          </p:sp>
+        </p:grpSp>
+        <p:grpSp>
+          <p:nvGrpSpPr>
+            <p:cNvPr id="71" name="Group 70"/>
+            <p:cNvGrpSpPr/>
+            <p:nvPr/>
+          </p:nvGrpSpPr>
+          <p:grpSpPr>
+            <a:xfrm rot="18271244">
+              <a:off x="8469638" y="3651544"/>
+              <a:ext cx="772515" cy="790574"/>
+              <a:chOff x="1811479" y="1371601"/>
+              <a:chExt cx="772515" cy="790574"/>
+            </a:xfrm>
+          </p:grpSpPr>
+          <p:sp>
+            <p:nvSpPr>
+              <p:cNvPr id="72" name="Oval 71"/>
+              <p:cNvSpPr/>
+              <p:nvPr/>
+            </p:nvSpPr>
+            <p:spPr>
+              <a:xfrm>
+                <a:off x="2448298" y="2012887"/>
+                <a:ext cx="135696" cy="149288"/>
+              </a:xfrm>
+              <a:prstGeom prst="ellipse">
+                <a:avLst/>
+              </a:prstGeom>
+              <a:solidFill>
+                <a:schemeClr val="tx1"/>
+              </a:solidFill>
+              <a:ln>
+                <a:noFill/>
+              </a:ln>
+            </p:spPr>
+            <p:style>
+              <a:lnRef idx="2">
+                <a:schemeClr val="accent1">
+                  <a:shade val="50000"/>
+                </a:schemeClr>
+              </a:lnRef>
+              <a:fillRef idx="1">
+                <a:schemeClr val="accent1"/>
+              </a:fillRef>
+              <a:effectRef idx="0">
+                <a:schemeClr val="accent1"/>
+              </a:effectRef>
+              <a:fontRef idx="minor">
+                <a:schemeClr val="lt1"/>
+              </a:fontRef>
+            </p:style>
+            <p:txBody>
+              <a:bodyPr rtlCol="0" anchor="ctr"/>
+              <a:lstStyle/>
+              <a:p>
+                <a:pPr algn="ctr"/>
+                <a:endParaRPr lang="en-US"/>
+              </a:p>
+            </p:txBody>
+          </p:sp>
+          <p:sp>
+            <p:nvSpPr>
+              <p:cNvPr id="73" name="Oval 72"/>
+              <p:cNvSpPr/>
+              <p:nvPr/>
+            </p:nvSpPr>
+            <p:spPr>
+              <a:xfrm>
+                <a:off x="1811479" y="1371601"/>
+                <a:ext cx="302389" cy="323849"/>
+              </a:xfrm>
+              <a:prstGeom prst="ellipse">
+                <a:avLst/>
+              </a:prstGeom>
+              <a:solidFill>
+                <a:schemeClr val="tx1"/>
+              </a:solidFill>
+              <a:ln>
+                <a:noFill/>
+              </a:ln>
+            </p:spPr>
+            <p:style>
+              <a:lnRef idx="2">
+                <a:schemeClr val="accent1">
+                  <a:shade val="50000"/>
+                </a:schemeClr>
+              </a:lnRef>
+              <a:fillRef idx="1">
+                <a:schemeClr val="accent1"/>
+              </a:fillRef>
+              <a:effectRef idx="0">
+                <a:schemeClr val="accent1"/>
+              </a:effectRef>
+              <a:fontRef idx="minor">
+                <a:schemeClr val="lt1"/>
+              </a:fontRef>
+            </p:style>
+            <p:txBody>
+              <a:bodyPr rtlCol="0" anchor="ctr"/>
+              <a:lstStyle/>
+              <a:p>
+                <a:pPr algn="ctr"/>
+                <a:endParaRPr lang="en-US"/>
+              </a:p>
+            </p:txBody>
+          </p:sp>
+          <p:sp>
+            <p:nvSpPr>
+              <p:cNvPr id="74" name="Oval 73"/>
+              <p:cNvSpPr/>
+              <p:nvPr/>
+            </p:nvSpPr>
+            <p:spPr>
+              <a:xfrm>
+                <a:off x="2065636" y="1622426"/>
+                <a:ext cx="237909" cy="254793"/>
+              </a:xfrm>
+              <a:prstGeom prst="ellipse">
+                <a:avLst/>
+              </a:prstGeom>
+              <a:solidFill>
+                <a:schemeClr val="tx1"/>
+              </a:solidFill>
+              <a:ln>
+                <a:noFill/>
+              </a:ln>
+            </p:spPr>
+            <p:style>
+              <a:lnRef idx="2">
+                <a:schemeClr val="accent1">
+                  <a:shade val="50000"/>
+                </a:schemeClr>
+              </a:lnRef>
+              <a:fillRef idx="1">
+                <a:schemeClr val="accent1"/>
+              </a:fillRef>
+              <a:effectRef idx="0">
+                <a:schemeClr val="accent1"/>
+              </a:effectRef>
+              <a:fontRef idx="minor">
+                <a:schemeClr val="lt1"/>
+              </a:fontRef>
+            </p:style>
+            <p:txBody>
+              <a:bodyPr rtlCol="0" anchor="ctr"/>
+              <a:lstStyle/>
+              <a:p>
+                <a:pPr algn="ctr"/>
+                <a:endParaRPr lang="en-US"/>
+              </a:p>
+            </p:txBody>
+          </p:sp>
+          <p:sp>
+            <p:nvSpPr>
+              <p:cNvPr id="75" name="Oval 74"/>
+              <p:cNvSpPr/>
+              <p:nvPr/>
+            </p:nvSpPr>
+            <p:spPr>
+              <a:xfrm>
+                <a:off x="2270367" y="1835151"/>
+                <a:ext cx="199340" cy="217487"/>
+              </a:xfrm>
+              <a:prstGeom prst="ellipse">
+                <a:avLst/>
+              </a:prstGeom>
+              <a:solidFill>
+                <a:schemeClr val="tx1"/>
+              </a:solidFill>
+              <a:ln>
+                <a:noFill/>
+              </a:ln>
+            </p:spPr>
+            <p:style>
+              <a:lnRef idx="2">
+                <a:schemeClr val="accent1">
+                  <a:shade val="50000"/>
+                </a:schemeClr>
+              </a:lnRef>
+              <a:fillRef idx="1">
+                <a:schemeClr val="accent1"/>
+              </a:fillRef>
+              <a:effectRef idx="0">
+                <a:schemeClr val="accent1"/>
+              </a:effectRef>
+              <a:fontRef idx="minor">
+                <a:schemeClr val="lt1"/>
+              </a:fontRef>
+            </p:style>
+            <p:txBody>
+              <a:bodyPr rtlCol="0" anchor="ctr"/>
+              <a:lstStyle/>
+              <a:p>
+                <a:pPr algn="ctr"/>
+                <a:endParaRPr lang="en-US"/>
+              </a:p>
+            </p:txBody>
+          </p:sp>
+        </p:grpSp>
+        <p:grpSp>
+          <p:nvGrpSpPr>
+            <p:cNvPr id="81" name="Group 80"/>
+            <p:cNvGrpSpPr/>
+            <p:nvPr/>
+          </p:nvGrpSpPr>
+          <p:grpSpPr>
+            <a:xfrm rot="13938619">
+              <a:off x="10845070" y="5870925"/>
+              <a:ext cx="772515" cy="790574"/>
+              <a:chOff x="1811479" y="1371601"/>
+              <a:chExt cx="772515" cy="790574"/>
+            </a:xfrm>
+          </p:grpSpPr>
+          <p:sp>
+            <p:nvSpPr>
+              <p:cNvPr id="82" name="Oval 81"/>
+              <p:cNvSpPr/>
+              <p:nvPr/>
+            </p:nvSpPr>
+            <p:spPr>
+              <a:xfrm>
+                <a:off x="2448298" y="2012887"/>
+                <a:ext cx="135696" cy="149288"/>
+              </a:xfrm>
+              <a:prstGeom prst="ellipse">
+                <a:avLst/>
+              </a:prstGeom>
+              <a:solidFill>
+                <a:schemeClr val="tx1"/>
+              </a:solidFill>
+              <a:ln>
+                <a:noFill/>
+              </a:ln>
+            </p:spPr>
+            <p:style>
+              <a:lnRef idx="2">
+                <a:schemeClr val="accent1">
+                  <a:shade val="50000"/>
+                </a:schemeClr>
+              </a:lnRef>
+              <a:fillRef idx="1">
+                <a:schemeClr val="accent1"/>
+              </a:fillRef>
+              <a:effectRef idx="0">
+                <a:schemeClr val="accent1"/>
+              </a:effectRef>
+              <a:fontRef idx="minor">
+                <a:schemeClr val="lt1"/>
+              </a:fontRef>
+            </p:style>
+            <p:txBody>
+              <a:bodyPr rtlCol="0" anchor="ctr"/>
+              <a:lstStyle/>
+              <a:p>
+                <a:pPr algn="ctr"/>
+                <a:endParaRPr lang="en-US"/>
+              </a:p>
+            </p:txBody>
+          </p:sp>
+          <p:sp>
+            <p:nvSpPr>
+              <p:cNvPr id="83" name="Oval 82"/>
+              <p:cNvSpPr/>
+              <p:nvPr/>
+            </p:nvSpPr>
+            <p:spPr>
+              <a:xfrm>
+                <a:off x="1811479" y="1371601"/>
+                <a:ext cx="302389" cy="323849"/>
+              </a:xfrm>
+              <a:prstGeom prst="ellipse">
+                <a:avLst/>
+              </a:prstGeom>
+              <a:solidFill>
+                <a:schemeClr val="tx1"/>
+              </a:solidFill>
+              <a:ln>
+                <a:noFill/>
+              </a:ln>
+            </p:spPr>
+            <p:style>
+              <a:lnRef idx="2">
+                <a:schemeClr val="accent1">
+                  <a:shade val="50000"/>
+                </a:schemeClr>
+              </a:lnRef>
+              <a:fillRef idx="1">
+                <a:schemeClr val="accent1"/>
+              </a:fillRef>
+              <a:effectRef idx="0">
+                <a:schemeClr val="accent1"/>
+              </a:effectRef>
+              <a:fontRef idx="minor">
+                <a:schemeClr val="lt1"/>
+              </a:fontRef>
+            </p:style>
+            <p:txBody>
+              <a:bodyPr rtlCol="0" anchor="ctr"/>
+              <a:lstStyle/>
+              <a:p>
+                <a:pPr algn="ctr"/>
+                <a:endParaRPr lang="en-US"/>
+              </a:p>
+            </p:txBody>
+          </p:sp>
+          <p:sp>
+            <p:nvSpPr>
+              <p:cNvPr id="84" name="Oval 83"/>
+              <p:cNvSpPr/>
+              <p:nvPr/>
+            </p:nvSpPr>
+            <p:spPr>
+              <a:xfrm>
+                <a:off x="2065636" y="1622426"/>
+                <a:ext cx="237909" cy="254793"/>
+              </a:xfrm>
+              <a:prstGeom prst="ellipse">
+                <a:avLst/>
+              </a:prstGeom>
+              <a:solidFill>
+                <a:schemeClr val="tx1"/>
+              </a:solidFill>
+              <a:ln>
+                <a:noFill/>
+              </a:ln>
+            </p:spPr>
+            <p:style>
+              <a:lnRef idx="2">
+                <a:schemeClr val="accent1">
+                  <a:shade val="50000"/>
+                </a:schemeClr>
+              </a:lnRef>
+              <a:fillRef idx="1">
+                <a:schemeClr val="accent1"/>
+              </a:fillRef>
+              <a:effectRef idx="0">
+                <a:schemeClr val="accent1"/>
+              </a:effectRef>
+              <a:fontRef idx="minor">
+                <a:schemeClr val="lt1"/>
+              </a:fontRef>
+            </p:style>
+            <p:txBody>
+              <a:bodyPr rtlCol="0" anchor="ctr"/>
+              <a:lstStyle/>
+              <a:p>
+                <a:pPr algn="ctr"/>
+                <a:endParaRPr lang="en-US"/>
+              </a:p>
+            </p:txBody>
+          </p:sp>
+          <p:sp>
+            <p:nvSpPr>
+              <p:cNvPr id="85" name="Oval 84"/>
+              <p:cNvSpPr/>
+              <p:nvPr/>
+            </p:nvSpPr>
+            <p:spPr>
+              <a:xfrm>
+                <a:off x="2270367" y="1835151"/>
+                <a:ext cx="199340" cy="217487"/>
+              </a:xfrm>
+              <a:prstGeom prst="ellipse">
+                <a:avLst/>
+              </a:prstGeom>
+              <a:solidFill>
+                <a:schemeClr val="tx1"/>
+              </a:solidFill>
+              <a:ln>
+                <a:noFill/>
+              </a:ln>
+            </p:spPr>
+            <p:style>
+              <a:lnRef idx="2">
+                <a:schemeClr val="accent1">
+                  <a:shade val="50000"/>
+                </a:schemeClr>
+              </a:lnRef>
+              <a:fillRef idx="1">
+                <a:schemeClr val="accent1"/>
+              </a:fillRef>
+              <a:effectRef idx="0">
+                <a:schemeClr val="accent1"/>
+              </a:effectRef>
+              <a:fontRef idx="minor">
+                <a:schemeClr val="lt1"/>
+              </a:fontRef>
+            </p:style>
+            <p:txBody>
+              <a:bodyPr rtlCol="0" anchor="ctr"/>
+              <a:lstStyle/>
+              <a:p>
+                <a:pPr algn="ctr"/>
+                <a:endParaRPr lang="en-US"/>
+              </a:p>
+            </p:txBody>
+          </p:sp>
+        </p:grpSp>
+        <p:grpSp>
+          <p:nvGrpSpPr>
+            <p:cNvPr id="91" name="Group 90"/>
+            <p:cNvGrpSpPr/>
+            <p:nvPr/>
+          </p:nvGrpSpPr>
+          <p:grpSpPr>
+            <a:xfrm rot="12543494">
+              <a:off x="12133974" y="5856731"/>
+              <a:ext cx="772515" cy="790574"/>
+              <a:chOff x="1811479" y="1371601"/>
+              <a:chExt cx="772515" cy="790574"/>
+            </a:xfrm>
+          </p:grpSpPr>
+          <p:sp>
+            <p:nvSpPr>
+              <p:cNvPr id="92" name="Oval 91"/>
+              <p:cNvSpPr/>
+              <p:nvPr/>
+            </p:nvSpPr>
+            <p:spPr>
+              <a:xfrm>
+                <a:off x="2448298" y="2012887"/>
+                <a:ext cx="135696" cy="149288"/>
+              </a:xfrm>
+              <a:prstGeom prst="ellipse">
+                <a:avLst/>
+              </a:prstGeom>
+              <a:solidFill>
+                <a:schemeClr val="tx1"/>
+              </a:solidFill>
+              <a:ln>
+                <a:noFill/>
+              </a:ln>
+            </p:spPr>
+            <p:style>
+              <a:lnRef idx="2">
+                <a:schemeClr val="accent1">
+                  <a:shade val="50000"/>
+                </a:schemeClr>
+              </a:lnRef>
+              <a:fillRef idx="1">
+                <a:schemeClr val="accent1"/>
+              </a:fillRef>
+              <a:effectRef idx="0">
+                <a:schemeClr val="accent1"/>
+              </a:effectRef>
+              <a:fontRef idx="minor">
+                <a:schemeClr val="lt1"/>
+              </a:fontRef>
+            </p:style>
+            <p:txBody>
+              <a:bodyPr rtlCol="0" anchor="ctr"/>
+              <a:lstStyle/>
+              <a:p>
+                <a:pPr algn="ctr"/>
+                <a:endParaRPr lang="en-US"/>
+              </a:p>
+            </p:txBody>
+          </p:sp>
+          <p:sp>
+            <p:nvSpPr>
+              <p:cNvPr id="93" name="Oval 92"/>
+              <p:cNvSpPr/>
+              <p:nvPr/>
+            </p:nvSpPr>
+            <p:spPr>
+              <a:xfrm>
+                <a:off x="1811479" y="1371601"/>
+                <a:ext cx="302389" cy="323849"/>
+              </a:xfrm>
+              <a:prstGeom prst="ellipse">
+                <a:avLst/>
+              </a:prstGeom>
+              <a:solidFill>
+                <a:schemeClr val="tx1"/>
+              </a:solidFill>
+              <a:ln>
+                <a:noFill/>
+              </a:ln>
+            </p:spPr>
+            <p:style>
+              <a:lnRef idx="2">
+                <a:schemeClr val="accent1">
+                  <a:shade val="50000"/>
+                </a:schemeClr>
+              </a:lnRef>
+              <a:fillRef idx="1">
+                <a:schemeClr val="accent1"/>
+              </a:fillRef>
+              <a:effectRef idx="0">
+                <a:schemeClr val="accent1"/>
+              </a:effectRef>
+              <a:fontRef idx="minor">
+                <a:schemeClr val="lt1"/>
+              </a:fontRef>
+            </p:style>
+            <p:txBody>
+              <a:bodyPr rtlCol="0" anchor="ctr"/>
+              <a:lstStyle/>
+              <a:p>
+                <a:pPr algn="ctr"/>
+                <a:endParaRPr lang="en-US"/>
+              </a:p>
+            </p:txBody>
+          </p:sp>
+          <p:sp>
+            <p:nvSpPr>
+              <p:cNvPr id="94" name="Oval 93"/>
+              <p:cNvSpPr/>
+              <p:nvPr/>
+            </p:nvSpPr>
+            <p:spPr>
+              <a:xfrm>
+                <a:off x="2065636" y="1622426"/>
+                <a:ext cx="237909" cy="254793"/>
+              </a:xfrm>
+              <a:prstGeom prst="ellipse">
+                <a:avLst/>
+              </a:prstGeom>
+              <a:solidFill>
+                <a:schemeClr val="tx1"/>
+              </a:solidFill>
+              <a:ln>
+                <a:noFill/>
+              </a:ln>
+            </p:spPr>
+            <p:style>
+              <a:lnRef idx="2">
+                <a:schemeClr val="accent1">
+                  <a:shade val="50000"/>
+                </a:schemeClr>
+              </a:lnRef>
+              <a:fillRef idx="1">
+                <a:schemeClr val="accent1"/>
+              </a:fillRef>
+              <a:effectRef idx="0">
+                <a:schemeClr val="accent1"/>
+              </a:effectRef>
+              <a:fontRef idx="minor">
+                <a:schemeClr val="lt1"/>
+              </a:fontRef>
+            </p:style>
+            <p:txBody>
+              <a:bodyPr rtlCol="0" anchor="ctr"/>
+              <a:lstStyle/>
+              <a:p>
+                <a:pPr algn="ctr"/>
+                <a:endParaRPr lang="en-US"/>
+              </a:p>
+            </p:txBody>
+          </p:sp>
+          <p:sp>
+            <p:nvSpPr>
+              <p:cNvPr id="95" name="Oval 94"/>
+              <p:cNvSpPr/>
+              <p:nvPr/>
+            </p:nvSpPr>
+            <p:spPr>
+              <a:xfrm>
+                <a:off x="2270367" y="1835151"/>
+                <a:ext cx="199340" cy="217487"/>
+              </a:xfrm>
+              <a:prstGeom prst="ellipse">
+                <a:avLst/>
+              </a:prstGeom>
+              <a:solidFill>
+                <a:schemeClr val="tx1"/>
+              </a:solidFill>
+              <a:ln>
+                <a:noFill/>
+              </a:ln>
+            </p:spPr>
+            <p:style>
+              <a:lnRef idx="2">
+                <a:schemeClr val="accent1">
+                  <a:shade val="50000"/>
+                </a:schemeClr>
+              </a:lnRef>
+              <a:fillRef idx="1">
+                <a:schemeClr val="accent1"/>
+              </a:fillRef>
+              <a:effectRef idx="0">
+                <a:schemeClr val="accent1"/>
+              </a:effectRef>
+              <a:fontRef idx="minor">
+                <a:schemeClr val="lt1"/>
+              </a:fontRef>
+            </p:style>
+            <p:txBody>
+              <a:bodyPr rtlCol="0" anchor="ctr"/>
+              <a:lstStyle/>
+              <a:p>
+                <a:pPr algn="ctr"/>
+                <a:endParaRPr lang="en-US"/>
+              </a:p>
+            </p:txBody>
+          </p:sp>
+        </p:grpSp>
+        <p:grpSp>
+          <p:nvGrpSpPr>
+            <p:cNvPr id="101" name="Group 100"/>
+            <p:cNvGrpSpPr/>
+            <p:nvPr/>
+          </p:nvGrpSpPr>
+          <p:grpSpPr>
+            <a:xfrm rot="11526825">
+              <a:off x="13180798" y="5371528"/>
+              <a:ext cx="772515" cy="790574"/>
+              <a:chOff x="1811479" y="1371601"/>
+              <a:chExt cx="772515" cy="790574"/>
+            </a:xfrm>
+          </p:grpSpPr>
+          <p:sp>
+            <p:nvSpPr>
+              <p:cNvPr id="102" name="Oval 101"/>
+              <p:cNvSpPr/>
+              <p:nvPr/>
+            </p:nvSpPr>
+            <p:spPr>
+              <a:xfrm>
+                <a:off x="2448298" y="2012887"/>
+                <a:ext cx="135696" cy="149288"/>
+              </a:xfrm>
+              <a:prstGeom prst="ellipse">
+                <a:avLst/>
+              </a:prstGeom>
+              <a:solidFill>
+                <a:schemeClr val="tx1"/>
+              </a:solidFill>
+              <a:ln>
+                <a:noFill/>
+              </a:ln>
+            </p:spPr>
+            <p:style>
+              <a:lnRef idx="2">
+                <a:schemeClr val="accent1">
+                  <a:shade val="50000"/>
+                </a:schemeClr>
+              </a:lnRef>
+              <a:fillRef idx="1">
+                <a:schemeClr val="accent1"/>
+              </a:fillRef>
+              <a:effectRef idx="0">
+                <a:schemeClr val="accent1"/>
+              </a:effectRef>
+              <a:fontRef idx="minor">
+                <a:schemeClr val="lt1"/>
+              </a:fontRef>
+            </p:style>
+            <p:txBody>
+              <a:bodyPr rtlCol="0" anchor="ctr"/>
+              <a:lstStyle/>
+              <a:p>
+                <a:pPr algn="ctr"/>
+                <a:endParaRPr lang="en-US"/>
+              </a:p>
+            </p:txBody>
+          </p:sp>
+          <p:sp>
+            <p:nvSpPr>
+              <p:cNvPr id="103" name="Oval 102"/>
+              <p:cNvSpPr/>
+              <p:nvPr/>
+            </p:nvSpPr>
+            <p:spPr>
+              <a:xfrm>
+                <a:off x="1811479" y="1371601"/>
+                <a:ext cx="302389" cy="323849"/>
+              </a:xfrm>
+              <a:prstGeom prst="ellipse">
+                <a:avLst/>
+              </a:prstGeom>
+              <a:solidFill>
+                <a:schemeClr val="tx1"/>
+              </a:solidFill>
+              <a:ln>
+                <a:noFill/>
+              </a:ln>
+            </p:spPr>
+            <p:style>
+              <a:lnRef idx="2">
+                <a:schemeClr val="accent1">
+                  <a:shade val="50000"/>
+                </a:schemeClr>
+              </a:lnRef>
+              <a:fillRef idx="1">
+                <a:schemeClr val="accent1"/>
+              </a:fillRef>
+              <a:effectRef idx="0">
+                <a:schemeClr val="accent1"/>
+              </a:effectRef>
+              <a:fontRef idx="minor">
+                <a:schemeClr val="lt1"/>
+              </a:fontRef>
+            </p:style>
+            <p:txBody>
+              <a:bodyPr rtlCol="0" anchor="ctr"/>
+              <a:lstStyle/>
+              <a:p>
+                <a:pPr algn="ctr"/>
+                <a:endParaRPr lang="en-US"/>
+              </a:p>
+            </p:txBody>
+          </p:sp>
+          <p:sp>
+            <p:nvSpPr>
+              <p:cNvPr id="104" name="Oval 103"/>
+              <p:cNvSpPr/>
+              <p:nvPr/>
+            </p:nvSpPr>
+            <p:spPr>
+              <a:xfrm>
+                <a:off x="2065636" y="1622426"/>
+                <a:ext cx="237909" cy="254793"/>
+              </a:xfrm>
+              <a:prstGeom prst="ellipse">
+                <a:avLst/>
+              </a:prstGeom>
+              <a:solidFill>
+                <a:schemeClr val="tx1"/>
+              </a:solidFill>
+              <a:ln>
+                <a:noFill/>
+              </a:ln>
+            </p:spPr>
+            <p:style>
+              <a:lnRef idx="2">
+                <a:schemeClr val="accent1">
+                  <a:shade val="50000"/>
+                </a:schemeClr>
+              </a:lnRef>
+              <a:fillRef idx="1">
+                <a:schemeClr val="accent1"/>
+              </a:fillRef>
+              <a:effectRef idx="0">
+                <a:schemeClr val="accent1"/>
+              </a:effectRef>
+              <a:fontRef idx="minor">
+                <a:schemeClr val="lt1"/>
+              </a:fontRef>
+            </p:style>
+            <p:txBody>
+              <a:bodyPr rtlCol="0" anchor="ctr"/>
+              <a:lstStyle/>
+              <a:p>
+                <a:pPr algn="ctr"/>
+                <a:endParaRPr lang="en-US"/>
+              </a:p>
+            </p:txBody>
+          </p:sp>
+          <p:sp>
+            <p:nvSpPr>
+              <p:cNvPr id="105" name="Oval 104"/>
+              <p:cNvSpPr/>
+              <p:nvPr/>
+            </p:nvSpPr>
+            <p:spPr>
+              <a:xfrm>
+                <a:off x="2270367" y="1835151"/>
+                <a:ext cx="199340" cy="217487"/>
+              </a:xfrm>
+              <a:prstGeom prst="ellipse">
+                <a:avLst/>
+              </a:prstGeom>
+              <a:solidFill>
+                <a:schemeClr val="tx1"/>
+              </a:solidFill>
+              <a:ln>
+                <a:noFill/>
+              </a:ln>
+            </p:spPr>
+            <p:style>
+              <a:lnRef idx="2">
+                <a:schemeClr val="accent1">
+                  <a:shade val="50000"/>
+                </a:schemeClr>
+              </a:lnRef>
+              <a:fillRef idx="1">
+                <a:schemeClr val="accent1"/>
+              </a:fillRef>
+              <a:effectRef idx="0">
+                <a:schemeClr val="accent1"/>
+              </a:effectRef>
+              <a:fontRef idx="minor">
+                <a:schemeClr val="lt1"/>
+              </a:fontRef>
+            </p:style>
+            <p:txBody>
+              <a:bodyPr rtlCol="0" anchor="ctr"/>
+              <a:lstStyle/>
+              <a:p>
+                <a:pPr algn="ctr"/>
+                <a:endParaRPr lang="en-US"/>
+              </a:p>
+            </p:txBody>
+          </p:sp>
+        </p:grpSp>
+        <p:grpSp>
+          <p:nvGrpSpPr>
+            <p:cNvPr id="111" name="Group 110"/>
+            <p:cNvGrpSpPr/>
+            <p:nvPr/>
+          </p:nvGrpSpPr>
+          <p:grpSpPr>
+            <a:xfrm rot="9794050">
+              <a:off x="14386968" y="3822910"/>
+              <a:ext cx="772515" cy="790574"/>
+              <a:chOff x="1811479" y="1371601"/>
+              <a:chExt cx="772515" cy="790574"/>
+            </a:xfrm>
+          </p:grpSpPr>
+          <p:sp>
+            <p:nvSpPr>
+              <p:cNvPr id="112" name="Oval 111"/>
+              <p:cNvSpPr/>
+              <p:nvPr/>
+            </p:nvSpPr>
+            <p:spPr>
+              <a:xfrm>
+                <a:off x="2448298" y="2012887"/>
+                <a:ext cx="135696" cy="149288"/>
+              </a:xfrm>
+              <a:prstGeom prst="ellipse">
+                <a:avLst/>
+              </a:prstGeom>
+              <a:solidFill>
+                <a:schemeClr val="tx1"/>
+              </a:solidFill>
+              <a:ln>
+                <a:noFill/>
+              </a:ln>
+            </p:spPr>
+            <p:style>
+              <a:lnRef idx="2">
+                <a:schemeClr val="accent1">
+                  <a:shade val="50000"/>
+                </a:schemeClr>
+              </a:lnRef>
+              <a:fillRef idx="1">
+                <a:schemeClr val="accent1"/>
+              </a:fillRef>
+              <a:effectRef idx="0">
+                <a:schemeClr val="accent1"/>
+              </a:effectRef>
+              <a:fontRef idx="minor">
+                <a:schemeClr val="lt1"/>
+              </a:fontRef>
+            </p:style>
+            <p:txBody>
+              <a:bodyPr rtlCol="0" anchor="ctr"/>
+              <a:lstStyle/>
+              <a:p>
+                <a:pPr algn="ctr"/>
+                <a:endParaRPr lang="en-US"/>
+              </a:p>
+            </p:txBody>
+          </p:sp>
+          <p:sp>
+            <p:nvSpPr>
+              <p:cNvPr id="113" name="Oval 112"/>
+              <p:cNvSpPr/>
+              <p:nvPr/>
+            </p:nvSpPr>
+            <p:spPr>
+              <a:xfrm>
+                <a:off x="1811479" y="1371601"/>
+                <a:ext cx="302389" cy="323849"/>
+              </a:xfrm>
+              <a:prstGeom prst="ellipse">
+                <a:avLst/>
+              </a:prstGeom>
+              <a:solidFill>
+                <a:schemeClr val="tx1"/>
+              </a:solidFill>
+              <a:ln>
+                <a:noFill/>
+              </a:ln>
+            </p:spPr>
+            <p:style>
+              <a:lnRef idx="2">
+                <a:schemeClr val="accent1">
+                  <a:shade val="50000"/>
+                </a:schemeClr>
+              </a:lnRef>
+              <a:fillRef idx="1">
+                <a:schemeClr val="accent1"/>
+              </a:fillRef>
+              <a:effectRef idx="0">
+                <a:schemeClr val="accent1"/>
+              </a:effectRef>
+              <a:fontRef idx="minor">
+                <a:schemeClr val="lt1"/>
+              </a:fontRef>
+            </p:style>
+            <p:txBody>
+              <a:bodyPr rtlCol="0" anchor="ctr"/>
+              <a:lstStyle/>
+              <a:p>
+                <a:pPr algn="ctr"/>
+                <a:endParaRPr lang="en-US"/>
+              </a:p>
+            </p:txBody>
+          </p:sp>
+          <p:sp>
+            <p:nvSpPr>
+              <p:cNvPr id="114" name="Oval 113"/>
+              <p:cNvSpPr/>
+              <p:nvPr/>
+            </p:nvSpPr>
+            <p:spPr>
+              <a:xfrm>
+                <a:off x="2065636" y="1622426"/>
+                <a:ext cx="237909" cy="254793"/>
+              </a:xfrm>
+              <a:prstGeom prst="ellipse">
+                <a:avLst/>
+              </a:prstGeom>
+              <a:solidFill>
+                <a:schemeClr val="tx1"/>
+              </a:solidFill>
+              <a:ln>
+                <a:noFill/>
+              </a:ln>
+            </p:spPr>
+            <p:style>
+              <a:lnRef idx="2">
+                <a:schemeClr val="accent1">
+                  <a:shade val="50000"/>
+                </a:schemeClr>
+              </a:lnRef>
+              <a:fillRef idx="1">
+                <a:schemeClr val="accent1"/>
+              </a:fillRef>
+              <a:effectRef idx="0">
+                <a:schemeClr val="accent1"/>
+              </a:effectRef>
+              <a:fontRef idx="minor">
+                <a:schemeClr val="lt1"/>
+              </a:fontRef>
+            </p:style>
+            <p:txBody>
+              <a:bodyPr rtlCol="0" anchor="ctr"/>
+              <a:lstStyle/>
+              <a:p>
+                <a:pPr algn="ctr"/>
+                <a:endParaRPr lang="en-US"/>
+              </a:p>
+            </p:txBody>
+          </p:sp>
+          <p:sp>
+            <p:nvSpPr>
+              <p:cNvPr id="115" name="Oval 114"/>
+              <p:cNvSpPr/>
+              <p:nvPr/>
+            </p:nvSpPr>
+            <p:spPr>
+              <a:xfrm>
+                <a:off x="2270367" y="1835151"/>
+                <a:ext cx="199340" cy="217487"/>
+              </a:xfrm>
+              <a:prstGeom prst="ellipse">
+                <a:avLst/>
+              </a:prstGeom>
+              <a:solidFill>
+                <a:schemeClr val="tx1"/>
+              </a:solidFill>
+              <a:ln>
+                <a:noFill/>
+              </a:ln>
+            </p:spPr>
+            <p:style>
+              <a:lnRef idx="2">
+                <a:schemeClr val="accent1">
+                  <a:shade val="50000"/>
+                </a:schemeClr>
+              </a:lnRef>
+              <a:fillRef idx="1">
+                <a:schemeClr val="accent1"/>
+              </a:fillRef>
+              <a:effectRef idx="0">
+                <a:schemeClr val="accent1"/>
+              </a:effectRef>
+              <a:fontRef idx="minor">
+                <a:schemeClr val="lt1"/>
+              </a:fontRef>
+            </p:style>
+            <p:txBody>
+              <a:bodyPr rtlCol="0" anchor="ctr"/>
+              <a:lstStyle/>
+              <a:p>
+                <a:pPr algn="ctr"/>
+                <a:endParaRPr lang="en-US"/>
+              </a:p>
+            </p:txBody>
+          </p:sp>
+        </p:grpSp>
+        <p:grpSp>
+          <p:nvGrpSpPr>
+            <p:cNvPr id="116" name="Group 115"/>
+            <p:cNvGrpSpPr/>
+            <p:nvPr/>
+          </p:nvGrpSpPr>
+          <p:grpSpPr>
+            <a:xfrm rot="10135222">
+              <a:off x="13985204" y="4608011"/>
+              <a:ext cx="772515" cy="790574"/>
+              <a:chOff x="1811479" y="1371601"/>
+              <a:chExt cx="772515" cy="790574"/>
+            </a:xfrm>
+          </p:grpSpPr>
+          <p:sp>
+            <p:nvSpPr>
+              <p:cNvPr id="117" name="Oval 116"/>
+              <p:cNvSpPr/>
+              <p:nvPr/>
+            </p:nvSpPr>
+            <p:spPr>
+              <a:xfrm>
+                <a:off x="2448298" y="2012887"/>
+                <a:ext cx="135696" cy="149288"/>
+              </a:xfrm>
+              <a:prstGeom prst="ellipse">
+                <a:avLst/>
+              </a:prstGeom>
+              <a:solidFill>
+                <a:schemeClr val="tx1"/>
+              </a:solidFill>
+              <a:ln>
+                <a:noFill/>
+              </a:ln>
+            </p:spPr>
+            <p:style>
+              <a:lnRef idx="2">
+                <a:schemeClr val="accent1">
+                  <a:shade val="50000"/>
+                </a:schemeClr>
+              </a:lnRef>
+              <a:fillRef idx="1">
+                <a:schemeClr val="accent1"/>
+              </a:fillRef>
+              <a:effectRef idx="0">
+                <a:schemeClr val="accent1"/>
+              </a:effectRef>
+              <a:fontRef idx="minor">
+                <a:schemeClr val="lt1"/>
+              </a:fontRef>
+            </p:style>
+            <p:txBody>
+              <a:bodyPr rtlCol="0" anchor="ctr"/>
+              <a:lstStyle/>
+              <a:p>
+                <a:pPr algn="ctr"/>
+                <a:endParaRPr lang="en-US"/>
+              </a:p>
+            </p:txBody>
+          </p:sp>
+          <p:sp>
+            <p:nvSpPr>
+              <p:cNvPr id="118" name="Oval 117"/>
+              <p:cNvSpPr/>
+              <p:nvPr/>
+            </p:nvSpPr>
+            <p:spPr>
+              <a:xfrm>
+                <a:off x="1811479" y="1371601"/>
+                <a:ext cx="302389" cy="323849"/>
+              </a:xfrm>
+              <a:prstGeom prst="ellipse">
+                <a:avLst/>
+              </a:prstGeom>
+              <a:solidFill>
+                <a:schemeClr val="tx1"/>
+              </a:solidFill>
+              <a:ln>
+                <a:noFill/>
+              </a:ln>
+            </p:spPr>
+            <p:style>
+              <a:lnRef idx="2">
+                <a:schemeClr val="accent1">
+                  <a:shade val="50000"/>
+                </a:schemeClr>
+              </a:lnRef>
+              <a:fillRef idx="1">
+                <a:schemeClr val="accent1"/>
+              </a:fillRef>
+              <a:effectRef idx="0">
+                <a:schemeClr val="accent1"/>
+              </a:effectRef>
+              <a:fontRef idx="minor">
+                <a:schemeClr val="lt1"/>
+              </a:fontRef>
+            </p:style>
+            <p:txBody>
+              <a:bodyPr rtlCol="0" anchor="ctr"/>
+              <a:lstStyle/>
+              <a:p>
+                <a:pPr algn="ctr"/>
+                <a:endParaRPr lang="en-US"/>
+              </a:p>
+            </p:txBody>
+          </p:sp>
+          <p:sp>
+            <p:nvSpPr>
+              <p:cNvPr id="119" name="Oval 118"/>
+              <p:cNvSpPr/>
+              <p:nvPr/>
+            </p:nvSpPr>
+            <p:spPr>
+              <a:xfrm>
+                <a:off x="2065636" y="1622426"/>
+                <a:ext cx="237909" cy="254793"/>
+              </a:xfrm>
+              <a:prstGeom prst="ellipse">
+                <a:avLst/>
+              </a:prstGeom>
+              <a:solidFill>
+                <a:schemeClr val="tx1"/>
+              </a:solidFill>
+              <a:ln>
+                <a:noFill/>
+              </a:ln>
+            </p:spPr>
+            <p:style>
+              <a:lnRef idx="2">
+                <a:schemeClr val="accent1">
+                  <a:shade val="50000"/>
+                </a:schemeClr>
+              </a:lnRef>
+              <a:fillRef idx="1">
+                <a:schemeClr val="accent1"/>
+              </a:fillRef>
+              <a:effectRef idx="0">
+                <a:schemeClr val="accent1"/>
+              </a:effectRef>
+              <a:fontRef idx="minor">
+                <a:schemeClr val="lt1"/>
+              </a:fontRef>
+            </p:style>
+            <p:txBody>
+              <a:bodyPr rtlCol="0" anchor="ctr"/>
+              <a:lstStyle/>
+              <a:p>
+                <a:pPr algn="ctr"/>
+                <a:endParaRPr lang="en-US"/>
+              </a:p>
+            </p:txBody>
+          </p:sp>
+          <p:sp>
+            <p:nvSpPr>
+              <p:cNvPr id="120" name="Oval 119"/>
+              <p:cNvSpPr/>
+              <p:nvPr/>
+            </p:nvSpPr>
+            <p:spPr>
+              <a:xfrm>
+                <a:off x="2270367" y="1835151"/>
+                <a:ext cx="199340" cy="217487"/>
+              </a:xfrm>
+              <a:prstGeom prst="ellipse">
+                <a:avLst/>
+              </a:prstGeom>
+              <a:solidFill>
+                <a:schemeClr val="tx1"/>
+              </a:solidFill>
+              <a:ln>
+                <a:noFill/>
+              </a:ln>
+            </p:spPr>
+            <p:style>
+              <a:lnRef idx="2">
+                <a:schemeClr val="accent1">
+                  <a:shade val="50000"/>
+                </a:schemeClr>
+              </a:lnRef>
+              <a:fillRef idx="1">
+                <a:schemeClr val="accent1"/>
+              </a:fillRef>
+              <a:effectRef idx="0">
+                <a:schemeClr val="accent1"/>
+              </a:effectRef>
+              <a:fontRef idx="minor">
+                <a:schemeClr val="lt1"/>
+              </a:fontRef>
+            </p:style>
+            <p:txBody>
+              <a:bodyPr rtlCol="0" anchor="ctr"/>
+              <a:lstStyle/>
+              <a:p>
+                <a:pPr algn="ctr"/>
+                <a:endParaRPr lang="en-US"/>
+              </a:p>
+            </p:txBody>
+          </p:sp>
+        </p:grpSp>
+        <p:grpSp>
+          <p:nvGrpSpPr>
+            <p:cNvPr id="121" name="Group 120"/>
+            <p:cNvGrpSpPr/>
+            <p:nvPr/>
+          </p:nvGrpSpPr>
+          <p:grpSpPr>
+            <a:xfrm rot="8360298">
+              <a:off x="14532802" y="2883837"/>
+              <a:ext cx="772515" cy="790574"/>
+              <a:chOff x="1811479" y="1371601"/>
+              <a:chExt cx="772515" cy="790574"/>
+            </a:xfrm>
+          </p:grpSpPr>
+          <p:sp>
+            <p:nvSpPr>
+              <p:cNvPr id="122" name="Oval 121"/>
+              <p:cNvSpPr/>
+              <p:nvPr/>
+            </p:nvSpPr>
+            <p:spPr>
+              <a:xfrm>
+                <a:off x="2448298" y="2012887"/>
+                <a:ext cx="135696" cy="149288"/>
+              </a:xfrm>
+              <a:prstGeom prst="ellipse">
+                <a:avLst/>
+              </a:prstGeom>
+              <a:solidFill>
+                <a:schemeClr val="tx1"/>
+              </a:solidFill>
+              <a:ln>
+                <a:noFill/>
+              </a:ln>
+            </p:spPr>
+            <p:style>
+              <a:lnRef idx="2">
+                <a:schemeClr val="accent1">
+                  <a:shade val="50000"/>
+                </a:schemeClr>
+              </a:lnRef>
+              <a:fillRef idx="1">
+                <a:schemeClr val="accent1"/>
+              </a:fillRef>
+              <a:effectRef idx="0">
+                <a:schemeClr val="accent1"/>
+              </a:effectRef>
+              <a:fontRef idx="minor">
+                <a:schemeClr val="lt1"/>
+              </a:fontRef>
+            </p:style>
+            <p:txBody>
+              <a:bodyPr rtlCol="0" anchor="ctr"/>
+              <a:lstStyle/>
+              <a:p>
+                <a:pPr algn="ctr"/>
+                <a:endParaRPr lang="en-US"/>
+              </a:p>
+            </p:txBody>
+          </p:sp>
+          <p:sp>
+            <p:nvSpPr>
+              <p:cNvPr id="123" name="Oval 122"/>
+              <p:cNvSpPr/>
+              <p:nvPr/>
+            </p:nvSpPr>
+            <p:spPr>
+              <a:xfrm>
+                <a:off x="1811479" y="1371601"/>
+                <a:ext cx="302389" cy="323849"/>
+              </a:xfrm>
+              <a:prstGeom prst="ellipse">
+                <a:avLst/>
+              </a:prstGeom>
+              <a:solidFill>
+                <a:schemeClr val="tx1"/>
+              </a:solidFill>
+              <a:ln>
+                <a:noFill/>
+              </a:ln>
+            </p:spPr>
+            <p:style>
+              <a:lnRef idx="2">
+                <a:schemeClr val="accent1">
+                  <a:shade val="50000"/>
+                </a:schemeClr>
+              </a:lnRef>
+              <a:fillRef idx="1">
+                <a:schemeClr val="accent1"/>
+              </a:fillRef>
+              <a:effectRef idx="0">
+                <a:schemeClr val="accent1"/>
+              </a:effectRef>
+              <a:fontRef idx="minor">
+                <a:schemeClr val="lt1"/>
+              </a:fontRef>
+            </p:style>
+            <p:txBody>
+              <a:bodyPr rtlCol="0" anchor="ctr"/>
+              <a:lstStyle/>
+              <a:p>
+                <a:pPr algn="ctr"/>
+                <a:endParaRPr lang="en-US"/>
+              </a:p>
+            </p:txBody>
+          </p:sp>
+          <p:sp>
+            <p:nvSpPr>
+              <p:cNvPr id="124" name="Oval 123"/>
+              <p:cNvSpPr/>
+              <p:nvPr/>
+            </p:nvSpPr>
+            <p:spPr>
+              <a:xfrm>
+                <a:off x="2065636" y="1622426"/>
+                <a:ext cx="237909" cy="254793"/>
+              </a:xfrm>
+              <a:prstGeom prst="ellipse">
+                <a:avLst/>
+              </a:prstGeom>
+              <a:solidFill>
+                <a:schemeClr val="tx1"/>
+              </a:solidFill>
+              <a:ln>
+                <a:noFill/>
+              </a:ln>
+            </p:spPr>
+            <p:style>
+              <a:lnRef idx="2">
+                <a:schemeClr val="accent1">
+                  <a:shade val="50000"/>
+                </a:schemeClr>
+              </a:lnRef>
+              <a:fillRef idx="1">
+                <a:schemeClr val="accent1"/>
+              </a:fillRef>
+              <a:effectRef idx="0">
+                <a:schemeClr val="accent1"/>
+              </a:effectRef>
+              <a:fontRef idx="minor">
+                <a:schemeClr val="lt1"/>
+              </a:fontRef>
+            </p:style>
+            <p:txBody>
+              <a:bodyPr rtlCol="0" anchor="ctr"/>
+              <a:lstStyle/>
+              <a:p>
+                <a:pPr algn="ctr"/>
+                <a:endParaRPr lang="en-US"/>
+              </a:p>
+            </p:txBody>
+          </p:sp>
+          <p:sp>
+            <p:nvSpPr>
+              <p:cNvPr id="125" name="Oval 124"/>
+              <p:cNvSpPr/>
+              <p:nvPr/>
+            </p:nvSpPr>
+            <p:spPr>
+              <a:xfrm>
+                <a:off x="2270367" y="1835151"/>
+                <a:ext cx="199340" cy="217487"/>
+              </a:xfrm>
+              <a:prstGeom prst="ellipse">
+                <a:avLst/>
+              </a:prstGeom>
+              <a:solidFill>
+                <a:schemeClr val="tx1"/>
+              </a:solidFill>
+              <a:ln>
+                <a:noFill/>
+              </a:ln>
+            </p:spPr>
+            <p:style>
+              <a:lnRef idx="2">
+                <a:schemeClr val="accent1">
+                  <a:shade val="50000"/>
+                </a:schemeClr>
+              </a:lnRef>
+              <a:fillRef idx="1">
+                <a:schemeClr val="accent1"/>
+              </a:fillRef>
+              <a:effectRef idx="0">
+                <a:schemeClr val="accent1"/>
+              </a:effectRef>
+              <a:fontRef idx="minor">
+                <a:schemeClr val="lt1"/>
+              </a:fontRef>
+            </p:style>
+            <p:txBody>
+              <a:bodyPr rtlCol="0" anchor="ctr"/>
+              <a:lstStyle/>
+              <a:p>
+                <a:pPr algn="ctr"/>
+                <a:endParaRPr lang="en-US"/>
+              </a:p>
+            </p:txBody>
+          </p:sp>
+        </p:grpSp>
+        <p:grpSp>
+          <p:nvGrpSpPr>
+            <p:cNvPr id="126" name="Group 125"/>
+            <p:cNvGrpSpPr/>
+            <p:nvPr/>
+          </p:nvGrpSpPr>
+          <p:grpSpPr>
+            <a:xfrm rot="6584443">
+              <a:off x="14368311" y="1781070"/>
+              <a:ext cx="772515" cy="790574"/>
+              <a:chOff x="1811479" y="1371601"/>
+              <a:chExt cx="772515" cy="790574"/>
+            </a:xfrm>
+          </p:grpSpPr>
+          <p:sp>
+            <p:nvSpPr>
+              <p:cNvPr id="127" name="Oval 126"/>
+              <p:cNvSpPr/>
+              <p:nvPr/>
+            </p:nvSpPr>
+            <p:spPr>
+              <a:xfrm>
+                <a:off x="2448298" y="2012887"/>
+                <a:ext cx="135696" cy="149288"/>
+              </a:xfrm>
+              <a:prstGeom prst="ellipse">
+                <a:avLst/>
+              </a:prstGeom>
+              <a:solidFill>
+                <a:schemeClr val="tx1"/>
+              </a:solidFill>
+              <a:ln>
+                <a:noFill/>
+              </a:ln>
+            </p:spPr>
+            <p:style>
+              <a:lnRef idx="2">
+                <a:schemeClr val="accent1">
+                  <a:shade val="50000"/>
+                </a:schemeClr>
+              </a:lnRef>
+              <a:fillRef idx="1">
+                <a:schemeClr val="accent1"/>
+              </a:fillRef>
+              <a:effectRef idx="0">
+                <a:schemeClr val="accent1"/>
+              </a:effectRef>
+              <a:fontRef idx="minor">
+                <a:schemeClr val="lt1"/>
+              </a:fontRef>
+            </p:style>
+            <p:txBody>
+              <a:bodyPr rtlCol="0" anchor="ctr"/>
+              <a:lstStyle/>
+              <a:p>
+                <a:pPr algn="ctr"/>
+                <a:endParaRPr lang="en-US"/>
+              </a:p>
+            </p:txBody>
+          </p:sp>
+          <p:sp>
+            <p:nvSpPr>
+              <p:cNvPr id="128" name="Oval 127"/>
+              <p:cNvSpPr/>
+              <p:nvPr/>
+            </p:nvSpPr>
+            <p:spPr>
+              <a:xfrm>
+                <a:off x="1811479" y="1371601"/>
+                <a:ext cx="302389" cy="323849"/>
+              </a:xfrm>
+              <a:prstGeom prst="ellipse">
+                <a:avLst/>
+              </a:prstGeom>
+              <a:solidFill>
+                <a:schemeClr val="tx1"/>
+              </a:solidFill>
+              <a:ln>
+                <a:noFill/>
+              </a:ln>
+            </p:spPr>
+            <p:style>
+              <a:lnRef idx="2">
+                <a:schemeClr val="accent1">
+                  <a:shade val="50000"/>
+                </a:schemeClr>
+              </a:lnRef>
+              <a:fillRef idx="1">
+                <a:schemeClr val="accent1"/>
+              </a:fillRef>
+              <a:effectRef idx="0">
+                <a:schemeClr val="accent1"/>
+              </a:effectRef>
+              <a:fontRef idx="minor">
+                <a:schemeClr val="lt1"/>
+              </a:fontRef>
+            </p:style>
+            <p:txBody>
+              <a:bodyPr rtlCol="0" anchor="ctr"/>
+              <a:lstStyle/>
+              <a:p>
+                <a:pPr algn="ctr"/>
+                <a:endParaRPr lang="en-US"/>
+              </a:p>
+            </p:txBody>
+          </p:sp>
+          <p:sp>
+            <p:nvSpPr>
+              <p:cNvPr id="129" name="Oval 128"/>
+              <p:cNvSpPr/>
+              <p:nvPr/>
+            </p:nvSpPr>
+            <p:spPr>
+              <a:xfrm>
+                <a:off x="2065636" y="1622426"/>
+                <a:ext cx="237909" cy="254793"/>
+              </a:xfrm>
+              <a:prstGeom prst="ellipse">
+                <a:avLst/>
+              </a:prstGeom>
+              <a:solidFill>
+                <a:schemeClr val="tx1"/>
+              </a:solidFill>
+              <a:ln>
+                <a:noFill/>
+              </a:ln>
+            </p:spPr>
+            <p:style>
+              <a:lnRef idx="2">
+                <a:schemeClr val="accent1">
+                  <a:shade val="50000"/>
+                </a:schemeClr>
+              </a:lnRef>
+              <a:fillRef idx="1">
+                <a:schemeClr val="accent1"/>
+              </a:fillRef>
+              <a:effectRef idx="0">
+                <a:schemeClr val="accent1"/>
+              </a:effectRef>
+              <a:fontRef idx="minor">
+                <a:schemeClr val="lt1"/>
+              </a:fontRef>
+            </p:style>
+            <p:txBody>
+              <a:bodyPr rtlCol="0" anchor="ctr"/>
+              <a:lstStyle/>
+              <a:p>
+                <a:pPr algn="ctr"/>
+                <a:endParaRPr lang="en-US"/>
+              </a:p>
+            </p:txBody>
+          </p:sp>
+          <p:sp>
+            <p:nvSpPr>
+              <p:cNvPr id="130" name="Oval 129"/>
+              <p:cNvSpPr/>
+              <p:nvPr/>
+            </p:nvSpPr>
+            <p:spPr>
+              <a:xfrm>
+                <a:off x="2270367" y="1835151"/>
+                <a:ext cx="199340" cy="217487"/>
+              </a:xfrm>
+              <a:prstGeom prst="ellipse">
+                <a:avLst/>
+              </a:prstGeom>
+              <a:solidFill>
+                <a:schemeClr val="tx1"/>
+              </a:solidFill>
+              <a:ln>
+                <a:noFill/>
+              </a:ln>
+            </p:spPr>
+            <p:style>
+              <a:lnRef idx="2">
+                <a:schemeClr val="accent1">
+                  <a:shade val="50000"/>
+                </a:schemeClr>
+              </a:lnRef>
+              <a:fillRef idx="1">
+                <a:schemeClr val="accent1"/>
+              </a:fillRef>
+              <a:effectRef idx="0">
+                <a:schemeClr val="accent1"/>
+              </a:effectRef>
+              <a:fontRef idx="minor">
+                <a:schemeClr val="lt1"/>
+              </a:fontRef>
+            </p:style>
+            <p:txBody>
+              <a:bodyPr rtlCol="0" anchor="ctr"/>
+              <a:lstStyle/>
+              <a:p>
+                <a:pPr algn="ctr"/>
+                <a:endParaRPr lang="en-US"/>
+              </a:p>
+            </p:txBody>
+          </p:sp>
+        </p:grpSp>
+        <p:grpSp>
+          <p:nvGrpSpPr>
+            <p:cNvPr id="131" name="Group 130"/>
+            <p:cNvGrpSpPr/>
+            <p:nvPr/>
+          </p:nvGrpSpPr>
+          <p:grpSpPr>
+            <a:xfrm rot="5799355">
+              <a:off x="13790355" y="875805"/>
+              <a:ext cx="772515" cy="790574"/>
+              <a:chOff x="1811479" y="1371601"/>
+              <a:chExt cx="772515" cy="790574"/>
+            </a:xfrm>
+          </p:grpSpPr>
+          <p:sp>
+            <p:nvSpPr>
+              <p:cNvPr id="132" name="Oval 131"/>
+              <p:cNvSpPr/>
+              <p:nvPr/>
+            </p:nvSpPr>
+            <p:spPr>
+              <a:xfrm>
+                <a:off x="2448298" y="2012887"/>
+                <a:ext cx="135696" cy="149288"/>
+              </a:xfrm>
+              <a:prstGeom prst="ellipse">
+                <a:avLst/>
+              </a:prstGeom>
+              <a:solidFill>
+                <a:schemeClr val="tx1"/>
+              </a:solidFill>
+              <a:ln>
+                <a:noFill/>
+              </a:ln>
+            </p:spPr>
+            <p:style>
+              <a:lnRef idx="2">
+                <a:schemeClr val="accent1">
+                  <a:shade val="50000"/>
+                </a:schemeClr>
+              </a:lnRef>
+              <a:fillRef idx="1">
+                <a:schemeClr val="accent1"/>
+              </a:fillRef>
+              <a:effectRef idx="0">
+                <a:schemeClr val="accent1"/>
+              </a:effectRef>
+              <a:fontRef idx="minor">
+                <a:schemeClr val="lt1"/>
+              </a:fontRef>
+            </p:style>
+            <p:txBody>
+              <a:bodyPr rtlCol="0" anchor="ctr"/>
+              <a:lstStyle/>
+              <a:p>
+                <a:pPr algn="ctr"/>
+                <a:endParaRPr lang="en-US"/>
+              </a:p>
+            </p:txBody>
+          </p:sp>
+          <p:sp>
+            <p:nvSpPr>
+              <p:cNvPr id="133" name="Oval 132"/>
+              <p:cNvSpPr/>
+              <p:nvPr/>
+            </p:nvSpPr>
+            <p:spPr>
+              <a:xfrm>
+                <a:off x="1811479" y="1371601"/>
+                <a:ext cx="302389" cy="323849"/>
+              </a:xfrm>
+              <a:prstGeom prst="ellipse">
+                <a:avLst/>
+              </a:prstGeom>
+              <a:solidFill>
+                <a:schemeClr val="tx1"/>
+              </a:solidFill>
+              <a:ln>
+                <a:noFill/>
+              </a:ln>
+            </p:spPr>
+            <p:style>
+              <a:lnRef idx="2">
+                <a:schemeClr val="accent1">
+                  <a:shade val="50000"/>
+                </a:schemeClr>
+              </a:lnRef>
+              <a:fillRef idx="1">
+                <a:schemeClr val="accent1"/>
+              </a:fillRef>
+              <a:effectRef idx="0">
+                <a:schemeClr val="accent1"/>
+              </a:effectRef>
+              <a:fontRef idx="minor">
+                <a:schemeClr val="lt1"/>
+              </a:fontRef>
+            </p:style>
+            <p:txBody>
+              <a:bodyPr rtlCol="0" anchor="ctr"/>
+              <a:lstStyle/>
+              <a:p>
+                <a:pPr algn="ctr"/>
+                <a:endParaRPr lang="en-US"/>
+              </a:p>
+            </p:txBody>
+          </p:sp>
+          <p:sp>
+            <p:nvSpPr>
+              <p:cNvPr id="134" name="Oval 133"/>
+              <p:cNvSpPr/>
+              <p:nvPr/>
+            </p:nvSpPr>
+            <p:spPr>
+              <a:xfrm>
+                <a:off x="2065636" y="1622426"/>
+                <a:ext cx="237909" cy="254793"/>
+              </a:xfrm>
+              <a:prstGeom prst="ellipse">
+                <a:avLst/>
+              </a:prstGeom>
+              <a:solidFill>
+                <a:schemeClr val="tx1"/>
+              </a:solidFill>
+              <a:ln>
+                <a:noFill/>
+              </a:ln>
+            </p:spPr>
+            <p:style>
+              <a:lnRef idx="2">
+                <a:schemeClr val="accent1">
+                  <a:shade val="50000"/>
+                </a:schemeClr>
+              </a:lnRef>
+              <a:fillRef idx="1">
+                <a:schemeClr val="accent1"/>
+              </a:fillRef>
+              <a:effectRef idx="0">
+                <a:schemeClr val="accent1"/>
+              </a:effectRef>
+              <a:fontRef idx="minor">
+                <a:schemeClr val="lt1"/>
+              </a:fontRef>
+            </p:style>
+            <p:txBody>
+              <a:bodyPr rtlCol="0" anchor="ctr"/>
+              <a:lstStyle/>
+              <a:p>
+                <a:pPr algn="ctr"/>
+                <a:endParaRPr lang="en-US"/>
+              </a:p>
+            </p:txBody>
+          </p:sp>
+          <p:sp>
+            <p:nvSpPr>
+              <p:cNvPr id="135" name="Oval 134"/>
+              <p:cNvSpPr/>
+              <p:nvPr/>
+            </p:nvSpPr>
+            <p:spPr>
+              <a:xfrm>
+                <a:off x="2270367" y="1835151"/>
+                <a:ext cx="199340" cy="217487"/>
+              </a:xfrm>
+              <a:prstGeom prst="ellipse">
+                <a:avLst/>
+              </a:prstGeom>
+              <a:solidFill>
+                <a:schemeClr val="tx1"/>
+              </a:solidFill>
+              <a:ln>
+                <a:noFill/>
+              </a:ln>
+            </p:spPr>
+            <p:style>
+              <a:lnRef idx="2">
+                <a:schemeClr val="accent1">
+                  <a:shade val="50000"/>
+                </a:schemeClr>
+              </a:lnRef>
+              <a:fillRef idx="1">
+                <a:schemeClr val="accent1"/>
+              </a:fillRef>
+              <a:effectRef idx="0">
+                <a:schemeClr val="accent1"/>
+              </a:effectRef>
+              <a:fontRef idx="minor">
+                <a:schemeClr val="lt1"/>
+              </a:fontRef>
+            </p:style>
+            <p:txBody>
+              <a:bodyPr rtlCol="0" anchor="ctr"/>
+              <a:lstStyle/>
+              <a:p>
+                <a:pPr algn="ctr"/>
+                <a:endParaRPr lang="en-US"/>
+              </a:p>
+            </p:txBody>
+          </p:sp>
+        </p:grpSp>
+        <p:grpSp>
+          <p:nvGrpSpPr>
+            <p:cNvPr id="136" name="Group 135"/>
+            <p:cNvGrpSpPr/>
+            <p:nvPr/>
+          </p:nvGrpSpPr>
+          <p:grpSpPr>
+            <a:xfrm rot="4554149">
+              <a:off x="12897469" y="192211"/>
+              <a:ext cx="772515" cy="790574"/>
+              <a:chOff x="1811479" y="1371601"/>
+              <a:chExt cx="772515" cy="790574"/>
+            </a:xfrm>
+          </p:grpSpPr>
+          <p:sp>
+            <p:nvSpPr>
+              <p:cNvPr id="137" name="Oval 136"/>
+              <p:cNvSpPr/>
+              <p:nvPr/>
+            </p:nvSpPr>
+            <p:spPr>
+              <a:xfrm>
+                <a:off x="2448298" y="2012887"/>
+                <a:ext cx="135696" cy="149288"/>
+              </a:xfrm>
+              <a:prstGeom prst="ellipse">
+                <a:avLst/>
+              </a:prstGeom>
+              <a:solidFill>
+                <a:schemeClr val="tx1"/>
+              </a:solidFill>
+              <a:ln>
+                <a:noFill/>
+              </a:ln>
+            </p:spPr>
+            <p:style>
+              <a:lnRef idx="2">
+                <a:schemeClr val="accent1">
+                  <a:shade val="50000"/>
+                </a:schemeClr>
+              </a:lnRef>
+              <a:fillRef idx="1">
+                <a:schemeClr val="accent1"/>
+              </a:fillRef>
+              <a:effectRef idx="0">
+                <a:schemeClr val="accent1"/>
+              </a:effectRef>
+              <a:fontRef idx="minor">
+                <a:schemeClr val="lt1"/>
+              </a:fontRef>
+            </p:style>
+            <p:txBody>
+              <a:bodyPr rtlCol="0" anchor="ctr"/>
+              <a:lstStyle/>
+              <a:p>
+                <a:pPr algn="ctr"/>
+                <a:endParaRPr lang="en-US"/>
+              </a:p>
+            </p:txBody>
+          </p:sp>
+          <p:sp>
+            <p:nvSpPr>
+              <p:cNvPr id="138" name="Oval 137"/>
+              <p:cNvSpPr/>
+              <p:nvPr/>
+            </p:nvSpPr>
+            <p:spPr>
+              <a:xfrm>
+                <a:off x="1811479" y="1371601"/>
+                <a:ext cx="302389" cy="323849"/>
+              </a:xfrm>
+              <a:prstGeom prst="ellipse">
+                <a:avLst/>
+              </a:prstGeom>
+              <a:solidFill>
+                <a:schemeClr val="tx1"/>
+              </a:solidFill>
+              <a:ln>
+                <a:noFill/>
+              </a:ln>
+            </p:spPr>
+            <p:style>
+              <a:lnRef idx="2">
+                <a:schemeClr val="accent1">
+                  <a:shade val="50000"/>
+                </a:schemeClr>
+              </a:lnRef>
+              <a:fillRef idx="1">
+                <a:schemeClr val="accent1"/>
+              </a:fillRef>
+              <a:effectRef idx="0">
+                <a:schemeClr val="accent1"/>
+              </a:effectRef>
+              <a:fontRef idx="minor">
+                <a:schemeClr val="lt1"/>
+              </a:fontRef>
+            </p:style>
+            <p:txBody>
+              <a:bodyPr rtlCol="0" anchor="ctr"/>
+              <a:lstStyle/>
+              <a:p>
+                <a:pPr algn="ctr"/>
+                <a:endParaRPr lang="en-US"/>
+              </a:p>
+            </p:txBody>
+          </p:sp>
+          <p:sp>
+            <p:nvSpPr>
+              <p:cNvPr id="139" name="Oval 138"/>
+              <p:cNvSpPr/>
+              <p:nvPr/>
+            </p:nvSpPr>
+            <p:spPr>
+              <a:xfrm>
+                <a:off x="2065636" y="1622426"/>
+                <a:ext cx="237909" cy="254793"/>
+              </a:xfrm>
+              <a:prstGeom prst="ellipse">
+                <a:avLst/>
+              </a:prstGeom>
+              <a:solidFill>
+                <a:schemeClr val="tx1"/>
+              </a:solidFill>
+              <a:ln>
+                <a:noFill/>
+              </a:ln>
+            </p:spPr>
+            <p:style>
+              <a:lnRef idx="2">
+                <a:schemeClr val="accent1">
+                  <a:shade val="50000"/>
+                </a:schemeClr>
+              </a:lnRef>
+              <a:fillRef idx="1">
+                <a:schemeClr val="accent1"/>
+              </a:fillRef>
+              <a:effectRef idx="0">
+                <a:schemeClr val="accent1"/>
+              </a:effectRef>
+              <a:fontRef idx="minor">
+                <a:schemeClr val="lt1"/>
+              </a:fontRef>
+            </p:style>
+            <p:txBody>
+              <a:bodyPr rtlCol="0" anchor="ctr"/>
+              <a:lstStyle/>
+              <a:p>
+                <a:pPr algn="ctr"/>
+                <a:endParaRPr lang="en-US"/>
+              </a:p>
+            </p:txBody>
+          </p:sp>
+          <p:sp>
+            <p:nvSpPr>
+              <p:cNvPr id="140" name="Oval 139"/>
+              <p:cNvSpPr/>
+              <p:nvPr/>
+            </p:nvSpPr>
+            <p:spPr>
+              <a:xfrm>
+                <a:off x="2270367" y="1835151"/>
+                <a:ext cx="199340" cy="217487"/>
+              </a:xfrm>
+              <a:prstGeom prst="ellipse">
+                <a:avLst/>
+              </a:prstGeom>
+              <a:solidFill>
+                <a:schemeClr val="tx1"/>
+              </a:solidFill>
+              <a:ln>
+                <a:noFill/>
+              </a:ln>
+            </p:spPr>
+            <p:style>
+              <a:lnRef idx="2">
+                <a:schemeClr val="accent1">
+                  <a:shade val="50000"/>
+                </a:schemeClr>
+              </a:lnRef>
+              <a:fillRef idx="1">
+                <a:schemeClr val="accent1"/>
+              </a:fillRef>
+              <a:effectRef idx="0">
+                <a:schemeClr val="accent1"/>
+              </a:effectRef>
+              <a:fontRef idx="minor">
+                <a:schemeClr val="lt1"/>
+              </a:fontRef>
+            </p:style>
+            <p:txBody>
+              <a:bodyPr rtlCol="0" anchor="ctr"/>
+              <a:lstStyle/>
+              <a:p>
+                <a:pPr algn="ctr"/>
+                <a:endParaRPr lang="en-US"/>
+              </a:p>
+            </p:txBody>
+          </p:sp>
+        </p:grpSp>
+        <p:grpSp>
+          <p:nvGrpSpPr>
+            <p:cNvPr id="141" name="Group 140"/>
+            <p:cNvGrpSpPr/>
+            <p:nvPr/>
+          </p:nvGrpSpPr>
+          <p:grpSpPr>
+            <a:xfrm rot="17056906">
+              <a:off x="8944165" y="4632389"/>
+              <a:ext cx="772515" cy="790574"/>
+              <a:chOff x="1811479" y="1371601"/>
+              <a:chExt cx="772515" cy="790574"/>
+            </a:xfrm>
+          </p:grpSpPr>
+          <p:sp>
+            <p:nvSpPr>
+              <p:cNvPr id="142" name="Oval 141"/>
+              <p:cNvSpPr/>
+              <p:nvPr/>
+            </p:nvSpPr>
+            <p:spPr>
+              <a:xfrm>
+                <a:off x="2448298" y="2012887"/>
+                <a:ext cx="135696" cy="149288"/>
+              </a:xfrm>
+              <a:prstGeom prst="ellipse">
+                <a:avLst/>
+              </a:prstGeom>
+              <a:solidFill>
+                <a:schemeClr val="tx1"/>
+              </a:solidFill>
+              <a:ln>
+                <a:noFill/>
+              </a:ln>
+            </p:spPr>
+            <p:style>
+              <a:lnRef idx="2">
+                <a:schemeClr val="accent1">
+                  <a:shade val="50000"/>
+                </a:schemeClr>
+              </a:lnRef>
+              <a:fillRef idx="1">
+                <a:schemeClr val="accent1"/>
+              </a:fillRef>
+              <a:effectRef idx="0">
+                <a:schemeClr val="accent1"/>
+              </a:effectRef>
+              <a:fontRef idx="minor">
+                <a:schemeClr val="lt1"/>
+              </a:fontRef>
+            </p:style>
+            <p:txBody>
+              <a:bodyPr rtlCol="0" anchor="ctr"/>
+              <a:lstStyle/>
+              <a:p>
+                <a:pPr algn="ctr"/>
+                <a:endParaRPr lang="en-US"/>
+              </a:p>
+            </p:txBody>
+          </p:sp>
+          <p:sp>
+            <p:nvSpPr>
+              <p:cNvPr id="143" name="Oval 142"/>
+              <p:cNvSpPr/>
+              <p:nvPr/>
+            </p:nvSpPr>
+            <p:spPr>
+              <a:xfrm>
+                <a:off x="1811479" y="1371601"/>
+                <a:ext cx="302389" cy="323849"/>
+              </a:xfrm>
+              <a:prstGeom prst="ellipse">
+                <a:avLst/>
+              </a:prstGeom>
+              <a:solidFill>
+                <a:schemeClr val="tx1"/>
+              </a:solidFill>
+              <a:ln>
+                <a:noFill/>
+              </a:ln>
+            </p:spPr>
+            <p:style>
+              <a:lnRef idx="2">
+                <a:schemeClr val="accent1">
+                  <a:shade val="50000"/>
+                </a:schemeClr>
+              </a:lnRef>
+              <a:fillRef idx="1">
+                <a:schemeClr val="accent1"/>
+              </a:fillRef>
+              <a:effectRef idx="0">
+                <a:schemeClr val="accent1"/>
+              </a:effectRef>
+              <a:fontRef idx="minor">
+                <a:schemeClr val="lt1"/>
+              </a:fontRef>
+            </p:style>
+            <p:txBody>
+              <a:bodyPr rtlCol="0" anchor="ctr"/>
+              <a:lstStyle/>
+              <a:p>
+                <a:pPr algn="ctr"/>
+                <a:endParaRPr lang="en-US"/>
+              </a:p>
+            </p:txBody>
+          </p:sp>
+          <p:sp>
+            <p:nvSpPr>
+              <p:cNvPr id="144" name="Oval 143"/>
+              <p:cNvSpPr/>
+              <p:nvPr/>
+            </p:nvSpPr>
+            <p:spPr>
+              <a:xfrm>
+                <a:off x="2065636" y="1622426"/>
+                <a:ext cx="237909" cy="254793"/>
+              </a:xfrm>
+              <a:prstGeom prst="ellipse">
+                <a:avLst/>
+              </a:prstGeom>
+              <a:solidFill>
+                <a:schemeClr val="tx1"/>
+              </a:solidFill>
+              <a:ln>
+                <a:noFill/>
+              </a:ln>
+            </p:spPr>
+            <p:style>
+              <a:lnRef idx="2">
+                <a:schemeClr val="accent1">
+                  <a:shade val="50000"/>
+                </a:schemeClr>
+              </a:lnRef>
+              <a:fillRef idx="1">
+                <a:schemeClr val="accent1"/>
+              </a:fillRef>
+              <a:effectRef idx="0">
+                <a:schemeClr val="accent1"/>
+              </a:effectRef>
+              <a:fontRef idx="minor">
+                <a:schemeClr val="lt1"/>
+              </a:fontRef>
+            </p:style>
+            <p:txBody>
+              <a:bodyPr rtlCol="0" anchor="ctr"/>
+              <a:lstStyle/>
+              <a:p>
+                <a:pPr algn="ctr"/>
+                <a:endParaRPr lang="en-US"/>
+              </a:p>
+            </p:txBody>
+          </p:sp>
+          <p:sp>
+            <p:nvSpPr>
+              <p:cNvPr id="145" name="Oval 144"/>
+              <p:cNvSpPr/>
+              <p:nvPr/>
+            </p:nvSpPr>
+            <p:spPr>
+              <a:xfrm>
+                <a:off x="2270367" y="1835151"/>
+                <a:ext cx="199340" cy="217487"/>
+              </a:xfrm>
+              <a:prstGeom prst="ellipse">
+                <a:avLst/>
+              </a:prstGeom>
+              <a:solidFill>
+                <a:schemeClr val="tx1"/>
+              </a:solidFill>
+              <a:ln>
+                <a:noFill/>
+              </a:ln>
+            </p:spPr>
+            <p:style>
+              <a:lnRef idx="2">
+                <a:schemeClr val="accent1">
+                  <a:shade val="50000"/>
+                </a:schemeClr>
+              </a:lnRef>
+              <a:fillRef idx="1">
+                <a:schemeClr val="accent1"/>
+              </a:fillRef>
+              <a:effectRef idx="0">
+                <a:schemeClr val="accent1"/>
+              </a:effectRef>
+              <a:fontRef idx="minor">
+                <a:schemeClr val="lt1"/>
+              </a:fontRef>
+            </p:style>
+            <p:txBody>
+              <a:bodyPr rtlCol="0" anchor="ctr"/>
+              <a:lstStyle/>
+              <a:p>
+                <a:pPr algn="ctr"/>
+                <a:endParaRPr lang="en-US"/>
+              </a:p>
+            </p:txBody>
+          </p:sp>
+        </p:grpSp>
+        <p:grpSp>
+          <p:nvGrpSpPr>
+            <p:cNvPr id="146" name="Group 145"/>
+            <p:cNvGrpSpPr/>
+            <p:nvPr/>
+          </p:nvGrpSpPr>
+          <p:grpSpPr>
+            <a:xfrm rot="3656031">
+              <a:off x="11790456" y="-184331"/>
+              <a:ext cx="772515" cy="790574"/>
+              <a:chOff x="1811479" y="1371601"/>
+              <a:chExt cx="772515" cy="790574"/>
+            </a:xfrm>
+          </p:grpSpPr>
+          <p:sp>
+            <p:nvSpPr>
+              <p:cNvPr id="147" name="Oval 146"/>
+              <p:cNvSpPr/>
+              <p:nvPr/>
+            </p:nvSpPr>
+            <p:spPr>
+              <a:xfrm>
+                <a:off x="2448298" y="2012887"/>
+                <a:ext cx="135696" cy="149288"/>
+              </a:xfrm>
+              <a:prstGeom prst="ellipse">
+                <a:avLst/>
+              </a:prstGeom>
+              <a:solidFill>
+                <a:schemeClr val="tx1"/>
+              </a:solidFill>
+              <a:ln>
+                <a:noFill/>
+              </a:ln>
+            </p:spPr>
+            <p:style>
+              <a:lnRef idx="2">
+                <a:schemeClr val="accent1">
+                  <a:shade val="50000"/>
+                </a:schemeClr>
+              </a:lnRef>
+              <a:fillRef idx="1">
+                <a:schemeClr val="accent1"/>
+              </a:fillRef>
+              <a:effectRef idx="0">
+                <a:schemeClr val="accent1"/>
+              </a:effectRef>
+              <a:fontRef idx="minor">
+                <a:schemeClr val="lt1"/>
+              </a:fontRef>
+            </p:style>
+            <p:txBody>
+              <a:bodyPr rtlCol="0" anchor="ctr"/>
+              <a:lstStyle/>
+              <a:p>
+                <a:pPr algn="ctr"/>
+                <a:endParaRPr lang="en-US"/>
+              </a:p>
+            </p:txBody>
+          </p:sp>
+          <p:sp>
+            <p:nvSpPr>
+              <p:cNvPr id="148" name="Oval 147"/>
+              <p:cNvSpPr/>
+              <p:nvPr/>
+            </p:nvSpPr>
+            <p:spPr>
+              <a:xfrm>
+                <a:off x="1811479" y="1371601"/>
+                <a:ext cx="302389" cy="323849"/>
+              </a:xfrm>
+              <a:prstGeom prst="ellipse">
+                <a:avLst/>
+              </a:prstGeom>
+              <a:solidFill>
+                <a:schemeClr val="tx1"/>
+              </a:solidFill>
+              <a:ln>
+                <a:noFill/>
+              </a:ln>
+            </p:spPr>
+            <p:style>
+              <a:lnRef idx="2">
+                <a:schemeClr val="accent1">
+                  <a:shade val="50000"/>
+                </a:schemeClr>
+              </a:lnRef>
+              <a:fillRef idx="1">
+                <a:schemeClr val="accent1"/>
+              </a:fillRef>
+              <a:effectRef idx="0">
+                <a:schemeClr val="accent1"/>
+              </a:effectRef>
+              <a:fontRef idx="minor">
+                <a:schemeClr val="lt1"/>
+              </a:fontRef>
+            </p:style>
+            <p:txBody>
+              <a:bodyPr rtlCol="0" anchor="ctr"/>
+              <a:lstStyle/>
+              <a:p>
+                <a:pPr algn="ctr"/>
+                <a:endParaRPr lang="en-US"/>
+              </a:p>
+            </p:txBody>
+          </p:sp>
+          <p:sp>
+            <p:nvSpPr>
+              <p:cNvPr id="149" name="Oval 148"/>
+              <p:cNvSpPr/>
+              <p:nvPr/>
+            </p:nvSpPr>
+            <p:spPr>
+              <a:xfrm>
+                <a:off x="2065636" y="1622426"/>
+                <a:ext cx="237909" cy="254793"/>
+              </a:xfrm>
+              <a:prstGeom prst="ellipse">
+                <a:avLst/>
+              </a:prstGeom>
+              <a:solidFill>
+                <a:schemeClr val="tx1"/>
+              </a:solidFill>
+              <a:ln>
+                <a:noFill/>
+              </a:ln>
+            </p:spPr>
+            <p:style>
+              <a:lnRef idx="2">
+                <a:schemeClr val="accent1">
+                  <a:shade val="50000"/>
+                </a:schemeClr>
+              </a:lnRef>
+              <a:fillRef idx="1">
+                <a:schemeClr val="accent1"/>
+              </a:fillRef>
+              <a:effectRef idx="0">
+                <a:schemeClr val="accent1"/>
+              </a:effectRef>
+              <a:fontRef idx="minor">
+                <a:schemeClr val="lt1"/>
+              </a:fontRef>
+            </p:style>
+            <p:txBody>
+              <a:bodyPr rtlCol="0" anchor="ctr"/>
+              <a:lstStyle/>
+              <a:p>
+                <a:pPr algn="ctr"/>
+                <a:endParaRPr lang="en-US"/>
+              </a:p>
+            </p:txBody>
+          </p:sp>
+          <p:sp>
+            <p:nvSpPr>
+              <p:cNvPr id="150" name="Oval 149"/>
+              <p:cNvSpPr/>
+              <p:nvPr/>
+            </p:nvSpPr>
+            <p:spPr>
+              <a:xfrm>
+                <a:off x="2270367" y="1835151"/>
+                <a:ext cx="199340" cy="217487"/>
+              </a:xfrm>
+              <a:prstGeom prst="ellipse">
+                <a:avLst/>
+              </a:prstGeom>
+              <a:solidFill>
+                <a:schemeClr val="tx1"/>
+              </a:solidFill>
+              <a:ln>
+                <a:noFill/>
+              </a:ln>
+            </p:spPr>
+            <p:style>
+              <a:lnRef idx="2">
+                <a:schemeClr val="accent1">
+                  <a:shade val="50000"/>
+                </a:schemeClr>
+              </a:lnRef>
+              <a:fillRef idx="1">
+                <a:schemeClr val="accent1"/>
+              </a:fillRef>
+              <a:effectRef idx="0">
+                <a:schemeClr val="accent1"/>
+              </a:effectRef>
+              <a:fontRef idx="minor">
+                <a:schemeClr val="lt1"/>
+              </a:fontRef>
+            </p:style>
+            <p:txBody>
+              <a:bodyPr rtlCol="0" anchor="ctr"/>
+              <a:lstStyle/>
+              <a:p>
+                <a:pPr algn="ctr"/>
+                <a:endParaRPr lang="en-US"/>
+              </a:p>
+            </p:txBody>
+          </p:sp>
+        </p:grpSp>
+      </p:grpSp>
+      <p:sp>
+        <p:nvSpPr>
+          <p:cNvPr id="255" name="Freeform 254"/>
+          <p:cNvSpPr/>
+          <p:nvPr/>
+        </p:nvSpPr>
+        <p:spPr>
+          <a:xfrm>
+            <a:off x="9848237" y="1054162"/>
+            <a:ext cx="4485926" cy="4494530"/>
+          </a:xfrm>
+          <a:custGeom>
+            <a:avLst/>
+            <a:gdLst>
+              <a:gd name="connsiteX0" fmla="*/ 2858677 w 4927330"/>
+              <a:gd name="connsiteY0" fmla="*/ 4822898 h 4936781"/>
+              <a:gd name="connsiteX1" fmla="*/ 2879761 w 4927330"/>
+              <a:gd name="connsiteY1" fmla="*/ 4901585 h 4936781"/>
+              <a:gd name="connsiteX2" fmla="*/ 2715945 w 4927330"/>
+              <a:gd name="connsiteY2" fmla="*/ 4925220 h 4936781"/>
+              <a:gd name="connsiteX3" fmla="*/ 2486991 w 4927330"/>
+              <a:gd name="connsiteY3" fmla="*/ 4936781 h 4936781"/>
+              <a:gd name="connsiteX4" fmla="*/ 2486991 w 4927330"/>
+              <a:gd name="connsiteY4" fmla="*/ 4855828 h 4936781"/>
+              <a:gd name="connsiteX5" fmla="*/ 2707668 w 4927330"/>
+              <a:gd name="connsiteY5" fmla="*/ 4844685 h 4936781"/>
+              <a:gd name="connsiteX6" fmla="*/ 1841820 w 4927330"/>
+              <a:gd name="connsiteY6" fmla="*/ 4773155 h 4936781"/>
+              <a:gd name="connsiteX7" fmla="*/ 1996647 w 4927330"/>
+              <a:gd name="connsiteY7" fmla="*/ 4811428 h 4936781"/>
+              <a:gd name="connsiteX8" fmla="*/ 2219222 w 4927330"/>
+              <a:gd name="connsiteY8" fmla="*/ 4844685 h 4936781"/>
+              <a:gd name="connsiteX9" fmla="*/ 2222078 w 4927330"/>
+              <a:gd name="connsiteY9" fmla="*/ 4844829 h 4936781"/>
+              <a:gd name="connsiteX10" fmla="*/ 2222078 w 4927330"/>
+              <a:gd name="connsiteY10" fmla="*/ 4925782 h 4936781"/>
+              <a:gd name="connsiteX11" fmla="*/ 2210945 w 4927330"/>
+              <a:gd name="connsiteY11" fmla="*/ 4925220 h 4936781"/>
+              <a:gd name="connsiteX12" fmla="*/ 1980827 w 4927330"/>
+              <a:gd name="connsiteY12" fmla="*/ 4890836 h 4936781"/>
+              <a:gd name="connsiteX13" fmla="*/ 1819431 w 4927330"/>
+              <a:gd name="connsiteY13" fmla="*/ 4850939 h 4936781"/>
+              <a:gd name="connsiteX14" fmla="*/ 3470082 w 4927330"/>
+              <a:gd name="connsiteY14" fmla="*/ 4635053 h 4936781"/>
+              <a:gd name="connsiteX15" fmla="*/ 3510611 w 4927330"/>
+              <a:gd name="connsiteY15" fmla="*/ 4705252 h 4936781"/>
+              <a:gd name="connsiteX16" fmla="*/ 3501024 w 4927330"/>
+              <a:gd name="connsiteY16" fmla="*/ 4710083 h 4936781"/>
+              <a:gd name="connsiteX17" fmla="*/ 3314963 w 4927330"/>
+              <a:gd name="connsiteY17" fmla="*/ 4787239 h 4936781"/>
+              <a:gd name="connsiteX18" fmla="*/ 3138552 w 4927330"/>
+              <a:gd name="connsiteY18" fmla="*/ 4843861 h 4936781"/>
+              <a:gd name="connsiteX19" fmla="*/ 3117588 w 4927330"/>
+              <a:gd name="connsiteY19" fmla="*/ 4765619 h 4936781"/>
+              <a:gd name="connsiteX20" fmla="*/ 3287050 w 4927330"/>
+              <a:gd name="connsiteY20" fmla="*/ 4711227 h 4936781"/>
+              <a:gd name="connsiteX21" fmla="*/ 3467012 w 4927330"/>
+              <a:gd name="connsiteY21" fmla="*/ 4636600 h 4936781"/>
+              <a:gd name="connsiteX22" fmla="*/ 1318749 w 4927330"/>
+              <a:gd name="connsiteY22" fmla="*/ 4563604 h 4936781"/>
+              <a:gd name="connsiteX23" fmla="*/ 1412408 w 4927330"/>
+              <a:gd name="connsiteY23" fmla="*/ 4613950 h 4936781"/>
+              <a:gd name="connsiteX24" fmla="*/ 1574057 w 4927330"/>
+              <a:gd name="connsiteY24" fmla="*/ 4685947 h 4936781"/>
+              <a:gd name="connsiteX25" fmla="*/ 1589685 w 4927330"/>
+              <a:gd name="connsiteY25" fmla="*/ 4691395 h 4936781"/>
+              <a:gd name="connsiteX26" fmla="*/ 1567276 w 4927330"/>
+              <a:gd name="connsiteY26" fmla="*/ 4769247 h 4936781"/>
+              <a:gd name="connsiteX27" fmla="*/ 1543915 w 4927330"/>
+              <a:gd name="connsiteY27" fmla="*/ 4761102 h 4936781"/>
+              <a:gd name="connsiteX28" fmla="*/ 1376787 w 4927330"/>
+              <a:gd name="connsiteY28" fmla="*/ 4686665 h 4936781"/>
+              <a:gd name="connsiteX29" fmla="*/ 1278273 w 4927330"/>
+              <a:gd name="connsiteY29" fmla="*/ 4633710 h 4936781"/>
+              <a:gd name="connsiteX30" fmla="*/ 4008158 w 4927330"/>
+              <a:gd name="connsiteY30" fmla="*/ 4287233 h 4936781"/>
+              <a:gd name="connsiteX31" fmla="*/ 4065649 w 4927330"/>
+              <a:gd name="connsiteY31" fmla="*/ 4344724 h 4936781"/>
+              <a:gd name="connsiteX32" fmla="*/ 3913472 w 4927330"/>
+              <a:gd name="connsiteY32" fmla="*/ 4467669 h 4936781"/>
+              <a:gd name="connsiteX33" fmla="*/ 3781742 w 4927330"/>
+              <a:gd name="connsiteY33" fmla="*/ 4557048 h 4936781"/>
+              <a:gd name="connsiteX34" fmla="*/ 3743818 w 4927330"/>
+              <a:gd name="connsiteY34" fmla="*/ 4579352 h 4936781"/>
+              <a:gd name="connsiteX35" fmla="*/ 3703355 w 4927330"/>
+              <a:gd name="connsiteY35" fmla="*/ 4509268 h 4936781"/>
+              <a:gd name="connsiteX36" fmla="*/ 3738528 w 4927330"/>
+              <a:gd name="connsiteY36" fmla="*/ 4488582 h 4936781"/>
+              <a:gd name="connsiteX37" fmla="*/ 3865940 w 4927330"/>
+              <a:gd name="connsiteY37" fmla="*/ 4402132 h 4936781"/>
+              <a:gd name="connsiteX38" fmla="*/ 830509 w 4927330"/>
+              <a:gd name="connsiteY38" fmla="*/ 4207664 h 4936781"/>
+              <a:gd name="connsiteX39" fmla="*/ 969082 w 4927330"/>
+              <a:gd name="connsiteY39" fmla="*/ 4331942 h 4936781"/>
+              <a:gd name="connsiteX40" fmla="*/ 1093232 w 4927330"/>
+              <a:gd name="connsiteY40" fmla="*/ 4424385 h 4936781"/>
+              <a:gd name="connsiteX41" fmla="*/ 1052504 w 4927330"/>
+              <a:gd name="connsiteY41" fmla="*/ 4494927 h 4936781"/>
+              <a:gd name="connsiteX42" fmla="*/ 918437 w 4927330"/>
+              <a:gd name="connsiteY42" fmla="*/ 4395099 h 4936781"/>
+              <a:gd name="connsiteX43" fmla="*/ 773267 w 4927330"/>
+              <a:gd name="connsiteY43" fmla="*/ 4264905 h 4936781"/>
+              <a:gd name="connsiteX44" fmla="*/ 4437995 w 4927330"/>
+              <a:gd name="connsiteY44" fmla="*/ 3810457 h 4936781"/>
+              <a:gd name="connsiteX45" fmla="*/ 4508279 w 4927330"/>
+              <a:gd name="connsiteY45" fmla="*/ 3851036 h 4936781"/>
+              <a:gd name="connsiteX46" fmla="*/ 4452225 w 4927330"/>
+              <a:gd name="connsiteY46" fmla="*/ 3932760 h 4936781"/>
+              <a:gd name="connsiteX47" fmla="*/ 4291181 w 4927330"/>
+              <a:gd name="connsiteY47" fmla="*/ 4129201 h 4936781"/>
+              <a:gd name="connsiteX48" fmla="*/ 4257857 w 4927330"/>
+              <a:gd name="connsiteY48" fmla="*/ 4162288 h 4936781"/>
+              <a:gd name="connsiteX49" fmla="*/ 4200689 w 4927330"/>
+              <a:gd name="connsiteY49" fmla="*/ 4105121 h 4936781"/>
+              <a:gd name="connsiteX50" fmla="*/ 4231268 w 4927330"/>
+              <a:gd name="connsiteY50" fmla="*/ 4074760 h 4936781"/>
+              <a:gd name="connsiteX51" fmla="*/ 4387033 w 4927330"/>
+              <a:gd name="connsiteY51" fmla="*/ 3884758 h 4936781"/>
+              <a:gd name="connsiteX52" fmla="*/ 445313 w 4927330"/>
+              <a:gd name="connsiteY52" fmla="*/ 3743214 h 4936781"/>
+              <a:gd name="connsiteX53" fmla="*/ 482570 w 4927330"/>
+              <a:gd name="connsiteY53" fmla="*/ 3803615 h 4936781"/>
+              <a:gd name="connsiteX54" fmla="*/ 599333 w 4927330"/>
+              <a:gd name="connsiteY54" fmla="*/ 3962055 h 4936781"/>
+              <a:gd name="connsiteX55" fmla="*/ 647607 w 4927330"/>
+              <a:gd name="connsiteY55" fmla="*/ 4015922 h 4936781"/>
+              <a:gd name="connsiteX56" fmla="*/ 590364 w 4927330"/>
+              <a:gd name="connsiteY56" fmla="*/ 4073165 h 4936781"/>
+              <a:gd name="connsiteX57" fmla="*/ 536156 w 4927330"/>
+              <a:gd name="connsiteY57" fmla="*/ 4012676 h 4936781"/>
+              <a:gd name="connsiteX58" fmla="*/ 415436 w 4927330"/>
+              <a:gd name="connsiteY58" fmla="*/ 3848867 h 4936781"/>
+              <a:gd name="connsiteX59" fmla="*/ 375226 w 4927330"/>
+              <a:gd name="connsiteY59" fmla="*/ 3783679 h 4936781"/>
+              <a:gd name="connsiteX60" fmla="*/ 4724197 w 4927330"/>
+              <a:gd name="connsiteY60" fmla="*/ 3235039 h 4936781"/>
+              <a:gd name="connsiteX61" fmla="*/ 4802449 w 4927330"/>
+              <a:gd name="connsiteY61" fmla="*/ 3256006 h 4936781"/>
+              <a:gd name="connsiteX62" fmla="*/ 4776945 w 4927330"/>
+              <a:gd name="connsiteY62" fmla="*/ 3334329 h 4936781"/>
+              <a:gd name="connsiteX63" fmla="*/ 4711064 w 4927330"/>
+              <a:gd name="connsiteY63" fmla="*/ 3493091 h 4936781"/>
+              <a:gd name="connsiteX64" fmla="*/ 4645508 w 4927330"/>
+              <a:gd name="connsiteY64" fmla="*/ 3624370 h 4936781"/>
+              <a:gd name="connsiteX65" fmla="*/ 4575300 w 4927330"/>
+              <a:gd name="connsiteY65" fmla="*/ 3583835 h 4936781"/>
+              <a:gd name="connsiteX66" fmla="*/ 4637386 w 4927330"/>
+              <a:gd name="connsiteY66" fmla="*/ 3459501 h 4936781"/>
+              <a:gd name="connsiteX67" fmla="*/ 4701108 w 4927330"/>
+              <a:gd name="connsiteY67" fmla="*/ 3305944 h 4936781"/>
+              <a:gd name="connsiteX68" fmla="*/ 189454 w 4927330"/>
+              <a:gd name="connsiteY68" fmla="*/ 3196898 h 4936781"/>
+              <a:gd name="connsiteX69" fmla="*/ 197594 w 4927330"/>
+              <a:gd name="connsiteY69" fmla="*/ 3226384 h 4936781"/>
+              <a:gd name="connsiteX70" fmla="*/ 289152 w 4927330"/>
+              <a:gd name="connsiteY70" fmla="*/ 3458728 h 4936781"/>
+              <a:gd name="connsiteX71" fmla="*/ 316140 w 4927330"/>
+              <a:gd name="connsiteY71" fmla="*/ 3511897 h 4936781"/>
+              <a:gd name="connsiteX72" fmla="*/ 245976 w 4927330"/>
+              <a:gd name="connsiteY72" fmla="*/ 3552406 h 4936781"/>
+              <a:gd name="connsiteX73" fmla="*/ 215463 w 4927330"/>
+              <a:gd name="connsiteY73" fmla="*/ 3492291 h 4936781"/>
+              <a:gd name="connsiteX74" fmla="*/ 120803 w 4927330"/>
+              <a:gd name="connsiteY74" fmla="*/ 3252073 h 4936781"/>
+              <a:gd name="connsiteX75" fmla="*/ 111348 w 4927330"/>
+              <a:gd name="connsiteY75" fmla="*/ 3217827 h 4936781"/>
+              <a:gd name="connsiteX76" fmla="*/ 4845663 w 4927330"/>
+              <a:gd name="connsiteY76" fmla="*/ 2603755 h 4936781"/>
+              <a:gd name="connsiteX77" fmla="*/ 4926616 w 4927330"/>
+              <a:gd name="connsiteY77" fmla="*/ 2603755 h 4936781"/>
+              <a:gd name="connsiteX78" fmla="*/ 4921808 w 4927330"/>
+              <a:gd name="connsiteY78" fmla="*/ 2705310 h 4936781"/>
+              <a:gd name="connsiteX79" fmla="*/ 4891516 w 4927330"/>
+              <a:gd name="connsiteY79" fmla="*/ 2921681 h 4936781"/>
+              <a:gd name="connsiteX80" fmla="*/ 4873233 w 4927330"/>
+              <a:gd name="connsiteY80" fmla="*/ 3000714 h 4936781"/>
+              <a:gd name="connsiteX81" fmla="*/ 4795049 w 4927330"/>
+              <a:gd name="connsiteY81" fmla="*/ 2979765 h 4936781"/>
+              <a:gd name="connsiteX82" fmla="*/ 4811923 w 4927330"/>
+              <a:gd name="connsiteY82" fmla="*/ 2906822 h 4936781"/>
+              <a:gd name="connsiteX83" fmla="*/ 4841222 w 4927330"/>
+              <a:gd name="connsiteY83" fmla="*/ 2697544 h 4936781"/>
+              <a:gd name="connsiteX84" fmla="*/ 1186 w 4927330"/>
+              <a:gd name="connsiteY84" fmla="*/ 2603755 h 4936781"/>
+              <a:gd name="connsiteX85" fmla="*/ 82139 w 4927330"/>
+              <a:gd name="connsiteY85" fmla="*/ 2603755 h 4936781"/>
+              <a:gd name="connsiteX86" fmla="*/ 88953 w 4927330"/>
+              <a:gd name="connsiteY86" fmla="*/ 2729739 h 4936781"/>
+              <a:gd name="connsiteX87" fmla="*/ 123407 w 4927330"/>
+              <a:gd name="connsiteY87" fmla="*/ 2940337 h 4936781"/>
+              <a:gd name="connsiteX88" fmla="*/ 44924 w 4927330"/>
+              <a:gd name="connsiteY88" fmla="*/ 2961366 h 4936781"/>
+              <a:gd name="connsiteX89" fmla="*/ 8479 w 4927330"/>
+              <a:gd name="connsiteY89" fmla="*/ 2738597 h 4936781"/>
+              <a:gd name="connsiteX90" fmla="*/ 43310 w 4927330"/>
+              <a:gd name="connsiteY90" fmla="*/ 1980799 h 4936781"/>
+              <a:gd name="connsiteX91" fmla="*/ 121494 w 4927330"/>
+              <a:gd name="connsiteY91" fmla="*/ 2001748 h 4936781"/>
+              <a:gd name="connsiteX92" fmla="*/ 114968 w 4927330"/>
+              <a:gd name="connsiteY92" fmla="*/ 2029958 h 4936781"/>
+              <a:gd name="connsiteX93" fmla="*/ 85669 w 4927330"/>
+              <a:gd name="connsiteY93" fmla="*/ 2239237 h 4936781"/>
+              <a:gd name="connsiteX94" fmla="*/ 80953 w 4927330"/>
+              <a:gd name="connsiteY94" fmla="*/ 2338842 h 4936781"/>
+              <a:gd name="connsiteX95" fmla="*/ 0 w 4927330"/>
+              <a:gd name="connsiteY95" fmla="*/ 2338842 h 4936781"/>
+              <a:gd name="connsiteX96" fmla="*/ 5083 w 4927330"/>
+              <a:gd name="connsiteY96" fmla="*/ 2231471 h 4936781"/>
+              <a:gd name="connsiteX97" fmla="*/ 35376 w 4927330"/>
+              <a:gd name="connsiteY97" fmla="*/ 2015099 h 4936781"/>
+              <a:gd name="connsiteX98" fmla="*/ 4875683 w 4927330"/>
+              <a:gd name="connsiteY98" fmla="*/ 1941227 h 4936781"/>
+              <a:gd name="connsiteX99" fmla="*/ 4894858 w 4927330"/>
+              <a:gd name="connsiteY99" fmla="*/ 2033510 h 4936781"/>
+              <a:gd name="connsiteX100" fmla="*/ 4923347 w 4927330"/>
+              <a:gd name="connsiteY100" fmla="*/ 2248249 h 4936781"/>
+              <a:gd name="connsiteX101" fmla="*/ 4927330 w 4927330"/>
+              <a:gd name="connsiteY101" fmla="*/ 2338842 h 4936781"/>
+              <a:gd name="connsiteX102" fmla="*/ 4846377 w 4927330"/>
+              <a:gd name="connsiteY102" fmla="*/ 2338842 h 4936781"/>
+              <a:gd name="connsiteX103" fmla="*/ 4842711 w 4927330"/>
+              <a:gd name="connsiteY103" fmla="*/ 2255465 h 4936781"/>
+              <a:gd name="connsiteX104" fmla="*/ 4815156 w 4927330"/>
+              <a:gd name="connsiteY104" fmla="*/ 2047765 h 4936781"/>
+              <a:gd name="connsiteX105" fmla="*/ 4797379 w 4927330"/>
+              <a:gd name="connsiteY105" fmla="*/ 1962208 h 4936781"/>
+              <a:gd name="connsiteX106" fmla="*/ 243310 w 4927330"/>
+              <a:gd name="connsiteY106" fmla="*/ 1388655 h 4936781"/>
+              <a:gd name="connsiteX107" fmla="*/ 313519 w 4927330"/>
+              <a:gd name="connsiteY107" fmla="*/ 1429190 h 4936781"/>
+              <a:gd name="connsiteX108" fmla="*/ 289505 w 4927330"/>
+              <a:gd name="connsiteY108" fmla="*/ 1477280 h 4936781"/>
+              <a:gd name="connsiteX109" fmla="*/ 225783 w 4927330"/>
+              <a:gd name="connsiteY109" fmla="*/ 1630837 h 4936781"/>
+              <a:gd name="connsiteX110" fmla="*/ 188467 w 4927330"/>
+              <a:gd name="connsiteY110" fmla="*/ 1745435 h 4936781"/>
+              <a:gd name="connsiteX111" fmla="*/ 110215 w 4927330"/>
+              <a:gd name="connsiteY111" fmla="*/ 1724468 h 4936781"/>
+              <a:gd name="connsiteX112" fmla="*/ 149946 w 4927330"/>
+              <a:gd name="connsiteY112" fmla="*/ 1602451 h 4936781"/>
+              <a:gd name="connsiteX113" fmla="*/ 215828 w 4927330"/>
+              <a:gd name="connsiteY113" fmla="*/ 1443690 h 4936781"/>
+              <a:gd name="connsiteX114" fmla="*/ 4646844 w 4927330"/>
+              <a:gd name="connsiteY114" fmla="*/ 1317459 h 4936781"/>
+              <a:gd name="connsiteX115" fmla="*/ 4674549 w 4927330"/>
+              <a:gd name="connsiteY115" fmla="*/ 1367241 h 4936781"/>
+              <a:gd name="connsiteX116" fmla="*/ 4784722 w 4927330"/>
+              <a:gd name="connsiteY116" fmla="*/ 1623514 h 4936781"/>
+              <a:gd name="connsiteX117" fmla="*/ 4803562 w 4927330"/>
+              <a:gd name="connsiteY117" fmla="*/ 1686293 h 4936781"/>
+              <a:gd name="connsiteX118" fmla="*/ 4725441 w 4927330"/>
+              <a:gd name="connsiteY118" fmla="*/ 1707226 h 4936781"/>
+              <a:gd name="connsiteX119" fmla="*/ 4708631 w 4927330"/>
+              <a:gd name="connsiteY119" fmla="*/ 1651209 h 4936781"/>
+              <a:gd name="connsiteX120" fmla="*/ 4602068 w 4927330"/>
+              <a:gd name="connsiteY120" fmla="*/ 1403337 h 4936781"/>
+              <a:gd name="connsiteX121" fmla="*/ 4576786 w 4927330"/>
+              <a:gd name="connsiteY121" fmla="*/ 1357907 h 4936781"/>
+              <a:gd name="connsiteX122" fmla="*/ 587567 w 4927330"/>
+              <a:gd name="connsiteY122" fmla="*/ 866642 h 4936781"/>
+              <a:gd name="connsiteX123" fmla="*/ 644798 w 4927330"/>
+              <a:gd name="connsiteY123" fmla="*/ 923873 h 4936781"/>
+              <a:gd name="connsiteX124" fmla="*/ 602427 w 4927330"/>
+              <a:gd name="connsiteY124" fmla="*/ 970878 h 4936781"/>
+              <a:gd name="connsiteX125" fmla="*/ 446980 w 4927330"/>
+              <a:gd name="connsiteY125" fmla="*/ 1187436 h 4936781"/>
+              <a:gd name="connsiteX126" fmla="*/ 441303 w 4927330"/>
+              <a:gd name="connsiteY126" fmla="*/ 1197071 h 4936781"/>
+              <a:gd name="connsiteX127" fmla="*/ 371224 w 4927330"/>
+              <a:gd name="connsiteY127" fmla="*/ 1156610 h 4936781"/>
+              <a:gd name="connsiteX128" fmla="*/ 378640 w 4927330"/>
+              <a:gd name="connsiteY128" fmla="*/ 1144023 h 4936781"/>
+              <a:gd name="connsiteX129" fmla="*/ 539355 w 4927330"/>
+              <a:gd name="connsiteY129" fmla="*/ 920126 h 4936781"/>
+              <a:gd name="connsiteX130" fmla="*/ 4260057 w 4927330"/>
+              <a:gd name="connsiteY130" fmla="*/ 778116 h 4936781"/>
+              <a:gd name="connsiteX131" fmla="*/ 4303106 w 4927330"/>
+              <a:gd name="connsiteY131" fmla="*/ 820791 h 4936781"/>
+              <a:gd name="connsiteX132" fmla="*/ 4442633 w 4927330"/>
+              <a:gd name="connsiteY132" fmla="*/ 991104 h 4936781"/>
+              <a:gd name="connsiteX133" fmla="*/ 4510217 w 4927330"/>
+              <a:gd name="connsiteY133" fmla="*/ 1090446 h 4936781"/>
+              <a:gd name="connsiteX134" fmla="*/ 4439981 w 4927330"/>
+              <a:gd name="connsiteY134" fmla="*/ 1130996 h 4936781"/>
+              <a:gd name="connsiteX135" fmla="*/ 4377755 w 4927330"/>
+              <a:gd name="connsiteY135" fmla="*/ 1039530 h 4936781"/>
+              <a:gd name="connsiteX136" fmla="*/ 4242802 w 4927330"/>
+              <a:gd name="connsiteY136" fmla="*/ 874800 h 4936781"/>
+              <a:gd name="connsiteX137" fmla="*/ 4202915 w 4927330"/>
+              <a:gd name="connsiteY137" fmla="*/ 835258 h 4936781"/>
+              <a:gd name="connsiteX138" fmla="*/ 1050202 w 4927330"/>
+              <a:gd name="connsiteY138" fmla="*/ 443698 h 4936781"/>
+              <a:gd name="connsiteX139" fmla="*/ 1090915 w 4927330"/>
+              <a:gd name="connsiteY139" fmla="*/ 514215 h 4936781"/>
+              <a:gd name="connsiteX140" fmla="*/ 979345 w 4927330"/>
+              <a:gd name="connsiteY140" fmla="*/ 596645 h 4936781"/>
+              <a:gd name="connsiteX141" fmla="*/ 827307 w 4927330"/>
+              <a:gd name="connsiteY141" fmla="*/ 731738 h 4936781"/>
+              <a:gd name="connsiteX142" fmla="*/ 770053 w 4927330"/>
+              <a:gd name="connsiteY142" fmla="*/ 674484 h 4936781"/>
+              <a:gd name="connsiteX143" fmla="*/ 929047 w 4927330"/>
+              <a:gd name="connsiteY143" fmla="*/ 533210 h 4936781"/>
+              <a:gd name="connsiteX144" fmla="*/ 3746228 w 4927330"/>
+              <a:gd name="connsiteY144" fmla="*/ 359086 h 4936781"/>
+              <a:gd name="connsiteX145" fmla="*/ 3863392 w 4927330"/>
+              <a:gd name="connsiteY145" fmla="*/ 433667 h 4936781"/>
+              <a:gd name="connsiteX146" fmla="*/ 4069205 w 4927330"/>
+              <a:gd name="connsiteY146" fmla="*/ 594325 h 4936781"/>
+              <a:gd name="connsiteX147" fmla="*/ 4011628 w 4927330"/>
+              <a:gd name="connsiteY147" fmla="*/ 651901 h 4936781"/>
+              <a:gd name="connsiteX148" fmla="*/ 3817501 w 4927330"/>
+              <a:gd name="connsiteY148" fmla="*/ 500365 h 4936781"/>
+              <a:gd name="connsiteX149" fmla="*/ 3705736 w 4927330"/>
+              <a:gd name="connsiteY149" fmla="*/ 429220 h 4936781"/>
+              <a:gd name="connsiteX150" fmla="*/ 1607364 w 4927330"/>
+              <a:gd name="connsiteY150" fmla="*/ 152935 h 4936781"/>
+              <a:gd name="connsiteX151" fmla="*/ 1628347 w 4927330"/>
+              <a:gd name="connsiteY151" fmla="*/ 231243 h 4936781"/>
+              <a:gd name="connsiteX152" fmla="*/ 1594162 w 4927330"/>
+              <a:gd name="connsiteY152" fmla="*/ 242870 h 4936781"/>
+              <a:gd name="connsiteX153" fmla="*/ 1401580 w 4927330"/>
+              <a:gd name="connsiteY153" fmla="*/ 328180 h 4936781"/>
+              <a:gd name="connsiteX154" fmla="*/ 1316131 w 4927330"/>
+              <a:gd name="connsiteY154" fmla="*/ 374475 h 4936781"/>
+              <a:gd name="connsiteX155" fmla="*/ 1275657 w 4927330"/>
+              <a:gd name="connsiteY155" fmla="*/ 304372 h 4936781"/>
+              <a:gd name="connsiteX156" fmla="*/ 1365592 w 4927330"/>
+              <a:gd name="connsiteY156" fmla="*/ 255646 h 4936781"/>
+              <a:gd name="connsiteX157" fmla="*/ 1564701 w 4927330"/>
+              <a:gd name="connsiteY157" fmla="*/ 167444 h 4936781"/>
+              <a:gd name="connsiteX158" fmla="*/ 3184994 w 4927330"/>
+              <a:gd name="connsiteY158" fmla="*/ 106657 h 4936781"/>
+              <a:gd name="connsiteX159" fmla="*/ 3382976 w 4927330"/>
+              <a:gd name="connsiteY159" fmla="*/ 175679 h 4936781"/>
+              <a:gd name="connsiteX160" fmla="*/ 3512831 w 4927330"/>
+              <a:gd name="connsiteY160" fmla="*/ 233515 h 4936781"/>
+              <a:gd name="connsiteX161" fmla="*/ 3472150 w 4927330"/>
+              <a:gd name="connsiteY161" fmla="*/ 303977 h 4936781"/>
+              <a:gd name="connsiteX162" fmla="*/ 3352834 w 4927330"/>
+              <a:gd name="connsiteY162" fmla="*/ 250834 h 4936781"/>
+              <a:gd name="connsiteX163" fmla="*/ 3162586 w 4927330"/>
+              <a:gd name="connsiteY163" fmla="*/ 184508 h 4936781"/>
+              <a:gd name="connsiteX164" fmla="*/ 2222078 w 4927330"/>
+              <a:gd name="connsiteY164" fmla="*/ 10999 h 4936781"/>
+              <a:gd name="connsiteX165" fmla="*/ 2222078 w 4927330"/>
+              <a:gd name="connsiteY165" fmla="*/ 91952 h 4936781"/>
+              <a:gd name="connsiteX166" fmla="*/ 2219222 w 4927330"/>
+              <a:gd name="connsiteY166" fmla="*/ 92096 h 4936781"/>
+              <a:gd name="connsiteX167" fmla="*/ 2003878 w 4927330"/>
+              <a:gd name="connsiteY167" fmla="*/ 123933 h 4936781"/>
+              <a:gd name="connsiteX168" fmla="*/ 1881779 w 4927330"/>
+              <a:gd name="connsiteY168" fmla="*/ 153517 h 4936781"/>
+              <a:gd name="connsiteX169" fmla="*/ 1860837 w 4927330"/>
+              <a:gd name="connsiteY169" fmla="*/ 75362 h 4936781"/>
+              <a:gd name="connsiteX170" fmla="*/ 1988302 w 4927330"/>
+              <a:gd name="connsiteY170" fmla="*/ 44477 h 4936781"/>
+              <a:gd name="connsiteX171" fmla="*/ 2210945 w 4927330"/>
+              <a:gd name="connsiteY171" fmla="*/ 11561 h 4936781"/>
+              <a:gd name="connsiteX172" fmla="*/ 2486991 w 4927330"/>
+              <a:gd name="connsiteY172" fmla="*/ 0 h 4936781"/>
+              <a:gd name="connsiteX173" fmla="*/ 2715945 w 4927330"/>
+              <a:gd name="connsiteY173" fmla="*/ 11561 h 4936781"/>
+              <a:gd name="connsiteX174" fmla="*/ 2927595 w 4927330"/>
+              <a:gd name="connsiteY174" fmla="*/ 43186 h 4936781"/>
+              <a:gd name="connsiteX175" fmla="*/ 2905029 w 4927330"/>
+              <a:gd name="connsiteY175" fmla="*/ 121586 h 4936781"/>
+              <a:gd name="connsiteX176" fmla="*/ 2707668 w 4927330"/>
+              <a:gd name="connsiteY176" fmla="*/ 92096 h 4936781"/>
+              <a:gd name="connsiteX177" fmla="*/ 2486991 w 4927330"/>
+              <a:gd name="connsiteY177" fmla="*/ 80953 h 4936781"/>
+            </a:gdLst>
+            <a:ahLst/>
+            <a:cxnLst>
+              <a:cxn ang="0">
+                <a:pos x="connsiteX0" y="connsiteY0"/>
+              </a:cxn>
+              <a:cxn ang="0">
+                <a:pos x="connsiteX1" y="connsiteY1"/>
+              </a:cxn>
+              <a:cxn ang="0">
+                <a:pos x="connsiteX2" y="connsiteY2"/>
+              </a:cxn>
+              <a:cxn ang="0">
+                <a:pos x="connsiteX3" y="connsiteY3"/>
+              </a:cxn>
+              <a:cxn ang="0">
+                <a:pos x="connsiteX4" y="connsiteY4"/>
+              </a:cxn>
+              <a:cxn ang="0">
+                <a:pos x="connsiteX5" y="connsiteY5"/>
+              </a:cxn>
+              <a:cxn ang="0">
+                <a:pos x="connsiteX6" y="connsiteY6"/>
+              </a:cxn>
+              <a:cxn ang="0">
+                <a:pos x="connsiteX7" y="connsiteY7"/>
+              </a:cxn>
+              <a:cxn ang="0">
+                <a:pos x="connsiteX8" y="connsiteY8"/>
+              </a:cxn>
+              <a:cxn ang="0">
+                <a:pos x="connsiteX9" y="connsiteY9"/>
+              </a:cxn>
+              <a:cxn ang="0">
+                <a:pos x="connsiteX10" y="connsiteY10"/>
+              </a:cxn>
+              <a:cxn ang="0">
+                <a:pos x="connsiteX11" y="connsiteY11"/>
+              </a:cxn>
+              <a:cxn ang="0">
+                <a:pos x="connsiteX12" y="connsiteY12"/>
+              </a:cxn>
+              <a:cxn ang="0">
+                <a:pos x="connsiteX13" y="connsiteY13"/>
+              </a:cxn>
+              <a:cxn ang="0">
+                <a:pos x="connsiteX14" y="connsiteY14"/>
+              </a:cxn>
+              <a:cxn ang="0">
+                <a:pos x="connsiteX15" y="connsiteY15"/>
+              </a:cxn>
+              <a:cxn ang="0">
+                <a:pos x="connsiteX16" y="connsiteY16"/>
+              </a:cxn>
+              <a:cxn ang="0">
+                <a:pos x="connsiteX17" y="connsiteY17"/>
+              </a:cxn>
+              <a:cxn ang="0">
+                <a:pos x="connsiteX18" y="connsiteY18"/>
+              </a:cxn>
+              <a:cxn ang="0">
+                <a:pos x="connsiteX19" y="connsiteY19"/>
+              </a:cxn>
+              <a:cxn ang="0">
+                <a:pos x="connsiteX20" y="connsiteY20"/>
+              </a:cxn>
+              <a:cxn ang="0">
+                <a:pos x="connsiteX21" y="connsiteY21"/>
+              </a:cxn>
+              <a:cxn ang="0">
+                <a:pos x="connsiteX22" y="connsiteY22"/>
+              </a:cxn>
+              <a:cxn ang="0">
+                <a:pos x="connsiteX23" y="connsiteY23"/>
+              </a:cxn>
+              <a:cxn ang="0">
+                <a:pos x="connsiteX24" y="connsiteY24"/>
+              </a:cxn>
+              <a:cxn ang="0">
+                <a:pos x="connsiteX25" y="connsiteY25"/>
+              </a:cxn>
+              <a:cxn ang="0">
+                <a:pos x="connsiteX26" y="connsiteY26"/>
+              </a:cxn>
+              <a:cxn ang="0">
+                <a:pos x="connsiteX27" y="connsiteY27"/>
+              </a:cxn>
+              <a:cxn ang="0">
+                <a:pos x="connsiteX28" y="connsiteY28"/>
+              </a:cxn>
+              <a:cxn ang="0">
+                <a:pos x="connsiteX29" y="connsiteY29"/>
+              </a:cxn>
+              <a:cxn ang="0">
+                <a:pos x="connsiteX30" y="connsiteY30"/>
+              </a:cxn>
+              <a:cxn ang="0">
+                <a:pos x="connsiteX31" y="connsiteY31"/>
+              </a:cxn>
+              <a:cxn ang="0">
+                <a:pos x="connsiteX32" y="connsiteY32"/>
+              </a:cxn>
+              <a:cxn ang="0">
+                <a:pos x="connsiteX33" y="connsiteY33"/>
+              </a:cxn>
+              <a:cxn ang="0">
+                <a:pos x="connsiteX34" y="connsiteY34"/>
+              </a:cxn>
+              <a:cxn ang="0">
+                <a:pos x="connsiteX35" y="connsiteY35"/>
+              </a:cxn>
+              <a:cxn ang="0">
+                <a:pos x="connsiteX36" y="connsiteY36"/>
+              </a:cxn>
+              <a:cxn ang="0">
+                <a:pos x="connsiteX37" y="connsiteY37"/>
+              </a:cxn>
+              <a:cxn ang="0">
+                <a:pos x="connsiteX38" y="connsiteY38"/>
+              </a:cxn>
+              <a:cxn ang="0">
+                <a:pos x="connsiteX39" y="connsiteY39"/>
+              </a:cxn>
+              <a:cxn ang="0">
+                <a:pos x="connsiteX40" y="connsiteY40"/>
+              </a:cxn>
+              <a:cxn ang="0">
+                <a:pos x="connsiteX41" y="connsiteY41"/>
+              </a:cxn>
+              <a:cxn ang="0">
+                <a:pos x="connsiteX42" y="connsiteY42"/>
+              </a:cxn>
+              <a:cxn ang="0">
+                <a:pos x="connsiteX43" y="connsiteY43"/>
+              </a:cxn>
+              <a:cxn ang="0">
+                <a:pos x="connsiteX44" y="connsiteY44"/>
+              </a:cxn>
+              <a:cxn ang="0">
+                <a:pos x="connsiteX45" y="connsiteY45"/>
+              </a:cxn>
+              <a:cxn ang="0">
+                <a:pos x="connsiteX46" y="connsiteY46"/>
+              </a:cxn>
+              <a:cxn ang="0">
+                <a:pos x="connsiteX47" y="connsiteY47"/>
+              </a:cxn>
+              <a:cxn ang="0">
+                <a:pos x="connsiteX48" y="connsiteY48"/>
+              </a:cxn>
+              <a:cxn ang="0">
+                <a:pos x="connsiteX49" y="connsiteY49"/>
+              </a:cxn>
+              <a:cxn ang="0">
+                <a:pos x="connsiteX50" y="connsiteY50"/>
+              </a:cxn>
+              <a:cxn ang="0">
+                <a:pos x="connsiteX51" y="connsiteY51"/>
+              </a:cxn>
+              <a:cxn ang="0">
+                <a:pos x="connsiteX52" y="connsiteY52"/>
+              </a:cxn>
+              <a:cxn ang="0">
+                <a:pos x="connsiteX53" y="connsiteY53"/>
+              </a:cxn>
+              <a:cxn ang="0">
+                <a:pos x="connsiteX54" y="connsiteY54"/>
+              </a:cxn>
+              <a:cxn ang="0">
+                <a:pos x="connsiteX55" y="connsiteY55"/>
+              </a:cxn>
+              <a:cxn ang="0">
+                <a:pos x="connsiteX56" y="connsiteY56"/>
+              </a:cxn>
+              <a:cxn ang="0">
+                <a:pos x="connsiteX57" y="connsiteY57"/>
+              </a:cxn>
+              <a:cxn ang="0">
+                <a:pos x="connsiteX58" y="connsiteY58"/>
+              </a:cxn>
+              <a:cxn ang="0">
+                <a:pos x="connsiteX59" y="connsiteY59"/>
+              </a:cxn>
+              <a:cxn ang="0">
+                <a:pos x="connsiteX60" y="connsiteY60"/>
+              </a:cxn>
+              <a:cxn ang="0">
+                <a:pos x="connsiteX61" y="connsiteY61"/>
+              </a:cxn>
+              <a:cxn ang="0">
+                <a:pos x="connsiteX62" y="connsiteY62"/>
+              </a:cxn>
+              <a:cxn ang="0">
+                <a:pos x="connsiteX63" y="connsiteY63"/>
+              </a:cxn>
+              <a:cxn ang="0">
+                <a:pos x="connsiteX64" y="connsiteY64"/>
+              </a:cxn>
+              <a:cxn ang="0">
+                <a:pos x="connsiteX65" y="connsiteY65"/>
+              </a:cxn>
+              <a:cxn ang="0">
+                <a:pos x="connsiteX66" y="connsiteY66"/>
+              </a:cxn>
+              <a:cxn ang="0">
+                <a:pos x="connsiteX67" y="connsiteY67"/>
+              </a:cxn>
+              <a:cxn ang="0">
+                <a:pos x="connsiteX68" y="connsiteY68"/>
+              </a:cxn>
+              <a:cxn ang="0">
+                <a:pos x="connsiteX69" y="connsiteY69"/>
+              </a:cxn>
+              <a:cxn ang="0">
+                <a:pos x="connsiteX70" y="connsiteY70"/>
+              </a:cxn>
+              <a:cxn ang="0">
+                <a:pos x="connsiteX71" y="connsiteY71"/>
+              </a:cxn>
+              <a:cxn ang="0">
+                <a:pos x="connsiteX72" y="connsiteY72"/>
+              </a:cxn>
+              <a:cxn ang="0">
+                <a:pos x="connsiteX73" y="connsiteY73"/>
+              </a:cxn>
+              <a:cxn ang="0">
+                <a:pos x="connsiteX74" y="connsiteY74"/>
+              </a:cxn>
+              <a:cxn ang="0">
+                <a:pos x="connsiteX75" y="connsiteY75"/>
+              </a:cxn>
+              <a:cxn ang="0">
+                <a:pos x="connsiteX76" y="connsiteY76"/>
+              </a:cxn>
+              <a:cxn ang="0">
+                <a:pos x="connsiteX77" y="connsiteY77"/>
+              </a:cxn>
+              <a:cxn ang="0">
+                <a:pos x="connsiteX78" y="connsiteY78"/>
+              </a:cxn>
+              <a:cxn ang="0">
+                <a:pos x="connsiteX79" y="connsiteY79"/>
+              </a:cxn>
+              <a:cxn ang="0">
+                <a:pos x="connsiteX80" y="connsiteY80"/>
+              </a:cxn>
+              <a:cxn ang="0">
+                <a:pos x="connsiteX81" y="connsiteY81"/>
+              </a:cxn>
+              <a:cxn ang="0">
+                <a:pos x="connsiteX82" y="connsiteY82"/>
+              </a:cxn>
+              <a:cxn ang="0">
+                <a:pos x="connsiteX83" y="connsiteY83"/>
+              </a:cxn>
+              <a:cxn ang="0">
+                <a:pos x="connsiteX84" y="connsiteY84"/>
+              </a:cxn>
+              <a:cxn ang="0">
+                <a:pos x="connsiteX85" y="connsiteY85"/>
+              </a:cxn>
+              <a:cxn ang="0">
+                <a:pos x="connsiteX86" y="connsiteY86"/>
+              </a:cxn>
+              <a:cxn ang="0">
+                <a:pos x="connsiteX87" y="connsiteY87"/>
+              </a:cxn>
+              <a:cxn ang="0">
+                <a:pos x="connsiteX88" y="connsiteY88"/>
+              </a:cxn>
+              <a:cxn ang="0">
+                <a:pos x="connsiteX89" y="connsiteY89"/>
+              </a:cxn>
+              <a:cxn ang="0">
+                <a:pos x="connsiteX90" y="connsiteY90"/>
+              </a:cxn>
+              <a:cxn ang="0">
+                <a:pos x="connsiteX91" y="connsiteY91"/>
+              </a:cxn>
+              <a:cxn ang="0">
+                <a:pos x="connsiteX92" y="connsiteY92"/>
+              </a:cxn>
+              <a:cxn ang="0">
+                <a:pos x="connsiteX93" y="connsiteY93"/>
+              </a:cxn>
+              <a:cxn ang="0">
+                <a:pos x="connsiteX94" y="connsiteY94"/>
+              </a:cxn>
+              <a:cxn ang="0">
+                <a:pos x="connsiteX95" y="connsiteY95"/>
+              </a:cxn>
+              <a:cxn ang="0">
+                <a:pos x="connsiteX96" y="connsiteY96"/>
+              </a:cxn>
+              <a:cxn ang="0">
+                <a:pos x="connsiteX97" y="connsiteY97"/>
+              </a:cxn>
+              <a:cxn ang="0">
+                <a:pos x="connsiteX98" y="connsiteY98"/>
+              </a:cxn>
+              <a:cxn ang="0">
+                <a:pos x="connsiteX99" y="connsiteY99"/>
+              </a:cxn>
+              <a:cxn ang="0">
+                <a:pos x="connsiteX100" y="connsiteY100"/>
+              </a:cxn>
+              <a:cxn ang="0">
+                <a:pos x="connsiteX101" y="connsiteY101"/>
+              </a:cxn>
+              <a:cxn ang="0">
+                <a:pos x="connsiteX102" y="connsiteY102"/>
+              </a:cxn>
+              <a:cxn ang="0">
+                <a:pos x="connsiteX103" y="connsiteY103"/>
+              </a:cxn>
+              <a:cxn ang="0">
+                <a:pos x="connsiteX104" y="connsiteY104"/>
+              </a:cxn>
+              <a:cxn ang="0">
+                <a:pos x="connsiteX105" y="connsiteY105"/>
+              </a:cxn>
+              <a:cxn ang="0">
+                <a:pos x="connsiteX106" y="connsiteY106"/>
+              </a:cxn>
+              <a:cxn ang="0">
+                <a:pos x="connsiteX107" y="connsiteY107"/>
+              </a:cxn>
+              <a:cxn ang="0">
+                <a:pos x="connsiteX108" y="connsiteY108"/>
+              </a:cxn>
+              <a:cxn ang="0">
+                <a:pos x="connsiteX109" y="connsiteY109"/>
+              </a:cxn>
+              <a:cxn ang="0">
+                <a:pos x="connsiteX110" y="connsiteY110"/>
+              </a:cxn>
+              <a:cxn ang="0">
+                <a:pos x="connsiteX111" y="connsiteY111"/>
+              </a:cxn>
+              <a:cxn ang="0">
+                <a:pos x="connsiteX112" y="connsiteY112"/>
+              </a:cxn>
+              <a:cxn ang="0">
+                <a:pos x="connsiteX113" y="connsiteY113"/>
+              </a:cxn>
+              <a:cxn ang="0">
+                <a:pos x="connsiteX114" y="connsiteY114"/>
+              </a:cxn>
+              <a:cxn ang="0">
+                <a:pos x="connsiteX115" y="connsiteY115"/>
+              </a:cxn>
+              <a:cxn ang="0">
+                <a:pos x="connsiteX116" y="connsiteY116"/>
+              </a:cxn>
+              <a:cxn ang="0">
+                <a:pos x="connsiteX117" y="connsiteY117"/>
+              </a:cxn>
+              <a:cxn ang="0">
+                <a:pos x="connsiteX118" y="connsiteY118"/>
+              </a:cxn>
+              <a:cxn ang="0">
+                <a:pos x="connsiteX119" y="connsiteY119"/>
+              </a:cxn>
+              <a:cxn ang="0">
+                <a:pos x="connsiteX120" y="connsiteY120"/>
+              </a:cxn>
+              <a:cxn ang="0">
+                <a:pos x="connsiteX121" y="connsiteY121"/>
+              </a:cxn>
+              <a:cxn ang="0">
+                <a:pos x="connsiteX122" y="connsiteY122"/>
+              </a:cxn>
+              <a:cxn ang="0">
+                <a:pos x="connsiteX123" y="connsiteY123"/>
+              </a:cxn>
+              <a:cxn ang="0">
+                <a:pos x="connsiteX124" y="connsiteY124"/>
+              </a:cxn>
+              <a:cxn ang="0">
+                <a:pos x="connsiteX125" y="connsiteY125"/>
+              </a:cxn>
+              <a:cxn ang="0">
+                <a:pos x="connsiteX126" y="connsiteY126"/>
+              </a:cxn>
+              <a:cxn ang="0">
+                <a:pos x="connsiteX127" y="connsiteY127"/>
+              </a:cxn>
+              <a:cxn ang="0">
+                <a:pos x="connsiteX128" y="connsiteY128"/>
+              </a:cxn>
+              <a:cxn ang="0">
+                <a:pos x="connsiteX129" y="connsiteY129"/>
+              </a:cxn>
+              <a:cxn ang="0">
+                <a:pos x="connsiteX130" y="connsiteY130"/>
+              </a:cxn>
+              <a:cxn ang="0">
+                <a:pos x="connsiteX131" y="connsiteY131"/>
+              </a:cxn>
+              <a:cxn ang="0">
+                <a:pos x="connsiteX132" y="connsiteY132"/>
+              </a:cxn>
+              <a:cxn ang="0">
+                <a:pos x="connsiteX133" y="connsiteY133"/>
+              </a:cxn>
+              <a:cxn ang="0">
+                <a:pos x="connsiteX134" y="connsiteY134"/>
+              </a:cxn>
+              <a:cxn ang="0">
+                <a:pos x="connsiteX135" y="connsiteY135"/>
+              </a:cxn>
+              <a:cxn ang="0">
+                <a:pos x="connsiteX136" y="connsiteY136"/>
+              </a:cxn>
+              <a:cxn ang="0">
+                <a:pos x="connsiteX137" y="connsiteY137"/>
+              </a:cxn>
+              <a:cxn ang="0">
+                <a:pos x="connsiteX138" y="connsiteY138"/>
+              </a:cxn>
+              <a:cxn ang="0">
+                <a:pos x="connsiteX139" y="connsiteY139"/>
+              </a:cxn>
+              <a:cxn ang="0">
+                <a:pos x="connsiteX140" y="connsiteY140"/>
+              </a:cxn>
+              <a:cxn ang="0">
+                <a:pos x="connsiteX141" y="connsiteY141"/>
+              </a:cxn>
+              <a:cxn ang="0">
+                <a:pos x="connsiteX142" y="connsiteY142"/>
+              </a:cxn>
+              <a:cxn ang="0">
+                <a:pos x="connsiteX143" y="connsiteY143"/>
+              </a:cxn>
+              <a:cxn ang="0">
+                <a:pos x="connsiteX144" y="connsiteY144"/>
+              </a:cxn>
+              <a:cxn ang="0">
+                <a:pos x="connsiteX145" y="connsiteY145"/>
+              </a:cxn>
+              <a:cxn ang="0">
+                <a:pos x="connsiteX146" y="connsiteY146"/>
+              </a:cxn>
+              <a:cxn ang="0">
+                <a:pos x="connsiteX147" y="connsiteY147"/>
+              </a:cxn>
+              <a:cxn ang="0">
+                <a:pos x="connsiteX148" y="connsiteY148"/>
+              </a:cxn>
+              <a:cxn ang="0">
+                <a:pos x="connsiteX149" y="connsiteY149"/>
+              </a:cxn>
+              <a:cxn ang="0">
+                <a:pos x="connsiteX150" y="connsiteY150"/>
+              </a:cxn>
+              <a:cxn ang="0">
+                <a:pos x="connsiteX151" y="connsiteY151"/>
+              </a:cxn>
+              <a:cxn ang="0">
+                <a:pos x="connsiteX152" y="connsiteY152"/>
+              </a:cxn>
+              <a:cxn ang="0">
+                <a:pos x="connsiteX153" y="connsiteY153"/>
+              </a:cxn>
+              <a:cxn ang="0">
+                <a:pos x="connsiteX154" y="connsiteY154"/>
+              </a:cxn>
+              <a:cxn ang="0">
+                <a:pos x="connsiteX155" y="connsiteY155"/>
+              </a:cxn>
+              <a:cxn ang="0">
+                <a:pos x="connsiteX156" y="connsiteY156"/>
+              </a:cxn>
+              <a:cxn ang="0">
+                <a:pos x="connsiteX157" y="connsiteY157"/>
+              </a:cxn>
+              <a:cxn ang="0">
+                <a:pos x="connsiteX158" y="connsiteY158"/>
+              </a:cxn>
+              <a:cxn ang="0">
+                <a:pos x="connsiteX159" y="connsiteY159"/>
+              </a:cxn>
+              <a:cxn ang="0">
+                <a:pos x="connsiteX160" y="connsiteY160"/>
+              </a:cxn>
+              <a:cxn ang="0">
+                <a:pos x="connsiteX161" y="connsiteY161"/>
+              </a:cxn>
+              <a:cxn ang="0">
+                <a:pos x="connsiteX162" y="connsiteY162"/>
+              </a:cxn>
+              <a:cxn ang="0">
+                <a:pos x="connsiteX163" y="connsiteY163"/>
+              </a:cxn>
+              <a:cxn ang="0">
+                <a:pos x="connsiteX164" y="connsiteY164"/>
+              </a:cxn>
+              <a:cxn ang="0">
+                <a:pos x="connsiteX165" y="connsiteY165"/>
+              </a:cxn>
+              <a:cxn ang="0">
+                <a:pos x="connsiteX166" y="connsiteY166"/>
+              </a:cxn>
+              <a:cxn ang="0">
+                <a:pos x="connsiteX167" y="connsiteY167"/>
+              </a:cxn>
+              <a:cxn ang="0">
+                <a:pos x="connsiteX168" y="connsiteY168"/>
+              </a:cxn>
+              <a:cxn ang="0">
+                <a:pos x="connsiteX169" y="connsiteY169"/>
+              </a:cxn>
+              <a:cxn ang="0">
+                <a:pos x="connsiteX170" y="connsiteY170"/>
+              </a:cxn>
+              <a:cxn ang="0">
+                <a:pos x="connsiteX171" y="connsiteY171"/>
+              </a:cxn>
+              <a:cxn ang="0">
+                <a:pos x="connsiteX172" y="connsiteY172"/>
+              </a:cxn>
+              <a:cxn ang="0">
+                <a:pos x="connsiteX173" y="connsiteY173"/>
+              </a:cxn>
+              <a:cxn ang="0">
+                <a:pos x="connsiteX174" y="connsiteY174"/>
+              </a:cxn>
+              <a:cxn ang="0">
+                <a:pos x="connsiteX175" y="connsiteY175"/>
+              </a:cxn>
+              <a:cxn ang="0">
+                <a:pos x="connsiteX176" y="connsiteY176"/>
+              </a:cxn>
+              <a:cxn ang="0">
+                <a:pos x="connsiteX177" y="connsiteY177"/>
+              </a:cxn>
+            </a:cxnLst>
+            <a:rect l="l" t="t" r="r" b="b"/>
+            <a:pathLst>
+              <a:path w="4927330" h="4936781">
+                <a:moveTo>
+                  <a:pt x="2858677" y="4822898"/>
+                </a:moveTo>
+                <a:lnTo>
+                  <a:pt x="2879761" y="4901585"/>
+                </a:lnTo>
+                <a:lnTo>
+                  <a:pt x="2715945" y="4925220"/>
+                </a:lnTo>
+                <a:lnTo>
+                  <a:pt x="2486991" y="4936781"/>
+                </a:lnTo>
+                <a:lnTo>
+                  <a:pt x="2486991" y="4855828"/>
+                </a:lnTo>
+                <a:lnTo>
+                  <a:pt x="2707668" y="4844685"/>
+                </a:lnTo>
+                <a:close/>
+                <a:moveTo>
+                  <a:pt x="1841820" y="4773155"/>
+                </a:moveTo>
+                <a:lnTo>
+                  <a:pt x="1996647" y="4811428"/>
+                </a:lnTo>
+                <a:cubicBezTo>
+                  <a:pt x="2069695" y="4825899"/>
+                  <a:pt x="2143942" y="4837040"/>
+                  <a:pt x="2219222" y="4844685"/>
+                </a:cubicBezTo>
+                <a:lnTo>
+                  <a:pt x="2222078" y="4844829"/>
+                </a:lnTo>
+                <a:lnTo>
+                  <a:pt x="2222078" y="4925782"/>
+                </a:lnTo>
+                <a:lnTo>
+                  <a:pt x="2210945" y="4925220"/>
+                </a:lnTo>
+                <a:cubicBezTo>
+                  <a:pt x="2133114" y="4917316"/>
+                  <a:pt x="2056351" y="4905798"/>
+                  <a:pt x="1980827" y="4890836"/>
+                </a:cubicBezTo>
+                <a:lnTo>
+                  <a:pt x="1819431" y="4850939"/>
+                </a:lnTo>
+                <a:close/>
+                <a:moveTo>
+                  <a:pt x="3470082" y="4635053"/>
+                </a:moveTo>
+                <a:lnTo>
+                  <a:pt x="3510611" y="4705252"/>
+                </a:lnTo>
+                <a:lnTo>
+                  <a:pt x="3501024" y="4710083"/>
+                </a:lnTo>
+                <a:cubicBezTo>
+                  <a:pt x="3440299" y="4738237"/>
+                  <a:pt x="3378239" y="4763996"/>
+                  <a:pt x="3314963" y="4787239"/>
+                </a:cubicBezTo>
+                <a:lnTo>
+                  <a:pt x="3138552" y="4843861"/>
+                </a:lnTo>
+                <a:lnTo>
+                  <a:pt x="3117588" y="4765619"/>
+                </a:lnTo>
+                <a:lnTo>
+                  <a:pt x="3287050" y="4711227"/>
+                </a:lnTo>
+                <a:cubicBezTo>
+                  <a:pt x="3348252" y="4688746"/>
+                  <a:pt x="3408278" y="4663831"/>
+                  <a:pt x="3467012" y="4636600"/>
+                </a:cubicBezTo>
+                <a:close/>
+                <a:moveTo>
+                  <a:pt x="1318749" y="4563604"/>
+                </a:moveTo>
+                <a:lnTo>
+                  <a:pt x="1412408" y="4613950"/>
+                </a:lnTo>
+                <a:cubicBezTo>
+                  <a:pt x="1465224" y="4639871"/>
+                  <a:pt x="1519136" y="4663900"/>
+                  <a:pt x="1574057" y="4685947"/>
+                </a:cubicBezTo>
+                <a:lnTo>
+                  <a:pt x="1589685" y="4691395"/>
+                </a:lnTo>
+                <a:lnTo>
+                  <a:pt x="1567276" y="4769247"/>
+                </a:lnTo>
+                <a:lnTo>
+                  <a:pt x="1543915" y="4761102"/>
+                </a:lnTo>
+                <a:cubicBezTo>
+                  <a:pt x="1487132" y="4738308"/>
+                  <a:pt x="1431393" y="4713465"/>
+                  <a:pt x="1376787" y="4686665"/>
+                </a:cubicBezTo>
+                <a:lnTo>
+                  <a:pt x="1278273" y="4633710"/>
+                </a:lnTo>
+                <a:close/>
+                <a:moveTo>
+                  <a:pt x="4008158" y="4287233"/>
+                </a:moveTo>
+                <a:lnTo>
+                  <a:pt x="4065649" y="4344724"/>
+                </a:lnTo>
+                <a:lnTo>
+                  <a:pt x="3913472" y="4467669"/>
+                </a:lnTo>
+                <a:cubicBezTo>
+                  <a:pt x="3870583" y="4498829"/>
+                  <a:pt x="3826652" y="4528643"/>
+                  <a:pt x="3781742" y="4557048"/>
+                </a:cubicBezTo>
+                <a:lnTo>
+                  <a:pt x="3743818" y="4579352"/>
+                </a:lnTo>
+                <a:lnTo>
+                  <a:pt x="3703355" y="4509268"/>
+                </a:lnTo>
+                <a:lnTo>
+                  <a:pt x="3738528" y="4488582"/>
+                </a:lnTo>
+                <a:cubicBezTo>
+                  <a:pt x="3781966" y="4461108"/>
+                  <a:pt x="3824457" y="4432271"/>
+                  <a:pt x="3865940" y="4402132"/>
+                </a:cubicBezTo>
+                <a:close/>
+                <a:moveTo>
+                  <a:pt x="830509" y="4207664"/>
+                </a:moveTo>
+                <a:lnTo>
+                  <a:pt x="969082" y="4331942"/>
+                </a:lnTo>
+                <a:lnTo>
+                  <a:pt x="1093232" y="4424385"/>
+                </a:lnTo>
+                <a:lnTo>
+                  <a:pt x="1052504" y="4494927"/>
+                </a:lnTo>
+                <a:lnTo>
+                  <a:pt x="918437" y="4395099"/>
+                </a:lnTo>
+                <a:lnTo>
+                  <a:pt x="773267" y="4264905"/>
+                </a:lnTo>
+                <a:close/>
+                <a:moveTo>
+                  <a:pt x="4437995" y="3810457"/>
+                </a:moveTo>
+                <a:lnTo>
+                  <a:pt x="4508279" y="3851036"/>
+                </a:lnTo>
+                <a:lnTo>
+                  <a:pt x="4452225" y="3932760"/>
+                </a:lnTo>
+                <a:cubicBezTo>
+                  <a:pt x="4401888" y="4001009"/>
+                  <a:pt x="4348122" y="4066574"/>
+                  <a:pt x="4291181" y="4129201"/>
+                </a:cubicBezTo>
+                <a:lnTo>
+                  <a:pt x="4257857" y="4162288"/>
+                </a:lnTo>
+                <a:lnTo>
+                  <a:pt x="4200689" y="4105121"/>
+                </a:lnTo>
+                <a:lnTo>
+                  <a:pt x="4231268" y="4074760"/>
+                </a:lnTo>
+                <a:cubicBezTo>
+                  <a:pt x="4286342" y="4014186"/>
+                  <a:pt x="4338346" y="3950770"/>
+                  <a:pt x="4387033" y="3884758"/>
+                </a:cubicBezTo>
+                <a:close/>
+                <a:moveTo>
+                  <a:pt x="445313" y="3743214"/>
+                </a:moveTo>
+                <a:lnTo>
+                  <a:pt x="482570" y="3803615"/>
+                </a:lnTo>
+                <a:cubicBezTo>
+                  <a:pt x="519347" y="3858068"/>
+                  <a:pt x="558310" y="3910923"/>
+                  <a:pt x="599333" y="3962055"/>
+                </a:cubicBezTo>
+                <a:lnTo>
+                  <a:pt x="647607" y="4015922"/>
+                </a:lnTo>
+                <a:lnTo>
+                  <a:pt x="590364" y="4073165"/>
+                </a:lnTo>
+                <a:lnTo>
+                  <a:pt x="536156" y="4012676"/>
+                </a:lnTo>
+                <a:cubicBezTo>
+                  <a:pt x="493743" y="3959812"/>
+                  <a:pt x="453460" y="3905165"/>
+                  <a:pt x="415436" y="3848867"/>
+                </a:cubicBezTo>
+                <a:lnTo>
+                  <a:pt x="375226" y="3783679"/>
+                </a:lnTo>
+                <a:close/>
+                <a:moveTo>
+                  <a:pt x="4724197" y="3235039"/>
+                </a:moveTo>
+                <a:lnTo>
+                  <a:pt x="4802449" y="3256006"/>
+                </a:lnTo>
+                <a:lnTo>
+                  <a:pt x="4776945" y="3334329"/>
+                </a:lnTo>
+                <a:cubicBezTo>
+                  <a:pt x="4756785" y="3388166"/>
+                  <a:pt x="4734799" y="3441112"/>
+                  <a:pt x="4711064" y="3493091"/>
+                </a:cubicBezTo>
+                <a:lnTo>
+                  <a:pt x="4645508" y="3624370"/>
+                </a:lnTo>
+                <a:lnTo>
+                  <a:pt x="4575300" y="3583835"/>
+                </a:lnTo>
+                <a:lnTo>
+                  <a:pt x="4637386" y="3459501"/>
+                </a:lnTo>
+                <a:cubicBezTo>
+                  <a:pt x="4660344" y="3409227"/>
+                  <a:pt x="4681609" y="3358017"/>
+                  <a:pt x="4701108" y="3305944"/>
+                </a:cubicBezTo>
+                <a:close/>
+                <a:moveTo>
+                  <a:pt x="189454" y="3196898"/>
+                </a:moveTo>
+                <a:lnTo>
+                  <a:pt x="197594" y="3226384"/>
+                </a:lnTo>
+                <a:cubicBezTo>
+                  <a:pt x="224140" y="3305771"/>
+                  <a:pt x="254741" y="3383301"/>
+                  <a:pt x="289152" y="3458728"/>
+                </a:cubicBezTo>
+                <a:lnTo>
+                  <a:pt x="316140" y="3511897"/>
+                </a:lnTo>
+                <a:lnTo>
+                  <a:pt x="245976" y="3552406"/>
+                </a:lnTo>
+                <a:lnTo>
+                  <a:pt x="215463" y="3492291"/>
+                </a:lnTo>
+                <a:cubicBezTo>
+                  <a:pt x="179886" y="3414308"/>
+                  <a:pt x="148248" y="3334151"/>
+                  <a:pt x="120803" y="3252073"/>
+                </a:cubicBezTo>
+                <a:lnTo>
+                  <a:pt x="111348" y="3217827"/>
+                </a:lnTo>
+                <a:close/>
+                <a:moveTo>
+                  <a:pt x="4845663" y="2603755"/>
+                </a:moveTo>
+                <a:lnTo>
+                  <a:pt x="4926616" y="2603755"/>
+                </a:lnTo>
+                <a:lnTo>
+                  <a:pt x="4921808" y="2705310"/>
+                </a:lnTo>
+                <a:cubicBezTo>
+                  <a:pt x="4914850" y="2778410"/>
+                  <a:pt x="4904706" y="2850580"/>
+                  <a:pt x="4891516" y="2921681"/>
+                </a:cubicBezTo>
+                <a:lnTo>
+                  <a:pt x="4873233" y="3000714"/>
+                </a:lnTo>
+                <a:lnTo>
+                  <a:pt x="4795049" y="2979765"/>
+                </a:lnTo>
+                <a:lnTo>
+                  <a:pt x="4811923" y="2906822"/>
+                </a:lnTo>
+                <a:cubicBezTo>
+                  <a:pt x="4824681" y="2838052"/>
+                  <a:pt x="4834493" y="2768247"/>
+                  <a:pt x="4841222" y="2697544"/>
+                </a:cubicBezTo>
+                <a:close/>
+                <a:moveTo>
+                  <a:pt x="1186" y="2603755"/>
+                </a:moveTo>
+                <a:lnTo>
+                  <a:pt x="82139" y="2603755"/>
+                </a:lnTo>
+                <a:lnTo>
+                  <a:pt x="88953" y="2729739"/>
+                </a:lnTo>
+                <a:lnTo>
+                  <a:pt x="123407" y="2940337"/>
+                </a:lnTo>
+                <a:lnTo>
+                  <a:pt x="44924" y="2961366"/>
+                </a:lnTo>
+                <a:lnTo>
+                  <a:pt x="8479" y="2738597"/>
+                </a:lnTo>
+                <a:close/>
+                <a:moveTo>
+                  <a:pt x="43310" y="1980799"/>
+                </a:moveTo>
+                <a:lnTo>
+                  <a:pt x="121494" y="2001748"/>
+                </a:lnTo>
+                <a:lnTo>
+                  <a:pt x="114968" y="2029958"/>
+                </a:lnTo>
+                <a:cubicBezTo>
+                  <a:pt x="102210" y="2098728"/>
+                  <a:pt x="92398" y="2168533"/>
+                  <a:pt x="85669" y="2239237"/>
+                </a:cubicBezTo>
+                <a:lnTo>
+                  <a:pt x="80953" y="2338842"/>
+                </a:lnTo>
+                <a:lnTo>
+                  <a:pt x="0" y="2338842"/>
+                </a:lnTo>
+                <a:lnTo>
+                  <a:pt x="5083" y="2231471"/>
+                </a:lnTo>
+                <a:cubicBezTo>
+                  <a:pt x="12041" y="2158371"/>
+                  <a:pt x="22185" y="2086200"/>
+                  <a:pt x="35376" y="2015099"/>
+                </a:cubicBezTo>
+                <a:close/>
+                <a:moveTo>
+                  <a:pt x="4875683" y="1941227"/>
+                </a:moveTo>
+                <a:lnTo>
+                  <a:pt x="4894858" y="2033510"/>
+                </a:lnTo>
+                <a:cubicBezTo>
+                  <a:pt x="4907399" y="2104098"/>
+                  <a:pt x="4916940" y="2175723"/>
+                  <a:pt x="4923347" y="2248249"/>
+                </a:cubicBezTo>
+                <a:lnTo>
+                  <a:pt x="4927330" y="2338842"/>
+                </a:lnTo>
+                <a:lnTo>
+                  <a:pt x="4846377" y="2338842"/>
+                </a:lnTo>
+                <a:lnTo>
+                  <a:pt x="4842711" y="2255465"/>
+                </a:lnTo>
+                <a:cubicBezTo>
+                  <a:pt x="4836515" y="2185317"/>
+                  <a:pt x="4827286" y="2116039"/>
+                  <a:pt x="4815156" y="2047765"/>
+                </a:cubicBezTo>
+                <a:lnTo>
+                  <a:pt x="4797379" y="1962208"/>
+                </a:lnTo>
+                <a:close/>
+                <a:moveTo>
+                  <a:pt x="243310" y="1388655"/>
+                </a:moveTo>
+                <a:lnTo>
+                  <a:pt x="313519" y="1429190"/>
+                </a:lnTo>
+                <a:lnTo>
+                  <a:pt x="289505" y="1477280"/>
+                </a:lnTo>
+                <a:cubicBezTo>
+                  <a:pt x="266547" y="1527554"/>
+                  <a:pt x="245282" y="1578764"/>
+                  <a:pt x="225783" y="1630837"/>
+                </a:cubicBezTo>
+                <a:lnTo>
+                  <a:pt x="188467" y="1745435"/>
+                </a:lnTo>
+                <a:lnTo>
+                  <a:pt x="110215" y="1724468"/>
+                </a:lnTo>
+                <a:lnTo>
+                  <a:pt x="149946" y="1602451"/>
+                </a:lnTo>
+                <a:cubicBezTo>
+                  <a:pt x="170106" y="1548614"/>
+                  <a:pt x="192092" y="1495669"/>
+                  <a:pt x="215828" y="1443690"/>
+                </a:cubicBezTo>
+                <a:close/>
+                <a:moveTo>
+                  <a:pt x="4646844" y="1317459"/>
+                </a:moveTo>
+                <a:lnTo>
+                  <a:pt x="4674549" y="1367241"/>
+                </a:lnTo>
+                <a:cubicBezTo>
+                  <a:pt x="4715904" y="1450121"/>
+                  <a:pt x="4752736" y="1535653"/>
+                  <a:pt x="4784722" y="1623514"/>
+                </a:cubicBezTo>
+                <a:lnTo>
+                  <a:pt x="4803562" y="1686293"/>
+                </a:lnTo>
+                <a:lnTo>
+                  <a:pt x="4725441" y="1707226"/>
+                </a:lnTo>
+                <a:lnTo>
+                  <a:pt x="4708631" y="1651209"/>
+                </a:lnTo>
+                <a:cubicBezTo>
+                  <a:pt x="4677693" y="1566228"/>
+                  <a:pt x="4642068" y="1483500"/>
+                  <a:pt x="4602068" y="1403337"/>
+                </a:cubicBezTo>
+                <a:lnTo>
+                  <a:pt x="4576786" y="1357907"/>
+                </a:lnTo>
+                <a:close/>
+                <a:moveTo>
+                  <a:pt x="587567" y="866642"/>
+                </a:moveTo>
+                <a:lnTo>
+                  <a:pt x="644798" y="923873"/>
+                </a:lnTo>
+                <a:lnTo>
+                  <a:pt x="602427" y="970878"/>
+                </a:lnTo>
+                <a:cubicBezTo>
+                  <a:pt x="546735" y="1040001"/>
+                  <a:pt x="494815" y="1112291"/>
+                  <a:pt x="446980" y="1187436"/>
+                </a:cubicBezTo>
+                <a:lnTo>
+                  <a:pt x="441303" y="1197071"/>
+                </a:lnTo>
+                <a:lnTo>
+                  <a:pt x="371224" y="1156610"/>
+                </a:lnTo>
+                <a:lnTo>
+                  <a:pt x="378640" y="1144023"/>
+                </a:lnTo>
+                <a:cubicBezTo>
+                  <a:pt x="428096" y="1066332"/>
+                  <a:pt x="481775" y="991592"/>
+                  <a:pt x="539355" y="920126"/>
+                </a:cubicBezTo>
+                <a:close/>
+                <a:moveTo>
+                  <a:pt x="4260057" y="778116"/>
+                </a:moveTo>
+                <a:lnTo>
+                  <a:pt x="4303106" y="820791"/>
+                </a:lnTo>
+                <a:cubicBezTo>
+                  <a:pt x="4352068" y="875424"/>
+                  <a:pt x="4398632" y="932250"/>
+                  <a:pt x="4442633" y="991104"/>
+                </a:cubicBezTo>
+                <a:lnTo>
+                  <a:pt x="4510217" y="1090446"/>
+                </a:lnTo>
+                <a:lnTo>
+                  <a:pt x="4439981" y="1130996"/>
+                </a:lnTo>
+                <a:lnTo>
+                  <a:pt x="4377755" y="1039530"/>
+                </a:lnTo>
+                <a:cubicBezTo>
+                  <a:pt x="4335197" y="982605"/>
+                  <a:pt x="4290159" y="927641"/>
+                  <a:pt x="4242802" y="874800"/>
+                </a:cubicBezTo>
+                <a:lnTo>
+                  <a:pt x="4202915" y="835258"/>
+                </a:lnTo>
+                <a:close/>
+                <a:moveTo>
+                  <a:pt x="1050202" y="443698"/>
+                </a:moveTo>
+                <a:lnTo>
+                  <a:pt x="1090915" y="514215"/>
+                </a:lnTo>
+                <a:lnTo>
+                  <a:pt x="979345" y="596645"/>
+                </a:lnTo>
+                <a:lnTo>
+                  <a:pt x="827307" y="731738"/>
+                </a:lnTo>
+                <a:lnTo>
+                  <a:pt x="770053" y="674484"/>
+                </a:lnTo>
+                <a:lnTo>
+                  <a:pt x="929047" y="533210"/>
+                </a:lnTo>
+                <a:close/>
+                <a:moveTo>
+                  <a:pt x="3746228" y="359086"/>
+                </a:moveTo>
+                <a:lnTo>
+                  <a:pt x="3863392" y="433667"/>
+                </a:lnTo>
+                <a:lnTo>
+                  <a:pt x="4069205" y="594325"/>
+                </a:lnTo>
+                <a:lnTo>
+                  <a:pt x="4011628" y="651901"/>
+                </a:lnTo>
+                <a:lnTo>
+                  <a:pt x="3817501" y="500365"/>
+                </a:lnTo>
+                <a:lnTo>
+                  <a:pt x="3705736" y="429220"/>
+                </a:lnTo>
+                <a:close/>
+                <a:moveTo>
+                  <a:pt x="1607364" y="152935"/>
+                </a:moveTo>
+                <a:lnTo>
+                  <a:pt x="1628347" y="231243"/>
+                </a:lnTo>
+                <a:lnTo>
+                  <a:pt x="1594162" y="242870"/>
+                </a:lnTo>
+                <a:cubicBezTo>
+                  <a:pt x="1528505" y="268534"/>
+                  <a:pt x="1464261" y="297021"/>
+                  <a:pt x="1401580" y="328180"/>
+                </a:cubicBezTo>
+                <a:lnTo>
+                  <a:pt x="1316131" y="374475"/>
+                </a:lnTo>
+                <a:lnTo>
+                  <a:pt x="1275657" y="304372"/>
+                </a:lnTo>
+                <a:lnTo>
+                  <a:pt x="1365592" y="255646"/>
+                </a:lnTo>
+                <a:cubicBezTo>
+                  <a:pt x="1430398" y="223431"/>
+                  <a:pt x="1496818" y="193979"/>
+                  <a:pt x="1564701" y="167444"/>
+                </a:cubicBezTo>
+                <a:close/>
+                <a:moveTo>
+                  <a:pt x="3184994" y="106657"/>
+                </a:moveTo>
+                <a:lnTo>
+                  <a:pt x="3382976" y="175679"/>
+                </a:lnTo>
+                <a:lnTo>
+                  <a:pt x="3512831" y="233515"/>
+                </a:lnTo>
+                <a:lnTo>
+                  <a:pt x="3472150" y="303977"/>
+                </a:lnTo>
+                <a:lnTo>
+                  <a:pt x="3352834" y="250834"/>
+                </a:lnTo>
+                <a:lnTo>
+                  <a:pt x="3162586" y="184508"/>
+                </a:lnTo>
+                <a:close/>
+                <a:moveTo>
+                  <a:pt x="2222078" y="10999"/>
+                </a:moveTo>
+                <a:lnTo>
+                  <a:pt x="2222078" y="91952"/>
+                </a:lnTo>
+                <a:lnTo>
+                  <a:pt x="2219222" y="92096"/>
+                </a:lnTo>
+                <a:cubicBezTo>
+                  <a:pt x="2146424" y="99489"/>
+                  <a:pt x="2074593" y="110151"/>
+                  <a:pt x="2003878" y="123933"/>
+                </a:cubicBezTo>
+                <a:lnTo>
+                  <a:pt x="1881779" y="153517"/>
+                </a:lnTo>
+                <a:lnTo>
+                  <a:pt x="1860837" y="75362"/>
+                </a:lnTo>
+                <a:lnTo>
+                  <a:pt x="1988302" y="44477"/>
+                </a:lnTo>
+                <a:cubicBezTo>
+                  <a:pt x="2061415" y="30228"/>
+                  <a:pt x="2135680" y="19205"/>
+                  <a:pt x="2210945" y="11561"/>
+                </a:cubicBezTo>
+                <a:close/>
+                <a:moveTo>
+                  <a:pt x="2486991" y="0"/>
+                </a:moveTo>
+                <a:lnTo>
+                  <a:pt x="2715945" y="11561"/>
+                </a:lnTo>
+                <a:lnTo>
+                  <a:pt x="2927595" y="43186"/>
+                </a:lnTo>
+                <a:lnTo>
+                  <a:pt x="2905029" y="121586"/>
+                </a:lnTo>
+                <a:lnTo>
+                  <a:pt x="2707668" y="92096"/>
+                </a:lnTo>
+                <a:lnTo>
+                  <a:pt x="2486991" y="80953"/>
+                </a:lnTo>
+                <a:close/>
+              </a:path>
+            </a:pathLst>
+          </a:custGeom>
+          <a:solidFill>
+            <a:schemeClr val="tx1"/>
+          </a:solidFill>
+          <a:ln>
+            <a:noFill/>
+          </a:ln>
+        </p:spPr>
+        <p:style>
+          <a:lnRef idx="2">
+            <a:schemeClr val="accent1">
+              <a:shade val="50000"/>
+            </a:schemeClr>
+          </a:lnRef>
+          <a:fillRef idx="1">
+            <a:schemeClr val="accent1"/>
+          </a:fillRef>
+          <a:effectRef idx="0">
+            <a:schemeClr val="accent1"/>
+          </a:effectRef>
+          <a:fontRef idx="minor">
+            <a:schemeClr val="lt1"/>
+          </a:fontRef>
+        </p:style>
+        <p:txBody>
+          <a:bodyPr rtlCol="0" anchor="ctr"/>
+          <a:lstStyle/>
+          <a:p>
+            <a:pPr algn="ctr"/>
+            <a:endParaRPr lang="en-US">
+              <a:solidFill>
+                <a:schemeClr val="tx1"/>
+              </a:solidFill>
+            </a:endParaRPr>
+          </a:p>
+        </p:txBody>
+      </p:sp>
+      <p:sp>
+        <p:nvSpPr>
+          <p:cNvPr id="258" name="Rectangle 257"/>
+          <p:cNvSpPr/>
+          <p:nvPr/>
+        </p:nvSpPr>
+        <p:spPr>
+          <a:xfrm>
+            <a:off x="842032" y="2743902"/>
+            <a:ext cx="4259499" cy="1446550"/>
+          </a:xfrm>
+          <a:prstGeom prst="rect">
+            <a:avLst/>
+          </a:prstGeom>
+        </p:spPr>
+        <p:txBody>
+          <a:bodyPr wrap="none">
+            <a:spAutoFit/>
+          </a:bodyPr>
+          <a:lstStyle/>
+          <a:p>
+            <a:r>
+              <a:rPr lang="en-US" sz="8800" b="1" dirty="0">
+                <a:latin typeface="Times New Roman" panose="02020603050405020304" pitchFamily="18" charset="0"/>
+                <a:cs typeface="Times New Roman" panose="02020603050405020304" pitchFamily="18" charset="0"/>
+              </a:rPr>
+              <a:t>Decision</a:t>
+            </a:r>
+            <a:endParaRPr lang="en-US" sz="8800" b="1" dirty="0">
+              <a:latin typeface="Times New Roman" panose="02020603050405020304" pitchFamily="18" charset="0"/>
+              <a:cs typeface="Times New Roman" panose="02020603050405020304" pitchFamily="18" charset="0"/>
+            </a:endParaRPr>
+          </a:p>
+        </p:txBody>
+      </p:sp>
+    </p:spTree>
+    <p:extLst>
+      <p:ext uri="{BB962C8B-B14F-4D97-AF65-F5344CB8AC3E}">
+        <p14:creationId xmlns:p14="http://schemas.microsoft.com/office/powerpoint/2010/main" val="3921969332"/>
+      </p:ext>
+    </p:extLst>
+  </p:cSld>
+  <p:clrMapOvr>
+    <a:masterClrMapping/>
+  </p:clrMapOvr>
+  <p:timing>
+    <p:tnLst>
+      <p:par>
+        <p:cTn id="1" dur="indefinite" restart="never" nodeType="tmRoot">
+          <p:childTnLst>
+            <p:seq concurrent="1" nextAc="seek">
+              <p:cTn id="2" dur="indefinite" nodeType="mainSeq">
+                <p:childTnLst>
+                  <p:par>
+                    <p:cTn id="3" fill="hold">
+                      <p:stCondLst>
+                        <p:cond delay="indefinite"/>
+                        <p:cond evt="onBegin" delay="0">
+                          <p:tn val="2"/>
+                        </p:cond>
+                      </p:stCondLst>
+                      <p:childTnLst>
+                        <p:par>
+                          <p:cTn id="4" fill="hold">
+                            <p:stCondLst>
+                              <p:cond delay="0"/>
+                            </p:stCondLst>
+                            <p:childTnLst>
+                              <p:par>
+                                <p:cTn id="5" presetID="22" presetClass="entr" presetSubtype="8" fill="hold" grpId="0" nodeType="withEffect">
+                                  <p:stCondLst>
+                                    <p:cond delay="0"/>
+                                  </p:stCondLst>
+                                  <p:childTnLst>
+                                    <p:set>
+                                      <p:cBhvr>
+                                        <p:cTn id="6" dur="1" fill="hold">
+                                          <p:stCondLst>
+                                            <p:cond delay="0"/>
+                                          </p:stCondLst>
+                                        </p:cTn>
+                                        <p:tgtEl>
+                                          <p:spTgt spid="258"/>
+                                        </p:tgtEl>
+                                        <p:attrNameLst>
+                                          <p:attrName>style.visibility</p:attrName>
+                                        </p:attrNameLst>
+                                      </p:cBhvr>
+                                      <p:to>
+                                        <p:strVal val="visible"/>
+                                      </p:to>
+                                    </p:set>
+                                    <p:animEffect transition="in" filter="wipe(left)">
+                                      <p:cBhvr>
+                                        <p:cTn id="7" dur="1000"/>
+                                        <p:tgtEl>
+                                          <p:spTgt spid="258"/>
+                                        </p:tgtEl>
+                                      </p:cBhvr>
+                                    </p:animEffect>
+                                  </p:childTnLst>
+                                </p:cTn>
+                              </p:par>
+                              <p:par>
+                                <p:cTn id="8" presetID="8" presetClass="emph" presetSubtype="0" fill="hold" nodeType="withEffect">
+                                  <p:stCondLst>
+                                    <p:cond delay="0"/>
+                                  </p:stCondLst>
+                                  <p:childTnLst>
+                                    <p:animRot by="43200000">
+                                      <p:cBhvr>
+                                        <p:cTn id="9" dur="25000" fill="hold"/>
+                                        <p:tgtEl>
+                                          <p:spTgt spid="29"/>
+                                        </p:tgtEl>
+                                        <p:attrNameLst>
+                                          <p:attrName>r</p:attrName>
+                                        </p:attrNameLst>
+                                      </p:cBhvr>
+                                    </p:animRot>
+                                  </p:childTnLst>
+                                </p:cTn>
+                              </p:par>
+                              <p:par>
+                                <p:cTn id="10" presetID="8" presetClass="emph" presetSubtype="0" fill="hold" nodeType="withEffect">
+                                  <p:stCondLst>
+                                    <p:cond delay="0"/>
+                                  </p:stCondLst>
+                                  <p:childTnLst>
+                                    <p:animRot by="-21600000">
+                                      <p:cBhvr>
+                                        <p:cTn id="11" dur="25000" fill="hold"/>
+                                        <p:tgtEl>
+                                          <p:spTgt spid="30"/>
+                                        </p:tgtEl>
+                                        <p:attrNameLst>
+                                          <p:attrName>r</p:attrName>
+                                        </p:attrNameLst>
+                                      </p:cBhvr>
+                                    </p:animRot>
+                                  </p:childTnLst>
+                                </p:cTn>
+                              </p:par>
+                              <p:par>
+                                <p:cTn id="12" presetID="8" presetClass="emph" presetSubtype="0" fill="hold" nodeType="withEffect">
+                                  <p:stCondLst>
+                                    <p:cond delay="0"/>
+                                  </p:stCondLst>
+                                  <p:childTnLst>
+                                    <p:animRot by="21600000">
+                                      <p:cBhvr>
+                                        <p:cTn id="13" dur="25000" fill="hold"/>
+                                        <p:tgtEl>
+                                          <p:spTgt spid="31"/>
+                                        </p:tgtEl>
+                                        <p:attrNameLst>
+                                          <p:attrName>r</p:attrName>
+                                        </p:attrNameLst>
+                                      </p:cBhvr>
+                                    </p:animRot>
+                                  </p:childTnLst>
+                                </p:cTn>
+                              </p:par>
+                              <p:par>
+                                <p:cTn id="14" presetID="8" presetClass="emph" presetSubtype="0" fill="hold" nodeType="withEffect">
+                                  <p:stCondLst>
+                                    <p:cond delay="0"/>
+                                  </p:stCondLst>
+                                  <p:childTnLst>
+                                    <p:animRot by="-21600000">
+                                      <p:cBhvr>
+                                        <p:cTn id="15" dur="25000" fill="hold"/>
+                                        <p:tgtEl>
+                                          <p:spTgt spid="152"/>
+                                        </p:tgtEl>
+                                        <p:attrNameLst>
+                                          <p:attrName>r</p:attrName>
+                                        </p:attrNameLst>
+                                      </p:cBhvr>
+                                    </p:animRot>
+                                  </p:childTnLst>
+                                </p:cTn>
+                              </p:par>
+                              <p:par>
+                                <p:cTn id="16" presetID="8" presetClass="emph" presetSubtype="0" fill="hold" grpId="0" nodeType="withEffect">
+                                  <p:stCondLst>
+                                    <p:cond delay="0"/>
+                                  </p:stCondLst>
+                                  <p:childTnLst>
+                                    <p:animRot by="21600000">
+                                      <p:cBhvr>
+                                        <p:cTn id="17" dur="25000" fill="hold"/>
+                                        <p:tgtEl>
+                                          <p:spTgt spid="255"/>
+                                        </p:tgtEl>
+                                        <p:attrNameLst>
+                                          <p:attrName>r</p:attrName>
+                                        </p:attrNameLst>
+                                      </p:cBhvr>
+                                    </p:animRot>
+                                  </p:childTnLst>
+                                </p:cTn>
+                              </p:par>
+                            </p:childTnLst>
+                          </p:cTn>
+                        </p:par>
+                      </p:childTnLst>
+                    </p:cTn>
+                  </p:par>
+                </p:childTnLst>
+              </p:cTn>
+              <p:prevCondLst>
+                <p:cond evt="onPrev" delay="0">
+                  <p:tgtEl>
+                    <p:sldTgt/>
+                  </p:tgtEl>
+                </p:cond>
+              </p:prevCondLst>
+              <p:nextCondLst>
+                <p:cond evt="onNext" delay="0">
+                  <p:tgtEl>
+                    <p:sldTgt/>
+                  </p:tgtEl>
+                </p:cond>
+              </p:nextCondLst>
+            </p:seq>
+          </p:childTnLst>
+        </p:cTn>
+      </p:par>
+    </p:tnLst>
+    <p:bldLst>
+      <p:bldP spid="255" grpId="0" animBg="1"/>
+      <p:bldP spid="258" grpId="0"/>
+    </p:bldLst>
+  </p:timing>
+</p:sld>
+</file>
+
+<file path=ppt/slides/slide5.xml><?xml version="1.0" encoding="utf-8"?>
 <p:sld xmlns:a="http://schemas.openxmlformats.org/drawingml/2006/main" xmlns:r="http://schemas.openxmlformats.org/officeDocument/2006/relationships" xmlns:p="http://schemas.openxmlformats.org/presentationml/2006/main">
   <p:cSld>
     <p:bg>
@@ -32697,6 +39229,81 @@
           </a:p>
         </p:txBody>
       </p:sp>
+      <p:sp>
+        <p:nvSpPr>
+          <p:cNvPr id="3" name="TextBox 2"/>
+          <p:cNvSpPr txBox="1"/>
+          <p:nvPr/>
+        </p:nvSpPr>
+        <p:spPr>
+          <a:xfrm>
+            <a:off x="526037" y="1429110"/>
+            <a:ext cx="5462643" cy="3970318"/>
+          </a:xfrm>
+          <a:prstGeom prst="rect">
+            <a:avLst/>
+          </a:prstGeom>
+          <a:noFill/>
+        </p:spPr>
+        <p:txBody>
+          <a:bodyPr wrap="square" rtlCol="0">
+            <a:spAutoFit/>
+          </a:bodyPr>
+          <a:lstStyle/>
+          <a:p>
+            <a:pPr marL="285750" indent="-285750">
+              <a:buFont typeface="Arial" panose="020B0604020202020204" pitchFamily="34" charset="0"/>
+              <a:buChar char="•"/>
+            </a:pPr>
+            <a:r>
+              <a:rPr lang="en-US" sz="3600" b="1" dirty="0" smtClean="0">
+                <a:solidFill>
+                  <a:schemeClr val="bg1"/>
+                </a:solidFill>
+                <a:latin typeface="Times New Roman" panose="02020603050405020304" pitchFamily="18" charset="0"/>
+                <a:cs typeface="Times New Roman" panose="02020603050405020304" pitchFamily="18" charset="0"/>
+              </a:rPr>
+              <a:t>A decision table is a scheduled rule logic entry</a:t>
+            </a:r>
+          </a:p>
+          <a:p>
+            <a:pPr marL="285750" indent="-285750">
+              <a:buFont typeface="Arial" panose="020B0604020202020204" pitchFamily="34" charset="0"/>
+              <a:buChar char="•"/>
+            </a:pPr>
+            <a:endParaRPr lang="en-US" sz="3600" b="1" dirty="0" smtClean="0">
+              <a:solidFill>
+                <a:schemeClr val="bg1"/>
+              </a:solidFill>
+              <a:latin typeface="Times New Roman" panose="02020603050405020304" pitchFamily="18" charset="0"/>
+              <a:cs typeface="Times New Roman" panose="02020603050405020304" pitchFamily="18" charset="0"/>
+            </a:endParaRPr>
+          </a:p>
+          <a:p>
+            <a:pPr marL="285750" indent="-285750">
+              <a:buFont typeface="Arial" panose="020B0604020202020204" pitchFamily="34" charset="0"/>
+              <a:buChar char="•"/>
+            </a:pPr>
+            <a:r>
+              <a:rPr lang="en-US" sz="3600" b="1" dirty="0" smtClean="0">
+                <a:solidFill>
+                  <a:schemeClr val="bg1"/>
+                </a:solidFill>
+                <a:latin typeface="Times New Roman" panose="02020603050405020304" pitchFamily="18" charset="0"/>
+                <a:cs typeface="Times New Roman" panose="02020603050405020304" pitchFamily="18" charset="0"/>
+              </a:rPr>
+              <a:t>A decision table is a tabular representation of the logic of a decision</a:t>
+            </a:r>
+            <a:endParaRPr lang="en-US" sz="3600" b="1" dirty="0">
+              <a:solidFill>
+                <a:schemeClr val="bg1"/>
+              </a:solidFill>
+              <a:latin typeface="Times New Roman" panose="02020603050405020304" pitchFamily="18" charset="0"/>
+              <a:cs typeface="Times New Roman" panose="02020603050405020304" pitchFamily="18" charset="0"/>
+            </a:endParaRPr>
+          </a:p>
+        </p:txBody>
+      </p:sp>
     </p:spTree>
     <p:extLst>
       <p:ext uri="{BB962C8B-B14F-4D97-AF65-F5344CB8AC3E}">
@@ -32710,14 +39317,214 @@
   <p:timing>
     <p:tnLst>
       <p:par>
-        <p:cTn id="1" dur="indefinite" restart="never" nodeType="tmRoot"/>
+        <p:cTn id="1" dur="indefinite" restart="never" nodeType="tmRoot">
+          <p:childTnLst>
+            <p:seq concurrent="1" nextAc="seek">
+              <p:cTn id="2" dur="indefinite" nodeType="mainSeq">
+                <p:childTnLst>
+                  <p:par>
+                    <p:cTn id="3" fill="hold">
+                      <p:stCondLst>
+                        <p:cond delay="indefinite"/>
+                      </p:stCondLst>
+                      <p:childTnLst>
+                        <p:par>
+                          <p:cTn id="4" fill="hold">
+                            <p:stCondLst>
+                              <p:cond delay="0"/>
+                            </p:stCondLst>
+                            <p:childTnLst>
+                              <p:par>
+                                <p:cTn id="5" presetID="2" presetClass="exit" presetSubtype="4" fill="hold" grpId="0" nodeType="clickEffect">
+                                  <p:stCondLst>
+                                    <p:cond delay="1000"/>
+                                  </p:stCondLst>
+                                  <p:childTnLst>
+                                    <p:anim calcmode="lin" valueType="num">
+                                      <p:cBhvr additive="base">
+                                        <p:cTn id="6" dur="500"/>
+                                        <p:tgtEl>
+                                          <p:spTgt spid="2"/>
+                                        </p:tgtEl>
+                                        <p:attrNameLst>
+                                          <p:attrName>ppt_x</p:attrName>
+                                        </p:attrNameLst>
+                                      </p:cBhvr>
+                                      <p:tavLst>
+                                        <p:tav tm="0">
+                                          <p:val>
+                                            <p:strVal val="ppt_x"/>
+                                          </p:val>
+                                        </p:tav>
+                                        <p:tav tm="100000">
+                                          <p:val>
+                                            <p:strVal val="ppt_x"/>
+                                          </p:val>
+                                        </p:tav>
+                                      </p:tavLst>
+                                    </p:anim>
+                                    <p:anim calcmode="lin" valueType="num">
+                                      <p:cBhvr additive="base">
+                                        <p:cTn id="7" dur="500"/>
+                                        <p:tgtEl>
+                                          <p:spTgt spid="2"/>
+                                        </p:tgtEl>
+                                        <p:attrNameLst>
+                                          <p:attrName>ppt_y</p:attrName>
+                                        </p:attrNameLst>
+                                      </p:cBhvr>
+                                      <p:tavLst>
+                                        <p:tav tm="0">
+                                          <p:val>
+                                            <p:strVal val="ppt_y"/>
+                                          </p:val>
+                                        </p:tav>
+                                        <p:tav tm="100000">
+                                          <p:val>
+                                            <p:strVal val="1+ppt_h/2"/>
+                                          </p:val>
+                                        </p:tav>
+                                      </p:tavLst>
+                                    </p:anim>
+                                    <p:set>
+                                      <p:cBhvr>
+                                        <p:cTn id="8" dur="1" fill="hold">
+                                          <p:stCondLst>
+                                            <p:cond delay="499"/>
+                                          </p:stCondLst>
+                                        </p:cTn>
+                                        <p:tgtEl>
+                                          <p:spTgt spid="2"/>
+                                        </p:tgtEl>
+                                        <p:attrNameLst>
+                                          <p:attrName>style.visibility</p:attrName>
+                                        </p:attrNameLst>
+                                      </p:cBhvr>
+                                      <p:to>
+                                        <p:strVal val="hidden"/>
+                                      </p:to>
+                                    </p:set>
+                                  </p:childTnLst>
+                                </p:cTn>
+                              </p:par>
+                            </p:childTnLst>
+                          </p:cTn>
+                        </p:par>
+                        <p:par>
+                          <p:cTn id="9" fill="hold">
+                            <p:stCondLst>
+                              <p:cond delay="1500"/>
+                            </p:stCondLst>
+                            <p:childTnLst>
+                              <p:par>
+                                <p:cTn id="10" presetID="2" presetClass="entr" presetSubtype="4" fill="hold" grpId="0" nodeType="afterEffect">
+                                  <p:stCondLst>
+                                    <p:cond delay="1250"/>
+                                  </p:stCondLst>
+                                  <p:childTnLst>
+                                    <p:set>
+                                      <p:cBhvr>
+                                        <p:cTn id="11" dur="1" fill="hold">
+                                          <p:stCondLst>
+                                            <p:cond delay="0"/>
+                                          </p:stCondLst>
+                                        </p:cTn>
+                                        <p:tgtEl>
+                                          <p:spTgt spid="3"/>
+                                        </p:tgtEl>
+                                        <p:attrNameLst>
+                                          <p:attrName>style.visibility</p:attrName>
+                                        </p:attrNameLst>
+                                      </p:cBhvr>
+                                      <p:to>
+                                        <p:strVal val="visible"/>
+                                      </p:to>
+                                    </p:set>
+                                    <p:anim calcmode="lin" valueType="num">
+                                      <p:cBhvr additive="base">
+                                        <p:cTn id="12" dur="500" fill="hold"/>
+                                        <p:tgtEl>
+                                          <p:spTgt spid="3"/>
+                                        </p:tgtEl>
+                                        <p:attrNameLst>
+                                          <p:attrName>ppt_x</p:attrName>
+                                        </p:attrNameLst>
+                                      </p:cBhvr>
+                                      <p:tavLst>
+                                        <p:tav tm="0">
+                                          <p:val>
+                                            <p:strVal val="#ppt_x"/>
+                                          </p:val>
+                                        </p:tav>
+                                        <p:tav tm="100000">
+                                          <p:val>
+                                            <p:strVal val="#ppt_x"/>
+                                          </p:val>
+                                        </p:tav>
+                                      </p:tavLst>
+                                    </p:anim>
+                                    <p:anim calcmode="lin" valueType="num">
+                                      <p:cBhvr additive="base">
+                                        <p:cTn id="13" dur="500" fill="hold"/>
+                                        <p:tgtEl>
+                                          <p:spTgt spid="3"/>
+                                        </p:tgtEl>
+                                        <p:attrNameLst>
+                                          <p:attrName>ppt_y</p:attrName>
+                                        </p:attrNameLst>
+                                      </p:cBhvr>
+                                      <p:tavLst>
+                                        <p:tav tm="0">
+                                          <p:val>
+                                            <p:strVal val="1+#ppt_h/2"/>
+                                          </p:val>
+                                        </p:tav>
+                                        <p:tav tm="100000">
+                                          <p:val>
+                                            <p:strVal val="#ppt_y"/>
+                                          </p:val>
+                                        </p:tav>
+                                      </p:tavLst>
+                                    </p:anim>
+                                  </p:childTnLst>
+                                </p:cTn>
+                              </p:par>
+                            </p:childTnLst>
+                          </p:cTn>
+                        </p:par>
+                      </p:childTnLst>
+                    </p:cTn>
+                  </p:par>
+                </p:childTnLst>
+              </p:cTn>
+              <p:prevCondLst>
+                <p:cond evt="onPrev" delay="0">
+                  <p:tgtEl>
+                    <p:sldTgt/>
+                  </p:tgtEl>
+                </p:cond>
+              </p:prevCondLst>
+              <p:nextCondLst>
+                <p:cond evt="onNext" delay="0">
+                  <p:tgtEl>
+                    <p:sldTgt/>
+                  </p:tgtEl>
+                </p:cond>
+              </p:nextCondLst>
+            </p:seq>
+          </p:childTnLst>
+        </p:cTn>
       </p:par>
     </p:tnLst>
+    <p:bldLst>
+      <p:bldP spid="2" grpId="0"/>
+      <p:bldP spid="3" grpId="0"/>
+    </p:bldLst>
   </p:timing>
 </p:sld>
 </file>
 
-<file path=ppt/slides/slide5.xml><?xml version="1.0" encoding="utf-8"?>
+<file path=ppt/slides/slide6.xml><?xml version="1.0" encoding="utf-8"?>
 <p:sld xmlns:a="http://schemas.openxmlformats.org/drawingml/2006/main" xmlns:r="http://schemas.openxmlformats.org/officeDocument/2006/relationships" xmlns:p="http://schemas.openxmlformats.org/presentationml/2006/main">
   <p:cSld>
     <p:spTree>
@@ -32734,10 +39541,1040 @@
           <a:chExt cx="0" cy="0"/>
         </a:xfrm>
       </p:grpSpPr>
+      <p:sp>
+        <p:nvSpPr>
+          <p:cNvPr id="2" name="Half Frame 1"/>
+          <p:cNvSpPr/>
+          <p:nvPr/>
+        </p:nvSpPr>
+        <p:spPr>
+          <a:xfrm>
+            <a:off x="0" y="0"/>
+            <a:ext cx="1121664" cy="1121664"/>
+          </a:xfrm>
+          <a:prstGeom prst="halfFrame">
+            <a:avLst/>
+          </a:prstGeom>
+          <a:solidFill>
+            <a:srgbClr val="00B0F0"/>
+          </a:solidFill>
+          <a:ln>
+            <a:noFill/>
+          </a:ln>
+          <a:effectLst>
+            <a:outerShdw blurRad="44450" dist="27940" dir="5400000" algn="ctr">
+              <a:srgbClr val="000000">
+                <a:alpha val="32000"/>
+              </a:srgbClr>
+            </a:outerShdw>
+          </a:effectLst>
+          <a:scene3d>
+            <a:camera prst="orthographicFront">
+              <a:rot lat="0" lon="0" rev="0"/>
+            </a:camera>
+            <a:lightRig rig="balanced" dir="t">
+              <a:rot lat="0" lon="0" rev="8700000"/>
+            </a:lightRig>
+          </a:scene3d>
+          <a:sp3d>
+            <a:bevelT w="190500" h="38100"/>
+          </a:sp3d>
+        </p:spPr>
+        <p:style>
+          <a:lnRef idx="2">
+            <a:schemeClr val="accent1">
+              <a:shade val="50000"/>
+            </a:schemeClr>
+          </a:lnRef>
+          <a:fillRef idx="1">
+            <a:schemeClr val="accent1"/>
+          </a:fillRef>
+          <a:effectRef idx="0">
+            <a:schemeClr val="accent1"/>
+          </a:effectRef>
+          <a:fontRef idx="minor">
+            <a:schemeClr val="lt1"/>
+          </a:fontRef>
+        </p:style>
+        <p:txBody>
+          <a:bodyPr rtlCol="0" anchor="ctr"/>
+          <a:lstStyle/>
+          <a:p>
+            <a:pPr algn="ctr"/>
+            <a:endParaRPr lang="en-US">
+              <a:solidFill>
+                <a:schemeClr val="tx1"/>
+              </a:solidFill>
+            </a:endParaRPr>
+          </a:p>
+        </p:txBody>
+      </p:sp>
+      <p:sp>
+        <p:nvSpPr>
+          <p:cNvPr id="3" name="Half Frame 2"/>
+          <p:cNvSpPr/>
+          <p:nvPr/>
+        </p:nvSpPr>
+        <p:spPr>
+          <a:xfrm flipH="1" flipV="1">
+            <a:off x="11070336" y="5736336"/>
+            <a:ext cx="1121664" cy="1121664"/>
+          </a:xfrm>
+          <a:prstGeom prst="halfFrame">
+            <a:avLst/>
+          </a:prstGeom>
+          <a:solidFill>
+            <a:srgbClr val="00B0F0"/>
+          </a:solidFill>
+          <a:ln>
+            <a:noFill/>
+          </a:ln>
+          <a:effectLst>
+            <a:outerShdw blurRad="44450" dist="27940" dir="5400000" algn="ctr">
+              <a:srgbClr val="000000">
+                <a:alpha val="32000"/>
+              </a:srgbClr>
+            </a:outerShdw>
+          </a:effectLst>
+          <a:scene3d>
+            <a:camera prst="orthographicFront">
+              <a:rot lat="0" lon="0" rev="0"/>
+            </a:camera>
+            <a:lightRig rig="balanced" dir="t">
+              <a:rot lat="0" lon="0" rev="8700000"/>
+            </a:lightRig>
+          </a:scene3d>
+          <a:sp3d>
+            <a:bevelT w="190500" h="38100"/>
+          </a:sp3d>
+        </p:spPr>
+        <p:style>
+          <a:lnRef idx="2">
+            <a:schemeClr val="accent1">
+              <a:shade val="50000"/>
+            </a:schemeClr>
+          </a:lnRef>
+          <a:fillRef idx="1">
+            <a:schemeClr val="accent1"/>
+          </a:fillRef>
+          <a:effectRef idx="0">
+            <a:schemeClr val="accent1"/>
+          </a:effectRef>
+          <a:fontRef idx="minor">
+            <a:schemeClr val="lt1"/>
+          </a:fontRef>
+        </p:style>
+        <p:txBody>
+          <a:bodyPr rtlCol="0" anchor="ctr"/>
+          <a:lstStyle/>
+          <a:p>
+            <a:pPr algn="ctr"/>
+            <a:endParaRPr lang="en-US">
+              <a:solidFill>
+                <a:schemeClr val="tx1"/>
+              </a:solidFill>
+            </a:endParaRPr>
+          </a:p>
+        </p:txBody>
+      </p:sp>
+      <p:sp>
+        <p:nvSpPr>
+          <p:cNvPr id="14" name="Freeform 13"/>
+          <p:cNvSpPr/>
+          <p:nvPr/>
+        </p:nvSpPr>
+        <p:spPr>
+          <a:xfrm>
+            <a:off x="10434195" y="0"/>
+            <a:ext cx="1757805" cy="2094870"/>
+          </a:xfrm>
+          <a:custGeom>
+            <a:avLst/>
+            <a:gdLst>
+              <a:gd name="connsiteX0" fmla="*/ 0 w 1757805"/>
+              <a:gd name="connsiteY0" fmla="*/ 0 h 2094870"/>
+              <a:gd name="connsiteX1" fmla="*/ 511571 w 1757805"/>
+              <a:gd name="connsiteY1" fmla="*/ 0 h 2094870"/>
+              <a:gd name="connsiteX2" fmla="*/ 1757805 w 1757805"/>
+              <a:gd name="connsiteY2" fmla="*/ 1485204 h 2094870"/>
+              <a:gd name="connsiteX3" fmla="*/ 1757805 w 1757805"/>
+              <a:gd name="connsiteY3" fmla="*/ 2094870 h 2094870"/>
+              <a:gd name="connsiteX4" fmla="*/ 0 w 1757805"/>
+              <a:gd name="connsiteY4" fmla="*/ 0 h 2094870"/>
+            </a:gdLst>
+            <a:ahLst/>
+            <a:cxnLst>
+              <a:cxn ang="0">
+                <a:pos x="connsiteX0" y="connsiteY0"/>
+              </a:cxn>
+              <a:cxn ang="0">
+                <a:pos x="connsiteX1" y="connsiteY1"/>
+              </a:cxn>
+              <a:cxn ang="0">
+                <a:pos x="connsiteX2" y="connsiteY2"/>
+              </a:cxn>
+              <a:cxn ang="0">
+                <a:pos x="connsiteX3" y="connsiteY3"/>
+              </a:cxn>
+              <a:cxn ang="0">
+                <a:pos x="connsiteX4" y="connsiteY4"/>
+              </a:cxn>
+            </a:cxnLst>
+            <a:rect l="l" t="t" r="r" b="b"/>
+            <a:pathLst>
+              <a:path w="1757805" h="2094870">
+                <a:moveTo>
+                  <a:pt x="0" y="0"/>
+                </a:moveTo>
+                <a:lnTo>
+                  <a:pt x="511571" y="0"/>
+                </a:lnTo>
+                <a:lnTo>
+                  <a:pt x="1757805" y="1485204"/>
+                </a:lnTo>
+                <a:lnTo>
+                  <a:pt x="1757805" y="2094870"/>
+                </a:lnTo>
+                <a:lnTo>
+                  <a:pt x="0" y="0"/>
+                </a:lnTo>
+                <a:close/>
+              </a:path>
+            </a:pathLst>
+          </a:custGeom>
+          <a:solidFill>
+            <a:srgbClr val="00B0F0"/>
+          </a:solidFill>
+          <a:ln>
+            <a:noFill/>
+          </a:ln>
+          <a:effectLst>
+            <a:outerShdw blurRad="44450" dist="27940" dir="5400000" algn="ctr">
+              <a:srgbClr val="000000">
+                <a:alpha val="32000"/>
+              </a:srgbClr>
+            </a:outerShdw>
+          </a:effectLst>
+          <a:scene3d>
+            <a:camera prst="orthographicFront">
+              <a:rot lat="0" lon="0" rev="0"/>
+            </a:camera>
+            <a:lightRig rig="balanced" dir="t">
+              <a:rot lat="0" lon="0" rev="8700000"/>
+            </a:lightRig>
+          </a:scene3d>
+          <a:sp3d>
+            <a:bevelT w="190500" h="38100"/>
+          </a:sp3d>
+        </p:spPr>
+        <p:style>
+          <a:lnRef idx="2">
+            <a:schemeClr val="accent1">
+              <a:shade val="50000"/>
+            </a:schemeClr>
+          </a:lnRef>
+          <a:fillRef idx="1">
+            <a:schemeClr val="accent1"/>
+          </a:fillRef>
+          <a:effectRef idx="0">
+            <a:schemeClr val="accent1"/>
+          </a:effectRef>
+          <a:fontRef idx="minor">
+            <a:schemeClr val="lt1"/>
+          </a:fontRef>
+        </p:style>
+        <p:txBody>
+          <a:bodyPr rtlCol="0" anchor="ctr"/>
+          <a:lstStyle/>
+          <a:p>
+            <a:pPr algn="ctr"/>
+            <a:endParaRPr lang="en-US"/>
+          </a:p>
+        </p:txBody>
+      </p:sp>
+      <p:sp>
+        <p:nvSpPr>
+          <p:cNvPr id="24" name="Freeform 23"/>
+          <p:cNvSpPr/>
+          <p:nvPr/>
+        </p:nvSpPr>
+        <p:spPr>
+          <a:xfrm>
+            <a:off x="0" y="4731791"/>
+            <a:ext cx="1784102" cy="2126209"/>
+          </a:xfrm>
+          <a:custGeom>
+            <a:avLst/>
+            <a:gdLst>
+              <a:gd name="connsiteX0" fmla="*/ 0 w 1784102"/>
+              <a:gd name="connsiteY0" fmla="*/ 0 h 2126209"/>
+              <a:gd name="connsiteX1" fmla="*/ 1784102 w 1784102"/>
+              <a:gd name="connsiteY1" fmla="*/ 2126209 h 2126209"/>
+              <a:gd name="connsiteX2" fmla="*/ 1272531 w 1784102"/>
+              <a:gd name="connsiteY2" fmla="*/ 2126209 h 2126209"/>
+              <a:gd name="connsiteX3" fmla="*/ 0 w 1784102"/>
+              <a:gd name="connsiteY3" fmla="*/ 609666 h 2126209"/>
+              <a:gd name="connsiteX4" fmla="*/ 0 w 1784102"/>
+              <a:gd name="connsiteY4" fmla="*/ 0 h 2126209"/>
+            </a:gdLst>
+            <a:ahLst/>
+            <a:cxnLst>
+              <a:cxn ang="0">
+                <a:pos x="connsiteX0" y="connsiteY0"/>
+              </a:cxn>
+              <a:cxn ang="0">
+                <a:pos x="connsiteX1" y="connsiteY1"/>
+              </a:cxn>
+              <a:cxn ang="0">
+                <a:pos x="connsiteX2" y="connsiteY2"/>
+              </a:cxn>
+              <a:cxn ang="0">
+                <a:pos x="connsiteX3" y="connsiteY3"/>
+              </a:cxn>
+              <a:cxn ang="0">
+                <a:pos x="connsiteX4" y="connsiteY4"/>
+              </a:cxn>
+            </a:cxnLst>
+            <a:rect l="l" t="t" r="r" b="b"/>
+            <a:pathLst>
+              <a:path w="1784102" h="2126209">
+                <a:moveTo>
+                  <a:pt x="0" y="0"/>
+                </a:moveTo>
+                <a:lnTo>
+                  <a:pt x="1784102" y="2126209"/>
+                </a:lnTo>
+                <a:lnTo>
+                  <a:pt x="1272531" y="2126209"/>
+                </a:lnTo>
+                <a:lnTo>
+                  <a:pt x="0" y="609666"/>
+                </a:lnTo>
+                <a:lnTo>
+                  <a:pt x="0" y="0"/>
+                </a:lnTo>
+                <a:close/>
+              </a:path>
+            </a:pathLst>
+          </a:custGeom>
+          <a:solidFill>
+            <a:srgbClr val="00B0F0"/>
+          </a:solidFill>
+          <a:ln>
+            <a:noFill/>
+          </a:ln>
+          <a:effectLst>
+            <a:outerShdw blurRad="44450" dist="27940" dir="5400000" algn="ctr">
+              <a:srgbClr val="000000">
+                <a:alpha val="32000"/>
+              </a:srgbClr>
+            </a:outerShdw>
+          </a:effectLst>
+          <a:scene3d>
+            <a:camera prst="orthographicFront">
+              <a:rot lat="0" lon="0" rev="0"/>
+            </a:camera>
+            <a:lightRig rig="balanced" dir="t">
+              <a:rot lat="0" lon="0" rev="8700000"/>
+            </a:lightRig>
+          </a:scene3d>
+          <a:sp3d>
+            <a:bevelT w="190500" h="38100"/>
+          </a:sp3d>
+        </p:spPr>
+        <p:style>
+          <a:lnRef idx="2">
+            <a:schemeClr val="accent1">
+              <a:shade val="50000"/>
+            </a:schemeClr>
+          </a:lnRef>
+          <a:fillRef idx="1">
+            <a:schemeClr val="accent1"/>
+          </a:fillRef>
+          <a:effectRef idx="0">
+            <a:schemeClr val="accent1"/>
+          </a:effectRef>
+          <a:fontRef idx="minor">
+            <a:schemeClr val="lt1"/>
+          </a:fontRef>
+        </p:style>
+        <p:txBody>
+          <a:bodyPr rtlCol="0" anchor="ctr"/>
+          <a:lstStyle/>
+          <a:p>
+            <a:pPr algn="ctr"/>
+            <a:endParaRPr lang="en-US"/>
+          </a:p>
+        </p:txBody>
+      </p:sp>
+      <p:sp>
+        <p:nvSpPr>
+          <p:cNvPr id="26" name="TextBox 25"/>
+          <p:cNvSpPr txBox="1"/>
+          <p:nvPr/>
+        </p:nvSpPr>
+        <p:spPr>
+          <a:xfrm>
+            <a:off x="1284230" y="896034"/>
+            <a:ext cx="6018778" cy="646331"/>
+          </a:xfrm>
+          <a:prstGeom prst="rect">
+            <a:avLst/>
+          </a:prstGeom>
+          <a:noFill/>
+        </p:spPr>
+        <p:txBody>
+          <a:bodyPr wrap="square" rtlCol="0">
+            <a:spAutoFit/>
+          </a:bodyPr>
+          <a:lstStyle/>
+          <a:p>
+            <a:pPr marL="571500" indent="-571500">
+              <a:buFont typeface="Wingdings" panose="05000000000000000000" pitchFamily="2" charset="2"/>
+              <a:buChar char="v"/>
+            </a:pPr>
+            <a:r>
+              <a:rPr lang="en-US" sz="3600" b="1" dirty="0" smtClean="0">
+                <a:latin typeface="Times New Roman" panose="02020603050405020304" pitchFamily="18" charset="0"/>
+                <a:cs typeface="Times New Roman" panose="02020603050405020304" pitchFamily="18" charset="0"/>
+              </a:rPr>
+              <a:t>Parts in the decision table</a:t>
+            </a:r>
+            <a:endParaRPr lang="en-US" sz="3600" b="1" dirty="0">
+              <a:latin typeface="Times New Roman" panose="02020603050405020304" pitchFamily="18" charset="0"/>
+              <a:cs typeface="Times New Roman" panose="02020603050405020304" pitchFamily="18" charset="0"/>
+            </a:endParaRPr>
+          </a:p>
+        </p:txBody>
+      </p:sp>
+      <p:sp>
+        <p:nvSpPr>
+          <p:cNvPr id="27" name="TextBox 26"/>
+          <p:cNvSpPr txBox="1"/>
+          <p:nvPr/>
+        </p:nvSpPr>
+        <p:spPr>
+          <a:xfrm>
+            <a:off x="1784102" y="1911990"/>
+            <a:ext cx="7156704" cy="3539430"/>
+          </a:xfrm>
+          <a:prstGeom prst="rect">
+            <a:avLst/>
+          </a:prstGeom>
+          <a:noFill/>
+        </p:spPr>
+        <p:txBody>
+          <a:bodyPr wrap="square" rtlCol="0">
+            <a:spAutoFit/>
+          </a:bodyPr>
+          <a:lstStyle/>
+          <a:p>
+            <a:pPr marL="285750" indent="-285750">
+              <a:buFont typeface="Arial" panose="020B0604020202020204" pitchFamily="34" charset="0"/>
+              <a:buChar char="•"/>
+            </a:pPr>
+            <a:r>
+              <a:rPr lang="en-US" sz="3200" b="1" dirty="0" smtClean="0">
+                <a:latin typeface="Times New Roman" panose="02020603050405020304" pitchFamily="18" charset="0"/>
+                <a:cs typeface="Times New Roman" panose="02020603050405020304" pitchFamily="18" charset="0"/>
+              </a:rPr>
+              <a:t>Condition: Contains various condition that </a:t>
+            </a:r>
+            <a:r>
+              <a:rPr lang="en-US" sz="3200" b="1" u="sng" dirty="0" smtClean="0">
+                <a:latin typeface="Times New Roman" panose="02020603050405020304" pitchFamily="18" charset="0"/>
+                <a:cs typeface="Times New Roman" panose="02020603050405020304" pitchFamily="18" charset="0"/>
+              </a:rPr>
+              <a:t>applies</a:t>
+            </a:r>
+            <a:r>
+              <a:rPr lang="en-US" sz="3200" b="1" dirty="0" smtClean="0">
+                <a:latin typeface="Times New Roman" panose="02020603050405020304" pitchFamily="18" charset="0"/>
+                <a:cs typeface="Times New Roman" panose="02020603050405020304" pitchFamily="18" charset="0"/>
+              </a:rPr>
+              <a:t> in the situation.</a:t>
+            </a:r>
+          </a:p>
+          <a:p>
+            <a:endParaRPr lang="en-US" sz="3200" b="1" dirty="0" smtClean="0">
+              <a:latin typeface="Times New Roman" panose="02020603050405020304" pitchFamily="18" charset="0"/>
+              <a:cs typeface="Times New Roman" panose="02020603050405020304" pitchFamily="18" charset="0"/>
+            </a:endParaRPr>
+          </a:p>
+          <a:p>
+            <a:pPr marL="285750" indent="-285750">
+              <a:buFont typeface="Arial" panose="020B0604020202020204" pitchFamily="34" charset="0"/>
+              <a:buChar char="•"/>
+            </a:pPr>
+            <a:r>
+              <a:rPr lang="en-US" sz="3200" b="1" dirty="0">
+                <a:latin typeface="Times New Roman" panose="02020603050405020304" pitchFamily="18" charset="0"/>
+                <a:cs typeface="Times New Roman" panose="02020603050405020304" pitchFamily="18" charset="0"/>
+              </a:rPr>
+              <a:t>Rules: Contains the </a:t>
+            </a:r>
+            <a:r>
+              <a:rPr lang="en-US" sz="3200" b="1" u="sng" dirty="0">
+                <a:latin typeface="Times New Roman" panose="02020603050405020304" pitchFamily="18" charset="0"/>
+                <a:cs typeface="Times New Roman" panose="02020603050405020304" pitchFamily="18" charset="0"/>
+              </a:rPr>
+              <a:t>set of </a:t>
+            </a:r>
+            <a:r>
+              <a:rPr lang="en-US" sz="3200" b="1" u="sng" dirty="0" smtClean="0">
+                <a:latin typeface="Times New Roman" panose="02020603050405020304" pitchFamily="18" charset="0"/>
+                <a:cs typeface="Times New Roman" panose="02020603050405020304" pitchFamily="18" charset="0"/>
+              </a:rPr>
+              <a:t>rules</a:t>
+            </a:r>
+            <a:r>
+              <a:rPr lang="en-US" sz="3200" b="1" dirty="0" smtClean="0">
+                <a:latin typeface="Times New Roman" panose="02020603050405020304" pitchFamily="18" charset="0"/>
+                <a:cs typeface="Times New Roman" panose="02020603050405020304" pitchFamily="18" charset="0"/>
+              </a:rPr>
+              <a:t>.</a:t>
+            </a:r>
+          </a:p>
+          <a:p>
+            <a:endParaRPr lang="en-US" sz="3200" b="1" dirty="0" smtClean="0">
+              <a:latin typeface="Times New Roman" panose="02020603050405020304" pitchFamily="18" charset="0"/>
+              <a:cs typeface="Times New Roman" panose="02020603050405020304" pitchFamily="18" charset="0"/>
+            </a:endParaRPr>
+          </a:p>
+          <a:p>
+            <a:pPr marL="285750" indent="-285750">
+              <a:buFont typeface="Arial" panose="020B0604020202020204" pitchFamily="34" charset="0"/>
+              <a:buChar char="•"/>
+            </a:pPr>
+            <a:r>
+              <a:rPr lang="en-US" sz="3200" b="1" dirty="0" smtClean="0">
+                <a:latin typeface="Times New Roman" panose="02020603050405020304" pitchFamily="18" charset="0"/>
+                <a:cs typeface="Times New Roman" panose="02020603050405020304" pitchFamily="18" charset="0"/>
+              </a:rPr>
+              <a:t>Action: Contains various actions for the </a:t>
+            </a:r>
+            <a:r>
+              <a:rPr lang="en-US" sz="3200" b="1" u="sng" dirty="0" smtClean="0">
+                <a:latin typeface="Times New Roman" panose="02020603050405020304" pitchFamily="18" charset="0"/>
+                <a:cs typeface="Times New Roman" panose="02020603050405020304" pitchFamily="18" charset="0"/>
+              </a:rPr>
+              <a:t>required result</a:t>
+            </a:r>
+            <a:r>
+              <a:rPr lang="en-US" sz="3200" b="1" dirty="0" smtClean="0">
+                <a:latin typeface="Times New Roman" panose="02020603050405020304" pitchFamily="18" charset="0"/>
+                <a:cs typeface="Times New Roman" panose="02020603050405020304" pitchFamily="18" charset="0"/>
+              </a:rPr>
+              <a:t>.</a:t>
+            </a:r>
+          </a:p>
+        </p:txBody>
+      </p:sp>
     </p:spTree>
     <p:extLst>
       <p:ext uri="{BB962C8B-B14F-4D97-AF65-F5344CB8AC3E}">
         <p14:creationId xmlns:p14="http://schemas.microsoft.com/office/powerpoint/2010/main" val="3596277231"/>
+      </p:ext>
+    </p:extLst>
+  </p:cSld>
+  <p:clrMapOvr>
+    <a:masterClrMapping/>
+  </p:clrMapOvr>
+  <p:timing>
+    <p:tnLst>
+      <p:par>
+        <p:cTn id="1" dur="indefinite" restart="never" nodeType="tmRoot">
+          <p:childTnLst>
+            <p:seq concurrent="1" nextAc="seek">
+              <p:cTn id="2" dur="indefinite" nodeType="mainSeq">
+                <p:childTnLst>
+                  <p:par>
+                    <p:cTn id="3" fill="hold">
+                      <p:stCondLst>
+                        <p:cond delay="indefinite"/>
+                      </p:stCondLst>
+                      <p:childTnLst>
+                        <p:par>
+                          <p:cTn id="4" fill="hold">
+                            <p:stCondLst>
+                              <p:cond delay="0"/>
+                            </p:stCondLst>
+                            <p:childTnLst>
+                              <p:par>
+                                <p:cTn id="5" presetID="2" presetClass="entr" presetSubtype="1" fill="hold" grpId="0" nodeType="clickEffect">
+                                  <p:stCondLst>
+                                    <p:cond delay="0"/>
+                                  </p:stCondLst>
+                                  <p:childTnLst>
+                                    <p:set>
+                                      <p:cBhvr>
+                                        <p:cTn id="6" dur="1" fill="hold">
+                                          <p:stCondLst>
+                                            <p:cond delay="0"/>
+                                          </p:stCondLst>
+                                        </p:cTn>
+                                        <p:tgtEl>
+                                          <p:spTgt spid="2"/>
+                                        </p:tgtEl>
+                                        <p:attrNameLst>
+                                          <p:attrName>style.visibility</p:attrName>
+                                        </p:attrNameLst>
+                                      </p:cBhvr>
+                                      <p:to>
+                                        <p:strVal val="visible"/>
+                                      </p:to>
+                                    </p:set>
+                                    <p:anim calcmode="lin" valueType="num">
+                                      <p:cBhvr additive="base">
+                                        <p:cTn id="7" dur="500" fill="hold"/>
+                                        <p:tgtEl>
+                                          <p:spTgt spid="2"/>
+                                        </p:tgtEl>
+                                        <p:attrNameLst>
+                                          <p:attrName>ppt_x</p:attrName>
+                                        </p:attrNameLst>
+                                      </p:cBhvr>
+                                      <p:tavLst>
+                                        <p:tav tm="0">
+                                          <p:val>
+                                            <p:strVal val="#ppt_x"/>
+                                          </p:val>
+                                        </p:tav>
+                                        <p:tav tm="100000">
+                                          <p:val>
+                                            <p:strVal val="#ppt_x"/>
+                                          </p:val>
+                                        </p:tav>
+                                      </p:tavLst>
+                                    </p:anim>
+                                    <p:anim calcmode="lin" valueType="num">
+                                      <p:cBhvr additive="base">
+                                        <p:cTn id="8" dur="500" fill="hold"/>
+                                        <p:tgtEl>
+                                          <p:spTgt spid="2"/>
+                                        </p:tgtEl>
+                                        <p:attrNameLst>
+                                          <p:attrName>ppt_y</p:attrName>
+                                        </p:attrNameLst>
+                                      </p:cBhvr>
+                                      <p:tavLst>
+                                        <p:tav tm="0">
+                                          <p:val>
+                                            <p:strVal val="0-#ppt_h/2"/>
+                                          </p:val>
+                                        </p:tav>
+                                        <p:tav tm="100000">
+                                          <p:val>
+                                            <p:strVal val="#ppt_y"/>
+                                          </p:val>
+                                        </p:tav>
+                                      </p:tavLst>
+                                    </p:anim>
+                                  </p:childTnLst>
+                                </p:cTn>
+                              </p:par>
+                              <p:par>
+                                <p:cTn id="9" presetID="2" presetClass="entr" presetSubtype="1" fill="hold" grpId="0" nodeType="withEffect">
+                                  <p:stCondLst>
+                                    <p:cond delay="0"/>
+                                  </p:stCondLst>
+                                  <p:childTnLst>
+                                    <p:set>
+                                      <p:cBhvr>
+                                        <p:cTn id="10" dur="1" fill="hold">
+                                          <p:stCondLst>
+                                            <p:cond delay="0"/>
+                                          </p:stCondLst>
+                                        </p:cTn>
+                                        <p:tgtEl>
+                                          <p:spTgt spid="14"/>
+                                        </p:tgtEl>
+                                        <p:attrNameLst>
+                                          <p:attrName>style.visibility</p:attrName>
+                                        </p:attrNameLst>
+                                      </p:cBhvr>
+                                      <p:to>
+                                        <p:strVal val="visible"/>
+                                      </p:to>
+                                    </p:set>
+                                    <p:anim calcmode="lin" valueType="num">
+                                      <p:cBhvr additive="base">
+                                        <p:cTn id="11" dur="500" fill="hold"/>
+                                        <p:tgtEl>
+                                          <p:spTgt spid="14"/>
+                                        </p:tgtEl>
+                                        <p:attrNameLst>
+                                          <p:attrName>ppt_x</p:attrName>
+                                        </p:attrNameLst>
+                                      </p:cBhvr>
+                                      <p:tavLst>
+                                        <p:tav tm="0">
+                                          <p:val>
+                                            <p:strVal val="#ppt_x"/>
+                                          </p:val>
+                                        </p:tav>
+                                        <p:tav tm="100000">
+                                          <p:val>
+                                            <p:strVal val="#ppt_x"/>
+                                          </p:val>
+                                        </p:tav>
+                                      </p:tavLst>
+                                    </p:anim>
+                                    <p:anim calcmode="lin" valueType="num">
+                                      <p:cBhvr additive="base">
+                                        <p:cTn id="12" dur="500" fill="hold"/>
+                                        <p:tgtEl>
+                                          <p:spTgt spid="14"/>
+                                        </p:tgtEl>
+                                        <p:attrNameLst>
+                                          <p:attrName>ppt_y</p:attrName>
+                                        </p:attrNameLst>
+                                      </p:cBhvr>
+                                      <p:tavLst>
+                                        <p:tav tm="0">
+                                          <p:val>
+                                            <p:strVal val="0-#ppt_h/2"/>
+                                          </p:val>
+                                        </p:tav>
+                                        <p:tav tm="100000">
+                                          <p:val>
+                                            <p:strVal val="#ppt_y"/>
+                                          </p:val>
+                                        </p:tav>
+                                      </p:tavLst>
+                                    </p:anim>
+                                  </p:childTnLst>
+                                </p:cTn>
+                              </p:par>
+                              <p:par>
+                                <p:cTn id="13" presetID="2" presetClass="entr" presetSubtype="1" fill="hold" grpId="0" nodeType="withEffect">
+                                  <p:stCondLst>
+                                    <p:cond delay="0"/>
+                                  </p:stCondLst>
+                                  <p:childTnLst>
+                                    <p:set>
+                                      <p:cBhvr>
+                                        <p:cTn id="14" dur="1" fill="hold">
+                                          <p:stCondLst>
+                                            <p:cond delay="0"/>
+                                          </p:stCondLst>
+                                        </p:cTn>
+                                        <p:tgtEl>
+                                          <p:spTgt spid="3"/>
+                                        </p:tgtEl>
+                                        <p:attrNameLst>
+                                          <p:attrName>style.visibility</p:attrName>
+                                        </p:attrNameLst>
+                                      </p:cBhvr>
+                                      <p:to>
+                                        <p:strVal val="visible"/>
+                                      </p:to>
+                                    </p:set>
+                                    <p:anim calcmode="lin" valueType="num">
+                                      <p:cBhvr additive="base">
+                                        <p:cTn id="15" dur="500" fill="hold"/>
+                                        <p:tgtEl>
+                                          <p:spTgt spid="3"/>
+                                        </p:tgtEl>
+                                        <p:attrNameLst>
+                                          <p:attrName>ppt_x</p:attrName>
+                                        </p:attrNameLst>
+                                      </p:cBhvr>
+                                      <p:tavLst>
+                                        <p:tav tm="0">
+                                          <p:val>
+                                            <p:strVal val="#ppt_x"/>
+                                          </p:val>
+                                        </p:tav>
+                                        <p:tav tm="100000">
+                                          <p:val>
+                                            <p:strVal val="#ppt_x"/>
+                                          </p:val>
+                                        </p:tav>
+                                      </p:tavLst>
+                                    </p:anim>
+                                    <p:anim calcmode="lin" valueType="num">
+                                      <p:cBhvr additive="base">
+                                        <p:cTn id="16" dur="500" fill="hold"/>
+                                        <p:tgtEl>
+                                          <p:spTgt spid="3"/>
+                                        </p:tgtEl>
+                                        <p:attrNameLst>
+                                          <p:attrName>ppt_y</p:attrName>
+                                        </p:attrNameLst>
+                                      </p:cBhvr>
+                                      <p:tavLst>
+                                        <p:tav tm="0">
+                                          <p:val>
+                                            <p:strVal val="0-#ppt_h/2"/>
+                                          </p:val>
+                                        </p:tav>
+                                        <p:tav tm="100000">
+                                          <p:val>
+                                            <p:strVal val="#ppt_y"/>
+                                          </p:val>
+                                        </p:tav>
+                                      </p:tavLst>
+                                    </p:anim>
+                                  </p:childTnLst>
+                                </p:cTn>
+                              </p:par>
+                              <p:par>
+                                <p:cTn id="17" presetID="2" presetClass="entr" presetSubtype="1" fill="hold" grpId="0" nodeType="withEffect">
+                                  <p:stCondLst>
+                                    <p:cond delay="0"/>
+                                  </p:stCondLst>
+                                  <p:childTnLst>
+                                    <p:set>
+                                      <p:cBhvr>
+                                        <p:cTn id="18" dur="1" fill="hold">
+                                          <p:stCondLst>
+                                            <p:cond delay="0"/>
+                                          </p:stCondLst>
+                                        </p:cTn>
+                                        <p:tgtEl>
+                                          <p:spTgt spid="24"/>
+                                        </p:tgtEl>
+                                        <p:attrNameLst>
+                                          <p:attrName>style.visibility</p:attrName>
+                                        </p:attrNameLst>
+                                      </p:cBhvr>
+                                      <p:to>
+                                        <p:strVal val="visible"/>
+                                      </p:to>
+                                    </p:set>
+                                    <p:anim calcmode="lin" valueType="num">
+                                      <p:cBhvr additive="base">
+                                        <p:cTn id="19" dur="500" fill="hold"/>
+                                        <p:tgtEl>
+                                          <p:spTgt spid="24"/>
+                                        </p:tgtEl>
+                                        <p:attrNameLst>
+                                          <p:attrName>ppt_x</p:attrName>
+                                        </p:attrNameLst>
+                                      </p:cBhvr>
+                                      <p:tavLst>
+                                        <p:tav tm="0">
+                                          <p:val>
+                                            <p:strVal val="#ppt_x"/>
+                                          </p:val>
+                                        </p:tav>
+                                        <p:tav tm="100000">
+                                          <p:val>
+                                            <p:strVal val="#ppt_x"/>
+                                          </p:val>
+                                        </p:tav>
+                                      </p:tavLst>
+                                    </p:anim>
+                                    <p:anim calcmode="lin" valueType="num">
+                                      <p:cBhvr additive="base">
+                                        <p:cTn id="20" dur="500" fill="hold"/>
+                                        <p:tgtEl>
+                                          <p:spTgt spid="24"/>
+                                        </p:tgtEl>
+                                        <p:attrNameLst>
+                                          <p:attrName>ppt_y</p:attrName>
+                                        </p:attrNameLst>
+                                      </p:cBhvr>
+                                      <p:tavLst>
+                                        <p:tav tm="0">
+                                          <p:val>
+                                            <p:strVal val="0-#ppt_h/2"/>
+                                          </p:val>
+                                        </p:tav>
+                                        <p:tav tm="100000">
+                                          <p:val>
+                                            <p:strVal val="#ppt_y"/>
+                                          </p:val>
+                                        </p:tav>
+                                      </p:tavLst>
+                                    </p:anim>
+                                  </p:childTnLst>
+                                </p:cTn>
+                              </p:par>
+                            </p:childTnLst>
+                          </p:cTn>
+                        </p:par>
+                        <p:par>
+                          <p:cTn id="21" fill="hold">
+                            <p:stCondLst>
+                              <p:cond delay="500"/>
+                            </p:stCondLst>
+                            <p:childTnLst>
+                              <p:par>
+                                <p:cTn id="22" presetID="10" presetClass="entr" presetSubtype="0" fill="hold" grpId="0" nodeType="afterEffect">
+                                  <p:stCondLst>
+                                    <p:cond delay="250"/>
+                                  </p:stCondLst>
+                                  <p:childTnLst>
+                                    <p:set>
+                                      <p:cBhvr>
+                                        <p:cTn id="23" dur="1" fill="hold">
+                                          <p:stCondLst>
+                                            <p:cond delay="0"/>
+                                          </p:stCondLst>
+                                        </p:cTn>
+                                        <p:tgtEl>
+                                          <p:spTgt spid="26"/>
+                                        </p:tgtEl>
+                                        <p:attrNameLst>
+                                          <p:attrName>style.visibility</p:attrName>
+                                        </p:attrNameLst>
+                                      </p:cBhvr>
+                                      <p:to>
+                                        <p:strVal val="visible"/>
+                                      </p:to>
+                                    </p:set>
+                                    <p:animEffect transition="in" filter="fade">
+                                      <p:cBhvr>
+                                        <p:cTn id="24" dur="1250"/>
+                                        <p:tgtEl>
+                                          <p:spTgt spid="26"/>
+                                        </p:tgtEl>
+                                      </p:cBhvr>
+                                    </p:animEffect>
+                                  </p:childTnLst>
+                                </p:cTn>
+                              </p:par>
+                              <p:par>
+                                <p:cTn id="25" presetID="10" presetClass="entr" presetSubtype="0" fill="hold" grpId="0" nodeType="withEffect">
+                                  <p:stCondLst>
+                                    <p:cond delay="500"/>
+                                  </p:stCondLst>
+                                  <p:childTnLst>
+                                    <p:set>
+                                      <p:cBhvr>
+                                        <p:cTn id="26" dur="1" fill="hold">
+                                          <p:stCondLst>
+                                            <p:cond delay="0"/>
+                                          </p:stCondLst>
+                                        </p:cTn>
+                                        <p:tgtEl>
+                                          <p:spTgt spid="27"/>
+                                        </p:tgtEl>
+                                        <p:attrNameLst>
+                                          <p:attrName>style.visibility</p:attrName>
+                                        </p:attrNameLst>
+                                      </p:cBhvr>
+                                      <p:to>
+                                        <p:strVal val="visible"/>
+                                      </p:to>
+                                    </p:set>
+                                    <p:animEffect transition="in" filter="fade">
+                                      <p:cBhvr>
+                                        <p:cTn id="27" dur="1250"/>
+                                        <p:tgtEl>
+                                          <p:spTgt spid="27"/>
+                                        </p:tgtEl>
+                                      </p:cBhvr>
+                                    </p:animEffect>
+                                  </p:childTnLst>
+                                </p:cTn>
+                              </p:par>
+                            </p:childTnLst>
+                          </p:cTn>
+                        </p:par>
+                      </p:childTnLst>
+                    </p:cTn>
+                  </p:par>
+                </p:childTnLst>
+              </p:cTn>
+              <p:prevCondLst>
+                <p:cond evt="onPrev" delay="0">
+                  <p:tgtEl>
+                    <p:sldTgt/>
+                  </p:tgtEl>
+                </p:cond>
+              </p:prevCondLst>
+              <p:nextCondLst>
+                <p:cond evt="onNext" delay="0">
+                  <p:tgtEl>
+                    <p:sldTgt/>
+                  </p:tgtEl>
+                </p:cond>
+              </p:nextCondLst>
+            </p:seq>
+          </p:childTnLst>
+        </p:cTn>
+      </p:par>
+    </p:tnLst>
+    <p:bldLst>
+      <p:bldP spid="2" grpId="0" animBg="1"/>
+      <p:bldP spid="3" grpId="0" animBg="1"/>
+      <p:bldP spid="14" grpId="0" animBg="1"/>
+      <p:bldP spid="24" grpId="0" animBg="1"/>
+      <p:bldP spid="26" grpId="0"/>
+      <p:bldP spid="27" grpId="0"/>
+    </p:bldLst>
+  </p:timing>
+</p:sld>
+</file>
+
+<file path=ppt/slides/slide7.xml><?xml version="1.0" encoding="utf-8"?>
+<p:sld xmlns:a="http://schemas.openxmlformats.org/drawingml/2006/main" xmlns:r="http://schemas.openxmlformats.org/officeDocument/2006/relationships" xmlns:p="http://schemas.openxmlformats.org/presentationml/2006/main">
+  <p:cSld>
+    <p:bg>
+      <p:bgPr>
+        <a:solidFill>
+          <a:schemeClr val="bg1"/>
+        </a:solidFill>
+        <a:effectLst/>
+      </p:bgPr>
+    </p:bg>
+    <p:spTree>
+      <p:nvGrpSpPr>
+        <p:cNvPr id="1" name=""/>
+        <p:cNvGrpSpPr/>
+        <p:nvPr/>
+      </p:nvGrpSpPr>
+      <p:grpSpPr>
+        <a:xfrm>
+          <a:off x="0" y="0"/>
+          <a:ext cx="0" cy="0"/>
+          <a:chOff x="0" y="0"/>
+          <a:chExt cx="0" cy="0"/>
+        </a:xfrm>
+      </p:grpSpPr>
+      <p:sp>
+        <p:nvSpPr>
+          <p:cNvPr id="2" name="TextBox 1"/>
+          <p:cNvSpPr txBox="1"/>
+          <p:nvPr/>
+        </p:nvSpPr>
+        <p:spPr>
+          <a:xfrm>
+            <a:off x="1284339" y="1296345"/>
+            <a:ext cx="6230112" cy="3631763"/>
+          </a:xfrm>
+          <a:prstGeom prst="rect">
+            <a:avLst/>
+          </a:prstGeom>
+          <a:noFill/>
+        </p:spPr>
+        <p:txBody>
+          <a:bodyPr wrap="square" rtlCol="0">
+            <a:spAutoFit/>
+          </a:bodyPr>
+          <a:lstStyle/>
+          <a:p>
+            <a:r>
+              <a:rPr lang="en-US" sz="11500" b="1" dirty="0" smtClean="0">
+                <a:latin typeface="Times New Roman" panose="02020603050405020304" pitchFamily="18" charset="0"/>
+                <a:cs typeface="Times New Roman" panose="02020603050405020304" pitchFamily="18" charset="0"/>
+              </a:rPr>
+              <a:t>Decision Tree</a:t>
+            </a:r>
+            <a:endParaRPr lang="en-US" sz="11500" b="1" dirty="0">
+              <a:latin typeface="Times New Roman" panose="02020603050405020304" pitchFamily="18" charset="0"/>
+              <a:cs typeface="Times New Roman" panose="02020603050405020304" pitchFamily="18" charset="0"/>
+            </a:endParaRPr>
+          </a:p>
+        </p:txBody>
+      </p:sp>
+    </p:spTree>
+    <p:extLst>
+      <p:ext uri="{BB962C8B-B14F-4D97-AF65-F5344CB8AC3E}">
+        <p14:creationId xmlns:p14="http://schemas.microsoft.com/office/powerpoint/2010/main" val="4075411160"/>
       </p:ext>
     </p:extLst>
   </p:cSld>

--- a/Presentation.pptx
+++ b/Presentation.pptx
@@ -5,7 +5,7 @@
     <p:sldMasterId id="2147483773" r:id="rId1"/>
   </p:sldMasterIdLst>
   <p:notesMasterIdLst>
-    <p:notesMasterId r:id="rId9"/>
+    <p:notesMasterId r:id="rId10"/>
   </p:notesMasterIdLst>
   <p:sldIdLst>
     <p:sldId id="256" r:id="rId2"/>
@@ -15,6 +15,7 @@
     <p:sldId id="261" r:id="rId6"/>
     <p:sldId id="260" r:id="rId7"/>
     <p:sldId id="262" r:id="rId8"/>
+    <p:sldId id="264" r:id="rId9"/>
   </p:sldIdLst>
   <p:sldSz cx="12192000" cy="6858000"/>
   <p:notesSz cx="6858000" cy="9144000"/>
@@ -203,7 +204,7 @@
           <a:p>
             <a:fld id="{876F37FD-6C8A-4581-8F5F-5385E6CAD45D}" type="datetimeFigureOut">
               <a:rPr lang="en-US" smtClean="0"/>
-              <a:t>11/17/2022</a:t>
+              <a:t>11/18/2022</a:t>
             </a:fld>
             <a:endParaRPr lang="en-US"/>
           </a:p>
@@ -820,7 +821,7 @@
           <a:p>
             <a:fld id="{B1B646A1-FE57-416D-BAA1-2205E91F186B}" type="datetimeFigureOut">
               <a:rPr lang="en-US" smtClean="0"/>
-              <a:t>11/17/2022</a:t>
+              <a:t>11/18/2022</a:t>
             </a:fld>
             <a:endParaRPr lang="en-US"/>
           </a:p>
@@ -990,7 +991,7 @@
           <a:p>
             <a:fld id="{B1B646A1-FE57-416D-BAA1-2205E91F186B}" type="datetimeFigureOut">
               <a:rPr lang="en-US" smtClean="0"/>
-              <a:t>11/17/2022</a:t>
+              <a:t>11/18/2022</a:t>
             </a:fld>
             <a:endParaRPr lang="en-US"/>
           </a:p>
@@ -1170,7 +1171,7 @@
           <a:p>
             <a:fld id="{B1B646A1-FE57-416D-BAA1-2205E91F186B}" type="datetimeFigureOut">
               <a:rPr lang="en-US" smtClean="0"/>
-              <a:t>11/17/2022</a:t>
+              <a:t>11/18/2022</a:t>
             </a:fld>
             <a:endParaRPr lang="en-US"/>
           </a:p>
@@ -4566,7 +4567,7 @@
           <a:p>
             <a:fld id="{B1B646A1-FE57-416D-BAA1-2205E91F186B}" type="datetimeFigureOut">
               <a:rPr lang="en-US" smtClean="0"/>
-              <a:t>11/17/2022</a:t>
+              <a:t>11/18/2022</a:t>
             </a:fld>
             <a:endParaRPr lang="en-US"/>
           </a:p>
@@ -4812,7 +4813,7 @@
           <a:p>
             <a:fld id="{B1B646A1-FE57-416D-BAA1-2205E91F186B}" type="datetimeFigureOut">
               <a:rPr lang="en-US" smtClean="0"/>
-              <a:t>11/17/2022</a:t>
+              <a:t>11/18/2022</a:t>
             </a:fld>
             <a:endParaRPr lang="en-US"/>
           </a:p>
@@ -5044,7 +5045,7 @@
           <a:p>
             <a:fld id="{B1B646A1-FE57-416D-BAA1-2205E91F186B}" type="datetimeFigureOut">
               <a:rPr lang="en-US" smtClean="0"/>
-              <a:t>11/17/2022</a:t>
+              <a:t>11/18/2022</a:t>
             </a:fld>
             <a:endParaRPr lang="en-US"/>
           </a:p>
@@ -5411,7 +5412,7 @@
           <a:p>
             <a:fld id="{B1B646A1-FE57-416D-BAA1-2205E91F186B}" type="datetimeFigureOut">
               <a:rPr lang="en-US" smtClean="0"/>
-              <a:t>11/17/2022</a:t>
+              <a:t>11/18/2022</a:t>
             </a:fld>
             <a:endParaRPr lang="en-US"/>
           </a:p>
@@ -5529,7 +5530,7 @@
           <a:p>
             <a:fld id="{B1B646A1-FE57-416D-BAA1-2205E91F186B}" type="datetimeFigureOut">
               <a:rPr lang="en-US" smtClean="0"/>
-              <a:t>11/17/2022</a:t>
+              <a:t>11/18/2022</a:t>
             </a:fld>
             <a:endParaRPr lang="en-US"/>
           </a:p>
@@ -5624,7 +5625,7 @@
           <a:p>
             <a:fld id="{B1B646A1-FE57-416D-BAA1-2205E91F186B}" type="datetimeFigureOut">
               <a:rPr lang="en-US" smtClean="0"/>
-              <a:t>11/17/2022</a:t>
+              <a:t>11/18/2022</a:t>
             </a:fld>
             <a:endParaRPr lang="en-US"/>
           </a:p>
@@ -5901,7 +5902,7 @@
           <a:p>
             <a:fld id="{B1B646A1-FE57-416D-BAA1-2205E91F186B}" type="datetimeFigureOut">
               <a:rPr lang="en-US" smtClean="0"/>
-              <a:t>11/17/2022</a:t>
+              <a:t>11/18/2022</a:t>
             </a:fld>
             <a:endParaRPr lang="en-US"/>
           </a:p>
@@ -6154,7 +6155,7 @@
           <a:p>
             <a:fld id="{B1B646A1-FE57-416D-BAA1-2205E91F186B}" type="datetimeFigureOut">
               <a:rPr lang="en-US" smtClean="0"/>
-              <a:t>11/17/2022</a:t>
+              <a:t>11/18/2022</a:t>
             </a:fld>
             <a:endParaRPr lang="en-US"/>
           </a:p>
@@ -6367,7 +6368,7 @@
           <a:p>
             <a:fld id="{B1B646A1-FE57-416D-BAA1-2205E91F186B}" type="datetimeFigureOut">
               <a:rPr lang="en-US" smtClean="0"/>
-              <a:t>11/17/2022</a:t>
+              <a:t>11/18/2022</a:t>
             </a:fld>
             <a:endParaRPr lang="en-US"/>
           </a:p>
@@ -30386,10 +30387,6 @@
               </a:rPr>
               <a:t>Decision</a:t>
             </a:r>
-            <a:endParaRPr lang="en-US" sz="8800" b="1" dirty="0">
-              <a:latin typeface="Times New Roman" panose="02020603050405020304" pitchFamily="18" charset="0"/>
-              <a:cs typeface="Times New Roman" panose="02020603050405020304" pitchFamily="18" charset="0"/>
-            </a:endParaRPr>
           </a:p>
         </p:txBody>
       </p:sp>
@@ -40591,6 +40588,123 @@
 </p:sld>
 </file>
 
+<file path=ppt/slides/slide8.xml><?xml version="1.0" encoding="utf-8"?>
+<p:sld xmlns:a="http://schemas.openxmlformats.org/drawingml/2006/main" xmlns:r="http://schemas.openxmlformats.org/officeDocument/2006/relationships" xmlns:p="http://schemas.openxmlformats.org/presentationml/2006/main">
+  <p:cSld>
+    <p:bg>
+      <p:bgPr>
+        <a:solidFill>
+          <a:schemeClr val="tx1"/>
+        </a:solidFill>
+        <a:effectLst/>
+      </p:bgPr>
+    </p:bg>
+    <p:spTree>
+      <p:nvGrpSpPr>
+        <p:cNvPr id="1" name=""/>
+        <p:cNvGrpSpPr/>
+        <p:nvPr/>
+      </p:nvGrpSpPr>
+      <p:grpSpPr>
+        <a:xfrm>
+          <a:off x="0" y="0"/>
+          <a:ext cx="0" cy="0"/>
+          <a:chOff x="0" y="0"/>
+          <a:chExt cx="0" cy="0"/>
+        </a:xfrm>
+      </p:grpSpPr>
+      <p:pic>
+        <p:nvPicPr>
+          <p:cNvPr id="2" name="Picture 1"/>
+          <p:cNvPicPr>
+            <a:picLocks noChangeAspect="1"/>
+          </p:cNvPicPr>
+          <p:nvPr/>
+        </p:nvPicPr>
+        <p:blipFill>
+          <a:blip r:embed="rId2">
+            <a:extLst>
+              <a:ext uri="{28A0092B-C50C-407E-A947-70E740481C1C}">
+                <a14:useLocalDpi xmlns:a14="http://schemas.microsoft.com/office/drawing/2010/main" val="0"/>
+              </a:ext>
+            </a:extLst>
+          </a:blip>
+          <a:stretch>
+            <a:fillRect/>
+          </a:stretch>
+        </p:blipFill>
+        <p:spPr>
+          <a:xfrm>
+            <a:off x="2878283" y="101598"/>
+            <a:ext cx="3561288" cy="6599727"/>
+          </a:xfrm>
+          <a:prstGeom prst="rect">
+            <a:avLst/>
+          </a:prstGeom>
+        </p:spPr>
+      </p:pic>
+      <p:sp>
+        <p:nvSpPr>
+          <p:cNvPr id="3" name="TextBox 2"/>
+          <p:cNvSpPr txBox="1"/>
+          <p:nvPr/>
+        </p:nvSpPr>
+        <p:spPr>
+          <a:xfrm>
+            <a:off x="7155543" y="1146999"/>
+            <a:ext cx="2525486" cy="4508927"/>
+          </a:xfrm>
+          <a:prstGeom prst="rect">
+            <a:avLst/>
+          </a:prstGeom>
+          <a:noFill/>
+        </p:spPr>
+        <p:txBody>
+          <a:bodyPr wrap="square" rtlCol="0">
+            <a:spAutoFit/>
+          </a:bodyPr>
+          <a:lstStyle/>
+          <a:p>
+            <a:r>
+              <a:rPr lang="en-US" sz="28700" b="1" dirty="0" smtClean="0">
+                <a:solidFill>
+                  <a:schemeClr val="bg1"/>
+                </a:solidFill>
+                <a:latin typeface="Times New Roman" panose="02020603050405020304" pitchFamily="18" charset="0"/>
+                <a:cs typeface="Times New Roman" panose="02020603050405020304" pitchFamily="18" charset="0"/>
+              </a:rPr>
+              <a:t>?</a:t>
+            </a:r>
+            <a:endParaRPr lang="en-US" sz="28700" b="1" dirty="0">
+              <a:solidFill>
+                <a:schemeClr val="bg1"/>
+              </a:solidFill>
+              <a:latin typeface="Times New Roman" panose="02020603050405020304" pitchFamily="18" charset="0"/>
+              <a:cs typeface="Times New Roman" panose="02020603050405020304" pitchFamily="18" charset="0"/>
+            </a:endParaRPr>
+          </a:p>
+        </p:txBody>
+      </p:sp>
+    </p:spTree>
+    <p:extLst>
+      <p:ext uri="{BB962C8B-B14F-4D97-AF65-F5344CB8AC3E}">
+        <p14:creationId xmlns:p14="http://schemas.microsoft.com/office/powerpoint/2010/main" val="3047286281"/>
+      </p:ext>
+    </p:extLst>
+  </p:cSld>
+  <p:clrMapOvr>
+    <a:masterClrMapping/>
+  </p:clrMapOvr>
+  <p:timing>
+    <p:tnLst>
+      <p:par>
+        <p:cTn id="1" dur="indefinite" restart="never" nodeType="tmRoot"/>
+      </p:par>
+    </p:tnLst>
+  </p:timing>
+</p:sld>
+</file>
+
 <file path=ppt/theme/theme1.xml><?xml version="1.0" encoding="utf-8"?>
 <a:theme xmlns:a="http://schemas.openxmlformats.org/drawingml/2006/main" name="Office Theme">
   <a:themeElements>

--- a/Presentation.pptx
+++ b/Presentation.pptx
@@ -204,7 +204,7 @@
           <a:p>
             <a:fld id="{876F37FD-6C8A-4581-8F5F-5385E6CAD45D}" type="datetimeFigureOut">
               <a:rPr lang="en-US" smtClean="0"/>
-              <a:t>11/18/2022</a:t>
+              <a:t>11/19/2022</a:t>
             </a:fld>
             <a:endParaRPr lang="en-US"/>
           </a:p>
@@ -821,7 +821,7 @@
           <a:p>
             <a:fld id="{B1B646A1-FE57-416D-BAA1-2205E91F186B}" type="datetimeFigureOut">
               <a:rPr lang="en-US" smtClean="0"/>
-              <a:t>11/18/2022</a:t>
+              <a:t>11/19/2022</a:t>
             </a:fld>
             <a:endParaRPr lang="en-US"/>
           </a:p>
@@ -991,7 +991,7 @@
           <a:p>
             <a:fld id="{B1B646A1-FE57-416D-BAA1-2205E91F186B}" type="datetimeFigureOut">
               <a:rPr lang="en-US" smtClean="0"/>
-              <a:t>11/18/2022</a:t>
+              <a:t>11/19/2022</a:t>
             </a:fld>
             <a:endParaRPr lang="en-US"/>
           </a:p>
@@ -1171,7 +1171,7 @@
           <a:p>
             <a:fld id="{B1B646A1-FE57-416D-BAA1-2205E91F186B}" type="datetimeFigureOut">
               <a:rPr lang="en-US" smtClean="0"/>
-              <a:t>11/18/2022</a:t>
+              <a:t>11/19/2022</a:t>
             </a:fld>
             <a:endParaRPr lang="en-US"/>
           </a:p>
@@ -4567,7 +4567,7 @@
           <a:p>
             <a:fld id="{B1B646A1-FE57-416D-BAA1-2205E91F186B}" type="datetimeFigureOut">
               <a:rPr lang="en-US" smtClean="0"/>
-              <a:t>11/18/2022</a:t>
+              <a:t>11/19/2022</a:t>
             </a:fld>
             <a:endParaRPr lang="en-US"/>
           </a:p>
@@ -4813,7 +4813,7 @@
           <a:p>
             <a:fld id="{B1B646A1-FE57-416D-BAA1-2205E91F186B}" type="datetimeFigureOut">
               <a:rPr lang="en-US" smtClean="0"/>
-              <a:t>11/18/2022</a:t>
+              <a:t>11/19/2022</a:t>
             </a:fld>
             <a:endParaRPr lang="en-US"/>
           </a:p>
@@ -5045,7 +5045,7 @@
           <a:p>
             <a:fld id="{B1B646A1-FE57-416D-BAA1-2205E91F186B}" type="datetimeFigureOut">
               <a:rPr lang="en-US" smtClean="0"/>
-              <a:t>11/18/2022</a:t>
+              <a:t>11/19/2022</a:t>
             </a:fld>
             <a:endParaRPr lang="en-US"/>
           </a:p>
@@ -5412,7 +5412,7 @@
           <a:p>
             <a:fld id="{B1B646A1-FE57-416D-BAA1-2205E91F186B}" type="datetimeFigureOut">
               <a:rPr lang="en-US" smtClean="0"/>
-              <a:t>11/18/2022</a:t>
+              <a:t>11/19/2022</a:t>
             </a:fld>
             <a:endParaRPr lang="en-US"/>
           </a:p>
@@ -5530,7 +5530,7 @@
           <a:p>
             <a:fld id="{B1B646A1-FE57-416D-BAA1-2205E91F186B}" type="datetimeFigureOut">
               <a:rPr lang="en-US" smtClean="0"/>
-              <a:t>11/18/2022</a:t>
+              <a:t>11/19/2022</a:t>
             </a:fld>
             <a:endParaRPr lang="en-US"/>
           </a:p>
@@ -5625,7 +5625,7 @@
           <a:p>
             <a:fld id="{B1B646A1-FE57-416D-BAA1-2205E91F186B}" type="datetimeFigureOut">
               <a:rPr lang="en-US" smtClean="0"/>
-              <a:t>11/18/2022</a:t>
+              <a:t>11/19/2022</a:t>
             </a:fld>
             <a:endParaRPr lang="en-US"/>
           </a:p>
@@ -5902,7 +5902,7 @@
           <a:p>
             <a:fld id="{B1B646A1-FE57-416D-BAA1-2205E91F186B}" type="datetimeFigureOut">
               <a:rPr lang="en-US" smtClean="0"/>
-              <a:t>11/18/2022</a:t>
+              <a:t>11/19/2022</a:t>
             </a:fld>
             <a:endParaRPr lang="en-US"/>
           </a:p>
@@ -6155,7 +6155,7 @@
           <a:p>
             <a:fld id="{B1B646A1-FE57-416D-BAA1-2205E91F186B}" type="datetimeFigureOut">
               <a:rPr lang="en-US" smtClean="0"/>
-              <a:t>11/18/2022</a:t>
+              <a:t>11/19/2022</a:t>
             </a:fld>
             <a:endParaRPr lang="en-US"/>
           </a:p>
@@ -6368,7 +6368,7 @@
           <a:p>
             <a:fld id="{B1B646A1-FE57-416D-BAA1-2205E91F186B}" type="datetimeFigureOut">
               <a:rPr lang="en-US" smtClean="0"/>
-              <a:t>11/18/2022</a:t>
+              <a:t>11/19/2022</a:t>
             </a:fld>
             <a:endParaRPr lang="en-US"/>
           </a:p>
@@ -40304,9 +40304,31 @@
   <p:cSld>
     <p:bg>
       <p:bgPr>
-        <a:solidFill>
-          <a:schemeClr val="bg1"/>
-        </a:solidFill>
+        <a:gradFill flip="none" rotWithShape="1">
+          <a:gsLst>
+            <a:gs pos="0">
+              <a:schemeClr val="accent3">
+                <a:lumMod val="40000"/>
+                <a:lumOff val="60000"/>
+              </a:schemeClr>
+            </a:gs>
+            <a:gs pos="46000">
+              <a:schemeClr val="accent3">
+                <a:lumMod val="95000"/>
+                <a:lumOff val="5000"/>
+              </a:schemeClr>
+            </a:gs>
+            <a:gs pos="100000">
+              <a:schemeClr val="accent3">
+                <a:lumMod val="60000"/>
+              </a:schemeClr>
+            </a:gs>
+          </a:gsLst>
+          <a:path path="circle">
+            <a:fillToRect l="50000" t="130000" r="50000" b="-30000"/>
+          </a:path>
+          <a:tileRect/>
+        </a:gradFill>
         <a:effectLst/>
       </p:bgPr>
     </p:bg>
@@ -40332,7 +40354,7 @@
         </p:nvSpPr>
         <p:spPr>
           <a:xfrm>
-            <a:off x="1284339" y="1296345"/>
+            <a:off x="565011" y="1503609"/>
             <a:ext cx="6230112" cy="3631763"/>
           </a:xfrm>
           <a:prstGeom prst="rect">
@@ -40360,6 +40382,405 @@
           </a:p>
         </p:txBody>
       </p:sp>
+      <p:sp>
+        <p:nvSpPr>
+          <p:cNvPr id="56" name="Freeform 55"/>
+          <p:cNvSpPr/>
+          <p:nvPr/>
+        </p:nvSpPr>
+        <p:spPr>
+          <a:xfrm>
+            <a:off x="7105650" y="0"/>
+            <a:ext cx="5086350" cy="5295900"/>
+          </a:xfrm>
+          <a:custGeom>
+            <a:avLst/>
+            <a:gdLst>
+              <a:gd name="connsiteX0" fmla="*/ 1367723 w 4788522"/>
+              <a:gd name="connsiteY0" fmla="*/ 0 h 5105164"/>
+              <a:gd name="connsiteX1" fmla="*/ 4788522 w 4788522"/>
+              <a:gd name="connsiteY1" fmla="*/ 0 h 5105164"/>
+              <a:gd name="connsiteX2" fmla="*/ 4788522 w 4788522"/>
+              <a:gd name="connsiteY2" fmla="*/ 3996773 h 5105164"/>
+              <a:gd name="connsiteX3" fmla="*/ 4163210 w 4788522"/>
+              <a:gd name="connsiteY3" fmla="*/ 4622085 h 5105164"/>
+              <a:gd name="connsiteX4" fmla="*/ 3600060 w 4788522"/>
+              <a:gd name="connsiteY4" fmla="*/ 4622085 h 5105164"/>
+              <a:gd name="connsiteX5" fmla="*/ 3600061 w 4788522"/>
+              <a:gd name="connsiteY5" fmla="*/ 4622085 h 5105164"/>
+              <a:gd name="connsiteX6" fmla="*/ 3483429 w 4788522"/>
+              <a:gd name="connsiteY6" fmla="*/ 4340510 h 5105164"/>
+              <a:gd name="connsiteX7" fmla="*/ 3487988 w 4788522"/>
+              <a:gd name="connsiteY7" fmla="*/ 4292939 h 5105164"/>
+              <a:gd name="connsiteX8" fmla="*/ 3002065 w 4788522"/>
+              <a:gd name="connsiteY8" fmla="*/ 4778862 h 5105164"/>
+              <a:gd name="connsiteX9" fmla="*/ 2438915 w 4788522"/>
+              <a:gd name="connsiteY9" fmla="*/ 4778862 h 5105164"/>
+              <a:gd name="connsiteX10" fmla="*/ 2438917 w 4788522"/>
+              <a:gd name="connsiteY10" fmla="*/ 4778862 h 5105164"/>
+              <a:gd name="connsiteX11" fmla="*/ 2351443 w 4788522"/>
+              <a:gd name="connsiteY11" fmla="*/ 4347441 h 5105164"/>
+              <a:gd name="connsiteX12" fmla="*/ 2367628 w 4788522"/>
+              <a:gd name="connsiteY12" fmla="*/ 4316686 h 5105164"/>
+              <a:gd name="connsiteX13" fmla="*/ 1695782 w 4788522"/>
+              <a:gd name="connsiteY13" fmla="*/ 4988532 h 5105164"/>
+              <a:gd name="connsiteX14" fmla="*/ 1132632 w 4788522"/>
+              <a:gd name="connsiteY14" fmla="*/ 4988532 h 5105164"/>
+              <a:gd name="connsiteX15" fmla="*/ 1132633 w 4788522"/>
+              <a:gd name="connsiteY15" fmla="*/ 4988532 h 5105164"/>
+              <a:gd name="connsiteX16" fmla="*/ 1132633 w 4788522"/>
+              <a:gd name="connsiteY16" fmla="*/ 4425382 h 5105164"/>
+              <a:gd name="connsiteX17" fmla="*/ 1620572 w 4788522"/>
+              <a:gd name="connsiteY17" fmla="*/ 3937443 h 5105164"/>
+              <a:gd name="connsiteX18" fmla="*/ 1559347 w 4788522"/>
+              <a:gd name="connsiteY18" fmla="*/ 3943311 h 5105164"/>
+              <a:gd name="connsiteX19" fmla="*/ 1277773 w 4788522"/>
+              <a:gd name="connsiteY19" fmla="*/ 3826679 h 5105164"/>
+              <a:gd name="connsiteX20" fmla="*/ 1277774 w 4788522"/>
+              <a:gd name="connsiteY20" fmla="*/ 3826679 h 5105164"/>
+              <a:gd name="connsiteX21" fmla="*/ 1168431 w 4788522"/>
+              <a:gd name="connsiteY21" fmla="*/ 3469048 h 5105164"/>
+              <a:gd name="connsiteX22" fmla="*/ 1180823 w 4788522"/>
+              <a:gd name="connsiteY22" fmla="*/ 3427235 h 5105164"/>
+              <a:gd name="connsiteX23" fmla="*/ 679780 w 4788522"/>
+              <a:gd name="connsiteY23" fmla="*/ 3928279 h 5105164"/>
+              <a:gd name="connsiteX24" fmla="*/ 116630 w 4788522"/>
+              <a:gd name="connsiteY24" fmla="*/ 3928279 h 5105164"/>
+              <a:gd name="connsiteX25" fmla="*/ 116631 w 4788522"/>
+              <a:gd name="connsiteY25" fmla="*/ 3928279 h 5105164"/>
+              <a:gd name="connsiteX26" fmla="*/ 116631 w 4788522"/>
+              <a:gd name="connsiteY26" fmla="*/ 3365129 h 5105164"/>
+              <a:gd name="connsiteX27" fmla="*/ 517084 w 4788522"/>
+              <a:gd name="connsiteY27" fmla="*/ 2964677 h 5105164"/>
+              <a:gd name="connsiteX28" fmla="*/ 474261 w 4788522"/>
+              <a:gd name="connsiteY28" fmla="*/ 2977368 h 5105164"/>
+              <a:gd name="connsiteX29" fmla="*/ 116631 w 4788522"/>
+              <a:gd name="connsiteY29" fmla="*/ 2868025 h 5105164"/>
+              <a:gd name="connsiteX30" fmla="*/ 116632 w 4788522"/>
+              <a:gd name="connsiteY30" fmla="*/ 2868025 h 5105164"/>
+              <a:gd name="connsiteX31" fmla="*/ 116632 w 4788522"/>
+              <a:gd name="connsiteY31" fmla="*/ 2304876 h 5105164"/>
+              <a:gd name="connsiteX32" fmla="*/ 507889 w 4788522"/>
+              <a:gd name="connsiteY32" fmla="*/ 1913619 h 5105164"/>
+              <a:gd name="connsiteX33" fmla="*/ 474261 w 4788522"/>
+              <a:gd name="connsiteY33" fmla="*/ 1923585 h 5105164"/>
+              <a:gd name="connsiteX34" fmla="*/ 116630 w 4788522"/>
+              <a:gd name="connsiteY34" fmla="*/ 1814242 h 5105164"/>
+              <a:gd name="connsiteX35" fmla="*/ 116631 w 4788522"/>
+              <a:gd name="connsiteY35" fmla="*/ 1814242 h 5105164"/>
+              <a:gd name="connsiteX36" fmla="*/ 116631 w 4788522"/>
+              <a:gd name="connsiteY36" fmla="*/ 1251092 h 5105164"/>
+              <a:gd name="connsiteX37" fmla="*/ 1367723 w 4788522"/>
+              <a:gd name="connsiteY37" fmla="*/ 0 h 5105164"/>
+            </a:gdLst>
+            <a:ahLst/>
+            <a:cxnLst>
+              <a:cxn ang="0">
+                <a:pos x="connsiteX0" y="connsiteY0"/>
+              </a:cxn>
+              <a:cxn ang="0">
+                <a:pos x="connsiteX1" y="connsiteY1"/>
+              </a:cxn>
+              <a:cxn ang="0">
+                <a:pos x="connsiteX2" y="connsiteY2"/>
+              </a:cxn>
+              <a:cxn ang="0">
+                <a:pos x="connsiteX3" y="connsiteY3"/>
+              </a:cxn>
+              <a:cxn ang="0">
+                <a:pos x="connsiteX4" y="connsiteY4"/>
+              </a:cxn>
+              <a:cxn ang="0">
+                <a:pos x="connsiteX5" y="connsiteY5"/>
+              </a:cxn>
+              <a:cxn ang="0">
+                <a:pos x="connsiteX6" y="connsiteY6"/>
+              </a:cxn>
+              <a:cxn ang="0">
+                <a:pos x="connsiteX7" y="connsiteY7"/>
+              </a:cxn>
+              <a:cxn ang="0">
+                <a:pos x="connsiteX8" y="connsiteY8"/>
+              </a:cxn>
+              <a:cxn ang="0">
+                <a:pos x="connsiteX9" y="connsiteY9"/>
+              </a:cxn>
+              <a:cxn ang="0">
+                <a:pos x="connsiteX10" y="connsiteY10"/>
+              </a:cxn>
+              <a:cxn ang="0">
+                <a:pos x="connsiteX11" y="connsiteY11"/>
+              </a:cxn>
+              <a:cxn ang="0">
+                <a:pos x="connsiteX12" y="connsiteY12"/>
+              </a:cxn>
+              <a:cxn ang="0">
+                <a:pos x="connsiteX13" y="connsiteY13"/>
+              </a:cxn>
+              <a:cxn ang="0">
+                <a:pos x="connsiteX14" y="connsiteY14"/>
+              </a:cxn>
+              <a:cxn ang="0">
+                <a:pos x="connsiteX15" y="connsiteY15"/>
+              </a:cxn>
+              <a:cxn ang="0">
+                <a:pos x="connsiteX16" y="connsiteY16"/>
+              </a:cxn>
+              <a:cxn ang="0">
+                <a:pos x="connsiteX17" y="connsiteY17"/>
+              </a:cxn>
+              <a:cxn ang="0">
+                <a:pos x="connsiteX18" y="connsiteY18"/>
+              </a:cxn>
+              <a:cxn ang="0">
+                <a:pos x="connsiteX19" y="connsiteY19"/>
+              </a:cxn>
+              <a:cxn ang="0">
+                <a:pos x="connsiteX20" y="connsiteY20"/>
+              </a:cxn>
+              <a:cxn ang="0">
+                <a:pos x="connsiteX21" y="connsiteY21"/>
+              </a:cxn>
+              <a:cxn ang="0">
+                <a:pos x="connsiteX22" y="connsiteY22"/>
+              </a:cxn>
+              <a:cxn ang="0">
+                <a:pos x="connsiteX23" y="connsiteY23"/>
+              </a:cxn>
+              <a:cxn ang="0">
+                <a:pos x="connsiteX24" y="connsiteY24"/>
+              </a:cxn>
+              <a:cxn ang="0">
+                <a:pos x="connsiteX25" y="connsiteY25"/>
+              </a:cxn>
+              <a:cxn ang="0">
+                <a:pos x="connsiteX26" y="connsiteY26"/>
+              </a:cxn>
+              <a:cxn ang="0">
+                <a:pos x="connsiteX27" y="connsiteY27"/>
+              </a:cxn>
+              <a:cxn ang="0">
+                <a:pos x="connsiteX28" y="connsiteY28"/>
+              </a:cxn>
+              <a:cxn ang="0">
+                <a:pos x="connsiteX29" y="connsiteY29"/>
+              </a:cxn>
+              <a:cxn ang="0">
+                <a:pos x="connsiteX30" y="connsiteY30"/>
+              </a:cxn>
+              <a:cxn ang="0">
+                <a:pos x="connsiteX31" y="connsiteY31"/>
+              </a:cxn>
+              <a:cxn ang="0">
+                <a:pos x="connsiteX32" y="connsiteY32"/>
+              </a:cxn>
+              <a:cxn ang="0">
+                <a:pos x="connsiteX33" y="connsiteY33"/>
+              </a:cxn>
+              <a:cxn ang="0">
+                <a:pos x="connsiteX34" y="connsiteY34"/>
+              </a:cxn>
+              <a:cxn ang="0">
+                <a:pos x="connsiteX35" y="connsiteY35"/>
+              </a:cxn>
+              <a:cxn ang="0">
+                <a:pos x="connsiteX36" y="connsiteY36"/>
+              </a:cxn>
+              <a:cxn ang="0">
+                <a:pos x="connsiteX37" y="connsiteY37"/>
+              </a:cxn>
+            </a:cxnLst>
+            <a:rect l="l" t="t" r="r" b="b"/>
+            <a:pathLst>
+              <a:path w="4788522" h="5105164">
+                <a:moveTo>
+                  <a:pt x="1367723" y="0"/>
+                </a:moveTo>
+                <a:lnTo>
+                  <a:pt x="4788522" y="0"/>
+                </a:lnTo>
+                <a:lnTo>
+                  <a:pt x="4788522" y="3996773"/>
+                </a:lnTo>
+                <a:lnTo>
+                  <a:pt x="4163210" y="4622085"/>
+                </a:lnTo>
+                <a:cubicBezTo>
+                  <a:pt x="4007700" y="4777595"/>
+                  <a:pt x="3755570" y="4777595"/>
+                  <a:pt x="3600060" y="4622085"/>
+                </a:cubicBezTo>
+                <a:lnTo>
+                  <a:pt x="3600061" y="4622085"/>
+                </a:lnTo>
+                <a:cubicBezTo>
+                  <a:pt x="3522306" y="4544330"/>
+                  <a:pt x="3483430" y="4442421"/>
+                  <a:pt x="3483429" y="4340510"/>
+                </a:cubicBezTo>
+                <a:lnTo>
+                  <a:pt x="3487988" y="4292939"/>
+                </a:lnTo>
+                <a:lnTo>
+                  <a:pt x="3002065" y="4778862"/>
+                </a:lnTo>
+                <a:cubicBezTo>
+                  <a:pt x="2846555" y="4934372"/>
+                  <a:pt x="2594425" y="4934372"/>
+                  <a:pt x="2438915" y="4778862"/>
+                </a:cubicBezTo>
+                <a:lnTo>
+                  <a:pt x="2438917" y="4778862"/>
+                </a:lnTo>
+                <a:cubicBezTo>
+                  <a:pt x="2322285" y="4662230"/>
+                  <a:pt x="2293126" y="4491249"/>
+                  <a:pt x="2351443" y="4347441"/>
+                </a:cubicBezTo>
+                <a:lnTo>
+                  <a:pt x="2367628" y="4316686"/>
+                </a:lnTo>
+                <a:lnTo>
+                  <a:pt x="1695782" y="4988532"/>
+                </a:lnTo>
+                <a:cubicBezTo>
+                  <a:pt x="1540272" y="5144042"/>
+                  <a:pt x="1288142" y="5144042"/>
+                  <a:pt x="1132632" y="4988532"/>
+                </a:cubicBezTo>
+                <a:lnTo>
+                  <a:pt x="1132633" y="4988532"/>
+                </a:lnTo>
+                <a:cubicBezTo>
+                  <a:pt x="977124" y="4833022"/>
+                  <a:pt x="977124" y="4580892"/>
+                  <a:pt x="1132633" y="4425382"/>
+                </a:cubicBezTo>
+                <a:lnTo>
+                  <a:pt x="1620572" y="3937443"/>
+                </a:lnTo>
+                <a:lnTo>
+                  <a:pt x="1559347" y="3943311"/>
+                </a:lnTo>
+                <a:cubicBezTo>
+                  <a:pt x="1457438" y="3943311"/>
+                  <a:pt x="1355527" y="3904434"/>
+                  <a:pt x="1277773" y="3826679"/>
+                </a:cubicBezTo>
+                <a:lnTo>
+                  <a:pt x="1277774" y="3826679"/>
+                </a:lnTo>
+                <a:cubicBezTo>
+                  <a:pt x="1180580" y="3729485"/>
+                  <a:pt x="1144133" y="3594549"/>
+                  <a:pt x="1168431" y="3469048"/>
+                </a:cubicBezTo>
+                <a:lnTo>
+                  <a:pt x="1180823" y="3427235"/>
+                </a:lnTo>
+                <a:lnTo>
+                  <a:pt x="679780" y="3928279"/>
+                </a:lnTo>
+                <a:cubicBezTo>
+                  <a:pt x="524270" y="4083789"/>
+                  <a:pt x="272140" y="4083789"/>
+                  <a:pt x="116630" y="3928279"/>
+                </a:cubicBezTo>
+                <a:lnTo>
+                  <a:pt x="116631" y="3928279"/>
+                </a:lnTo>
+                <a:cubicBezTo>
+                  <a:pt x="-38878" y="3772769"/>
+                  <a:pt x="-38878" y="3520639"/>
+                  <a:pt x="116631" y="3365129"/>
+                </a:cubicBezTo>
+                <a:lnTo>
+                  <a:pt x="517084" y="2964677"/>
+                </a:lnTo>
+                <a:lnTo>
+                  <a:pt x="474261" y="2977368"/>
+                </a:lnTo>
+                <a:cubicBezTo>
+                  <a:pt x="348760" y="3001666"/>
+                  <a:pt x="213825" y="2965218"/>
+                  <a:pt x="116631" y="2868025"/>
+                </a:cubicBezTo>
+                <a:lnTo>
+                  <a:pt x="116632" y="2868025"/>
+                </a:lnTo>
+                <a:cubicBezTo>
+                  <a:pt x="-38877" y="2712515"/>
+                  <a:pt x="-38877" y="2460385"/>
+                  <a:pt x="116632" y="2304876"/>
+                </a:cubicBezTo>
+                <a:lnTo>
+                  <a:pt x="507889" y="1913619"/>
+                </a:lnTo>
+                <a:lnTo>
+                  <a:pt x="474261" y="1923585"/>
+                </a:lnTo>
+                <a:cubicBezTo>
+                  <a:pt x="348760" y="1947883"/>
+                  <a:pt x="213824" y="1911436"/>
+                  <a:pt x="116630" y="1814242"/>
+                </a:cubicBezTo>
+                <a:lnTo>
+                  <a:pt x="116631" y="1814242"/>
+                </a:lnTo>
+                <a:cubicBezTo>
+                  <a:pt x="-38878" y="1658732"/>
+                  <a:pt x="-38878" y="1406602"/>
+                  <a:pt x="116631" y="1251092"/>
+                </a:cubicBezTo>
+                <a:lnTo>
+                  <a:pt x="1367723" y="0"/>
+                </a:lnTo>
+                <a:close/>
+              </a:path>
+            </a:pathLst>
+          </a:custGeom>
+          <a:blipFill dpi="0" rotWithShape="1">
+            <a:blip r:embed="rId2">
+              <a:extLst>
+                <a:ext uri="{28A0092B-C50C-407E-A947-70E740481C1C}">
+                  <a14:useLocalDpi xmlns:a14="http://schemas.microsoft.com/office/drawing/2010/main" val="0"/>
+                </a:ext>
+              </a:extLst>
+            </a:blip>
+            <a:srcRect/>
+            <a:stretch>
+              <a:fillRect/>
+            </a:stretch>
+          </a:blipFill>
+          <a:ln>
+            <a:noFill/>
+          </a:ln>
+        </p:spPr>
+        <p:style>
+          <a:lnRef idx="2">
+            <a:schemeClr val="accent1">
+              <a:shade val="50000"/>
+            </a:schemeClr>
+          </a:lnRef>
+          <a:fillRef idx="1">
+            <a:schemeClr val="accent1"/>
+          </a:fillRef>
+          <a:effectRef idx="0">
+            <a:schemeClr val="accent1"/>
+          </a:effectRef>
+          <a:fontRef idx="minor">
+            <a:schemeClr val="lt1"/>
+          </a:fontRef>
+        </p:style>
+        <p:txBody>
+          <a:bodyPr rtlCol="0" anchor="ctr"/>
+          <a:lstStyle/>
+          <a:p>
+            <a:pPr algn="ctr"/>
+            <a:endParaRPr lang="en-US"/>
+          </a:p>
+        </p:txBody>
+      </p:sp>
     </p:spTree>
     <p:extLst>
       <p:ext uri="{BB962C8B-B14F-4D97-AF65-F5344CB8AC3E}">
@@ -40373,9 +40794,200 @@
   <p:timing>
     <p:tnLst>
       <p:par>
-        <p:cTn id="1" dur="indefinite" restart="never" nodeType="tmRoot"/>
+        <p:cTn id="1" dur="indefinite" restart="never" nodeType="tmRoot">
+          <p:childTnLst>
+            <p:seq concurrent="1" nextAc="seek">
+              <p:cTn id="2" dur="indefinite" nodeType="mainSeq">
+                <p:childTnLst>
+                  <p:par>
+                    <p:cTn id="3" fill="hold">
+                      <p:stCondLst>
+                        <p:cond delay="indefinite"/>
+                      </p:stCondLst>
+                      <p:childTnLst>
+                        <p:par>
+                          <p:cTn id="4" fill="hold">
+                            <p:stCondLst>
+                              <p:cond delay="0"/>
+                            </p:stCondLst>
+                            <p:childTnLst>
+                              <p:par>
+                                <p:cTn id="5" presetID="2" presetClass="entr" presetSubtype="3" fill="hold" grpId="0" nodeType="clickEffect">
+                                  <p:stCondLst>
+                                    <p:cond delay="0"/>
+                                  </p:stCondLst>
+                                  <p:childTnLst>
+                                    <p:set>
+                                      <p:cBhvr>
+                                        <p:cTn id="6" dur="1" fill="hold">
+                                          <p:stCondLst>
+                                            <p:cond delay="0"/>
+                                          </p:stCondLst>
+                                        </p:cTn>
+                                        <p:tgtEl>
+                                          <p:spTgt spid="56"/>
+                                        </p:tgtEl>
+                                        <p:attrNameLst>
+                                          <p:attrName>style.visibility</p:attrName>
+                                        </p:attrNameLst>
+                                      </p:cBhvr>
+                                      <p:to>
+                                        <p:strVal val="visible"/>
+                                      </p:to>
+                                    </p:set>
+                                    <p:anim calcmode="lin" valueType="num">
+                                      <p:cBhvr additive="base">
+                                        <p:cTn id="7" dur="500" fill="hold"/>
+                                        <p:tgtEl>
+                                          <p:spTgt spid="56"/>
+                                        </p:tgtEl>
+                                        <p:attrNameLst>
+                                          <p:attrName>ppt_x</p:attrName>
+                                        </p:attrNameLst>
+                                      </p:cBhvr>
+                                      <p:tavLst>
+                                        <p:tav tm="0">
+                                          <p:val>
+                                            <p:strVal val="1+#ppt_w/2"/>
+                                          </p:val>
+                                        </p:tav>
+                                        <p:tav tm="100000">
+                                          <p:val>
+                                            <p:strVal val="#ppt_x"/>
+                                          </p:val>
+                                        </p:tav>
+                                      </p:tavLst>
+                                    </p:anim>
+                                    <p:anim calcmode="lin" valueType="num">
+                                      <p:cBhvr additive="base">
+                                        <p:cTn id="8" dur="500" fill="hold"/>
+                                        <p:tgtEl>
+                                          <p:spTgt spid="56"/>
+                                        </p:tgtEl>
+                                        <p:attrNameLst>
+                                          <p:attrName>ppt_y</p:attrName>
+                                        </p:attrNameLst>
+                                      </p:cBhvr>
+                                      <p:tavLst>
+                                        <p:tav tm="0">
+                                          <p:val>
+                                            <p:strVal val="0-#ppt_h/2"/>
+                                          </p:val>
+                                        </p:tav>
+                                        <p:tav tm="100000">
+                                          <p:val>
+                                            <p:strVal val="#ppt_y"/>
+                                          </p:val>
+                                        </p:tav>
+                                      </p:tavLst>
+                                    </p:anim>
+                                  </p:childTnLst>
+                                </p:cTn>
+                              </p:par>
+                              <p:par>
+                                <p:cTn id="9" presetID="2" presetClass="entr" presetSubtype="8" fill="hold" grpId="0" nodeType="withEffect">
+                                  <p:stCondLst>
+                                    <p:cond delay="0"/>
+                                  </p:stCondLst>
+                                  <p:childTnLst>
+                                    <p:set>
+                                      <p:cBhvr>
+                                        <p:cTn id="10" dur="1" fill="hold">
+                                          <p:stCondLst>
+                                            <p:cond delay="0"/>
+                                          </p:stCondLst>
+                                        </p:cTn>
+                                        <p:tgtEl>
+                                          <p:spTgt spid="2"/>
+                                        </p:tgtEl>
+                                        <p:attrNameLst>
+                                          <p:attrName>style.visibility</p:attrName>
+                                        </p:attrNameLst>
+                                      </p:cBhvr>
+                                      <p:to>
+                                        <p:strVal val="visible"/>
+                                      </p:to>
+                                    </p:set>
+                                    <p:anim calcmode="lin" valueType="num">
+                                      <p:cBhvr additive="base">
+                                        <p:cTn id="11" dur="500" fill="hold"/>
+                                        <p:tgtEl>
+                                          <p:spTgt spid="2"/>
+                                        </p:tgtEl>
+                                        <p:attrNameLst>
+                                          <p:attrName>ppt_x</p:attrName>
+                                        </p:attrNameLst>
+                                      </p:cBhvr>
+                                      <p:tavLst>
+                                        <p:tav tm="0">
+                                          <p:val>
+                                            <p:strVal val="0-#ppt_w/2"/>
+                                          </p:val>
+                                        </p:tav>
+                                        <p:tav tm="100000">
+                                          <p:val>
+                                            <p:strVal val="#ppt_x"/>
+                                          </p:val>
+                                        </p:tav>
+                                      </p:tavLst>
+                                    </p:anim>
+                                    <p:anim calcmode="lin" valueType="num">
+                                      <p:cBhvr additive="base">
+                                        <p:cTn id="12" dur="500" fill="hold"/>
+                                        <p:tgtEl>
+                                          <p:spTgt spid="2"/>
+                                        </p:tgtEl>
+                                        <p:attrNameLst>
+                                          <p:attrName>ppt_y</p:attrName>
+                                        </p:attrNameLst>
+                                      </p:cBhvr>
+                                      <p:tavLst>
+                                        <p:tav tm="0">
+                                          <p:val>
+                                            <p:strVal val="#ppt_y"/>
+                                          </p:val>
+                                        </p:tav>
+                                        <p:tav tm="100000">
+                                          <p:val>
+                                            <p:strVal val="#ppt_y"/>
+                                          </p:val>
+                                        </p:tav>
+                                      </p:tavLst>
+                                    </p:anim>
+                                  </p:childTnLst>
+                                </p:cTn>
+                              </p:par>
+                            </p:childTnLst>
+                          </p:cTn>
+                        </p:par>
+                      </p:childTnLst>
+                    </p:cTn>
+                  </p:par>
+                </p:childTnLst>
+              </p:cTn>
+              <p:prevCondLst>
+                <p:cond evt="onPrev" delay="0">
+                  <p:tgtEl>
+                    <p:sldTgt/>
+                  </p:tgtEl>
+                </p:cond>
+              </p:prevCondLst>
+              <p:nextCondLst>
+                <p:cond evt="onNext" delay="0">
+                  <p:tgtEl>
+                    <p:sldTgt/>
+                  </p:tgtEl>
+                </p:cond>
+              </p:nextCondLst>
+            </p:seq>
+          </p:childTnLst>
+        </p:cTn>
       </p:par>
     </p:tnLst>
+    <p:bldLst>
+      <p:bldP spid="2" grpId="0"/>
+      <p:bldP spid="56" grpId="0" animBg="1"/>
+    </p:bldLst>
   </p:timing>
 </p:sld>
 </file>
